--- a/p42-jacobson_ja/p42-jacobson_ja.pptx
+++ b/p42-jacobson_ja/p42-jacobson_ja.pptx
@@ -295,7 +295,7 @@
           <a:p>
             <a:fld id="{0250A163-ACDB-304E-8C8E-D7913C06F9E0}" type="datetimeFigureOut">
               <a:rPr lang="en-US" smtClean="0"/>
-              <a:t>4/3/13</a:t>
+              <a:t>4/8/13</a:t>
             </a:fld>
             <a:endParaRPr lang="en-US"/>
           </a:p>
@@ -465,7 +465,7 @@
           <a:p>
             <a:fld id="{0250A163-ACDB-304E-8C8E-D7913C06F9E0}" type="datetimeFigureOut">
               <a:rPr lang="en-US" smtClean="0"/>
-              <a:t>4/3/13</a:t>
+              <a:t>4/8/13</a:t>
             </a:fld>
             <a:endParaRPr lang="en-US"/>
           </a:p>
@@ -645,7 +645,7 @@
           <a:p>
             <a:fld id="{0250A163-ACDB-304E-8C8E-D7913C06F9E0}" type="datetimeFigureOut">
               <a:rPr lang="en-US" smtClean="0"/>
-              <a:t>4/3/13</a:t>
+              <a:t>4/8/13</a:t>
             </a:fld>
             <a:endParaRPr lang="en-US"/>
           </a:p>
@@ -815,7 +815,7 @@
           <a:p>
             <a:fld id="{0250A163-ACDB-304E-8C8E-D7913C06F9E0}" type="datetimeFigureOut">
               <a:rPr lang="en-US" smtClean="0"/>
-              <a:t>4/3/13</a:t>
+              <a:t>4/8/13</a:t>
             </a:fld>
             <a:endParaRPr lang="en-US"/>
           </a:p>
@@ -1061,7 +1061,7 @@
           <a:p>
             <a:fld id="{0250A163-ACDB-304E-8C8E-D7913C06F9E0}" type="datetimeFigureOut">
               <a:rPr lang="en-US" smtClean="0"/>
-              <a:t>4/3/13</a:t>
+              <a:t>4/8/13</a:t>
             </a:fld>
             <a:endParaRPr lang="en-US"/>
           </a:p>
@@ -1349,7 +1349,7 @@
           <a:p>
             <a:fld id="{0250A163-ACDB-304E-8C8E-D7913C06F9E0}" type="datetimeFigureOut">
               <a:rPr lang="en-US" smtClean="0"/>
-              <a:t>4/3/13</a:t>
+              <a:t>4/8/13</a:t>
             </a:fld>
             <a:endParaRPr lang="en-US"/>
           </a:p>
@@ -1776,7 +1776,7 @@
           <a:p>
             <a:fld id="{0250A163-ACDB-304E-8C8E-D7913C06F9E0}" type="datetimeFigureOut">
               <a:rPr lang="en-US" smtClean="0"/>
-              <a:t>4/3/13</a:t>
+              <a:t>4/8/13</a:t>
             </a:fld>
             <a:endParaRPr lang="en-US"/>
           </a:p>
@@ -1894,7 +1894,7 @@
           <a:p>
             <a:fld id="{0250A163-ACDB-304E-8C8E-D7913C06F9E0}" type="datetimeFigureOut">
               <a:rPr lang="en-US" smtClean="0"/>
-              <a:t>4/3/13</a:t>
+              <a:t>4/8/13</a:t>
             </a:fld>
             <a:endParaRPr lang="en-US"/>
           </a:p>
@@ -1989,7 +1989,7 @@
           <a:p>
             <a:fld id="{0250A163-ACDB-304E-8C8E-D7913C06F9E0}" type="datetimeFigureOut">
               <a:rPr lang="en-US" smtClean="0"/>
-              <a:t>4/3/13</a:t>
+              <a:t>4/8/13</a:t>
             </a:fld>
             <a:endParaRPr lang="en-US"/>
           </a:p>
@@ -2266,7 +2266,7 @@
           <a:p>
             <a:fld id="{0250A163-ACDB-304E-8C8E-D7913C06F9E0}" type="datetimeFigureOut">
               <a:rPr lang="en-US" smtClean="0"/>
-              <a:t>4/3/13</a:t>
+              <a:t>4/8/13</a:t>
             </a:fld>
             <a:endParaRPr lang="en-US"/>
           </a:p>
@@ -2519,7 +2519,7 @@
           <a:p>
             <a:fld id="{0250A163-ACDB-304E-8C8E-D7913C06F9E0}" type="datetimeFigureOut">
               <a:rPr lang="en-US" smtClean="0"/>
-              <a:t>4/3/13</a:t>
+              <a:t>4/8/13</a:t>
             </a:fld>
             <a:endParaRPr lang="en-US"/>
           </a:p>
@@ -2732,7 +2732,7 @@
           <a:p>
             <a:fld id="{0250A163-ACDB-304E-8C8E-D7913C06F9E0}" type="datetimeFigureOut">
               <a:rPr lang="en-US" smtClean="0"/>
-              <a:t>4/3/13</a:t>
+              <a:t>4/8/13</a:t>
             </a:fld>
             <a:endParaRPr lang="en-US"/>
           </a:p>
@@ -3189,7 +3189,7 @@
         <p:spPr>
           <a:xfrm>
             <a:off x="165007" y="1371600"/>
-            <a:ext cx="3429000" cy="415498"/>
+            <a:ext cx="3429000" cy="253916"/>
           </a:xfrm>
           <a:prstGeom prst="rect">
             <a:avLst/>
@@ -3202,35 +3202,28 @@
           <a:lstStyle/>
           <a:p>
             <a:r>
-              <a:rPr lang="en-US" sz="1050" dirty="0" smtClean="0">
-                <a:latin typeface="ヒラギノ角ゴ Pro W3"/>
-                <a:ea typeface="ヒラギノ角ゴ Pro W3"/>
-                <a:cs typeface="ヒラギノ角ゴ Pro W3"/>
-              </a:rPr>
-              <a:t>Article development led by ACM queue</a:t>
-            </a:r>
-            <a:br>
-              <a:rPr lang="en-US" sz="1050" dirty="0" smtClean="0">
-                <a:latin typeface="ヒラギノ角ゴ Pro W3"/>
-                <a:ea typeface="ヒラギノ角ゴ Pro W3"/>
-                <a:cs typeface="ヒラギノ角ゴ Pro W3"/>
-              </a:rPr>
-            </a:br>
-            <a:r>
-              <a:rPr lang="en-US" sz="1050" dirty="0" smtClean="0">
-                <a:latin typeface="ヒラギノ角ゴ Pro W3"/>
-                <a:ea typeface="ヒラギノ角ゴ Pro W3"/>
-                <a:cs typeface="ヒラギノ角ゴ Pro W3"/>
-              </a:rPr>
-              <a:t> </a:t>
-            </a:r>
-            <a:r>
-              <a:rPr lang="en-US" sz="1050" dirty="0" err="1" smtClean="0">
+              <a:rPr lang="en-US" sz="1050" dirty="0">
+                <a:latin typeface="ヒラギノ角ゴ Pro W3"/>
+                <a:ea typeface="ヒラギノ角ゴ Pro W3"/>
+                <a:cs typeface="ヒラギノ角ゴ Pro W3"/>
+              </a:rPr>
+              <a:t>ACM queue( </a:t>
+            </a:r>
+            <a:r>
+              <a:rPr lang="en-US" sz="1050" dirty="0" err="1">
                 <a:latin typeface="ヒラギノ角ゴ Pro W3"/>
                 <a:ea typeface="ヒラギノ角ゴ Pro W3"/>
                 <a:cs typeface="ヒラギノ角ゴ Pro W3"/>
               </a:rPr>
               <a:t>queue.acm.org</a:t>
+            </a:r>
+            <a:r>
+              <a:rPr lang="en-US" sz="1050" dirty="0">
+                <a:latin typeface="ヒラギノ角ゴ Pro W3"/>
+                <a:ea typeface="ヒラギノ角ゴ Pro W3"/>
+                <a:cs typeface="ヒラギノ角ゴ Pro W3"/>
+              </a:rPr>
+              <a:t>) 記事</a:t>
             </a:r>
             <a:endParaRPr lang="en-US" sz="1050" dirty="0">
               <a:latin typeface="ヒラギノ角ゴ Pro W3"/>
@@ -3320,8 +3313,8 @@
         </p:nvSpPr>
         <p:spPr>
           <a:xfrm>
-            <a:off x="253907" y="1930568"/>
-            <a:ext cx="2997200" cy="430887"/>
+            <a:off x="253906" y="1930568"/>
+            <a:ext cx="3822793" cy="430887"/>
           </a:xfrm>
           <a:prstGeom prst="rect">
             <a:avLst/>
@@ -3334,7 +3327,7 @@
           <a:lstStyle/>
           <a:p>
             <a:r>
-              <a:rPr lang="en-US" sz="1100" dirty="0" smtClean="0">
+              <a:rPr lang="ja-JP" altLang="en-US" sz="1100" dirty="0">
                 <a:solidFill>
                   <a:srgbClr val="008000"/>
                 </a:solidFill>
@@ -3342,12 +3335,10 @@
                 <a:ea typeface="ヒラギノ角ゴ Std W8"/>
                 <a:cs typeface="ヒラギノ角ゴ Std W8"/>
               </a:rPr>
-              <a:t>A thinking framework in the form </a:t>
-            </a:r>
-          </a:p>
-          <a:p>
-            <a:r>
-              <a:rPr lang="en-US" sz="1100" dirty="0" smtClean="0">
+              <a:t>思考フレームワークを「アクション可能なカーネル</a:t>
+            </a:r>
+            <a:r>
+              <a:rPr lang="en-US" altLang="ja-JP" sz="1100" dirty="0">
                 <a:solidFill>
                   <a:srgbClr val="008000"/>
                 </a:solidFill>
@@ -3355,7 +3346,18 @@
                 <a:ea typeface="ヒラギノ角ゴ Std W8"/>
                 <a:cs typeface="ヒラギノ角ゴ Std W8"/>
               </a:rPr>
-              <a:t>of an actionable kernel.</a:t>
+              <a:t>(actionable kernel)</a:t>
+            </a:r>
+            <a:r>
+              <a:rPr lang="ja-JP" altLang="en-US" sz="1100" dirty="0">
+                <a:solidFill>
+                  <a:srgbClr val="008000"/>
+                </a:solidFill>
+                <a:latin typeface="ヒラギノ角ゴ Std W8"/>
+                <a:ea typeface="ヒラギノ角ゴ Std W8"/>
+                <a:cs typeface="ヒラギノ角ゴ Std W8"/>
+              </a:rPr>
+              <a:t>」として提示する。</a:t>
             </a:r>
             <a:endParaRPr lang="en-US" sz="1100" dirty="0">
               <a:solidFill>
@@ -3625,7 +3627,7 @@
         <p:spPr>
           <a:xfrm>
             <a:off x="253906" y="3038039"/>
-            <a:ext cx="4064093" cy="2862322"/>
+            <a:ext cx="4064093" cy="1754327"/>
           </a:xfrm>
           <a:prstGeom prst="rect">
             <a:avLst/>
@@ -3638,99 +3640,40 @@
           <a:lstStyle/>
           <a:p>
             <a:r>
-              <a:rPr lang="en-US" sz="3600" dirty="0" smtClean="0">
+              <a:rPr lang="ja-JP" altLang="en-US" sz="3600" dirty="0">
                 <a:latin typeface="ヒラギノ角ゴ Std W8"/>
                 <a:ea typeface="ヒラギノ角ゴ Std W8"/>
                 <a:cs typeface="ヒラギノ角ゴ Std W8"/>
               </a:rPr>
-              <a:t>The Essence </a:t>
-            </a:r>
-          </a:p>
-          <a:p>
-            <a:r>
-              <a:rPr lang="en-US" sz="3600" dirty="0">
+              <a:t>ソフトウェア工学のエッセンス</a:t>
+            </a:r>
+            <a:r>
+              <a:rPr lang="en-US" altLang="ja-JP" sz="3600" dirty="0">
                 <a:latin typeface="ヒラギノ角ゴ Std W8"/>
                 <a:ea typeface="ヒラギノ角ゴ Std W8"/>
                 <a:cs typeface="ヒラギノ角ゴ Std W8"/>
               </a:rPr>
-              <a:t>o</a:t>
-            </a:r>
-            <a:r>
-              <a:rPr lang="en-US" sz="3600" dirty="0" smtClean="0">
+              <a:t>:</a:t>
+            </a:r>
+          </a:p>
+          <a:p>
+            <a:r>
+              <a:rPr lang="en-US" altLang="ja-JP" sz="3600" dirty="0" smtClean="0">
                 <a:latin typeface="ヒラギノ角ゴ Std W8"/>
                 <a:ea typeface="ヒラギノ角ゴ Std W8"/>
                 <a:cs typeface="ヒラギノ角ゴ Std W8"/>
               </a:rPr>
-              <a:t>f Software </a:t>
-            </a:r>
-          </a:p>
-          <a:p>
-            <a:r>
-              <a:rPr lang="en-US" sz="3600" dirty="0">
+              <a:t>SEMAT</a:t>
+            </a:r>
+            <a:r>
+              <a:rPr lang="ja-JP" altLang="en-US" sz="3600" dirty="0" smtClean="0">
                 <a:latin typeface="ヒラギノ角ゴ Std W8"/>
                 <a:ea typeface="ヒラギノ角ゴ Std W8"/>
                 <a:cs typeface="ヒラギノ角ゴ Std W8"/>
               </a:rPr>
-              <a:t>E</a:t>
-            </a:r>
-            <a:r>
-              <a:rPr lang="en-US" sz="3600" dirty="0" smtClean="0">
-                <a:latin typeface="ヒラギノ角ゴ Std W8"/>
-                <a:ea typeface="ヒラギノ角ゴ Std W8"/>
-                <a:cs typeface="ヒラギノ角ゴ Std W8"/>
-              </a:rPr>
-              <a:t>ngineering: </a:t>
-            </a:r>
-          </a:p>
-          <a:p>
-            <a:r>
-              <a:rPr lang="en-US" sz="3600" dirty="0">
-                <a:latin typeface="ヒラギノ角ゴ Std W8"/>
-                <a:ea typeface="ヒラギノ角ゴ Std W8"/>
-                <a:cs typeface="ヒラギノ角ゴ Std W8"/>
-              </a:rPr>
-              <a:t>T</a:t>
-            </a:r>
-            <a:r>
-              <a:rPr lang="en-US" sz="3600" dirty="0" smtClean="0">
-                <a:latin typeface="ヒラギノ角ゴ Std W8"/>
-                <a:ea typeface="ヒラギノ角ゴ Std W8"/>
-                <a:cs typeface="ヒラギノ角ゴ Std W8"/>
-              </a:rPr>
-              <a:t>he </a:t>
-            </a:r>
-            <a:r>
-              <a:rPr lang="en-US" sz="3600" dirty="0" err="1">
-                <a:latin typeface="ヒラギノ角ゴ Std W8"/>
-                <a:ea typeface="ヒラギノ角ゴ Std W8"/>
-                <a:cs typeface="ヒラギノ角ゴ Std W8"/>
-              </a:rPr>
-              <a:t>S</a:t>
-            </a:r>
-            <a:r>
-              <a:rPr lang="en-US" sz="3600" dirty="0" err="1" smtClean="0">
-                <a:latin typeface="ヒラギノ角ゴ Std W8"/>
-                <a:ea typeface="ヒラギノ角ゴ Std W8"/>
-                <a:cs typeface="ヒラギノ角ゴ Std W8"/>
-              </a:rPr>
-              <a:t>emat</a:t>
-            </a:r>
-            <a:endParaRPr lang="en-US" sz="3600" dirty="0" smtClean="0">
-              <a:latin typeface="ヒラギノ角ゴ Std W8"/>
-              <a:ea typeface="ヒラギノ角ゴ Std W8"/>
-              <a:cs typeface="ヒラギノ角ゴ Std W8"/>
-            </a:endParaRPr>
-          </a:p>
-          <a:p>
-            <a:r>
-              <a:rPr lang="en-US" sz="3600" dirty="0" smtClean="0">
-                <a:latin typeface="ヒラギノ角ゴ Std W8"/>
-                <a:ea typeface="ヒラギノ角ゴ Std W8"/>
-                <a:cs typeface="ヒラギノ角ゴ Std W8"/>
-              </a:rPr>
-              <a:t>Kernel</a:t>
-            </a:r>
-            <a:endParaRPr lang="en-US" sz="3600" dirty="0">
+              <a:t>カーネル</a:t>
+            </a:r>
+            <a:endParaRPr lang="en-US" dirty="0">
               <a:latin typeface="ヒラギノ角ゴ Std W8"/>
               <a:ea typeface="ヒラギノ角ゴ Std W8"/>
               <a:cs typeface="ヒラギノ角ゴ Std W8"/>
@@ -3761,23 +3704,94 @@
           <a:lstStyle/>
           <a:p>
             <a:r>
-              <a:rPr lang="en-US" sz="1200" dirty="0" smtClean="0">
-                <a:latin typeface="ヒラギノ角ゴ Pro W3"/>
-                <a:ea typeface="ヒラギノ角ゴ Pro W3"/>
-                <a:cs typeface="ヒラギノ角ゴ Pro W3"/>
-              </a:rPr>
-              <a:t>e </a:t>
-            </a:r>
-            <a:r>
-              <a:rPr lang="en-US" sz="1200" dirty="0" err="1" smtClean="0">
-                <a:latin typeface="ヒラギノ角ゴ Pro W3"/>
-                <a:ea typeface="ヒラギノ角ゴ Pro W3"/>
-                <a:cs typeface="ヒラギノ角ゴ Pro W3"/>
-              </a:rPr>
-              <a:t>Ve</a:t>
-            </a:r>
-            <a:r>
-              <a:rPr lang="en-US" sz="1200" dirty="0" smtClean="0">
+              <a:rPr lang="ja-JP" altLang="en-US" sz="1200" dirty="0">
+                <a:latin typeface="ヒラギノ角ゴ Pro W3"/>
+                <a:ea typeface="ヒラギノ角ゴ Pro W3"/>
+                <a:cs typeface="ヒラギノ角ゴ Pro W3"/>
+              </a:rPr>
+              <a:t>ソフトウェア開発に携わる人なら誰でも、それが複雑でリスクの高い仕事であること、そして参加者がよりよいソフトウェアにつながる新しいアイディアを、いつでも探していることを知っている。幸運なことに、ソフトウェア工学は、まだその若年代にあり毎年毎年ベストプラクティスの中に新しいイノベーションと改善を見ることができる、成長過程の専門分野だ</a:t>
+            </a:r>
+            <a:r>
+              <a:rPr lang="ja-JP" altLang="en-US" sz="1200" dirty="0" smtClean="0">
+                <a:latin typeface="ヒラギノ角ゴ Pro W3"/>
+                <a:ea typeface="ヒラギノ角ゴ Pro W3"/>
+                <a:cs typeface="ヒラギノ角ゴ Pro W3"/>
+              </a:rPr>
+              <a:t>。</a:t>
+            </a:r>
+            <a:r>
+              <a:rPr lang="en-US" altLang="ja-JP" sz="1200" dirty="0" smtClean="0">
+                <a:latin typeface="ヒラギノ角ゴ Pro W3"/>
+                <a:ea typeface="ヒラギノ角ゴ Pro W3"/>
+                <a:cs typeface="ヒラギノ角ゴ Pro W3"/>
+              </a:rPr>
+              <a:t/>
+            </a:r>
+            <a:br>
+              <a:rPr lang="en-US" altLang="ja-JP" sz="1200" dirty="0" smtClean="0">
+                <a:latin typeface="ヒラギノ角ゴ Pro W3"/>
+                <a:ea typeface="ヒラギノ角ゴ Pro W3"/>
+                <a:cs typeface="ヒラギノ角ゴ Pro W3"/>
+              </a:rPr>
+            </a:br>
+            <a:r>
+              <a:rPr lang="ja-JP" altLang="en-US" sz="1200" dirty="0">
+                <a:latin typeface="ヒラギノ角ゴ Pro W3"/>
+                <a:ea typeface="ヒラギノ角ゴ Pro W3"/>
+                <a:cs typeface="ヒラギノ角ゴ Pro W3"/>
+              </a:rPr>
+              <a:t>例えば、リーンとアジャイルの考え方</a:t>
+            </a:r>
+            <a:r>
+              <a:rPr lang="en-US" altLang="ja-JP" sz="1200" dirty="0">
+                <a:latin typeface="ヒラギノ角ゴ Pro W3"/>
+                <a:ea typeface="ヒラギノ角ゴ Pro W3"/>
+                <a:cs typeface="ヒラギノ角ゴ Pro W3"/>
+              </a:rPr>
+              <a:t>(</a:t>
+            </a:r>
+            <a:r>
+              <a:rPr lang="en-US" altLang="ja-JP" sz="1200" dirty="0" smtClean="0">
+                <a:latin typeface="ヒラギノ角ゴ Pro W3"/>
+                <a:ea typeface="ヒラギノ角ゴ Pro W3"/>
+                <a:cs typeface="ヒラギノ角ゴ Pro W3"/>
+              </a:rPr>
+              <a:t>lean and </a:t>
+            </a:r>
+            <a:r>
+              <a:rPr lang="en-US" altLang="ja-JP" sz="1200" dirty="0">
+                <a:latin typeface="ヒラギノ角ゴ Pro W3"/>
+                <a:ea typeface="ヒラギノ角ゴ Pro W3"/>
+                <a:cs typeface="ヒラギノ角ゴ Pro W3"/>
+              </a:rPr>
+              <a:t>agile thinking)</a:t>
+            </a:r>
+            <a:r>
+              <a:rPr lang="ja-JP" altLang="en-US" sz="1200" dirty="0">
+                <a:latin typeface="ヒラギノ角ゴ Pro W3"/>
+                <a:ea typeface="ヒラギノ角ゴ Pro W3"/>
+                <a:cs typeface="ヒラギノ角ゴ Pro W3"/>
+              </a:rPr>
+              <a:t>がソフトウェア開発チームにもたらした改善と恩恵を見てみれば分かる。成功しているソフトウェア開発チームは、すばやく動くソフトウェアシステムを提供すること、ステークホルダーを満足させること、リスクに対処すること、そして仕事の仕方</a:t>
+            </a:r>
+            <a:r>
+              <a:rPr lang="en-US" altLang="ja-JP" sz="1200" dirty="0">
+                <a:latin typeface="ヒラギノ角ゴ Pro W3"/>
+                <a:ea typeface="ヒラギノ角ゴ Pro W3"/>
+                <a:cs typeface="ヒラギノ角ゴ Pro W3"/>
+              </a:rPr>
+              <a:t>(</a:t>
+            </a:r>
+            <a:r>
+              <a:rPr lang="en-US" altLang="ja-JP" sz="1200" dirty="0" smtClean="0">
+                <a:latin typeface="ヒラギノ角ゴ Pro W3"/>
+                <a:ea typeface="ヒラギノ角ゴ Pro W3"/>
+                <a:cs typeface="ヒラギノ角ゴ Pro W3"/>
+              </a:rPr>
+              <a:t>way</a:t>
+            </a:r>
+            <a:r>
+              <a:rPr lang="en-US" altLang="ja-JP" sz="1200" dirty="0">
                 <a:latin typeface="ヒラギノ角ゴ Pro W3"/>
                 <a:ea typeface="ヒラギノ角ゴ Pro W3"/>
                 <a:cs typeface="ヒラギノ角ゴ Pro W3"/>
@@ -3785,46 +3799,60 @@
               <a:t> </a:t>
             </a:r>
             <a:r>
-              <a:rPr lang="en-US" sz="1200" dirty="0" err="1" smtClean="0">
-                <a:latin typeface="ヒラギノ角ゴ Pro W3"/>
-                <a:ea typeface="ヒラギノ角ゴ Pro W3"/>
-                <a:cs typeface="ヒラギノ角ゴ Pro W3"/>
-              </a:rPr>
-              <a:t>rYone</a:t>
-            </a:r>
-            <a:r>
-              <a:rPr lang="en-US" sz="1200" dirty="0" smtClean="0">
-                <a:latin typeface="ヒラギノ角ゴ Pro W3"/>
-                <a:ea typeface="ヒラギノ角ゴ Pro W3"/>
-                <a:cs typeface="ヒラギノ角ゴ Pro W3"/>
-              </a:rPr>
-              <a:t> Who </a:t>
-            </a:r>
-            <a:r>
-              <a:rPr lang="en-US" sz="1200" dirty="0" err="1" smtClean="0">
-                <a:latin typeface="ヒラギノ角ゴ Pro W3"/>
-                <a:ea typeface="ヒラギノ角ゴ Pro W3"/>
-                <a:cs typeface="ヒラギノ角ゴ Pro W3"/>
-              </a:rPr>
-              <a:t>deVeLops</a:t>
-            </a:r>
-            <a:r>
-              <a:rPr lang="en-US" sz="1200" dirty="0" smtClean="0">
-                <a:latin typeface="ヒラギノ角ゴ Pro W3"/>
-                <a:ea typeface="ヒラギノ角ゴ Pro W3"/>
-                <a:cs typeface="ヒラギノ角ゴ Pro W3"/>
-              </a:rPr>
-              <a:t> software knows it is a complex and risky business, and its participants are always on the lookout for new ideas that will lead to better software. Fortunately, software engineering is still a young and growing profession that sees innovations and improvements in best practices every year. Just look, for example, at the improvements and </a:t>
-            </a:r>
-          </a:p>
-          <a:p>
-            <a:r>
-              <a:rPr lang="en-US" sz="1200" dirty="0" smtClean="0">
-                <a:latin typeface="ヒラギノ角ゴ Pro W3"/>
-                <a:ea typeface="ヒラギノ角ゴ Pro W3"/>
-                <a:cs typeface="ヒラギノ角ゴ Pro W3"/>
-              </a:rPr>
-              <a:t>benefits that lean and agile thinking have brought to software-development teams. Successful software-development teams need to strike a balance between quickly delivering working software systems, satisfying their stakeholders,</a:t>
+              <a:rPr lang="en-US" altLang="ja-JP" sz="1200" dirty="0" smtClean="0">
+                <a:latin typeface="ヒラギノ角ゴ Pro W3"/>
+                <a:ea typeface="ヒラギノ角ゴ Pro W3"/>
+                <a:cs typeface="ヒラギノ角ゴ Pro W3"/>
+              </a:rPr>
+              <a:t>of </a:t>
+            </a:r>
+            <a:r>
+              <a:rPr lang="en-US" altLang="ja-JP" sz="1200" dirty="0">
+                <a:latin typeface="ヒラギノ角ゴ Pro W3"/>
+                <a:ea typeface="ヒラギノ角ゴ Pro W3"/>
+                <a:cs typeface="ヒラギノ角ゴ Pro W3"/>
+              </a:rPr>
+              <a:t>working)</a:t>
+            </a:r>
+            <a:r>
+              <a:rPr lang="ja-JP" altLang="en-US" sz="1200" dirty="0">
+                <a:latin typeface="ヒラギノ角ゴ Pro W3"/>
+                <a:ea typeface="ヒラギノ角ゴ Pro W3"/>
+                <a:cs typeface="ヒラギノ角ゴ Pro W3"/>
+              </a:rPr>
+              <a:t>を改善すること、これらのバランスをうまくとらなくては</a:t>
+            </a:r>
+            <a:r>
+              <a:rPr lang="ja-JP" altLang="en-US" sz="1200" dirty="0" smtClean="0">
+                <a:latin typeface="ヒラギノ角ゴ Pro W3"/>
+                <a:ea typeface="ヒラギノ角ゴ Pro W3"/>
+                <a:cs typeface="ヒラギノ角ゴ Pro W3"/>
+              </a:rPr>
+              <a:t>なら</a:t>
+            </a:r>
+            <a:r>
+              <a:rPr lang="ja-JP" altLang="en-US" sz="1200" dirty="0" smtClean="0">
+                <a:latin typeface="ヒラギノ角ゴ Pro W3"/>
+                <a:ea typeface="ヒラギノ角ゴ Pro W3"/>
+                <a:cs typeface="ヒラギノ角ゴ Pro W3"/>
+              </a:rPr>
+              <a:t>な</a:t>
+            </a:r>
+            <a:r>
+              <a:rPr lang="ja-JP" altLang="en-US" sz="1200" dirty="0" smtClean="0">
+                <a:latin typeface="ヒラギノ角ゴ Pro W3"/>
+                <a:ea typeface="ヒラギノ角ゴ Pro W3"/>
+                <a:cs typeface="ヒラギノ角ゴ Pro W3"/>
+              </a:rPr>
+              <a:t>い</a:t>
+            </a:r>
+            <a:r>
+              <a:rPr lang="ja-JP" altLang="en-US" sz="1200" dirty="0">
+                <a:latin typeface="ヒラギノ角ゴ Pro W3"/>
+                <a:ea typeface="ヒラギノ角ゴ Pro W3"/>
+                <a:cs typeface="ヒラギノ角ゴ Pro W3"/>
+              </a:rPr>
+              <a:t>。</a:t>
             </a:r>
             <a:endParaRPr lang="en-US" sz="1200" dirty="0">
               <a:latin typeface="ヒラギノ角ゴ Pro W3"/>
@@ -3843,7 +3871,7 @@
         <p:spPr>
           <a:xfrm>
             <a:off x="4305299" y="1306537"/>
-            <a:ext cx="2374901" cy="8540795"/>
+            <a:ext cx="2374901" cy="8402296"/>
           </a:xfrm>
           <a:prstGeom prst="rect">
             <a:avLst/>
@@ -3856,12 +3884,215 @@
           <a:lstStyle/>
           <a:p>
             <a:r>
-              <a:rPr lang="en-US" sz="900" dirty="0" smtClean="0">
-                <a:latin typeface="ヒラギノ角ゴ Pro W3"/>
-                <a:ea typeface="ヒラギノ角ゴ Pro W3"/>
-                <a:cs typeface="ヒラギノ角ゴ Pro W3"/>
-              </a:rPr>
-              <a:t>addressing their risks, and improving their ways of working. For that, they need an effective thinking framework that bridges the gap between their current way of working and any new ideas they want to adopt. This article presents such a thinking framework in the form of an actionable kernel, which could benefit any team wishing to balance their risks and improve their way of working.</a:t>
+              <a:rPr lang="ja-JP" altLang="en-US" sz="900" dirty="0">
+                <a:latin typeface="ヒラギノ角ゴ Pro W3"/>
+                <a:ea typeface="ヒラギノ角ゴ Pro W3"/>
+                <a:cs typeface="ヒラギノ角ゴ Pro W3"/>
+              </a:rPr>
+              <a:t>そのためには、現在の仕事の仕方</a:t>
+            </a:r>
+            <a:r>
+              <a:rPr lang="en-US" altLang="ja-JP" sz="900" dirty="0">
+                <a:latin typeface="ヒラギノ角ゴ Pro W3"/>
+                <a:ea typeface="ヒラギノ角ゴ Pro W3"/>
+                <a:cs typeface="ヒラギノ角ゴ Pro W3"/>
+              </a:rPr>
+              <a:t>(way of</a:t>
+            </a:r>
+          </a:p>
+          <a:p>
+            <a:r>
+              <a:rPr lang="en-US" altLang="ja-JP" sz="900" dirty="0">
+                <a:latin typeface="ヒラギノ角ゴ Pro W3"/>
+                <a:ea typeface="ヒラギノ角ゴ Pro W3"/>
+                <a:cs typeface="ヒラギノ角ゴ Pro W3"/>
+              </a:rPr>
+              <a:t>working)</a:t>
+            </a:r>
+            <a:r>
+              <a:rPr lang="ja-JP" altLang="en-US" sz="900" dirty="0">
+                <a:latin typeface="ヒラギノ角ゴ Pro W3"/>
+                <a:ea typeface="ヒラギノ角ゴ Pro W3"/>
+                <a:cs typeface="ヒラギノ角ゴ Pro W3"/>
+              </a:rPr>
+              <a:t>と採用しようとする新しいアイディアのギャップを橋渡しする、効果的な思考</a:t>
+            </a:r>
+            <a:r>
+              <a:rPr lang="ja-JP" altLang="en-US" sz="900" dirty="0" smtClean="0">
+                <a:latin typeface="ヒラギノ角ゴ Pro W3"/>
+                <a:ea typeface="ヒラギノ角ゴ Pro W3"/>
+                <a:cs typeface="ヒラギノ角ゴ Pro W3"/>
+              </a:rPr>
+              <a:t>フレームワーク</a:t>
+            </a:r>
+            <a:r>
+              <a:rPr lang="en-US" altLang="ja-JP" sz="900" dirty="0" smtClean="0">
+                <a:latin typeface="ヒラギノ角ゴ Pro W3"/>
+                <a:ea typeface="ヒラギノ角ゴ Pro W3"/>
+                <a:cs typeface="ヒラギノ角ゴ Pro W3"/>
+              </a:rPr>
+              <a:t> ( thinking framework) </a:t>
+            </a:r>
+            <a:r>
+              <a:rPr lang="ja-JP" altLang="en-US" sz="900" dirty="0" smtClean="0">
+                <a:latin typeface="ヒラギノ角ゴ Pro W3"/>
+                <a:ea typeface="ヒラギノ角ゴ Pro W3"/>
+                <a:cs typeface="ヒラギノ角ゴ Pro W3"/>
+              </a:rPr>
+              <a:t>が</a:t>
+            </a:r>
+            <a:r>
+              <a:rPr lang="ja-JP" altLang="en-US" sz="900" dirty="0">
+                <a:latin typeface="ヒラギノ角ゴ Pro W3"/>
+                <a:ea typeface="ヒラギノ角ゴ Pro W3"/>
+                <a:cs typeface="ヒラギノ角ゴ Pro W3"/>
+              </a:rPr>
+              <a:t>必要だ。この記事は、そのような思考フレームワークを「アクション可能な</a:t>
+            </a:r>
+            <a:r>
+              <a:rPr lang="ja-JP" altLang="en-US" sz="900" dirty="0" smtClean="0">
+                <a:latin typeface="ヒラギノ角ゴ Pro W3"/>
+                <a:ea typeface="ヒラギノ角ゴ Pro W3"/>
+                <a:cs typeface="ヒラギノ角ゴ Pro W3"/>
+              </a:rPr>
+              <a:t>カーネル</a:t>
+            </a:r>
+            <a:r>
+              <a:rPr lang="en-US" altLang="ja-JP" sz="900" dirty="0" smtClean="0">
+                <a:latin typeface="ヒラギノ角ゴ Pro W3"/>
+                <a:ea typeface="ヒラギノ角ゴ Pro W3"/>
+                <a:cs typeface="ヒラギノ角ゴ Pro W3"/>
+              </a:rPr>
+              <a:t> ( actionable</a:t>
+            </a:r>
+            <a:endParaRPr lang="en-US" altLang="ja-JP" sz="900" dirty="0">
+              <a:latin typeface="ヒラギノ角ゴ Pro W3"/>
+              <a:ea typeface="ヒラギノ角ゴ Pro W3"/>
+              <a:cs typeface="ヒラギノ角ゴ Pro W3"/>
+            </a:endParaRPr>
+          </a:p>
+          <a:p>
+            <a:r>
+              <a:rPr lang="en-US" altLang="ja-JP" sz="900" dirty="0">
+                <a:latin typeface="ヒラギノ角ゴ Pro W3"/>
+                <a:ea typeface="ヒラギノ角ゴ Pro W3"/>
+                <a:cs typeface="ヒラギノ角ゴ Pro W3"/>
+              </a:rPr>
+              <a:t>kernel)</a:t>
+            </a:r>
+            <a:r>
+              <a:rPr lang="ja-JP" altLang="en-US" sz="900" dirty="0">
+                <a:latin typeface="ヒラギノ角ゴ Pro W3"/>
+                <a:ea typeface="ヒラギノ角ゴ Pro W3"/>
+                <a:cs typeface="ヒラギノ角ゴ Pro W3"/>
+              </a:rPr>
+              <a:t>」の形で提示することで、リスクと仕事の仕方の改善のバランスさせようとしているチームを支援したい</a:t>
+            </a:r>
+            <a:r>
+              <a:rPr lang="ja-JP" altLang="en-US" sz="900" dirty="0" smtClean="0">
+                <a:latin typeface="ヒラギノ角ゴ Pro W3"/>
+                <a:ea typeface="ヒラギノ角ゴ Pro W3"/>
+                <a:cs typeface="ヒラギノ角ゴ Pro W3"/>
+              </a:rPr>
+              <a:t>。</a:t>
+            </a:r>
+            <a:endParaRPr lang="en-US" altLang="ja-JP" sz="900" dirty="0" smtClean="0">
+              <a:latin typeface="ヒラギノ角ゴ Pro W3"/>
+              <a:ea typeface="ヒラギノ角ゴ Pro W3"/>
+              <a:cs typeface="ヒラギノ角ゴ Pro W3"/>
+            </a:endParaRPr>
+          </a:p>
+          <a:p>
+            <a:endParaRPr lang="en-US" altLang="ja-JP" sz="900" dirty="0" smtClean="0">
+              <a:latin typeface="ヒラギノ角ゴ Pro W3"/>
+              <a:ea typeface="ヒラギノ角ゴ Pro W3"/>
+              <a:cs typeface="ヒラギノ角ゴ Pro W3"/>
+            </a:endParaRPr>
+          </a:p>
+          <a:p>
+            <a:r>
+              <a:rPr lang="ja-JP" altLang="en-US" sz="900" dirty="0" smtClean="0">
+                <a:latin typeface="ヒラギノ角ゴ Pro W3"/>
+                <a:ea typeface="ヒラギノ角ゴ Pro W3"/>
+                <a:cs typeface="ヒラギノ角ゴ Pro W3"/>
+              </a:rPr>
+              <a:t>この</a:t>
+            </a:r>
+            <a:r>
+              <a:rPr lang="ja-JP" altLang="en-US" sz="900" dirty="0">
+                <a:latin typeface="ヒラギノ角ゴ Pro W3"/>
+                <a:ea typeface="ヒラギノ角ゴ Pro W3"/>
+                <a:cs typeface="ヒラギノ角ゴ Pro W3"/>
+              </a:rPr>
+              <a:t>カーネルの構築、すなわち「ソフトウェア工学のエッセンス</a:t>
+            </a:r>
+            <a:r>
+              <a:rPr lang="en-US" altLang="ja-JP" sz="900" dirty="0">
+                <a:latin typeface="ヒラギノ角ゴ Pro W3"/>
+                <a:ea typeface="ヒラギノ角ゴ Pro W3"/>
+                <a:cs typeface="ヒラギノ角ゴ Pro W3"/>
+              </a:rPr>
+              <a:t>(the essence of </a:t>
+            </a:r>
+            <a:r>
+              <a:rPr lang="en-US" altLang="ja-JP" sz="900" dirty="0" smtClean="0">
+                <a:latin typeface="ヒラギノ角ゴ Pro W3"/>
+                <a:ea typeface="ヒラギノ角ゴ Pro W3"/>
+                <a:cs typeface="ヒラギノ角ゴ Pro W3"/>
+              </a:rPr>
+              <a:t>software engineering)</a:t>
+            </a:r>
+            <a:r>
+              <a:rPr lang="ja-JP" altLang="en-US" sz="900" dirty="0">
+                <a:latin typeface="ヒラギノ角ゴ Pro W3"/>
+                <a:ea typeface="ヒラギノ角ゴ Pro W3"/>
+                <a:cs typeface="ヒラギノ角ゴ Pro W3"/>
+              </a:rPr>
+              <a:t>」は、「ソフトウェア工学の方法論と理論</a:t>
+            </a:r>
+            <a:r>
+              <a:rPr lang="en-US" altLang="ja-JP" sz="900" dirty="0">
+                <a:latin typeface="ヒラギノ角ゴ Pro W3"/>
+                <a:ea typeface="ヒラギノ角ゴ Pro W3"/>
+                <a:cs typeface="ヒラギノ角ゴ Pro W3"/>
+              </a:rPr>
+              <a:t>(Software Engineering Methods and Theory</a:t>
+            </a:r>
+          </a:p>
+          <a:p>
+            <a:r>
+              <a:rPr lang="en-US" altLang="ja-JP" sz="900" dirty="0">
+                <a:latin typeface="ヒラギノ角ゴ Pro W3"/>
+                <a:ea typeface="ヒラギノ角ゴ Pro W3"/>
+                <a:cs typeface="ヒラギノ角ゴ Pro W3"/>
+              </a:rPr>
+              <a:t>(SEMAT) call for action (</a:t>
+            </a:r>
+            <a:r>
+              <a:rPr lang="ja-JP" altLang="en-US" sz="900" dirty="0">
+                <a:latin typeface="ヒラギノ角ゴ Pro W3"/>
+                <a:ea typeface="ヒラギノ角ゴ Pro W3"/>
+                <a:cs typeface="ヒラギノ角ゴ Pro W3"/>
+              </a:rPr>
+              <a:t>図</a:t>
+            </a:r>
+          </a:p>
+          <a:p>
+            <a:r>
+              <a:rPr lang="en-US" altLang="ja-JP" sz="900" dirty="0">
+                <a:latin typeface="ヒラギノ角ゴ Pro W3"/>
+                <a:ea typeface="ヒラギノ角ゴ Pro W3"/>
+                <a:cs typeface="ヒラギノ角ゴ Pro W3"/>
+              </a:rPr>
+              <a:t>1))</a:t>
+            </a:r>
+            <a:r>
+              <a:rPr lang="ja-JP" altLang="en-US" sz="900" dirty="0">
+                <a:latin typeface="ヒラギノ角ゴ Pro W3"/>
+                <a:ea typeface="ヒラギノ角ゴ Pro W3"/>
+                <a:cs typeface="ヒラギノ角ゴ Pro W3"/>
+              </a:rPr>
+              <a:t>」にインスパイアされたものであり、それに対する直接の回答でもある。そして、ソフトウェア工学の再定義に向けた小さな一歩でもあるのだ。</a:t>
             </a:r>
           </a:p>
           <a:p>
@@ -3873,15 +4104,274 @@
           </a:p>
           <a:p>
             <a:r>
-              <a:rPr lang="en-US" sz="900" dirty="0" smtClean="0">
-                <a:latin typeface="ヒラギノ角ゴ Pro W3"/>
-                <a:ea typeface="ヒラギノ角ゴ Pro W3"/>
-                <a:cs typeface="ヒラギノ角ゴ Pro W3"/>
-              </a:rPr>
-              <a:t>Work on the kernel, the essence of software engineering, was inspired by and is a direct response to the Software Engineering Methods and Theory (SEMAT) call for action (see Figure 1). It is, in its own way, one small step toward redefining software engineering.</a:t>
-            </a:r>
-          </a:p>
-          <a:p>
+              <a:rPr lang="en-US" altLang="ja-JP" sz="900" dirty="0">
+                <a:latin typeface="ヒラギノ角ゴ Pro W3"/>
+                <a:ea typeface="ヒラギノ角ゴ Pro W3"/>
+                <a:cs typeface="ヒラギノ角ゴ Pro W3"/>
+              </a:rPr>
+              <a:t>SEMAT</a:t>
+            </a:r>
+            <a:r>
+              <a:rPr lang="ja-JP" altLang="en-US" sz="900" dirty="0">
+                <a:latin typeface="ヒラギノ角ゴ Pro W3"/>
+                <a:ea typeface="ヒラギノ角ゴ Pro W3"/>
+                <a:cs typeface="ヒラギノ角ゴ Pro W3"/>
+              </a:rPr>
+              <a:t>は、</a:t>
+            </a:r>
+            <a:r>
+              <a:rPr lang="en-US" altLang="ja-JP" sz="900" dirty="0">
+                <a:latin typeface="ヒラギノ角ゴ Pro W3"/>
+                <a:ea typeface="ヒラギノ角ゴ Pro W3"/>
+                <a:cs typeface="ヒラギノ角ゴ Pro W3"/>
+              </a:rPr>
+              <a:t>2009</a:t>
+            </a:r>
+            <a:r>
+              <a:rPr lang="ja-JP" altLang="en-US" sz="900" dirty="0">
+                <a:latin typeface="ヒラギノ角ゴ Pro W3"/>
+                <a:ea typeface="ヒラギノ角ゴ Pro W3"/>
+                <a:cs typeface="ヒラギノ角ゴ Pro W3"/>
+              </a:rPr>
+              <a:t>年</a:t>
+            </a:r>
+            <a:r>
+              <a:rPr lang="en-US" altLang="ja-JP" sz="900" dirty="0">
+                <a:latin typeface="ヒラギノ角ゴ Pro W3"/>
+                <a:ea typeface="ヒラギノ角ゴ Pro W3"/>
+                <a:cs typeface="ヒラギノ角ゴ Pro W3"/>
+              </a:rPr>
+              <a:t>9</a:t>
+            </a:r>
+            <a:r>
+              <a:rPr lang="ja-JP" altLang="en-US" sz="900" dirty="0">
+                <a:latin typeface="ヒラギノ角ゴ Pro W3"/>
+                <a:ea typeface="ヒラギノ角ゴ Pro W3"/>
+                <a:cs typeface="ヒラギノ角ゴ Pro W3"/>
+              </a:rPr>
+              <a:t>月、人々のソフトウェア開発手法への関わり方を抜本的に変更する時期に来ていると感じた</a:t>
+            </a:r>
+            <a:r>
+              <a:rPr lang="en-US" altLang="ja-JP" sz="900" dirty="0">
+                <a:latin typeface="ヒラギノ角ゴ Pro W3"/>
+                <a:ea typeface="ヒラギノ角ゴ Pro W3"/>
+                <a:cs typeface="ヒラギノ角ゴ Pro W3"/>
+              </a:rPr>
+              <a:t>3</a:t>
+            </a:r>
+            <a:r>
+              <a:rPr lang="ja-JP" altLang="en-US" sz="900" dirty="0">
+                <a:latin typeface="ヒラギノ角ゴ Pro W3"/>
+                <a:ea typeface="ヒラギノ角ゴ Pro W3"/>
+                <a:cs typeface="ヒラギノ角ゴ Pro W3"/>
+              </a:rPr>
+              <a:t>人、</a:t>
+            </a:r>
+            <a:r>
+              <a:rPr lang="en-US" altLang="ja-JP" sz="900" dirty="0" err="1">
+                <a:latin typeface="ヒラギノ角ゴ Pro W3"/>
+                <a:ea typeface="ヒラギノ角ゴ Pro W3"/>
+                <a:cs typeface="ヒラギノ角ゴ Pro W3"/>
+              </a:rPr>
+              <a:t>Ivar</a:t>
+            </a:r>
+            <a:endParaRPr lang="en-US" altLang="ja-JP" sz="900" dirty="0">
+              <a:latin typeface="ヒラギノ角ゴ Pro W3"/>
+              <a:ea typeface="ヒラギノ角ゴ Pro W3"/>
+              <a:cs typeface="ヒラギノ角ゴ Pro W3"/>
+            </a:endParaRPr>
+          </a:p>
+          <a:p>
+            <a:r>
+              <a:rPr lang="en-US" altLang="ja-JP" sz="900" dirty="0">
+                <a:latin typeface="ヒラギノ角ゴ Pro W3"/>
+                <a:ea typeface="ヒラギノ角ゴ Pro W3"/>
+                <a:cs typeface="ヒラギノ角ゴ Pro W3"/>
+              </a:rPr>
+              <a:t>Jacobson</a:t>
+            </a:r>
+            <a:r>
+              <a:rPr lang="ja-JP" altLang="en-US" sz="900" dirty="0">
+                <a:latin typeface="ヒラギノ角ゴ Pro W3"/>
+                <a:ea typeface="ヒラギノ角ゴ Pro W3"/>
+                <a:cs typeface="ヒラギノ角ゴ Pro W3"/>
+              </a:rPr>
+              <a:t>、</a:t>
+            </a:r>
+            <a:r>
+              <a:rPr lang="en-US" altLang="ja-JP" sz="900" dirty="0">
+                <a:latin typeface="ヒラギノ角ゴ Pro W3"/>
+                <a:ea typeface="ヒラギノ角ゴ Pro W3"/>
+                <a:cs typeface="ヒラギノ角ゴ Pro W3"/>
+              </a:rPr>
+              <a:t>Bertrand Meyer</a:t>
+            </a:r>
+            <a:r>
+              <a:rPr lang="ja-JP" altLang="en-US" sz="900" dirty="0">
+                <a:latin typeface="ヒラギノ角ゴ Pro W3"/>
+                <a:ea typeface="ヒラギノ角ゴ Pro W3"/>
+                <a:cs typeface="ヒラギノ角ゴ Pro W3"/>
+              </a:rPr>
+              <a:t>、</a:t>
+            </a:r>
+            <a:r>
+              <a:rPr lang="en-US" altLang="ja-JP" sz="900" dirty="0">
+                <a:latin typeface="ヒラギノ角ゴ Pro W3"/>
+                <a:ea typeface="ヒラギノ角ゴ Pro W3"/>
+                <a:cs typeface="ヒラギノ角ゴ Pro W3"/>
+              </a:rPr>
+              <a:t>Richard </a:t>
+            </a:r>
+            <a:r>
+              <a:rPr lang="en-US" altLang="ja-JP" sz="900" dirty="0" err="1">
+                <a:latin typeface="ヒラギノ角ゴ Pro W3"/>
+                <a:ea typeface="ヒラギノ角ゴ Pro W3"/>
+                <a:cs typeface="ヒラギノ角ゴ Pro W3"/>
+              </a:rPr>
+              <a:t>Soley</a:t>
+            </a:r>
+            <a:r>
+              <a:rPr lang="ja-JP" altLang="en-US" sz="900" dirty="0">
+                <a:latin typeface="ヒラギノ角ゴ Pro W3"/>
+                <a:ea typeface="ヒラギノ角ゴ Pro W3"/>
+                <a:cs typeface="ヒラギノ角ゴ Pro W3"/>
+              </a:rPr>
+              <a:t>によって創設された</a:t>
+            </a:r>
+            <a:r>
+              <a:rPr lang="en-US" altLang="ja-JP" sz="900" dirty="0">
+                <a:latin typeface="ヒラギノ角ゴ Pro W3"/>
+                <a:ea typeface="ヒラギノ角ゴ Pro W3"/>
+                <a:cs typeface="ヒラギノ角ゴ Pro W3"/>
+              </a:rPr>
+              <a:t>(3,4,8) </a:t>
+            </a:r>
+            <a:r>
+              <a:rPr lang="ja-JP" altLang="en-US" sz="900" dirty="0">
+                <a:latin typeface="ヒラギノ角ゴ Pro W3"/>
+                <a:ea typeface="ヒラギノ角ゴ Pro W3"/>
+                <a:cs typeface="ヒラギノ角ゴ Pro W3"/>
+              </a:rPr>
+              <a:t>。彼らは </a:t>
+            </a:r>
+            <a:r>
+              <a:rPr lang="en-US" altLang="ja-JP" sz="900" dirty="0">
+                <a:latin typeface="ヒラギノ角ゴ Pro W3"/>
+                <a:ea typeface="ヒラギノ角ゴ Pro W3"/>
+                <a:cs typeface="ヒラギノ角ゴ Pro W3"/>
+              </a:rPr>
+              <a:t>call </a:t>
+            </a:r>
+            <a:r>
+              <a:rPr lang="en-US" altLang="ja-JP" sz="900" dirty="0" smtClean="0">
+                <a:latin typeface="ヒラギノ角ゴ Pro W3"/>
+                <a:ea typeface="ヒラギノ角ゴ Pro W3"/>
+                <a:cs typeface="ヒラギノ角ゴ Pro W3"/>
+              </a:rPr>
+              <a:t>for action </a:t>
+            </a:r>
+            <a:r>
+              <a:rPr lang="ja-JP" altLang="en-US" sz="900" dirty="0">
+                <a:latin typeface="ヒラギノ角ゴ Pro W3"/>
+                <a:ea typeface="ヒラギノ角ゴ Pro W3"/>
+                <a:cs typeface="ヒラギノ角ゴ Pro W3"/>
+              </a:rPr>
+              <a:t>を書き、いくつかの致命的な問題を特定し、なぜ行動が必要かを説明し、そして何が必要なのかを示唆した。その </a:t>
+            </a:r>
+            <a:r>
+              <a:rPr lang="en-US" altLang="ja-JP" sz="900" dirty="0">
+                <a:latin typeface="ヒラギノ角ゴ Pro W3"/>
+                <a:ea typeface="ヒラギノ角ゴ Pro W3"/>
+                <a:cs typeface="ヒラギノ角ゴ Pro W3"/>
+              </a:rPr>
+              <a:t>call </a:t>
+            </a:r>
+            <a:r>
+              <a:rPr lang="en-US" altLang="ja-JP" sz="900" dirty="0" smtClean="0">
+                <a:latin typeface="ヒラギノ角ゴ Pro W3"/>
+                <a:ea typeface="ヒラギノ角ゴ Pro W3"/>
+                <a:cs typeface="ヒラギノ角ゴ Pro W3"/>
+              </a:rPr>
+              <a:t>for</a:t>
+            </a:r>
+            <a:r>
+              <a:rPr lang="en-US" altLang="ja-JP" sz="900" dirty="0">
+                <a:latin typeface="ヒラギノ角ゴ Pro W3"/>
+                <a:ea typeface="ヒラギノ角ゴ Pro W3"/>
+                <a:cs typeface="ヒラギノ角ゴ Pro W3"/>
+              </a:rPr>
+              <a:t> </a:t>
+            </a:r>
+            <a:r>
+              <a:rPr lang="en-US" altLang="ja-JP" sz="900" dirty="0" smtClean="0">
+                <a:latin typeface="ヒラギノ角ゴ Pro W3"/>
+                <a:ea typeface="ヒラギノ角ゴ Pro W3"/>
+                <a:cs typeface="ヒラギノ角ゴ Pro W3"/>
+              </a:rPr>
+              <a:t>action </a:t>
+            </a:r>
+            <a:r>
+              <a:rPr lang="ja-JP" altLang="en-US" sz="900" dirty="0">
+                <a:latin typeface="ヒラギノ角ゴ Pro W3"/>
+                <a:ea typeface="ヒラギノ角ゴ Pro W3"/>
+                <a:cs typeface="ヒラギノ角ゴ Pro W3"/>
+              </a:rPr>
+              <a:t>とは、以下のようなものだ</a:t>
+            </a:r>
+            <a:r>
+              <a:rPr lang="ja-JP" altLang="en-US" sz="900" dirty="0" smtClean="0">
+                <a:latin typeface="ヒラギノ角ゴ Pro W3"/>
+                <a:ea typeface="ヒラギノ角ゴ Pro W3"/>
+                <a:cs typeface="ヒラギノ角ゴ Pro W3"/>
+              </a:rPr>
+              <a:t>。</a:t>
+            </a:r>
+            <a:endParaRPr lang="en-US" altLang="ja-JP" sz="900" dirty="0" smtClean="0">
+              <a:latin typeface="ヒラギノ角ゴ Pro W3"/>
+              <a:ea typeface="ヒラギノ角ゴ Pro W3"/>
+              <a:cs typeface="ヒラギノ角ゴ Pro W3"/>
+            </a:endParaRPr>
+          </a:p>
+          <a:p>
+            <a:endParaRPr lang="en-US" sz="900" dirty="0">
+              <a:latin typeface="ヒラギノ角ゴ Pro W3"/>
+              <a:ea typeface="ヒラギノ角ゴ Pro W3"/>
+              <a:cs typeface="ヒラギノ角ゴ Pro W3"/>
+            </a:endParaRPr>
+          </a:p>
+          <a:p>
+            <a:r>
+              <a:rPr lang="ja-JP" altLang="en-US" sz="900" dirty="0">
+                <a:latin typeface="ヒラギノ角ゴ Pro W3"/>
+                <a:ea typeface="ヒラギノ角ゴ Pro W3"/>
+                <a:cs typeface="ヒラギノ角ゴ Pro W3"/>
+              </a:rPr>
+              <a:t>現在のソフトウェア工学のいくつかの分野では、未成熟なプラクティス</a:t>
+            </a:r>
+            <a:r>
+              <a:rPr lang="en-US" altLang="ja-JP" sz="900" dirty="0">
+                <a:latin typeface="ヒラギノ角ゴ Pro W3"/>
+                <a:ea typeface="ヒラギノ角ゴ Pro W3"/>
+                <a:cs typeface="ヒラギノ角ゴ Pro W3"/>
+              </a:rPr>
+              <a:t>(immature practices)</a:t>
+            </a:r>
+            <a:r>
+              <a:rPr lang="ja-JP" altLang="en-US" sz="900" dirty="0">
+                <a:latin typeface="ヒラギノ角ゴ Pro W3"/>
+                <a:ea typeface="ヒラギノ角ゴ Pro W3"/>
+                <a:cs typeface="ヒラギノ角ゴ Pro W3"/>
+              </a:rPr>
+              <a:t>に苦しめられている。具体的には、以下のような問題を含む</a:t>
+            </a:r>
+            <a:r>
+              <a:rPr lang="ja-JP" altLang="en-US" sz="900" dirty="0" smtClean="0">
+                <a:latin typeface="ヒラギノ角ゴ Pro W3"/>
+                <a:ea typeface="ヒラギノ角ゴ Pro W3"/>
+                <a:cs typeface="ヒラギノ角ゴ Pro W3"/>
+              </a:rPr>
+              <a:t>。</a:t>
+            </a:r>
             <a:endParaRPr lang="en-US" sz="900" dirty="0" smtClean="0">
               <a:latin typeface="ヒラギノ角ゴ Pro W3"/>
               <a:ea typeface="ヒラギノ角ゴ Pro W3"/>
@@ -3895,69 +4385,33 @@
                 <a:ea typeface="ヒラギノ角ゴ Pro W3"/>
                 <a:cs typeface="ヒラギノ角ゴ Pro W3"/>
               </a:rPr>
-              <a:t>SEMAT was founded in September 2009 by </a:t>
-            </a:r>
-            <a:r>
-              <a:rPr lang="en-US" sz="900" dirty="0" err="1" smtClean="0">
-                <a:latin typeface="ヒラギノ角ゴ Pro W3"/>
-                <a:ea typeface="ヒラギノ角ゴ Pro W3"/>
-                <a:cs typeface="ヒラギノ角ゴ Pro W3"/>
-              </a:rPr>
-              <a:t>Ivar</a:t>
-            </a:r>
-            <a:r>
-              <a:rPr lang="en-US" sz="900" dirty="0" smtClean="0">
-                <a:latin typeface="ヒラギノ角ゴ Pro W3"/>
-                <a:ea typeface="ヒラギノ角ゴ Pro W3"/>
-                <a:cs typeface="ヒラギノ角ゴ Pro W3"/>
-              </a:rPr>
-              <a:t> Jacobson, Bertrand Meyer, and Richard </a:t>
-            </a:r>
-            <a:r>
-              <a:rPr lang="en-US" sz="900" dirty="0" err="1" smtClean="0">
-                <a:latin typeface="ヒラギノ角ゴ Pro W3"/>
-                <a:ea typeface="ヒラギノ角ゴ Pro W3"/>
-                <a:cs typeface="ヒラギノ角ゴ Pro W3"/>
-              </a:rPr>
-              <a:t>Soley</a:t>
-            </a:r>
-            <a:r>
-              <a:rPr lang="en-US" sz="900" dirty="0" smtClean="0">
-                <a:latin typeface="ヒラギノ角ゴ Pro W3"/>
-                <a:ea typeface="ヒラギノ角ゴ Pro W3"/>
-                <a:cs typeface="ヒラギノ角ゴ Pro W3"/>
-              </a:rPr>
-              <a:t>, who felt the time had come to fundamentally change the way people work with </a:t>
-            </a:r>
-            <a:r>
-              <a:rPr lang="en-US" sz="900" dirty="0" err="1" smtClean="0">
-                <a:latin typeface="ヒラギノ角ゴ Pro W3"/>
-                <a:ea typeface="ヒラギノ角ゴ Pro W3"/>
-                <a:cs typeface="ヒラギノ角ゴ Pro W3"/>
-              </a:rPr>
-              <a:t>softwaredevelopment</a:t>
-            </a:r>
-            <a:r>
-              <a:rPr lang="en-US" sz="900" dirty="0" smtClean="0">
-                <a:latin typeface="ヒラギノ角ゴ Pro W3"/>
-                <a:ea typeface="ヒラギノ角ゴ Pro W3"/>
-                <a:cs typeface="ヒラギノ角ゴ Pro W3"/>
-              </a:rPr>
-              <a:t> methods.3,4,8 They wrote </a:t>
-            </a:r>
-          </a:p>
-          <a:p>
-            <a:r>
-              <a:rPr lang="en-US" sz="900" dirty="0" smtClean="0">
-                <a:latin typeface="ヒラギノ角ゴ Pro W3"/>
-                <a:ea typeface="ヒラギノ角ゴ Pro W3"/>
-                <a:cs typeface="ヒラギノ角ゴ Pro W3"/>
-              </a:rPr>
-              <a:t>a call for action statement, which in a few lines identifies a number of critical problems, explains why there is a need to act, and suggests what needs to be done. The call for action is:</a:t>
-            </a:r>
-          </a:p>
-          <a:p>
-            <a:endParaRPr lang="en-US" sz="900" dirty="0">
+              <a:t>˲ </a:t>
+            </a:r>
+            <a:r>
+              <a:rPr lang="ja-JP" altLang="en-US" sz="900" dirty="0">
+                <a:latin typeface="ヒラギノ角ゴ Pro W3"/>
+                <a:ea typeface="ヒラギノ角ゴ Pro W3"/>
+                <a:cs typeface="ヒラギノ角ゴ Pro W3"/>
+              </a:rPr>
+              <a:t>言葉の流行が、工学の一分野というよりファッション業界のよう</a:t>
+            </a:r>
+            <a:r>
+              <a:rPr lang="ja-JP" altLang="en-US" sz="900" dirty="0" smtClean="0">
+                <a:latin typeface="ヒラギノ角ゴ Pro W3"/>
+                <a:ea typeface="ヒラギノ角ゴ Pro W3"/>
+                <a:cs typeface="ヒラギノ角ゴ Pro W3"/>
+              </a:rPr>
+              <a:t>だ</a:t>
+            </a:r>
+            <a:r>
+              <a:rPr lang="ja-JP" altLang="en-US" sz="900" dirty="0" smtClean="0">
+                <a:latin typeface="ヒラギノ角ゴ Pro W3"/>
+                <a:ea typeface="ヒラギノ角ゴ Pro W3"/>
+                <a:cs typeface="ヒラギノ角ゴ Pro W3"/>
+              </a:rPr>
+              <a:t>。</a:t>
+            </a:r>
+            <a:endParaRPr lang="en-US" sz="900" dirty="0" smtClean="0">
               <a:latin typeface="ヒラギノ角ゴ Pro W3"/>
               <a:ea typeface="ヒラギノ角ゴ Pro W3"/>
               <a:cs typeface="ヒラギノ角ゴ Pro W3"/>
@@ -3970,92 +4424,330 @@
                 <a:ea typeface="ヒラギノ角ゴ Pro W3"/>
                 <a:cs typeface="ヒラギノ角ゴ Pro W3"/>
               </a:rPr>
-              <a:t>Some areas of software engineering today suffer from immature practices. </a:t>
-            </a:r>
-          </a:p>
-          <a:p>
-            <a:r>
-              <a:rPr lang="en-US" sz="900" dirty="0" smtClean="0">
-                <a:latin typeface="ヒラギノ角ゴ Pro W3"/>
-                <a:ea typeface="ヒラギノ角ゴ Pro W3"/>
-                <a:cs typeface="ヒラギノ角ゴ Pro W3"/>
-              </a:rPr>
-              <a:t>Specific problems include:</a:t>
-            </a:r>
-          </a:p>
-          <a:p>
-            <a:r>
-              <a:rPr lang="en-US" sz="900" dirty="0" smtClean="0">
-                <a:latin typeface="ヒラギノ角ゴ Pro W3"/>
-                <a:ea typeface="ヒラギノ角ゴ Pro W3"/>
-                <a:cs typeface="ヒラギノ角ゴ Pro W3"/>
-              </a:rPr>
-              <a:t>˲ The prevalence of fads more typical of the fashion industry than an engineering discipline;</a:t>
-            </a:r>
-          </a:p>
-          <a:p>
-            <a:r>
-              <a:rPr lang="en-US" sz="900" dirty="0" smtClean="0">
-                <a:latin typeface="ヒラギノ角ゴ Pro W3"/>
-                <a:ea typeface="ヒラギノ角ゴ Pro W3"/>
-                <a:cs typeface="ヒラギノ角ゴ Pro W3"/>
-              </a:rPr>
-              <a:t>˲ The lack of a sound, widely accepted theoretical basis;</a:t>
-            </a:r>
-          </a:p>
-          <a:p>
-            <a:r>
-              <a:rPr lang="en-US" sz="900" dirty="0" smtClean="0">
-                <a:latin typeface="ヒラギノ角ゴ Pro W3"/>
-                <a:ea typeface="ヒラギノ角ゴ Pro W3"/>
-                <a:cs typeface="ヒラギノ角ゴ Pro W3"/>
-              </a:rPr>
-              <a:t>˲ The huge number of methods and method variants, with differences little understood and artificially magnified;</a:t>
-            </a:r>
-          </a:p>
-          <a:p>
-            <a:r>
-              <a:rPr lang="en-US" sz="900" dirty="0" smtClean="0">
-                <a:latin typeface="ヒラギノ角ゴ Pro W3"/>
-                <a:ea typeface="ヒラギノ角ゴ Pro W3"/>
-                <a:cs typeface="ヒラギノ角ゴ Pro W3"/>
-              </a:rPr>
-              <a:t>˲ The lack of credible experimental evaluation and validation; and</a:t>
-            </a:r>
-          </a:p>
-          <a:p>
-            <a:r>
-              <a:rPr lang="en-US" sz="900" dirty="0" smtClean="0">
-                <a:latin typeface="ヒラギノ角ゴ Pro W3"/>
-                <a:ea typeface="ヒラギノ角ゴ Pro W3"/>
-                <a:cs typeface="ヒラギノ角ゴ Pro W3"/>
-              </a:rPr>
-              <a:t>˲ The split between industry practice and academic research.</a:t>
-            </a:r>
-          </a:p>
-          <a:p>
-            <a:r>
-              <a:rPr lang="en-US" sz="900" dirty="0" smtClean="0">
-                <a:latin typeface="ヒラギノ角ゴ Pro W3"/>
-                <a:ea typeface="ヒラギノ角ゴ Pro W3"/>
-                <a:cs typeface="ヒラギノ角ゴ Pro W3"/>
-              </a:rPr>
-              <a:t>The SEMAT call for action’s assertion that the software industry is prone to fads and fashions has led some people to assume that SEMAT is resistant to new ideas. This could not be further </a:t>
-            </a:r>
-          </a:p>
-          <a:p>
-            <a:r>
-              <a:rPr lang="en-US" sz="900" dirty="0" smtClean="0">
-                <a:latin typeface="ヒラギノ角ゴ Pro W3"/>
-                <a:ea typeface="ヒラギノ角ゴ Pro W3"/>
-                <a:cs typeface="ヒラギノ角ゴ Pro W3"/>
-              </a:rPr>
-              <a:t>from the truth. As you will see in this article and in a soon-to-be-published book (The Essence of Software Engineering—Applying the SEMAT Kernel),6 SEMAT supporters are very keen on new</a:t>
-            </a:r>
-            <a:endParaRPr lang="en-US" sz="900" dirty="0">
+              <a:t>˲ </a:t>
+            </a:r>
+            <a:r>
+              <a:rPr lang="ja-JP" altLang="en-US" sz="900" dirty="0">
+                <a:latin typeface="ヒラギノ角ゴ Pro W3"/>
+                <a:ea typeface="ヒラギノ角ゴ Pro W3"/>
+                <a:cs typeface="ヒラギノ角ゴ Pro W3"/>
+              </a:rPr>
+              <a:t>しっかりした広く受け入れられた、理論的基礎の欠如</a:t>
+            </a:r>
+            <a:r>
+              <a:rPr lang="ja-JP" altLang="en-US" sz="900" dirty="0" smtClean="0">
+                <a:latin typeface="ヒラギノ角ゴ Pro W3"/>
+                <a:ea typeface="ヒラギノ角ゴ Pro W3"/>
+                <a:cs typeface="ヒラギノ角ゴ Pro W3"/>
+              </a:rPr>
+              <a:t>。</a:t>
+            </a:r>
+            <a:endParaRPr lang="en-US" altLang="ja-JP" sz="900" dirty="0" smtClean="0">
               <a:latin typeface="ヒラギノ角ゴ Pro W3"/>
               <a:ea typeface="ヒラギノ角ゴ Pro W3"/>
               <a:cs typeface="ヒラギノ角ゴ Pro W3"/>
+            </a:endParaRPr>
+          </a:p>
+          <a:p>
+            <a:r>
+              <a:rPr lang="en-US" sz="900" dirty="0" smtClean="0">
+                <a:latin typeface="ヒラギノ角ゴ Pro W3"/>
+                <a:ea typeface="ヒラギノ角ゴ Pro W3"/>
+                <a:cs typeface="ヒラギノ角ゴ Pro W3"/>
+              </a:rPr>
+              <a:t>˲ </a:t>
+            </a:r>
+            <a:r>
+              <a:rPr lang="ja-JP" altLang="en-US" sz="900" dirty="0">
+                <a:latin typeface="ヒラギノ角ゴ Pro W3"/>
+                <a:ea typeface="ヒラギノ角ゴ Pro W3"/>
+                <a:cs typeface="ヒラギノ角ゴ Pro W3"/>
+              </a:rPr>
+              <a:t>非常に多くの方法論</a:t>
+            </a:r>
+            <a:r>
+              <a:rPr lang="en-US" altLang="ja-JP" sz="900" dirty="0">
+                <a:latin typeface="ヒラギノ角ゴ Pro W3"/>
+                <a:ea typeface="ヒラギノ角ゴ Pro W3"/>
+                <a:cs typeface="ヒラギノ角ゴ Pro W3"/>
+              </a:rPr>
+              <a:t>(methods)</a:t>
+            </a:r>
+            <a:r>
+              <a:rPr lang="ja-JP" altLang="en-US" sz="900" dirty="0">
+                <a:latin typeface="ヒラギノ角ゴ Pro W3"/>
+                <a:ea typeface="ヒラギノ角ゴ Pro W3"/>
+                <a:cs typeface="ヒラギノ角ゴ Pro W3"/>
+              </a:rPr>
+              <a:t>とその派生。またそれらの違いがほとんど理解されずに作為的に強調されている</a:t>
+            </a:r>
+            <a:r>
+              <a:rPr lang="ja-JP" altLang="en-US" sz="900" dirty="0" smtClean="0">
+                <a:latin typeface="ヒラギノ角ゴ Pro W3"/>
+                <a:ea typeface="ヒラギノ角ゴ Pro W3"/>
+                <a:cs typeface="ヒラギノ角ゴ Pro W3"/>
+              </a:rPr>
+              <a:t>。</a:t>
+            </a:r>
+            <a:endParaRPr lang="en-US" sz="900" dirty="0" smtClean="0">
+              <a:latin typeface="ヒラギノ角ゴ Pro W3"/>
+              <a:ea typeface="ヒラギノ角ゴ Pro W3"/>
+              <a:cs typeface="ヒラギノ角ゴ Pro W3"/>
+            </a:endParaRPr>
+          </a:p>
+          <a:p>
+            <a:r>
+              <a:rPr lang="en-US" sz="900" dirty="0" smtClean="0">
+                <a:latin typeface="ヒラギノ角ゴ Pro W3"/>
+                <a:ea typeface="ヒラギノ角ゴ Pro W3"/>
+                <a:cs typeface="ヒラギノ角ゴ Pro W3"/>
+              </a:rPr>
+              <a:t>˲ </a:t>
+            </a:r>
+            <a:r>
+              <a:rPr lang="en-US" sz="900" dirty="0">
+                <a:latin typeface="ヒラギノ角ゴ Pro W3"/>
+                <a:ea typeface="ヒラギノ角ゴ Pro W3"/>
+                <a:cs typeface="ヒラギノ角ゴ Pro W3"/>
+              </a:rPr>
+              <a:t>信頼できる実験的評価(experimental evaluation)と妥当性確認(validation)の欠如</a:t>
+            </a:r>
+            <a:r>
+              <a:rPr lang="en-US" sz="900" dirty="0" smtClean="0">
+                <a:latin typeface="ヒラギノ角ゴ Pro W3"/>
+                <a:ea typeface="ヒラギノ角ゴ Pro W3"/>
+                <a:cs typeface="ヒラギノ角ゴ Pro W3"/>
+              </a:rPr>
+              <a:t>。</a:t>
+            </a:r>
+          </a:p>
+          <a:p>
+            <a:r>
+              <a:rPr lang="en-US" sz="900" dirty="0" smtClean="0">
+                <a:latin typeface="ヒラギノ角ゴ Pro W3"/>
+                <a:ea typeface="ヒラギノ角ゴ Pro W3"/>
+                <a:cs typeface="ヒラギノ角ゴ Pro W3"/>
+              </a:rPr>
+              <a:t>˲ </a:t>
+            </a:r>
+            <a:r>
+              <a:rPr lang="en-US" sz="900" dirty="0">
+                <a:latin typeface="ヒラギノ角ゴ Pro W3"/>
+                <a:ea typeface="ヒラギノ角ゴ Pro W3"/>
+                <a:cs typeface="ヒラギノ角ゴ Pro W3"/>
+              </a:rPr>
+              <a:t>産業界の実践(industry practice)と学界の研究(academic research)の乖離</a:t>
+            </a:r>
+            <a:r>
+              <a:rPr lang="en-US" sz="900" dirty="0" smtClean="0">
+                <a:latin typeface="ヒラギノ角ゴ Pro W3"/>
+                <a:ea typeface="ヒラギノ角ゴ Pro W3"/>
+                <a:cs typeface="ヒラギノ角ゴ Pro W3"/>
+              </a:rPr>
+              <a:t>。</a:t>
+            </a:r>
+          </a:p>
+          <a:p>
+            <a:endParaRPr lang="en-US" sz="900" dirty="0" smtClean="0">
+              <a:latin typeface="ヒラギノ角ゴ Pro W3"/>
+              <a:ea typeface="ヒラギノ角ゴ Pro W3"/>
+              <a:cs typeface="ヒラギノ角ゴ Pro W3"/>
+            </a:endParaRPr>
+          </a:p>
+          <a:p>
+            <a:r>
+              <a:rPr lang="ja-JP" altLang="en-US" sz="900" dirty="0">
+                <a:latin typeface="ヒラギノ角ゴ Pro W3"/>
+                <a:ea typeface="ヒラギノ角ゴ Pro W3"/>
+                <a:cs typeface="ヒラギノ角ゴ Pro W3"/>
+              </a:rPr>
+              <a:t>ソフトウェア産業はファッションと流行に陥りやすいという、この </a:t>
+            </a:r>
+            <a:r>
+              <a:rPr lang="en-US" altLang="ja-JP" sz="900" dirty="0">
+                <a:latin typeface="ヒラギノ角ゴ Pro W3"/>
+                <a:ea typeface="ヒラギノ角ゴ Pro W3"/>
+                <a:cs typeface="ヒラギノ角ゴ Pro W3"/>
+              </a:rPr>
+              <a:t>call for action</a:t>
+            </a:r>
+          </a:p>
+          <a:p>
+            <a:r>
+              <a:rPr lang="ja-JP" altLang="en-US" sz="900" dirty="0">
+                <a:latin typeface="ヒラギノ角ゴ Pro W3"/>
+                <a:ea typeface="ヒラギノ角ゴ Pro W3"/>
+                <a:cs typeface="ヒラギノ角ゴ Pro W3"/>
+              </a:rPr>
+              <a:t>の前提は、ある人々には「新しいアイディアへの抵抗」と映ったようだが、それは真実からはかけ離れている。この記事および間もなく刊行される書籍（</a:t>
+            </a:r>
+          </a:p>
+          <a:p>
+            <a:r>
+              <a:rPr lang="en-US" altLang="ja-JP" sz="900" dirty="0">
+                <a:latin typeface="ヒラギノ角ゴ Pro W3"/>
+                <a:ea typeface="ヒラギノ角ゴ Pro W3"/>
+                <a:cs typeface="ヒラギノ角ゴ Pro W3"/>
+              </a:rPr>
+              <a:t>The Essence of Software Engineering—Applying the SEMAT Kernel),6</a:t>
+            </a:r>
+          </a:p>
+          <a:p>
+            <a:r>
+              <a:rPr lang="ja-JP" altLang="en-US" sz="900" dirty="0">
+                <a:latin typeface="ヒラギノ角ゴ Pro W3"/>
+                <a:ea typeface="ヒラギノ角ゴ Pro W3"/>
+                <a:cs typeface="ヒラギノ角ゴ Pro W3"/>
+              </a:rPr>
+              <a:t>）で見るように、</a:t>
+            </a:r>
+            <a:r>
+              <a:rPr lang="en-US" altLang="ja-JP" sz="900" dirty="0">
+                <a:latin typeface="ヒラギノ角ゴ Pro W3"/>
+                <a:ea typeface="ヒラギノ角ゴ Pro W3"/>
+                <a:cs typeface="ヒラギノ角ゴ Pro W3"/>
+              </a:rPr>
+              <a:t>SEMAT</a:t>
+            </a:r>
+            <a:r>
+              <a:rPr lang="ja-JP" altLang="en-US" sz="900" dirty="0">
+                <a:latin typeface="ヒラギノ角ゴ Pro W3"/>
+                <a:ea typeface="ヒラギノ角ゴ Pro W3"/>
+                <a:cs typeface="ヒラギノ角ゴ Pro W3"/>
+              </a:rPr>
+              <a:t>の支援者は新しいアイディアに敏感である</a:t>
+            </a:r>
+            <a:r>
+              <a:rPr lang="ja-JP" altLang="en-US" sz="900" dirty="0" smtClean="0">
+                <a:latin typeface="ヒラギノ角ゴ Pro W3"/>
+                <a:ea typeface="ヒラギノ角ゴ Pro W3"/>
+                <a:cs typeface="ヒラギノ角ゴ Pro W3"/>
+              </a:rPr>
+              <a:t>。</a:t>
+            </a:r>
+            <a:endParaRPr lang="ja-JP" altLang="en-US" sz="900" dirty="0">
+              <a:latin typeface="ヒラギノ角ゴ Pro W3"/>
+              <a:ea typeface="ヒラギノ角ゴ Pro W3"/>
+              <a:cs typeface="ヒラギノ角ゴ Pro W3"/>
+            </a:endParaRPr>
+          </a:p>
+        </p:txBody>
+      </p:sp>
+      <p:sp>
+        <p:nvSpPr>
+          <p:cNvPr id="2" name="Rectangle 1"/>
+          <p:cNvSpPr/>
+          <p:nvPr/>
+        </p:nvSpPr>
+        <p:spPr>
+          <a:xfrm>
+            <a:off x="381284" y="4914958"/>
+            <a:ext cx="1722673" cy="1323439"/>
+          </a:xfrm>
+          <a:prstGeom prst="rect">
+            <a:avLst/>
+          </a:prstGeom>
+          <a:ln>
+            <a:solidFill>
+              <a:schemeClr val="tx1"/>
+            </a:solidFill>
+          </a:ln>
+        </p:spPr>
+        <p:txBody>
+          <a:bodyPr wrap="square">
+            <a:spAutoFit/>
+          </a:bodyPr>
+          <a:lstStyle/>
+          <a:p>
+            <a:r>
+              <a:rPr lang="en-US" sz="1600" dirty="0" smtClean="0">
+                <a:latin typeface="ヒラギノ角ゴ Std W8"/>
+                <a:ea typeface="ヒラギノ角ゴ Std W8"/>
+                <a:cs typeface="ヒラギノ角ゴ Std W8"/>
+              </a:rPr>
+              <a:t>The </a:t>
+            </a:r>
+            <a:r>
+              <a:rPr lang="en-US" sz="1600" dirty="0">
+                <a:latin typeface="ヒラギノ角ゴ Std W8"/>
+                <a:ea typeface="ヒラギノ角ゴ Std W8"/>
+                <a:cs typeface="ヒラギノ角ゴ Std W8"/>
+              </a:rPr>
+              <a:t>Essence </a:t>
+            </a:r>
+          </a:p>
+          <a:p>
+            <a:r>
+              <a:rPr lang="en-US" sz="1600" dirty="0" smtClean="0">
+                <a:latin typeface="ヒラギノ角ゴ Std W8"/>
+                <a:ea typeface="ヒラギノ角ゴ Std W8"/>
+                <a:cs typeface="ヒラギノ角ゴ Std W8"/>
+              </a:rPr>
+              <a:t>of </a:t>
+            </a:r>
+            <a:r>
+              <a:rPr lang="en-US" sz="1600" dirty="0">
+                <a:latin typeface="ヒラギノ角ゴ Std W8"/>
+                <a:ea typeface="ヒラギノ角ゴ Std W8"/>
+                <a:cs typeface="ヒラギノ角ゴ Std W8"/>
+              </a:rPr>
+              <a:t>Software </a:t>
+            </a:r>
+          </a:p>
+          <a:p>
+            <a:r>
+              <a:rPr lang="en-US" sz="1600" dirty="0" smtClean="0">
+                <a:latin typeface="ヒラギノ角ゴ Std W8"/>
+                <a:ea typeface="ヒラギノ角ゴ Std W8"/>
+                <a:cs typeface="ヒラギノ角ゴ Std W8"/>
+              </a:rPr>
+              <a:t>Engineering</a:t>
+            </a:r>
+            <a:r>
+              <a:rPr lang="en-US" sz="1600" dirty="0">
+                <a:latin typeface="ヒラギノ角ゴ Std W8"/>
+                <a:ea typeface="ヒラギノ角ゴ Std W8"/>
+                <a:cs typeface="ヒラギノ角ゴ Std W8"/>
+              </a:rPr>
+              <a:t>: </a:t>
+            </a:r>
+          </a:p>
+          <a:p>
+            <a:r>
+              <a:rPr lang="en-US" sz="1600" dirty="0" smtClean="0">
+                <a:latin typeface="ヒラギノ角ゴ Std W8"/>
+                <a:ea typeface="ヒラギノ角ゴ Std W8"/>
+                <a:cs typeface="ヒラギノ角ゴ Std W8"/>
+              </a:rPr>
+              <a:t>The </a:t>
+            </a:r>
+            <a:r>
+              <a:rPr lang="en-US" sz="1600" dirty="0" err="1">
+                <a:latin typeface="ヒラギノ角ゴ Std W8"/>
+                <a:ea typeface="ヒラギノ角ゴ Std W8"/>
+                <a:cs typeface="ヒラギノ角ゴ Std W8"/>
+              </a:rPr>
+              <a:t>Semat</a:t>
+            </a:r>
+            <a:endParaRPr lang="en-US" sz="1600" dirty="0">
+              <a:latin typeface="ヒラギノ角ゴ Std W8"/>
+              <a:ea typeface="ヒラギノ角ゴ Std W8"/>
+              <a:cs typeface="ヒラギノ角ゴ Std W8"/>
+            </a:endParaRPr>
+          </a:p>
+          <a:p>
+            <a:r>
+              <a:rPr lang="en-US" sz="1600" dirty="0" smtClean="0">
+                <a:latin typeface="ヒラギノ角ゴ Std W8"/>
+                <a:ea typeface="ヒラギノ角ゴ Std W8"/>
+                <a:cs typeface="ヒラギノ角ゴ Std W8"/>
+              </a:rPr>
+              <a:t>Kernel</a:t>
+            </a:r>
+            <a:endParaRPr lang="en-US" sz="1600" dirty="0">
+              <a:latin typeface="ヒラギノ角ゴ Std W8"/>
+              <a:ea typeface="ヒラギノ角ゴ Std W8"/>
+              <a:cs typeface="ヒラギノ角ゴ Std W8"/>
             </a:endParaRPr>
           </a:p>
         </p:txBody>
@@ -4225,7 +4917,7 @@
         <p:spPr>
           <a:xfrm>
             <a:off x="218070" y="7750440"/>
-            <a:ext cx="2062853" cy="1815882"/>
+            <a:ext cx="2062853" cy="2169825"/>
           </a:xfrm>
           <a:prstGeom prst="rect">
             <a:avLst/>
@@ -4238,50 +4930,155 @@
           <a:lstStyle/>
           <a:p>
             <a:r>
-              <a:rPr lang="en-US" sz="1200" baseline="30000" dirty="0">
-                <a:latin typeface="ヒラギノ角ゴ Pro W3"/>
-                <a:ea typeface="ヒラギノ角ゴ Pro W3"/>
-                <a:cs typeface="ヒラギノ角ゴ Pro W3"/>
-              </a:rPr>
-              <a:t>ideas. What they are against is the non- lean, non-agile behavior that comes from people adopting inappropriate solutions just because they believe these solutions are fashionable—or because of peer pressure or political correctness.</a:t>
-            </a:r>
-          </a:p>
-          <a:p>
-            <a:r>
-              <a:rPr lang="en-US" sz="1200" baseline="30000" dirty="0">
-                <a:latin typeface="ヒラギノ角ゴ Pro W3"/>
-                <a:ea typeface="ヒラギノ角ゴ Pro W3"/>
-                <a:cs typeface="ヒラギノ角ゴ Pro W3"/>
-              </a:rPr>
-              <a:t>SEMAT supports a process to </a:t>
-            </a:r>
-            <a:r>
-              <a:rPr lang="en-US" sz="1200" baseline="30000" dirty="0" err="1">
-                <a:latin typeface="ヒラギノ角ゴ Pro W3"/>
-                <a:ea typeface="ヒラギノ角ゴ Pro W3"/>
-                <a:cs typeface="ヒラギノ角ゴ Pro W3"/>
-              </a:rPr>
-              <a:t>rede</a:t>
-            </a:r>
-            <a:r>
-              <a:rPr lang="en-US" sz="1200" baseline="30000" dirty="0">
-                <a:latin typeface="ヒラギノ角ゴ Pro W3"/>
-                <a:ea typeface="ヒラギノ角ゴ Pro W3"/>
-                <a:cs typeface="ヒラギノ角ゴ Pro W3"/>
-              </a:rPr>
-              <a:t>- fine software engineering based on a solid theory, proven principles, and best practices that:</a:t>
-            </a:r>
-          </a:p>
-          <a:p>
-            <a:r>
-              <a:rPr lang="en-US" sz="1200" baseline="30000" dirty="0">
-                <a:latin typeface="ヒラギノ角ゴ Pro W3"/>
-                <a:ea typeface="ヒラギノ角ゴ Pro W3"/>
-                <a:cs typeface="ヒラギノ角ゴ Pro W3"/>
-              </a:rPr>
-              <a:t>˲ Include a kernel of widely agreed- upon elements, extensible for specific uses;</a:t>
-            </a:r>
-            <a:endParaRPr lang="en-US" sz="1200" dirty="0">
+              <a:rPr lang="en-US" sz="900" dirty="0" err="1" smtClean="0">
+                <a:latin typeface="ヒラギノ角ゴ Pro W3"/>
+                <a:ea typeface="ヒラギノ角ゴ Pro W3"/>
+                <a:cs typeface="ヒラギノ角ゴ Pro W3"/>
+              </a:rPr>
+              <a:t>i</a:t>
+            </a:r>
+            <a:r>
+              <a:rPr lang="ja-JP" altLang="en-US" sz="900" dirty="0">
+                <a:latin typeface="ヒラギノ角ゴ Pro W3"/>
+                <a:ea typeface="ヒラギノ角ゴ Pro W3"/>
+                <a:cs typeface="ヒラギノ角ゴ Pro W3"/>
+              </a:rPr>
+              <a:t>彼らが反対しているのは、ソリューションが流行っているから（あるいは、政治的正当性</a:t>
+            </a:r>
+            <a:r>
+              <a:rPr lang="en-US" altLang="ja-JP" sz="900" dirty="0">
+                <a:latin typeface="ヒラギノ角ゴ Pro W3"/>
+                <a:ea typeface="ヒラギノ角ゴ Pro W3"/>
+                <a:cs typeface="ヒラギノ角ゴ Pro W3"/>
+              </a:rPr>
+              <a:t>(</a:t>
+            </a:r>
+            <a:r>
+              <a:rPr lang="en-US" altLang="ja-JP" sz="900" dirty="0" smtClean="0">
+                <a:latin typeface="ヒラギノ角ゴ Pro W3"/>
+                <a:ea typeface="ヒラギノ角ゴ Pro W3"/>
+                <a:cs typeface="ヒラギノ角ゴ Pro W3"/>
+              </a:rPr>
+              <a:t>political correctness</a:t>
+            </a:r>
+            <a:r>
+              <a:rPr lang="en-US" altLang="ja-JP" sz="900" dirty="0">
+                <a:latin typeface="ヒラギノ角ゴ Pro W3"/>
+                <a:ea typeface="ヒラギノ角ゴ Pro W3"/>
+                <a:cs typeface="ヒラギノ角ゴ Pro W3"/>
+              </a:rPr>
+              <a:t>)</a:t>
+            </a:r>
+            <a:r>
+              <a:rPr lang="ja-JP" altLang="en-US" sz="900" dirty="0">
+                <a:latin typeface="ヒラギノ角ゴ Pro W3"/>
+                <a:ea typeface="ヒラギノ角ゴ Pro W3"/>
+                <a:cs typeface="ヒラギノ角ゴ Pro W3"/>
+              </a:rPr>
+              <a:t>や同僚からの圧力）という理由だけで不適切なソリューションを採用する人々の、</a:t>
+            </a:r>
+            <a:r>
+              <a:rPr lang="en-US" altLang="ja-JP" sz="900" dirty="0">
+                <a:latin typeface="ヒラギノ角ゴ Pro W3"/>
+                <a:ea typeface="ヒラギノ角ゴ Pro W3"/>
+                <a:cs typeface="ヒラギノ角ゴ Pro W3"/>
+              </a:rPr>
+              <a:t>non-lean</a:t>
+            </a:r>
+            <a:r>
+              <a:rPr lang="ja-JP" altLang="en-US" sz="900" dirty="0">
+                <a:latin typeface="ヒラギノ角ゴ Pro W3"/>
+                <a:ea typeface="ヒラギノ角ゴ Pro W3"/>
+                <a:cs typeface="ヒラギノ角ゴ Pro W3"/>
+              </a:rPr>
+              <a:t>、</a:t>
+            </a:r>
+            <a:r>
+              <a:rPr lang="en-US" altLang="ja-JP" sz="900" dirty="0">
+                <a:latin typeface="ヒラギノ角ゴ Pro W3"/>
+                <a:ea typeface="ヒラギノ角ゴ Pro W3"/>
+                <a:cs typeface="ヒラギノ角ゴ Pro W3"/>
+              </a:rPr>
+              <a:t>non-agile</a:t>
+            </a:r>
+            <a:r>
+              <a:rPr lang="ja-JP" altLang="en-US" sz="900" dirty="0">
+                <a:latin typeface="ヒラギノ角ゴ Pro W3"/>
+                <a:ea typeface="ヒラギノ角ゴ Pro W3"/>
+                <a:cs typeface="ヒラギノ角ゴ Pro W3"/>
+              </a:rPr>
+              <a:t>な行動なのである</a:t>
+            </a:r>
+            <a:r>
+              <a:rPr lang="ja-JP" altLang="en-US" sz="900" dirty="0" smtClean="0">
+                <a:latin typeface="ヒラギノ角ゴ Pro W3"/>
+                <a:ea typeface="ヒラギノ角ゴ Pro W3"/>
+                <a:cs typeface="ヒラギノ角ゴ Pro W3"/>
+              </a:rPr>
+              <a:t>。</a:t>
+            </a:r>
+            <a:endParaRPr lang="en-US" altLang="ja-JP" sz="900" dirty="0" smtClean="0">
+              <a:latin typeface="ヒラギノ角ゴ Pro W3"/>
+              <a:ea typeface="ヒラギノ角ゴ Pro W3"/>
+              <a:cs typeface="ヒラギノ角ゴ Pro W3"/>
+            </a:endParaRPr>
+          </a:p>
+          <a:p>
+            <a:endParaRPr lang="en-US" sz="900" dirty="0">
+              <a:latin typeface="ヒラギノ角ゴ Pro W3"/>
+              <a:ea typeface="ヒラギノ角ゴ Pro W3"/>
+              <a:cs typeface="ヒラギノ角ゴ Pro W3"/>
+            </a:endParaRPr>
+          </a:p>
+          <a:p>
+            <a:r>
+              <a:rPr lang="en-US" altLang="ja-JP" sz="900" dirty="0">
+                <a:latin typeface="ヒラギノ角ゴ Pro W3"/>
+                <a:ea typeface="ヒラギノ角ゴ Pro W3"/>
+                <a:cs typeface="ヒラギノ角ゴ Pro W3"/>
+              </a:rPr>
+              <a:t>SEMAT</a:t>
+            </a:r>
+            <a:r>
+              <a:rPr lang="ja-JP" altLang="en-US" sz="900" dirty="0">
+                <a:latin typeface="ヒラギノ角ゴ Pro W3"/>
+                <a:ea typeface="ヒラギノ角ゴ Pro W3"/>
+                <a:cs typeface="ヒラギノ角ゴ Pro W3"/>
+              </a:rPr>
+              <a:t>は、ソフトウェア工学を堅固な理論および検証された原則とベストプラクティスを基礎として、再建するプロセスを支援する。そのプロセスは、以下の特徴を備えている</a:t>
+            </a:r>
+            <a:r>
+              <a:rPr lang="ja-JP" altLang="en-US" sz="900" dirty="0" smtClean="0">
+                <a:latin typeface="ヒラギノ角ゴ Pro W3"/>
+                <a:ea typeface="ヒラギノ角ゴ Pro W3"/>
+                <a:cs typeface="ヒラギノ角ゴ Pro W3"/>
+              </a:rPr>
+              <a:t>。</a:t>
+            </a:r>
+            <a:endParaRPr lang="en-US" sz="900" dirty="0">
+              <a:latin typeface="ヒラギノ角ゴ Pro W3"/>
+              <a:ea typeface="ヒラギノ角ゴ Pro W3"/>
+              <a:cs typeface="ヒラギノ角ゴ Pro W3"/>
+            </a:endParaRPr>
+          </a:p>
+          <a:p>
+            <a:r>
+              <a:rPr lang="en-US" sz="900" dirty="0">
+                <a:latin typeface="ヒラギノ角ゴ Pro W3"/>
+                <a:ea typeface="ヒラギノ角ゴ Pro W3"/>
+                <a:cs typeface="ヒラギノ角ゴ Pro W3"/>
+              </a:rPr>
+              <a:t>˲ </a:t>
+            </a:r>
+            <a:r>
+              <a:rPr lang="ja-JP" altLang="en-US" sz="900" dirty="0">
+                <a:latin typeface="ヒラギノ角ゴ Pro W3"/>
+                <a:ea typeface="ヒラギノ角ゴ Pro W3"/>
+                <a:cs typeface="ヒラギノ角ゴ Pro W3"/>
+              </a:rPr>
+              <a:t>広く合意された要素からなる、特定用途に拡張可能なカーネルを含み、</a:t>
+            </a:r>
+            <a:endParaRPr lang="en-US" sz="900" dirty="0">
               <a:latin typeface="ヒラギノ角ゴ Pro W3"/>
               <a:ea typeface="ヒラギノ角ゴ Pro W3"/>
               <a:cs typeface="ヒラギノ角ゴ Pro W3"/>
@@ -4298,7 +5095,7 @@
         <p:spPr>
           <a:xfrm>
             <a:off x="2424431" y="7750440"/>
-            <a:ext cx="2072252" cy="1815882"/>
+            <a:ext cx="2072252" cy="1892826"/>
           </a:xfrm>
           <a:prstGeom prst="rect">
             <a:avLst/>
@@ -4312,7 +5109,7 @@
           <a:lstStyle/>
           <a:p>
             <a:r>
-              <a:rPr lang="en-US" sz="1200" baseline="30000" dirty="0">
+              <a:rPr lang="en-US" sz="900" dirty="0">
                 <a:solidFill>
                   <a:srgbClr val="1A1818"/>
                 </a:solidFill>
@@ -4320,10 +5117,10 @@
                 <a:ea typeface="ヒラギノ角ゴ Pro W3"/>
                 <a:cs typeface="ヒラギノ角ゴ Pro W3"/>
               </a:rPr>
-              <a:t>˲ Address both technology and </a:t>
-            </a:r>
-            <a:r>
-              <a:rPr lang="en-US" sz="1200" baseline="30000" dirty="0" err="1">
+              <a:t>˲ </a:t>
+            </a:r>
+            <a:r>
+              <a:rPr lang="ja-JP" altLang="en-US" sz="900" dirty="0">
                 <a:solidFill>
                   <a:srgbClr val="1A1818"/>
                 </a:solidFill>
@@ -4331,10 +5128,10 @@
                 <a:ea typeface="ヒラギノ角ゴ Pro W3"/>
                 <a:cs typeface="ヒラギノ角ゴ Pro W3"/>
               </a:rPr>
-              <a:t>peo</a:t>
-            </a:r>
-            <a:r>
-              <a:rPr lang="en-US" sz="1200" baseline="30000" dirty="0">
+              <a:t>技術の問題と人の問題の両方を扱い</a:t>
+            </a:r>
+            <a:r>
+              <a:rPr lang="ja-JP" altLang="en-US" sz="900" dirty="0" smtClean="0">
                 <a:solidFill>
                   <a:srgbClr val="1A1818"/>
                 </a:solidFill>
@@ -4342,206 +5139,356 @@
                 <a:ea typeface="ヒラギノ角ゴ Pro W3"/>
                 <a:cs typeface="ヒラギノ角ゴ Pro W3"/>
               </a:rPr>
-              <a:t>- </a:t>
-            </a:r>
-            <a:r>
-              <a:rPr lang="en-US" sz="1200" baseline="30000" dirty="0" err="1">
-                <a:solidFill>
-                  <a:srgbClr val="1A1818"/>
-                </a:solidFill>
-                <a:latin typeface="ヒラギノ角ゴ Pro W3"/>
-                <a:ea typeface="ヒラギノ角ゴ Pro W3"/>
-                <a:cs typeface="ヒラギノ角ゴ Pro W3"/>
-              </a:rPr>
-              <a:t>ple</a:t>
-            </a:r>
-            <a:r>
-              <a:rPr lang="en-US" sz="1200" baseline="30000" dirty="0">
-                <a:solidFill>
-                  <a:srgbClr val="1A1818"/>
-                </a:solidFill>
-                <a:latin typeface="ヒラギノ角ゴ Pro W3"/>
-                <a:ea typeface="ヒラギノ角ゴ Pro W3"/>
-                <a:cs typeface="ヒラギノ角ゴ Pro W3"/>
-              </a:rPr>
-              <a:t> issues;</a:t>
-            </a:r>
-          </a:p>
-          <a:p>
-            <a:r>
-              <a:rPr lang="en-US" sz="1200" baseline="30000" dirty="0">
-                <a:solidFill>
-                  <a:srgbClr val="1A1818"/>
-                </a:solidFill>
-                <a:latin typeface="ヒラギノ角ゴ Pro W3"/>
-                <a:ea typeface="ヒラギノ角ゴ Pro W3"/>
-                <a:cs typeface="ヒラギノ角ゴ Pro W3"/>
-              </a:rPr>
-              <a:t>˲ Are supported by industry, </a:t>
-            </a:r>
-            <a:r>
-              <a:rPr lang="en-US" sz="1200" baseline="30000" dirty="0" err="1">
-                <a:solidFill>
-                  <a:srgbClr val="1A1818"/>
-                </a:solidFill>
-                <a:latin typeface="ヒラギノ角ゴ Pro W3"/>
-                <a:ea typeface="ヒラギノ角ゴ Pro W3"/>
-                <a:cs typeface="ヒラギノ角ゴ Pro W3"/>
-              </a:rPr>
-              <a:t>aca</a:t>
-            </a:r>
-            <a:r>
-              <a:rPr lang="en-US" sz="1200" baseline="30000" dirty="0">
-                <a:solidFill>
-                  <a:srgbClr val="1A1818"/>
-                </a:solidFill>
-                <a:latin typeface="ヒラギノ角ゴ Pro W3"/>
-                <a:ea typeface="ヒラギノ角ゴ Pro W3"/>
-                <a:cs typeface="ヒラギノ角ゴ Pro W3"/>
-              </a:rPr>
-              <a:t>- </a:t>
-            </a:r>
-            <a:r>
-              <a:rPr lang="en-US" sz="1200" baseline="30000" dirty="0" err="1">
-                <a:solidFill>
-                  <a:srgbClr val="1A1818"/>
-                </a:solidFill>
-                <a:latin typeface="ヒラギノ角ゴ Pro W3"/>
-                <a:ea typeface="ヒラギノ角ゴ Pro W3"/>
-                <a:cs typeface="ヒラギノ角ゴ Pro W3"/>
-              </a:rPr>
-              <a:t>demia</a:t>
-            </a:r>
-            <a:r>
-              <a:rPr lang="en-US" sz="1200" baseline="30000" dirty="0">
-                <a:solidFill>
-                  <a:srgbClr val="1A1818"/>
-                </a:solidFill>
-                <a:latin typeface="ヒラギノ角ゴ Pro W3"/>
-                <a:ea typeface="ヒラギノ角ゴ Pro W3"/>
-                <a:cs typeface="ヒラギノ角ゴ Pro W3"/>
-              </a:rPr>
-              <a:t>, researchers, and users; and</a:t>
-            </a:r>
-          </a:p>
-          <a:p>
-            <a:r>
-              <a:rPr lang="en-US" sz="1200" baseline="30000" dirty="0">
-                <a:solidFill>
-                  <a:srgbClr val="1A1818"/>
-                </a:solidFill>
-                <a:latin typeface="ヒラギノ角ゴ Pro W3"/>
-                <a:ea typeface="ヒラギノ角ゴ Pro W3"/>
-                <a:cs typeface="ヒラギノ角ゴ Pro W3"/>
-              </a:rPr>
-              <a:t>˲ Support extension in the face of changing requirements and </a:t>
-            </a:r>
-            <a:r>
-              <a:rPr lang="en-US" sz="1200" baseline="30000" dirty="0" err="1">
-                <a:solidFill>
-                  <a:srgbClr val="1A1818"/>
-                </a:solidFill>
-                <a:latin typeface="ヒラギノ角ゴ Pro W3"/>
-                <a:ea typeface="ヒラギノ角ゴ Pro W3"/>
-                <a:cs typeface="ヒラギノ角ゴ Pro W3"/>
-              </a:rPr>
-              <a:t>technol</a:t>
-            </a:r>
-            <a:r>
-              <a:rPr lang="en-US" sz="1200" baseline="30000" dirty="0">
-                <a:solidFill>
-                  <a:srgbClr val="1A1818"/>
-                </a:solidFill>
-                <a:latin typeface="ヒラギノ角ゴ Pro W3"/>
-                <a:ea typeface="ヒラギノ角ゴ Pro W3"/>
-                <a:cs typeface="ヒラギノ角ゴ Pro W3"/>
-              </a:rPr>
-              <a:t>- </a:t>
-            </a:r>
-            <a:r>
-              <a:rPr lang="en-US" sz="1200" baseline="30000" dirty="0" err="1">
-                <a:solidFill>
-                  <a:srgbClr val="1A1818"/>
-                </a:solidFill>
-                <a:latin typeface="ヒラギノ角ゴ Pro W3"/>
-                <a:ea typeface="ヒラギノ角ゴ Pro W3"/>
-                <a:cs typeface="ヒラギノ角ゴ Pro W3"/>
-              </a:rPr>
-              <a:t>ogy</a:t>
-            </a:r>
-            <a:r>
-              <a:rPr lang="en-US" sz="1200" baseline="30000" dirty="0">
-                <a:solidFill>
-                  <a:srgbClr val="1A1818"/>
-                </a:solidFill>
-                <a:latin typeface="ヒラギノ角ゴ Pro W3"/>
-                <a:ea typeface="ヒラギノ角ゴ Pro W3"/>
-                <a:cs typeface="ヒラギノ角ゴ Pro W3"/>
-              </a:rPr>
-              <a:t>.</a:t>
-            </a:r>
-          </a:p>
-          <a:p>
-            <a:r>
-              <a:rPr lang="en-US" sz="1200" baseline="30000" dirty="0">
-                <a:solidFill>
-                  <a:srgbClr val="1A1818"/>
-                </a:solidFill>
-                <a:latin typeface="ヒラギノ角ゴ Pro W3"/>
-                <a:ea typeface="ヒラギノ角ゴ Pro W3"/>
-                <a:cs typeface="ヒラギノ角ゴ Pro W3"/>
-              </a:rPr>
-              <a:t>The SEMAT call for action received a broad base of support, including a growing list of signatories and sup- porters (http://</a:t>
-            </a:r>
-            <a:r>
-              <a:rPr lang="en-US" sz="1200" baseline="30000" dirty="0" err="1">
-                <a:solidFill>
-                  <a:srgbClr val="1A1818"/>
-                </a:solidFill>
-                <a:latin typeface="ヒラギノ角ゴ Pro W3"/>
-                <a:ea typeface="ヒラギノ角ゴ Pro W3"/>
-                <a:cs typeface="ヒラギノ角ゴ Pro W3"/>
-              </a:rPr>
-              <a:t>www.semat.org</a:t>
-            </a:r>
-            <a:r>
-              <a:rPr lang="en-US" sz="1200" baseline="30000" dirty="0">
-                <a:solidFill>
-                  <a:srgbClr val="1A1818"/>
-                </a:solidFill>
-                <a:latin typeface="ヒラギノ角ゴ Pro W3"/>
-                <a:ea typeface="ヒラギノ角ゴ Pro W3"/>
-                <a:cs typeface="ヒラギノ角ゴ Pro W3"/>
-              </a:rPr>
-              <a:t>). In February 2010 the SEMAT founders developed the call for action into a vi- </a:t>
-            </a:r>
-            <a:r>
-              <a:rPr lang="en-US" sz="1200" baseline="30000" dirty="0" err="1">
-                <a:solidFill>
-                  <a:srgbClr val="1A1818"/>
-                </a:solidFill>
-                <a:latin typeface="ヒラギノ角ゴ Pro W3"/>
-                <a:ea typeface="ヒラギノ角ゴ Pro W3"/>
-                <a:cs typeface="ヒラギノ角ゴ Pro W3"/>
-              </a:rPr>
-              <a:t>sion</a:t>
-            </a:r>
-            <a:r>
-              <a:rPr lang="en-US" sz="1200" baseline="30000" dirty="0">
-                <a:solidFill>
-                  <a:srgbClr val="1A1818"/>
-                </a:solidFill>
-                <a:latin typeface="ヒラギノ角ゴ Pro W3"/>
-                <a:ea typeface="ヒラギノ角ゴ Pro W3"/>
-                <a:cs typeface="ヒラギノ角ゴ Pro W3"/>
-              </a:rPr>
-              <a:t> statement.5 In accordance with</a:t>
-            </a:r>
-            <a:endParaRPr lang="en-US" sz="1200" dirty="0">
+              <a:t>、</a:t>
+            </a:r>
+            <a:endParaRPr lang="en-US" altLang="ja-JP" sz="900" dirty="0" smtClean="0">
+              <a:solidFill>
+                <a:srgbClr val="1A1818"/>
+              </a:solidFill>
               <a:latin typeface="ヒラギノ角ゴ Pro W3"/>
               <a:ea typeface="ヒラギノ角ゴ Pro W3"/>
               <a:cs typeface="ヒラギノ角ゴ Pro W3"/>
             </a:endParaRPr>
+          </a:p>
+          <a:p>
+            <a:r>
+              <a:rPr lang="en-US" sz="900" dirty="0" smtClean="0">
+                <a:solidFill>
+                  <a:srgbClr val="1A1818"/>
+                </a:solidFill>
+                <a:latin typeface="ヒラギノ角ゴ Pro W3"/>
+                <a:ea typeface="ヒラギノ角ゴ Pro W3"/>
+                <a:cs typeface="ヒラギノ角ゴ Pro W3"/>
+              </a:rPr>
+              <a:t>˲ </a:t>
+            </a:r>
+            <a:r>
+              <a:rPr lang="ja-JP" altLang="en-US" sz="900" dirty="0">
+                <a:solidFill>
+                  <a:srgbClr val="1A1818"/>
+                </a:solidFill>
+                <a:latin typeface="ヒラギノ角ゴ Pro W3"/>
+                <a:ea typeface="ヒラギノ角ゴ Pro W3"/>
+                <a:cs typeface="ヒラギノ角ゴ Pro W3"/>
+              </a:rPr>
+              <a:t>産業界、学界、研究者そして、ユーザに支援され</a:t>
+            </a:r>
+            <a:r>
+              <a:rPr lang="ja-JP" altLang="en-US" sz="900" dirty="0" smtClean="0">
+                <a:solidFill>
+                  <a:srgbClr val="1A1818"/>
+                </a:solidFill>
+                <a:latin typeface="ヒラギノ角ゴ Pro W3"/>
+                <a:ea typeface="ヒラギノ角ゴ Pro W3"/>
+                <a:cs typeface="ヒラギノ角ゴ Pro W3"/>
+              </a:rPr>
+              <a:t>、</a:t>
+            </a:r>
+            <a:endParaRPr lang="en-US" altLang="ja-JP" sz="900" dirty="0" smtClean="0">
+              <a:solidFill>
+                <a:srgbClr val="1A1818"/>
+              </a:solidFill>
+              <a:latin typeface="ヒラギノ角ゴ Pro W3"/>
+              <a:ea typeface="ヒラギノ角ゴ Pro W3"/>
+              <a:cs typeface="ヒラギノ角ゴ Pro W3"/>
+            </a:endParaRPr>
+          </a:p>
+          <a:p>
+            <a:r>
+              <a:rPr lang="en-US" sz="900" dirty="0" smtClean="0">
+                <a:solidFill>
+                  <a:srgbClr val="1A1818"/>
+                </a:solidFill>
+                <a:latin typeface="ヒラギノ角ゴ Pro W3"/>
+                <a:ea typeface="ヒラギノ角ゴ Pro W3"/>
+                <a:cs typeface="ヒラギノ角ゴ Pro W3"/>
+              </a:rPr>
+              <a:t>˲ </a:t>
+            </a:r>
+            <a:r>
+              <a:rPr lang="ja-JP" altLang="en-US" sz="900" dirty="0">
+                <a:solidFill>
+                  <a:srgbClr val="1A1818"/>
+                </a:solidFill>
+                <a:latin typeface="ヒラギノ角ゴ Pro W3"/>
+                <a:ea typeface="ヒラギノ角ゴ Pro W3"/>
+                <a:cs typeface="ヒラギノ角ゴ Pro W3"/>
+              </a:rPr>
+              <a:t>要求とテクノロジの変化に応じて追随できるような拡張性を備えている</a:t>
+            </a:r>
+            <a:r>
+              <a:rPr lang="ja-JP" altLang="en-US" sz="900" dirty="0" smtClean="0">
+                <a:solidFill>
+                  <a:srgbClr val="1A1818"/>
+                </a:solidFill>
+                <a:latin typeface="ヒラギノ角ゴ Pro W3"/>
+                <a:ea typeface="ヒラギノ角ゴ Pro W3"/>
+                <a:cs typeface="ヒラギノ角ゴ Pro W3"/>
+              </a:rPr>
+              <a:t>。</a:t>
+            </a:r>
+            <a:endParaRPr lang="en-US" altLang="ja-JP" sz="900" dirty="0" smtClean="0">
+              <a:solidFill>
+                <a:srgbClr val="1A1818"/>
+              </a:solidFill>
+              <a:latin typeface="ヒラギノ角ゴ Pro W3"/>
+              <a:ea typeface="ヒラギノ角ゴ Pro W3"/>
+              <a:cs typeface="ヒラギノ角ゴ Pro W3"/>
+            </a:endParaRPr>
+          </a:p>
+          <a:p>
+            <a:endParaRPr lang="en-US" sz="900" dirty="0">
+              <a:solidFill>
+                <a:srgbClr val="1A1818"/>
+              </a:solidFill>
+              <a:latin typeface="ヒラギノ角ゴ Pro W3"/>
+              <a:ea typeface="ヒラギノ角ゴ Pro W3"/>
+              <a:cs typeface="ヒラギノ角ゴ Pro W3"/>
+            </a:endParaRPr>
+          </a:p>
+          <a:p>
+            <a:r>
+              <a:rPr lang="en-US" altLang="ja-JP" sz="900" dirty="0">
+                <a:solidFill>
+                  <a:srgbClr val="1A1818"/>
+                </a:solidFill>
+                <a:latin typeface="ヒラギノ角ゴ Pro W3"/>
+                <a:ea typeface="ヒラギノ角ゴ Pro W3"/>
+                <a:cs typeface="ヒラギノ角ゴ Pro W3"/>
+              </a:rPr>
+              <a:t>SEMAT</a:t>
+            </a:r>
+            <a:r>
+              <a:rPr lang="ja-JP" altLang="en-US" sz="900" dirty="0">
+                <a:solidFill>
+                  <a:srgbClr val="1A1818"/>
+                </a:solidFill>
+                <a:latin typeface="ヒラギノ角ゴ Pro W3"/>
+                <a:ea typeface="ヒラギノ角ゴ Pro W3"/>
+                <a:cs typeface="ヒラギノ角ゴ Pro W3"/>
+              </a:rPr>
+              <a:t>の </a:t>
+            </a:r>
+            <a:r>
+              <a:rPr lang="en-US" altLang="ja-JP" sz="900" dirty="0">
+                <a:solidFill>
+                  <a:srgbClr val="1A1818"/>
+                </a:solidFill>
+                <a:latin typeface="ヒラギノ角ゴ Pro W3"/>
+                <a:ea typeface="ヒラギノ角ゴ Pro W3"/>
+                <a:cs typeface="ヒラギノ角ゴ Pro W3"/>
+              </a:rPr>
+              <a:t>call for action </a:t>
+            </a:r>
+            <a:r>
+              <a:rPr lang="ja-JP" altLang="en-US" sz="900" dirty="0">
+                <a:solidFill>
+                  <a:srgbClr val="1A1818"/>
+                </a:solidFill>
+                <a:latin typeface="ヒラギノ角ゴ Pro W3"/>
+                <a:ea typeface="ヒラギノ角ゴ Pro W3"/>
+                <a:cs typeface="ヒラギノ角ゴ Pro W3"/>
+              </a:rPr>
+              <a:t>は、増え続ける署名者、サポーターのリスト</a:t>
+            </a:r>
+            <a:r>
+              <a:rPr lang="en-US" altLang="ja-JP" sz="900" dirty="0">
+                <a:solidFill>
+                  <a:srgbClr val="1A1818"/>
+                </a:solidFill>
+                <a:latin typeface="ヒラギノ角ゴ Pro W3"/>
+                <a:ea typeface="ヒラギノ角ゴ Pro W3"/>
+                <a:cs typeface="ヒラギノ角ゴ Pro W3"/>
+              </a:rPr>
+              <a:t>(http://</a:t>
+            </a:r>
+            <a:r>
+              <a:rPr lang="en-US" altLang="ja-JP" sz="900" dirty="0" err="1">
+                <a:solidFill>
+                  <a:srgbClr val="1A1818"/>
+                </a:solidFill>
+                <a:latin typeface="ヒラギノ角ゴ Pro W3"/>
+                <a:ea typeface="ヒラギノ角ゴ Pro W3"/>
+                <a:cs typeface="ヒラギノ角ゴ Pro W3"/>
+              </a:rPr>
+              <a:t>www.semat.org</a:t>
+            </a:r>
+            <a:r>
+              <a:rPr lang="en-US" altLang="ja-JP" sz="900" dirty="0" smtClean="0">
+                <a:solidFill>
+                  <a:srgbClr val="1A1818"/>
+                </a:solidFill>
+                <a:latin typeface="ヒラギノ角ゴ Pro W3"/>
+                <a:ea typeface="ヒラギノ角ゴ Pro W3"/>
+                <a:cs typeface="ヒラギノ角ゴ Pro W3"/>
+              </a:rPr>
+              <a:t>) </a:t>
+            </a:r>
+            <a:r>
+              <a:rPr lang="ja-JP" altLang="en-US" sz="900" dirty="0" smtClean="0">
+                <a:solidFill>
+                  <a:srgbClr val="1A1818"/>
+                </a:solidFill>
+                <a:latin typeface="ヒラギノ角ゴ Pro W3"/>
+                <a:ea typeface="ヒラギノ角ゴ Pro W3"/>
+                <a:cs typeface="ヒラギノ角ゴ Pro W3"/>
+              </a:rPr>
+              <a:t>を</a:t>
+            </a:r>
+            <a:r>
+              <a:rPr lang="ja-JP" altLang="en-US" sz="900" dirty="0">
+                <a:solidFill>
+                  <a:srgbClr val="1A1818"/>
+                </a:solidFill>
+                <a:latin typeface="ヒラギノ角ゴ Pro W3"/>
+                <a:ea typeface="ヒラギノ角ゴ Pro W3"/>
+                <a:cs typeface="ヒラギノ角ゴ Pro W3"/>
+              </a:rPr>
+              <a:t>含む、広い支援者ベースを得た。</a:t>
+            </a:r>
+            <a:r>
+              <a:rPr lang="en-US" altLang="ja-JP" sz="900" dirty="0">
+                <a:solidFill>
+                  <a:srgbClr val="1A1818"/>
+                </a:solidFill>
+                <a:latin typeface="ヒラギノ角ゴ Pro W3"/>
+                <a:ea typeface="ヒラギノ角ゴ Pro W3"/>
+                <a:cs typeface="ヒラギノ角ゴ Pro W3"/>
+              </a:rPr>
+              <a:t>2010</a:t>
+            </a:r>
+            <a:r>
+              <a:rPr lang="ja-JP" altLang="en-US" sz="900" dirty="0">
+                <a:solidFill>
+                  <a:srgbClr val="1A1818"/>
+                </a:solidFill>
+                <a:latin typeface="ヒラギノ角ゴ Pro W3"/>
+                <a:ea typeface="ヒラギノ角ゴ Pro W3"/>
+                <a:cs typeface="ヒラギノ角ゴ Pro W3"/>
+              </a:rPr>
+              <a:t>年</a:t>
+            </a:r>
+            <a:r>
+              <a:rPr lang="en-US" altLang="ja-JP" sz="900" dirty="0">
+                <a:solidFill>
+                  <a:srgbClr val="1A1818"/>
+                </a:solidFill>
+                <a:latin typeface="ヒラギノ角ゴ Pro W3"/>
+                <a:ea typeface="ヒラギノ角ゴ Pro W3"/>
+                <a:cs typeface="ヒラギノ角ゴ Pro W3"/>
+              </a:rPr>
+              <a:t>2</a:t>
+            </a:r>
+            <a:r>
+              <a:rPr lang="ja-JP" altLang="en-US" sz="900" dirty="0">
+                <a:solidFill>
+                  <a:srgbClr val="1A1818"/>
+                </a:solidFill>
+                <a:latin typeface="ヒラギノ角ゴ Pro W3"/>
+                <a:ea typeface="ヒラギノ角ゴ Pro W3"/>
+                <a:cs typeface="ヒラギノ角ゴ Pro W3"/>
+              </a:rPr>
+              <a:t>月には、</a:t>
+            </a:r>
+            <a:r>
+              <a:rPr lang="en-US" altLang="ja-JP" sz="900" dirty="0">
+                <a:solidFill>
+                  <a:srgbClr val="1A1818"/>
+                </a:solidFill>
+                <a:latin typeface="ヒラギノ角ゴ Pro W3"/>
+                <a:ea typeface="ヒラギノ角ゴ Pro W3"/>
+                <a:cs typeface="ヒラギノ角ゴ Pro W3"/>
+              </a:rPr>
+              <a:t>SEMAT</a:t>
+            </a:r>
+            <a:r>
+              <a:rPr lang="ja-JP" altLang="en-US" sz="900" dirty="0">
+                <a:solidFill>
+                  <a:srgbClr val="1A1818"/>
+                </a:solidFill>
+                <a:latin typeface="ヒラギノ角ゴ Pro W3"/>
+                <a:ea typeface="ヒラギノ角ゴ Pro W3"/>
+                <a:cs typeface="ヒラギノ角ゴ Pro W3"/>
+              </a:rPr>
+              <a:t>の創設者</a:t>
+            </a:r>
+            <a:r>
+              <a:rPr lang="ja-JP" altLang="en-US" sz="900" dirty="0" smtClean="0">
+                <a:solidFill>
+                  <a:srgbClr val="1A1818"/>
+                </a:solidFill>
+                <a:latin typeface="ヒラギノ角ゴ Pro W3"/>
+                <a:ea typeface="ヒラギノ角ゴ Pro W3"/>
+                <a:cs typeface="ヒラギノ角ゴ Pro W3"/>
+              </a:rPr>
+              <a:t>は</a:t>
+            </a:r>
+            <a:r>
+              <a:rPr lang="en-US" altLang="ja-JP" sz="900" dirty="0">
+                <a:solidFill>
+                  <a:srgbClr val="1A1818"/>
+                </a:solidFill>
+                <a:latin typeface="ヒラギノ角ゴ Pro W3"/>
+                <a:ea typeface="ヒラギノ角ゴ Pro W3"/>
+                <a:cs typeface="ヒラギノ角ゴ Pro W3"/>
+              </a:rPr>
+              <a:t> </a:t>
+            </a:r>
+            <a:r>
+              <a:rPr lang="en-US" altLang="ja-JP" sz="900" dirty="0" smtClean="0">
+                <a:solidFill>
+                  <a:srgbClr val="1A1818"/>
+                </a:solidFill>
+                <a:latin typeface="ヒラギノ角ゴ Pro W3"/>
+                <a:ea typeface="ヒラギノ角ゴ Pro W3"/>
+                <a:cs typeface="ヒラギノ角ゴ Pro W3"/>
+              </a:rPr>
+              <a:t>call for action </a:t>
+            </a:r>
+            <a:r>
+              <a:rPr lang="ja-JP" altLang="en-US" sz="900" dirty="0" smtClean="0">
+                <a:solidFill>
+                  <a:srgbClr val="1A1818"/>
+                </a:solidFill>
+                <a:latin typeface="ヒラギノ角ゴ Pro W3"/>
+                <a:ea typeface="ヒラギノ角ゴ Pro W3"/>
+                <a:cs typeface="ヒラギノ角ゴ Pro W3"/>
+              </a:rPr>
+              <a:t>を</a:t>
+            </a:r>
+            <a:r>
+              <a:rPr lang="ja-JP" altLang="en-US" sz="900" dirty="0">
+                <a:solidFill>
+                  <a:srgbClr val="1A1818"/>
+                </a:solidFill>
+                <a:latin typeface="ヒラギノ角ゴ Pro W3"/>
+                <a:ea typeface="ヒラギノ角ゴ Pro W3"/>
+                <a:cs typeface="ヒラギノ角ゴ Pro W3"/>
+              </a:rPr>
+              <a:t>ビジョンステートメントとして発展させた</a:t>
+            </a:r>
+            <a:r>
+              <a:rPr lang="en-US" altLang="ja-JP" sz="900" dirty="0">
+                <a:solidFill>
+                  <a:srgbClr val="1A1818"/>
+                </a:solidFill>
+                <a:latin typeface="ヒラギノ角ゴ Pro W3"/>
+                <a:ea typeface="ヒラギノ角ゴ Pro W3"/>
+                <a:cs typeface="ヒラギノ角ゴ Pro W3"/>
+              </a:rPr>
+              <a:t>(5)</a:t>
+            </a:r>
+            <a:r>
+              <a:rPr lang="ja-JP" altLang="en-US" sz="900" dirty="0">
+                <a:solidFill>
+                  <a:srgbClr val="1A1818"/>
+                </a:solidFill>
+                <a:latin typeface="ヒラギノ角ゴ Pro W3"/>
+                <a:ea typeface="ヒラギノ角ゴ Pro W3"/>
+                <a:cs typeface="ヒラギノ角ゴ Pro W3"/>
+              </a:rPr>
+              <a:t>。</a:t>
+            </a:r>
           </a:p>
         </p:txBody>
       </p:sp>
@@ -4554,7 +5501,7 @@
         <p:spPr>
           <a:xfrm>
             <a:off x="4690522" y="1303572"/>
-            <a:ext cx="2056839" cy="8217633"/>
+            <a:ext cx="2056839" cy="8910125"/>
           </a:xfrm>
           <a:prstGeom prst="rect">
             <a:avLst/>
@@ -4567,401 +5514,109 @@
           <a:lstStyle/>
           <a:p>
             <a:r>
-              <a:rPr lang="en-US" sz="1200" baseline="30000" dirty="0">
-                <a:latin typeface="ヒラギノ角ゴ Pro W3"/>
-                <a:ea typeface="ヒラギノ角ゴ Pro W3"/>
-                <a:cs typeface="ヒラギノ角ゴ Pro W3"/>
-              </a:rPr>
-              <a:t>this vision, SEMAT focused on two major goals: Finding a kernel of widely agreed-upon elements, and defining a solid theoretical basis.</a:t>
-            </a:r>
-          </a:p>
-          <a:p>
-            <a:r>
-              <a:rPr lang="en-US" sz="1200" baseline="30000" dirty="0">
-                <a:latin typeface="ヒラギノ角ゴ Pro W3"/>
-                <a:ea typeface="ヒラギノ角ゴ Pro W3"/>
-                <a:cs typeface="ヒラギノ角ゴ Pro W3"/>
-              </a:rPr>
-              <a:t>To a large extent these two tasks are independent of each other. Finding the kernel and its elements is a </a:t>
-            </a:r>
-            <a:r>
-              <a:rPr lang="en-US" sz="1200" baseline="30000" dirty="0" err="1">
-                <a:latin typeface="ヒラギノ角ゴ Pro W3"/>
-                <a:ea typeface="ヒラギノ角ゴ Pro W3"/>
-                <a:cs typeface="ヒラギノ角ゴ Pro W3"/>
-              </a:rPr>
-              <a:t>prag</a:t>
-            </a:r>
-            <a:r>
-              <a:rPr lang="en-US" sz="1200" baseline="30000" dirty="0">
-                <a:latin typeface="ヒラギノ角ゴ Pro W3"/>
-                <a:ea typeface="ヒラギノ角ゴ Pro W3"/>
-                <a:cs typeface="ヒラギノ角ゴ Pro W3"/>
-              </a:rPr>
-              <a:t>- </a:t>
-            </a:r>
-            <a:r>
-              <a:rPr lang="en-US" sz="1200" baseline="30000" dirty="0" err="1">
-                <a:latin typeface="ヒラギノ角ゴ Pro W3"/>
-                <a:ea typeface="ヒラギノ角ゴ Pro W3"/>
-                <a:cs typeface="ヒラギノ角ゴ Pro W3"/>
-              </a:rPr>
-              <a:t>matic</a:t>
-            </a:r>
-            <a:r>
-              <a:rPr lang="en-US" sz="1200" baseline="30000" dirty="0">
-                <a:latin typeface="ヒラギノ角ゴ Pro W3"/>
-                <a:ea typeface="ヒラギノ角ゴ Pro W3"/>
-                <a:cs typeface="ヒラギノ角ゴ Pro W3"/>
-              </a:rPr>
-              <a:t> exercise requiring experienced software developers with knowledge of many of the existing methods. </a:t>
-            </a:r>
-            <a:r>
-              <a:rPr lang="en-US" sz="1200" baseline="30000" dirty="0" err="1">
-                <a:latin typeface="ヒラギノ角ゴ Pro W3"/>
-                <a:ea typeface="ヒラギノ角ゴ Pro W3"/>
-                <a:cs typeface="ヒラギノ角ゴ Pro W3"/>
-              </a:rPr>
-              <a:t>Defin</a:t>
-            </a:r>
-            <a:r>
-              <a:rPr lang="en-US" sz="1200" baseline="30000" dirty="0">
-                <a:latin typeface="ヒラギノ角ゴ Pro W3"/>
-                <a:ea typeface="ヒラギノ角ゴ Pro W3"/>
-                <a:cs typeface="ヒラギノ角ゴ Pro W3"/>
-              </a:rPr>
-              <a:t>- </a:t>
-            </a:r>
-            <a:r>
-              <a:rPr lang="en-US" sz="1200" baseline="30000" dirty="0" err="1">
-                <a:latin typeface="ヒラギノ角ゴ Pro W3"/>
-                <a:ea typeface="ヒラギノ角ゴ Pro W3"/>
-                <a:cs typeface="ヒラギノ角ゴ Pro W3"/>
-              </a:rPr>
-              <a:t>ing</a:t>
-            </a:r>
-            <a:r>
-              <a:rPr lang="en-US" sz="1200" baseline="30000" dirty="0">
-                <a:latin typeface="ヒラギノ角ゴ Pro W3"/>
-                <a:ea typeface="ヒラギノ角ゴ Pro W3"/>
-                <a:cs typeface="ヒラギノ角ゴ Pro W3"/>
-              </a:rPr>
-              <a:t> the theoretical basis is academic research and may take many years to reach a successful outcome</a:t>
-            </a:r>
-            <a:r>
-              <a:rPr lang="en-US" sz="1200" baseline="30000" dirty="0" smtClean="0">
-                <a:latin typeface="ヒラギノ角ゴ Pro W3"/>
-                <a:ea typeface="ヒラギノ角ゴ Pro W3"/>
-                <a:cs typeface="ヒラギノ角ゴ Pro W3"/>
-              </a:rPr>
-              <a:t>.</a:t>
-            </a:r>
-          </a:p>
-          <a:p>
-            <a:endParaRPr lang="en-US" sz="1200" baseline="30000" dirty="0">
+              <a:rPr lang="ja-JP" altLang="en-US" sz="900" dirty="0">
+                <a:latin typeface="ヒラギノ角ゴ Pro W3"/>
+                <a:ea typeface="ヒラギノ角ゴ Pro W3"/>
+                <a:cs typeface="ヒラギノ角ゴ Pro W3"/>
+              </a:rPr>
+              <a:t>このビジョンに沿って、</a:t>
+            </a:r>
+            <a:r>
+              <a:rPr lang="en-US" altLang="ja-JP" sz="900" dirty="0" smtClean="0">
+                <a:latin typeface="ヒラギノ角ゴ Pro W3"/>
+                <a:ea typeface="ヒラギノ角ゴ Pro W3"/>
+                <a:cs typeface="ヒラギノ角ゴ Pro W3"/>
+              </a:rPr>
+              <a:t>SEMAT</a:t>
+            </a:r>
+            <a:r>
+              <a:rPr lang="ja-JP" altLang="en-US" sz="900" dirty="0">
+                <a:latin typeface="ヒラギノ角ゴ Pro W3"/>
+                <a:ea typeface="ヒラギノ角ゴ Pro W3"/>
+                <a:cs typeface="ヒラギノ角ゴ Pro W3"/>
+              </a:rPr>
+              <a:t>は</a:t>
+            </a:r>
+            <a:r>
+              <a:rPr lang="en-US" altLang="ja-JP" sz="900" dirty="0">
+                <a:latin typeface="ヒラギノ角ゴ Pro W3"/>
+                <a:ea typeface="ヒラギノ角ゴ Pro W3"/>
+                <a:cs typeface="ヒラギノ角ゴ Pro W3"/>
+              </a:rPr>
+              <a:t>2</a:t>
+            </a:r>
+            <a:r>
+              <a:rPr lang="ja-JP" altLang="en-US" sz="900" dirty="0">
+                <a:latin typeface="ヒラギノ角ゴ Pro W3"/>
+                <a:ea typeface="ヒラギノ角ゴ Pro W3"/>
+                <a:cs typeface="ヒラギノ角ゴ Pro W3"/>
+              </a:rPr>
+              <a:t>つのゴールに焦点を</a:t>
+            </a:r>
+            <a:r>
+              <a:rPr lang="ja-JP" altLang="en-US" sz="900" dirty="0" smtClean="0">
+                <a:latin typeface="ヒラギノ角ゴ Pro W3"/>
+                <a:ea typeface="ヒラギノ角ゴ Pro W3"/>
+                <a:cs typeface="ヒラギノ角ゴ Pro W3"/>
+              </a:rPr>
+              <a:t>合わせた</a:t>
+            </a:r>
+            <a:r>
+              <a:rPr lang="ja-JP" altLang="en-US" sz="900" dirty="0" smtClean="0">
+                <a:latin typeface="ヒラギノ角ゴ Pro W3"/>
+                <a:ea typeface="ヒラギノ角ゴ Pro W3"/>
+                <a:cs typeface="ヒラギノ角ゴ Pro W3"/>
+              </a:rPr>
+              <a:t>：</a:t>
+            </a:r>
+            <a:r>
+              <a:rPr lang="ja-JP" altLang="en-US" sz="900" dirty="0" smtClean="0">
+                <a:latin typeface="ヒラギノ角ゴ Pro W3"/>
+                <a:ea typeface="ヒラギノ角ゴ Pro W3"/>
+                <a:cs typeface="ヒラギノ角ゴ Pro W3"/>
+              </a:rPr>
+              <a:t>広く</a:t>
+            </a:r>
+            <a:r>
+              <a:rPr lang="ja-JP" altLang="en-US" sz="900" dirty="0">
+                <a:latin typeface="ヒラギノ角ゴ Pro W3"/>
+                <a:ea typeface="ヒラギノ角ゴ Pro W3"/>
+                <a:cs typeface="ヒラギノ角ゴ Pro W3"/>
+              </a:rPr>
+              <a:t>合意された要素からなるカーネルを見つけること、そして堅固な理論的基礎を定義すること。これら</a:t>
+            </a:r>
+            <a:r>
+              <a:rPr lang="en-US" altLang="ja-JP" sz="900" dirty="0">
+                <a:latin typeface="ヒラギノ角ゴ Pro W3"/>
+                <a:ea typeface="ヒラギノ角ゴ Pro W3"/>
+                <a:cs typeface="ヒラギノ角ゴ Pro W3"/>
+              </a:rPr>
+              <a:t>2</a:t>
+            </a:r>
+            <a:r>
+              <a:rPr lang="ja-JP" altLang="en-US" sz="900" dirty="0">
+                <a:latin typeface="ヒラギノ角ゴ Pro W3"/>
+                <a:ea typeface="ヒラギノ角ゴ Pro W3"/>
+                <a:cs typeface="ヒラギノ角ゴ Pro W3"/>
+              </a:rPr>
+              <a:t>つの作業はかなりの範囲で独立している。カーネルを見つけることは多数の既存手法の知識を備えた経験のあるソフトウェアエンジニアの実践的な活動である。理論的基礎を定義することはアカデミックな研究活動であり、成功といえる結果に到達するには、何年もかかるだろう</a:t>
+            </a:r>
+            <a:r>
+              <a:rPr lang="ja-JP" altLang="en-US" sz="900" dirty="0" smtClean="0">
+                <a:latin typeface="ヒラギノ角ゴ Pro W3"/>
+                <a:ea typeface="ヒラギノ角ゴ Pro W3"/>
+                <a:cs typeface="ヒラギノ角ゴ Pro W3"/>
+              </a:rPr>
+              <a:t>。</a:t>
+            </a:r>
+            <a:endParaRPr lang="en-US" sz="900" dirty="0">
               <a:latin typeface="ヒラギノ角ゴ Pro W3"/>
               <a:ea typeface="ヒラギノ角ゴ Pro W3"/>
               <a:cs typeface="ヒラギノ角ゴ Pro W3"/>
             </a:endParaRPr>
           </a:p>
           <a:p>
-            <a:r>
-              <a:rPr lang="en-US" sz="1200" baseline="30000" dirty="0">
-                <a:latin typeface="ヒラギノ角ゴ Pro W6"/>
-                <a:ea typeface="ヒラギノ角ゴ Pro W6"/>
-                <a:cs typeface="ヒラギノ角ゴ Pro W6"/>
-              </a:rPr>
-              <a:t>T</a:t>
-            </a:r>
-            <a:r>
-              <a:rPr lang="en-US" sz="1200" baseline="30000" dirty="0" smtClean="0">
-                <a:latin typeface="ヒラギノ角ゴ Pro W6"/>
-                <a:ea typeface="ヒラギノ角ゴ Pro W6"/>
-                <a:cs typeface="ヒラギノ角ゴ Pro W6"/>
-              </a:rPr>
-              <a:t>he </a:t>
-            </a:r>
-            <a:r>
-              <a:rPr lang="en-US" sz="1200" baseline="30000" dirty="0">
-                <a:latin typeface="ヒラギノ角ゴ Pro W6"/>
-                <a:ea typeface="ヒラギノ角ゴ Pro W6"/>
-                <a:cs typeface="ヒラギノ角ゴ Pro W6"/>
-              </a:rPr>
-              <a:t>Power of the common Ground</a:t>
-            </a:r>
-          </a:p>
-          <a:p>
-            <a:r>
-              <a:rPr lang="en-US" sz="1200" baseline="30000" dirty="0">
-                <a:latin typeface="ヒラギノ角ゴ Pro W3"/>
-                <a:ea typeface="ヒラギノ角ゴ Pro W3"/>
-                <a:cs typeface="ヒラギノ角ゴ Pro W3"/>
-              </a:rPr>
-              <a:t>SEMAT’s first step was to identify a common ground for software </a:t>
-            </a:r>
-            <a:r>
-              <a:rPr lang="en-US" sz="1200" baseline="30000" dirty="0" err="1">
-                <a:latin typeface="ヒラギノ角ゴ Pro W3"/>
-                <a:ea typeface="ヒラギノ角ゴ Pro W3"/>
-                <a:cs typeface="ヒラギノ角ゴ Pro W3"/>
-              </a:rPr>
-              <a:t>engi</a:t>
-            </a:r>
-            <a:r>
-              <a:rPr lang="en-US" sz="1200" baseline="30000" dirty="0">
-                <a:latin typeface="ヒラギノ角ゴ Pro W3"/>
-                <a:ea typeface="ヒラギノ角ゴ Pro W3"/>
-                <a:cs typeface="ヒラギノ角ゴ Pro W3"/>
-              </a:rPr>
-              <a:t>- </a:t>
-            </a:r>
-            <a:r>
-              <a:rPr lang="en-US" sz="1200" baseline="30000" dirty="0" err="1">
-                <a:latin typeface="ヒラギノ角ゴ Pro W3"/>
-                <a:ea typeface="ヒラギノ角ゴ Pro W3"/>
-                <a:cs typeface="ヒラギノ角ゴ Pro W3"/>
-              </a:rPr>
-              <a:t>neering</a:t>
-            </a:r>
-            <a:r>
-              <a:rPr lang="en-US" sz="1200" baseline="30000" dirty="0">
-                <a:latin typeface="ヒラギノ角ゴ Pro W3"/>
-                <a:ea typeface="ヒラギノ角ゴ Pro W3"/>
-                <a:cs typeface="ヒラギノ角ゴ Pro W3"/>
-              </a:rPr>
-              <a:t>. This common ground is </a:t>
-            </a:r>
-            <a:r>
-              <a:rPr lang="en-US" sz="1200" baseline="30000" dirty="0" err="1">
-                <a:latin typeface="ヒラギノ角ゴ Pro W3"/>
-                <a:ea typeface="ヒラギノ角ゴ Pro W3"/>
-                <a:cs typeface="ヒラギノ角ゴ Pro W3"/>
-              </a:rPr>
-              <a:t>mani</a:t>
-            </a:r>
-            <a:r>
-              <a:rPr lang="en-US" sz="1200" baseline="30000" dirty="0">
-                <a:latin typeface="ヒラギノ角ゴ Pro W3"/>
-                <a:ea typeface="ヒラギノ角ゴ Pro W3"/>
-                <a:cs typeface="ヒラギノ角ゴ Pro W3"/>
-              </a:rPr>
-              <a:t>- </a:t>
-            </a:r>
-            <a:r>
-              <a:rPr lang="en-US" sz="1200" baseline="30000" dirty="0" err="1">
-                <a:latin typeface="ヒラギノ角ゴ Pro W3"/>
-                <a:ea typeface="ヒラギノ角ゴ Pro W3"/>
-                <a:cs typeface="ヒラギノ角ゴ Pro W3"/>
-              </a:rPr>
-              <a:t>fested</a:t>
-            </a:r>
-            <a:r>
-              <a:rPr lang="en-US" sz="1200" baseline="30000" dirty="0">
-                <a:latin typeface="ヒラギノ角ゴ Pro W3"/>
-                <a:ea typeface="ヒラギノ角ゴ Pro W3"/>
-                <a:cs typeface="ヒラギノ角ゴ Pro W3"/>
-              </a:rPr>
-              <a:t> as a kernel of essential elements that are universal to all software-</a:t>
-            </a:r>
-            <a:r>
-              <a:rPr lang="en-US" sz="1200" baseline="30000" dirty="0" err="1">
-                <a:latin typeface="ヒラギノ角ゴ Pro W3"/>
-                <a:ea typeface="ヒラギノ角ゴ Pro W3"/>
-                <a:cs typeface="ヒラギノ角ゴ Pro W3"/>
-              </a:rPr>
-              <a:t>devel</a:t>
-            </a:r>
-            <a:r>
-              <a:rPr lang="en-US" sz="1200" baseline="30000" dirty="0">
-                <a:latin typeface="ヒラギノ角ゴ Pro W3"/>
-                <a:ea typeface="ヒラギノ角ゴ Pro W3"/>
-                <a:cs typeface="ヒラギノ角ゴ Pro W3"/>
-              </a:rPr>
-              <a:t>- </a:t>
-            </a:r>
-            <a:r>
-              <a:rPr lang="en-US" sz="1200" baseline="30000" dirty="0" err="1">
-                <a:latin typeface="ヒラギノ角ゴ Pro W3"/>
-                <a:ea typeface="ヒラギノ角ゴ Pro W3"/>
-                <a:cs typeface="ヒラギノ角ゴ Pro W3"/>
-              </a:rPr>
-              <a:t>opment</a:t>
-            </a:r>
-            <a:r>
-              <a:rPr lang="en-US" sz="1200" baseline="30000" dirty="0">
-                <a:latin typeface="ヒラギノ角ゴ Pro W3"/>
-                <a:ea typeface="ヒラギノ角ゴ Pro W3"/>
-                <a:cs typeface="ヒラギノ角ゴ Pro W3"/>
-              </a:rPr>
-              <a:t> efforts, and a simple language for describing methods and practices. The kernel was first published in the SEMAT OMG (Object Management Group) submission.2,9 As shown in figures 1 and 2, the kernel contains a small number of “things we always work with” and “things we always do” when developing software systems. Work is also ongoing to define the “skills we always need to have,” but this will have to wait until future versions of the kernel.</a:t>
-            </a:r>
-          </a:p>
-          <a:p>
-            <a:r>
-              <a:rPr lang="en-US" sz="1200" baseline="30000" dirty="0">
-                <a:latin typeface="ヒラギノ角ゴ Pro W3"/>
-                <a:ea typeface="ヒラギノ角ゴ Pro W3"/>
-                <a:cs typeface="ヒラギノ角ゴ Pro W3"/>
-              </a:rPr>
-              <a:t>More than just a conceptual model, the kernel provides:</a:t>
-            </a:r>
-          </a:p>
-          <a:p>
-            <a:r>
-              <a:rPr lang="en-US" sz="1200" baseline="30000" dirty="0">
-                <a:latin typeface="ヒラギノ角ゴ Pro W3"/>
-                <a:ea typeface="ヒラギノ角ゴ Pro W3"/>
-                <a:cs typeface="ヒラギノ角ゴ Pro W3"/>
-              </a:rPr>
-              <a:t>˲ A thinking framework for teams to reason about the progress they are making and the health of their </a:t>
-            </a:r>
-            <a:r>
-              <a:rPr lang="en-US" sz="1200" baseline="30000" dirty="0" err="1">
-                <a:latin typeface="ヒラギノ角ゴ Pro W3"/>
-                <a:ea typeface="ヒラギノ角ゴ Pro W3"/>
-                <a:cs typeface="ヒラギノ角ゴ Pro W3"/>
-              </a:rPr>
-              <a:t>endeav</a:t>
-            </a:r>
-            <a:r>
-              <a:rPr lang="en-US" sz="1200" baseline="30000" dirty="0">
-                <a:latin typeface="ヒラギノ角ゴ Pro W3"/>
-                <a:ea typeface="ヒラギノ角ゴ Pro W3"/>
-                <a:cs typeface="ヒラギノ角ゴ Pro W3"/>
-              </a:rPr>
-              <a:t>- </a:t>
-            </a:r>
-            <a:r>
-              <a:rPr lang="en-US" sz="1200" baseline="30000" dirty="0" err="1">
-                <a:latin typeface="ヒラギノ角ゴ Pro W3"/>
-                <a:ea typeface="ヒラギノ角ゴ Pro W3"/>
-                <a:cs typeface="ヒラギノ角ゴ Pro W3"/>
-              </a:rPr>
-              <a:t>ors</a:t>
-            </a:r>
-            <a:r>
-              <a:rPr lang="en-US" sz="1200" baseline="30000" dirty="0">
-                <a:latin typeface="ヒラギノ角ゴ Pro W3"/>
-                <a:ea typeface="ヒラギノ角ゴ Pro W3"/>
-                <a:cs typeface="ヒラギノ角ゴ Pro W3"/>
-              </a:rPr>
-              <a:t>;</a:t>
-            </a:r>
-          </a:p>
-          <a:p>
-            <a:r>
-              <a:rPr lang="en-US" sz="1200" baseline="30000" dirty="0">
-                <a:latin typeface="ヒラギノ角ゴ Pro W3"/>
-                <a:ea typeface="ヒラギノ角ゴ Pro W3"/>
-                <a:cs typeface="ヒラギノ角ゴ Pro W3"/>
-              </a:rPr>
-              <a:t>˲ Common ground for the discus- </a:t>
-            </a:r>
-            <a:r>
-              <a:rPr lang="en-US" sz="1200" baseline="30000" dirty="0" err="1">
-                <a:latin typeface="ヒラギノ角ゴ Pro W3"/>
-                <a:ea typeface="ヒラギノ角ゴ Pro W3"/>
-                <a:cs typeface="ヒラギノ角ゴ Pro W3"/>
-              </a:rPr>
-              <a:t>sion</a:t>
-            </a:r>
-            <a:r>
-              <a:rPr lang="en-US" sz="1200" baseline="30000" dirty="0">
-                <a:latin typeface="ヒラギノ角ゴ Pro W3"/>
-                <a:ea typeface="ヒラギノ角ゴ Pro W3"/>
-                <a:cs typeface="ヒラギノ角ゴ Pro W3"/>
-              </a:rPr>
-              <a:t>, improvement, comparison, and sharing of software-engineering meth- </a:t>
-            </a:r>
-            <a:r>
-              <a:rPr lang="en-US" sz="1200" baseline="30000" dirty="0" err="1">
-                <a:latin typeface="ヒラギノ角ゴ Pro W3"/>
-                <a:ea typeface="ヒラギノ角ゴ Pro W3"/>
-                <a:cs typeface="ヒラギノ角ゴ Pro W3"/>
-              </a:rPr>
-              <a:t>ods</a:t>
-            </a:r>
-            <a:r>
-              <a:rPr lang="en-US" sz="1200" baseline="30000" dirty="0">
-                <a:latin typeface="ヒラギノ角ゴ Pro W3"/>
-                <a:ea typeface="ヒラギノ角ゴ Pro W3"/>
-                <a:cs typeface="ヒラギノ角ゴ Pro W3"/>
-              </a:rPr>
-              <a:t> and practices;</a:t>
-            </a:r>
-          </a:p>
-          <a:p>
-            <a:r>
-              <a:rPr lang="en-US" sz="1200" baseline="30000" dirty="0">
-                <a:latin typeface="ヒラギノ角ゴ Pro W3"/>
-                <a:ea typeface="ヒラギノ角ゴ Pro W3"/>
-                <a:cs typeface="ヒラギノ角ゴ Pro W3"/>
-              </a:rPr>
-              <a:t>˲ A framework for teams to assemble and continuously improve their way of working by the composition of </a:t>
-            </a:r>
-            <a:r>
-              <a:rPr lang="en-US" sz="1200" baseline="30000" dirty="0" err="1">
-                <a:latin typeface="ヒラギノ角ゴ Pro W3"/>
-                <a:ea typeface="ヒラギノ角ゴ Pro W3"/>
-                <a:cs typeface="ヒラギノ角ゴ Pro W3"/>
-              </a:rPr>
-              <a:t>sepa</a:t>
-            </a:r>
-            <a:r>
-              <a:rPr lang="en-US" sz="1200" baseline="30000" dirty="0">
-                <a:latin typeface="ヒラギノ角ゴ Pro W3"/>
-                <a:ea typeface="ヒラギノ角ゴ Pro W3"/>
-                <a:cs typeface="ヒラギノ角ゴ Pro W3"/>
-              </a:rPr>
-              <a:t>- </a:t>
-            </a:r>
-            <a:r>
-              <a:rPr lang="en-US" sz="1200" baseline="30000" dirty="0" err="1">
-                <a:latin typeface="ヒラギノ角ゴ Pro W3"/>
-                <a:ea typeface="ヒラギノ角ゴ Pro W3"/>
-                <a:cs typeface="ヒラギノ角ゴ Pro W3"/>
-              </a:rPr>
-              <a:t>rately</a:t>
-            </a:r>
-            <a:r>
-              <a:rPr lang="en-US" sz="1200" baseline="30000" dirty="0">
-                <a:latin typeface="ヒラギノ角ゴ Pro W3"/>
-                <a:ea typeface="ヒラギノ角ゴ Pro W3"/>
-                <a:cs typeface="ヒラギノ角ゴ Pro W3"/>
-              </a:rPr>
-              <a:t> defined, and sourced, practices;</a:t>
-            </a:r>
-          </a:p>
-          <a:p>
-            <a:r>
-              <a:rPr lang="en-US" sz="1200" baseline="30000" dirty="0">
-                <a:latin typeface="ヒラギノ角ゴ Pro W3"/>
-                <a:ea typeface="ヒラギノ角ゴ Pro W3"/>
-                <a:cs typeface="ヒラギノ角ゴ Pro W3"/>
-              </a:rPr>
-              <a:t>˲ A foundation for defining practice- independent measures to assess the quality of the software produced and the methods used to produce it; and</a:t>
-            </a:r>
-          </a:p>
-          <a:p>
-            <a:r>
-              <a:rPr lang="en-US" sz="1200" baseline="30000" dirty="0">
-                <a:latin typeface="ヒラギノ角ゴ Pro W3"/>
-                <a:ea typeface="ヒラギノ角ゴ Pro W3"/>
-                <a:cs typeface="ヒラギノ角ゴ Pro W3"/>
-              </a:rPr>
-              <a:t>˲ Most importantly, a way of helping teams understand where they are, what they should do next, and where they need to improve</a:t>
-            </a:r>
-            <a:r>
-              <a:rPr lang="en-US" sz="1200" baseline="30000" dirty="0" smtClean="0">
-                <a:latin typeface="ヒラギノ角ゴ Pro W3"/>
-                <a:ea typeface="ヒラギノ角ゴ Pro W3"/>
-                <a:cs typeface="ヒラギノ角ゴ Pro W3"/>
-              </a:rPr>
-              <a:t>.</a:t>
-            </a:r>
-          </a:p>
-          <a:p>
-            <a:endParaRPr lang="en-US" sz="1200" baseline="30000" dirty="0">
+            <a:endParaRPr lang="en-US" sz="1200" dirty="0">
               <a:latin typeface="ヒラギノ角ゴ Pro W3"/>
               <a:ea typeface="ヒラギノ角ゴ Pro W3"/>
               <a:cs typeface="ヒラギノ角ゴ Pro W3"/>
@@ -4969,40 +5624,609 @@
           </a:p>
           <a:p>
             <a:r>
-              <a:rPr lang="en-US" sz="1200" baseline="30000" dirty="0">
+              <a:rPr lang="ja-JP" altLang="en-US" sz="1200" dirty="0">
                 <a:latin typeface="ヒラギノ角ゴ Pro W6"/>
                 <a:ea typeface="ヒラギノ角ゴ Pro W6"/>
                 <a:cs typeface="ヒラギノ角ゴ Pro W6"/>
               </a:rPr>
-              <a:t>T</a:t>
-            </a:r>
-            <a:r>
-              <a:rPr lang="en-US" sz="1200" baseline="30000" dirty="0" smtClean="0">
+              <a:t>共通基盤の</a:t>
+            </a:r>
+            <a:r>
+              <a:rPr lang="ja-JP" altLang="en-US" sz="1200" dirty="0" smtClean="0">
                 <a:latin typeface="ヒラギノ角ゴ Pro W6"/>
                 <a:ea typeface="ヒラギノ角ゴ Pro W6"/>
                 <a:cs typeface="ヒラギノ角ゴ Pro W6"/>
               </a:rPr>
-              <a:t>he </a:t>
-            </a:r>
-            <a:r>
-              <a:rPr lang="en-US" sz="1200" baseline="30000" dirty="0">
-                <a:latin typeface="ヒラギノ角ゴ Pro W6"/>
-                <a:ea typeface="ヒラギノ角ゴ Pro W6"/>
-                <a:cs typeface="ヒラギノ角ゴ Pro W6"/>
-              </a:rPr>
-              <a:t>big idea</a:t>
-            </a:r>
-          </a:p>
-          <a:p>
-            <a:r>
-              <a:rPr lang="en-US" sz="1200" baseline="30000" dirty="0">
-                <a:latin typeface="ヒラギノ角ゴ Pro W3"/>
-                <a:ea typeface="ヒラギノ角ゴ Pro W3"/>
-                <a:cs typeface="ヒラギノ角ゴ Pro W3"/>
-              </a:rPr>
-              <a:t>What is it that makes the kernel more than just a conceptual model of soft- ware engineering? What is it that is re-</a:t>
-            </a:r>
-            <a:endParaRPr lang="en-US" sz="1200" dirty="0">
+              <a:t>能力</a:t>
+            </a:r>
+            <a:endParaRPr lang="en-US" altLang="ja-JP" sz="1200" dirty="0" smtClean="0">
+              <a:latin typeface="ヒラギノ角ゴ Pro W6"/>
+              <a:ea typeface="ヒラギノ角ゴ Pro W6"/>
+              <a:cs typeface="ヒラギノ角ゴ Pro W6"/>
+            </a:endParaRPr>
+          </a:p>
+          <a:p>
+            <a:r>
+              <a:rPr lang="en-US" altLang="ja-JP" sz="900" dirty="0">
+                <a:latin typeface="ヒラギノ角ゴ Pro W3"/>
+                <a:ea typeface="ヒラギノ角ゴ Pro W3"/>
+                <a:cs typeface="ヒラギノ角ゴ Pro W3"/>
+              </a:rPr>
+              <a:t>SEMAT</a:t>
+            </a:r>
+            <a:r>
+              <a:rPr lang="ja-JP" altLang="en-US" sz="900" dirty="0">
+                <a:latin typeface="ヒラギノ角ゴ Pro W3"/>
+                <a:ea typeface="ヒラギノ角ゴ Pro W3"/>
+                <a:cs typeface="ヒラギノ角ゴ Pro W3"/>
+              </a:rPr>
+              <a:t>の最初のステップは、ソフトウェア開発における共通基盤を確認すること</a:t>
+            </a:r>
+            <a:r>
+              <a:rPr lang="ja-JP" altLang="en-US" sz="900" dirty="0" smtClean="0">
+                <a:latin typeface="ヒラギノ角ゴ Pro W3"/>
+                <a:ea typeface="ヒラギノ角ゴ Pro W3"/>
+                <a:cs typeface="ヒラギノ角ゴ Pro W3"/>
+              </a:rPr>
+              <a:t>であった</a:t>
+            </a:r>
+            <a:r>
+              <a:rPr lang="ja-JP" altLang="en-US" sz="900" dirty="0">
+                <a:latin typeface="ヒラギノ角ゴ Pro W3"/>
+                <a:ea typeface="ヒラギノ角ゴ Pro W3"/>
+                <a:cs typeface="ヒラギノ角ゴ Pro W3"/>
+              </a:rPr>
+              <a:t>。この共通基盤は、すべてのソフトウェア開発活動において普遍的な</a:t>
+            </a:r>
+            <a:r>
+              <a:rPr lang="ja-JP" altLang="en-US" sz="900" dirty="0" smtClean="0">
+                <a:latin typeface="ヒラギノ角ゴ Pro W3"/>
+                <a:ea typeface="ヒラギノ角ゴ Pro W3"/>
+                <a:cs typeface="ヒラギノ角ゴ Pro W3"/>
+              </a:rPr>
+              <a:t>必須要素</a:t>
+            </a:r>
+            <a:r>
+              <a:rPr lang="ja-JP" altLang="en-US" sz="900" dirty="0">
+                <a:latin typeface="ヒラギノ角ゴ Pro W3"/>
+                <a:ea typeface="ヒラギノ角ゴ Pro W3"/>
+                <a:cs typeface="ヒラギノ角ゴ Pro W3"/>
+              </a:rPr>
+              <a:t>のカーネルと、方法論と実践とを記述するためのシンプルな言語として示される</a:t>
+            </a:r>
+            <a:r>
+              <a:rPr lang="ja-JP" altLang="en-US" sz="900" dirty="0" smtClean="0">
+                <a:latin typeface="ヒラギノ角ゴ Pro W3"/>
+                <a:ea typeface="ヒラギノ角ゴ Pro W3"/>
+                <a:cs typeface="ヒラギノ角ゴ Pro W3"/>
+              </a:rPr>
+              <a:t>。</a:t>
+            </a:r>
+            <a:r>
+              <a:rPr lang="en-US" altLang="ja-JP" sz="900" dirty="0" smtClean="0">
+                <a:latin typeface="ヒラギノ角ゴ Pro W3"/>
+                <a:ea typeface="ヒラギノ角ゴ Pro W3"/>
+                <a:cs typeface="ヒラギノ角ゴ Pro W3"/>
+              </a:rPr>
+              <a:t/>
+            </a:r>
+            <a:br>
+              <a:rPr lang="en-US" altLang="ja-JP" sz="900" dirty="0" smtClean="0">
+                <a:latin typeface="ヒラギノ角ゴ Pro W3"/>
+                <a:ea typeface="ヒラギノ角ゴ Pro W3"/>
+                <a:cs typeface="ヒラギノ角ゴ Pro W3"/>
+              </a:rPr>
+            </a:br>
+            <a:r>
+              <a:rPr lang="ja-JP" altLang="en-US" sz="900" dirty="0" smtClean="0">
+                <a:latin typeface="ヒラギノ角ゴ Pro W3"/>
+                <a:ea typeface="ヒラギノ角ゴ Pro W3"/>
+                <a:cs typeface="ヒラギノ角ゴ Pro W3"/>
+              </a:rPr>
+              <a:t>カーネル</a:t>
+            </a:r>
+            <a:r>
+              <a:rPr lang="ja-JP" altLang="en-US" sz="900" dirty="0">
+                <a:latin typeface="ヒラギノ角ゴ Pro W3"/>
+                <a:ea typeface="ヒラギノ角ゴ Pro W3"/>
+                <a:cs typeface="ヒラギノ角ゴ Pro W3"/>
+              </a:rPr>
+              <a:t>は、</a:t>
+            </a:r>
+            <a:r>
+              <a:rPr lang="en-US" altLang="ja-JP" sz="900" dirty="0" smtClean="0">
+                <a:latin typeface="ヒラギノ角ゴ Pro W3"/>
+                <a:ea typeface="ヒラギノ角ゴ Pro W3"/>
+                <a:cs typeface="ヒラギノ角ゴ Pro W3"/>
+              </a:rPr>
+              <a:t>SEMAT OMG</a:t>
+            </a:r>
+            <a:r>
+              <a:rPr lang="ja-JP" altLang="en-US" sz="900" dirty="0">
+                <a:latin typeface="ヒラギノ角ゴ Pro W3"/>
+                <a:ea typeface="ヒラギノ角ゴ Pro W3"/>
+                <a:cs typeface="ヒラギノ角ゴ Pro W3"/>
+              </a:rPr>
+              <a:t>（</a:t>
+            </a:r>
+            <a:r>
+              <a:rPr lang="en-US" altLang="ja-JP" sz="900" dirty="0">
+                <a:latin typeface="ヒラギノ角ゴ Pro W3"/>
+                <a:ea typeface="ヒラギノ角ゴ Pro W3"/>
+                <a:cs typeface="ヒラギノ角ゴ Pro W3"/>
+              </a:rPr>
+              <a:t>Object Management Group</a:t>
+            </a:r>
+            <a:r>
+              <a:rPr lang="ja-JP" altLang="en-US" sz="900" dirty="0">
+                <a:latin typeface="ヒラギノ角ゴ Pro W3"/>
+                <a:ea typeface="ヒラギノ角ゴ Pro W3"/>
+                <a:cs typeface="ヒラギノ角ゴ Pro W3"/>
+              </a:rPr>
+              <a:t>）提案で初めて公開された</a:t>
+            </a:r>
+            <a:r>
+              <a:rPr lang="ja-JP" altLang="en-US" sz="900" dirty="0" smtClean="0">
+                <a:latin typeface="ヒラギノ角ゴ Pro W3"/>
+                <a:ea typeface="ヒラギノ角ゴ Pro W3"/>
+                <a:cs typeface="ヒラギノ角ゴ Pro W3"/>
+              </a:rPr>
+              <a:t>。図</a:t>
+            </a:r>
+            <a:r>
+              <a:rPr lang="en-US" altLang="ja-JP" sz="900" dirty="0">
+                <a:latin typeface="ヒラギノ角ゴ Pro W3"/>
+                <a:ea typeface="ヒラギノ角ゴ Pro W3"/>
+                <a:cs typeface="ヒラギノ角ゴ Pro W3"/>
+              </a:rPr>
+              <a:t>1</a:t>
+            </a:r>
+            <a:r>
+              <a:rPr lang="ja-JP" altLang="en-US" sz="900" dirty="0">
+                <a:latin typeface="ヒラギノ角ゴ Pro W3"/>
+                <a:ea typeface="ヒラギノ角ゴ Pro W3"/>
+                <a:cs typeface="ヒラギノ角ゴ Pro W3"/>
+              </a:rPr>
+              <a:t>と図</a:t>
+            </a:r>
+            <a:r>
+              <a:rPr lang="en-US" altLang="ja-JP" sz="900" dirty="0">
+                <a:latin typeface="ヒラギノ角ゴ Pro W3"/>
+                <a:ea typeface="ヒラギノ角ゴ Pro W3"/>
+                <a:cs typeface="ヒラギノ角ゴ Pro W3"/>
+              </a:rPr>
+              <a:t>2</a:t>
+            </a:r>
+            <a:r>
+              <a:rPr lang="ja-JP" altLang="en-US" sz="900" dirty="0">
+                <a:latin typeface="ヒラギノ角ゴ Pro W3"/>
+                <a:ea typeface="ヒラギノ角ゴ Pro W3"/>
+                <a:cs typeface="ヒラギノ角ゴ Pro W3"/>
+              </a:rPr>
+              <a:t>で示すように、カーネルはソフトウェアシステムを開発するとき</a:t>
+            </a:r>
+            <a:r>
+              <a:rPr lang="ja-JP" altLang="en-US" sz="900" dirty="0" smtClean="0">
+                <a:latin typeface="ヒラギノ角ゴ Pro W3"/>
+                <a:ea typeface="ヒラギノ角ゴ Pro W3"/>
+                <a:cs typeface="ヒラギノ角ゴ Pro W3"/>
+              </a:rPr>
+              <a:t>に「</a:t>
+            </a:r>
+            <a:r>
+              <a:rPr lang="ja-JP" altLang="en-US" sz="900" dirty="0">
+                <a:latin typeface="ヒラギノ角ゴ Pro W3"/>
+                <a:ea typeface="ヒラギノ角ゴ Pro W3"/>
+                <a:cs typeface="ヒラギノ角ゴ Pro W3"/>
+              </a:rPr>
+              <a:t>我々が常に仕事で扱うこと</a:t>
+            </a:r>
+            <a:r>
+              <a:rPr lang="en-US" altLang="ja-JP" sz="900" dirty="0">
+                <a:latin typeface="ヒラギノ角ゴ Pro W3"/>
+                <a:ea typeface="ヒラギノ角ゴ Pro W3"/>
+                <a:cs typeface="ヒラギノ角ゴ Pro W3"/>
+              </a:rPr>
+              <a:t>(things we always work with)</a:t>
+            </a:r>
+            <a:r>
+              <a:rPr lang="ja-JP" altLang="en-US" sz="900" dirty="0">
+                <a:latin typeface="ヒラギノ角ゴ Pro W3"/>
+                <a:ea typeface="ヒラギノ角ゴ Pro W3"/>
+                <a:cs typeface="ヒラギノ角ゴ Pro W3"/>
+              </a:rPr>
+              <a:t>」と「我々が</a:t>
+            </a:r>
+            <a:r>
+              <a:rPr lang="ja-JP" altLang="en-US" sz="900" dirty="0" smtClean="0">
+                <a:latin typeface="ヒラギノ角ゴ Pro W3"/>
+                <a:ea typeface="ヒラギノ角ゴ Pro W3"/>
+                <a:cs typeface="ヒラギノ角ゴ Pro W3"/>
+              </a:rPr>
+              <a:t>常に行う</a:t>
+            </a:r>
+            <a:r>
+              <a:rPr lang="ja-JP" altLang="en-US" sz="900" dirty="0">
+                <a:latin typeface="ヒラギノ角ゴ Pro W3"/>
+                <a:ea typeface="ヒラギノ角ゴ Pro W3"/>
+                <a:cs typeface="ヒラギノ角ゴ Pro W3"/>
+              </a:rPr>
+              <a:t>こと</a:t>
+            </a:r>
+            <a:r>
+              <a:rPr lang="en-US" altLang="ja-JP" sz="900" dirty="0">
+                <a:latin typeface="ヒラギノ角ゴ Pro W3"/>
+                <a:ea typeface="ヒラギノ角ゴ Pro W3"/>
+                <a:cs typeface="ヒラギノ角ゴ Pro W3"/>
+              </a:rPr>
+              <a:t>(things we always do)</a:t>
+            </a:r>
+            <a:r>
+              <a:rPr lang="ja-JP" altLang="en-US" sz="900" dirty="0">
+                <a:latin typeface="ヒラギノ角ゴ Pro W3"/>
+                <a:ea typeface="ヒラギノ角ゴ Pro W3"/>
+                <a:cs typeface="ヒラギノ角ゴ Pro W3"/>
+              </a:rPr>
+              <a:t>」とを、それぞれ少数含んでいる</a:t>
+            </a:r>
+            <a:r>
+              <a:rPr lang="ja-JP" altLang="en-US" sz="900" dirty="0" smtClean="0">
+                <a:latin typeface="ヒラギノ角ゴ Pro W3"/>
+                <a:ea typeface="ヒラギノ角ゴ Pro W3"/>
+                <a:cs typeface="ヒラギノ角ゴ Pro W3"/>
+              </a:rPr>
+              <a:t>。</a:t>
+            </a:r>
+            <a:endParaRPr lang="en-US" altLang="ja-JP" sz="900" dirty="0" smtClean="0">
+              <a:latin typeface="ヒラギノ角ゴ Pro W3"/>
+              <a:ea typeface="ヒラギノ角ゴ Pro W3"/>
+              <a:cs typeface="ヒラギノ角ゴ Pro W3"/>
+            </a:endParaRPr>
+          </a:p>
+          <a:p>
+            <a:r>
+              <a:rPr lang="ja-JP" altLang="en-US" sz="900" dirty="0">
+                <a:latin typeface="ヒラギノ角ゴ Pro W3"/>
+                <a:ea typeface="ヒラギノ角ゴ Pro W3"/>
+                <a:cs typeface="ヒラギノ角ゴ Pro W3"/>
+              </a:rPr>
+              <a:t>「我々が常に保有しているべき技術」を定義する活動も進行中である。しかし</a:t>
+            </a:r>
+            <a:r>
+              <a:rPr lang="ja-JP" altLang="en-US" sz="900" dirty="0" smtClean="0">
+                <a:latin typeface="ヒラギノ角ゴ Pro W3"/>
+                <a:ea typeface="ヒラギノ角ゴ Pro W3"/>
+                <a:cs typeface="ヒラギノ角ゴ Pro W3"/>
+              </a:rPr>
+              <a:t>、これ</a:t>
+            </a:r>
+            <a:r>
+              <a:rPr lang="ja-JP" altLang="en-US" sz="900" dirty="0">
+                <a:latin typeface="ヒラギノ角ゴ Pro W3"/>
+                <a:ea typeface="ヒラギノ角ゴ Pro W3"/>
+                <a:cs typeface="ヒラギノ角ゴ Pro W3"/>
+              </a:rPr>
+              <a:t>はカーネルの将来のバージョンまで待たなければならない</a:t>
+            </a:r>
+            <a:r>
+              <a:rPr lang="ja-JP" altLang="en-US" sz="900" dirty="0" smtClean="0">
+                <a:latin typeface="ヒラギノ角ゴ Pro W3"/>
+                <a:ea typeface="ヒラギノ角ゴ Pro W3"/>
+                <a:cs typeface="ヒラギノ角ゴ Pro W3"/>
+              </a:rPr>
+              <a:t>。</a:t>
+            </a:r>
+            <a:r>
+              <a:rPr lang="en-US" altLang="ja-JP" sz="900" dirty="0" smtClean="0">
+                <a:latin typeface="ヒラギノ角ゴ Pro W3"/>
+                <a:ea typeface="ヒラギノ角ゴ Pro W3"/>
+                <a:cs typeface="ヒラギノ角ゴ Pro W3"/>
+              </a:rPr>
+              <a:t/>
+            </a:r>
+            <a:br>
+              <a:rPr lang="en-US" altLang="ja-JP" sz="900" dirty="0" smtClean="0">
+                <a:latin typeface="ヒラギノ角ゴ Pro W3"/>
+                <a:ea typeface="ヒラギノ角ゴ Pro W3"/>
+                <a:cs typeface="ヒラギノ角ゴ Pro W3"/>
+              </a:rPr>
+            </a:br>
+            <a:endParaRPr lang="en-US" altLang="ja-JP" sz="900" dirty="0" smtClean="0">
+              <a:latin typeface="ヒラギノ角ゴ Pro W3"/>
+              <a:ea typeface="ヒラギノ角ゴ Pro W3"/>
+              <a:cs typeface="ヒラギノ角ゴ Pro W3"/>
+            </a:endParaRPr>
+          </a:p>
+          <a:p>
+            <a:r>
+              <a:rPr lang="ja-JP" altLang="en-US" sz="900" dirty="0">
+                <a:latin typeface="ヒラギノ角ゴ Pro W3"/>
+                <a:ea typeface="ヒラギノ角ゴ Pro W3"/>
+                <a:cs typeface="ヒラギノ角ゴ Pro W3"/>
+              </a:rPr>
+              <a:t>カーネルは概念モデルである以上に、次のものを提供</a:t>
+            </a:r>
+            <a:r>
+              <a:rPr lang="ja-JP" altLang="en-US" sz="900" dirty="0" smtClean="0">
+                <a:latin typeface="ヒラギノ角ゴ Pro W3"/>
+                <a:ea typeface="ヒラギノ角ゴ Pro W3"/>
+                <a:cs typeface="ヒラギノ角ゴ Pro W3"/>
+              </a:rPr>
+              <a:t>する</a:t>
+            </a:r>
+            <a:r>
+              <a:rPr lang="ja-JP" altLang="en-US" sz="900" dirty="0" smtClean="0">
+                <a:latin typeface="ヒラギノ角ゴ Pro W3"/>
+                <a:ea typeface="ヒラギノ角ゴ Pro W3"/>
+                <a:cs typeface="ヒラギノ角ゴ Pro W3"/>
+              </a:rPr>
+              <a:t>。</a:t>
+            </a:r>
+            <a:r>
+              <a:rPr lang="en-US" altLang="ja-JP" sz="900" dirty="0" smtClean="0">
+                <a:latin typeface="ヒラギノ角ゴ Pro W3"/>
+                <a:ea typeface="ヒラギノ角ゴ Pro W3"/>
+                <a:cs typeface="ヒラギノ角ゴ Pro W3"/>
+              </a:rPr>
+              <a:t/>
+            </a:r>
+            <a:br>
+              <a:rPr lang="en-US" altLang="ja-JP" sz="900" dirty="0" smtClean="0">
+                <a:latin typeface="ヒラギノ角ゴ Pro W3"/>
+                <a:ea typeface="ヒラギノ角ゴ Pro W3"/>
+                <a:cs typeface="ヒラギノ角ゴ Pro W3"/>
+              </a:rPr>
+            </a:br>
+            <a:r>
+              <a:rPr lang="en-US" sz="900" dirty="0">
+                <a:latin typeface="ヒラギノ角ゴ Pro W3"/>
+                <a:ea typeface="ヒラギノ角ゴ Pro W3"/>
+                <a:cs typeface="ヒラギノ角ゴ Pro W3"/>
+              </a:rPr>
+              <a:t>˲</a:t>
+            </a:r>
+            <a:r>
+              <a:rPr lang="ja-JP" altLang="en-US" sz="900" dirty="0" smtClean="0">
+                <a:latin typeface="ヒラギノ角ゴ Pro W3"/>
+                <a:ea typeface="ヒラギノ角ゴ Pro W3"/>
+                <a:cs typeface="ヒラギノ角ゴ Pro W3"/>
+              </a:rPr>
+              <a:t>チーム</a:t>
+            </a:r>
+            <a:r>
+              <a:rPr lang="ja-JP" altLang="en-US" sz="900" dirty="0">
+                <a:latin typeface="ヒラギノ角ゴ Pro W3"/>
+                <a:ea typeface="ヒラギノ角ゴ Pro W3"/>
+                <a:cs typeface="ヒラギノ角ゴ Pro W3"/>
+              </a:rPr>
+              <a:t>において、開発の進捗および努力</a:t>
+            </a:r>
+            <a:r>
+              <a:rPr lang="en-US" altLang="ja-JP" sz="900" dirty="0">
+                <a:latin typeface="ヒラギノ角ゴ Pro W3"/>
+                <a:ea typeface="ヒラギノ角ゴ Pro W3"/>
+                <a:cs typeface="ヒラギノ角ゴ Pro W3"/>
+              </a:rPr>
+              <a:t>(endeavors)</a:t>
+            </a:r>
+            <a:r>
+              <a:rPr lang="ja-JP" altLang="en-US" sz="900" dirty="0">
+                <a:latin typeface="ヒラギノ角ゴ Pro W3"/>
+                <a:ea typeface="ヒラギノ角ゴ Pro W3"/>
+                <a:cs typeface="ヒラギノ角ゴ Pro W3"/>
+              </a:rPr>
+              <a:t>の健全性を論じるため</a:t>
+            </a:r>
+            <a:r>
+              <a:rPr lang="ja-JP" altLang="en-US" sz="900" dirty="0" smtClean="0">
+                <a:latin typeface="ヒラギノ角ゴ Pro W3"/>
+                <a:ea typeface="ヒラギノ角ゴ Pro W3"/>
+                <a:cs typeface="ヒラギノ角ゴ Pro W3"/>
+              </a:rPr>
+              <a:t>の思考</a:t>
+            </a:r>
+            <a:r>
+              <a:rPr lang="ja-JP" altLang="en-US" sz="900" dirty="0">
+                <a:latin typeface="ヒラギノ角ゴ Pro W3"/>
+                <a:ea typeface="ヒラギノ角ゴ Pro W3"/>
+                <a:cs typeface="ヒラギノ角ゴ Pro W3"/>
+              </a:rPr>
+              <a:t>フレームワーク</a:t>
+            </a:r>
+          </a:p>
+          <a:p>
+            <a:r>
+              <a:rPr lang="en-US" sz="900" dirty="0" smtClean="0">
+                <a:latin typeface="ヒラギノ角ゴ Pro W3"/>
+                <a:ea typeface="ヒラギノ角ゴ Pro W3"/>
+                <a:cs typeface="ヒラギノ角ゴ Pro W3"/>
+              </a:rPr>
+              <a:t>˲ </a:t>
+            </a:r>
+            <a:r>
+              <a:rPr lang="ja-JP" altLang="en-US" sz="900" dirty="0">
+                <a:latin typeface="ヒラギノ角ゴ Pro W3"/>
+                <a:ea typeface="ヒラギノ角ゴ Pro W3"/>
+                <a:cs typeface="ヒラギノ角ゴ Pro W3"/>
+              </a:rPr>
+              <a:t>ソフトウェア開発の方法論と実践に関する議論、改善、比較および共有</a:t>
+            </a:r>
+            <a:r>
+              <a:rPr lang="ja-JP" altLang="en-US" sz="900" dirty="0" smtClean="0">
+                <a:latin typeface="ヒラギノ角ゴ Pro W3"/>
+                <a:ea typeface="ヒラギノ角ゴ Pro W3"/>
+                <a:cs typeface="ヒラギノ角ゴ Pro W3"/>
+              </a:rPr>
+              <a:t>のため</a:t>
+            </a:r>
+            <a:r>
+              <a:rPr lang="ja-JP" altLang="en-US" sz="900" dirty="0">
+                <a:latin typeface="ヒラギノ角ゴ Pro W3"/>
+                <a:ea typeface="ヒラギノ角ゴ Pro W3"/>
+                <a:cs typeface="ヒラギノ角ゴ Pro W3"/>
+              </a:rPr>
+              <a:t>の共通</a:t>
+            </a:r>
+            <a:r>
+              <a:rPr lang="ja-JP" altLang="en-US" sz="900" dirty="0" smtClean="0">
+                <a:latin typeface="ヒラギノ角ゴ Pro W3"/>
+                <a:ea typeface="ヒラギノ角ゴ Pro W3"/>
+                <a:cs typeface="ヒラギノ角ゴ Pro W3"/>
+              </a:rPr>
+              <a:t>基盤</a:t>
+            </a:r>
+            <a:endParaRPr lang="en-US" altLang="ja-JP" sz="900" dirty="0" smtClean="0">
+              <a:latin typeface="ヒラギノ角ゴ Pro W3"/>
+              <a:ea typeface="ヒラギノ角ゴ Pro W3"/>
+              <a:cs typeface="ヒラギノ角ゴ Pro W3"/>
+            </a:endParaRPr>
+          </a:p>
+          <a:p>
+            <a:r>
+              <a:rPr lang="en-US" sz="900" dirty="0" smtClean="0">
+                <a:latin typeface="ヒラギノ角ゴ Pro W3"/>
+                <a:ea typeface="ヒラギノ角ゴ Pro W3"/>
+                <a:cs typeface="ヒラギノ角ゴ Pro W3"/>
+              </a:rPr>
+              <a:t>˲ </a:t>
+            </a:r>
+            <a:r>
+              <a:rPr lang="ja-JP" altLang="en-US" sz="900" dirty="0">
+                <a:latin typeface="ヒラギノ角ゴ Pro W3"/>
+                <a:ea typeface="ヒラギノ角ゴ Pro W3"/>
+                <a:cs typeface="ヒラギノ角ゴ Pro W3"/>
+              </a:rPr>
+              <a:t>チームが、別々に定義されたり由来が違うプラクティスを集めることによって</a:t>
+            </a:r>
+            <a:r>
+              <a:rPr lang="ja-JP" altLang="en-US" sz="900" dirty="0" smtClean="0">
+                <a:latin typeface="ヒラギノ角ゴ Pro W3"/>
+                <a:ea typeface="ヒラギノ角ゴ Pro W3"/>
+                <a:cs typeface="ヒラギノ角ゴ Pro W3"/>
+              </a:rPr>
+              <a:t>、チーム</a:t>
+            </a:r>
+            <a:r>
+              <a:rPr lang="ja-JP" altLang="en-US" sz="900" dirty="0">
+                <a:latin typeface="ヒラギノ角ゴ Pro W3"/>
+                <a:ea typeface="ヒラギノ角ゴ Pro W3"/>
+                <a:cs typeface="ヒラギノ角ゴ Pro W3"/>
+              </a:rPr>
+              <a:t>独自の仕事の仕方を組み立て、継続的に改善するための</a:t>
+            </a:r>
+            <a:r>
+              <a:rPr lang="ja-JP" altLang="en-US" sz="900" dirty="0" smtClean="0">
+                <a:latin typeface="ヒラギノ角ゴ Pro W3"/>
+                <a:ea typeface="ヒラギノ角ゴ Pro W3"/>
+                <a:cs typeface="ヒラギノ角ゴ Pro W3"/>
+              </a:rPr>
+              <a:t>フレームワーク</a:t>
+            </a:r>
+            <a:endParaRPr lang="en-US" altLang="ja-JP" sz="900" dirty="0" smtClean="0">
+              <a:latin typeface="ヒラギノ角ゴ Pro W3"/>
+              <a:ea typeface="ヒラギノ角ゴ Pro W3"/>
+              <a:cs typeface="ヒラギノ角ゴ Pro W3"/>
+            </a:endParaRPr>
+          </a:p>
+          <a:p>
+            <a:r>
+              <a:rPr lang="en-US" sz="900" dirty="0" smtClean="0">
+                <a:latin typeface="ヒラギノ角ゴ Pro W3"/>
+                <a:ea typeface="ヒラギノ角ゴ Pro W3"/>
+                <a:cs typeface="ヒラギノ角ゴ Pro W3"/>
+              </a:rPr>
+              <a:t>˲ </a:t>
+            </a:r>
+            <a:r>
+              <a:rPr lang="ja-JP" altLang="en-US" sz="900" dirty="0">
+                <a:latin typeface="ヒラギノ角ゴ Pro W3"/>
+                <a:ea typeface="ヒラギノ角ゴ Pro W3"/>
+                <a:cs typeface="ヒラギノ角ゴ Pro W3"/>
+              </a:rPr>
+              <a:t>開発されたソフトウェアならびに開発に用いられた方法論の品質を評価</a:t>
+            </a:r>
+            <a:r>
+              <a:rPr lang="ja-JP" altLang="en-US" sz="900" dirty="0" smtClean="0">
+                <a:latin typeface="ヒラギノ角ゴ Pro W3"/>
+                <a:ea typeface="ヒラギノ角ゴ Pro W3"/>
+                <a:cs typeface="ヒラギノ角ゴ Pro W3"/>
+              </a:rPr>
+              <a:t>するため</a:t>
+            </a:r>
+            <a:r>
+              <a:rPr lang="ja-JP" altLang="en-US" sz="900" dirty="0">
+                <a:latin typeface="ヒラギノ角ゴ Pro W3"/>
+                <a:ea typeface="ヒラギノ角ゴ Pro W3"/>
+                <a:cs typeface="ヒラギノ角ゴ Pro W3"/>
+              </a:rPr>
+              <a:t>の、事例非依存な計測指標を定義する基礎</a:t>
+            </a:r>
+            <a:r>
+              <a:rPr lang="en-US" altLang="ja-JP" sz="900" dirty="0">
+                <a:latin typeface="ヒラギノ角ゴ Pro W3"/>
+                <a:ea typeface="ヒラギノ角ゴ Pro W3"/>
+                <a:cs typeface="ヒラギノ角ゴ Pro W3"/>
+              </a:rPr>
+              <a:t>(foundation</a:t>
+            </a:r>
+            <a:r>
+              <a:rPr lang="en-US" altLang="ja-JP" sz="900" dirty="0" smtClean="0">
+                <a:latin typeface="ヒラギノ角ゴ Pro W3"/>
+                <a:ea typeface="ヒラギノ角ゴ Pro W3"/>
+                <a:cs typeface="ヒラギノ角ゴ Pro W3"/>
+              </a:rPr>
+              <a:t>)</a:t>
+            </a:r>
+          </a:p>
+          <a:p>
+            <a:r>
+              <a:rPr lang="en-US" sz="900" dirty="0" smtClean="0">
+                <a:latin typeface="ヒラギノ角ゴ Pro W3"/>
+                <a:ea typeface="ヒラギノ角ゴ Pro W3"/>
+                <a:cs typeface="ヒラギノ角ゴ Pro W3"/>
+              </a:rPr>
+              <a:t>˲ </a:t>
+            </a:r>
+            <a:r>
+              <a:rPr lang="ja-JP" altLang="en-US" sz="900" dirty="0">
+                <a:latin typeface="ヒラギノ角ゴ Pro W3"/>
+                <a:ea typeface="ヒラギノ角ゴ Pro W3"/>
+                <a:cs typeface="ヒラギノ角ゴ Pro W3"/>
+              </a:rPr>
+              <a:t>最も重要なこととして、どこにいるのか、次に何をすべきなのか、</a:t>
+            </a:r>
+            <a:r>
+              <a:rPr lang="ja-JP" altLang="en-US" sz="900" dirty="0" smtClean="0">
+                <a:latin typeface="ヒラギノ角ゴ Pro W3"/>
+                <a:ea typeface="ヒラギノ角ゴ Pro W3"/>
+                <a:cs typeface="ヒラギノ角ゴ Pro W3"/>
+              </a:rPr>
+              <a:t>そしてどこ</a:t>
+            </a:r>
+            <a:r>
+              <a:rPr lang="ja-JP" altLang="en-US" sz="900" dirty="0">
+                <a:latin typeface="ヒラギノ角ゴ Pro W3"/>
+                <a:ea typeface="ヒラギノ角ゴ Pro W3"/>
+                <a:cs typeface="ヒラギノ角ゴ Pro W3"/>
+              </a:rPr>
+              <a:t>を改善すべきなのかを、チームが理解することを支援する</a:t>
+            </a:r>
+            <a:r>
+              <a:rPr lang="ja-JP" altLang="en-US" sz="900" dirty="0" smtClean="0">
+                <a:latin typeface="ヒラギノ角ゴ Pro W3"/>
+                <a:ea typeface="ヒラギノ角ゴ Pro W3"/>
+                <a:cs typeface="ヒラギノ角ゴ Pro W3"/>
+              </a:rPr>
+              <a:t>方法</a:t>
+            </a:r>
+            <a:endParaRPr lang="en-US" altLang="ja-JP" sz="900" dirty="0" smtClean="0">
+              <a:latin typeface="ヒラギノ角ゴ Pro W3"/>
+              <a:ea typeface="ヒラギノ角ゴ Pro W3"/>
+              <a:cs typeface="ヒラギノ角ゴ Pro W3"/>
+            </a:endParaRPr>
+          </a:p>
+          <a:p>
+            <a:endParaRPr lang="en-US" altLang="ja-JP" sz="900" dirty="0" smtClean="0">
               <a:latin typeface="ヒラギノ角ゴ Pro W3"/>
               <a:ea typeface="ヒラギノ角ゴ Pro W3"/>
               <a:cs typeface="ヒラギノ角ゴ Pro W3"/>
@@ -5253,8 +6477,8 @@
         </p:nvSpPr>
         <p:spPr>
           <a:xfrm>
-            <a:off x="98344" y="773032"/>
-            <a:ext cx="2203522" cy="5262981"/>
+            <a:off x="98344" y="620632"/>
+            <a:ext cx="2203522" cy="6455615"/>
           </a:xfrm>
           <a:prstGeom prst="rect">
             <a:avLst/>
@@ -5268,7 +6492,138 @@
           <a:lstStyle/>
           <a:p>
             <a:r>
-              <a:rPr lang="en-US" sz="1200" baseline="30000" dirty="0">
+              <a:rPr lang="ja-JP" altLang="en-US" sz="1200" b="1" dirty="0" smtClean="0">
+                <a:latin typeface="ヒラギノ角ゴ Pro W3"/>
+                <a:ea typeface="ヒラギノ角ゴ Pro W3"/>
+                <a:cs typeface="ヒラギノ角ゴ Pro W3"/>
+              </a:rPr>
+              <a:t>ビッグ</a:t>
+            </a:r>
+            <a:r>
+              <a:rPr lang="ja-JP" altLang="en-US" sz="1200" b="1" dirty="0">
+                <a:latin typeface="ヒラギノ角ゴ Pro W3"/>
+                <a:ea typeface="ヒラギノ角ゴ Pro W3"/>
+                <a:cs typeface="ヒラギノ角ゴ Pro W3"/>
+              </a:rPr>
+              <a:t>・アイディア</a:t>
+            </a:r>
+            <a:endParaRPr lang="en-US" altLang="ja-JP" sz="1200" b="1" dirty="0">
+              <a:latin typeface="ヒラギノ角ゴ Pro W3"/>
+              <a:ea typeface="ヒラギノ角ゴ Pro W3"/>
+              <a:cs typeface="ヒラギノ角ゴ Pro W3"/>
+            </a:endParaRPr>
+          </a:p>
+          <a:p>
+            <a:r>
+              <a:rPr lang="ja-JP" altLang="en-US" sz="900" dirty="0">
+                <a:latin typeface="ヒラギノ角ゴ Pro W3"/>
+                <a:ea typeface="ヒラギノ角ゴ Pro W3"/>
+                <a:cs typeface="ヒラギノ角ゴ Pro W3"/>
+              </a:rPr>
+              <a:t>カーネルを、ソフトウェアエンジニアリングの単なる概念モデル以上とするものは何か？何が新しいのか？それは、基礎を成す原則</a:t>
+            </a:r>
+            <a:r>
+              <a:rPr lang="en-US" altLang="ja-JP" sz="900" dirty="0">
+                <a:latin typeface="ヒラギノ角ゴ Pro W3"/>
+                <a:ea typeface="ヒラギノ角ゴ Pro W3"/>
+                <a:cs typeface="ヒラギノ角ゴ Pro W3"/>
+              </a:rPr>
+              <a:t>(</a:t>
+            </a:r>
+            <a:r>
+              <a:rPr lang="ja-JP" altLang="en-US" sz="900" dirty="0">
+                <a:latin typeface="ヒラギノ角ゴ Pro W3"/>
+                <a:ea typeface="ヒラギノ角ゴ Pro W3"/>
+                <a:cs typeface="ヒラギノ角ゴ Pro W3"/>
+              </a:rPr>
+              <a:t>図</a:t>
+            </a:r>
+            <a:r>
+              <a:rPr lang="en-US" altLang="ja-JP" sz="900" dirty="0">
+                <a:latin typeface="ヒラギノ角ゴ Pro W3"/>
+                <a:ea typeface="ヒラギノ角ゴ Pro W3"/>
+                <a:cs typeface="ヒラギノ角ゴ Pro W3"/>
+              </a:rPr>
+              <a:t>3)</a:t>
+            </a:r>
+            <a:r>
+              <a:rPr lang="ja-JP" altLang="en-US" sz="900" dirty="0">
+                <a:latin typeface="ヒラギノ角ゴ Pro W3"/>
+                <a:ea typeface="ヒラギノ角ゴ Pro W3"/>
+                <a:cs typeface="ヒラギノ角ゴ Pro W3"/>
+              </a:rPr>
+              <a:t>であり、原則が次の</a:t>
+            </a:r>
+            <a:r>
+              <a:rPr lang="en-US" altLang="ja-JP" sz="900" dirty="0">
+                <a:latin typeface="ヒラギノ角ゴ Pro W3"/>
+                <a:ea typeface="ヒラギノ角ゴ Pro W3"/>
+                <a:cs typeface="ヒラギノ角ゴ Pro W3"/>
+              </a:rPr>
+              <a:t>3</a:t>
+            </a:r>
+            <a:r>
+              <a:rPr lang="ja-JP" altLang="en-US" sz="900" dirty="0">
+                <a:latin typeface="ヒラギノ角ゴ Pro W3"/>
+                <a:ea typeface="ヒラギノ角ゴ Pro W3"/>
+                <a:cs typeface="ヒラギノ角ゴ Pro W3"/>
+              </a:rPr>
+              <a:t>つの特徴をカーネルにもたらしている</a:t>
+            </a:r>
+            <a:r>
+              <a:rPr lang="en-US" altLang="ja-JP" sz="900" dirty="0" smtClean="0">
+                <a:latin typeface="ヒラギノ角ゴ Pro W3"/>
+                <a:ea typeface="ヒラギノ角ゴ Pro W3"/>
+                <a:cs typeface="ヒラギノ角ゴ Pro W3"/>
+              </a:rPr>
+              <a:t>: </a:t>
+            </a:r>
+            <a:r>
+              <a:rPr lang="ja-JP" altLang="en-US" sz="900" dirty="0" smtClean="0">
+                <a:latin typeface="ヒラギノ角ゴ Pro W3"/>
+                <a:ea typeface="ヒラギノ角ゴ Pro W3"/>
+                <a:cs typeface="ヒラギノ角ゴ Pro W3"/>
+              </a:rPr>
+              <a:t>実施</a:t>
+            </a:r>
+            <a:r>
+              <a:rPr lang="ja-JP" altLang="en-US" sz="900" dirty="0">
+                <a:latin typeface="ヒラギノ角ゴ Pro W3"/>
+                <a:ea typeface="ヒラギノ角ゴ Pro W3"/>
+                <a:cs typeface="ヒラギノ角ゴ Pro W3"/>
+              </a:rPr>
+              <a:t>可能なこと（</a:t>
+            </a:r>
+            <a:r>
+              <a:rPr lang="en-US" altLang="ja-JP" sz="900" dirty="0">
+                <a:latin typeface="ヒラギノ角ゴ Pro W3"/>
+                <a:ea typeface="ヒラギノ角ゴ Pro W3"/>
+                <a:cs typeface="ヒラギノ角ゴ Pro W3"/>
+              </a:rPr>
+              <a:t>actionable</a:t>
+            </a:r>
+            <a:r>
+              <a:rPr lang="ja-JP" altLang="en-US" sz="900" dirty="0">
+                <a:latin typeface="ヒラギノ角ゴ Pro W3"/>
+                <a:ea typeface="ヒラギノ角ゴ Pro W3"/>
+                <a:cs typeface="ヒラギノ角ゴ Pro W3"/>
+              </a:rPr>
+              <a:t>）、拡張可能なこと、および、実践的なことである。</a:t>
+            </a:r>
+          </a:p>
+          <a:p>
+            <a:endParaRPr lang="en-US" altLang="ja-JP" sz="900" b="1" dirty="0" smtClean="0">
+              <a:solidFill>
+                <a:srgbClr val="1A1818"/>
+              </a:solidFill>
+              <a:latin typeface="ヒラギノ角ゴ Pro W3"/>
+              <a:ea typeface="ヒラギノ角ゴ Pro W3"/>
+              <a:cs typeface="ヒラギノ角ゴ Pro W3"/>
+            </a:endParaRPr>
+          </a:p>
+          <a:p>
+            <a:r>
+              <a:rPr lang="ja-JP" altLang="en-US" sz="1050" b="1" dirty="0" smtClean="0">
                 <a:solidFill>
                   <a:srgbClr val="1A1818"/>
                 </a:solidFill>
@@ -5276,12 +6631,10 @@
                 <a:ea typeface="ヒラギノ角ゴ Pro W3"/>
                 <a:cs typeface="ヒラギノ角ゴ Pro W3"/>
               </a:rPr>
-              <a:t>ally new here? This can be summed up in its founding principles (see Figure 3), which really bring out three unique features of the kernel: it is actionable; it is extensible; and it is practical.</a:t>
-            </a:r>
-          </a:p>
-          <a:p>
-            <a:r>
-              <a:rPr lang="en-US" sz="1200" baseline="30000" dirty="0">
+              <a:t>カーネル</a:t>
+            </a:r>
+            <a:r>
+              <a:rPr lang="ja-JP" altLang="en-US" sz="1050" b="1" dirty="0">
                 <a:solidFill>
                   <a:srgbClr val="1A1818"/>
                 </a:solidFill>
@@ -5289,10 +6642,10 @@
                 <a:ea typeface="ヒラギノ角ゴ Pro W3"/>
                 <a:cs typeface="ヒラギノ角ゴ Pro W3"/>
               </a:rPr>
-              <a:t>The kernel is actionable. A unique feature of the kernel is the way that it handles the “things to work with.” These are captured as alphas rather than work products (such as </a:t>
-            </a:r>
-            <a:r>
-              <a:rPr lang="en-US" sz="1200" baseline="30000" dirty="0" err="1">
+              <a:t>は実施可能で</a:t>
+            </a:r>
+            <a:r>
+              <a:rPr lang="ja-JP" altLang="en-US" sz="1050" b="1" dirty="0" smtClean="0">
                 <a:solidFill>
                   <a:srgbClr val="1A1818"/>
                 </a:solidFill>
@@ -5300,10 +6653,10 @@
                 <a:ea typeface="ヒラギノ角ゴ Pro W3"/>
                 <a:cs typeface="ヒラギノ角ゴ Pro W3"/>
               </a:rPr>
-              <a:t>docu</a:t>
-            </a:r>
-            <a:r>
-              <a:rPr lang="en-US" sz="1200" baseline="30000" dirty="0">
+              <a:t>ある</a:t>
+            </a:r>
+            <a:r>
+              <a:rPr lang="ja-JP" altLang="en-US" sz="1050" b="1" dirty="0" smtClean="0">
                 <a:solidFill>
                   <a:srgbClr val="1A1818"/>
                 </a:solidFill>
@@ -5311,10 +6664,20 @@
                 <a:ea typeface="ヒラギノ角ゴ Pro W3"/>
                 <a:cs typeface="ヒラギノ角ゴ Pro W3"/>
               </a:rPr>
-              <a:t>- </a:t>
-            </a:r>
-            <a:r>
-              <a:rPr lang="en-US" sz="1200" baseline="30000" dirty="0" err="1">
+              <a:t>。</a:t>
+            </a:r>
+            <a:endParaRPr lang="en-US" altLang="ja-JP" sz="1050" b="1" dirty="0" smtClean="0">
+              <a:solidFill>
+                <a:srgbClr val="1A1818"/>
+              </a:solidFill>
+              <a:latin typeface="ヒラギノ角ゴ Pro W3"/>
+              <a:ea typeface="ヒラギノ角ゴ Pro W3"/>
+              <a:cs typeface="ヒラギノ角ゴ Pro W3"/>
+            </a:endParaRPr>
+          </a:p>
+          <a:p>
+            <a:r>
+              <a:rPr lang="ja-JP" altLang="en-US" sz="900" dirty="0" smtClean="0">
                 <a:solidFill>
                   <a:srgbClr val="1A1818"/>
                 </a:solidFill>
@@ -5322,10 +6685,10 @@
                 <a:ea typeface="ヒラギノ角ゴ Pro W3"/>
                 <a:cs typeface="ヒラギノ角ゴ Pro W3"/>
               </a:rPr>
-              <a:t>ments</a:t>
-            </a:r>
-            <a:r>
-              <a:rPr lang="en-US" sz="1200" baseline="30000" dirty="0">
+              <a:t>カーネル</a:t>
+            </a:r>
+            <a:r>
+              <a:rPr lang="ja-JP" altLang="en-US" sz="900" dirty="0">
                 <a:solidFill>
                   <a:srgbClr val="1A1818"/>
                 </a:solidFill>
@@ -5333,10 +6696,10 @@
                 <a:ea typeface="ヒラギノ角ゴ Pro W3"/>
                 <a:cs typeface="ヒラギノ角ゴ Pro W3"/>
               </a:rPr>
-              <a:t>). An alpha is an essential </a:t>
-            </a:r>
-            <a:r>
-              <a:rPr lang="en-US" sz="1200" baseline="30000" dirty="0" err="1">
+              <a:t>の優れた特徴として、仕事に作用するものや事柄（</a:t>
+            </a:r>
+            <a:r>
+              <a:rPr lang="en-US" altLang="ja-JP" sz="900" dirty="0">
                 <a:solidFill>
                   <a:srgbClr val="1A1818"/>
                 </a:solidFill>
@@ -5344,10 +6707,10 @@
                 <a:ea typeface="ヒラギノ角ゴ Pro W3"/>
                 <a:cs typeface="ヒラギノ角ゴ Pro W3"/>
               </a:rPr>
-              <a:t>ele</a:t>
-            </a:r>
-            <a:r>
-              <a:rPr lang="en-US" sz="1200" baseline="30000" dirty="0">
+              <a:t>Things to </a:t>
+            </a:r>
+            <a:r>
+              <a:rPr lang="en-US" altLang="ja-JP" sz="900" dirty="0" smtClean="0">
                 <a:solidFill>
                   <a:srgbClr val="1A1818"/>
                 </a:solidFill>
@@ -5355,10 +6718,10 @@
                 <a:ea typeface="ヒラギノ角ゴ Pro W3"/>
                 <a:cs typeface="ヒラギノ角ゴ Pro W3"/>
               </a:rPr>
-              <a:t>- </a:t>
-            </a:r>
-            <a:r>
-              <a:rPr lang="en-US" sz="1200" baseline="30000" dirty="0" err="1">
+              <a:t>work</a:t>
+            </a:r>
+            <a:r>
+              <a:rPr lang="en-US" altLang="ja-JP" sz="900" dirty="0">
                 <a:solidFill>
                   <a:srgbClr val="1A1818"/>
                 </a:solidFill>
@@ -5366,10 +6729,10 @@
                 <a:ea typeface="ヒラギノ角ゴ Pro W3"/>
                 <a:cs typeface="ヒラギノ角ゴ Pro W3"/>
               </a:rPr>
-              <a:t>ment</a:t>
-            </a:r>
-            <a:r>
-              <a:rPr lang="en-US" sz="1200" baseline="30000" dirty="0">
+              <a:t> </a:t>
+            </a:r>
+            <a:r>
+              <a:rPr lang="en-US" altLang="ja-JP" sz="900" dirty="0" smtClean="0">
                 <a:solidFill>
                   <a:srgbClr val="1A1818"/>
                 </a:solidFill>
@@ -5377,10 +6740,10 @@
                 <a:ea typeface="ヒラギノ角ゴ Pro W3"/>
                 <a:cs typeface="ヒラギノ角ゴ Pro W3"/>
               </a:rPr>
-              <a:t> of the software-engineering endeavor—one that is relevant to an assessment of its progress and health. As shown in Figure 1, SEMAT has </a:t>
-            </a:r>
-            <a:r>
-              <a:rPr lang="en-US" sz="1200" baseline="30000" dirty="0" err="1">
+              <a:t>with</a:t>
+            </a:r>
+            <a:r>
+              <a:rPr lang="ja-JP" altLang="en-US" sz="900" dirty="0">
                 <a:solidFill>
                   <a:srgbClr val="1A1818"/>
                 </a:solidFill>
@@ -5388,10 +6751,10 @@
                 <a:ea typeface="ヒラギノ角ゴ Pro W3"/>
                 <a:cs typeface="ヒラギノ角ゴ Pro W3"/>
               </a:rPr>
-              <a:t>iden</a:t>
-            </a:r>
-            <a:r>
-              <a:rPr lang="en-US" sz="1200" baseline="30000" dirty="0">
+              <a:t>）を扱っているという点がある。それらは、文書のような仕事の成果物というよりも「アルファ（</a:t>
+            </a:r>
+            <a:r>
+              <a:rPr lang="en-US" altLang="ja-JP" sz="900" dirty="0">
                 <a:solidFill>
                   <a:srgbClr val="1A1818"/>
                 </a:solidFill>
@@ -5399,10 +6762,12 @@
                 <a:ea typeface="ヒラギノ角ゴ Pro W3"/>
                 <a:cs typeface="ヒラギノ角ゴ Pro W3"/>
               </a:rPr>
-              <a:t>- </a:t>
-            </a:r>
-            <a:r>
-              <a:rPr lang="en-US" sz="1200" baseline="30000" dirty="0" err="1">
+              <a:t>alpha;</a:t>
+            </a:r>
+          </a:p>
+          <a:p>
+            <a:r>
+              <a:rPr lang="ja-JP" altLang="en-US" sz="900" dirty="0">
                 <a:solidFill>
                   <a:srgbClr val="1A1818"/>
                 </a:solidFill>
@@ -5410,10 +6775,10 @@
                 <a:ea typeface="ヒラギノ角ゴ Pro W3"/>
                 <a:cs typeface="ヒラギノ角ゴ Pro W3"/>
               </a:rPr>
-              <a:t>tified</a:t>
-            </a:r>
-            <a:r>
-              <a:rPr lang="en-US" sz="1200" baseline="30000" dirty="0">
+              <a:t>主要素）」として捉えられる。アルファとは、ソフトウェアエンジニアリングに努めるにあたり本質的な要素であり、ソフトウェアエンジニアリングの進展や健康状態の評価に関わっている。図</a:t>
+            </a:r>
+            <a:r>
+              <a:rPr lang="en-US" altLang="ja-JP" sz="900" dirty="0">
                 <a:solidFill>
                   <a:srgbClr val="1A1818"/>
                 </a:solidFill>
@@ -5421,12 +6786,10 @@
                 <a:ea typeface="ヒラギノ角ゴ Pro W3"/>
                 <a:cs typeface="ヒラギノ角ゴ Pro W3"/>
               </a:rPr>
-              <a:t> seven alphas: opportunity, stake- holders, requirements, software sys- tem, work, way of working, and team.</a:t>
-            </a:r>
-          </a:p>
-          <a:p>
-            <a:r>
-              <a:rPr lang="en-US" sz="1200" baseline="30000" dirty="0">
+              <a:t>1</a:t>
+            </a:r>
+            <a:r>
+              <a:rPr lang="ja-JP" altLang="en-US" sz="900" dirty="0">
                 <a:solidFill>
                   <a:srgbClr val="1A1818"/>
                 </a:solidFill>
@@ -5434,10 +6797,10 @@
                 <a:ea typeface="ヒラギノ角ゴ Pro W3"/>
                 <a:cs typeface="ヒラギノ角ゴ Pro W3"/>
               </a:rPr>
-              <a:t>The alphas are characterized by a simple set of states that represent their progress and health. As an example, the software system moves through the states of architecture selected: demon- </a:t>
-            </a:r>
-            <a:r>
-              <a:rPr lang="en-US" sz="1200" baseline="30000" dirty="0" err="1">
+              <a:t>に示すよう</a:t>
+            </a:r>
+            <a:r>
+              <a:rPr lang="ja-JP" altLang="en-US" sz="900" dirty="0" smtClean="0">
                 <a:solidFill>
                   <a:srgbClr val="1A1818"/>
                 </a:solidFill>
@@ -5445,10 +6808,10 @@
                 <a:ea typeface="ヒラギノ角ゴ Pro W3"/>
                 <a:cs typeface="ヒラギノ角ゴ Pro W3"/>
               </a:rPr>
-              <a:t>strable</a:t>
-            </a:r>
-            <a:r>
-              <a:rPr lang="en-US" sz="1200" baseline="30000" dirty="0">
+              <a:t>に</a:t>
+            </a:r>
+            <a:r>
+              <a:rPr lang="en-US" altLang="ja-JP" sz="900" dirty="0" smtClean="0">
                 <a:solidFill>
                   <a:srgbClr val="1A1818"/>
                 </a:solidFill>
@@ -5456,10 +6819,10 @@
                 <a:ea typeface="ヒラギノ角ゴ Pro W3"/>
                 <a:cs typeface="ヒラギノ角ゴ Pro W3"/>
               </a:rPr>
-              <a:t>, usable, ready, operational, and retired. Each state has a checklist that specifies the criteria needed to reach the state. These states make the </a:t>
-            </a:r>
-            <a:r>
-              <a:rPr lang="en-US" sz="1200" baseline="30000" dirty="0" err="1">
+              <a:t> SEMAT</a:t>
+            </a:r>
+            <a:r>
+              <a:rPr lang="ja-JP" altLang="en-US" sz="900" dirty="0">
                 <a:solidFill>
                   <a:srgbClr val="1A1818"/>
                 </a:solidFill>
@@ -5467,10 +6830,10 @@
                 <a:ea typeface="ヒラギノ角ゴ Pro W3"/>
                 <a:cs typeface="ヒラギノ角ゴ Pro W3"/>
               </a:rPr>
-              <a:t>ker</a:t>
-            </a:r>
-            <a:r>
-              <a:rPr lang="en-US" sz="1200" baseline="30000" dirty="0">
+              <a:t>では</a:t>
+            </a:r>
+            <a:r>
+              <a:rPr lang="en-US" altLang="ja-JP" sz="900" dirty="0">
                 <a:solidFill>
                   <a:srgbClr val="1A1818"/>
                 </a:solidFill>
@@ -5478,10 +6841,10 @@
                 <a:ea typeface="ヒラギノ角ゴ Pro W3"/>
                 <a:cs typeface="ヒラギノ角ゴ Pro W3"/>
               </a:rPr>
-              <a:t>- </a:t>
-            </a:r>
-            <a:r>
-              <a:rPr lang="en-US" sz="1200" baseline="30000" dirty="0" err="1">
+              <a:t>7</a:t>
+            </a:r>
+            <a:r>
+              <a:rPr lang="ja-JP" altLang="en-US" sz="900" dirty="0">
                 <a:solidFill>
                   <a:srgbClr val="1A1818"/>
                 </a:solidFill>
@@ -5489,10 +6852,10 @@
                 <a:ea typeface="ヒラギノ角ゴ Pro W3"/>
                 <a:cs typeface="ヒラギノ角ゴ Pro W3"/>
               </a:rPr>
-              <a:t>nel</a:t>
-            </a:r>
-            <a:r>
-              <a:rPr lang="en-US" sz="1200" baseline="30000" dirty="0">
+              <a:t>つのアルファを識別している</a:t>
+            </a:r>
+            <a:r>
+              <a:rPr lang="en-US" altLang="ja-JP" sz="900" dirty="0" smtClean="0">
                 <a:solidFill>
                   <a:srgbClr val="1A1818"/>
                 </a:solidFill>
@@ -5500,12 +6863,10 @@
                 <a:ea typeface="ヒラギノ角ゴ Pro W3"/>
                 <a:cs typeface="ヒラギノ角ゴ Pro W3"/>
               </a:rPr>
-              <a:t> actionable and enable it to guide the behavior of software-development teams.</a:t>
-            </a:r>
-          </a:p>
-          <a:p>
-            <a:r>
-              <a:rPr lang="en-US" sz="1200" baseline="30000" dirty="0">
+              <a:t>: </a:t>
+            </a:r>
+            <a:r>
+              <a:rPr lang="ja-JP" altLang="en-US" sz="900" dirty="0" smtClean="0">
                 <a:solidFill>
                   <a:srgbClr val="1A1818"/>
                 </a:solidFill>
@@ -5513,10 +6874,10 @@
                 <a:ea typeface="ヒラギノ角ゴ Pro W3"/>
                 <a:cs typeface="ヒラギノ角ゴ Pro W3"/>
               </a:rPr>
-              <a:t>The kernel presents software </a:t>
-            </a:r>
-            <a:r>
-              <a:rPr lang="en-US" sz="1200" baseline="30000" dirty="0" err="1">
+              <a:t>機会</a:t>
+            </a:r>
+            <a:r>
+              <a:rPr lang="ja-JP" altLang="en-US" sz="900" dirty="0">
                 <a:solidFill>
                   <a:srgbClr val="1A1818"/>
                 </a:solidFill>
@@ -5524,10 +6885,20 @@
                 <a:ea typeface="ヒラギノ角ゴ Pro W3"/>
                 <a:cs typeface="ヒラギノ角ゴ Pro W3"/>
               </a:rPr>
-              <a:t>devel</a:t>
-            </a:r>
-            <a:r>
-              <a:rPr lang="en-US" sz="1200" baseline="30000" dirty="0">
+              <a:t>、ステークホルダ、要求、ソフトウェアシステム、仕事、仕事の仕方、チーム。</a:t>
+            </a:r>
+            <a:endParaRPr lang="en-US" altLang="ja-JP" sz="900" dirty="0" smtClean="0">
+              <a:solidFill>
+                <a:srgbClr val="1A1818"/>
+              </a:solidFill>
+              <a:latin typeface="ヒラギノ角ゴ Pro W3"/>
+              <a:ea typeface="ヒラギノ角ゴ Pro W3"/>
+              <a:cs typeface="ヒラギノ角ゴ Pro W3"/>
+            </a:endParaRPr>
+          </a:p>
+          <a:p>
+            <a:r>
+              <a:rPr lang="en-US" sz="1200" baseline="30000" dirty="0" smtClean="0">
                 <a:solidFill>
                   <a:srgbClr val="1A1818"/>
                 </a:solidFill>
@@ -5535,10 +6906,20 @@
                 <a:ea typeface="ヒラギノ角ゴ Pro W3"/>
                 <a:cs typeface="ヒラギノ角ゴ Pro W3"/>
               </a:rPr>
-              <a:t>- </a:t>
-            </a:r>
-            <a:r>
-              <a:rPr lang="en-US" sz="1200" baseline="30000" dirty="0" err="1">
+              <a:t>.</a:t>
+            </a:r>
+            <a:endParaRPr lang="en-US" sz="1200" baseline="30000" dirty="0">
+              <a:solidFill>
+                <a:srgbClr val="1A1818"/>
+              </a:solidFill>
+              <a:latin typeface="ヒラギノ角ゴ Pro W3"/>
+              <a:ea typeface="ヒラギノ角ゴ Pro W3"/>
+              <a:cs typeface="ヒラギノ角ゴ Pro W3"/>
+            </a:endParaRPr>
+          </a:p>
+          <a:p>
+            <a:r>
+              <a:rPr lang="ja-JP" altLang="en-US" sz="1200" baseline="30000" dirty="0">
                 <a:solidFill>
                   <a:srgbClr val="1A1818"/>
                 </a:solidFill>
@@ -5546,10 +6927,10 @@
                 <a:ea typeface="ヒラギノ角ゴ Pro W3"/>
                 <a:cs typeface="ヒラギノ角ゴ Pro W3"/>
               </a:rPr>
-              <a:t>opment</a:t>
-            </a:r>
-            <a:r>
-              <a:rPr lang="en-US" sz="1200" baseline="30000" dirty="0">
+              <a:t>アルファはシンプルに、進展や健康状態を表す状態集合として特徴付けられる。例えばソフトウェアシステムは、選択されたアーキテクチャにおける次の状態間を遷移する</a:t>
+            </a:r>
+            <a:r>
+              <a:rPr lang="en-US" altLang="ja-JP" sz="1200" baseline="30000" dirty="0">
                 <a:solidFill>
                   <a:srgbClr val="1A1818"/>
                 </a:solidFill>
@@ -5557,10 +6938,12 @@
                 <a:ea typeface="ヒラギノ角ゴ Pro W3"/>
                 <a:cs typeface="ヒラギノ角ゴ Pro W3"/>
               </a:rPr>
-              <a:t> not as a linear process but as a network of collaborating elements that need to be balanced and maintained so teams can make effective and efficient progress, eliminate waste, and </a:t>
-            </a:r>
-            <a:r>
-              <a:rPr lang="en-US" sz="1200" baseline="30000" dirty="0" err="1">
+              <a:t>:</a:t>
+            </a:r>
+          </a:p>
+          <a:p>
+            <a:r>
+              <a:rPr lang="ja-JP" altLang="en-US" sz="1200" baseline="30000" dirty="0">
                 <a:solidFill>
                   <a:srgbClr val="1A1818"/>
                 </a:solidFill>
@@ -5568,10 +6951,10 @@
                 <a:ea typeface="ヒラギノ角ゴ Pro W3"/>
                 <a:cs typeface="ヒラギノ角ゴ Pro W3"/>
               </a:rPr>
-              <a:t>devel</a:t>
-            </a:r>
-            <a:r>
-              <a:rPr lang="en-US" sz="1200" baseline="30000" dirty="0">
+              <a:t>（必要な内容が）明らかとなり確認できている、利用可能となっている、運用の準備ができている、運用できている、終了している。各状態には、当該状態に至る際に満足すべき基準を指定するチェックリストがある。それらの状態によって、カーネルは実施可能となり、ソフトウェア開発チームの振る舞いをガイドできるようになる</a:t>
+            </a:r>
+            <a:r>
+              <a:rPr lang="ja-JP" altLang="en-US" sz="1200" baseline="30000" dirty="0" smtClean="0">
                 <a:solidFill>
                   <a:srgbClr val="1A1818"/>
                 </a:solidFill>
@@ -5579,10 +6962,20 @@
                 <a:ea typeface="ヒラギノ角ゴ Pro W3"/>
                 <a:cs typeface="ヒラギノ角ゴ Pro W3"/>
               </a:rPr>
-              <a:t>- op great software. The alphas in the kernel provide an overall framework for driving and progressing software- development efforts, regardless of the practices applied or the philosophy </a:t>
-            </a:r>
-            <a:r>
-              <a:rPr lang="en-US" sz="1200" baseline="30000" dirty="0" err="1">
+              <a:t>。</a:t>
+            </a:r>
+            <a:endParaRPr lang="en-US" altLang="ja-JP" sz="1200" baseline="30000" dirty="0" smtClean="0">
+              <a:solidFill>
+                <a:srgbClr val="1A1818"/>
+              </a:solidFill>
+              <a:latin typeface="ヒラギノ角ゴ Pro W3"/>
+              <a:ea typeface="ヒラギノ角ゴ Pro W3"/>
+              <a:cs typeface="ヒラギノ角ゴ Pro W3"/>
+            </a:endParaRPr>
+          </a:p>
+          <a:p>
+            <a:r>
+              <a:rPr lang="ja-JP" altLang="en-US" sz="1200" baseline="30000" dirty="0">
                 <a:solidFill>
                   <a:srgbClr val="1A1818"/>
                 </a:solidFill>
@@ -5590,10 +6983,10 @@
                 <a:ea typeface="ヒラギノ角ゴ Pro W3"/>
                 <a:cs typeface="ヒラギノ角ゴ Pro W3"/>
               </a:rPr>
-              <a:t>fol</a:t>
-            </a:r>
-            <a:r>
-              <a:rPr lang="en-US" sz="1200" baseline="30000" dirty="0">
+              <a:t>カーネルは、チームが効果的かつ効率に開発を進めて、無駄を省き、すばらしいソフトウェアを開発するために、ソフトウェア開発を線形のプロセスではなくバランスをとって維持する必要のある協調要素群のネットワークとして表す。カーネルのアルファは、適用するプラクティスや従う指針によらず、ソフトウェア開発の取り組みを駆動し進めるフレームワーク全体を</a:t>
+            </a:r>
+            <a:r>
+              <a:rPr lang="ja-JP" altLang="en-US" sz="1200" baseline="30000" dirty="0" smtClean="0">
                 <a:solidFill>
                   <a:srgbClr val="1A1818"/>
                 </a:solidFill>
@@ -5601,8 +6994,21 @@
                 <a:ea typeface="ヒラギノ角ゴ Pro W3"/>
                 <a:cs typeface="ヒラギノ角ゴ Pro W3"/>
               </a:rPr>
-              <a:t>- lowed.</a:t>
-            </a:r>
+              <a:t>与える</a:t>
+            </a:r>
+            <a:r>
+              <a:rPr lang="en-US" altLang="ja-JP" sz="1200" baseline="30000" dirty="0" smtClean="0">
+                <a:solidFill>
+                  <a:srgbClr val="1A1818"/>
+                </a:solidFill>
+                <a:latin typeface="ヒラギノ角ゴ Pro W3"/>
+                <a:ea typeface="ヒラギノ角ゴ Pro W3"/>
+                <a:cs typeface="ヒラギノ角ゴ Pro W3"/>
+              </a:rPr>
+              <a:t>.</a:t>
+            </a:r>
+          </a:p>
+          <a:p>
             <a:endParaRPr lang="en-US" sz="1200" baseline="30000" dirty="0">
               <a:latin typeface="ヒラギノ角ゴ Pro W3"/>
               <a:ea typeface="ヒラギノ角ゴ Pro W3"/>
@@ -5650,7 +7056,7 @@
         <p:spPr>
           <a:xfrm>
             <a:off x="2390262" y="773031"/>
-            <a:ext cx="2133801" cy="5509202"/>
+            <a:ext cx="2133801" cy="6093973"/>
           </a:xfrm>
           <a:prstGeom prst="rect">
             <a:avLst/>
@@ -5663,167 +7069,89 @@
           <a:lstStyle/>
           <a:p>
             <a:r>
-              <a:rPr lang="en-US" sz="1200" baseline="30000" dirty="0">
-                <a:latin typeface="ヒラギノ角ゴ Pro W3"/>
-                <a:ea typeface="ヒラギノ角ゴ Pro W3"/>
-                <a:cs typeface="ヒラギノ角ゴ Pro W3"/>
-              </a:rPr>
-              <a:t>As practices are added to the kernel, alphas will be added to represent the things that either drive the progress of the kernel alphas or inhibit their </a:t>
-            </a:r>
-            <a:r>
-              <a:rPr lang="en-US" sz="1200" baseline="30000" dirty="0" err="1">
-                <a:latin typeface="ヒラギノ角ゴ Pro W3"/>
-                <a:ea typeface="ヒラギノ角ゴ Pro W3"/>
-                <a:cs typeface="ヒラギノ角ゴ Pro W3"/>
-              </a:rPr>
-              <a:t>prog</a:t>
-            </a:r>
-            <a:r>
-              <a:rPr lang="en-US" sz="1200" baseline="30000" dirty="0">
-                <a:latin typeface="ヒラギノ角ゴ Pro W3"/>
-                <a:ea typeface="ヒラギノ角ゴ Pro W3"/>
-                <a:cs typeface="ヒラギノ角ゴ Pro W3"/>
-              </a:rPr>
-              <a:t>- </a:t>
-            </a:r>
-            <a:r>
-              <a:rPr lang="en-US" sz="1200" baseline="30000" dirty="0" err="1">
-                <a:latin typeface="ヒラギノ角ゴ Pro W3"/>
-                <a:ea typeface="ヒラギノ角ゴ Pro W3"/>
-                <a:cs typeface="ヒラギノ角ゴ Pro W3"/>
-              </a:rPr>
-              <a:t>ress</a:t>
-            </a:r>
-            <a:r>
-              <a:rPr lang="en-US" sz="1200" baseline="30000" dirty="0">
-                <a:latin typeface="ヒラギノ角ゴ Pro W3"/>
-                <a:ea typeface="ヒラギノ角ゴ Pro W3"/>
-                <a:cs typeface="ヒラギノ角ゴ Pro W3"/>
-              </a:rPr>
-              <a:t>. For example, the requirements alpha will not be addressed as a whole but will move forward item by item. The progress of the individual require- </a:t>
-            </a:r>
-            <a:r>
-              <a:rPr lang="en-US" sz="1200" baseline="30000" dirty="0" err="1">
-                <a:latin typeface="ヒラギノ角ゴ Pro W3"/>
-                <a:ea typeface="ヒラギノ角ゴ Pro W3"/>
-                <a:cs typeface="ヒラギノ角ゴ Pro W3"/>
-              </a:rPr>
-              <a:t>ment</a:t>
-            </a:r>
-            <a:r>
-              <a:rPr lang="en-US" sz="1200" baseline="30000" dirty="0">
-                <a:latin typeface="ヒラギノ角ゴ Pro W3"/>
-                <a:ea typeface="ヒラギノ角ゴ Pro W3"/>
-                <a:cs typeface="ヒラギノ角ゴ Pro W3"/>
-              </a:rPr>
-              <a:t> items will either drive or inhibit the progress and health of the require- </a:t>
-            </a:r>
-            <a:r>
-              <a:rPr lang="en-US" sz="1200" baseline="30000" dirty="0" err="1">
-                <a:latin typeface="ヒラギノ角ゴ Pro W3"/>
-                <a:ea typeface="ヒラギノ角ゴ Pro W3"/>
-                <a:cs typeface="ヒラギノ角ゴ Pro W3"/>
-              </a:rPr>
-              <a:t>ments</a:t>
-            </a:r>
-            <a:r>
-              <a:rPr lang="en-US" sz="1200" baseline="30000" dirty="0">
-                <a:latin typeface="ヒラギノ角ゴ Pro W3"/>
-                <a:ea typeface="ヒラギノ角ゴ Pro W3"/>
-                <a:cs typeface="ヒラギノ角ゴ Pro W3"/>
-              </a:rPr>
-              <a:t> alpha. The requirements items could be of many different types: for example, features, user stories, or use- case slices, all of which can be </a:t>
-            </a:r>
-            <a:r>
-              <a:rPr lang="en-US" sz="1200" baseline="30000" dirty="0" err="1">
-                <a:latin typeface="ヒラギノ角ゴ Pro W3"/>
-                <a:ea typeface="ヒラギノ角ゴ Pro W3"/>
-                <a:cs typeface="ヒラギノ角ゴ Pro W3"/>
-              </a:rPr>
-              <a:t>repre</a:t>
-            </a:r>
-            <a:r>
-              <a:rPr lang="en-US" sz="1200" baseline="30000" dirty="0">
-                <a:latin typeface="ヒラギノ角ゴ Pro W3"/>
-                <a:ea typeface="ヒラギノ角ゴ Pro W3"/>
-                <a:cs typeface="ヒラギノ角ゴ Pro W3"/>
-              </a:rPr>
-              <a:t>- </a:t>
-            </a:r>
-            <a:r>
-              <a:rPr lang="en-US" sz="1200" baseline="30000" dirty="0" err="1">
-                <a:latin typeface="ヒラギノ角ゴ Pro W3"/>
-                <a:ea typeface="ヒラギノ角ゴ Pro W3"/>
-                <a:cs typeface="ヒラギノ角ゴ Pro W3"/>
-              </a:rPr>
-              <a:t>sented</a:t>
-            </a:r>
-            <a:r>
-              <a:rPr lang="en-US" sz="1200" baseline="30000" dirty="0">
-                <a:latin typeface="ヒラギノ角ゴ Pro W3"/>
-                <a:ea typeface="ヒラギノ角ゴ Pro W3"/>
-                <a:cs typeface="ヒラギノ角ゴ Pro W3"/>
-              </a:rPr>
-              <a:t> as alphas and have their states tracked. The benefit of relating these smaller items to the coarser-grained kernel elements is that it allows the tracking of the health of the endeavor as a whole. This provides a necessary balance to the lower-level tracking of the individual items, enabling teams to understand and optimize their ways of working.</a:t>
-            </a:r>
-          </a:p>
-          <a:p>
-            <a:r>
-              <a:rPr lang="en-US" sz="1200" baseline="30000" dirty="0">
-                <a:latin typeface="ヒラギノ角ゴ Pro W3"/>
-                <a:ea typeface="ヒラギノ角ゴ Pro W3"/>
-                <a:cs typeface="ヒラギノ角ゴ Pro W3"/>
-              </a:rPr>
-              <a:t>The kernel is extensible. Another unique feature of the kernel is the way it can be extended to support different projects (for example, new develop- </a:t>
-            </a:r>
-            <a:r>
-              <a:rPr lang="en-US" sz="1200" baseline="30000" dirty="0" err="1">
-                <a:latin typeface="ヒラギノ角ゴ Pro W3"/>
-                <a:ea typeface="ヒラギノ角ゴ Pro W3"/>
-                <a:cs typeface="ヒラギノ角ゴ Pro W3"/>
-              </a:rPr>
-              <a:t>ment</a:t>
-            </a:r>
-            <a:r>
-              <a:rPr lang="en-US" sz="1200" baseline="30000" dirty="0">
-                <a:latin typeface="ヒラギノ角ゴ Pro W3"/>
-                <a:ea typeface="ヒラギノ角ゴ Pro W3"/>
-                <a:cs typeface="ヒラギノ角ゴ Pro W3"/>
-              </a:rPr>
-              <a:t>, legacy enhancements, in-house development, offshore development, software product lines, and so on). The kernel allows you to add practices, such as user stories, use cases, component- based development, architecture, pair- programming, daily stand-up meet- </a:t>
-            </a:r>
-            <a:r>
-              <a:rPr lang="en-US" sz="1200" baseline="30000" dirty="0" err="1">
-                <a:latin typeface="ヒラギノ角ゴ Pro W3"/>
-                <a:ea typeface="ヒラギノ角ゴ Pro W3"/>
-                <a:cs typeface="ヒラギノ角ゴ Pro W3"/>
-              </a:rPr>
-              <a:t>ings</a:t>
-            </a:r>
-            <a:r>
-              <a:rPr lang="en-US" sz="1200" baseline="30000" dirty="0">
-                <a:latin typeface="ヒラギノ角ゴ Pro W3"/>
-                <a:ea typeface="ヒラギノ角ゴ Pro W3"/>
-                <a:cs typeface="ヒラギノ角ゴ Pro W3"/>
-              </a:rPr>
-              <a:t>, self-organizing teams, and so on to build the methods you need. For ex- ample, different methods could be as- </a:t>
-            </a:r>
-            <a:r>
-              <a:rPr lang="en-US" sz="1200" baseline="30000" dirty="0" err="1">
-                <a:latin typeface="ヒラギノ角ゴ Pro W3"/>
-                <a:ea typeface="ヒラギノ角ゴ Pro W3"/>
-                <a:cs typeface="ヒラギノ角ゴ Pro W3"/>
-              </a:rPr>
-              <a:t>sembled</a:t>
-            </a:r>
-            <a:r>
-              <a:rPr lang="en-US" sz="1200" baseline="30000" dirty="0">
-                <a:latin typeface="ヒラギノ角ゴ Pro W3"/>
-                <a:ea typeface="ヒラギノ角ゴ Pro W3"/>
-                <a:cs typeface="ヒラギノ角ゴ Pro W3"/>
-              </a:rPr>
-              <a:t> for in-house and outsourced development or for the development of safety-critical embedded systems and back-office reporting systems.</a:t>
-            </a:r>
+              <a:rPr lang="ja-JP" altLang="en-US" sz="900" dirty="0">
+                <a:latin typeface="ヒラギノ角ゴ Pro W3"/>
+                <a:ea typeface="ヒラギノ角ゴ Pro W3"/>
+                <a:cs typeface="ヒラギノ角ゴ Pro W3"/>
+              </a:rPr>
+              <a:t>カーネルにプラクティスが加えられたのと同様に、カーネルの既存のアルファの進展を推進または抑制するものや事柄を表すために、新たなアルファが加えられる。例えば要求アルファは、それで全てとして扱われるものではなく、項目別に一つずつ進展しうる。個々の要求項目の進展が、要求アルファの進展や健康状態を推進または抑制する。要求項目はフィーチャやユーザストーリー、ユースケースなど様々であり、いずれもアルファとして表され、状態を持ち追跡する。それらの細かなアルファをより粗いカーネル要素へと関連付けることで、全体として取り組みの健康状態を追跡することが可能となる。これにより、個々の項目群の下位レベルの追跡に対してバランスが与えられ、チームが仕事の仕方を理解し最適化することが可能となる</a:t>
+            </a:r>
+            <a:r>
+              <a:rPr lang="ja-JP" altLang="en-US" sz="900" dirty="0" smtClean="0">
+                <a:latin typeface="ヒラギノ角ゴ Pro W3"/>
+                <a:ea typeface="ヒラギノ角ゴ Pro W3"/>
+                <a:cs typeface="ヒラギノ角ゴ Pro W3"/>
+              </a:rPr>
+              <a:t>。</a:t>
+            </a:r>
+            <a:endParaRPr lang="en-US" altLang="ja-JP" sz="900" dirty="0" smtClean="0">
+              <a:latin typeface="ヒラギノ角ゴ Pro W3"/>
+              <a:ea typeface="ヒラギノ角ゴ Pro W3"/>
+              <a:cs typeface="ヒラギノ角ゴ Pro W3"/>
+            </a:endParaRPr>
+          </a:p>
+          <a:p>
+            <a:endParaRPr lang="en-US" sz="1050" b="1" dirty="0">
+              <a:latin typeface="ヒラギノ角ゴ Pro W3"/>
+              <a:ea typeface="ヒラギノ角ゴ Pro W3"/>
+              <a:cs typeface="ヒラギノ角ゴ Pro W3"/>
+            </a:endParaRPr>
+          </a:p>
+          <a:p>
+            <a:r>
+              <a:rPr lang="ja-JP" altLang="en-US" sz="1050" b="1" dirty="0">
+                <a:latin typeface="ヒラギノ角ゴ Pro W3"/>
+                <a:ea typeface="ヒラギノ角ゴ Pro W3"/>
+                <a:cs typeface="ヒラギノ角ゴ Pro W3"/>
+              </a:rPr>
+              <a:t>カーネルは拡張可能である。</a:t>
+            </a:r>
+          </a:p>
+          <a:p>
+            <a:r>
+              <a:rPr lang="ja-JP" altLang="en-US" sz="900" dirty="0">
+                <a:latin typeface="ヒラギノ角ゴ Pro W3"/>
+                <a:ea typeface="ヒラギノ角ゴ Pro W3"/>
+                <a:cs typeface="ヒラギノ角ゴ Pro W3"/>
+              </a:rPr>
+              <a:t>カーネルの他の優れた特徴として、異なるプロジェクト（例えば新開発、レガシー強化、社内開発、オフショア開発、ソフトウェアプロダクトラインなど）を扱えるように拡張できるという点がある。カーネルにおいて求める手法を構築するために、ユーザストリーやユースケース、コンポーネントベース開発、アーキテクチャ、ペアプログラミング、朝会、自己組織型チームといったプラクティスを追加できる。例えば、社内開発や委託開発、セーフティクリティカル組込みシステム開発や事務処理レポートシステム開発のそれぞれに対して、異なる手法を組み立てられる。</a:t>
+            </a:r>
+            <a:r>
+              <a:rPr lang="en-US" sz="900" dirty="0" smtClean="0">
+                <a:latin typeface="ヒラギノ角ゴ Pro W3"/>
+                <a:ea typeface="ヒラギノ角ゴ Pro W3"/>
+                <a:cs typeface="ヒラギノ角ゴ Pro W3"/>
+              </a:rPr>
+              <a:t>.</a:t>
+            </a:r>
+            <a:br>
+              <a:rPr lang="en-US" sz="900" dirty="0" smtClean="0">
+                <a:latin typeface="ヒラギノ角ゴ Pro W3"/>
+                <a:ea typeface="ヒラギノ角ゴ Pro W3"/>
+                <a:cs typeface="ヒラギノ角ゴ Pro W3"/>
+              </a:rPr>
+            </a:br>
+            <a:r>
+              <a:rPr lang="ja-JP" altLang="en-US" sz="900" dirty="0">
+                <a:latin typeface="ヒラギノ角ゴ Pro W3"/>
+                <a:ea typeface="ヒラギノ角ゴ Pro W3"/>
+                <a:cs typeface="ヒラギノ角ゴ Pro W3"/>
+              </a:rPr>
+              <a:t>ここでキーとなるアイディアは、プラクティスを分離したということである。産業界で長年にわたり「プラクティス」という言葉は広く用いられているが、カーネルはプラクティスを</a:t>
+            </a:r>
+            <a:r>
+              <a:rPr lang="ja-JP" altLang="en-US" sz="900" dirty="0" smtClean="0">
+                <a:latin typeface="ヒラギノ角ゴ Pro W3"/>
+                <a:ea typeface="ヒラギノ角ゴ Pro W3"/>
+                <a:cs typeface="ヒラギノ角ゴ Pro W3"/>
+              </a:rPr>
+              <a:t>扱い</a:t>
+            </a:r>
+            <a:endParaRPr lang="en-US" sz="900" dirty="0">
+              <a:latin typeface="ヒラギノ角ゴ Pro W3"/>
+              <a:ea typeface="ヒラギノ角ゴ Pro W3"/>
+              <a:cs typeface="ヒラギノ角ゴ Pro W3"/>
+            </a:endParaRPr>
           </a:p>
         </p:txBody>
       </p:sp>
@@ -5836,7 +7164,7 @@
         <p:spPr>
           <a:xfrm>
             <a:off x="4625721" y="773032"/>
-            <a:ext cx="2136226" cy="4647428"/>
+            <a:ext cx="2136226" cy="6070891"/>
           </a:xfrm>
           <a:prstGeom prst="rect">
             <a:avLst/>
@@ -5850,91 +7178,249 @@
           <a:lstStyle/>
           <a:p>
             <a:r>
-              <a:rPr lang="en-US" sz="1200" baseline="30000" dirty="0"/>
-              <a:t>Practice separation is the key idea here. While the term practice has been widely used in the industry for many years, the kernel has a specific </a:t>
-            </a:r>
-            <a:r>
-              <a:rPr lang="en-US" sz="1200" baseline="30000" dirty="0" err="1"/>
-              <a:t>ap</a:t>
-            </a:r>
-            <a:r>
-              <a:rPr lang="en-US" sz="1200" baseline="30000" dirty="0"/>
-              <a:t>- </a:t>
-            </a:r>
-            <a:r>
-              <a:rPr lang="en-US" sz="1200" baseline="30000" dirty="0" err="1"/>
-              <a:t>proach</a:t>
-            </a:r>
-            <a:r>
-              <a:rPr lang="en-US" sz="1200" baseline="30000" dirty="0"/>
-              <a:t> to the handling and sharing of practices. Practices are presented as distinct, separate, modular units, which a team can choose to use or not to use. This contrasts with traditional approaches that treat software </a:t>
-            </a:r>
-            <a:r>
-              <a:rPr lang="en-US" sz="1200" baseline="30000" dirty="0" err="1"/>
-              <a:t>devel</a:t>
-            </a:r>
-            <a:r>
-              <a:rPr lang="en-US" sz="1200" baseline="30000" dirty="0"/>
-              <a:t>- </a:t>
-            </a:r>
-            <a:r>
-              <a:rPr lang="en-US" sz="1200" baseline="30000" dirty="0" err="1"/>
-              <a:t>opment</a:t>
-            </a:r>
-            <a:r>
-              <a:rPr lang="en-US" sz="1200" baseline="30000" dirty="0"/>
-              <a:t> as a soup of indistinguishable practices and lead teams to dump the good with the bad when they move from one method to another.</a:t>
-            </a:r>
-          </a:p>
-          <a:p>
-            <a:r>
-              <a:rPr lang="en-US" sz="1200" baseline="30000" dirty="0"/>
-              <a:t>The kernel is practical. Perhaps the most important feature of the kernel is the way it is used in practice. Tradition- al approaches to software-development methods tend to focus on supporting process engineers or quality engineers. The kernel, in contrast, is a hands-on, tangible thinking framework focused on supporting software professionals as they carry out their work.</a:t>
-            </a:r>
-          </a:p>
-          <a:p>
-            <a:r>
-              <a:rPr lang="en-US" sz="1200" baseline="30000" dirty="0"/>
-              <a:t>For example, the kernel can be touched and used through cards (see Figure 4).7,10 The cards provide concise reminders and cues for team </a:t>
-            </a:r>
-            <a:r>
-              <a:rPr lang="en-US" sz="1200" baseline="30000" dirty="0" err="1"/>
-              <a:t>mem</a:t>
-            </a:r>
-            <a:r>
-              <a:rPr lang="en-US" sz="1200" baseline="30000" dirty="0"/>
-              <a:t>- </a:t>
-            </a:r>
-            <a:r>
-              <a:rPr lang="en-US" sz="1200" baseline="30000" dirty="0" err="1"/>
-              <a:t>bers</a:t>
-            </a:r>
-            <a:r>
-              <a:rPr lang="en-US" sz="1200" baseline="30000" dirty="0"/>
-              <a:t> as they go about their daily tasks. By providing practical checklists and prompts, as opposed to conceptual discussions, the kernel becomes some- thing the team uses on a daily basis. This is a fundamental difference from traditional approaches, which tend to overemphasize method description as opposed to method use and tend to be consulted only by people new to the team.</a:t>
-            </a:r>
-          </a:p>
-          <a:p>
-            <a:r>
-              <a:rPr lang="en-US" sz="1200" baseline="30000" dirty="0"/>
-              <a:t>Cards provide concise </a:t>
-            </a:r>
-            <a:r>
-              <a:rPr lang="en-US" sz="1200" baseline="30000" dirty="0" err="1"/>
-              <a:t>descrip</a:t>
-            </a:r>
-            <a:r>
-              <a:rPr lang="en-US" sz="1200" baseline="30000" dirty="0"/>
-              <a:t>- </a:t>
-            </a:r>
-            <a:r>
-              <a:rPr lang="en-US" sz="1200" baseline="30000" dirty="0" err="1"/>
-              <a:t>tions</a:t>
-            </a:r>
-            <a:r>
-              <a:rPr lang="en-US" sz="1200" baseline="30000" dirty="0"/>
-              <a:t> that serve as reminders for team members. They can keep the kernel as</a:t>
-            </a:r>
+              <a:rPr lang="ja-JP" altLang="en-US" sz="900" dirty="0">
+                <a:latin typeface="ヒラギノ角ゴ Pro W3"/>
+                <a:ea typeface="ヒラギノ角ゴ Pro W3"/>
+                <a:cs typeface="ヒラギノ角ゴ Pro W3"/>
+              </a:rPr>
+              <a:t>共有するための特別なアプローチを取る。プラクティスは互いに異なり分離されたモジュール単位として表され、チームがその利用を選択できる。この点が従来のアプローチとは</a:t>
+            </a:r>
+            <a:r>
+              <a:rPr lang="ja-JP" altLang="en-US" sz="900" dirty="0" smtClean="0">
+                <a:latin typeface="ヒラギノ角ゴ Pro W3"/>
+                <a:ea typeface="ヒラギノ角ゴ Pro W3"/>
+                <a:cs typeface="ヒラギノ角ゴ Pro W3"/>
+              </a:rPr>
+              <a:t>異なる</a:t>
+            </a:r>
+            <a:r>
+              <a:rPr lang="ja-JP" altLang="en-US" sz="900" dirty="0">
+                <a:latin typeface="ヒラギノ角ゴ Pro W3"/>
+                <a:ea typeface="ヒラギノ角ゴ Pro W3"/>
+                <a:cs typeface="ヒラギノ角ゴ Pro W3"/>
+              </a:rPr>
+              <a:t>。従来のアプローチでは、ソフトウェア開発を互いに区別しがたいプラクティス群の</a:t>
+            </a:r>
+            <a:r>
+              <a:rPr lang="en-US" altLang="ja-JP" sz="900" dirty="0">
+                <a:latin typeface="ヒラギノ角ゴ Pro W3"/>
+                <a:ea typeface="ヒラギノ角ゴ Pro W3"/>
+                <a:cs typeface="ヒラギノ角ゴ Pro W3"/>
+              </a:rPr>
+              <a:t>"</a:t>
+            </a:r>
+            <a:r>
+              <a:rPr lang="ja-JP" altLang="en-US" sz="900" dirty="0">
+                <a:latin typeface="ヒラギノ角ゴ Pro W3"/>
+                <a:ea typeface="ヒラギノ角ゴ Pro W3"/>
+                <a:cs typeface="ヒラギノ角ゴ Pro W3"/>
+              </a:rPr>
+              <a:t>スープ</a:t>
+            </a:r>
+            <a:r>
+              <a:rPr lang="en-US" altLang="ja-JP" sz="900" dirty="0">
+                <a:latin typeface="ヒラギノ角ゴ Pro W3"/>
+                <a:ea typeface="ヒラギノ角ゴ Pro W3"/>
+                <a:cs typeface="ヒラギノ角ゴ Pro W3"/>
+              </a:rPr>
+              <a:t>"</a:t>
+            </a:r>
+            <a:r>
+              <a:rPr lang="ja-JP" altLang="en-US" sz="900" dirty="0">
+                <a:latin typeface="ヒラギノ角ゴ Pro W3"/>
+                <a:ea typeface="ヒラギノ角ゴ Pro W3"/>
+                <a:cs typeface="ヒラギノ角ゴ Pro W3"/>
+              </a:rPr>
+              <a:t>として扱っており、チームがある手法から他へと移るにあたり、良いことも悪いことも投げ捨てるように仕向けてしまう</a:t>
+            </a:r>
+            <a:r>
+              <a:rPr lang="ja-JP" altLang="en-US" sz="900" dirty="0" smtClean="0">
+                <a:latin typeface="ヒラギノ角ゴ Pro W3"/>
+                <a:ea typeface="ヒラギノ角ゴ Pro W3"/>
+                <a:cs typeface="ヒラギノ角ゴ Pro W3"/>
+              </a:rPr>
+              <a:t>。</a:t>
+            </a:r>
+            <a:endParaRPr lang="en-US" altLang="ja-JP" sz="900" dirty="0" smtClean="0">
+              <a:latin typeface="ヒラギノ角ゴ Pro W3"/>
+              <a:ea typeface="ヒラギノ角ゴ Pro W3"/>
+              <a:cs typeface="ヒラギノ角ゴ Pro W3"/>
+            </a:endParaRPr>
+          </a:p>
+          <a:p>
+            <a:endParaRPr lang="en-US" altLang="ja-JP" sz="900" dirty="0" smtClean="0">
+              <a:latin typeface="ヒラギノ角ゴ Pro W3"/>
+              <a:ea typeface="ヒラギノ角ゴ Pro W3"/>
+              <a:cs typeface="ヒラギノ角ゴ Pro W3"/>
+            </a:endParaRPr>
+          </a:p>
+          <a:p>
+            <a:r>
+              <a:rPr lang="ja-JP" altLang="en-US" sz="1050" b="1" dirty="0">
+                <a:latin typeface="ヒラギノ角ゴ Pro W3"/>
+                <a:ea typeface="ヒラギノ角ゴ Pro W3"/>
+                <a:cs typeface="ヒラギノ角ゴ Pro W3"/>
+              </a:rPr>
+              <a:t>カーネルは実践的である。</a:t>
+            </a:r>
+          </a:p>
+          <a:p>
+            <a:r>
+              <a:rPr lang="ja-JP" altLang="en-US" sz="900" dirty="0">
+                <a:latin typeface="ヒラギノ角ゴ Pro W3"/>
+                <a:ea typeface="ヒラギノ角ゴ Pro W3"/>
+                <a:cs typeface="ヒラギノ角ゴ Pro W3"/>
+              </a:rPr>
+              <a:t>おそらくカーネルの最重要な特徴は、実践におけるカーネルの用いられ方にある。従来のソフトウェア開発手法に対するアプローチは、プロセスエンジニアや品質エンジニアの支援に焦点をあてる傾向にあった。対してカーネルは、ソフトウェアプロフェッショナルの仕事遂行の支援に焦点をあてた実践的</a:t>
+            </a:r>
+            <a:r>
+              <a:rPr lang="ja-JP" altLang="en-US" sz="900" dirty="0" smtClean="0">
+                <a:latin typeface="ヒラギノ角ゴ Pro W3"/>
+                <a:ea typeface="ヒラギノ角ゴ Pro W3"/>
+                <a:cs typeface="ヒラギノ角ゴ Pro W3"/>
+              </a:rPr>
+              <a:t>で</a:t>
+            </a:r>
+            <a:r>
+              <a:rPr lang="en-US" altLang="ja-JP" sz="900" dirty="0" smtClean="0">
+                <a:latin typeface="ヒラギノ角ゴ Pro W3"/>
+                <a:ea typeface="ヒラギノ角ゴ Pro W3"/>
+                <a:cs typeface="ヒラギノ角ゴ Pro W3"/>
+              </a:rPr>
+              <a:t>“</a:t>
+            </a:r>
+            <a:r>
+              <a:rPr lang="ja-JP" altLang="en-US" sz="900" dirty="0" smtClean="0">
+                <a:latin typeface="ヒラギノ角ゴ Pro W3"/>
+                <a:ea typeface="ヒラギノ角ゴ Pro W3"/>
+                <a:cs typeface="ヒラギノ角ゴ Pro W3"/>
+              </a:rPr>
+              <a:t>触れられる</a:t>
+            </a:r>
+            <a:r>
+              <a:rPr lang="en-US" altLang="ja-JP" sz="900" dirty="0" smtClean="0">
+                <a:latin typeface="ヒラギノ角ゴ Pro W3"/>
+                <a:ea typeface="ヒラギノ角ゴ Pro W3"/>
+                <a:cs typeface="ヒラギノ角ゴ Pro W3"/>
+              </a:rPr>
+              <a:t>”</a:t>
+            </a:r>
+            <a:r>
+              <a:rPr lang="ja-JP" altLang="en-US" sz="900" dirty="0" smtClean="0">
+                <a:latin typeface="ヒラギノ角ゴ Pro W3"/>
+                <a:ea typeface="ヒラギノ角ゴ Pro W3"/>
+                <a:cs typeface="ヒラギノ角ゴ Pro W3"/>
+              </a:rPr>
+              <a:t>（</a:t>
+            </a:r>
+            <a:r>
+              <a:rPr lang="en-US" altLang="ja-JP" sz="900" dirty="0">
+                <a:latin typeface="ヒラギノ角ゴ Pro W3"/>
+                <a:ea typeface="ヒラギノ角ゴ Pro W3"/>
+                <a:cs typeface="ヒラギノ角ゴ Pro W3"/>
+              </a:rPr>
+              <a:t>tangible</a:t>
+            </a:r>
+            <a:r>
+              <a:rPr lang="ja-JP" altLang="en-US" sz="900" dirty="0">
+                <a:latin typeface="ヒラギノ角ゴ Pro W3"/>
+                <a:ea typeface="ヒラギノ角ゴ Pro W3"/>
+                <a:cs typeface="ヒラギノ角ゴ Pro W3"/>
+              </a:rPr>
+              <a:t>）思考フレームワークである。例えば、カーネルはカードにより触れて用いることができる（図</a:t>
+            </a:r>
+            <a:r>
+              <a:rPr lang="en-US" altLang="ja-JP" sz="900" dirty="0">
+                <a:latin typeface="ヒラギノ角ゴ Pro W3"/>
+                <a:ea typeface="ヒラギノ角ゴ Pro W3"/>
+                <a:cs typeface="ヒラギノ角ゴ Pro W3"/>
+              </a:rPr>
+              <a:t>4</a:t>
+            </a:r>
+            <a:r>
+              <a:rPr lang="ja-JP" altLang="en-US" sz="900" dirty="0">
+                <a:latin typeface="ヒラギノ角ゴ Pro W3"/>
+                <a:ea typeface="ヒラギノ角ゴ Pro W3"/>
+                <a:cs typeface="ヒラギノ角ゴ Pro W3"/>
+              </a:rPr>
+              <a:t>参照）</a:t>
+            </a:r>
+            <a:r>
+              <a:rPr lang="en-US" altLang="ja-JP" sz="900" dirty="0">
+                <a:latin typeface="ヒラギノ角ゴ Pro W3"/>
+                <a:ea typeface="ヒラギノ角ゴ Pro W3"/>
+                <a:cs typeface="ヒラギノ角ゴ Pro W3"/>
+              </a:rPr>
+              <a:t>[7][10]</a:t>
+            </a:r>
+            <a:r>
+              <a:rPr lang="ja-JP" altLang="en-US" sz="900" dirty="0">
+                <a:latin typeface="ヒラギノ角ゴ Pro W3"/>
+                <a:ea typeface="ヒラギノ角ゴ Pro W3"/>
+                <a:cs typeface="ヒラギノ角ゴ Pro W3"/>
+              </a:rPr>
+              <a:t>。カードは、チームメンバにとって日々のタスクを進めるにあたっての簡潔な備忘録や合図となる。実践的なチェックリストや促すもの（</a:t>
+            </a:r>
+            <a:r>
+              <a:rPr lang="en-US" altLang="ja-JP" sz="900" dirty="0">
+                <a:latin typeface="ヒラギノ角ゴ Pro W3"/>
+                <a:ea typeface="ヒラギノ角ゴ Pro W3"/>
+                <a:cs typeface="ヒラギノ角ゴ Pro W3"/>
+              </a:rPr>
+              <a:t>prompt</a:t>
+            </a:r>
+            <a:r>
+              <a:rPr lang="ja-JP" altLang="en-US" sz="900" dirty="0">
+                <a:latin typeface="ヒラギノ角ゴ Pro W3"/>
+                <a:ea typeface="ヒラギノ角ゴ Pro W3"/>
+                <a:cs typeface="ヒラギノ角ゴ Pro W3"/>
+              </a:rPr>
+              <a:t>）を与えることで、概念的な議論とは対照的に、カーネルはチームから日々用いられるものとなる。これは、従来のアプローチとは根本的に異なっている。従来のアプローチではしばしば、手法の利用よりも手法の記述が過度に強調され、チームに加わったばかりの人々によってのみ参照され指導される</a:t>
+            </a:r>
+            <a:r>
+              <a:rPr lang="ja-JP" altLang="en-US" sz="900" dirty="0" smtClean="0">
+                <a:latin typeface="ヒラギノ角ゴ Pro W3"/>
+                <a:ea typeface="ヒラギノ角ゴ Pro W3"/>
+                <a:cs typeface="ヒラギノ角ゴ Pro W3"/>
+              </a:rPr>
+              <a:t>。</a:t>
+            </a:r>
+            <a:r>
+              <a:rPr lang="en-US" altLang="ja-JP" sz="900" dirty="0" smtClean="0">
+                <a:latin typeface="ヒラギノ角ゴ Pro W3"/>
+                <a:ea typeface="ヒラギノ角ゴ Pro W3"/>
+                <a:cs typeface="ヒラギノ角ゴ Pro W3"/>
+              </a:rPr>
+              <a:t/>
+            </a:r>
+            <a:br>
+              <a:rPr lang="en-US" altLang="ja-JP" sz="900" dirty="0" smtClean="0">
+                <a:latin typeface="ヒラギノ角ゴ Pro W3"/>
+                <a:ea typeface="ヒラギノ角ゴ Pro W3"/>
+                <a:cs typeface="ヒラギノ角ゴ Pro W3"/>
+              </a:rPr>
+            </a:br>
+            <a:r>
+              <a:rPr lang="ja-JP" altLang="en-US" sz="900" dirty="0">
+                <a:latin typeface="ヒラギノ角ゴ Pro W3"/>
+                <a:ea typeface="ヒラギノ角ゴ Pro W3"/>
+                <a:cs typeface="ヒラギノ角ゴ Pro W3"/>
+              </a:rPr>
+              <a:t>カードは、チームメンバにとっての備忘録となる簡潔な記述を与える。チームメンバはカーネルを、ポケットに小さなカード一組として持ち、簡単に引き出して、開発の現状や仕事の割り当て、メンバ間の協調作業について</a:t>
+            </a:r>
+            <a:r>
+              <a:rPr lang="ja-JP" altLang="en-US" sz="900" dirty="0" smtClean="0">
+                <a:latin typeface="ヒラギノ角ゴ Pro W3"/>
+                <a:ea typeface="ヒラギノ角ゴ Pro W3"/>
+                <a:cs typeface="ヒラギノ角ゴ Pro W3"/>
+              </a:rPr>
+              <a:t>議論</a:t>
+            </a:r>
+            <a:endParaRPr lang="en-US" sz="900" dirty="0">
+              <a:latin typeface="ヒラギノ角ゴ Pro W3"/>
+              <a:ea typeface="ヒラギノ角ゴ Pro W3"/>
+              <a:cs typeface="ヒラギノ角ゴ Pro W3"/>
+            </a:endParaRPr>
           </a:p>
         </p:txBody>
       </p:sp>
@@ -6073,7 +7559,7 @@
         <p:spPr>
           <a:xfrm>
             <a:off x="253907" y="700799"/>
-            <a:ext cx="2033790" cy="4154985"/>
+            <a:ext cx="2033790" cy="4016484"/>
           </a:xfrm>
           <a:prstGeom prst="rect">
             <a:avLst/>
@@ -6087,249 +7573,242 @@
           <a:lstStyle/>
           <a:p>
             <a:r>
-              <a:rPr lang="en-US" sz="1200" baseline="30000" dirty="0">
-                <a:latin typeface="ヒラギノ角ゴ Pro W3"/>
-                <a:ea typeface="ヒラギノ角ゴ Pro W3"/>
-                <a:cs typeface="ヒラギノ角ゴ Pro W3"/>
-              </a:rPr>
-              <a:t>a small deck of cards in their pockets, which they can easily pull out to dis- cuss the current status of development and the work assignment and </a:t>
-            </a:r>
-            <a:r>
-              <a:rPr lang="en-US" sz="1200" baseline="30000" dirty="0" err="1">
-                <a:latin typeface="ヒラギノ角ゴ Pro W3"/>
-                <a:ea typeface="ヒラギノ角ゴ Pro W3"/>
-                <a:cs typeface="ヒラギノ角ゴ Pro W3"/>
-              </a:rPr>
-              <a:t>collabo</a:t>
-            </a:r>
-            <a:r>
-              <a:rPr lang="en-US" sz="1200" baseline="30000" dirty="0">
-                <a:latin typeface="ヒラギノ角ゴ Pro W3"/>
-                <a:ea typeface="ヒラギノ角ゴ Pro W3"/>
-                <a:cs typeface="ヒラギノ角ゴ Pro W3"/>
-              </a:rPr>
-              <a:t>- ration among team members. Teams can also discuss areas of improvement by referring to the cards. Thus, the </a:t>
-            </a:r>
-            <a:r>
-              <a:rPr lang="en-US" sz="1200" baseline="30000" dirty="0" err="1">
-                <a:latin typeface="ヒラギノ角ゴ Pro W3"/>
-                <a:ea typeface="ヒラギノ角ゴ Pro W3"/>
-                <a:cs typeface="ヒラギノ角ゴ Pro W3"/>
-              </a:rPr>
-              <a:t>ker</a:t>
-            </a:r>
-            <a:r>
-              <a:rPr lang="en-US" sz="1200" baseline="30000" dirty="0">
-                <a:latin typeface="ヒラギノ角ゴ Pro W3"/>
-                <a:ea typeface="ヒラギノ角ゴ Pro W3"/>
-                <a:cs typeface="ヒラギノ角ゴ Pro W3"/>
-              </a:rPr>
-              <a:t>- </a:t>
-            </a:r>
-            <a:r>
-              <a:rPr lang="en-US" sz="1200" baseline="30000" dirty="0" err="1">
-                <a:latin typeface="ヒラギノ角ゴ Pro W3"/>
-                <a:ea typeface="ヒラギノ角ゴ Pro W3"/>
-                <a:cs typeface="ヒラギノ角ゴ Pro W3"/>
-              </a:rPr>
-              <a:t>nel</a:t>
-            </a:r>
-            <a:r>
-              <a:rPr lang="en-US" sz="1200" baseline="30000" dirty="0">
-                <a:latin typeface="ヒラギノ角ゴ Pro W3"/>
-                <a:ea typeface="ヒラギノ角ゴ Pro W3"/>
-                <a:cs typeface="ヒラギノ角ゴ Pro W3"/>
-              </a:rPr>
-              <a:t> is not merely a heavyweight </a:t>
-            </a:r>
-            <a:r>
-              <a:rPr lang="en-US" sz="1200" baseline="30000" dirty="0" err="1">
-                <a:latin typeface="ヒラギノ角ゴ Pro W3"/>
-                <a:ea typeface="ヒラギノ角ゴ Pro W3"/>
-                <a:cs typeface="ヒラギノ角ゴ Pro W3"/>
-              </a:rPr>
-              <a:t>descrip</a:t>
-            </a:r>
-            <a:r>
-              <a:rPr lang="en-US" sz="1200" baseline="30000" dirty="0">
-                <a:latin typeface="ヒラギノ角ゴ Pro W3"/>
-                <a:ea typeface="ヒラギノ角ゴ Pro W3"/>
-                <a:cs typeface="ヒラギノ角ゴ Pro W3"/>
-              </a:rPr>
-              <a:t>- </a:t>
-            </a:r>
-            <a:r>
-              <a:rPr lang="en-US" sz="1200" baseline="30000" dirty="0" err="1">
-                <a:latin typeface="ヒラギノ角ゴ Pro W3"/>
-                <a:ea typeface="ヒラギノ角ゴ Pro W3"/>
-                <a:cs typeface="ヒラギノ角ゴ Pro W3"/>
-              </a:rPr>
-              <a:t>tion</a:t>
-            </a:r>
-            <a:r>
-              <a:rPr lang="en-US" sz="1200" baseline="30000" dirty="0">
-                <a:latin typeface="ヒラギノ角ゴ Pro W3"/>
-                <a:ea typeface="ヒラギノ角ゴ Pro W3"/>
-                <a:cs typeface="ヒラギノ角ゴ Pro W3"/>
-              </a:rPr>
-              <a:t> of what a team needs to do. Rather, it forms an essential part of what they are doing each day.</a:t>
-            </a:r>
-          </a:p>
-          <a:p>
-            <a:r>
-              <a:rPr lang="en-US" sz="1200" baseline="30000" dirty="0">
-                <a:latin typeface="ヒラギノ角ゴ Pro W3"/>
-                <a:ea typeface="ヒラギノ角ゴ Pro W3"/>
-                <a:cs typeface="ヒラギノ角ゴ Pro W3"/>
-              </a:rPr>
-              <a:t>The kernel in action. The kernel has many applications in software </a:t>
-            </a:r>
-            <a:r>
-              <a:rPr lang="en-US" sz="1200" baseline="30000" dirty="0" err="1">
-                <a:latin typeface="ヒラギノ角ゴ Pro W3"/>
-                <a:ea typeface="ヒラギノ角ゴ Pro W3"/>
-                <a:cs typeface="ヒラギノ角ゴ Pro W3"/>
-              </a:rPr>
-              <a:t>profes</a:t>
-            </a:r>
-            <a:r>
-              <a:rPr lang="en-US" sz="1200" baseline="30000" dirty="0">
-                <a:latin typeface="ヒラギノ角ゴ Pro W3"/>
-                <a:ea typeface="ヒラギノ角ゴ Pro W3"/>
-                <a:cs typeface="ヒラギノ角ゴ Pro W3"/>
-              </a:rPr>
-              <a:t>- </a:t>
-            </a:r>
-            <a:r>
-              <a:rPr lang="en-US" sz="1200" baseline="30000" dirty="0" err="1">
-                <a:latin typeface="ヒラギノ角ゴ Pro W3"/>
-                <a:ea typeface="ヒラギノ角ゴ Pro W3"/>
-                <a:cs typeface="ヒラギノ角ゴ Pro W3"/>
-              </a:rPr>
-              <a:t>sionals</a:t>
-            </a:r>
-            <a:r>
-              <a:rPr lang="en-US" sz="1200" baseline="30000" dirty="0">
-                <a:latin typeface="ヒラギノ角ゴ Pro W3"/>
-                <a:ea typeface="ヒラギノ角ゴ Pro W3"/>
-                <a:cs typeface="ヒラギノ角ゴ Pro W3"/>
-              </a:rPr>
-              <a:t>’ everyday lives. They include:</a:t>
-            </a:r>
-          </a:p>
-          <a:p>
-            <a:r>
-              <a:rPr lang="en-US" sz="1200" baseline="30000" dirty="0">
-                <a:latin typeface="ヒラギノ角ゴ Pro W3"/>
-                <a:ea typeface="ヒラギノ角ゴ Pro W3"/>
-                <a:cs typeface="ヒラギノ角ゴ Pro W3"/>
-              </a:rPr>
-              <a:t>˲ Running an iteration (or sprint).</a:t>
-            </a:r>
-          </a:p>
-          <a:p>
-            <a:r>
-              <a:rPr lang="en-US" sz="1200" baseline="30000" dirty="0">
-                <a:latin typeface="ヒラギノ角ゴ Pro W3"/>
-                <a:ea typeface="ヒラギノ角ゴ Pro W3"/>
-                <a:cs typeface="ヒラギノ角ゴ Pro W3"/>
-              </a:rPr>
-              <a:t>˲ Running the entire development from idea to product.</a:t>
-            </a:r>
-          </a:p>
-          <a:p>
-            <a:r>
-              <a:rPr lang="en-US" sz="1200" baseline="30000" dirty="0">
-                <a:latin typeface="ヒラギノ角ゴ Pro W3"/>
-                <a:ea typeface="ヒラギノ角ゴ Pro W3"/>
-                <a:cs typeface="ヒラギノ角ゴ Pro W3"/>
-              </a:rPr>
-              <a:t>˲ Scaling to large organizations and complex software-development en- </a:t>
-            </a:r>
-            <a:r>
-              <a:rPr lang="en-US" sz="1200" baseline="30000" dirty="0" err="1">
-                <a:latin typeface="ヒラギノ角ゴ Pro W3"/>
-                <a:ea typeface="ヒラギノ角ゴ Pro W3"/>
-                <a:cs typeface="ヒラギノ角ゴ Pro W3"/>
-              </a:rPr>
-              <a:t>deavors</a:t>
-            </a:r>
-            <a:r>
-              <a:rPr lang="en-US" sz="1200" baseline="30000" dirty="0">
+              <a:rPr lang="ja-JP" altLang="en-US" sz="900" dirty="0">
+                <a:latin typeface="ヒラギノ角ゴ Pro W3"/>
+                <a:ea typeface="ヒラギノ角ゴ Pro W3"/>
+                <a:cs typeface="ヒラギノ角ゴ Pro W3"/>
+              </a:rPr>
+              <a:t>できる。チームはまた、カードを参照することで改善すべき領域を議論できる。このように、カーネルはチームがすべき事柄の長大な記述というよりも、チームが日々行っている事柄の根幹を形成する。</a:t>
+            </a:r>
+          </a:p>
+          <a:p>
+            <a:endParaRPr lang="ja-JP" altLang="en-US" sz="1050" b="1" dirty="0">
+              <a:latin typeface="ヒラギノ角ゴ Pro W3"/>
+              <a:ea typeface="ヒラギノ角ゴ Pro W3"/>
+              <a:cs typeface="ヒラギノ角ゴ Pro W3"/>
+            </a:endParaRPr>
+          </a:p>
+          <a:p>
+            <a:r>
+              <a:rPr lang="ja-JP" altLang="en-US" sz="1050" b="1" dirty="0">
+                <a:latin typeface="ヒラギノ角ゴ Pro W3"/>
+                <a:ea typeface="ヒラギノ角ゴ Pro W3"/>
+                <a:cs typeface="ヒラギノ角ゴ Pro W3"/>
+              </a:rPr>
+              <a:t>カーネルの利用</a:t>
+            </a:r>
+          </a:p>
+          <a:p>
+            <a:r>
+              <a:rPr lang="ja-JP" altLang="en-US" sz="900" dirty="0">
+                <a:latin typeface="ヒラギノ角ゴ Pro W3"/>
+                <a:ea typeface="ヒラギノ角ゴ Pro W3"/>
+                <a:cs typeface="ヒラギノ角ゴ Pro W3"/>
+              </a:rPr>
+              <a:t>カーネルは、ソフトウェアプロフェッショナルの日々の活動の中で様々に用いられる。例えば以下が</a:t>
+            </a:r>
+            <a:r>
+              <a:rPr lang="ja-JP" altLang="en-US" sz="900" dirty="0" smtClean="0">
+                <a:latin typeface="ヒラギノ角ゴ Pro W3"/>
+                <a:ea typeface="ヒラギノ角ゴ Pro W3"/>
+                <a:cs typeface="ヒラギノ角ゴ Pro W3"/>
+              </a:rPr>
+              <a:t>挙げられる</a:t>
+            </a:r>
+            <a:r>
+              <a:rPr lang="ja-JP" altLang="en-US" sz="900" dirty="0" smtClean="0">
+                <a:latin typeface="ヒラギノ角ゴ Pro W3"/>
+                <a:ea typeface="ヒラギノ角ゴ Pro W3"/>
+                <a:cs typeface="ヒラギノ角ゴ Pro W3"/>
+              </a:rPr>
+              <a:t>。</a:t>
+            </a:r>
+            <a:endParaRPr lang="en-US" altLang="ja-JP" sz="900" dirty="0" smtClean="0">
+              <a:latin typeface="ヒラギノ角ゴ Pro W3"/>
+              <a:ea typeface="ヒラギノ角ゴ Pro W3"/>
+              <a:cs typeface="ヒラギノ角ゴ Pro W3"/>
+            </a:endParaRPr>
+          </a:p>
+          <a:p>
+            <a:r>
+              <a:rPr lang="en-US" sz="900" dirty="0" smtClean="0">
+                <a:latin typeface="ヒラギノ角ゴ Pro W3"/>
+                <a:ea typeface="ヒラギノ角ゴ Pro W3"/>
+                <a:cs typeface="ヒラギノ角ゴ Pro W3"/>
+              </a:rPr>
+              <a:t>˲ </a:t>
+            </a:r>
+            <a:r>
+              <a:rPr lang="ja-JP" altLang="en-US" sz="900" dirty="0">
+                <a:latin typeface="ヒラギノ角ゴ Pro W3"/>
+                <a:ea typeface="ヒラギノ角ゴ Pro W3"/>
+                <a:cs typeface="ヒラギノ角ゴ Pro W3"/>
+              </a:rPr>
+              <a:t>イテレーション（またはスプリント）の実行において</a:t>
+            </a:r>
+            <a:r>
+              <a:rPr lang="ja-JP" altLang="en-US" sz="900" dirty="0" smtClean="0">
+                <a:latin typeface="ヒラギノ角ゴ Pro W3"/>
+                <a:ea typeface="ヒラギノ角ゴ Pro W3"/>
+                <a:cs typeface="ヒラギノ角ゴ Pro W3"/>
+              </a:rPr>
+              <a:t>。</a:t>
+            </a:r>
+            <a:r>
+              <a:rPr lang="en-US" altLang="ja-JP" sz="900" dirty="0" smtClean="0">
+                <a:latin typeface="ヒラギノ角ゴ Pro W3"/>
+                <a:ea typeface="ヒラギノ角ゴ Pro W3"/>
+                <a:cs typeface="ヒラギノ角ゴ Pro W3"/>
+              </a:rPr>
+              <a:t/>
+            </a:r>
+            <a:br>
+              <a:rPr lang="en-US" altLang="ja-JP" sz="900" dirty="0" smtClean="0">
+                <a:latin typeface="ヒラギノ角ゴ Pro W3"/>
+                <a:ea typeface="ヒラギノ角ゴ Pro W3"/>
+                <a:cs typeface="ヒラギノ角ゴ Pro W3"/>
+              </a:rPr>
+            </a:br>
+            <a:r>
+              <a:rPr lang="en-US" sz="900" dirty="0" smtClean="0">
+                <a:latin typeface="ヒラギノ角ゴ Pro W3"/>
+                <a:ea typeface="ヒラギノ角ゴ Pro W3"/>
+                <a:cs typeface="ヒラギノ角ゴ Pro W3"/>
+              </a:rPr>
+              <a:t>˲ </a:t>
+            </a:r>
+            <a:r>
+              <a:rPr lang="ja-JP" altLang="en-US" sz="900" dirty="0">
+                <a:latin typeface="ヒラギノ角ゴ Pro W3"/>
+                <a:ea typeface="ヒラギノ角ゴ Pro W3"/>
+                <a:cs typeface="ヒラギノ角ゴ Pro W3"/>
+              </a:rPr>
+              <a:t>アイディアから製品までの開発全体の実行において。</a:t>
+            </a:r>
+            <a:r>
+              <a:rPr lang="en-US" sz="900" dirty="0" smtClean="0">
                 <a:latin typeface="ヒラギノ角ゴ Pro W3"/>
                 <a:ea typeface="ヒラギノ角ゴ Pro W3"/>
                 <a:cs typeface="ヒラギノ角ゴ Pro W3"/>
               </a:rPr>
               <a:t>.</a:t>
             </a:r>
-          </a:p>
-          <a:p>
-            <a:r>
-              <a:rPr lang="en-US" sz="1200" baseline="30000" dirty="0">
-                <a:latin typeface="ヒラギノ角ゴ Pro W3"/>
-                <a:ea typeface="ヒラギノ角ゴ Pro W3"/>
-                <a:cs typeface="ヒラギノ角ゴ Pro W3"/>
-              </a:rPr>
-              <a:t>The first application, planning an iteration, is used here as an example of what a team can do with the kernel. The others are covered fully in The </a:t>
-            </a:r>
-            <a:r>
-              <a:rPr lang="en-US" sz="1200" baseline="30000" dirty="0" err="1">
-                <a:latin typeface="ヒラギノ角ゴ Pro W3"/>
-                <a:ea typeface="ヒラギノ角ゴ Pro W3"/>
-                <a:cs typeface="ヒラギノ角ゴ Pro W3"/>
-              </a:rPr>
-              <a:t>Es</a:t>
-            </a:r>
-            <a:r>
-              <a:rPr lang="en-US" sz="1200" baseline="30000" dirty="0">
-                <a:latin typeface="ヒラギノ角ゴ Pro W3"/>
-                <a:ea typeface="ヒラギノ角ゴ Pro W3"/>
-                <a:cs typeface="ヒラギノ角ゴ Pro W3"/>
-              </a:rPr>
-              <a:t>- </a:t>
-            </a:r>
-            <a:r>
-              <a:rPr lang="en-US" sz="1200" baseline="30000" dirty="0" err="1">
-                <a:latin typeface="ヒラギノ角ゴ Pro W3"/>
-                <a:ea typeface="ヒラギノ角ゴ Pro W3"/>
-                <a:cs typeface="ヒラギノ角ゴ Pro W3"/>
-              </a:rPr>
-              <a:t>sence</a:t>
-            </a:r>
-            <a:r>
-              <a:rPr lang="en-US" sz="1200" baseline="30000" dirty="0">
-                <a:latin typeface="ヒラギノ角ゴ Pro W3"/>
-                <a:ea typeface="ヒラギノ角ゴ Pro W3"/>
-                <a:cs typeface="ヒラギノ角ゴ Pro W3"/>
-              </a:rPr>
-              <a:t> of Software Engineering—Applying the SEMAT Kernel.6</a:t>
-            </a:r>
-          </a:p>
-          <a:p>
-            <a:r>
-              <a:rPr lang="en-US" sz="1200" baseline="30000" dirty="0">
-                <a:latin typeface="ヒラギノ角ゴ Pro W3"/>
-                <a:ea typeface="ヒラギノ角ゴ Pro W3"/>
-                <a:cs typeface="ヒラギノ角ゴ Pro W3"/>
-              </a:rPr>
-              <a:t>The example presented here as- </a:t>
-            </a:r>
-            <a:r>
-              <a:rPr lang="en-US" sz="1200" baseline="30000" dirty="0" err="1">
-                <a:latin typeface="ヒラギノ角ゴ Pro W3"/>
-                <a:ea typeface="ヒラギノ角ゴ Pro W3"/>
-                <a:cs typeface="ヒラギノ角ゴ Pro W3"/>
-              </a:rPr>
-              <a:t>sumes</a:t>
-            </a:r>
-            <a:r>
-              <a:rPr lang="en-US" sz="1200" baseline="30000" dirty="0">
-                <a:latin typeface="ヒラギノ角ゴ Pro W3"/>
-                <a:ea typeface="ヒラギノ角ゴ Pro W3"/>
-                <a:cs typeface="ヒラギノ角ゴ Pro W3"/>
-              </a:rPr>
-              <a:t> that a company has very little</a:t>
-            </a:r>
+            <a:endParaRPr lang="en-US" sz="900" dirty="0">
+              <a:latin typeface="ヒラギノ角ゴ Pro W3"/>
+              <a:ea typeface="ヒラギノ角ゴ Pro W3"/>
+              <a:cs typeface="ヒラギノ角ゴ Pro W3"/>
+            </a:endParaRPr>
+          </a:p>
+          <a:p>
+            <a:r>
+              <a:rPr lang="en-US" sz="900" dirty="0">
+                <a:latin typeface="ヒラギノ角ゴ Pro W3"/>
+                <a:ea typeface="ヒラギノ角ゴ Pro W3"/>
+                <a:cs typeface="ヒラギノ角ゴ Pro W3"/>
+              </a:rPr>
+              <a:t>˲ </a:t>
+            </a:r>
+            <a:r>
+              <a:rPr lang="ja-JP" altLang="en-US" sz="900" dirty="0">
+                <a:latin typeface="ヒラギノ角ゴ Pro W3"/>
+                <a:ea typeface="ヒラギノ角ゴ Pro W3"/>
+                <a:cs typeface="ヒラギノ角ゴ Pro W3"/>
+              </a:rPr>
+              <a:t>大きな組織や複雑なソフトウェア開発への取り組みへの拡大において</a:t>
+            </a:r>
+            <a:r>
+              <a:rPr lang="ja-JP" altLang="en-US" sz="900" dirty="0" smtClean="0">
+                <a:latin typeface="ヒラギノ角ゴ Pro W3"/>
+                <a:ea typeface="ヒラギノ角ゴ Pro W3"/>
+                <a:cs typeface="ヒラギノ角ゴ Pro W3"/>
+              </a:rPr>
+              <a:t>。</a:t>
+            </a:r>
+            <a:endParaRPr lang="en-US" altLang="ja-JP" sz="900" dirty="0" smtClean="0">
+              <a:latin typeface="ヒラギノ角ゴ Pro W3"/>
+              <a:ea typeface="ヒラギノ角ゴ Pro W3"/>
+              <a:cs typeface="ヒラギノ角ゴ Pro W3"/>
+            </a:endParaRPr>
+          </a:p>
+          <a:p>
+            <a:endParaRPr lang="en-US" sz="900" dirty="0">
+              <a:latin typeface="ヒラギノ角ゴ Pro W3"/>
+              <a:ea typeface="ヒラギノ角ゴ Pro W3"/>
+              <a:cs typeface="ヒラギノ角ゴ Pro W3"/>
+            </a:endParaRPr>
+          </a:p>
+          <a:p>
+            <a:r>
+              <a:rPr lang="ja-JP" altLang="en-US" sz="900" dirty="0">
+                <a:latin typeface="ヒラギノ角ゴ Pro W3"/>
+                <a:ea typeface="ヒラギノ角ゴ Pro W3"/>
+                <a:cs typeface="ヒラギノ角ゴ Pro W3"/>
+              </a:rPr>
+              <a:t>カーネルは最初に、イテレーションの計画において適用できる。この適用を、チームがカーネルを用いてできることの例として説明する。他の適用は、十分に書籍</a:t>
+            </a:r>
+            <a:r>
+              <a:rPr lang="en-US" altLang="ja-JP" sz="900" dirty="0">
+                <a:latin typeface="ヒラギノ角ゴ Pro W3"/>
+                <a:ea typeface="ヒラギノ角ゴ Pro W3"/>
+                <a:cs typeface="ヒラギノ角ゴ Pro W3"/>
+              </a:rPr>
+              <a:t>『The</a:t>
+            </a:r>
+          </a:p>
+          <a:p>
+            <a:r>
+              <a:rPr lang="en-US" altLang="ja-JP" sz="900" dirty="0">
+                <a:latin typeface="ヒラギノ角ゴ Pro W3"/>
+                <a:ea typeface="ヒラギノ角ゴ Pro W3"/>
+                <a:cs typeface="ヒラギノ角ゴ Pro W3"/>
+              </a:rPr>
+              <a:t>Essence of </a:t>
+            </a:r>
+            <a:r>
+              <a:rPr lang="en-US" altLang="ja-JP" sz="900" dirty="0" smtClean="0">
+                <a:latin typeface="ヒラギノ角ゴ Pro W3"/>
+                <a:ea typeface="ヒラギノ角ゴ Pro W3"/>
+                <a:cs typeface="ヒラギノ角ゴ Pro W3"/>
+              </a:rPr>
+              <a:t>Software Engineering </a:t>
+            </a:r>
+            <a:r>
+              <a:rPr lang="en-US" altLang="ja-JP" sz="900" dirty="0">
+                <a:latin typeface="ヒラギノ角ゴ Pro W3"/>
+                <a:ea typeface="ヒラギノ角ゴ Pro W3"/>
+                <a:cs typeface="ヒラギノ角ゴ Pro W3"/>
+              </a:rPr>
+              <a:t>- Applying the </a:t>
+            </a:r>
+            <a:r>
+              <a:rPr lang="en-US" altLang="ja-JP" sz="900" dirty="0" smtClean="0">
+                <a:latin typeface="ヒラギノ角ゴ Pro W3"/>
+                <a:ea typeface="ヒラギノ角ゴ Pro W3"/>
+                <a:cs typeface="ヒラギノ角ゴ Pro W3"/>
+              </a:rPr>
+              <a:t>SEMAT Kernel</a:t>
+            </a:r>
+            <a:r>
+              <a:rPr lang="en-US" altLang="ja-JP" sz="900" dirty="0">
+                <a:latin typeface="ヒラギノ角ゴ Pro W3"/>
+                <a:ea typeface="ヒラギノ角ゴ Pro W3"/>
+                <a:cs typeface="ヒラギノ角ゴ Pro W3"/>
+              </a:rPr>
+              <a:t>』[6]</a:t>
+            </a:r>
+            <a:r>
+              <a:rPr lang="ja-JP" altLang="en-US" sz="900" dirty="0">
+                <a:latin typeface="ヒラギノ角ゴ Pro W3"/>
+                <a:ea typeface="ヒラギノ角ゴ Pro W3"/>
+                <a:cs typeface="ヒラギノ角ゴ Pro W3"/>
+              </a:rPr>
+              <a:t>でカバーされている。</a:t>
+            </a:r>
+            <a:endParaRPr lang="en-US" sz="900" dirty="0">
+              <a:latin typeface="ヒラギノ角ゴ Pro W3"/>
+              <a:ea typeface="ヒラギノ角ゴ Pro W3"/>
+              <a:cs typeface="ヒラギノ角ゴ Pro W3"/>
+            </a:endParaRPr>
           </a:p>
         </p:txBody>
       </p:sp>
@@ -6341,8 +7820,8 @@
         </p:nvSpPr>
         <p:spPr>
           <a:xfrm>
-            <a:off x="2453296" y="717082"/>
-            <a:ext cx="2038014" cy="4031874"/>
+            <a:off x="2364396" y="691682"/>
+            <a:ext cx="2135076" cy="4108817"/>
           </a:xfrm>
           <a:prstGeom prst="rect">
             <a:avLst/>
@@ -6356,87 +7835,89 @@
           <a:lstStyle/>
           <a:p>
             <a:r>
-              <a:rPr lang="en-US" sz="1200" baseline="30000" dirty="0">
-                <a:latin typeface="ヒラギノ角ゴ Pro W3"/>
-                <a:ea typeface="ヒラギノ角ゴ Pro W3"/>
-                <a:cs typeface="ヒラギノ角ゴ Pro W3"/>
-              </a:rPr>
-              <a:t>in the way of formal processes. In the past it has relied on having skilled and creative individuals on experienced teams, but the company is now grow- </a:t>
-            </a:r>
-            <a:r>
-              <a:rPr lang="en-US" sz="1200" baseline="30000" dirty="0" err="1">
-                <a:latin typeface="ヒラギノ角ゴ Pro W3"/>
-                <a:ea typeface="ヒラギノ角ゴ Pro W3"/>
-                <a:cs typeface="ヒラギノ角ゴ Pro W3"/>
-              </a:rPr>
-              <a:t>ing</a:t>
-            </a:r>
-            <a:r>
-              <a:rPr lang="en-US" sz="1200" baseline="30000" dirty="0">
-                <a:latin typeface="ヒラギノ角ゴ Pro W3"/>
-                <a:ea typeface="ヒラギノ角ゴ Pro W3"/>
-                <a:cs typeface="ヒラギノ角ゴ Pro W3"/>
-              </a:rPr>
-              <a:t> and has many new hires. These new employees, mostly fresh out of university, have good technical skills— for example, in programming </a:t>
-            </a:r>
-            <a:r>
-              <a:rPr lang="en-US" sz="1200" baseline="30000" dirty="0" err="1">
-                <a:latin typeface="ヒラギノ角ゴ Pro W3"/>
-                <a:ea typeface="ヒラギノ角ゴ Pro W3"/>
-                <a:cs typeface="ヒラギノ角ゴ Pro W3"/>
-              </a:rPr>
-              <a:t>lan</a:t>
-            </a:r>
-            <a:r>
-              <a:rPr lang="en-US" sz="1200" baseline="30000" dirty="0">
-                <a:latin typeface="ヒラギノ角ゴ Pro W3"/>
-                <a:ea typeface="ヒラギノ角ゴ Pro W3"/>
-                <a:cs typeface="ヒラギノ角ゴ Pro W3"/>
-              </a:rPr>
-              <a:t>- </a:t>
-            </a:r>
-            <a:r>
-              <a:rPr lang="en-US" sz="1200" baseline="30000" dirty="0" err="1">
-                <a:latin typeface="ヒラギノ角ゴ Pro W3"/>
-                <a:ea typeface="ヒラギノ角ゴ Pro W3"/>
-                <a:cs typeface="ヒラギノ角ゴ Pro W3"/>
-              </a:rPr>
-              <a:t>guages</a:t>
-            </a:r>
-            <a:r>
-              <a:rPr lang="en-US" sz="1200" baseline="30000" dirty="0">
-                <a:latin typeface="ヒラギノ角ゴ Pro W3"/>
-                <a:ea typeface="ヒラギノ角ゴ Pro W3"/>
-                <a:cs typeface="ヒラギノ角ゴ Pro W3"/>
-              </a:rPr>
-              <a:t>—but are less equipped in other aspects of software development, such as working with stakeholders to gain agreement on requirements.</a:t>
-            </a:r>
-          </a:p>
-          <a:p>
-            <a:r>
-              <a:rPr lang="en-US" sz="1200" baseline="30000" dirty="0">
-                <a:latin typeface="ヒラギノ角ゴ Pro W3"/>
-                <a:ea typeface="ヒラギノ角ゴ Pro W3"/>
-                <a:cs typeface="ヒラギノ角ゴ Pro W3"/>
-              </a:rPr>
-              <a:t>This company has a development team that is responsible for making a mobile social-network application that lets users share and browse ideas, pho- </a:t>
-            </a:r>
-            <a:r>
-              <a:rPr lang="en-US" sz="1200" baseline="30000" dirty="0" err="1">
-                <a:latin typeface="ヒラギノ角ゴ Pro W3"/>
-                <a:ea typeface="ヒラギノ角ゴ Pro W3"/>
-                <a:cs typeface="ヒラギノ角ゴ Pro W3"/>
-              </a:rPr>
-              <a:t>tos</a:t>
-            </a:r>
-            <a:r>
-              <a:rPr lang="en-US" sz="1200" baseline="30000" dirty="0">
-                <a:latin typeface="ヒラギノ角ゴ Pro W3"/>
-                <a:ea typeface="ヒラギノ角ゴ Pro W3"/>
-                <a:cs typeface="ヒラギノ角ゴ Pro W3"/>
-              </a:rPr>
-              <a:t>, and comments. The team began with only two developers, Smith (the team leader) and Tom, both of whom are familiar with the kernel. They are later joined by two more developers, Dick and Harriet, who are new to the job and have no previous knowledge of the kernel. Success to team leader Smith means more than functionality, schedule, and quality. This team ran development iteratively. You can think of planning an iteration as follows:</a:t>
-            </a:r>
+              <a:rPr lang="ja-JP" altLang="en-US" sz="900" dirty="0">
+                <a:latin typeface="ヒラギノ角ゴ Pro W3"/>
+                <a:ea typeface="ヒラギノ角ゴ Pro W3"/>
+                <a:cs typeface="ヒラギノ角ゴ Pro W3"/>
+              </a:rPr>
+              <a:t>この例ではある企業が、形式化されたプロセスをほとんど持ち合わせていない状況を想定する。これまで同企業は、経験豊かなチームにおけるスキルを持ち創造的な個々人に頼ってきたが、現在、大きくなり新たな従業員を多くを雇いつつある。新たな従業員のほとんどは、大卒の新人であり、プログラミング言語などの技術的によいスキルを持つが、ステークホルダと協働して要求について同意を取り付けるといったソフトウェア開発上の様々な側面に不慣れである</a:t>
+            </a:r>
+            <a:r>
+              <a:rPr lang="ja-JP" altLang="en-US" sz="900" dirty="0" smtClean="0">
+                <a:latin typeface="ヒラギノ角ゴ Pro W3"/>
+                <a:ea typeface="ヒラギノ角ゴ Pro W3"/>
+                <a:cs typeface="ヒラギノ角ゴ Pro W3"/>
+              </a:rPr>
+              <a:t>。</a:t>
+            </a:r>
+            <a:endParaRPr lang="en-US" altLang="ja-JP" sz="900" dirty="0" smtClean="0">
+              <a:latin typeface="ヒラギノ角ゴ Pro W3"/>
+              <a:ea typeface="ヒラギノ角ゴ Pro W3"/>
+              <a:cs typeface="ヒラギノ角ゴ Pro W3"/>
+            </a:endParaRPr>
+          </a:p>
+          <a:p>
+            <a:r>
+              <a:rPr lang="ja-JP" altLang="en-US" sz="900" dirty="0">
+                <a:latin typeface="ヒラギノ角ゴ Pro W3"/>
+                <a:ea typeface="ヒラギノ角ゴ Pro W3"/>
+                <a:cs typeface="ヒラギノ角ゴ Pro W3"/>
+              </a:rPr>
+              <a:t>同企業には、アイディアや写真、コメントをユーザが共有し閲覧できるモバイルソーシャルネットワークアプリケーションを開発するためのチームがある。チームは当初、カーネルに詳しいスミス（チームリーダ）とトムによって立ち上がった。その後、その仕事について初めてで、カーネルを知らないディックとハリエットという</a:t>
+            </a:r>
+            <a:r>
+              <a:rPr lang="en-US" altLang="ja-JP" sz="900" dirty="0">
+                <a:latin typeface="ヒラギノ角ゴ Pro W3"/>
+                <a:ea typeface="ヒラギノ角ゴ Pro W3"/>
+                <a:cs typeface="ヒラギノ角ゴ Pro W3"/>
+              </a:rPr>
+              <a:t>2</a:t>
+            </a:r>
+            <a:r>
+              <a:rPr lang="ja-JP" altLang="en-US" sz="900" dirty="0">
+                <a:latin typeface="ヒラギノ角ゴ Pro W3"/>
+                <a:ea typeface="ヒラギノ角ゴ Pro W3"/>
+                <a:cs typeface="ヒラギノ角ゴ Pro W3"/>
+              </a:rPr>
+              <a:t>名の開発者がチームに加わった。チームリーダのスミスにとって</a:t>
+            </a:r>
+            <a:r>
+              <a:rPr lang="en-US" altLang="ja-JP" sz="900" dirty="0">
+                <a:latin typeface="ヒラギノ角ゴ Pro W3"/>
+                <a:ea typeface="ヒラギノ角ゴ Pro W3"/>
+                <a:cs typeface="ヒラギノ角ゴ Pro W3"/>
+              </a:rPr>
+              <a:t>"</a:t>
+            </a:r>
+            <a:r>
+              <a:rPr lang="ja-JP" altLang="en-US" sz="900" dirty="0">
+                <a:latin typeface="ヒラギノ角ゴ Pro W3"/>
+                <a:ea typeface="ヒラギノ角ゴ Pro W3"/>
+                <a:cs typeface="ヒラギノ角ゴ Pro W3"/>
+              </a:rPr>
+              <a:t>成功</a:t>
+            </a:r>
+            <a:r>
+              <a:rPr lang="en-US" altLang="ja-JP" sz="900" dirty="0">
+                <a:latin typeface="ヒラギノ角ゴ Pro W3"/>
+                <a:ea typeface="ヒラギノ角ゴ Pro W3"/>
+                <a:cs typeface="ヒラギノ角ゴ Pro W3"/>
+              </a:rPr>
+              <a:t>"</a:t>
+            </a:r>
+            <a:r>
+              <a:rPr lang="ja-JP" altLang="en-US" sz="900" dirty="0">
+                <a:latin typeface="ヒラギノ角ゴ Pro W3"/>
+                <a:ea typeface="ヒラギノ角ゴ Pro W3"/>
+                <a:cs typeface="ヒラギノ角ゴ Pro W3"/>
+              </a:rPr>
+              <a:t>とは、機能やスケジュール、品質以上のものを意味する。同チームは開発をイテラティブ（漸増的）に進めた。ここで、イテレーションの計画を以下のように考えることができる。</a:t>
+            </a:r>
+            <a:endParaRPr lang="en-US" sz="900" dirty="0">
+              <a:latin typeface="ヒラギノ角ゴ Pro W3"/>
+              <a:ea typeface="ヒラギノ角ゴ Pro W3"/>
+              <a:cs typeface="ヒラギノ角ゴ Pro W3"/>
+            </a:endParaRPr>
           </a:p>
         </p:txBody>
       </p:sp>
@@ -6448,8 +7929,8 @@
         </p:nvSpPr>
         <p:spPr>
           <a:xfrm>
-            <a:off x="4697511" y="693138"/>
-            <a:ext cx="1929481" cy="4278096"/>
+            <a:off x="4651873" y="693138"/>
+            <a:ext cx="2038620" cy="4201150"/>
           </a:xfrm>
           <a:prstGeom prst="rect">
             <a:avLst/>
@@ -6463,93 +7944,278 @@
           <a:lstStyle/>
           <a:p>
             <a:r>
-              <a:rPr lang="en-US" sz="1200" baseline="30000" dirty="0">
-                <a:latin typeface="ヒラギノ角ゴ Pro W3"/>
-                <a:ea typeface="ヒラギノ角ゴ Pro W3"/>
-                <a:cs typeface="ヒラギノ角ゴ Pro W3"/>
-              </a:rPr>
-              <a:t>1. Determine where you are: Work out the current state of the endeavor.</a:t>
-            </a:r>
-          </a:p>
-          <a:p>
-            <a:r>
-              <a:rPr lang="en-US" sz="1200" baseline="30000" dirty="0">
-                <a:latin typeface="ヒラギノ角ゴ Pro W3"/>
-                <a:ea typeface="ヒラギノ角ゴ Pro W3"/>
-                <a:cs typeface="ヒラギノ角ゴ Pro W3"/>
-              </a:rPr>
-              <a:t>2. Determine where to go: Decide what to emphasize next and what the objectives of the next iteration will be.</a:t>
-            </a:r>
-          </a:p>
-          <a:p>
-            <a:r>
-              <a:rPr lang="en-US" sz="1200" baseline="30000" dirty="0">
-                <a:latin typeface="ヒラギノ角ゴ Pro W3"/>
-                <a:ea typeface="ヒラギノ角ゴ Pro W3"/>
-                <a:cs typeface="ヒラギノ角ゴ Pro W3"/>
-              </a:rPr>
-              <a:t>3. Determine how to get there: Agree on the tasks the team needs to do to achieve the objectives.</a:t>
-            </a:r>
-          </a:p>
-          <a:p>
-            <a:r>
-              <a:rPr lang="en-US" sz="1200" baseline="30000" dirty="0">
-                <a:latin typeface="ヒラギノ角ゴ Pro W3"/>
-                <a:ea typeface="ヒラギノ角ゴ Pro W3"/>
-                <a:cs typeface="ヒラギノ角ゴ Pro W3"/>
-              </a:rPr>
-              <a:t>Determine Where the team</a:t>
-            </a:r>
-          </a:p>
-          <a:p>
-            <a:r>
-              <a:rPr lang="en-US" sz="1200" baseline="30000" dirty="0">
-                <a:latin typeface="ヒラギノ角ゴ Pro W3"/>
-                <a:ea typeface="ヒラギノ角ゴ Pro W3"/>
-                <a:cs typeface="ヒラギノ角ゴ Pro W3"/>
-              </a:rPr>
-              <a:t>is using the Kernel</a:t>
-            </a:r>
-          </a:p>
-          <a:p>
-            <a:r>
-              <a:rPr lang="en-US" sz="1200" baseline="30000" dirty="0">
-                <a:latin typeface="ヒラギノ角ゴ Pro W3"/>
-                <a:ea typeface="ヒラギノ角ゴ Pro W3"/>
-                <a:cs typeface="ヒラギノ角ゴ Pro W3"/>
-              </a:rPr>
-              <a:t>Let’s assume that Smith and his team are six weeks into development. They have provided an early demonstration of the system to their stakeholders, who are pleased and provide valuable feedback. The system is not yet usable by end users, however. You can use the kernel to do this in a number of ways. If you are using alpha state cards, then you can do a walk-through as follows:</a:t>
-            </a:r>
-          </a:p>
-          <a:p>
-            <a:r>
-              <a:rPr lang="en-US" sz="1200" baseline="30000" dirty="0">
-                <a:latin typeface="ヒラギノ角ゴ Pro W3"/>
-                <a:ea typeface="ヒラギノ角ゴ Pro W3"/>
-                <a:cs typeface="ヒラギノ角ゴ Pro W3"/>
-              </a:rPr>
-              <a:t>1. Lay out the cards for each alpha in a row on a table with the first state on the left and the final state on the right.</a:t>
-            </a:r>
-          </a:p>
-          <a:p>
-            <a:r>
-              <a:rPr lang="en-US" sz="1200" baseline="30000" dirty="0">
-                <a:latin typeface="ヒラギノ角ゴ Pro W3"/>
-                <a:ea typeface="ヒラギノ角ゴ Pro W3"/>
-                <a:cs typeface="ヒラギノ角ゴ Pro W3"/>
-              </a:rPr>
-              <a:t>2. Walk through each state and ask your team if you have achieved that state.</a:t>
-            </a:r>
-          </a:p>
-          <a:p>
-            <a:r>
-              <a:rPr lang="en-US" sz="1200" baseline="30000" dirty="0">
-                <a:latin typeface="ヒラギノ角ゴ Pro W3"/>
-                <a:ea typeface="ヒラギノ角ゴ Pro W3"/>
-                <a:cs typeface="ヒラギノ角ゴ Pro W3"/>
-              </a:rPr>
-              <a:t>3. If the state is achieved, move that</a:t>
-            </a:r>
+              <a:rPr lang="en-US" altLang="ja-JP" sz="900" dirty="0">
+                <a:latin typeface="ヒラギノ角ゴ Pro W3"/>
+                <a:ea typeface="ヒラギノ角ゴ Pro W3"/>
+                <a:cs typeface="ヒラギノ角ゴ Pro W3"/>
+              </a:rPr>
+              <a:t>1. </a:t>
+            </a:r>
+            <a:r>
+              <a:rPr lang="ja-JP" altLang="en-US" sz="900" dirty="0">
+                <a:latin typeface="ヒラギノ角ゴ Pro W3"/>
+                <a:ea typeface="ヒラギノ角ゴ Pro W3"/>
+                <a:cs typeface="ヒラギノ角ゴ Pro W3"/>
+              </a:rPr>
+              <a:t>現在地の特定</a:t>
+            </a:r>
+            <a:r>
+              <a:rPr lang="en-US" altLang="ja-JP" sz="900" dirty="0">
+                <a:latin typeface="ヒラギノ角ゴ Pro W3"/>
+                <a:ea typeface="ヒラギノ角ゴ Pro W3"/>
+                <a:cs typeface="ヒラギノ角ゴ Pro W3"/>
+              </a:rPr>
+              <a:t>: </a:t>
+            </a:r>
+            <a:r>
+              <a:rPr lang="ja-JP" altLang="en-US" sz="900" dirty="0">
+                <a:latin typeface="ヒラギノ角ゴ Pro W3"/>
+                <a:ea typeface="ヒラギノ角ゴ Pro W3"/>
+                <a:cs typeface="ヒラギノ角ゴ Pro W3"/>
+              </a:rPr>
+              <a:t>取り組みの現状を分析する。</a:t>
+            </a:r>
+          </a:p>
+          <a:p>
+            <a:r>
+              <a:rPr lang="en-US" altLang="ja-JP" sz="900" dirty="0">
+                <a:latin typeface="ヒラギノ角ゴ Pro W3"/>
+                <a:ea typeface="ヒラギノ角ゴ Pro W3"/>
+                <a:cs typeface="ヒラギノ角ゴ Pro W3"/>
+              </a:rPr>
+              <a:t>2. </a:t>
+            </a:r>
+            <a:r>
+              <a:rPr lang="ja-JP" altLang="en-US" sz="900" dirty="0">
+                <a:latin typeface="ヒラギノ角ゴ Pro W3"/>
+                <a:ea typeface="ヒラギノ角ゴ Pro W3"/>
+                <a:cs typeface="ヒラギノ角ゴ Pro W3"/>
+              </a:rPr>
+              <a:t>行き先の決定</a:t>
+            </a:r>
+            <a:r>
+              <a:rPr lang="en-US" altLang="ja-JP" sz="900" dirty="0">
+                <a:latin typeface="ヒラギノ角ゴ Pro W3"/>
+                <a:ea typeface="ヒラギノ角ゴ Pro W3"/>
+                <a:cs typeface="ヒラギノ角ゴ Pro W3"/>
+              </a:rPr>
+              <a:t>: </a:t>
+            </a:r>
+            <a:r>
+              <a:rPr lang="ja-JP" altLang="en-US" sz="900" dirty="0">
+                <a:latin typeface="ヒラギノ角ゴ Pro W3"/>
+                <a:ea typeface="ヒラギノ角ゴ Pro W3"/>
+                <a:cs typeface="ヒラギノ角ゴ Pro W3"/>
+              </a:rPr>
+              <a:t>次のイテレーションにおいて重視する事柄と目標を決定する。</a:t>
+            </a:r>
+          </a:p>
+          <a:p>
+            <a:r>
+              <a:rPr lang="en-US" altLang="ja-JP" sz="900" dirty="0">
+                <a:latin typeface="ヒラギノ角ゴ Pro W3"/>
+                <a:ea typeface="ヒラギノ角ゴ Pro W3"/>
+                <a:cs typeface="ヒラギノ角ゴ Pro W3"/>
+              </a:rPr>
+              <a:t>3. </a:t>
+            </a:r>
+            <a:r>
+              <a:rPr lang="ja-JP" altLang="en-US" sz="900" dirty="0">
+                <a:latin typeface="ヒラギノ角ゴ Pro W3"/>
+                <a:ea typeface="ヒラギノ角ゴ Pro W3"/>
+                <a:cs typeface="ヒラギノ角ゴ Pro W3"/>
+              </a:rPr>
+              <a:t>行き方の決定</a:t>
+            </a:r>
+            <a:r>
+              <a:rPr lang="en-US" altLang="ja-JP" sz="900" dirty="0">
+                <a:latin typeface="ヒラギノ角ゴ Pro W3"/>
+                <a:ea typeface="ヒラギノ角ゴ Pro W3"/>
+                <a:cs typeface="ヒラギノ角ゴ Pro W3"/>
+              </a:rPr>
+              <a:t>: </a:t>
+            </a:r>
+            <a:r>
+              <a:rPr lang="ja-JP" altLang="en-US" sz="900" dirty="0">
+                <a:latin typeface="ヒラギノ角ゴ Pro W3"/>
+                <a:ea typeface="ヒラギノ角ゴ Pro W3"/>
+                <a:cs typeface="ヒラギノ角ゴ Pro W3"/>
+              </a:rPr>
+              <a:t>目標達成のためにチームがすべきタスクについて同意する</a:t>
+            </a:r>
+            <a:r>
+              <a:rPr lang="ja-JP" altLang="en-US" sz="900" dirty="0" smtClean="0">
+                <a:latin typeface="ヒラギノ角ゴ Pro W3"/>
+                <a:ea typeface="ヒラギノ角ゴ Pro W3"/>
+                <a:cs typeface="ヒラギノ角ゴ Pro W3"/>
+              </a:rPr>
+              <a:t>。</a:t>
+            </a:r>
+            <a:endParaRPr lang="en-US" altLang="ja-JP" sz="900" dirty="0" smtClean="0">
+              <a:latin typeface="ヒラギノ角ゴ Pro W3"/>
+              <a:ea typeface="ヒラギノ角ゴ Pro W3"/>
+              <a:cs typeface="ヒラギノ角ゴ Pro W3"/>
+            </a:endParaRPr>
+          </a:p>
+          <a:p>
+            <a:endParaRPr lang="en-US" sz="900" dirty="0">
+              <a:latin typeface="ヒラギノ角ゴ Pro W3"/>
+              <a:ea typeface="ヒラギノ角ゴ Pro W3"/>
+              <a:cs typeface="ヒラギノ角ゴ Pro W3"/>
+            </a:endParaRPr>
+          </a:p>
+          <a:p>
+            <a:r>
+              <a:rPr lang="ja-JP" altLang="en-US" sz="1200" b="1" dirty="0">
+                <a:latin typeface="ヒラギノ角ゴ Pro W3"/>
+                <a:ea typeface="ヒラギノ角ゴ Pro W3"/>
+                <a:cs typeface="ヒラギノ角ゴ Pro W3"/>
+              </a:rPr>
+              <a:t>カーネルによるチームの現在地の特定</a:t>
+            </a:r>
+            <a:endParaRPr lang="en-US" sz="1200" b="1" dirty="0">
+              <a:latin typeface="ヒラギノ角ゴ Pro W3"/>
+              <a:ea typeface="ヒラギノ角ゴ Pro W3"/>
+              <a:cs typeface="ヒラギノ角ゴ Pro W3"/>
+            </a:endParaRPr>
+          </a:p>
+          <a:p>
+            <a:r>
+              <a:rPr lang="ja-JP" altLang="en-US" sz="900" dirty="0">
+                <a:latin typeface="ヒラギノ角ゴ Pro W3"/>
+                <a:ea typeface="ヒラギノ角ゴ Pro W3"/>
+                <a:cs typeface="ヒラギノ角ゴ Pro W3"/>
+              </a:rPr>
+              <a:t>スミスや彼のチームが開発を始めて</a:t>
+            </a:r>
+            <a:r>
+              <a:rPr lang="en-US" altLang="ja-JP" sz="900" dirty="0">
+                <a:latin typeface="ヒラギノ角ゴ Pro W3"/>
+                <a:ea typeface="ヒラギノ角ゴ Pro W3"/>
+                <a:cs typeface="ヒラギノ角ゴ Pro W3"/>
+              </a:rPr>
+              <a:t>6</a:t>
+            </a:r>
+            <a:r>
+              <a:rPr lang="ja-JP" altLang="en-US" sz="900" dirty="0">
+                <a:latin typeface="ヒラギノ角ゴ Pro W3"/>
+                <a:ea typeface="ヒラギノ角ゴ Pro W3"/>
+                <a:cs typeface="ヒラギノ角ゴ Pro W3"/>
+              </a:rPr>
+              <a:t>週目であるとする。彼らは既にステークホルダに対して初期のシステムデモを示し、ステークホルダは喜んで価値あるフィードバックを与えてくれている。しかし、システムはまだユーザが使える状態にはない。ここで、カーネルを様々な方法で活用できる。もしアルファ状態のカードを用いている場合は、以下を一通り進められる</a:t>
+            </a:r>
+            <a:r>
+              <a:rPr lang="ja-JP" altLang="en-US" sz="900" dirty="0" smtClean="0">
+                <a:latin typeface="ヒラギノ角ゴ Pro W3"/>
+                <a:ea typeface="ヒラギノ角ゴ Pro W3"/>
+                <a:cs typeface="ヒラギノ角ゴ Pro W3"/>
+              </a:rPr>
+              <a:t>。</a:t>
+            </a:r>
+            <a:endParaRPr lang="en-US" altLang="ja-JP" sz="900" dirty="0" smtClean="0">
+              <a:latin typeface="ヒラギノ角ゴ Pro W3"/>
+              <a:ea typeface="ヒラギノ角ゴ Pro W3"/>
+              <a:cs typeface="ヒラギノ角ゴ Pro W3"/>
+            </a:endParaRPr>
+          </a:p>
+          <a:p>
+            <a:r>
+              <a:rPr lang="en-US" altLang="ja-JP" sz="900" dirty="0">
+                <a:latin typeface="ヒラギノ角ゴ Pro W3"/>
+                <a:ea typeface="ヒラギノ角ゴ Pro W3"/>
+                <a:cs typeface="ヒラギノ角ゴ Pro W3"/>
+              </a:rPr>
+              <a:t>1. </a:t>
+            </a:r>
+            <a:r>
+              <a:rPr lang="ja-JP" altLang="en-US" sz="900" dirty="0">
+                <a:latin typeface="ヒラギノ角ゴ Pro W3"/>
+                <a:ea typeface="ヒラギノ角ゴ Pro W3"/>
+                <a:cs typeface="ヒラギノ角ゴ Pro W3"/>
+              </a:rPr>
+              <a:t>各アルファのカードを、テーブル上で横一列に、左端に最初の状態、右端</a:t>
+            </a:r>
+            <a:r>
+              <a:rPr lang="ja-JP" altLang="en-US" sz="900" dirty="0" smtClean="0">
+                <a:latin typeface="ヒラギノ角ゴ Pro W3"/>
+                <a:ea typeface="ヒラギノ角ゴ Pro W3"/>
+                <a:cs typeface="ヒラギノ角ゴ Pro W3"/>
+              </a:rPr>
+              <a:t>が最終</a:t>
+            </a:r>
+            <a:r>
+              <a:rPr lang="ja-JP" altLang="en-US" sz="900" dirty="0">
+                <a:latin typeface="ヒラギノ角ゴ Pro W3"/>
+                <a:ea typeface="ヒラギノ角ゴ Pro W3"/>
+                <a:cs typeface="ヒラギノ角ゴ Pro W3"/>
+              </a:rPr>
+              <a:t>状態となるように並べる。</a:t>
+            </a:r>
+          </a:p>
+          <a:p>
+            <a:r>
+              <a:rPr lang="en-US" sz="900" dirty="0" smtClean="0">
+                <a:latin typeface="ヒラギノ角ゴ Pro W3"/>
+                <a:ea typeface="ヒラギノ角ゴ Pro W3"/>
+                <a:cs typeface="ヒラギノ角ゴ Pro W3"/>
+              </a:rPr>
+              <a:t>2</a:t>
+            </a:r>
+            <a:r>
+              <a:rPr lang="en-US" sz="900" dirty="0">
+                <a:latin typeface="ヒラギノ角ゴ Pro W3"/>
+                <a:ea typeface="ヒラギノ角ゴ Pro W3"/>
+                <a:cs typeface="ヒラギノ角ゴ Pro W3"/>
+              </a:rPr>
+              <a:t>. </a:t>
+            </a:r>
+            <a:r>
+              <a:rPr lang="ja-JP" altLang="en-US" sz="900" dirty="0">
+                <a:latin typeface="ヒラギノ角ゴ Pro W3"/>
+                <a:ea typeface="ヒラギノ角ゴ Pro W3"/>
+                <a:cs typeface="ヒラギノ角ゴ Pro W3"/>
+              </a:rPr>
+              <a:t>各状態を一通り読み進めて、チームにおいて当該状態に達しているかどうかを</a:t>
+            </a:r>
+            <a:r>
+              <a:rPr lang="ja-JP" altLang="en-US" sz="900" dirty="0" smtClean="0">
+                <a:latin typeface="ヒラギノ角ゴ Pro W3"/>
+                <a:ea typeface="ヒラギノ角ゴ Pro W3"/>
+                <a:cs typeface="ヒラギノ角ゴ Pro W3"/>
+              </a:rPr>
+              <a:t>問いかける。</a:t>
+            </a:r>
+          </a:p>
+          <a:p>
+            <a:r>
+              <a:rPr lang="en-US" sz="900" dirty="0" smtClean="0">
+                <a:latin typeface="ヒラギノ角ゴ Pro W3"/>
+                <a:ea typeface="ヒラギノ角ゴ Pro W3"/>
+                <a:cs typeface="ヒラギノ角ゴ Pro W3"/>
+              </a:rPr>
+              <a:t>3.</a:t>
+            </a:r>
+            <a:r>
+              <a:rPr lang="ja-JP" altLang="en-US" sz="900" dirty="0">
+                <a:latin typeface="ヒラギノ角ゴ Pro W3"/>
+                <a:ea typeface="ヒラギノ角ゴ Pro W3"/>
+                <a:cs typeface="ヒラギノ角ゴ Pro W3"/>
+              </a:rPr>
+              <a:t> もしある状態に達している場合は</a:t>
+            </a:r>
+            <a:r>
+              <a:rPr lang="ja-JP" altLang="en-US" sz="900" dirty="0" smtClean="0">
+                <a:latin typeface="ヒラギノ角ゴ Pro W3"/>
+                <a:ea typeface="ヒラギノ角ゴ Pro W3"/>
+                <a:cs typeface="ヒラギノ角ゴ Pro W3"/>
+              </a:rPr>
+              <a:t>、</a:t>
+            </a:r>
+            <a:endParaRPr lang="en-US" sz="900" dirty="0">
+              <a:latin typeface="ヒラギノ角ゴ Pro W3"/>
+              <a:ea typeface="ヒラギノ角ゴ Pro W3"/>
+              <a:cs typeface="ヒラギノ角ゴ Pro W3"/>
+            </a:endParaRPr>
           </a:p>
         </p:txBody>
       </p:sp>
@@ -6676,7 +8342,7 @@
         <p:spPr>
           <a:xfrm>
             <a:off x="280110" y="849481"/>
-            <a:ext cx="1998110" cy="8463854"/>
+            <a:ext cx="1998110" cy="8309963"/>
           </a:xfrm>
           <a:prstGeom prst="rect">
             <a:avLst/>
@@ -6690,259 +8356,258 @@
           <a:lstStyle/>
           <a:p>
             <a:r>
-              <a:rPr lang="en-US" sz="1200" baseline="30000" dirty="0">
-                <a:latin typeface="ヒラギノ角ゴ Pro W3"/>
-                <a:ea typeface="ヒラギノ角ゴ Pro W3"/>
-                <a:cs typeface="ヒラギノ角ゴ Pro W3"/>
-              </a:rPr>
-              <a:t>state card to the left. Continue with the next card until you get to the state that your team has not yet achieved.</a:t>
-            </a:r>
-          </a:p>
-          <a:p>
-            <a:r>
-              <a:rPr lang="en-US" sz="1200" baseline="30000" dirty="0">
-                <a:latin typeface="ヒラギノ角ゴ Pro W3"/>
-                <a:ea typeface="ヒラギノ角ゴ Pro W3"/>
-                <a:cs typeface="ヒラギノ角ゴ Pro W3"/>
-              </a:rPr>
-              <a:t>4. Move this state card and the rest of the pending state cards to the right.</a:t>
-            </a:r>
-          </a:p>
-          <a:p>
-            <a:r>
-              <a:rPr lang="en-US" sz="1200" baseline="30000" dirty="0">
-                <a:latin typeface="ヒラギノ角ゴ Pro W3"/>
-                <a:ea typeface="ヒラギノ角ゴ Pro W3"/>
-                <a:cs typeface="ヒラギノ角ゴ Pro W3"/>
-              </a:rPr>
-              <a:t>Figure 5 shows the states Smith’s team has achieved on the left, and those not yet achieved on the right. For simplicity, Figure 5 shows only three of the kernel alphas.</a:t>
-            </a:r>
-          </a:p>
-          <a:p>
-            <a:r>
-              <a:rPr lang="en-US" sz="1200" baseline="30000" dirty="0">
-                <a:latin typeface="ヒラギノ角ゴ Pro W3"/>
-                <a:ea typeface="ヒラギノ角ゴ Pro W3"/>
-                <a:cs typeface="ヒラギノ角ゴ Pro W3"/>
-              </a:rPr>
-              <a:t>Determine where to go with the kernel. Once the team agrees on the current alpha states, the members discuss what the next desired “target” states are to guide their planning. The team agrees to use the immediate next alpha states to help establish the </a:t>
-            </a:r>
-            <a:r>
-              <a:rPr lang="en-US" sz="1200" baseline="30000" dirty="0" err="1">
-                <a:latin typeface="ヒラギノ角ゴ Pro W3"/>
-                <a:ea typeface="ヒラギノ角ゴ Pro W3"/>
-                <a:cs typeface="ヒラギノ角ゴ Pro W3"/>
-              </a:rPr>
-              <a:t>ob</a:t>
-            </a:r>
-            <a:r>
-              <a:rPr lang="en-US" sz="1200" baseline="30000" dirty="0">
-                <a:latin typeface="ヒラギノ角ゴ Pro W3"/>
-                <a:ea typeface="ヒラギノ角ゴ Pro W3"/>
-                <a:cs typeface="ヒラギノ角ゴ Pro W3"/>
-              </a:rPr>
-              <a:t>- </a:t>
-            </a:r>
-            <a:r>
-              <a:rPr lang="en-US" sz="1200" baseline="30000" dirty="0" err="1">
-                <a:latin typeface="ヒラギノ角ゴ Pro W3"/>
-                <a:ea typeface="ヒラギノ角ゴ Pro W3"/>
-                <a:cs typeface="ヒラギノ角ゴ Pro W3"/>
-              </a:rPr>
-              <a:t>jectives</a:t>
-            </a:r>
-            <a:r>
-              <a:rPr lang="en-US" sz="1200" baseline="30000" dirty="0">
-                <a:latin typeface="ヒラギノ角ゴ Pro W3"/>
-                <a:ea typeface="ヒラギノ角ゴ Pro W3"/>
-                <a:cs typeface="ヒラギノ角ゴ Pro W3"/>
-              </a:rPr>
-              <a:t> of the next iteration, as shown in Figure 6.</a:t>
-            </a:r>
-          </a:p>
-          <a:p>
-            <a:r>
-              <a:rPr lang="en-US" sz="1200" baseline="30000" dirty="0">
-                <a:latin typeface="ヒラギノ角ゴ Pro W3"/>
-                <a:ea typeface="ヒラギノ角ゴ Pro W3"/>
-                <a:cs typeface="ヒラギノ角ゴ Pro W3"/>
-              </a:rPr>
-              <a:t>The name of the alpha state sup- plies a hint to understanding what needs to be achieved to reach a state. Team members can find out more by reading and understanding the alpha- state checklist. By going through the states one by one for each alpha, a team quickly becomes familiar with what is required to achieve each state. In this way the team learns about the kernel alphas at the same time as they deter- mine their current state of develop- </a:t>
-            </a:r>
-            <a:r>
-              <a:rPr lang="en-US" sz="1200" baseline="30000" dirty="0" err="1">
-                <a:latin typeface="ヒラギノ角ゴ Pro W3"/>
-                <a:ea typeface="ヒラギノ角ゴ Pro W3"/>
-                <a:cs typeface="ヒラギノ角ゴ Pro W3"/>
-              </a:rPr>
-              <a:t>ment</a:t>
-            </a:r>
-            <a:r>
-              <a:rPr lang="en-US" sz="1200" baseline="30000" dirty="0">
-                <a:latin typeface="ヒラギノ角ゴ Pro W3"/>
-                <a:ea typeface="ヒラギノ角ゴ Pro W3"/>
-                <a:cs typeface="ヒラギノ角ゴ Pro W3"/>
-              </a:rPr>
-              <a:t> and their next target states.</a:t>
-            </a:r>
-          </a:p>
-          <a:p>
-            <a:r>
-              <a:rPr lang="en-US" sz="1200" baseline="30000" dirty="0">
-                <a:latin typeface="ヒラギノ角ゴ Pro W3"/>
-                <a:ea typeface="ヒラギノ角ゴ Pro W3"/>
-                <a:cs typeface="ヒラギノ角ゴ Pro W3"/>
-              </a:rPr>
-              <a:t>Determine how to get there with the kernel. Smith and his team look at the next target states and agree that they need to establish some priorities. First, they need to determine their way of working: working well; then the software system: usable; and finally re- </a:t>
-            </a:r>
-            <a:r>
-              <a:rPr lang="en-US" sz="1200" baseline="30000" dirty="0" err="1">
-                <a:latin typeface="ヒラギノ角ゴ Pro W3"/>
-                <a:ea typeface="ヒラギノ角ゴ Pro W3"/>
-                <a:cs typeface="ヒラギノ角ゴ Pro W3"/>
-              </a:rPr>
-              <a:t>quirements</a:t>
-            </a:r>
-            <a:r>
-              <a:rPr lang="en-US" sz="1200" baseline="30000" dirty="0">
-                <a:latin typeface="ヒラギノ角ゴ Pro W3"/>
-                <a:ea typeface="ヒラギノ角ゴ Pro W3"/>
-                <a:cs typeface="ヒラギノ角ゴ Pro W3"/>
-              </a:rPr>
-              <a:t>: addressed. The reason is simple; not having the way of work- </a:t>
-            </a:r>
-            <a:r>
-              <a:rPr lang="en-US" sz="1200" baseline="30000" dirty="0" err="1">
-                <a:latin typeface="ヒラギノ角ゴ Pro W3"/>
-                <a:ea typeface="ヒラギノ角ゴ Pro W3"/>
-                <a:cs typeface="ヒラギノ角ゴ Pro W3"/>
-              </a:rPr>
-              <a:t>ing</a:t>
-            </a:r>
-            <a:r>
-              <a:rPr lang="en-US" sz="1200" baseline="30000" dirty="0">
-                <a:latin typeface="ヒラギノ角ゴ Pro W3"/>
-                <a:ea typeface="ヒラギノ角ゴ Pro W3"/>
-                <a:cs typeface="ヒラギノ角ゴ Pro W3"/>
-              </a:rPr>
-              <a:t>: working well would impede their attempts to get the software system: usable. In addition, they agree on the priority for the missing requirement- items necessary to achieve the require- </a:t>
-            </a:r>
-            <a:r>
-              <a:rPr lang="en-US" sz="1200" baseline="30000" dirty="0" err="1">
-                <a:latin typeface="ヒラギノ角ゴ Pro W3"/>
-                <a:ea typeface="ヒラギノ角ゴ Pro W3"/>
-                <a:cs typeface="ヒラギノ角ゴ Pro W3"/>
-              </a:rPr>
-              <a:t>ments</a:t>
-            </a:r>
-            <a:r>
-              <a:rPr lang="en-US" sz="1200" baseline="30000" dirty="0">
-                <a:latin typeface="ヒラギノ角ゴ Pro W3"/>
-                <a:ea typeface="ヒラギノ角ゴ Pro W3"/>
-                <a:cs typeface="ヒラギノ角ゴ Pro W3"/>
-              </a:rPr>
-              <a:t>: addressed state.</a:t>
-            </a:r>
-          </a:p>
-          <a:p>
-            <a:r>
-              <a:rPr lang="en-US" sz="1200" baseline="30000" dirty="0">
-                <a:latin typeface="ヒラギノ角ゴ Pro W3"/>
-                <a:ea typeface="ヒラギノ角ゴ Pro W3"/>
-                <a:cs typeface="ヒラギノ角ゴ Pro W3"/>
-              </a:rPr>
-              <a:t>Smith and his team next discuss what needs to be done to achieve these states, as shown in the accompanying table. By going through the target al- </a:t>
-            </a:r>
-            <a:r>
-              <a:rPr lang="en-US" sz="1200" baseline="30000" dirty="0" err="1">
-                <a:latin typeface="ヒラギノ角ゴ Pro W3"/>
-                <a:ea typeface="ヒラギノ角ゴ Pro W3"/>
-                <a:cs typeface="ヒラギノ角ゴ Pro W3"/>
-              </a:rPr>
-              <a:t>pha</a:t>
-            </a:r>
-            <a:r>
-              <a:rPr lang="en-US" sz="1200" baseline="30000" dirty="0">
-                <a:latin typeface="ヒラギノ角ゴ Pro W3"/>
-                <a:ea typeface="ヒラギノ角ゴ Pro W3"/>
-                <a:cs typeface="ヒラギノ角ゴ Pro W3"/>
-              </a:rPr>
-              <a:t> states, Smith is able to determine a set of objectives and tasks for the next iteration.</a:t>
-            </a:r>
-          </a:p>
-          <a:p>
-            <a:r>
-              <a:rPr lang="en-US" sz="1200" baseline="30000" dirty="0">
-                <a:latin typeface="ヒラギノ角ゴ Pro W3"/>
-                <a:ea typeface="ヒラギノ角ゴ Pro W3"/>
-                <a:cs typeface="ヒラギノ角ゴ Pro W3"/>
-              </a:rPr>
-              <a:t>How the kernel helps in planning iterations. A good plan must be </a:t>
-            </a:r>
-            <a:r>
-              <a:rPr lang="en-US" sz="1200" baseline="30000" dirty="0" err="1">
-                <a:latin typeface="ヒラギノ角ゴ Pro W3"/>
-                <a:ea typeface="ヒラギノ角ゴ Pro W3"/>
-                <a:cs typeface="ヒラギノ角ゴ Pro W3"/>
-              </a:rPr>
-              <a:t>inclu</a:t>
-            </a:r>
-            <a:r>
-              <a:rPr lang="en-US" sz="1200" baseline="30000" dirty="0">
-                <a:latin typeface="ヒラギノ角ゴ Pro W3"/>
-                <a:ea typeface="ヒラギノ角ゴ Pro W3"/>
-                <a:cs typeface="ヒラギノ角ゴ Pro W3"/>
-              </a:rPr>
-              <a:t>- </a:t>
-            </a:r>
-            <a:r>
-              <a:rPr lang="en-US" sz="1200" baseline="30000" dirty="0" err="1">
-                <a:latin typeface="ヒラギノ角ゴ Pro W3"/>
-                <a:ea typeface="ヒラギノ角ゴ Pro W3"/>
-                <a:cs typeface="ヒラギノ角ゴ Pro W3"/>
-              </a:rPr>
-              <a:t>sive</a:t>
-            </a:r>
-            <a:r>
-              <a:rPr lang="en-US" sz="1200" baseline="30000" dirty="0">
-                <a:latin typeface="ヒラギノ角ゴ Pro W3"/>
-                <a:ea typeface="ヒラギノ角ゴ Pro W3"/>
-                <a:cs typeface="ヒラギノ角ゴ Pro W3"/>
-              </a:rPr>
-              <a:t>, meaning that it includes all </a:t>
-            </a:r>
-            <a:r>
-              <a:rPr lang="en-US" sz="1200" baseline="30000" dirty="0" err="1">
-                <a:latin typeface="ヒラギノ角ゴ Pro W3"/>
-                <a:ea typeface="ヒラギノ角ゴ Pro W3"/>
-                <a:cs typeface="ヒラギノ角ゴ Pro W3"/>
-              </a:rPr>
-              <a:t>essen</a:t>
-            </a:r>
-            <a:r>
-              <a:rPr lang="en-US" sz="1200" baseline="30000" dirty="0">
-                <a:latin typeface="ヒラギノ角ゴ Pro W3"/>
-                <a:ea typeface="ヒラギノ角ゴ Pro W3"/>
-                <a:cs typeface="ヒラギノ角ゴ Pro W3"/>
-              </a:rPr>
-              <a:t>- </a:t>
-            </a:r>
-            <a:r>
-              <a:rPr lang="en-US" sz="1200" baseline="30000" dirty="0" err="1">
-                <a:latin typeface="ヒラギノ角ゴ Pro W3"/>
-                <a:ea typeface="ヒラギノ角ゴ Pro W3"/>
-                <a:cs typeface="ヒラギノ角ゴ Pro W3"/>
-              </a:rPr>
-              <a:t>tial</a:t>
-            </a:r>
-            <a:r>
-              <a:rPr lang="en-US" sz="1200" baseline="30000" dirty="0">
-                <a:latin typeface="ヒラギノ角ゴ Pro W3"/>
-                <a:ea typeface="ヒラギノ角ゴ Pro W3"/>
-                <a:cs typeface="ヒラギノ角ゴ Pro W3"/>
-              </a:rPr>
-              <a:t> items and covers the whole team. It must also be concrete, so it is actionable for the team. The team must also have</a:t>
-            </a:r>
+              <a:rPr lang="ja-JP" altLang="en-US" sz="900" dirty="0">
+                <a:latin typeface="ヒラギノ角ゴ Pro W3"/>
+                <a:ea typeface="ヒラギノ角ゴ Pro W3"/>
+                <a:cs typeface="ヒラギノ角ゴ Pro W3"/>
+              </a:rPr>
+              <a:t>当該状態のカードを左側に寄せる。これを、チームが未到達の状態のカードに至るまで続ける。</a:t>
+            </a:r>
+            <a:endParaRPr lang="en-US" sz="900" dirty="0">
+              <a:latin typeface="ヒラギノ角ゴ Pro W3"/>
+              <a:ea typeface="ヒラギノ角ゴ Pro W3"/>
+              <a:cs typeface="ヒラギノ角ゴ Pro W3"/>
+            </a:endParaRPr>
+          </a:p>
+          <a:p>
+            <a:r>
+              <a:rPr lang="en-US" sz="900" dirty="0" smtClean="0">
+                <a:latin typeface="ヒラギノ角ゴ Pro W3"/>
+                <a:ea typeface="ヒラギノ角ゴ Pro W3"/>
+                <a:cs typeface="ヒラギノ角ゴ Pro W3"/>
+              </a:rPr>
+              <a:t>4</a:t>
+            </a:r>
+            <a:r>
+              <a:rPr lang="en-US" sz="900" dirty="0">
+                <a:latin typeface="ヒラギノ角ゴ Pro W3"/>
+                <a:ea typeface="ヒラギノ角ゴ Pro W3"/>
+                <a:cs typeface="ヒラギノ角ゴ Pro W3"/>
+              </a:rPr>
+              <a:t>. </a:t>
+            </a:r>
+            <a:r>
+              <a:rPr lang="ja-JP" altLang="en-US" sz="900" dirty="0">
+                <a:latin typeface="ヒラギノ角ゴ Pro W3"/>
+                <a:ea typeface="ヒラギノ角ゴ Pro W3"/>
+                <a:cs typeface="ヒラギノ角ゴ Pro W3"/>
+              </a:rPr>
+              <a:t>未到達の状態のカードおよび未検討の状態のカードを右側に移動させる。図</a:t>
+            </a:r>
+            <a:r>
+              <a:rPr lang="en-US" altLang="ja-JP" sz="900" dirty="0">
+                <a:latin typeface="ヒラギノ角ゴ Pro W3"/>
+                <a:ea typeface="ヒラギノ角ゴ Pro W3"/>
+                <a:cs typeface="ヒラギノ角ゴ Pro W3"/>
+              </a:rPr>
+              <a:t>5</a:t>
+            </a:r>
+            <a:r>
+              <a:rPr lang="ja-JP" altLang="en-US" sz="900" dirty="0">
+                <a:latin typeface="ヒラギノ角ゴ Pro W3"/>
+                <a:ea typeface="ヒラギノ角ゴ Pro W3"/>
+                <a:cs typeface="ヒラギノ角ゴ Pro W3"/>
+              </a:rPr>
+              <a:t>において、スミスのチームが達した状態のカードは左側に、達していない状態のカードは右側に位置している。簡単のため、図</a:t>
+            </a:r>
+            <a:r>
+              <a:rPr lang="en-US" altLang="ja-JP" sz="900" dirty="0">
+                <a:latin typeface="ヒラギノ角ゴ Pro W3"/>
+                <a:ea typeface="ヒラギノ角ゴ Pro W3"/>
+                <a:cs typeface="ヒラギノ角ゴ Pro W3"/>
+              </a:rPr>
+              <a:t>5</a:t>
+            </a:r>
+            <a:r>
+              <a:rPr lang="ja-JP" altLang="en-US" sz="900" dirty="0">
+                <a:latin typeface="ヒラギノ角ゴ Pro W3"/>
+                <a:ea typeface="ヒラギノ角ゴ Pro W3"/>
+                <a:cs typeface="ヒラギノ角ゴ Pro W3"/>
+              </a:rPr>
+              <a:t>ではカーネルの</a:t>
+            </a:r>
+            <a:r>
+              <a:rPr lang="en-US" altLang="ja-JP" sz="900" dirty="0">
+                <a:latin typeface="ヒラギノ角ゴ Pro W3"/>
+                <a:ea typeface="ヒラギノ角ゴ Pro W3"/>
+                <a:cs typeface="ヒラギノ角ゴ Pro W3"/>
+              </a:rPr>
+              <a:t>3</a:t>
+            </a:r>
+            <a:r>
+              <a:rPr lang="ja-JP" altLang="en-US" sz="900" dirty="0">
+                <a:latin typeface="ヒラギノ角ゴ Pro W3"/>
+                <a:ea typeface="ヒラギノ角ゴ Pro W3"/>
+                <a:cs typeface="ヒラギノ角ゴ Pro W3"/>
+              </a:rPr>
+              <a:t>つのアルファのみを示している</a:t>
+            </a:r>
+            <a:r>
+              <a:rPr lang="ja-JP" altLang="en-US" sz="900" dirty="0" smtClean="0">
+                <a:latin typeface="ヒラギノ角ゴ Pro W3"/>
+                <a:ea typeface="ヒラギノ角ゴ Pro W3"/>
+                <a:cs typeface="ヒラギノ角ゴ Pro W3"/>
+              </a:rPr>
+              <a:t>。</a:t>
+            </a:r>
+            <a:endParaRPr lang="en-US" altLang="ja-JP" sz="900" dirty="0" smtClean="0">
+              <a:latin typeface="ヒラギノ角ゴ Pro W3"/>
+              <a:ea typeface="ヒラギノ角ゴ Pro W3"/>
+              <a:cs typeface="ヒラギノ角ゴ Pro W3"/>
+            </a:endParaRPr>
+          </a:p>
+          <a:p>
+            <a:endParaRPr lang="en-US" sz="900" dirty="0">
+              <a:latin typeface="ヒラギノ角ゴ Pro W3"/>
+              <a:ea typeface="ヒラギノ角ゴ Pro W3"/>
+              <a:cs typeface="ヒラギノ角ゴ Pro W3"/>
+            </a:endParaRPr>
+          </a:p>
+          <a:p>
+            <a:r>
+              <a:rPr lang="ja-JP" altLang="en-US" sz="1050" b="1" dirty="0">
+                <a:latin typeface="ヒラギノ角ゴ Pro W3"/>
+                <a:ea typeface="ヒラギノ角ゴ Pro W3"/>
+                <a:cs typeface="ヒラギノ角ゴ Pro W3"/>
+              </a:rPr>
+              <a:t>カーネルによる行き先の</a:t>
+            </a:r>
+            <a:r>
+              <a:rPr lang="ja-JP" altLang="en-US" sz="1050" b="1" dirty="0" smtClean="0">
+                <a:latin typeface="ヒラギノ角ゴ Pro W3"/>
+                <a:ea typeface="ヒラギノ角ゴ Pro W3"/>
+                <a:cs typeface="ヒラギノ角ゴ Pro W3"/>
+              </a:rPr>
+              <a:t>決定</a:t>
+            </a:r>
+            <a:endParaRPr lang="en-US" altLang="ja-JP" sz="1050" b="1" dirty="0">
+              <a:latin typeface="ヒラギノ角ゴ Pro W3"/>
+              <a:ea typeface="ヒラギノ角ゴ Pro W3"/>
+              <a:cs typeface="ヒラギノ角ゴ Pro W3"/>
+            </a:endParaRPr>
+          </a:p>
+          <a:p>
+            <a:r>
+              <a:rPr lang="ja-JP" altLang="en-US" sz="900" dirty="0">
+                <a:latin typeface="ヒラギノ角ゴ Pro W3"/>
+                <a:ea typeface="ヒラギノ角ゴ Pro W3"/>
+                <a:cs typeface="ヒラギノ角ゴ Pro W3"/>
+              </a:rPr>
+              <a:t>現在のアルファの状態にチームが同意したら、以降の計画をガイドするために、メンバは次の望ましいターゲットの状態を議論する。チームは、次のイテレーションの目標を打ち立てるために、図</a:t>
+            </a:r>
+            <a:r>
+              <a:rPr lang="en-US" altLang="ja-JP" sz="900" dirty="0">
+                <a:latin typeface="ヒラギノ角ゴ Pro W3"/>
+                <a:ea typeface="ヒラギノ角ゴ Pro W3"/>
+                <a:cs typeface="ヒラギノ角ゴ Pro W3"/>
+              </a:rPr>
+              <a:t>6</a:t>
+            </a:r>
+            <a:r>
+              <a:rPr lang="ja-JP" altLang="en-US" sz="900" dirty="0">
+                <a:latin typeface="ヒラギノ角ゴ Pro W3"/>
+                <a:ea typeface="ヒラギノ角ゴ Pro W3"/>
+                <a:cs typeface="ヒラギノ角ゴ Pro W3"/>
+              </a:rPr>
+              <a:t>に示すように、すぐ隣のアルファの状態アルファの状態の名前は、当該状態に至るために必要な事柄を理解するためのヒントを与えてくれる。さらにチームメンバは、アルファ状態のチェックリストを読んで理解することでより多くを見出すことができる。各アルファを一つずつ確認することで、チームは各状態を達成するために必要な事柄をよく知るようになる。このようにして、チームはカーネルのアルファを学ぶと同時に、開発の現在の状態および次のターゲットとなる状態を決定する</a:t>
+            </a:r>
+            <a:r>
+              <a:rPr lang="ja-JP" altLang="en-US" sz="900" dirty="0" smtClean="0">
+                <a:latin typeface="ヒラギノ角ゴ Pro W3"/>
+                <a:ea typeface="ヒラギノ角ゴ Pro W3"/>
+                <a:cs typeface="ヒラギノ角ゴ Pro W3"/>
+              </a:rPr>
+              <a:t>。</a:t>
+            </a:r>
+            <a:endParaRPr lang="en-US" altLang="ja-JP" sz="900" dirty="0" smtClean="0">
+              <a:latin typeface="ヒラギノ角ゴ Pro W3"/>
+              <a:ea typeface="ヒラギノ角ゴ Pro W3"/>
+              <a:cs typeface="ヒラギノ角ゴ Pro W3"/>
+            </a:endParaRPr>
+          </a:p>
+          <a:p>
+            <a:endParaRPr lang="en-US" altLang="ja-JP" sz="900" dirty="0">
+              <a:latin typeface="ヒラギノ角ゴ Pro W3"/>
+              <a:ea typeface="ヒラギノ角ゴ Pro W3"/>
+              <a:cs typeface="ヒラギノ角ゴ Pro W3"/>
+            </a:endParaRPr>
+          </a:p>
+          <a:p>
+            <a:r>
+              <a:rPr lang="ja-JP" altLang="en-US" sz="1050" b="1" dirty="0">
+                <a:latin typeface="ヒラギノ角ゴ Pro W3"/>
+                <a:ea typeface="ヒラギノ角ゴ Pro W3"/>
+                <a:cs typeface="ヒラギノ角ゴ Pro W3"/>
+              </a:rPr>
+              <a:t>カーネルによる行き方の決定</a:t>
+            </a:r>
+            <a:endParaRPr lang="en-US" altLang="ja-JP" sz="1050" b="1" dirty="0" smtClean="0">
+              <a:latin typeface="ヒラギノ角ゴ Pro W3"/>
+              <a:ea typeface="ヒラギノ角ゴ Pro W3"/>
+              <a:cs typeface="ヒラギノ角ゴ Pro W3"/>
+            </a:endParaRPr>
+          </a:p>
+          <a:p>
+            <a:r>
+              <a:rPr lang="ja-JP" altLang="en-US" sz="900" dirty="0">
+                <a:latin typeface="ヒラギノ角ゴ Pro W3"/>
+                <a:ea typeface="ヒラギノ角ゴ Pro W3"/>
+                <a:cs typeface="ヒラギノ角ゴ Pro W3"/>
+              </a:rPr>
+              <a:t>スミスと彼のチームは次のターゲットとなる状態を確認し、優先順位付けの必要性について合意した。そこで優先順位として、まず第一に仕事の仕方「うまく働けている」とし、第二にソフトウェアシステム「利用可能となっている」とし、最後に、要求「十分に扱えている」とすることとした。その理由は簡単で、仕事の仕方がうまくいっていなければ、ソフトウェアシステムを利用可能とすることが妨げられてしまうだろう。さらに、チームは要求満足のために不足している要求事項を取り扱うよう「十分に扱えている」の優先度について同意した</a:t>
+            </a:r>
+            <a:r>
+              <a:rPr lang="ja-JP" altLang="en-US" sz="900" dirty="0" smtClean="0">
+                <a:latin typeface="ヒラギノ角ゴ Pro W3"/>
+                <a:ea typeface="ヒラギノ角ゴ Pro W3"/>
+                <a:cs typeface="ヒラギノ角ゴ Pro W3"/>
+              </a:rPr>
+              <a:t>。</a:t>
+            </a:r>
+            <a:endParaRPr lang="en-US" altLang="ja-JP" sz="900" dirty="0" smtClean="0">
+              <a:latin typeface="ヒラギノ角ゴ Pro W3"/>
+              <a:ea typeface="ヒラギノ角ゴ Pro W3"/>
+              <a:cs typeface="ヒラギノ角ゴ Pro W3"/>
+            </a:endParaRPr>
+          </a:p>
+          <a:p>
+            <a:r>
+              <a:rPr lang="ja-JP" altLang="en-US" sz="900" dirty="0">
+                <a:latin typeface="ヒラギノ角ゴ Pro W3"/>
+                <a:ea typeface="ヒラギノ角ゴ Pro W3"/>
+                <a:cs typeface="ヒラギノ角ゴ Pro W3"/>
+              </a:rPr>
+              <a:t>スミスと彼のチームは続いて、図</a:t>
+            </a:r>
+            <a:r>
+              <a:rPr lang="en-US" altLang="ja-JP" sz="900" dirty="0">
+                <a:latin typeface="ヒラギノ角ゴ Pro W3"/>
+                <a:ea typeface="ヒラギノ角ゴ Pro W3"/>
+                <a:cs typeface="ヒラギノ角ゴ Pro W3"/>
+              </a:rPr>
+              <a:t>6</a:t>
+            </a:r>
+            <a:r>
+              <a:rPr lang="ja-JP" altLang="en-US" sz="900" dirty="0">
+                <a:latin typeface="ヒラギノ角ゴ Pro W3"/>
+                <a:ea typeface="ヒラギノ角ゴ Pro W3"/>
+                <a:cs typeface="ヒラギノ角ゴ Pro W3"/>
+              </a:rPr>
+              <a:t>下の表に示すように、それらの状態に達するために必要な事柄を議論した。ターゲットとなるアルファの状態を確認する中で、スミスは次のイテレーションにおける目標</a:t>
+            </a:r>
+            <a:r>
+              <a:rPr lang="ja-JP" altLang="en-US" sz="900" dirty="0" smtClean="0">
+                <a:latin typeface="ヒラギノ角ゴ Pro W3"/>
+                <a:ea typeface="ヒラギノ角ゴ Pro W3"/>
+                <a:cs typeface="ヒラギノ角ゴ Pro W3"/>
+              </a:rPr>
+              <a:t>とタスクを決定できた。</a:t>
+            </a:r>
+            <a:endParaRPr lang="en-US" altLang="ja-JP" sz="900" dirty="0" smtClean="0">
+              <a:latin typeface="ヒラギノ角ゴ Pro W3"/>
+              <a:ea typeface="ヒラギノ角ゴ Pro W3"/>
+              <a:cs typeface="ヒラギノ角ゴ Pro W3"/>
+            </a:endParaRPr>
           </a:p>
         </p:txBody>
       </p:sp>
@@ -7081,7 +8746,7 @@
         <p:spPr>
           <a:xfrm>
             <a:off x="255507" y="3417951"/>
-            <a:ext cx="2021756" cy="5262981"/>
+            <a:ext cx="2021756" cy="7478966"/>
           </a:xfrm>
           <a:prstGeom prst="rect">
             <a:avLst/>
@@ -7095,33 +8760,173 @@
           <a:lstStyle/>
           <a:p>
             <a:r>
-              <a:rPr lang="en-US" sz="1200" baseline="30000" dirty="0">
-                <a:latin typeface="ヒラギノ角ゴ Pro W3"/>
-                <a:ea typeface="ヒラギノ角ゴ Pro W3"/>
-                <a:cs typeface="ヒラギノ角ゴ Pro W3"/>
-              </a:rPr>
-              <a:t>a way to monitor its progress against the plan. The kernel helps you achieve this as follows:</a:t>
-            </a:r>
-          </a:p>
-          <a:p>
-            <a:r>
-              <a:rPr lang="en-US" sz="1200" baseline="30000" dirty="0">
-                <a:latin typeface="ヒラギノ角ゴ Pro W3"/>
-                <a:ea typeface="ヒラギノ角ゴ Pro W3"/>
-                <a:cs typeface="ヒラギノ角ゴ Pro W3"/>
-              </a:rPr>
-              <a:t>Inclusive. The kernel alphas serve as reminders across the different </a:t>
-            </a:r>
-            <a:r>
-              <a:rPr lang="en-US" sz="1200" baseline="30000" dirty="0" err="1">
-                <a:latin typeface="ヒラギノ角ゴ Pro W3"/>
-                <a:ea typeface="ヒラギノ角ゴ Pro W3"/>
-                <a:cs typeface="ヒラギノ角ゴ Pro W3"/>
-              </a:rPr>
-              <a:t>dimen</a:t>
-            </a:r>
-            <a:r>
-              <a:rPr lang="en-US" sz="1200" baseline="30000" dirty="0">
+              <a:rPr lang="ja-JP" altLang="en-US" sz="1050" b="1" dirty="0" smtClean="0">
+                <a:latin typeface="ヒラギノ角ゴ Pro W3"/>
+                <a:ea typeface="ヒラギノ角ゴ Pro W3"/>
+                <a:cs typeface="ヒラギノ角ゴ Pro W3"/>
+              </a:rPr>
+              <a:t>イテレーション</a:t>
+            </a:r>
+            <a:r>
+              <a:rPr lang="ja-JP" altLang="en-US" sz="1050" b="1" dirty="0">
+                <a:latin typeface="ヒラギノ角ゴ Pro W3"/>
+                <a:ea typeface="ヒラギノ角ゴ Pro W3"/>
+                <a:cs typeface="ヒラギノ角ゴ Pro W3"/>
+              </a:rPr>
+              <a:t>計画におけるカーネルの支援</a:t>
+            </a:r>
+            <a:endParaRPr lang="en-US" sz="1050" b="1" dirty="0">
+              <a:latin typeface="ヒラギノ角ゴ Pro W3"/>
+              <a:ea typeface="ヒラギノ角ゴ Pro W3"/>
+              <a:cs typeface="ヒラギノ角ゴ Pro W3"/>
+            </a:endParaRPr>
+          </a:p>
+          <a:p>
+            <a:r>
+              <a:rPr lang="ja-JP" altLang="en-US" sz="900" dirty="0">
+                <a:latin typeface="ヒラギノ角ゴ Pro W3"/>
+                <a:ea typeface="ヒラギノ角ゴ Pro W3"/>
+                <a:cs typeface="ヒラギノ角ゴ Pro W3"/>
+              </a:rPr>
+              <a:t>よい計画は包括的でなければならない。包括的とは、全ての本質的な事項を含み、チーム全体をカバーしていることを意味する。また計画は、具体的でなければならない。つまり、チームにとって実施可能な必要がある。さらにチームは計画に対する進展を監視する方法を持たなければならない。カーネルはそれらの達成にあたり以下を支援する</a:t>
+            </a:r>
+            <a:r>
+              <a:rPr lang="ja-JP" altLang="en-US" sz="900" dirty="0" smtClean="0">
+                <a:latin typeface="ヒラギノ角ゴ Pro W3"/>
+                <a:ea typeface="ヒラギノ角ゴ Pro W3"/>
+                <a:cs typeface="ヒラギノ角ゴ Pro W3"/>
+              </a:rPr>
+              <a:t>。</a:t>
+            </a:r>
+            <a:endParaRPr lang="en-US" altLang="ja-JP" sz="900" dirty="0" smtClean="0">
+              <a:latin typeface="ヒラギノ角ゴ Pro W3"/>
+              <a:ea typeface="ヒラギノ角ゴ Pro W3"/>
+              <a:cs typeface="ヒラギノ角ゴ Pro W3"/>
+            </a:endParaRPr>
+          </a:p>
+          <a:p>
+            <a:r>
+              <a:rPr lang="ja-JP" altLang="en-US" sz="900" b="1" dirty="0">
+                <a:latin typeface="ヒラギノ角ゴ Pro W3"/>
+                <a:ea typeface="ヒラギノ角ゴ Pro W3"/>
+                <a:cs typeface="ヒラギノ角ゴ Pro W3"/>
+              </a:rPr>
+              <a:t>包括的</a:t>
+            </a:r>
+            <a:r>
+              <a:rPr lang="en-US" altLang="ja-JP" sz="900" b="1" dirty="0" smtClean="0">
+                <a:latin typeface="ヒラギノ角ゴ Pro W3"/>
+                <a:ea typeface="ヒラギノ角ゴ Pro W3"/>
+                <a:cs typeface="ヒラギノ角ゴ Pro W3"/>
+              </a:rPr>
+              <a:t>: </a:t>
+            </a:r>
+            <a:r>
+              <a:rPr lang="ja-JP" altLang="en-US" sz="900" dirty="0" smtClean="0">
+                <a:latin typeface="ヒラギノ角ゴ Pro W3"/>
+                <a:ea typeface="ヒラギノ角ゴ Pro W3"/>
+                <a:cs typeface="ヒラギノ角ゴ Pro W3"/>
+              </a:rPr>
+              <a:t>カーネル</a:t>
+            </a:r>
+            <a:r>
+              <a:rPr lang="ja-JP" altLang="en-US" sz="900" dirty="0">
+                <a:latin typeface="ヒラギノ角ゴ Pro W3"/>
+                <a:ea typeface="ヒラギノ角ゴ Pro W3"/>
+                <a:cs typeface="ヒラギノ角ゴ Pro W3"/>
+              </a:rPr>
+              <a:t>のアルファは、ソフトウェア開発の異なる次元をまたがった備忘録として機能する。そこで、全ての次元をバランスよく扱う計画の策定がしやすくなる</a:t>
+            </a:r>
+            <a:r>
+              <a:rPr lang="ja-JP" altLang="en-US" sz="900" dirty="0" smtClean="0">
+                <a:latin typeface="ヒラギノ角ゴ Pro W3"/>
+                <a:ea typeface="ヒラギノ角ゴ Pro W3"/>
+                <a:cs typeface="ヒラギノ角ゴ Pro W3"/>
+              </a:rPr>
+              <a:t>。</a:t>
+            </a:r>
+            <a:endParaRPr lang="en-US" altLang="ja-JP" sz="900" dirty="0" smtClean="0">
+              <a:latin typeface="ヒラギノ角ゴ Pro W3"/>
+              <a:ea typeface="ヒラギノ角ゴ Pro W3"/>
+              <a:cs typeface="ヒラギノ角ゴ Pro W3"/>
+            </a:endParaRPr>
+          </a:p>
+          <a:p>
+            <a:r>
+              <a:rPr lang="ja-JP" altLang="en-US" sz="900" b="1" dirty="0">
+                <a:latin typeface="ヒラギノ角ゴ Pro W3"/>
+                <a:ea typeface="ヒラギノ角ゴ Pro W3"/>
+                <a:cs typeface="ヒラギノ角ゴ Pro W3"/>
+              </a:rPr>
+              <a:t>具体的</a:t>
+            </a:r>
+            <a:r>
+              <a:rPr lang="en-US" altLang="ja-JP" sz="900" b="1" dirty="0" smtClean="0">
+                <a:latin typeface="ヒラギノ角ゴ Pro W3"/>
+                <a:ea typeface="ヒラギノ角ゴ Pro W3"/>
+                <a:cs typeface="ヒラギノ角ゴ Pro W3"/>
+              </a:rPr>
+              <a:t>: </a:t>
+            </a:r>
+            <a:r>
+              <a:rPr lang="ja-JP" altLang="en-US" sz="900" dirty="0" smtClean="0">
+                <a:latin typeface="ヒラギノ角ゴ Pro W3"/>
+                <a:ea typeface="ヒラギノ角ゴ Pro W3"/>
+                <a:cs typeface="ヒラギノ角ゴ Pro W3"/>
+              </a:rPr>
+              <a:t>各アルファ</a:t>
+            </a:r>
+            <a:r>
+              <a:rPr lang="ja-JP" altLang="en-US" sz="900" dirty="0">
+                <a:latin typeface="ヒラギノ角ゴ Pro W3"/>
+                <a:ea typeface="ヒラギノ角ゴ Pro W3"/>
+                <a:cs typeface="ヒラギノ角ゴ Pro W3"/>
+              </a:rPr>
+              <a:t>の状態のチェックリストは、イテレーションにおいてすべき事柄のヒントを与える。同チェックリストにより、達成した事柄を明確として、本来達成すべきと意図した事柄との比較を通じて現在の進展を特定しやすくなる。</a:t>
+            </a:r>
+            <a:endParaRPr lang="en-US" sz="900" dirty="0">
+              <a:latin typeface="ヒラギノ角ゴ Pro W3"/>
+              <a:ea typeface="ヒラギノ角ゴ Pro W3"/>
+              <a:cs typeface="ヒラギノ角ゴ Pro W3"/>
+            </a:endParaRPr>
+          </a:p>
+          <a:p>
+            <a:r>
+              <a:rPr lang="en-US" sz="900" smtClean="0">
+                <a:latin typeface="ヒラギノ角ゴ Pro W3"/>
+                <a:ea typeface="ヒラギノ角ゴ Pro W3"/>
+                <a:cs typeface="ヒラギノ角ゴ Pro W3"/>
+              </a:rPr>
+              <a:t>the </a:t>
+            </a:r>
+            <a:r>
+              <a:rPr lang="en-US" sz="900" dirty="0">
+                <a:latin typeface="ヒラギノ角ゴ Pro W3"/>
+                <a:ea typeface="ヒラギノ角ゴ Pro W3"/>
+                <a:cs typeface="ヒラギノ角ゴ Pro W3"/>
+              </a:rPr>
+              <a:t>Kernel in the Real World</a:t>
+            </a:r>
+          </a:p>
+          <a:p>
+            <a:r>
+              <a:rPr lang="en-US" sz="900" dirty="0">
+                <a:latin typeface="ヒラギノ角ゴ Pro W3"/>
+                <a:ea typeface="ヒラギノ角ゴ Pro W3"/>
+                <a:cs typeface="ヒラギノ角ゴ Pro W3"/>
+              </a:rPr>
+              <a:t>Although the ideas presented here will be new to many of you, they have al- ready been successfully applied in the real world by both industry and </a:t>
+            </a:r>
+            <a:r>
+              <a:rPr lang="en-US" sz="900" dirty="0" err="1">
+                <a:latin typeface="ヒラギノ角ゴ Pro W3"/>
+                <a:ea typeface="ヒラギノ角ゴ Pro W3"/>
+                <a:cs typeface="ヒラギノ角ゴ Pro W3"/>
+              </a:rPr>
+              <a:t>aca</a:t>
+            </a:r>
+            <a:r>
+              <a:rPr lang="en-US" sz="900" dirty="0">
                 <a:latin typeface="ヒラギノ角ゴ Pro W3"/>
                 <a:ea typeface="ヒラギノ角ゴ Pro W3"/>
                 <a:cs typeface="ヒラギノ角ゴ Pro W3"/>
@@ -7129,149 +8934,7 @@
               <a:t>- </a:t>
             </a:r>
             <a:r>
-              <a:rPr lang="en-US" sz="1200" baseline="30000" dirty="0" err="1">
-                <a:latin typeface="ヒラギノ角ゴ Pro W3"/>
-                <a:ea typeface="ヒラギノ角ゴ Pro W3"/>
-                <a:cs typeface="ヒラギノ角ゴ Pro W3"/>
-              </a:rPr>
-              <a:t>sions</a:t>
-            </a:r>
-            <a:r>
-              <a:rPr lang="en-US" sz="1200" baseline="30000" dirty="0">
-                <a:latin typeface="ヒラギノ角ゴ Pro W3"/>
-                <a:ea typeface="ヒラギノ角ゴ Pro W3"/>
-                <a:cs typeface="ヒラギノ角ゴ Pro W3"/>
-              </a:rPr>
-              <a:t> of software development, help- </a:t>
-            </a:r>
-            <a:r>
-              <a:rPr lang="en-US" sz="1200" baseline="30000" dirty="0" err="1">
-                <a:latin typeface="ヒラギノ角ゴ Pro W3"/>
-                <a:ea typeface="ヒラギノ角ゴ Pro W3"/>
-                <a:cs typeface="ヒラギノ角ゴ Pro W3"/>
-              </a:rPr>
-              <a:t>ing</a:t>
-            </a:r>
-            <a:r>
-              <a:rPr lang="en-US" sz="1200" baseline="30000" dirty="0">
-                <a:latin typeface="ヒラギノ角ゴ Pro W3"/>
-                <a:ea typeface="ヒラギノ角ゴ Pro W3"/>
-                <a:cs typeface="ヒラギノ角ゴ Pro W3"/>
-              </a:rPr>
-              <a:t> create a plan that addresses all di- </a:t>
-            </a:r>
-            <a:r>
-              <a:rPr lang="en-US" sz="1200" baseline="30000" dirty="0" err="1">
-                <a:latin typeface="ヒラギノ角ゴ Pro W3"/>
-                <a:ea typeface="ヒラギノ角ゴ Pro W3"/>
-                <a:cs typeface="ヒラギノ角ゴ Pro W3"/>
-              </a:rPr>
-              <a:t>mensions</a:t>
-            </a:r>
-            <a:r>
-              <a:rPr lang="en-US" sz="1200" baseline="30000" dirty="0">
-                <a:latin typeface="ヒラギノ角ゴ Pro W3"/>
-                <a:ea typeface="ヒラギノ角ゴ Pro W3"/>
-                <a:cs typeface="ヒラギノ角ゴ Pro W3"/>
-              </a:rPr>
-              <a:t> in a balanced way.</a:t>
-            </a:r>
-          </a:p>
-          <a:p>
-            <a:r>
-              <a:rPr lang="en-US" sz="1200" baseline="30000" dirty="0">
-                <a:latin typeface="ヒラギノ角ゴ Pro W3"/>
-                <a:ea typeface="ヒラギノ角ゴ Pro W3"/>
-                <a:cs typeface="ヒラギノ角ゴ Pro W3"/>
-              </a:rPr>
-              <a:t>Concrete. The checklists for each al- </a:t>
-            </a:r>
-            <a:r>
-              <a:rPr lang="en-US" sz="1200" baseline="30000" dirty="0" err="1">
-                <a:latin typeface="ヒラギノ角ゴ Pro W3"/>
-                <a:ea typeface="ヒラギノ角ゴ Pro W3"/>
-                <a:cs typeface="ヒラギノ角ゴ Pro W3"/>
-              </a:rPr>
-              <a:t>pha</a:t>
-            </a:r>
-            <a:r>
-              <a:rPr lang="en-US" sz="1200" baseline="30000" dirty="0">
-                <a:latin typeface="ヒラギノ角ゴ Pro W3"/>
-                <a:ea typeface="ヒラギノ角ゴ Pro W3"/>
-                <a:cs typeface="ヒラギノ角ゴ Pro W3"/>
-              </a:rPr>
-              <a:t> state hint at what you need to do in the iteration. The same checklists help determine your progress by making clear what you have done and </a:t>
-            </a:r>
-            <a:r>
-              <a:rPr lang="en-US" sz="1200" baseline="30000" dirty="0" err="1">
-                <a:latin typeface="ヒラギノ角ゴ Pro W3"/>
-                <a:ea typeface="ヒラギノ角ゴ Pro W3"/>
-                <a:cs typeface="ヒラギノ角ゴ Pro W3"/>
-              </a:rPr>
-              <a:t>compar</a:t>
-            </a:r>
-            <a:r>
-              <a:rPr lang="en-US" sz="1200" baseline="30000" dirty="0">
-                <a:latin typeface="ヒラギノ角ゴ Pro W3"/>
-                <a:ea typeface="ヒラギノ角ゴ Pro W3"/>
-                <a:cs typeface="ヒラギノ角ゴ Pro W3"/>
-              </a:rPr>
-              <a:t>- </a:t>
-            </a:r>
-            <a:r>
-              <a:rPr lang="en-US" sz="1200" baseline="30000" dirty="0" err="1">
-                <a:latin typeface="ヒラギノ角ゴ Pro W3"/>
-                <a:ea typeface="ヒラギノ角ゴ Pro W3"/>
-                <a:cs typeface="ヒラギノ角ゴ Pro W3"/>
-              </a:rPr>
-              <a:t>ing</a:t>
-            </a:r>
-            <a:r>
-              <a:rPr lang="en-US" sz="1200" baseline="30000" dirty="0">
-                <a:latin typeface="ヒラギノ角ゴ Pro W3"/>
-                <a:ea typeface="ヒラギノ角ゴ Pro W3"/>
-                <a:cs typeface="ヒラギノ角ゴ Pro W3"/>
-              </a:rPr>
-              <a:t> this with what you intended to do.</a:t>
-            </a:r>
-          </a:p>
-          <a:p>
-            <a:r>
-              <a:rPr lang="en-US" sz="1200" baseline="30000" dirty="0">
-                <a:latin typeface="ヒラギノ角ゴ Pro W3"/>
-                <a:ea typeface="ヒラギノ角ゴ Pro W3"/>
-                <a:cs typeface="ヒラギノ角ゴ Pro W3"/>
-              </a:rPr>
-              <a:t>the Kernel in the Real World</a:t>
-            </a:r>
-          </a:p>
-          <a:p>
-            <a:r>
-              <a:rPr lang="en-US" sz="1200" baseline="30000" dirty="0">
-                <a:latin typeface="ヒラギノ角ゴ Pro W3"/>
-                <a:ea typeface="ヒラギノ角ゴ Pro W3"/>
-                <a:cs typeface="ヒラギノ角ゴ Pro W3"/>
-              </a:rPr>
-              <a:t>Although the ideas presented here will be new to many of you, they have al- ready been successfully applied in the real world by both industry and </a:t>
-            </a:r>
-            <a:r>
-              <a:rPr lang="en-US" sz="1200" baseline="30000" dirty="0" err="1">
-                <a:latin typeface="ヒラギノ角ゴ Pro W3"/>
-                <a:ea typeface="ヒラギノ角ゴ Pro W3"/>
-                <a:cs typeface="ヒラギノ角ゴ Pro W3"/>
-              </a:rPr>
-              <a:t>aca</a:t>
-            </a:r>
-            <a:r>
-              <a:rPr lang="en-US" sz="1200" baseline="30000" dirty="0">
-                <a:latin typeface="ヒラギノ角ゴ Pro W3"/>
-                <a:ea typeface="ヒラギノ角ゴ Pro W3"/>
-                <a:cs typeface="ヒラギノ角ゴ Pro W3"/>
-              </a:rPr>
-              <a:t>- </a:t>
-            </a:r>
-            <a:r>
-              <a:rPr lang="en-US" sz="1200" baseline="30000" dirty="0" err="1">
+              <a:rPr lang="en-US" sz="900" dirty="0" err="1">
                 <a:latin typeface="ヒラギノ角ゴ Pro W3"/>
                 <a:ea typeface="ヒラギノ角ゴ Pro W3"/>
                 <a:cs typeface="ヒラギノ角ゴ Pro W3"/>
@@ -7279,7 +8942,7 @@
               <a:t>demia</a:t>
             </a:r>
             <a:r>
-              <a:rPr lang="en-US" sz="1200" baseline="30000" dirty="0">
+              <a:rPr lang="en-US" sz="900" dirty="0">
                 <a:latin typeface="ヒラギノ角ゴ Pro W3"/>
                 <a:ea typeface="ヒラギノ角ゴ Pro W3"/>
                 <a:cs typeface="ヒラギノ角ゴ Pro W3"/>
@@ -7287,7 +8950,7 @@
               <a:t>. In all cases they used the kernel and practices developed by </a:t>
             </a:r>
             <a:r>
-              <a:rPr lang="en-US" sz="1200" baseline="30000" dirty="0" err="1">
+              <a:rPr lang="en-US" sz="900" dirty="0" err="1">
                 <a:latin typeface="ヒラギノ角ゴ Pro W3"/>
                 <a:ea typeface="ヒラギノ角ゴ Pro W3"/>
                 <a:cs typeface="ヒラギノ角ゴ Pro W3"/>
@@ -7295,7 +8958,7 @@
               <a:t>Ivar</a:t>
             </a:r>
             <a:r>
-              <a:rPr lang="en-US" sz="1200" baseline="30000" dirty="0">
+              <a:rPr lang="en-US" sz="900" dirty="0">
                 <a:latin typeface="ヒラギノ角ゴ Pro W3"/>
                 <a:ea typeface="ヒラギノ角ゴ Pro W3"/>
                 <a:cs typeface="ヒラギノ角ゴ Pro W3"/>
@@ -7305,7 +8968,7 @@
           </a:p>
           <a:p>
             <a:r>
-              <a:rPr lang="en-US" sz="1200" baseline="30000" dirty="0">
+              <a:rPr lang="en-US" sz="900" dirty="0">
                 <a:latin typeface="ヒラギノ角ゴ Pro W3"/>
                 <a:ea typeface="ヒラギノ角ゴ Pro W3"/>
                 <a:cs typeface="ヒラギノ角ゴ Pro W3"/>
@@ -7313,7 +8976,7 @@
               <a:t>˲ </a:t>
             </a:r>
             <a:r>
-              <a:rPr lang="en-US" sz="1200" baseline="30000" dirty="0" err="1">
+              <a:rPr lang="en-US" sz="900" dirty="0" err="1">
                 <a:latin typeface="ヒラギノ角ゴ Pro W3"/>
                 <a:ea typeface="ヒラギノ角ゴ Pro W3"/>
                 <a:cs typeface="ヒラギノ角ゴ Pro W3"/>
@@ -7321,7 +8984,7 @@
               <a:t>MunichRe</a:t>
             </a:r>
             <a:r>
-              <a:rPr lang="en-US" sz="1200" baseline="30000" dirty="0">
+              <a:rPr lang="en-US" sz="900" dirty="0">
                 <a:latin typeface="ヒラギノ角ゴ Pro W3"/>
                 <a:ea typeface="ヒラギノ角ゴ Pro W3"/>
                 <a:cs typeface="ヒラギノ角ゴ Pro W3"/>
@@ -7329,7 +8992,7 @@
               <a:t>, the world’s leading re- insurance company, where a family of “collaboration models” has been as- </a:t>
             </a:r>
             <a:r>
-              <a:rPr lang="en-US" sz="1200" baseline="30000" dirty="0" err="1">
+              <a:rPr lang="en-US" sz="900" dirty="0" err="1">
                 <a:latin typeface="ヒラギノ角ゴ Pro W3"/>
                 <a:ea typeface="ヒラギノ角ゴ Pro W3"/>
                 <a:cs typeface="ヒラギノ角ゴ Pro W3"/>
@@ -7337,7 +9000,7 @@
               <a:t>sembled</a:t>
             </a:r>
             <a:r>
-              <a:rPr lang="en-US" sz="1200" baseline="30000" dirty="0">
+              <a:rPr lang="en-US" sz="900" dirty="0">
                 <a:latin typeface="ヒラギノ角ゴ Pro W3"/>
                 <a:ea typeface="ヒラギノ角ゴ Pro W3"/>
                 <a:cs typeface="ヒラギノ角ゴ Pro W3"/>
@@ -7347,7 +9010,7 @@
           </a:p>
           <a:p>
             <a:r>
-              <a:rPr lang="en-US" sz="1200" baseline="30000" dirty="0">
+              <a:rPr lang="en-US" sz="900" dirty="0">
                 <a:latin typeface="ヒラギノ角ゴ Pro W3"/>
                 <a:ea typeface="ヒラギノ角ゴ Pro W3"/>
                 <a:cs typeface="ヒラギノ角ゴ Pro W3"/>
@@ -7355,7 +9018,7 @@
               <a:t>˲ Fujitsu Services, where the Apt Toolkit has been built on top of an ear- </a:t>
             </a:r>
             <a:r>
-              <a:rPr lang="en-US" sz="1200" baseline="30000" dirty="0" err="1">
+              <a:rPr lang="en-US" sz="900" dirty="0" err="1">
                 <a:latin typeface="ヒラギノ角ゴ Pro W3"/>
                 <a:ea typeface="ヒラギノ角ゴ Pro W3"/>
                 <a:cs typeface="ヒラギノ角ゴ Pro W3"/>
@@ -7363,7 +9026,7 @@
               <a:t>ly</a:t>
             </a:r>
             <a:r>
-              <a:rPr lang="en-US" sz="1200" baseline="30000" dirty="0">
+              <a:rPr lang="en-US" sz="900" dirty="0">
                 <a:latin typeface="ヒラギノ角ゴ Pro W3"/>
                 <a:ea typeface="ヒラギノ角ゴ Pro W3"/>
                 <a:cs typeface="ヒラギノ角ゴ Pro W3"/>
@@ -8188,11 +9851,6 @@
               </a:rPr>
               <a:t>For example, the kernel supports </a:t>
             </a:r>
-            <a:endParaRPr lang="en-US" sz="1200" baseline="30000" dirty="0">
-              <a:latin typeface="ヒラギノ角ゴ Pro W3"/>
-              <a:ea typeface="ヒラギノ角ゴ Pro W3"/>
-              <a:cs typeface="ヒラギノ角ゴ Pro W3"/>
-            </a:endParaRPr>
           </a:p>
           <a:p>
             <a:r>
@@ -8235,11 +9893,6 @@
               </a:rPr>
               <a:t> over methods. </a:t>
             </a:r>
-            <a:endParaRPr lang="en-US" sz="1200" baseline="30000" dirty="0">
-              <a:latin typeface="ヒラギノ角ゴ Pro W3"/>
-              <a:ea typeface="ヒラギノ角ゴ Pro W3"/>
-              <a:cs typeface="ヒラギノ角ゴ Pro W3"/>
-            </a:endParaRPr>
           </a:p>
           <a:p>
             <a:r>
@@ -8362,11 +10015,6 @@
               </a:rPr>
               <a:t> they need to take to get back on course, to extend their method, or to address a critical gap in their way of working. It focuses on the needs of the software professional and values the “use of methods” over “the description of method definitions” (as has been normal in the past). </a:t>
             </a:r>
-            <a:endParaRPr lang="en-US" sz="1200" baseline="30000" dirty="0">
-              <a:latin typeface="ヒラギノ角ゴ Pro W3"/>
-              <a:ea typeface="ヒラギノ角ゴ Pro W3"/>
-              <a:cs typeface="ヒラギノ角ゴ Pro W3"/>
-            </a:endParaRPr>
           </a:p>
           <a:p>
             <a:r>
@@ -8473,11 +10121,6 @@
               </a:rPr>
               <a:t>- proving the teams’ ability to deliver. </a:t>
             </a:r>
-            <a:endParaRPr lang="en-US" sz="1200" baseline="30000" dirty="0">
-              <a:latin typeface="ヒラギノ角ゴ Pro W3"/>
-              <a:ea typeface="ヒラギノ角ゴ Pro W3"/>
-              <a:cs typeface="ヒラギノ角ゴ Pro W3"/>
-            </a:endParaRPr>
           </a:p>
           <a:p>
             <a:r>
@@ -8544,11 +10187,6 @@
               </a:rPr>
               <a:t>, and for the teams they work in. For example, it helps you assess the progress and health of software- development endeavors, evaluate cur- rent practices, and improve your way </a:t>
             </a:r>
-            <a:endParaRPr lang="en-US" sz="1200" baseline="30000" dirty="0">
-              <a:latin typeface="ヒラギノ角ゴ Pro W3"/>
-              <a:ea typeface="ヒラギノ角ゴ Pro W3"/>
-              <a:cs typeface="ヒラギノ角ゴ Pro W3"/>
-            </a:endParaRPr>
           </a:p>
           <a:p>
             <a:endParaRPr lang="en-US" sz="1200" baseline="30000" dirty="0">
@@ -9518,11 +11156,6 @@
               </a:rPr>
               <a:t> vision </a:t>
             </a:r>
-            <a:endParaRPr lang="en-US" sz="1200" baseline="30000" dirty="0">
-              <a:latin typeface="ヒラギノ角ゴ Pro W3"/>
-              <a:ea typeface="ヒラギノ角ゴ Pro W3"/>
-              <a:cs typeface="ヒラギノ角ゴ Pro W3"/>
-            </a:endParaRPr>
           </a:p>
           <a:p>
             <a:r>
@@ -9564,11 +11197,6 @@
               </a:rPr>
               <a:t>, P., Spence, </a:t>
             </a:r>
-            <a:endParaRPr lang="en-US" sz="1200" baseline="30000" dirty="0">
-              <a:latin typeface="ヒラギノ角ゴ Pro W3"/>
-              <a:ea typeface="ヒラギノ角ゴ Pro W3"/>
-              <a:cs typeface="ヒラギノ角ゴ Pro W3"/>
-            </a:endParaRPr>
           </a:p>
           <a:p>
             <a:r>
@@ -9627,11 +11255,6 @@
               </a:rPr>
               <a:t>.) </a:t>
             </a:r>
-            <a:endParaRPr lang="en-US" sz="1200" baseline="30000" dirty="0">
-              <a:latin typeface="ヒラギノ角ゴ Pro W3"/>
-              <a:ea typeface="ヒラギノ角ゴ Pro W3"/>
-              <a:cs typeface="ヒラギノ角ゴ Pro W3"/>
-            </a:endParaRPr>
           </a:p>
           <a:p>
             <a:r>
@@ -9658,11 +11281,6 @@
               </a:rPr>
               <a:t>6 (2007), 41-67. </a:t>
             </a:r>
-            <a:endParaRPr lang="en-US" sz="1200" baseline="30000" dirty="0">
-              <a:latin typeface="ヒラギノ角ゴ Pro W3"/>
-              <a:ea typeface="ヒラギノ角ゴ Pro W3"/>
-              <a:cs typeface="ヒラギノ角ゴ Pro W3"/>
-            </a:endParaRPr>
           </a:p>
           <a:p>
             <a:r>
@@ -9720,11 +11338,6 @@
               </a:rPr>
               <a:t>). RFP: A foundation for the Agile creation and enactment of software </a:t>
             </a:r>
-            <a:endParaRPr lang="en-US" sz="1200" baseline="30000" dirty="0">
-              <a:latin typeface="ヒラギノ角ゴ Pro W3"/>
-              <a:ea typeface="ヒラギノ角ゴ Pro W3"/>
-              <a:cs typeface="ヒラギノ角ゴ Pro W3"/>
-            </a:endParaRPr>
           </a:p>
           <a:p>
             <a:r>
@@ -9766,11 +11379,6 @@
               </a:rPr>
               <a:t>, m. Lightweight application </a:t>
             </a:r>
-            <a:endParaRPr lang="en-US" sz="1200" baseline="30000" dirty="0">
-              <a:latin typeface="ヒラギノ角ゴ Pro W3"/>
-              <a:ea typeface="ヒラギノ角ゴ Pro W3"/>
-              <a:cs typeface="ヒラギノ角ゴ Pro W3"/>
-            </a:endParaRPr>
           </a:p>
           <a:p>
             <a:r>
@@ -9797,11 +11405,6 @@
               </a:rPr>
               <a:t>(Oct. 2010) </a:t>
             </a:r>
-            <a:endParaRPr lang="en-US" sz="1200" baseline="30000" dirty="0">
-              <a:latin typeface="ヒラギノ角ゴ Pro W3"/>
-              <a:ea typeface="ヒラギノ角ゴ Pro W3"/>
-              <a:cs typeface="ヒラギノ角ゴ Pro W3"/>
-            </a:endParaRPr>
           </a:p>
           <a:p>
             <a:endParaRPr lang="en-US" sz="1200" baseline="30000" dirty="0">

--- a/p42-jacobson_ja/p42-jacobson_ja.pptx
+++ b/p42-jacobson_ja/p42-jacobson_ja.pptx
@@ -295,7 +295,7 @@
           <a:p>
             <a:fld id="{0250A163-ACDB-304E-8C8E-D7913C06F9E0}" type="datetimeFigureOut">
               <a:rPr lang="en-US" smtClean="0"/>
-              <a:t>4/8/13</a:t>
+              <a:t>4/10/13</a:t>
             </a:fld>
             <a:endParaRPr lang="en-US"/>
           </a:p>
@@ -465,7 +465,7 @@
           <a:p>
             <a:fld id="{0250A163-ACDB-304E-8C8E-D7913C06F9E0}" type="datetimeFigureOut">
               <a:rPr lang="en-US" smtClean="0"/>
-              <a:t>4/8/13</a:t>
+              <a:t>4/10/13</a:t>
             </a:fld>
             <a:endParaRPr lang="en-US"/>
           </a:p>
@@ -645,7 +645,7 @@
           <a:p>
             <a:fld id="{0250A163-ACDB-304E-8C8E-D7913C06F9E0}" type="datetimeFigureOut">
               <a:rPr lang="en-US" smtClean="0"/>
-              <a:t>4/8/13</a:t>
+              <a:t>4/10/13</a:t>
             </a:fld>
             <a:endParaRPr lang="en-US"/>
           </a:p>
@@ -815,7 +815,7 @@
           <a:p>
             <a:fld id="{0250A163-ACDB-304E-8C8E-D7913C06F9E0}" type="datetimeFigureOut">
               <a:rPr lang="en-US" smtClean="0"/>
-              <a:t>4/8/13</a:t>
+              <a:t>4/10/13</a:t>
             </a:fld>
             <a:endParaRPr lang="en-US"/>
           </a:p>
@@ -1061,7 +1061,7 @@
           <a:p>
             <a:fld id="{0250A163-ACDB-304E-8C8E-D7913C06F9E0}" type="datetimeFigureOut">
               <a:rPr lang="en-US" smtClean="0"/>
-              <a:t>4/8/13</a:t>
+              <a:t>4/10/13</a:t>
             </a:fld>
             <a:endParaRPr lang="en-US"/>
           </a:p>
@@ -1349,7 +1349,7 @@
           <a:p>
             <a:fld id="{0250A163-ACDB-304E-8C8E-D7913C06F9E0}" type="datetimeFigureOut">
               <a:rPr lang="en-US" smtClean="0"/>
-              <a:t>4/8/13</a:t>
+              <a:t>4/10/13</a:t>
             </a:fld>
             <a:endParaRPr lang="en-US"/>
           </a:p>
@@ -1776,7 +1776,7 @@
           <a:p>
             <a:fld id="{0250A163-ACDB-304E-8C8E-D7913C06F9E0}" type="datetimeFigureOut">
               <a:rPr lang="en-US" smtClean="0"/>
-              <a:t>4/8/13</a:t>
+              <a:t>4/10/13</a:t>
             </a:fld>
             <a:endParaRPr lang="en-US"/>
           </a:p>
@@ -1894,7 +1894,7 @@
           <a:p>
             <a:fld id="{0250A163-ACDB-304E-8C8E-D7913C06F9E0}" type="datetimeFigureOut">
               <a:rPr lang="en-US" smtClean="0"/>
-              <a:t>4/8/13</a:t>
+              <a:t>4/10/13</a:t>
             </a:fld>
             <a:endParaRPr lang="en-US"/>
           </a:p>
@@ -1989,7 +1989,7 @@
           <a:p>
             <a:fld id="{0250A163-ACDB-304E-8C8E-D7913C06F9E0}" type="datetimeFigureOut">
               <a:rPr lang="en-US" smtClean="0"/>
-              <a:t>4/8/13</a:t>
+              <a:t>4/10/13</a:t>
             </a:fld>
             <a:endParaRPr lang="en-US"/>
           </a:p>
@@ -2266,7 +2266,7 @@
           <a:p>
             <a:fld id="{0250A163-ACDB-304E-8C8E-D7913C06F9E0}" type="datetimeFigureOut">
               <a:rPr lang="en-US" smtClean="0"/>
-              <a:t>4/8/13</a:t>
+              <a:t>4/10/13</a:t>
             </a:fld>
             <a:endParaRPr lang="en-US"/>
           </a:p>
@@ -2519,7 +2519,7 @@
           <a:p>
             <a:fld id="{0250A163-ACDB-304E-8C8E-D7913C06F9E0}" type="datetimeFigureOut">
               <a:rPr lang="en-US" smtClean="0"/>
-              <a:t>4/8/13</a:t>
+              <a:t>4/10/13</a:t>
             </a:fld>
             <a:endParaRPr lang="en-US"/>
           </a:p>
@@ -2732,7 +2732,7 @@
           <a:p>
             <a:fld id="{0250A163-ACDB-304E-8C8E-D7913C06F9E0}" type="datetimeFigureOut">
               <a:rPr lang="en-US" smtClean="0"/>
-              <a:t>4/8/13</a:t>
+              <a:t>4/10/13</a:t>
             </a:fld>
             <a:endParaRPr lang="en-US"/>
           </a:p>
@@ -3225,11 +3225,6 @@
               </a:rPr>
               <a:t>) 記事</a:t>
             </a:r>
-            <a:endParaRPr lang="en-US" sz="1050" dirty="0">
-              <a:latin typeface="ヒラギノ角ゴ Pro W3"/>
-              <a:ea typeface="ヒラギノ角ゴ Pro W3"/>
-              <a:cs typeface="ヒラギノ角ゴ Pro W3"/>
-            </a:endParaRPr>
           </a:p>
         </p:txBody>
       </p:sp>
@@ -3828,23 +3823,7 @@
                 <a:ea typeface="ヒラギノ角ゴ Pro W3"/>
                 <a:cs typeface="ヒラギノ角ゴ Pro W3"/>
               </a:rPr>
-              <a:t>なら</a:t>
-            </a:r>
-            <a:r>
-              <a:rPr lang="ja-JP" altLang="en-US" sz="1200" dirty="0" smtClean="0">
-                <a:latin typeface="ヒラギノ角ゴ Pro W3"/>
-                <a:ea typeface="ヒラギノ角ゴ Pro W3"/>
-                <a:cs typeface="ヒラギノ角ゴ Pro W3"/>
-              </a:rPr>
-              <a:t>な</a:t>
-            </a:r>
-            <a:r>
-              <a:rPr lang="ja-JP" altLang="en-US" sz="1200" dirty="0" smtClean="0">
-                <a:latin typeface="ヒラギノ角ゴ Pro W3"/>
-                <a:ea typeface="ヒラギノ角ゴ Pro W3"/>
-                <a:cs typeface="ヒラギノ角ゴ Pro W3"/>
-              </a:rPr>
-              <a:t>い</a:t>
+              <a:t>ならない</a:t>
             </a:r>
             <a:r>
               <a:rPr lang="ja-JP" altLang="en-US" sz="1200" dirty="0">
@@ -4401,15 +4380,7 @@
                 <a:ea typeface="ヒラギノ角ゴ Pro W3"/>
                 <a:cs typeface="ヒラギノ角ゴ Pro W3"/>
               </a:rPr>
-              <a:t>だ</a:t>
-            </a:r>
-            <a:r>
-              <a:rPr lang="ja-JP" altLang="en-US" sz="900" dirty="0" smtClean="0">
-                <a:latin typeface="ヒラギノ角ゴ Pro W3"/>
-                <a:ea typeface="ヒラギノ角ゴ Pro W3"/>
-                <a:cs typeface="ヒラギノ角ゴ Pro W3"/>
-              </a:rPr>
-              <a:t>。</a:t>
+              <a:t>だ。</a:t>
             </a:r>
             <a:endParaRPr lang="en-US" sz="900" dirty="0" smtClean="0">
               <a:latin typeface="ヒラギノ角ゴ Pro W3"/>
@@ -5559,23 +5530,7 @@
                 <a:ea typeface="ヒラギノ角ゴ Pro W3"/>
                 <a:cs typeface="ヒラギノ角ゴ Pro W3"/>
               </a:rPr>
-              <a:t>合わせた</a:t>
-            </a:r>
-            <a:r>
-              <a:rPr lang="ja-JP" altLang="en-US" sz="900" dirty="0" smtClean="0">
-                <a:latin typeface="ヒラギノ角ゴ Pro W3"/>
-                <a:ea typeface="ヒラギノ角ゴ Pro W3"/>
-                <a:cs typeface="ヒラギノ角ゴ Pro W3"/>
-              </a:rPr>
-              <a:t>：</a:t>
-            </a:r>
-            <a:r>
-              <a:rPr lang="ja-JP" altLang="en-US" sz="900" dirty="0" smtClean="0">
-                <a:latin typeface="ヒラギノ角ゴ Pro W3"/>
-                <a:ea typeface="ヒラギノ角ゴ Pro W3"/>
-                <a:cs typeface="ヒラギノ角ゴ Pro W3"/>
-              </a:rPr>
-              <a:t>広く</a:t>
+              <a:t>合わせた：広く</a:t>
             </a:r>
             <a:r>
               <a:rPr lang="ja-JP" altLang="en-US" sz="900" dirty="0">
@@ -5952,15 +5907,7 @@
                 <a:ea typeface="ヒラギノ角ゴ Pro W3"/>
                 <a:cs typeface="ヒラギノ角ゴ Pro W3"/>
               </a:rPr>
-              <a:t>する</a:t>
-            </a:r>
-            <a:r>
-              <a:rPr lang="ja-JP" altLang="en-US" sz="900" dirty="0" smtClean="0">
-                <a:latin typeface="ヒラギノ角ゴ Pro W3"/>
-                <a:ea typeface="ヒラギノ角ゴ Pro W3"/>
-                <a:cs typeface="ヒラギノ角ゴ Pro W3"/>
-              </a:rPr>
-              <a:t>。</a:t>
+              <a:t>する。</a:t>
             </a:r>
             <a:r>
               <a:rPr lang="en-US" altLang="ja-JP" sz="900" dirty="0" smtClean="0">
@@ -6653,18 +6600,7 @@
                 <a:ea typeface="ヒラギノ角ゴ Pro W3"/>
                 <a:cs typeface="ヒラギノ角ゴ Pro W3"/>
               </a:rPr>
-              <a:t>ある</a:t>
-            </a:r>
-            <a:r>
-              <a:rPr lang="ja-JP" altLang="en-US" sz="1050" b="1" dirty="0" smtClean="0">
-                <a:solidFill>
-                  <a:srgbClr val="1A1818"/>
-                </a:solidFill>
-                <a:latin typeface="ヒラギノ角ゴ Pro W3"/>
-                <a:ea typeface="ヒラギノ角ゴ Pro W3"/>
-                <a:cs typeface="ヒラギノ角ゴ Pro W3"/>
-              </a:rPr>
-              <a:t>。</a:t>
+              <a:t>ある。</a:t>
             </a:r>
             <a:endParaRPr lang="en-US" altLang="ja-JP" sz="1050" b="1" dirty="0" smtClean="0">
               <a:solidFill>
@@ -7613,15 +7549,7 @@
                 <a:ea typeface="ヒラギノ角ゴ Pro W3"/>
                 <a:cs typeface="ヒラギノ角ゴ Pro W3"/>
               </a:rPr>
-              <a:t>挙げられる</a:t>
-            </a:r>
-            <a:r>
-              <a:rPr lang="ja-JP" altLang="en-US" sz="900" dirty="0" smtClean="0">
-                <a:latin typeface="ヒラギノ角ゴ Pro W3"/>
-                <a:ea typeface="ヒラギノ角ゴ Pro W3"/>
-                <a:cs typeface="ヒラギノ角ゴ Pro W3"/>
-              </a:rPr>
-              <a:t>。</a:t>
+              <a:t>挙げられる。</a:t>
             </a:r>
             <a:endParaRPr lang="en-US" altLang="ja-JP" sz="900" dirty="0" smtClean="0">
               <a:latin typeface="ヒラギノ角ゴ Pro W3"/>
@@ -8746,7 +8674,7 @@
         <p:spPr>
           <a:xfrm>
             <a:off x="255507" y="3417951"/>
-            <a:ext cx="2021756" cy="7478966"/>
+            <a:ext cx="2021756" cy="6532555"/>
           </a:xfrm>
           <a:prstGeom prst="rect">
             <a:avLst/>
@@ -8882,8 +8810,23 @@
                 <a:ea typeface="ヒラギノ角ゴ Pro W3"/>
                 <a:cs typeface="ヒラギノ角ゴ Pro W3"/>
               </a:rPr>
-              <a:t>の状態のチェックリストは、イテレーションにおいてすべき事柄のヒントを与える。同チェックリストにより、達成した事柄を明確として、本来達成すべきと意図した事柄との比較を通じて現在の進展を特定しやすくなる。</a:t>
-            </a:r>
+              <a:t>の状態のチェックリストは、イテレーションにおいてすべき事柄のヒントを与える。同チェックリストにより、達成した事柄を明確として、本来達成すべきと意図した事柄との比較を通じて現在の進展を特定しやすくなる</a:t>
+            </a:r>
+            <a:r>
+              <a:rPr lang="ja-JP" altLang="en-US" sz="900" dirty="0" smtClean="0">
+                <a:latin typeface="ヒラギノ角ゴ Pro W3"/>
+                <a:ea typeface="ヒラギノ角ゴ Pro W3"/>
+                <a:cs typeface="ヒラギノ角ゴ Pro W3"/>
+              </a:rPr>
+              <a:t>。</a:t>
+            </a:r>
+            <a:endParaRPr lang="en-US" altLang="ja-JP" sz="900" dirty="0" smtClean="0">
+              <a:latin typeface="ヒラギノ角ゴ Pro W3"/>
+              <a:ea typeface="ヒラギノ角ゴ Pro W3"/>
+              <a:cs typeface="ヒラギノ角ゴ Pro W3"/>
+            </a:endParaRPr>
+          </a:p>
+          <a:p>
             <a:endParaRPr lang="en-US" sz="900" dirty="0">
               <a:latin typeface="ヒラギノ角ゴ Pro W3"/>
               <a:ea typeface="ヒラギノ角ゴ Pro W3"/>
@@ -8892,65 +8835,82 @@
           </a:p>
           <a:p>
             <a:r>
-              <a:rPr lang="en-US" sz="900" smtClean="0">
-                <a:latin typeface="ヒラギノ角ゴ Pro W3"/>
-                <a:ea typeface="ヒラギノ角ゴ Pro W3"/>
-                <a:cs typeface="ヒラギノ角ゴ Pro W3"/>
-              </a:rPr>
-              <a:t>the </a:t>
-            </a:r>
-            <a:r>
-              <a:rPr lang="en-US" sz="900" dirty="0">
-                <a:latin typeface="ヒラギノ角ゴ Pro W3"/>
-                <a:ea typeface="ヒラギノ角ゴ Pro W3"/>
-                <a:cs typeface="ヒラギノ角ゴ Pro W3"/>
-              </a:rPr>
-              <a:t>Kernel in the Real World</a:t>
-            </a:r>
-          </a:p>
-          <a:p>
-            <a:r>
-              <a:rPr lang="en-US" sz="900" dirty="0">
-                <a:latin typeface="ヒラギノ角ゴ Pro W3"/>
-                <a:ea typeface="ヒラギノ角ゴ Pro W3"/>
-                <a:cs typeface="ヒラギノ角ゴ Pro W3"/>
-              </a:rPr>
-              <a:t>Although the ideas presented here will be new to many of you, they have al- ready been successfully applied in the real world by both industry and </a:t>
-            </a:r>
-            <a:r>
-              <a:rPr lang="en-US" sz="900" dirty="0" err="1">
-                <a:latin typeface="ヒラギノ角ゴ Pro W3"/>
-                <a:ea typeface="ヒラギノ角ゴ Pro W3"/>
-                <a:cs typeface="ヒラギノ角ゴ Pro W3"/>
-              </a:rPr>
-              <a:t>aca</a:t>
-            </a:r>
-            <a:r>
-              <a:rPr lang="en-US" sz="900" dirty="0">
-                <a:latin typeface="ヒラギノ角ゴ Pro W3"/>
-                <a:ea typeface="ヒラギノ角ゴ Pro W3"/>
-                <a:cs typeface="ヒラギノ角ゴ Pro W3"/>
-              </a:rPr>
-              <a:t>- </a:t>
-            </a:r>
-            <a:r>
-              <a:rPr lang="en-US" sz="900" dirty="0" err="1">
-                <a:latin typeface="ヒラギノ角ゴ Pro W3"/>
-                <a:ea typeface="ヒラギノ角ゴ Pro W3"/>
-                <a:cs typeface="ヒラギノ角ゴ Pro W3"/>
-              </a:rPr>
-              <a:t>demia</a:t>
-            </a:r>
-            <a:r>
-              <a:rPr lang="en-US" sz="900" dirty="0">
-                <a:latin typeface="ヒラギノ角ゴ Pro W3"/>
-                <a:ea typeface="ヒラギノ角ゴ Pro W3"/>
-                <a:cs typeface="ヒラギノ角ゴ Pro W3"/>
-              </a:rPr>
-              <a:t>. In all cases they used the kernel and practices developed by </a:t>
-            </a:r>
-            <a:r>
-              <a:rPr lang="en-US" sz="900" dirty="0" err="1">
+              <a:rPr lang="ja-JP" altLang="en-US" sz="1050" b="1" dirty="0">
+                <a:latin typeface="ヒラギノ角ゴ Pro W3"/>
+                <a:ea typeface="ヒラギノ角ゴ Pro W3"/>
+                <a:cs typeface="ヒラギノ角ゴ Pro W3"/>
+              </a:rPr>
+              <a:t>実世界におけるカーネル</a:t>
+            </a:r>
+            <a:endParaRPr lang="en-US" sz="1050" b="1" dirty="0">
+              <a:latin typeface="ヒラギノ角ゴ Pro W3"/>
+              <a:ea typeface="ヒラギノ角ゴ Pro W3"/>
+              <a:cs typeface="ヒラギノ角ゴ Pro W3"/>
+            </a:endParaRPr>
+          </a:p>
+          <a:p>
+            <a:r>
+              <a:rPr lang="ja-JP" altLang="en-US" sz="900" dirty="0">
+                <a:latin typeface="ヒラギノ角ゴ Pro W3"/>
+                <a:ea typeface="ヒラギノ角ゴ Pro W3"/>
+                <a:cs typeface="ヒラギノ角ゴ Pro W3"/>
+              </a:rPr>
+              <a:t>ここで紹介されたアイデアは多くの皆さんに</a:t>
+            </a:r>
+            <a:r>
+              <a:rPr lang="ja-JP" altLang="en-US" sz="900" dirty="0" smtClean="0">
+                <a:latin typeface="ヒラギノ角ゴ Pro W3"/>
+                <a:ea typeface="ヒラギノ角ゴ Pro W3"/>
+                <a:cs typeface="ヒラギノ角ゴ Pro W3"/>
+              </a:rPr>
+              <a:t>とって新しい</a:t>
+            </a:r>
+            <a:r>
+              <a:rPr lang="ja-JP" altLang="en-US" sz="900" dirty="0">
+                <a:latin typeface="ヒラギノ角ゴ Pro W3"/>
+                <a:ea typeface="ヒラギノ角ゴ Pro W3"/>
+                <a:cs typeface="ヒラギノ角ゴ Pro W3"/>
+              </a:rPr>
+              <a:t>ものであるにもかかわらず、すでに産学両方で</a:t>
+            </a:r>
+          </a:p>
+          <a:p>
+            <a:r>
+              <a:rPr lang="ja-JP" altLang="en-US" sz="900" dirty="0">
+                <a:latin typeface="ヒラギノ角ゴ Pro W3"/>
+                <a:ea typeface="ヒラギノ角ゴ Pro W3"/>
+                <a:cs typeface="ヒラギノ角ゴ Pro W3"/>
+              </a:rPr>
+              <a:t>成功事例として適用されている。</a:t>
+            </a:r>
+          </a:p>
+          <a:p>
+            <a:r>
+              <a:rPr lang="ja-JP" altLang="en-US" sz="900" dirty="0">
+                <a:latin typeface="ヒラギノ角ゴ Pro W3"/>
+                <a:ea typeface="ヒラギノ角ゴ Pro W3"/>
+                <a:cs typeface="ヒラギノ角ゴ Pro W3"/>
+              </a:rPr>
+              <a:t>すべての例</a:t>
+            </a:r>
+            <a:r>
+              <a:rPr lang="ja-JP" altLang="en-US" sz="900" dirty="0" smtClean="0">
+                <a:latin typeface="ヒラギノ角ゴ Pro W3"/>
+                <a:ea typeface="ヒラギノ角ゴ Pro W3"/>
+                <a:cs typeface="ヒラギノ角ゴ Pro W3"/>
+              </a:rPr>
+              <a:t>で</a:t>
+            </a:r>
+            <a:r>
+              <a:rPr lang="en-US" altLang="ja-JP" sz="900" dirty="0" smtClean="0">
+                <a:latin typeface="ヒラギノ角ゴ Pro W3"/>
+                <a:ea typeface="ヒラギノ角ゴ Pro W3"/>
+                <a:cs typeface="ヒラギノ角ゴ Pro W3"/>
+              </a:rPr>
+              <a:t> </a:t>
+            </a:r>
+            <a:r>
+              <a:rPr lang="en-US" altLang="ja-JP" sz="900" dirty="0" err="1" smtClean="0">
                 <a:latin typeface="ヒラギノ角ゴ Pro W3"/>
                 <a:ea typeface="ヒラギノ角ゴ Pro W3"/>
                 <a:cs typeface="ヒラギノ角ゴ Pro W3"/>
@@ -8958,25 +8918,102 @@
               <a:t>Ivar</a:t>
             </a:r>
             <a:r>
-              <a:rPr lang="en-US" sz="900" dirty="0">
-                <a:latin typeface="ヒラギノ角ゴ Pro W3"/>
-                <a:ea typeface="ヒラギノ角ゴ Pro W3"/>
-                <a:cs typeface="ヒラギノ角ゴ Pro W3"/>
-              </a:rPr>
-              <a:t> Jacob- son International.1,10 Early adopters of the kernel idea include:</a:t>
-            </a:r>
-          </a:p>
-          <a:p>
-            <a:r>
-              <a:rPr lang="en-US" sz="900" dirty="0">
-                <a:latin typeface="ヒラギノ角ゴ Pro W3"/>
-                <a:ea typeface="ヒラギノ角ゴ Pro W3"/>
-                <a:cs typeface="ヒラギノ角ゴ Pro W3"/>
-              </a:rPr>
-              <a:t>˲ </a:t>
-            </a:r>
-            <a:r>
-              <a:rPr lang="en-US" sz="900" dirty="0" err="1">
+              <a:rPr lang="en-US" altLang="ja-JP" sz="900" dirty="0" smtClean="0">
+                <a:latin typeface="ヒラギノ角ゴ Pro W3"/>
+                <a:ea typeface="ヒラギノ角ゴ Pro W3"/>
+                <a:cs typeface="ヒラギノ角ゴ Pro W3"/>
+              </a:rPr>
+              <a:t> </a:t>
+            </a:r>
+            <a:r>
+              <a:rPr lang="en-US" altLang="ja-JP" sz="900" dirty="0">
+                <a:latin typeface="ヒラギノ角ゴ Pro W3"/>
+                <a:ea typeface="ヒラギノ角ゴ Pro W3"/>
+                <a:cs typeface="ヒラギノ角ゴ Pro W3"/>
+              </a:rPr>
+              <a:t>Jacobson International</a:t>
+            </a:r>
+            <a:r>
+              <a:rPr lang="ja-JP" altLang="en-US" sz="900" dirty="0">
+                <a:latin typeface="ヒラギノ角ゴ Pro W3"/>
+                <a:ea typeface="ヒラギノ角ゴ Pro W3"/>
+                <a:cs typeface="ヒラギノ角ゴ Pro W3"/>
+              </a:rPr>
+              <a:t>が開発</a:t>
+            </a:r>
+            <a:r>
+              <a:rPr lang="ja-JP" altLang="en-US" sz="900" dirty="0" smtClean="0">
+                <a:latin typeface="ヒラギノ角ゴ Pro W3"/>
+                <a:ea typeface="ヒラギノ角ゴ Pro W3"/>
+                <a:cs typeface="ヒラギノ角ゴ Pro W3"/>
+              </a:rPr>
+              <a:t>したカーネル</a:t>
+            </a:r>
+            <a:r>
+              <a:rPr lang="ja-JP" altLang="en-US" sz="900" dirty="0">
+                <a:latin typeface="ヒラギノ角ゴ Pro W3"/>
+                <a:ea typeface="ヒラギノ角ゴ Pro W3"/>
+                <a:cs typeface="ヒラギノ角ゴ Pro W3"/>
+              </a:rPr>
+              <a:t>とプラクティスが使用されている</a:t>
+            </a:r>
+            <a:r>
+              <a:rPr lang="ja-JP" altLang="en-US" sz="900" dirty="0" smtClean="0">
+                <a:latin typeface="ヒラギノ角ゴ Pro W3"/>
+                <a:ea typeface="ヒラギノ角ゴ Pro W3"/>
+                <a:cs typeface="ヒラギノ角ゴ Pro W3"/>
+              </a:rPr>
+              <a:t>。カーネルアイデア</a:t>
+            </a:r>
+            <a:r>
+              <a:rPr lang="ja-JP" altLang="en-US" sz="900" dirty="0">
+                <a:latin typeface="ヒラギノ角ゴ Pro W3"/>
+                <a:ea typeface="ヒラギノ角ゴ Pro W3"/>
+                <a:cs typeface="ヒラギノ角ゴ Pro W3"/>
+              </a:rPr>
+              <a:t>の早期導入は以下を含む</a:t>
+            </a:r>
+            <a:r>
+              <a:rPr lang="ja-JP" altLang="en-US" sz="900" dirty="0" smtClean="0">
+                <a:latin typeface="ヒラギノ角ゴ Pro W3"/>
+                <a:ea typeface="ヒラギノ角ゴ Pro W3"/>
+                <a:cs typeface="ヒラギノ角ゴ Pro W3"/>
+              </a:rPr>
+              <a:t>。</a:t>
+            </a:r>
+            <a:endParaRPr lang="en-US" altLang="ja-JP" sz="900" dirty="0" smtClean="0">
+              <a:latin typeface="ヒラギノ角ゴ Pro W3"/>
+              <a:ea typeface="ヒラギノ角ゴ Pro W3"/>
+              <a:cs typeface="ヒラギノ角ゴ Pro W3"/>
+            </a:endParaRPr>
+          </a:p>
+          <a:p>
+            <a:r>
+              <a:rPr lang="en-US" altLang="ja-JP" sz="900" baseline="30000" dirty="0">
+                <a:latin typeface="ヒラギノ角ゴ Pro W3"/>
+                <a:ea typeface="ヒラギノ角ゴ Pro W3"/>
+                <a:cs typeface="ヒラギノ角ゴ Pro W3"/>
+              </a:rPr>
+              <a:t>˲</a:t>
+            </a:r>
+            <a:r>
+              <a:rPr lang="ja-JP" altLang="en-US" sz="900" dirty="0" smtClean="0">
+                <a:latin typeface="ヒラギノ角ゴ Pro W3"/>
+                <a:ea typeface="ヒラギノ角ゴ Pro W3"/>
+                <a:cs typeface="ヒラギノ角ゴ Pro W3"/>
+              </a:rPr>
+              <a:t>世界</a:t>
+            </a:r>
+            <a:r>
+              <a:rPr lang="ja-JP" altLang="en-US" sz="900" dirty="0">
+                <a:latin typeface="ヒラギノ角ゴ Pro W3"/>
+                <a:ea typeface="ヒラギノ角ゴ Pro W3"/>
+                <a:cs typeface="ヒラギノ角ゴ Pro W3"/>
+              </a:rPr>
+              <a:t>の主要な再保険会社である</a:t>
+            </a:r>
+            <a:r>
+              <a:rPr lang="en-US" altLang="ja-JP" sz="900" dirty="0" err="1">
                 <a:latin typeface="ヒラギノ角ゴ Pro W3"/>
                 <a:ea typeface="ヒラギノ角ゴ Pro W3"/>
                 <a:cs typeface="ヒラギノ角ゴ Pro W3"/>
@@ -8984,55 +9021,186 @@
               <a:t>MunichRe</a:t>
             </a:r>
             <a:r>
-              <a:rPr lang="en-US" sz="900" dirty="0">
-                <a:latin typeface="ヒラギノ角ゴ Pro W3"/>
-                <a:ea typeface="ヒラギノ角ゴ Pro W3"/>
-                <a:cs typeface="ヒラギノ角ゴ Pro W3"/>
-              </a:rPr>
-              <a:t>, the world’s leading re- insurance company, where a family of “collaboration models” has been as- </a:t>
-            </a:r>
-            <a:r>
-              <a:rPr lang="en-US" sz="900" dirty="0" err="1">
-                <a:latin typeface="ヒラギノ角ゴ Pro W3"/>
-                <a:ea typeface="ヒラギノ角ゴ Pro W3"/>
-                <a:cs typeface="ヒラギノ角ゴ Pro W3"/>
-              </a:rPr>
-              <a:t>sembled</a:t>
-            </a:r>
-            <a:r>
-              <a:rPr lang="en-US" sz="900" dirty="0">
-                <a:latin typeface="ヒラギノ角ゴ Pro W3"/>
-                <a:ea typeface="ヒラギノ角ゴ Pro W3"/>
-                <a:cs typeface="ヒラギノ角ゴ Pro W3"/>
-              </a:rPr>
-              <a:t> to cover the whole spectrum of software and application work. Four collaboration models—exploratory, standard, maintenance, and support— have been built on the same kernel from the same set of 12 practices.</a:t>
-            </a:r>
-          </a:p>
-          <a:p>
-            <a:r>
-              <a:rPr lang="en-US" sz="900" dirty="0">
-                <a:latin typeface="ヒラギノ角ゴ Pro W3"/>
-                <a:ea typeface="ヒラギノ角ゴ Pro W3"/>
-                <a:cs typeface="ヒラギノ角ゴ Pro W3"/>
-              </a:rPr>
-              <a:t>˲ Fujitsu Services, where the Apt Toolkit has been built on top of an ear- </a:t>
-            </a:r>
-            <a:r>
-              <a:rPr lang="en-US" sz="900" dirty="0" err="1">
-                <a:latin typeface="ヒラギノ角ゴ Pro W3"/>
-                <a:ea typeface="ヒラギノ角ゴ Pro W3"/>
-                <a:cs typeface="ヒラギノ角ゴ Pro W3"/>
-              </a:rPr>
-              <a:t>ly</a:t>
-            </a:r>
-            <a:r>
-              <a:rPr lang="en-US" sz="900" dirty="0">
-                <a:latin typeface="ヒラギノ角ゴ Pro W3"/>
-                <a:ea typeface="ヒラギノ角ゴ Pro W3"/>
-                <a:cs typeface="ヒラギノ角ゴ Pro W3"/>
-              </a:rPr>
-              <a:t> version of the software-engineering kernel, including both agile and water- fall ways of working.1</a:t>
-            </a:r>
+              <a:rPr lang="ja-JP" altLang="en-US" sz="900" dirty="0">
+                <a:latin typeface="ヒラギノ角ゴ Pro W3"/>
+                <a:ea typeface="ヒラギノ角ゴ Pro W3"/>
+                <a:cs typeface="ヒラギノ角ゴ Pro W3"/>
+              </a:rPr>
+              <a:t>では</a:t>
+            </a:r>
+            <a:r>
+              <a:rPr lang="ja-JP" altLang="en-US" sz="900" dirty="0" smtClean="0">
+                <a:latin typeface="ヒラギノ角ゴ Pro W3"/>
+                <a:ea typeface="ヒラギノ角ゴ Pro W3"/>
+                <a:cs typeface="ヒラギノ角ゴ Pro W3"/>
+              </a:rPr>
+              <a:t>、ソフトウェア</a:t>
+            </a:r>
+            <a:r>
+              <a:rPr lang="ja-JP" altLang="en-US" sz="900" dirty="0">
+                <a:latin typeface="ヒラギノ角ゴ Pro W3"/>
+                <a:ea typeface="ヒラギノ角ゴ Pro W3"/>
+                <a:cs typeface="ヒラギノ角ゴ Pro W3"/>
+              </a:rPr>
+              <a:t>とアプリケーション開発</a:t>
+            </a:r>
+            <a:r>
+              <a:rPr lang="en-US" altLang="ja-JP" sz="900" dirty="0">
+                <a:latin typeface="ヒラギノ角ゴ Pro W3"/>
+                <a:ea typeface="ヒラギノ角ゴ Pro W3"/>
+                <a:cs typeface="ヒラギノ角ゴ Pro W3"/>
+              </a:rPr>
+              <a:t>(software and application work</a:t>
+            </a:r>
+            <a:r>
+              <a:rPr lang="en-US" altLang="ja-JP" sz="900" dirty="0" smtClean="0">
+                <a:latin typeface="ヒラギノ角ゴ Pro W3"/>
+                <a:ea typeface="ヒラギノ角ゴ Pro W3"/>
+                <a:cs typeface="ヒラギノ角ゴ Pro W3"/>
+              </a:rPr>
+              <a:t>)</a:t>
+            </a:r>
+            <a:r>
+              <a:rPr lang="ja-JP" altLang="en-US" sz="900" dirty="0" smtClean="0">
+                <a:latin typeface="ヒラギノ角ゴ Pro W3"/>
+                <a:ea typeface="ヒラギノ角ゴ Pro W3"/>
+                <a:cs typeface="ヒラギノ角ゴ Pro W3"/>
+              </a:rPr>
+              <a:t>の</a:t>
+            </a:r>
+            <a:r>
+              <a:rPr lang="ja-JP" altLang="en-US" sz="900" dirty="0">
+                <a:latin typeface="ヒラギノ角ゴ Pro W3"/>
+                <a:ea typeface="ヒラギノ角ゴ Pro W3"/>
+                <a:cs typeface="ヒラギノ角ゴ Pro W3"/>
+              </a:rPr>
+              <a:t>すべての領域をカバーするため</a:t>
+            </a:r>
+            <a:r>
+              <a:rPr lang="ja-JP" altLang="en-US" sz="900" dirty="0" smtClean="0">
+                <a:latin typeface="ヒラギノ角ゴ Pro W3"/>
+                <a:ea typeface="ヒラギノ角ゴ Pro W3"/>
+                <a:cs typeface="ヒラギノ角ゴ Pro W3"/>
+              </a:rPr>
+              <a:t>の</a:t>
+            </a:r>
+            <a:r>
+              <a:rPr lang="en-US" altLang="ja-JP" sz="900" dirty="0" smtClean="0">
+                <a:latin typeface="ヒラギノ角ゴ Pro W3"/>
+                <a:ea typeface="ヒラギノ角ゴ Pro W3"/>
+                <a:cs typeface="ヒラギノ角ゴ Pro W3"/>
+              </a:rPr>
+              <a:t>“collaboration models”</a:t>
+            </a:r>
+            <a:r>
+              <a:rPr lang="ja-JP" altLang="en-US" sz="900" dirty="0" smtClean="0">
+                <a:latin typeface="ヒラギノ角ゴ Pro W3"/>
+                <a:ea typeface="ヒラギノ角ゴ Pro W3"/>
+                <a:cs typeface="ヒラギノ角ゴ Pro W3"/>
+              </a:rPr>
+              <a:t>が</a:t>
+            </a:r>
+            <a:r>
+              <a:rPr lang="ja-JP" altLang="en-US" sz="900" dirty="0">
+                <a:latin typeface="ヒラギノ角ゴ Pro W3"/>
+                <a:ea typeface="ヒラギノ角ゴ Pro W3"/>
+                <a:cs typeface="ヒラギノ角ゴ Pro W3"/>
+              </a:rPr>
+              <a:t>整理されている</a:t>
+            </a:r>
+            <a:r>
+              <a:rPr lang="ja-JP" altLang="en-US" sz="900" dirty="0" smtClean="0">
+                <a:latin typeface="ヒラギノ角ゴ Pro W3"/>
+                <a:ea typeface="ヒラギノ角ゴ Pro W3"/>
+                <a:cs typeface="ヒラギノ角ゴ Pro W3"/>
+              </a:rPr>
+              <a:t>。</a:t>
+            </a:r>
+            <a:r>
+              <a:rPr lang="en-US" altLang="ja-JP" sz="900" dirty="0" smtClean="0">
+                <a:latin typeface="ヒラギノ角ゴ Pro W3"/>
+                <a:ea typeface="ヒラギノ角ゴ Pro W3"/>
+                <a:cs typeface="ヒラギノ角ゴ Pro W3"/>
+              </a:rPr>
+              <a:t>4</a:t>
+            </a:r>
+            <a:r>
+              <a:rPr lang="ja-JP" altLang="en-US" sz="900" dirty="0">
+                <a:latin typeface="ヒラギノ角ゴ Pro W3"/>
+                <a:ea typeface="ヒラギノ角ゴ Pro W3"/>
+                <a:cs typeface="ヒラギノ角ゴ Pro W3"/>
+              </a:rPr>
+              <a:t>つの</a:t>
+            </a:r>
+            <a:r>
+              <a:rPr lang="en-US" altLang="ja-JP" sz="900" dirty="0">
+                <a:latin typeface="ヒラギノ角ゴ Pro W3"/>
+                <a:ea typeface="ヒラギノ角ゴ Pro W3"/>
+                <a:cs typeface="ヒラギノ角ゴ Pro W3"/>
+              </a:rPr>
+              <a:t>collaboration models</a:t>
+            </a:r>
+            <a:r>
+              <a:rPr lang="ja-JP" altLang="en-US" sz="900" dirty="0">
+                <a:latin typeface="ヒラギノ角ゴ Pro W3"/>
+                <a:ea typeface="ヒラギノ角ゴ Pro W3"/>
+                <a:cs typeface="ヒラギノ角ゴ Pro W3"/>
+              </a:rPr>
+              <a:t>である</a:t>
+            </a:r>
+            <a:r>
+              <a:rPr lang="ja-JP" altLang="en-US" sz="900" dirty="0" smtClean="0">
+                <a:latin typeface="ヒラギノ角ゴ Pro W3"/>
+                <a:ea typeface="ヒラギノ角ゴ Pro W3"/>
+                <a:cs typeface="ヒラギノ角ゴ Pro W3"/>
+              </a:rPr>
+              <a:t>、調査</a:t>
+            </a:r>
+            <a:r>
+              <a:rPr lang="ja-JP" altLang="en-US" sz="900" dirty="0">
+                <a:latin typeface="ヒラギノ角ゴ Pro W3"/>
+                <a:ea typeface="ヒラギノ角ゴ Pro W3"/>
+                <a:cs typeface="ヒラギノ角ゴ Pro W3"/>
+              </a:rPr>
+              <a:t>、基準、保守、サポートは</a:t>
+            </a:r>
+            <a:r>
+              <a:rPr lang="en-US" altLang="ja-JP" sz="900" dirty="0">
+                <a:latin typeface="ヒラギノ角ゴ Pro W3"/>
+                <a:ea typeface="ヒラギノ角ゴ Pro W3"/>
+                <a:cs typeface="ヒラギノ角ゴ Pro W3"/>
+              </a:rPr>
+              <a:t>12</a:t>
+            </a:r>
+            <a:r>
+              <a:rPr lang="ja-JP" altLang="en-US" sz="900" dirty="0">
+                <a:latin typeface="ヒラギノ角ゴ Pro W3"/>
+                <a:ea typeface="ヒラギノ角ゴ Pro W3"/>
+                <a:cs typeface="ヒラギノ角ゴ Pro W3"/>
+              </a:rPr>
+              <a:t>のプラクティス群</a:t>
+            </a:r>
+            <a:r>
+              <a:rPr lang="ja-JP" altLang="en-US" sz="900" dirty="0" smtClean="0">
+                <a:latin typeface="ヒラギノ角ゴ Pro W3"/>
+                <a:ea typeface="ヒラギノ角ゴ Pro W3"/>
+                <a:cs typeface="ヒラギノ角ゴ Pro W3"/>
+              </a:rPr>
+              <a:t>から構築</a:t>
+            </a:r>
+            <a:r>
+              <a:rPr lang="ja-JP" altLang="en-US" sz="900" dirty="0">
+                <a:latin typeface="ヒラギノ角ゴ Pro W3"/>
+                <a:ea typeface="ヒラギノ角ゴ Pro W3"/>
+                <a:cs typeface="ヒラギノ角ゴ Pro W3"/>
+              </a:rPr>
+              <a:t>された同じカーネルが利用されている。</a:t>
+            </a:r>
+            <a:endParaRPr lang="en-US" sz="900" dirty="0">
+              <a:latin typeface="ヒラギノ角ゴ Pro W3"/>
+              <a:ea typeface="ヒラギノ角ゴ Pro W3"/>
+              <a:cs typeface="ヒラギノ角ゴ Pro W3"/>
+            </a:endParaRPr>
           </a:p>
         </p:txBody>
       </p:sp>
@@ -9045,7 +9213,7 @@
         <p:spPr>
           <a:xfrm>
             <a:off x="2398199" y="3417950"/>
-            <a:ext cx="2170017" cy="5139871"/>
+            <a:ext cx="2170017" cy="5770809"/>
           </a:xfrm>
           <a:prstGeom prst="rect">
             <a:avLst/>
@@ -9059,237 +9227,582 @@
           <a:lstStyle/>
           <a:p>
             <a:r>
-              <a:rPr lang="en-US" sz="1200" baseline="30000" dirty="0">
-                <a:latin typeface="ヒラギノ角ゴ Pro W3"/>
-                <a:ea typeface="ヒラギノ角ゴ Pro W3"/>
-                <a:cs typeface="ヒラギノ角ゴ Pro W3"/>
-              </a:rPr>
-              <a:t>˲ A major Japanese consumer </a:t>
-            </a:r>
-            <a:r>
-              <a:rPr lang="en-US" sz="1200" baseline="30000" dirty="0" err="1">
-                <a:latin typeface="ヒラギノ角ゴ Pro W3"/>
-                <a:ea typeface="ヒラギノ角ゴ Pro W3"/>
-                <a:cs typeface="ヒラギノ角ゴ Pro W3"/>
-              </a:rPr>
-              <a:t>elec</a:t>
-            </a:r>
-            <a:r>
-              <a:rPr lang="en-US" sz="1200" baseline="30000" dirty="0">
-                <a:latin typeface="ヒラギノ角ゴ Pro W3"/>
-                <a:ea typeface="ヒラギノ角ゴ Pro W3"/>
-                <a:cs typeface="ヒラギノ角ゴ Pro W3"/>
-              </a:rPr>
-              <a:t>- </a:t>
-            </a:r>
-            <a:r>
-              <a:rPr lang="en-US" sz="1200" baseline="30000" dirty="0" err="1">
-                <a:latin typeface="ヒラギノ角ゴ Pro W3"/>
-                <a:ea typeface="ヒラギノ角ゴ Pro W3"/>
-                <a:cs typeface="ヒラギノ角ゴ Pro W3"/>
-              </a:rPr>
-              <a:t>tronics</a:t>
-            </a:r>
-            <a:r>
-              <a:rPr lang="en-US" sz="1200" baseline="30000" dirty="0">
-                <a:latin typeface="ヒラギノ角ゴ Pro W3"/>
-                <a:ea typeface="ヒラギノ角ゴ Pro W3"/>
-                <a:cs typeface="ヒラギノ角ゴ Pro W3"/>
-              </a:rPr>
-              <a:t> company, where the software processes have been defined on top of an early version of the kernel, helping teams apply new practices and manage an offshore development vendor.</a:t>
-            </a:r>
-          </a:p>
-          <a:p>
-            <a:r>
-              <a:rPr lang="en-US" sz="1200" baseline="30000" dirty="0">
-                <a:latin typeface="ヒラギノ角ゴ Pro W3"/>
-                <a:ea typeface="ヒラギノ角ゴ Pro W3"/>
-                <a:cs typeface="ヒラギノ角ゴ Pro W3"/>
-              </a:rPr>
-              <a:t>˲ KPN, where a kernel-based process was adopted by more than 300 projects across 13 programs as part of a move to iterative development. The kernel also provided the basis for a new results- focused QA process, which could be applied to all projects regardless of the method or practices used.</a:t>
-            </a:r>
-          </a:p>
-          <a:p>
-            <a:r>
-              <a:rPr lang="en-US" sz="1200" baseline="30000" dirty="0">
-                <a:latin typeface="ヒラギノ角ゴ Pro W3"/>
-                <a:ea typeface="ヒラギノ角ゴ Pro W3"/>
-                <a:cs typeface="ヒラギノ角ゴ Pro W3"/>
-              </a:rPr>
-              <a:t>˲ A major U.K. government depart- </a:t>
-            </a:r>
-            <a:r>
-              <a:rPr lang="en-US" sz="1200" baseline="30000" dirty="0" err="1">
-                <a:latin typeface="ヒラギノ角ゴ Pro W3"/>
-                <a:ea typeface="ヒラギノ角ゴ Pro W3"/>
-                <a:cs typeface="ヒラギノ角ゴ Pro W3"/>
-              </a:rPr>
-              <a:t>ment</a:t>
-            </a:r>
-            <a:r>
-              <a:rPr lang="en-US" sz="1200" baseline="30000" dirty="0">
-                <a:latin typeface="ヒラギノ角ゴ Pro W3"/>
-                <a:ea typeface="ヒラギノ角ゴ Pro W3"/>
-                <a:cs typeface="ヒラギノ角ゴ Pro W3"/>
-              </a:rPr>
-              <a:t>, where a kernel-based agile toolset was introduced to enable dis- </a:t>
-            </a:r>
-            <a:r>
-              <a:rPr lang="en-US" sz="1200" baseline="30000" dirty="0" err="1">
-                <a:latin typeface="ヒラギノ角ゴ Pro W3"/>
-                <a:ea typeface="ヒラギノ角ゴ Pro W3"/>
-                <a:cs typeface="ヒラギノ角ゴ Pro W3"/>
-              </a:rPr>
-              <a:t>ciplined</a:t>
-            </a:r>
-            <a:r>
-              <a:rPr lang="en-US" sz="1200" baseline="30000" dirty="0">
-                <a:latin typeface="ヒラギノ角ゴ Pro W3"/>
-                <a:ea typeface="ヒラギノ角ゴ Pro W3"/>
-                <a:cs typeface="ヒラギノ角ゴ Pro W3"/>
-              </a:rPr>
-              <a:t> agility and the tracking of project progress and health in a </a:t>
-            </a:r>
-            <a:r>
-              <a:rPr lang="en-US" sz="1200" baseline="30000" dirty="0" err="1">
-                <a:latin typeface="ヒラギノ角ゴ Pro W3"/>
-                <a:ea typeface="ヒラギノ角ゴ Pro W3"/>
-                <a:cs typeface="ヒラギノ角ゴ Pro W3"/>
-              </a:rPr>
-              <a:t>prac</a:t>
-            </a:r>
-            <a:r>
-              <a:rPr lang="en-US" sz="1200" baseline="30000" dirty="0">
-                <a:latin typeface="ヒラギノ角ゴ Pro W3"/>
-                <a:ea typeface="ヒラギノ角ゴ Pro W3"/>
-                <a:cs typeface="ヒラギノ角ゴ Pro W3"/>
-              </a:rPr>
-              <a:t>- tice-independent fashion.</a:t>
-            </a:r>
-          </a:p>
-          <a:p>
-            <a:r>
-              <a:rPr lang="en-US" sz="1200" baseline="30000" dirty="0">
-                <a:latin typeface="ヒラギノ角ゴ Pro W3"/>
-                <a:ea typeface="ヒラギノ角ゴ Pro W3"/>
-                <a:cs typeface="ヒラギノ角ゴ Pro W3"/>
-              </a:rPr>
-              <a:t>The kernel is already being used in first- and second-year software-</a:t>
-            </a:r>
-            <a:r>
-              <a:rPr lang="en-US" sz="1200" baseline="30000" dirty="0" err="1">
-                <a:latin typeface="ヒラギノ角ゴ Pro W3"/>
-                <a:ea typeface="ヒラギノ角ゴ Pro W3"/>
-                <a:cs typeface="ヒラギノ角ゴ Pro W3"/>
-              </a:rPr>
-              <a:t>engi</a:t>
-            </a:r>
-            <a:r>
-              <a:rPr lang="en-US" sz="1200" baseline="30000" dirty="0">
-                <a:latin typeface="ヒラギノ角ゴ Pro W3"/>
-                <a:ea typeface="ヒラギノ角ゴ Pro W3"/>
-                <a:cs typeface="ヒラギノ角ゴ Pro W3"/>
-              </a:rPr>
-              <a:t>- </a:t>
-            </a:r>
-            <a:r>
-              <a:rPr lang="en-US" sz="1200" baseline="30000" dirty="0" err="1">
-                <a:latin typeface="ヒラギノ角ゴ Pro W3"/>
-                <a:ea typeface="ヒラギノ角ゴ Pro W3"/>
-                <a:cs typeface="ヒラギノ角ゴ Pro W3"/>
-              </a:rPr>
-              <a:t>neering</a:t>
-            </a:r>
-            <a:r>
-              <a:rPr lang="en-US" sz="1200" baseline="30000" dirty="0">
-                <a:latin typeface="ヒラギノ角ゴ Pro W3"/>
-                <a:ea typeface="ヒラギノ角ゴ Pro W3"/>
-                <a:cs typeface="ヒラギノ角ゴ Pro W3"/>
-              </a:rPr>
-              <a:t> courses at KTH Royal Institute of Technology in Sweden. After </a:t>
-            </a:r>
-            <a:r>
-              <a:rPr lang="en-US" sz="1200" baseline="30000" dirty="0" err="1">
-                <a:latin typeface="ヒラギノ角ゴ Pro W3"/>
-                <a:ea typeface="ヒラギノ角ゴ Pro W3"/>
-                <a:cs typeface="ヒラギノ角ゴ Pro W3"/>
-              </a:rPr>
-              <a:t>stu</a:t>
-            </a:r>
-            <a:r>
-              <a:rPr lang="en-US" sz="1200" baseline="30000" dirty="0">
-                <a:latin typeface="ヒラギノ角ゴ Pro W3"/>
-                <a:ea typeface="ヒラギノ角ゴ Pro W3"/>
-                <a:cs typeface="ヒラギノ角ゴ Pro W3"/>
-              </a:rPr>
-              <a:t>- dents in the first-year courses conduct- </a:t>
-            </a:r>
-            <a:r>
-              <a:rPr lang="en-US" sz="1200" baseline="30000" dirty="0" err="1">
-                <a:latin typeface="ヒラギノ角ゴ Pro W3"/>
-                <a:ea typeface="ヒラギノ角ゴ Pro W3"/>
-                <a:cs typeface="ヒラギノ角ゴ Pro W3"/>
-              </a:rPr>
-              <a:t>ed</a:t>
-            </a:r>
-            <a:r>
-              <a:rPr lang="en-US" sz="1200" baseline="30000" dirty="0">
-                <a:latin typeface="ヒラギノ角ゴ Pro W3"/>
-                <a:ea typeface="ヒラギノ角ゴ Pro W3"/>
-                <a:cs typeface="ヒラギノ角ゴ Pro W3"/>
-              </a:rPr>
-              <a:t> their projects, they went through the SEMAT alphas and matched them to their project results, under the </a:t>
-            </a:r>
-            <a:r>
-              <a:rPr lang="en-US" sz="1200" baseline="30000" dirty="0" err="1">
-                <a:latin typeface="ヒラギノ角ゴ Pro W3"/>
-                <a:ea typeface="ヒラギノ角ゴ Pro W3"/>
-                <a:cs typeface="ヒラギノ角ゴ Pro W3"/>
-              </a:rPr>
-              <a:t>direc</a:t>
-            </a:r>
-            <a:r>
-              <a:rPr lang="en-US" sz="1200" baseline="30000" dirty="0">
-                <a:latin typeface="ヒラギノ角ゴ Pro W3"/>
-                <a:ea typeface="ヒラギノ角ゴ Pro W3"/>
-                <a:cs typeface="ヒラギノ角ゴ Pro W3"/>
-              </a:rPr>
-              <a:t>- </a:t>
-            </a:r>
-            <a:r>
-              <a:rPr lang="en-US" sz="1200" baseline="30000" dirty="0" err="1">
-                <a:latin typeface="ヒラギノ角ゴ Pro W3"/>
-                <a:ea typeface="ヒラギノ角ゴ Pro W3"/>
-                <a:cs typeface="ヒラギノ角ゴ Pro W3"/>
-              </a:rPr>
-              <a:t>tion</a:t>
-            </a:r>
-            <a:r>
-              <a:rPr lang="en-US" sz="1200" baseline="30000" dirty="0">
-                <a:latin typeface="ヒラギノ角ゴ Pro W3"/>
-                <a:ea typeface="ヒラギノ角ゴ Pro W3"/>
-                <a:cs typeface="ヒラギノ角ゴ Pro W3"/>
-              </a:rPr>
-              <a:t> of Anders </a:t>
-            </a:r>
-            <a:r>
-              <a:rPr lang="en-US" sz="1200" baseline="30000" dirty="0" err="1">
-                <a:latin typeface="ヒラギノ角ゴ Pro W3"/>
-                <a:ea typeface="ヒラギノ角ゴ Pro W3"/>
-                <a:cs typeface="ヒラギノ角ゴ Pro W3"/>
-              </a:rPr>
-              <a:t>Sjögren</a:t>
-            </a:r>
-            <a:r>
-              <a:rPr lang="en-US" sz="1200" baseline="30000" dirty="0">
-                <a:latin typeface="ヒラギノ角ゴ Pro W3"/>
-                <a:ea typeface="ヒラギノ角ゴ Pro W3"/>
-                <a:cs typeface="ヒラギノ角ゴ Pro W3"/>
-              </a:rPr>
-              <a:t>. The students had the opportunity to acquaint them- selves with and evaluate the alphas and gain insight into the project’s progress and health. In the second-year courses, run by Mira </a:t>
-            </a:r>
-            <a:r>
-              <a:rPr lang="en-US" sz="1200" baseline="30000" dirty="0" err="1">
+              <a:rPr lang="en-US" sz="900" dirty="0">
+                <a:latin typeface="ヒラギノ角ゴ Pro W3"/>
+                <a:ea typeface="ヒラギノ角ゴ Pro W3"/>
+                <a:cs typeface="ヒラギノ角ゴ Pro W3"/>
+              </a:rPr>
+              <a:t>˲ </a:t>
+            </a:r>
+            <a:r>
+              <a:rPr lang="en-US" altLang="ja-JP" sz="900" dirty="0">
+                <a:latin typeface="ヒラギノ角ゴ Pro W3"/>
+                <a:ea typeface="ヒラギノ角ゴ Pro W3"/>
+                <a:cs typeface="ヒラギノ角ゴ Pro W3"/>
+              </a:rPr>
+              <a:t>Fujitsu Services</a:t>
+            </a:r>
+            <a:r>
+              <a:rPr lang="ja-JP" altLang="en-US" sz="900" dirty="0">
+                <a:latin typeface="ヒラギノ角ゴ Pro W3"/>
+                <a:ea typeface="ヒラギノ角ゴ Pro W3"/>
+                <a:cs typeface="ヒラギノ角ゴ Pro W3"/>
+              </a:rPr>
+              <a:t>では、アジャイルとウォータフロー</a:t>
+            </a:r>
+            <a:r>
+              <a:rPr lang="ja-JP" altLang="en-US" sz="900" dirty="0" smtClean="0">
+                <a:latin typeface="ヒラギノ角ゴ Pro W3"/>
+                <a:ea typeface="ヒラギノ角ゴ Pro W3"/>
+                <a:cs typeface="ヒラギノ角ゴ Pro W3"/>
+              </a:rPr>
+              <a:t>の両方</a:t>
+            </a:r>
+            <a:r>
+              <a:rPr lang="ja-JP" altLang="en-US" sz="900" dirty="0">
+                <a:latin typeface="ヒラギノ角ゴ Pro W3"/>
+                <a:ea typeface="ヒラギノ角ゴ Pro W3"/>
+                <a:cs typeface="ヒラギノ角ゴ Pro W3"/>
+              </a:rPr>
+              <a:t>の仕事の仕方を想定した</a:t>
+            </a:r>
+            <a:r>
+              <a:rPr lang="en-US" altLang="ja-JP" sz="900" dirty="0">
+                <a:latin typeface="ヒラギノ角ゴ Pro W3"/>
+                <a:ea typeface="ヒラギノ角ゴ Pro W3"/>
+                <a:cs typeface="ヒラギノ角ゴ Pro W3"/>
+              </a:rPr>
+              <a:t>the Apt Toolkit</a:t>
+            </a:r>
+            <a:r>
+              <a:rPr lang="ja-JP" altLang="en-US" sz="900" dirty="0" smtClean="0">
+                <a:latin typeface="ヒラギノ角ゴ Pro W3"/>
+                <a:ea typeface="ヒラギノ角ゴ Pro W3"/>
+                <a:cs typeface="ヒラギノ角ゴ Pro W3"/>
+              </a:rPr>
+              <a:t>を初期</a:t>
+            </a:r>
+            <a:r>
+              <a:rPr lang="ja-JP" altLang="en-US" sz="900" dirty="0">
+                <a:latin typeface="ヒラギノ角ゴ Pro W3"/>
+                <a:ea typeface="ヒラギノ角ゴ Pro W3"/>
+                <a:cs typeface="ヒラギノ角ゴ Pro W3"/>
+              </a:rPr>
+              <a:t>バージョンのカーネルで構築している</a:t>
+            </a:r>
+            <a:r>
+              <a:rPr lang="ja-JP" altLang="en-US" sz="900" dirty="0" smtClean="0">
+                <a:latin typeface="ヒラギノ角ゴ Pro W3"/>
+                <a:ea typeface="ヒラギノ角ゴ Pro W3"/>
+                <a:cs typeface="ヒラギノ角ゴ Pro W3"/>
+              </a:rPr>
+              <a:t>。</a:t>
+            </a:r>
+            <a:endParaRPr lang="en-US" sz="900" dirty="0">
+              <a:latin typeface="ヒラギノ角ゴ Pro W3"/>
+              <a:ea typeface="ヒラギノ角ゴ Pro W3"/>
+              <a:cs typeface="ヒラギノ角ゴ Pro W3"/>
+            </a:endParaRPr>
+          </a:p>
+          <a:p>
+            <a:r>
+              <a:rPr lang="en-US" sz="900" dirty="0" smtClean="0">
+                <a:latin typeface="ヒラギノ角ゴ Pro W3"/>
+                <a:ea typeface="ヒラギノ角ゴ Pro W3"/>
+                <a:cs typeface="ヒラギノ角ゴ Pro W3"/>
+              </a:rPr>
+              <a:t>˲</a:t>
+            </a:r>
+            <a:r>
+              <a:rPr lang="ja-JP" altLang="en-US" sz="900" dirty="0">
+                <a:latin typeface="ヒラギノ角ゴ Pro W3"/>
+                <a:ea typeface="ヒラギノ角ゴ Pro W3"/>
+                <a:cs typeface="ヒラギノ角ゴ Pro W3"/>
+              </a:rPr>
+              <a:t>日本の大手家電企業では、新しいプラクティスの適用</a:t>
+            </a:r>
+            <a:r>
+              <a:rPr lang="ja-JP" altLang="en-US" sz="900" dirty="0" smtClean="0">
+                <a:latin typeface="ヒラギノ角ゴ Pro W3"/>
+                <a:ea typeface="ヒラギノ角ゴ Pro W3"/>
+                <a:cs typeface="ヒラギノ角ゴ Pro W3"/>
+              </a:rPr>
+              <a:t>やオフショア</a:t>
+            </a:r>
+            <a:r>
+              <a:rPr lang="ja-JP" altLang="en-US" sz="900" dirty="0">
+                <a:latin typeface="ヒラギノ角ゴ Pro W3"/>
+                <a:ea typeface="ヒラギノ角ゴ Pro W3"/>
+                <a:cs typeface="ヒラギノ角ゴ Pro W3"/>
+              </a:rPr>
+              <a:t>の開発ベンダーのマネジメントを助ける用語</a:t>
+            </a:r>
+            <a:r>
+              <a:rPr lang="ja-JP" altLang="en-US" sz="900" dirty="0" smtClean="0">
+                <a:latin typeface="ヒラギノ角ゴ Pro W3"/>
+                <a:ea typeface="ヒラギノ角ゴ Pro W3"/>
+                <a:cs typeface="ヒラギノ角ゴ Pro W3"/>
+              </a:rPr>
+              <a:t>に初期</a:t>
+            </a:r>
+            <a:r>
+              <a:rPr lang="ja-JP" altLang="en-US" sz="900" dirty="0">
+                <a:latin typeface="ヒラギノ角ゴ Pro W3"/>
+                <a:ea typeface="ヒラギノ角ゴ Pro W3"/>
+                <a:cs typeface="ヒラギノ角ゴ Pro W3"/>
+              </a:rPr>
+              <a:t>バージョンのカーネルを使用</a:t>
+            </a:r>
+            <a:r>
+              <a:rPr lang="ja-JP" altLang="en-US" sz="900" dirty="0" smtClean="0">
+                <a:latin typeface="ヒラギノ角ゴ Pro W3"/>
+                <a:ea typeface="ヒラギノ角ゴ Pro W3"/>
+                <a:cs typeface="ヒラギノ角ゴ Pro W3"/>
+              </a:rPr>
+              <a:t>して</a:t>
+            </a:r>
+            <a:endParaRPr lang="en-US" altLang="ja-JP" sz="900" dirty="0" smtClean="0">
+              <a:latin typeface="ヒラギノ角ゴ Pro W3"/>
+              <a:ea typeface="ヒラギノ角ゴ Pro W3"/>
+              <a:cs typeface="ヒラギノ角ゴ Pro W3"/>
+            </a:endParaRPr>
+          </a:p>
+          <a:p>
+            <a:r>
+              <a:rPr lang="en-US" altLang="ja-JP" sz="900" dirty="0">
+                <a:latin typeface="ヒラギノ角ゴ Pro W3"/>
+                <a:ea typeface="ヒラギノ角ゴ Pro W3"/>
+                <a:cs typeface="ヒラギノ角ゴ Pro W3"/>
+              </a:rPr>
+              <a:t>˲</a:t>
+            </a:r>
+            <a:r>
+              <a:rPr lang="en-US" altLang="ja-JP" sz="900" dirty="0" smtClean="0">
+                <a:latin typeface="ヒラギノ角ゴ Pro W3"/>
+                <a:ea typeface="ヒラギノ角ゴ Pro W3"/>
+                <a:cs typeface="ヒラギノ角ゴ Pro W3"/>
+              </a:rPr>
+              <a:t>KPN</a:t>
+            </a:r>
+            <a:r>
+              <a:rPr lang="ja-JP" altLang="en-US" sz="900" dirty="0">
+                <a:latin typeface="ヒラギノ角ゴ Pro W3"/>
+                <a:ea typeface="ヒラギノ角ゴ Pro W3"/>
+                <a:cs typeface="ヒラギノ角ゴ Pro W3"/>
+              </a:rPr>
+              <a:t>ではカーネルベースのプロセスが繰り返し開発へ</a:t>
+            </a:r>
+            <a:r>
+              <a:rPr lang="ja-JP" altLang="en-US" sz="900" dirty="0" smtClean="0">
+                <a:latin typeface="ヒラギノ角ゴ Pro W3"/>
+                <a:ea typeface="ヒラギノ角ゴ Pro W3"/>
+                <a:cs typeface="ヒラギノ角ゴ Pro W3"/>
+              </a:rPr>
+              <a:t>の移行</a:t>
+            </a:r>
+            <a:r>
+              <a:rPr lang="ja-JP" altLang="en-US" sz="900" dirty="0">
+                <a:latin typeface="ヒラギノ角ゴ Pro W3"/>
+                <a:ea typeface="ヒラギノ角ゴ Pro W3"/>
+                <a:cs typeface="ヒラギノ角ゴ Pro W3"/>
+              </a:rPr>
+              <a:t>の一部として</a:t>
+            </a:r>
+            <a:r>
+              <a:rPr lang="en-US" altLang="ja-JP" sz="900" dirty="0">
+                <a:latin typeface="ヒラギノ角ゴ Pro W3"/>
+                <a:ea typeface="ヒラギノ角ゴ Pro W3"/>
+                <a:cs typeface="ヒラギノ角ゴ Pro W3"/>
+              </a:rPr>
+              <a:t>13</a:t>
+            </a:r>
+            <a:r>
+              <a:rPr lang="ja-JP" altLang="en-US" sz="900" dirty="0">
+                <a:latin typeface="ヒラギノ角ゴ Pro W3"/>
+                <a:ea typeface="ヒラギノ角ゴ Pro W3"/>
+                <a:cs typeface="ヒラギノ角ゴ Pro W3"/>
+              </a:rPr>
+              <a:t>の工程を横断して</a:t>
+            </a:r>
+            <a:r>
+              <a:rPr lang="en-US" altLang="ja-JP" sz="900" dirty="0">
+                <a:latin typeface="ヒラギノ角ゴ Pro W3"/>
+                <a:ea typeface="ヒラギノ角ゴ Pro W3"/>
+                <a:cs typeface="ヒラギノ角ゴ Pro W3"/>
+              </a:rPr>
+              <a:t>300</a:t>
+            </a:r>
+            <a:r>
+              <a:rPr lang="ja-JP" altLang="en-US" sz="900" dirty="0">
+                <a:latin typeface="ヒラギノ角ゴ Pro W3"/>
+                <a:ea typeface="ヒラギノ角ゴ Pro W3"/>
+                <a:cs typeface="ヒラギノ角ゴ Pro W3"/>
+              </a:rPr>
+              <a:t>以上のプロジェクト</a:t>
+            </a:r>
+            <a:r>
+              <a:rPr lang="ja-JP" altLang="en-US" sz="900" dirty="0" smtClean="0">
+                <a:latin typeface="ヒラギノ角ゴ Pro W3"/>
+                <a:ea typeface="ヒラギノ角ゴ Pro W3"/>
+                <a:cs typeface="ヒラギノ角ゴ Pro W3"/>
+              </a:rPr>
+              <a:t>で採用</a:t>
+            </a:r>
+            <a:r>
+              <a:rPr lang="ja-JP" altLang="en-US" sz="900" dirty="0">
+                <a:latin typeface="ヒラギノ角ゴ Pro W3"/>
+                <a:ea typeface="ヒラギノ角ゴ Pro W3"/>
+                <a:cs typeface="ヒラギノ角ゴ Pro W3"/>
+              </a:rPr>
+              <a:t>されている。カーネルは品質プロセスに</a:t>
+            </a:r>
+            <a:r>
+              <a:rPr lang="ja-JP" altLang="en-US" sz="900" dirty="0" smtClean="0">
+                <a:latin typeface="ヒラギノ角ゴ Pro W3"/>
+                <a:ea typeface="ヒラギノ角ゴ Pro W3"/>
+                <a:cs typeface="ヒラギノ角ゴ Pro W3"/>
+              </a:rPr>
+              <a:t>焦点を当てた新た</a:t>
+            </a:r>
+            <a:r>
+              <a:rPr lang="ja-JP" altLang="en-US" sz="900" dirty="0">
+                <a:latin typeface="ヒラギノ角ゴ Pro W3"/>
+                <a:ea typeface="ヒラギノ角ゴ Pro W3"/>
+                <a:cs typeface="ヒラギノ角ゴ Pro W3"/>
+              </a:rPr>
+              <a:t>な結果に対する基礎</a:t>
+            </a:r>
+            <a:r>
+              <a:rPr lang="en-US" altLang="ja-JP" sz="900" dirty="0">
+                <a:latin typeface="ヒラギノ角ゴ Pro W3"/>
+                <a:ea typeface="ヒラギノ角ゴ Pro W3"/>
+                <a:cs typeface="ヒラギノ角ゴ Pro W3"/>
+              </a:rPr>
+              <a:t>(the basis)</a:t>
+            </a:r>
+            <a:r>
+              <a:rPr lang="ja-JP" altLang="en-US" sz="900" dirty="0">
+                <a:latin typeface="ヒラギノ角ゴ Pro W3"/>
+                <a:ea typeface="ヒラギノ角ゴ Pro W3"/>
+                <a:cs typeface="ヒラギノ角ゴ Pro W3"/>
+              </a:rPr>
+              <a:t>も提供しており</a:t>
+            </a:r>
+            <a:r>
+              <a:rPr lang="ja-JP" altLang="en-US" sz="900" dirty="0" smtClean="0">
+                <a:latin typeface="ヒラギノ角ゴ Pro W3"/>
+                <a:ea typeface="ヒラギノ角ゴ Pro W3"/>
+                <a:cs typeface="ヒラギノ角ゴ Pro W3"/>
+              </a:rPr>
+              <a:t>、それ</a:t>
+            </a:r>
+            <a:r>
+              <a:rPr lang="ja-JP" altLang="en-US" sz="900" dirty="0">
+                <a:latin typeface="ヒラギノ角ゴ Pro W3"/>
+                <a:ea typeface="ヒラギノ角ゴ Pro W3"/>
+                <a:cs typeface="ヒラギノ角ゴ Pro W3"/>
+              </a:rPr>
+              <a:t>は使用してきた方法論やプラクティスに</a:t>
+            </a:r>
+            <a:r>
+              <a:rPr lang="ja-JP" altLang="en-US" sz="900" dirty="0" smtClean="0">
+                <a:latin typeface="ヒラギノ角ゴ Pro W3"/>
+                <a:ea typeface="ヒラギノ角ゴ Pro W3"/>
+                <a:cs typeface="ヒラギノ角ゴ Pro W3"/>
+              </a:rPr>
+              <a:t>依らずすべて</a:t>
+            </a:r>
+            <a:r>
+              <a:rPr lang="ja-JP" altLang="en-US" sz="900" dirty="0">
+                <a:latin typeface="ヒラギノ角ゴ Pro W3"/>
+                <a:ea typeface="ヒラギノ角ゴ Pro W3"/>
+                <a:cs typeface="ヒラギノ角ゴ Pro W3"/>
+              </a:rPr>
+              <a:t>のプロジェクトに適用することができた</a:t>
+            </a:r>
+            <a:r>
+              <a:rPr lang="ja-JP" altLang="en-US" sz="900" dirty="0" smtClean="0">
+                <a:latin typeface="ヒラギノ角ゴ Pro W3"/>
+                <a:ea typeface="ヒラギノ角ゴ Pro W3"/>
+                <a:cs typeface="ヒラギノ角ゴ Pro W3"/>
+              </a:rPr>
+              <a:t>。</a:t>
+            </a:r>
+            <a:endParaRPr lang="en-US" altLang="ja-JP" sz="900" dirty="0" smtClean="0">
+              <a:latin typeface="ヒラギノ角ゴ Pro W3"/>
+              <a:ea typeface="ヒラギノ角ゴ Pro W3"/>
+              <a:cs typeface="ヒラギノ角ゴ Pro W3"/>
+            </a:endParaRPr>
+          </a:p>
+          <a:p>
+            <a:r>
+              <a:rPr lang="en-US" altLang="ja-JP" sz="900" dirty="0">
+                <a:latin typeface="ヒラギノ角ゴ Pro W3"/>
+                <a:ea typeface="ヒラギノ角ゴ Pro W3"/>
+                <a:cs typeface="ヒラギノ角ゴ Pro W3"/>
+              </a:rPr>
+              <a:t>˲</a:t>
+            </a:r>
+            <a:r>
+              <a:rPr lang="ja-JP" altLang="en-US" sz="900" dirty="0" smtClean="0">
+                <a:latin typeface="ヒラギノ角ゴ Pro W3"/>
+                <a:ea typeface="ヒラギノ角ゴ Pro W3"/>
+                <a:cs typeface="ヒラギノ角ゴ Pro W3"/>
+              </a:rPr>
+              <a:t>英国</a:t>
+            </a:r>
+            <a:r>
+              <a:rPr lang="ja-JP" altLang="en-US" sz="900" dirty="0">
+                <a:latin typeface="ヒラギノ角ゴ Pro W3"/>
+                <a:ea typeface="ヒラギノ角ゴ Pro W3"/>
+                <a:cs typeface="ヒラギノ角ゴ Pro W3"/>
+              </a:rPr>
+              <a:t>政府省庁ではカーネルベースのアジャイルツールセット</a:t>
+            </a:r>
+            <a:r>
+              <a:rPr lang="ja-JP" altLang="en-US" sz="900" dirty="0" smtClean="0">
+                <a:latin typeface="ヒラギノ角ゴ Pro W3"/>
+                <a:ea typeface="ヒラギノ角ゴ Pro W3"/>
+                <a:cs typeface="ヒラギノ角ゴ Pro W3"/>
+              </a:rPr>
+              <a:t>がやりかた</a:t>
+            </a:r>
+            <a:r>
+              <a:rPr lang="ja-JP" altLang="en-US" sz="900" dirty="0">
+                <a:latin typeface="ヒラギノ角ゴ Pro W3"/>
+                <a:ea typeface="ヒラギノ角ゴ Pro W3"/>
+                <a:cs typeface="ヒラギノ角ゴ Pro W3"/>
+              </a:rPr>
+              <a:t>に依存することなく</a:t>
+            </a:r>
+            <a:r>
+              <a:rPr lang="en-US" altLang="ja-JP" sz="900" dirty="0">
+                <a:latin typeface="ヒラギノ角ゴ Pro W3"/>
+                <a:ea typeface="ヒラギノ角ゴ Pro W3"/>
+                <a:cs typeface="ヒラギノ角ゴ Pro W3"/>
+              </a:rPr>
+              <a:t>(in a practice-independent fashion</a:t>
+            </a:r>
+            <a:r>
+              <a:rPr lang="en-US" altLang="ja-JP" sz="900" dirty="0" smtClean="0">
+                <a:latin typeface="ヒラギノ角ゴ Pro W3"/>
+                <a:ea typeface="ヒラギノ角ゴ Pro W3"/>
+                <a:cs typeface="ヒラギノ角ゴ Pro W3"/>
+              </a:rPr>
+              <a:t>)</a:t>
+            </a:r>
+            <a:r>
+              <a:rPr lang="ja-JP" altLang="en-US" sz="900" dirty="0" smtClean="0">
+                <a:latin typeface="ヒラギノ角ゴ Pro W3"/>
+                <a:ea typeface="ヒラギノ角ゴ Pro W3"/>
+                <a:cs typeface="ヒラギノ角ゴ Pro W3"/>
+              </a:rPr>
+              <a:t>規律</a:t>
+            </a:r>
+            <a:r>
+              <a:rPr lang="ja-JP" altLang="en-US" sz="900" dirty="0">
+                <a:latin typeface="ヒラギノ角ゴ Pro W3"/>
+                <a:ea typeface="ヒラギノ角ゴ Pro W3"/>
+                <a:cs typeface="ヒラギノ角ゴ Pro W3"/>
+              </a:rPr>
+              <a:t>ある機敏さ、プロジェクト進展と健康状態のトラッキング</a:t>
+            </a:r>
+            <a:r>
+              <a:rPr lang="ja-JP" altLang="en-US" sz="900" dirty="0" smtClean="0">
+                <a:latin typeface="ヒラギノ角ゴ Pro W3"/>
+                <a:ea typeface="ヒラギノ角ゴ Pro W3"/>
+                <a:cs typeface="ヒラギノ角ゴ Pro W3"/>
+              </a:rPr>
+              <a:t>を実現</a:t>
+            </a:r>
+            <a:r>
+              <a:rPr lang="ja-JP" altLang="en-US" sz="900" dirty="0">
+                <a:latin typeface="ヒラギノ角ゴ Pro W3"/>
+                <a:ea typeface="ヒラギノ角ゴ Pro W3"/>
+                <a:cs typeface="ヒラギノ角ゴ Pro W3"/>
+              </a:rPr>
+              <a:t>するために導入されている。</a:t>
+            </a:r>
+            <a:endParaRPr lang="en-US" altLang="ja-JP" sz="900" dirty="0" smtClean="0">
+              <a:latin typeface="ヒラギノ角ゴ Pro W3"/>
+              <a:ea typeface="ヒラギノ角ゴ Pro W3"/>
+              <a:cs typeface="ヒラギノ角ゴ Pro W3"/>
+            </a:endParaRPr>
+          </a:p>
+          <a:p>
+            <a:endParaRPr lang="en-US" sz="900" dirty="0">
+              <a:latin typeface="ヒラギノ角ゴ Pro W3"/>
+              <a:ea typeface="ヒラギノ角ゴ Pro W3"/>
+              <a:cs typeface="ヒラギノ角ゴ Pro W3"/>
+            </a:endParaRPr>
+          </a:p>
+          <a:p>
+            <a:r>
+              <a:rPr lang="ja-JP" altLang="en-US" sz="900" dirty="0">
+                <a:latin typeface="ヒラギノ角ゴ Pro W3"/>
+                <a:ea typeface="ヒラギノ角ゴ Pro W3"/>
+                <a:cs typeface="ヒラギノ角ゴ Pro W3"/>
+              </a:rPr>
+              <a:t>カーネルはすでにスウェーデン王立工科大学</a:t>
+            </a:r>
+            <a:r>
+              <a:rPr lang="ja-JP" altLang="en-US" sz="900" dirty="0" smtClean="0">
+                <a:latin typeface="ヒラギノ角ゴ Pro W3"/>
+                <a:ea typeface="ヒラギノ角ゴ Pro W3"/>
+                <a:cs typeface="ヒラギノ角ゴ Pro W3"/>
+              </a:rPr>
+              <a:t>で</a:t>
+            </a:r>
+            <a:r>
+              <a:rPr lang="en-US" altLang="ja-JP" sz="900" dirty="0" smtClean="0">
+                <a:latin typeface="ヒラギノ角ゴ Pro W3"/>
+                <a:ea typeface="ヒラギノ角ゴ Pro W3"/>
+                <a:cs typeface="ヒラギノ角ゴ Pro W3"/>
+              </a:rPr>
+              <a:t>1</a:t>
+            </a:r>
+            <a:r>
+              <a:rPr lang="ja-JP" altLang="en-US" sz="900" dirty="0">
+                <a:latin typeface="ヒラギノ角ゴ Pro W3"/>
+                <a:ea typeface="ヒラギノ角ゴ Pro W3"/>
+                <a:cs typeface="ヒラギノ角ゴ Pro W3"/>
+              </a:rPr>
+              <a:t>－</a:t>
+            </a:r>
+            <a:r>
+              <a:rPr lang="en-US" altLang="ja-JP" sz="900" dirty="0">
+                <a:latin typeface="ヒラギノ角ゴ Pro W3"/>
+                <a:ea typeface="ヒラギノ角ゴ Pro W3"/>
+                <a:cs typeface="ヒラギノ角ゴ Pro W3"/>
+              </a:rPr>
+              <a:t>2</a:t>
+            </a:r>
+            <a:r>
+              <a:rPr lang="ja-JP" altLang="en-US" sz="900" dirty="0">
+                <a:latin typeface="ヒラギノ角ゴ Pro W3"/>
+                <a:ea typeface="ヒラギノ角ゴ Pro W3"/>
+                <a:cs typeface="ヒラギノ角ゴ Pro W3"/>
+              </a:rPr>
+              <a:t>年目のソフトウェアエンジニアリング課程に使用されている</a:t>
+            </a:r>
+            <a:r>
+              <a:rPr lang="ja-JP" altLang="en-US" sz="900" dirty="0" smtClean="0">
+                <a:latin typeface="ヒラギノ角ゴ Pro W3"/>
+                <a:ea typeface="ヒラギノ角ゴ Pro W3"/>
+                <a:cs typeface="ヒラギノ角ゴ Pro W3"/>
+              </a:rPr>
+              <a:t>。</a:t>
+            </a:r>
+            <a:r>
+              <a:rPr lang="en-US" altLang="ja-JP" sz="900" dirty="0" smtClean="0">
+                <a:latin typeface="ヒラギノ角ゴ Pro W3"/>
+                <a:ea typeface="ヒラギノ角ゴ Pro W3"/>
+                <a:cs typeface="ヒラギノ角ゴ Pro W3"/>
+              </a:rPr>
+              <a:t>1</a:t>
+            </a:r>
+            <a:r>
+              <a:rPr lang="ja-JP" altLang="en-US" sz="900" dirty="0">
+                <a:latin typeface="ヒラギノ角ゴ Pro W3"/>
+                <a:ea typeface="ヒラギノ角ゴ Pro W3"/>
+                <a:cs typeface="ヒラギノ角ゴ Pro W3"/>
+              </a:rPr>
+              <a:t>年目の課程で学生は彼らのプロジェクトを進めた後で、</a:t>
+            </a:r>
+          </a:p>
+          <a:p>
+            <a:r>
+              <a:rPr lang="en-US" altLang="ja-JP" sz="900" dirty="0">
+                <a:latin typeface="ヒラギノ角ゴ Pro W3"/>
+                <a:ea typeface="ヒラギノ角ゴ Pro W3"/>
+                <a:cs typeface="ヒラギノ角ゴ Pro W3"/>
+              </a:rPr>
+              <a:t>Anders </a:t>
+            </a:r>
+            <a:r>
+              <a:rPr lang="en-US" altLang="ja-JP" sz="900" dirty="0" err="1">
+                <a:latin typeface="ヒラギノ角ゴ Pro W3"/>
+                <a:ea typeface="ヒラギノ角ゴ Pro W3"/>
+                <a:cs typeface="ヒラギノ角ゴ Pro W3"/>
+              </a:rPr>
+              <a:t>Sjogren</a:t>
+            </a:r>
+            <a:r>
+              <a:rPr lang="ja-JP" altLang="en-US" sz="900" dirty="0">
+                <a:latin typeface="ヒラギノ角ゴ Pro W3"/>
+                <a:ea typeface="ヒラギノ角ゴ Pro W3"/>
+                <a:cs typeface="ヒラギノ角ゴ Pro W3"/>
+              </a:rPr>
+              <a:t>の指導の下、彼らのプロジェクト結果</a:t>
+            </a:r>
+            <a:r>
+              <a:rPr lang="ja-JP" altLang="en-US" sz="900" dirty="0" smtClean="0">
+                <a:latin typeface="ヒラギノ角ゴ Pro W3"/>
+                <a:ea typeface="ヒラギノ角ゴ Pro W3"/>
+                <a:cs typeface="ヒラギノ角ゴ Pro W3"/>
+              </a:rPr>
+              <a:t>を</a:t>
+            </a:r>
+            <a:r>
+              <a:rPr lang="en-US" altLang="ja-JP" sz="900" dirty="0" smtClean="0">
+                <a:latin typeface="ヒラギノ角ゴ Pro W3"/>
+                <a:ea typeface="ヒラギノ角ゴ Pro W3"/>
+                <a:cs typeface="ヒラギノ角ゴ Pro W3"/>
+              </a:rPr>
+              <a:t>SEMAT</a:t>
+            </a:r>
+            <a:r>
+              <a:rPr lang="ja-JP" altLang="en-US" sz="900" dirty="0">
+                <a:latin typeface="ヒラギノ角ゴ Pro W3"/>
+                <a:ea typeface="ヒラギノ角ゴ Pro W3"/>
+                <a:cs typeface="ヒラギノ角ゴ Pro W3"/>
+              </a:rPr>
+              <a:t>のアルファと照らし合わせた。学生はその結果の理解</a:t>
+            </a:r>
+            <a:r>
+              <a:rPr lang="ja-JP" altLang="en-US" sz="900" dirty="0" smtClean="0">
+                <a:latin typeface="ヒラギノ角ゴ Pro W3"/>
+                <a:ea typeface="ヒラギノ角ゴ Pro W3"/>
+                <a:cs typeface="ヒラギノ角ゴ Pro W3"/>
+              </a:rPr>
+              <a:t>とアルファ</a:t>
+            </a:r>
+            <a:r>
+              <a:rPr lang="ja-JP" altLang="en-US" sz="900" dirty="0">
+                <a:latin typeface="ヒラギノ角ゴ Pro W3"/>
+                <a:ea typeface="ヒラギノ角ゴ Pro W3"/>
+                <a:cs typeface="ヒラギノ角ゴ Pro W3"/>
+              </a:rPr>
+              <a:t>を評価する機会、そしてプロジェクトの進展</a:t>
+            </a:r>
+            <a:r>
+              <a:rPr lang="ja-JP" altLang="en-US" sz="900" dirty="0" smtClean="0">
+                <a:latin typeface="ヒラギノ角ゴ Pro W3"/>
+                <a:ea typeface="ヒラギノ角ゴ Pro W3"/>
+                <a:cs typeface="ヒラギノ角ゴ Pro W3"/>
+              </a:rPr>
+              <a:t>と健康</a:t>
+            </a:r>
+            <a:r>
+              <a:rPr lang="ja-JP" altLang="en-US" sz="900" dirty="0">
+                <a:latin typeface="ヒラギノ角ゴ Pro W3"/>
+                <a:ea typeface="ヒラギノ角ゴ Pro W3"/>
+                <a:cs typeface="ヒラギノ角ゴ Pro W3"/>
+              </a:rPr>
+              <a:t>状態を見抜く機会を得た。</a:t>
+            </a:r>
+          </a:p>
+          <a:p>
+            <a:r>
+              <a:rPr lang="en-US" altLang="ja-JP" sz="900" dirty="0">
+                <a:latin typeface="ヒラギノ角ゴ Pro W3"/>
+                <a:ea typeface="ヒラギノ角ゴ Pro W3"/>
+                <a:cs typeface="ヒラギノ角ゴ Pro W3"/>
+              </a:rPr>
+              <a:t>Mira </a:t>
+            </a:r>
+            <a:r>
+              <a:rPr lang="en-US" altLang="ja-JP" sz="900" dirty="0" err="1">
                 <a:latin typeface="ヒラギノ角ゴ Pro W3"/>
                 <a:ea typeface="ヒラギノ角ゴ Pro W3"/>
                 <a:cs typeface="ヒラギノ角ゴ Pro W3"/>
@@ -9297,77 +9810,82 @@
               <a:t>Kajko-Mattsson</a:t>
             </a:r>
             <a:r>
-              <a:rPr lang="en-US" sz="1200" baseline="30000" dirty="0">
-                <a:latin typeface="ヒラギノ角ゴ Pro W3"/>
-                <a:ea typeface="ヒラギノ角ゴ Pro W3"/>
-                <a:cs typeface="ヒラギノ角ゴ Pro W3"/>
-              </a:rPr>
-              <a:t>, the </a:t>
-            </a:r>
-            <a:r>
-              <a:rPr lang="en-US" sz="1200" baseline="30000" dirty="0" err="1">
-                <a:latin typeface="ヒラギノ角ゴ Pro W3"/>
-                <a:ea typeface="ヒラギノ角ゴ Pro W3"/>
-                <a:cs typeface="ヒラギノ角ゴ Pro W3"/>
-              </a:rPr>
-              <a:t>stu</a:t>
-            </a:r>
-            <a:r>
-              <a:rPr lang="en-US" sz="1200" baseline="30000" dirty="0">
-                <a:latin typeface="ヒラギノ角ゴ Pro W3"/>
-                <a:ea typeface="ヒラギノ角ゴ Pro W3"/>
-                <a:cs typeface="ヒラギノ角ゴ Pro W3"/>
-              </a:rPr>
-              <a:t>- dents were asked to use the SEMAT </a:t>
-            </a:r>
-            <a:r>
-              <a:rPr lang="en-US" sz="1200" baseline="30000" dirty="0" err="1">
-                <a:latin typeface="ヒラギノ角ゴ Pro W3"/>
-                <a:ea typeface="ヒラギノ角ゴ Pro W3"/>
-                <a:cs typeface="ヒラギノ角ゴ Pro W3"/>
-              </a:rPr>
-              <a:t>ker</a:t>
-            </a:r>
-            <a:r>
-              <a:rPr lang="en-US" sz="1200" baseline="30000" dirty="0">
-                <a:latin typeface="ヒラギノ角ゴ Pro W3"/>
-                <a:ea typeface="ヒラギノ角ゴ Pro W3"/>
-                <a:cs typeface="ヒラギノ角ゴ Pro W3"/>
-              </a:rPr>
-              <a:t>- </a:t>
-            </a:r>
-            <a:r>
-              <a:rPr lang="en-US" sz="1200" baseline="30000" dirty="0" err="1">
-                <a:latin typeface="ヒラギノ角ゴ Pro W3"/>
-                <a:ea typeface="ヒラギノ角ゴ Pro W3"/>
-                <a:cs typeface="ヒラギノ角ゴ Pro W3"/>
-              </a:rPr>
-              <a:t>nel</a:t>
-            </a:r>
-            <a:r>
-              <a:rPr lang="en-US" sz="1200" baseline="30000" dirty="0">
-                <a:latin typeface="ヒラギノ角ゴ Pro W3"/>
-                <a:ea typeface="ヒラギノ角ゴ Pro W3"/>
-                <a:cs typeface="ヒラギノ角ゴ Pro W3"/>
-              </a:rPr>
-              <a:t> when running their projects along with the development method they followed. As shown in Figure 7, </a:t>
-            </a:r>
-            <a:r>
-              <a:rPr lang="en-US" sz="1200" baseline="30000" dirty="0" err="1">
-                <a:latin typeface="ヒラギノ角ゴ Pro W3"/>
-                <a:ea typeface="ヒラギノ角ゴ Pro W3"/>
-                <a:cs typeface="ヒラギノ角ゴ Pro W3"/>
-              </a:rPr>
-              <a:t>Kajko</a:t>
-            </a:r>
-            <a:r>
-              <a:rPr lang="en-US" sz="1200" baseline="30000" dirty="0">
-                <a:latin typeface="ヒラギノ角ゴ Pro W3"/>
-                <a:ea typeface="ヒラギノ角ゴ Pro W3"/>
-                <a:cs typeface="ヒラギノ角ゴ Pro W3"/>
-              </a:rPr>
-              <a:t>-</a:t>
-            </a:r>
+              <a:rPr lang="ja-JP" altLang="en-US" sz="900" dirty="0">
+                <a:latin typeface="ヒラギノ角ゴ Pro W3"/>
+                <a:ea typeface="ヒラギノ角ゴ Pro W3"/>
+                <a:cs typeface="ヒラギノ角ゴ Pro W3"/>
+              </a:rPr>
+              <a:t>が行った</a:t>
+            </a:r>
+            <a:r>
+              <a:rPr lang="en-US" altLang="ja-JP" sz="900" dirty="0">
+                <a:latin typeface="ヒラギノ角ゴ Pro W3"/>
+                <a:ea typeface="ヒラギノ角ゴ Pro W3"/>
+                <a:cs typeface="ヒラギノ角ゴ Pro W3"/>
+              </a:rPr>
+              <a:t>2</a:t>
+            </a:r>
+            <a:r>
+              <a:rPr lang="ja-JP" altLang="en-US" sz="900" dirty="0">
+                <a:latin typeface="ヒラギノ角ゴ Pro W3"/>
+                <a:ea typeface="ヒラギノ角ゴ Pro W3"/>
+                <a:cs typeface="ヒラギノ角ゴ Pro W3"/>
+              </a:rPr>
+              <a:t>年目の課程において</a:t>
+            </a:r>
+            <a:r>
+              <a:rPr lang="ja-JP" altLang="en-US" sz="900" dirty="0" smtClean="0">
+                <a:latin typeface="ヒラギノ角ゴ Pro W3"/>
+                <a:ea typeface="ヒラギノ角ゴ Pro W3"/>
+                <a:cs typeface="ヒラギノ角ゴ Pro W3"/>
+              </a:rPr>
+              <a:t>、学生</a:t>
+            </a:r>
+            <a:r>
+              <a:rPr lang="ja-JP" altLang="en-US" sz="900" dirty="0">
+                <a:latin typeface="ヒラギノ角ゴ Pro W3"/>
+                <a:ea typeface="ヒラギノ角ゴ Pro W3"/>
+                <a:cs typeface="ヒラギノ角ゴ Pro W3"/>
+              </a:rPr>
+              <a:t>は彼らが従った開発方法を用いてプロジェクトを進める時</a:t>
+            </a:r>
+            <a:r>
+              <a:rPr lang="ja-JP" altLang="en-US" sz="900" dirty="0" smtClean="0">
+                <a:latin typeface="ヒラギノ角ゴ Pro W3"/>
+                <a:ea typeface="ヒラギノ角ゴ Pro W3"/>
+                <a:cs typeface="ヒラギノ角ゴ Pro W3"/>
+              </a:rPr>
+              <a:t>に</a:t>
+            </a:r>
+            <a:r>
+              <a:rPr lang="en-US" altLang="ja-JP" sz="900" dirty="0" smtClean="0">
+                <a:latin typeface="ヒラギノ角ゴ Pro W3"/>
+                <a:ea typeface="ヒラギノ角ゴ Pro W3"/>
+                <a:cs typeface="ヒラギノ角ゴ Pro W3"/>
+              </a:rPr>
+              <a:t>SEMAT</a:t>
+            </a:r>
+            <a:r>
+              <a:rPr lang="ja-JP" altLang="en-US" sz="900" dirty="0">
+                <a:latin typeface="ヒラギノ角ゴ Pro W3"/>
+                <a:ea typeface="ヒラギノ角ゴ Pro W3"/>
+                <a:cs typeface="ヒラギノ角ゴ Pro W3"/>
+              </a:rPr>
+              <a:t>カーネルを使用するよう指示された</a:t>
+            </a:r>
+            <a:r>
+              <a:rPr lang="ja-JP" altLang="en-US" sz="900" dirty="0" smtClean="0">
+                <a:latin typeface="ヒラギノ角ゴ Pro W3"/>
+                <a:ea typeface="ヒラギノ角ゴ Pro W3"/>
+                <a:cs typeface="ヒラギノ角ゴ Pro W3"/>
+              </a:rPr>
+              <a:t>。</a:t>
+            </a:r>
+            <a:endParaRPr lang="ja-JP" altLang="en-US" sz="900" dirty="0">
+              <a:latin typeface="ヒラギノ角ゴ Pro W3"/>
+              <a:ea typeface="ヒラギノ角ゴ Pro W3"/>
+              <a:cs typeface="ヒラギノ角ゴ Pro W3"/>
+            </a:endParaRPr>
           </a:p>
         </p:txBody>
       </p:sp>
@@ -9380,7 +9898,7 @@
         <p:spPr>
           <a:xfrm>
             <a:off x="4696293" y="3440159"/>
-            <a:ext cx="2060928" cy="5386092"/>
+            <a:ext cx="2060928" cy="6878803"/>
           </a:xfrm>
           <a:prstGeom prst="rect">
             <a:avLst/>
@@ -9394,49 +9912,57 @@
           <a:lstStyle/>
           <a:p>
             <a:r>
-              <a:rPr lang="en-US" sz="1200" baseline="30000" dirty="0" err="1">
-                <a:latin typeface="ヒラギノ角ゴ Pro W3"/>
-                <a:ea typeface="ヒラギノ角ゴ Pro W3"/>
-                <a:cs typeface="ヒラギノ角ゴ Pro W3"/>
-              </a:rPr>
-              <a:t>Mattsson</a:t>
-            </a:r>
-            <a:r>
-              <a:rPr lang="en-US" sz="1200" baseline="30000" dirty="0">
-                <a:latin typeface="ヒラギノ角ゴ Pro W3"/>
-                <a:ea typeface="ヒラギノ角ゴ Pro W3"/>
-                <a:cs typeface="ヒラギノ角ゴ Pro W3"/>
-              </a:rPr>
-              <a:t> created a software-develop- </a:t>
-            </a:r>
-            <a:r>
-              <a:rPr lang="en-US" sz="1200" baseline="30000" dirty="0" err="1">
-                <a:latin typeface="ヒラギノ角ゴ Pro W3"/>
-                <a:ea typeface="ヒラギノ角ゴ Pro W3"/>
-                <a:cs typeface="ヒラギノ角ゴ Pro W3"/>
-              </a:rPr>
-              <a:t>ment</a:t>
-            </a:r>
-            <a:r>
-              <a:rPr lang="en-US" sz="1200" baseline="30000" dirty="0">
-                <a:latin typeface="ヒラギノ角ゴ Pro W3"/>
-                <a:ea typeface="ヒラギノ角ゴ Pro W3"/>
-                <a:cs typeface="ヒラギノ角ゴ Pro W3"/>
-              </a:rPr>
-              <a:t> scenario and evaluated it for each alpha, its states, and the state checklist items. The students were then asked to do the same when conducting and evaluating their projects.</a:t>
-            </a:r>
-          </a:p>
-          <a:p>
-            <a:r>
-              <a:rPr lang="en-US" sz="1200" baseline="30000" dirty="0">
-                <a:latin typeface="ヒラギノ角ゴ Pro W3"/>
-                <a:ea typeface="ヒラギノ角ゴ Pro W3"/>
-                <a:cs typeface="ヒラギノ角ゴ Pro W3"/>
-              </a:rPr>
-              <a:t>The experiences of these courses provided valuable lessons. For exam- </a:t>
-            </a:r>
-            <a:r>
-              <a:rPr lang="en-US" sz="1200" baseline="30000" dirty="0" err="1">
+              <a:rPr lang="en-US" altLang="ja-JP" sz="900" dirty="0">
+                <a:latin typeface="ヒラギノ角ゴ Pro W3"/>
+                <a:ea typeface="ヒラギノ角ゴ Pro W3"/>
+                <a:cs typeface="ヒラギノ角ゴ Pro W3"/>
+              </a:rPr>
+              <a:t>Figure 7</a:t>
+            </a:r>
+            <a:r>
+              <a:rPr lang="ja-JP" altLang="en-US" sz="900" dirty="0">
+                <a:latin typeface="ヒラギノ角ゴ Pro W3"/>
+                <a:ea typeface="ヒラギノ角ゴ Pro W3"/>
+                <a:cs typeface="ヒラギノ角ゴ Pro W3"/>
+              </a:rPr>
+              <a:t>に示される様に</a:t>
+            </a:r>
+            <a:r>
+              <a:rPr lang="en-US" altLang="ja-JP" sz="900" dirty="0" err="1">
+                <a:latin typeface="ヒラギノ角ゴ Pro W3"/>
+                <a:ea typeface="ヒラギノ角ゴ Pro W3"/>
+                <a:cs typeface="ヒラギノ角ゴ Pro W3"/>
+              </a:rPr>
+              <a:t>Kajko-Mattsson</a:t>
+            </a:r>
+            <a:r>
+              <a:rPr lang="ja-JP" altLang="en-US" sz="900" dirty="0">
+                <a:latin typeface="ヒラギノ角ゴ Pro W3"/>
+                <a:ea typeface="ヒラギノ角ゴ Pro W3"/>
+                <a:cs typeface="ヒラギノ角ゴ Pro W3"/>
+              </a:rPr>
+              <a:t>はソフトウェア開発シナリオを作成し、アルファ毎にその状態と状態毎のチェックリストアイテムを評価した。学生は彼らのプロジェクトの運営と評価時に同じことをするよう指示された。</a:t>
+            </a:r>
+          </a:p>
+          <a:p>
+            <a:r>
+              <a:rPr lang="en-US" sz="900" dirty="0" smtClean="0">
+                <a:latin typeface="ヒラギノ角ゴ Pro W3"/>
+                <a:ea typeface="ヒラギノ角ゴ Pro W3"/>
+                <a:cs typeface="ヒラギノ角ゴ Pro W3"/>
+              </a:rPr>
+              <a:t>The </a:t>
+            </a:r>
+            <a:r>
+              <a:rPr lang="en-US" sz="900" dirty="0">
+                <a:latin typeface="ヒラギノ角ゴ Pro W3"/>
+                <a:ea typeface="ヒラギノ角ゴ Pro W3"/>
+                <a:cs typeface="ヒラギノ角ゴ Pro W3"/>
+              </a:rPr>
+              <a:t>experiences of these courses provided valuable lessons. For exam- </a:t>
+            </a:r>
+            <a:r>
+              <a:rPr lang="en-US" sz="900" dirty="0" err="1">
                 <a:latin typeface="ヒラギノ角ゴ Pro W3"/>
                 <a:ea typeface="ヒラギノ角ゴ Pro W3"/>
                 <a:cs typeface="ヒラギノ角ゴ Pro W3"/>
@@ -9444,7 +9970,7 @@
               <a:t>ple</a:t>
             </a:r>
             <a:r>
-              <a:rPr lang="en-US" sz="1200" baseline="30000" dirty="0">
+              <a:rPr lang="en-US" sz="900" dirty="0">
                 <a:latin typeface="ヒラギノ角ゴ Pro W3"/>
                 <a:ea typeface="ヒラギノ角ゴ Pro W3"/>
                 <a:cs typeface="ヒラギノ角ゴ Pro W3"/>
@@ -9452,7 +9978,7 @@
               <a:t>, the kernel assures that all the </a:t>
             </a:r>
             <a:r>
-              <a:rPr lang="en-US" sz="1200" baseline="30000" dirty="0" err="1">
+              <a:rPr lang="en-US" sz="900" dirty="0" err="1">
                 <a:latin typeface="ヒラギノ角ゴ Pro W3"/>
                 <a:ea typeface="ヒラギノ角ゴ Pro W3"/>
                 <a:cs typeface="ヒラギノ角ゴ Pro W3"/>
@@ -9460,7 +9986,7 @@
               <a:t>es</a:t>
             </a:r>
             <a:r>
-              <a:rPr lang="en-US" sz="1200" baseline="30000" dirty="0">
+              <a:rPr lang="en-US" sz="900" dirty="0">
                 <a:latin typeface="ヒラギノ角ゴ Pro W3"/>
                 <a:ea typeface="ヒラギノ角ゴ Pro W3"/>
                 <a:cs typeface="ヒラギノ角ゴ Pro W3"/>
@@ -9468,7 +9994,7 @@
               <a:t>- </a:t>
             </a:r>
             <a:r>
-              <a:rPr lang="en-US" sz="1200" baseline="30000" dirty="0" err="1">
+              <a:rPr lang="en-US" sz="900" dirty="0" err="1">
                 <a:latin typeface="ヒラギノ角ゴ Pro W3"/>
                 <a:ea typeface="ヒラギノ角ゴ Pro W3"/>
                 <a:cs typeface="ヒラギノ角ゴ Pro W3"/>
@@ -9476,7 +10002,7 @@
               <a:t>sential</a:t>
             </a:r>
             <a:r>
-              <a:rPr lang="en-US" sz="1200" baseline="30000" dirty="0">
+              <a:rPr lang="en-US" sz="900" dirty="0">
                 <a:latin typeface="ヒラギノ角ゴ Pro W3"/>
                 <a:ea typeface="ヒラギノ角ゴ Pro W3"/>
                 <a:cs typeface="ヒラギノ角ゴ Pro W3"/>
@@ -9484,7 +10010,7 @@
               <a:t> aspects of software engineering are considered in a project. By match- </a:t>
             </a:r>
             <a:r>
-              <a:rPr lang="en-US" sz="1200" baseline="30000" dirty="0" err="1">
+              <a:rPr lang="en-US" sz="900" dirty="0" err="1">
                 <a:latin typeface="ヒラギノ角ゴ Pro W3"/>
                 <a:ea typeface="ヒラギノ角ゴ Pro W3"/>
                 <a:cs typeface="ヒラギノ角ゴ Pro W3"/>
@@ -9492,7 +10018,7 @@
               <a:t>ing</a:t>
             </a:r>
             <a:r>
-              <a:rPr lang="en-US" sz="1200" baseline="30000" dirty="0">
+              <a:rPr lang="en-US" sz="900" dirty="0">
                 <a:latin typeface="ヒラギノ角ゴ Pro W3"/>
                 <a:ea typeface="ヒラギノ角ゴ Pro W3"/>
                 <a:cs typeface="ヒラギノ角ゴ Pro W3"/>
@@ -9500,7 +10026,7 @@
               <a:t> the project results against the </a:t>
             </a:r>
             <a:r>
-              <a:rPr lang="en-US" sz="1200" baseline="30000" dirty="0" err="1">
+              <a:rPr lang="en-US" sz="900" dirty="0" err="1">
                 <a:latin typeface="ヒラギノ角ゴ Pro W3"/>
                 <a:ea typeface="ヒラギノ角ゴ Pro W3"/>
                 <a:cs typeface="ヒラギノ角ゴ Pro W3"/>
@@ -9508,7 +10034,7 @@
               <a:t>ker</a:t>
             </a:r>
             <a:r>
-              <a:rPr lang="en-US" sz="1200" baseline="30000" dirty="0">
+              <a:rPr lang="en-US" sz="900" dirty="0">
                 <a:latin typeface="ヒラギノ角ゴ Pro W3"/>
                 <a:ea typeface="ヒラギノ角ゴ Pro W3"/>
                 <a:cs typeface="ヒラギノ角ゴ Pro W3"/>
@@ -9516,7 +10042,7 @@
               <a:t>- </a:t>
             </a:r>
             <a:r>
-              <a:rPr lang="en-US" sz="1200" baseline="30000" dirty="0" err="1">
+              <a:rPr lang="en-US" sz="900" dirty="0" err="1">
                 <a:latin typeface="ヒラギノ角ゴ Pro W3"/>
                 <a:ea typeface="ヒラギノ角ゴ Pro W3"/>
                 <a:cs typeface="ヒラギノ角ゴ Pro W3"/>
@@ -9524,7 +10050,7 @@
               <a:t>nel</a:t>
             </a:r>
             <a:r>
-              <a:rPr lang="en-US" sz="1200" baseline="30000" dirty="0">
+              <a:rPr lang="en-US" sz="900" dirty="0">
                 <a:latin typeface="ヒラギノ角ゴ Pro W3"/>
                 <a:ea typeface="ヒラギノ角ゴ Pro W3"/>
                 <a:cs typeface="ヒラギノ角ゴ Pro W3"/>
@@ -9532,7 +10058,7 @@
               <a:t> alphas, the students could easily identify the good and bad sides of their development methods. The kernel also prepared students for future software- engineering endeavors with minimal teaching effort. By following all the </a:t>
             </a:r>
             <a:r>
-              <a:rPr lang="en-US" sz="1200" baseline="30000" dirty="0" err="1">
+              <a:rPr lang="en-US" sz="900" dirty="0" err="1">
                 <a:latin typeface="ヒラギノ角ゴ Pro W3"/>
                 <a:ea typeface="ヒラギノ角ゴ Pro W3"/>
                 <a:cs typeface="ヒラギノ角ゴ Pro W3"/>
@@ -9540,7 +10066,7 @@
               <a:t>ker</a:t>
             </a:r>
             <a:r>
-              <a:rPr lang="en-US" sz="1200" baseline="30000" dirty="0">
+              <a:rPr lang="en-US" sz="900" dirty="0">
                 <a:latin typeface="ヒラギノ角ゴ Pro W3"/>
                 <a:ea typeface="ヒラギノ角ゴ Pro W3"/>
                 <a:cs typeface="ヒラギノ角ゴ Pro W3"/>
@@ -9548,7 +10074,7 @@
               <a:t>- </a:t>
             </a:r>
             <a:r>
-              <a:rPr lang="en-US" sz="1200" baseline="30000" dirty="0" err="1">
+              <a:rPr lang="en-US" sz="900" dirty="0" err="1">
                 <a:latin typeface="ヒラギノ角ゴ Pro W3"/>
                 <a:ea typeface="ヒラギノ角ゴ Pro W3"/>
                 <a:cs typeface="ヒラギノ角ゴ Pro W3"/>
@@ -9556,7 +10082,7 @@
               <a:t>nel</a:t>
             </a:r>
             <a:r>
-              <a:rPr lang="en-US" sz="1200" baseline="30000" dirty="0">
+              <a:rPr lang="en-US" sz="900" dirty="0">
                 <a:latin typeface="ヒラギノ角ゴ Pro W3"/>
                 <a:ea typeface="ヒラギノ角ゴ Pro W3"/>
                 <a:cs typeface="ヒラギノ角ゴ Pro W3"/>
@@ -9566,7 +10092,7 @@
           </a:p>
           <a:p>
             <a:r>
-              <a:rPr lang="en-US" sz="1200" baseline="30000" dirty="0">
+              <a:rPr lang="en-US" sz="900" dirty="0">
                 <a:latin typeface="ヒラギノ角ゴ Pro W3"/>
                 <a:ea typeface="ヒラギノ角ゴ Pro W3"/>
                 <a:cs typeface="ヒラギノ角ゴ Pro W3"/>
@@ -9574,7 +10100,7 @@
               <a:t>How the kernel relates to agile and others. The kernel can be used with all the popular management and </a:t>
             </a:r>
             <a:r>
-              <a:rPr lang="en-US" sz="1200" baseline="30000" dirty="0" err="1">
+              <a:rPr lang="en-US" sz="900" dirty="0" err="1">
                 <a:latin typeface="ヒラギノ角ゴ Pro W3"/>
                 <a:ea typeface="ヒラギノ角ゴ Pro W3"/>
                 <a:cs typeface="ヒラギノ角ゴ Pro W3"/>
@@ -9582,7 +10108,7 @@
               <a:t>techni</a:t>
             </a:r>
             <a:r>
-              <a:rPr lang="en-US" sz="1200" baseline="30000" dirty="0">
+              <a:rPr lang="en-US" sz="900" dirty="0">
                 <a:latin typeface="ヒラギノ角ゴ Pro W3"/>
                 <a:ea typeface="ヒラギノ角ゴ Pro W3"/>
                 <a:cs typeface="ヒラギノ角ゴ Pro W3"/>
@@ -9590,7 +10116,7 @@
               <a:t>- </a:t>
             </a:r>
             <a:r>
-              <a:rPr lang="en-US" sz="1200" baseline="30000" dirty="0" err="1">
+              <a:rPr lang="en-US" sz="900" dirty="0" err="1">
                 <a:latin typeface="ヒラギノ角ゴ Pro W3"/>
                 <a:ea typeface="ヒラギノ角ゴ Pro W3"/>
                 <a:cs typeface="ヒラギノ角ゴ Pro W3"/>
@@ -9598,7 +10124,7 @@
               <a:t>cal</a:t>
             </a:r>
             <a:r>
-              <a:rPr lang="en-US" sz="1200" baseline="30000" dirty="0">
+              <a:rPr lang="en-US" sz="900" dirty="0">
                 <a:latin typeface="ヒラギノ角ゴ Pro W3"/>
                 <a:ea typeface="ヒラギノ角ゴ Pro W3"/>
                 <a:cs typeface="ヒラギノ角ゴ Pro W3"/>
@@ -9606,7 +10132,7 @@
               <a:t> practices, including Scrum, </a:t>
             </a:r>
             <a:r>
-              <a:rPr lang="en-US" sz="1200" baseline="30000" dirty="0" err="1">
+              <a:rPr lang="en-US" sz="900" dirty="0" err="1">
                 <a:latin typeface="ヒラギノ角ゴ Pro W3"/>
                 <a:ea typeface="ヒラギノ角ゴ Pro W3"/>
                 <a:cs typeface="ヒラギノ角ゴ Pro W3"/>
@@ -9614,7 +10140,7 @@
               <a:t>Kan</a:t>
             </a:r>
             <a:r>
-              <a:rPr lang="en-US" sz="1200" baseline="30000" dirty="0">
+              <a:rPr lang="en-US" sz="900" dirty="0">
                 <a:latin typeface="ヒラギノ角ゴ Pro W3"/>
                 <a:ea typeface="ヒラギノ角ゴ Pro W3"/>
                 <a:cs typeface="ヒラギノ角ゴ Pro W3"/>
@@ -9622,7 +10148,7 @@
               <a:t>- ban, risk-driven iterative, waterfall, use-case-driven development, </a:t>
             </a:r>
             <a:r>
-              <a:rPr lang="en-US" sz="1200" baseline="30000" dirty="0" err="1">
+              <a:rPr lang="en-US" sz="900" dirty="0" err="1">
                 <a:latin typeface="ヒラギノ角ゴ Pro W3"/>
                 <a:ea typeface="ヒラギノ角ゴ Pro W3"/>
                 <a:cs typeface="ヒラギノ角ゴ Pro W3"/>
@@ -9630,7 +10156,7 @@
               <a:t>accep</a:t>
             </a:r>
             <a:r>
-              <a:rPr lang="en-US" sz="1200" baseline="30000" dirty="0">
+              <a:rPr lang="en-US" sz="900" dirty="0">
                 <a:latin typeface="ヒラギノ角ゴ Pro W3"/>
                 <a:ea typeface="ヒラギノ角ゴ Pro W3"/>
                 <a:cs typeface="ヒラギノ角ゴ Pro W3"/>
@@ -9638,7 +10164,7 @@
               <a:t>- </a:t>
             </a:r>
             <a:r>
-              <a:rPr lang="en-US" sz="1200" baseline="30000" dirty="0" err="1">
+              <a:rPr lang="en-US" sz="900" dirty="0" err="1">
                 <a:latin typeface="ヒラギノ角ゴ Pro W3"/>
                 <a:ea typeface="ヒラギノ角ゴ Pro W3"/>
                 <a:cs typeface="ヒラギノ角ゴ Pro W3"/>
@@ -9646,7 +10172,7 @@
               <a:t>tance</a:t>
             </a:r>
             <a:r>
-              <a:rPr lang="en-US" sz="1200" baseline="30000" dirty="0">
+              <a:rPr lang="en-US" sz="900" dirty="0">
                 <a:latin typeface="ヒラギノ角ゴ Pro W3"/>
                 <a:ea typeface="ヒラギノ角ゴ Pro W3"/>
                 <a:cs typeface="ヒラギノ角ゴ Pro W3"/>
@@ -9654,7 +10180,7 @@
               <a:t>-test-driven development, con- </a:t>
             </a:r>
             <a:r>
-              <a:rPr lang="en-US" sz="1200" baseline="30000" dirty="0" err="1">
+              <a:rPr lang="en-US" sz="900" dirty="0" err="1">
                 <a:latin typeface="ヒラギノ角ゴ Pro W3"/>
                 <a:ea typeface="ヒラギノ角ゴ Pro W3"/>
                 <a:cs typeface="ヒラギノ角ゴ Pro W3"/>
@@ -9662,7 +10188,7 @@
               <a:t>tinuous</a:t>
             </a:r>
             <a:r>
-              <a:rPr lang="en-US" sz="1200" baseline="30000" dirty="0">
+              <a:rPr lang="en-US" sz="900" dirty="0">
                 <a:latin typeface="ヒラギノ角ゴ Pro W3"/>
                 <a:ea typeface="ヒラギノ角ゴ Pro W3"/>
                 <a:cs typeface="ヒラギノ角ゴ Pro W3"/>
@@ -9670,7 +10196,7 @@
               <a:t> integration, and test-driven development. It will help teams </a:t>
             </a:r>
             <a:r>
-              <a:rPr lang="en-US" sz="1200" baseline="30000" dirty="0" err="1">
+              <a:rPr lang="en-US" sz="900" dirty="0" err="1">
                 <a:latin typeface="ヒラギノ角ゴ Pro W3"/>
                 <a:ea typeface="ヒラギノ角ゴ Pro W3"/>
                 <a:cs typeface="ヒラギノ角ゴ Pro W3"/>
@@ -9678,7 +10204,7 @@
               <a:t>em</a:t>
             </a:r>
             <a:r>
-              <a:rPr lang="en-US" sz="1200" baseline="30000" dirty="0">
+              <a:rPr lang="en-US" sz="900" dirty="0">
                 <a:latin typeface="ヒラギノ角ゴ Pro W3"/>
                 <a:ea typeface="ヒラギノ角ゴ Pro W3"/>
                 <a:cs typeface="ヒラギノ角ゴ Pro W3"/>
@@ -9686,7 +10212,7 @@
               <a:t>- barking on the development of new and innovative software products and those involved in enhancing and main- </a:t>
             </a:r>
             <a:r>
-              <a:rPr lang="en-US" sz="1200" baseline="30000" dirty="0" err="1">
+              <a:rPr lang="en-US" sz="900" dirty="0" err="1">
                 <a:latin typeface="ヒラギノ角ゴ Pro W3"/>
                 <a:ea typeface="ヒラギノ角ゴ Pro W3"/>
                 <a:cs typeface="ヒラギノ角ゴ Pro W3"/>
@@ -9694,7 +10220,7 @@
               <a:t>taining</a:t>
             </a:r>
             <a:r>
-              <a:rPr lang="en-US" sz="1200" baseline="30000" dirty="0">
+              <a:rPr lang="en-US" sz="900" dirty="0">
                 <a:latin typeface="ヒラギノ角ゴ Pro W3"/>
                 <a:ea typeface="ヒラギノ角ゴ Pro W3"/>
                 <a:cs typeface="ヒラギノ角ゴ Pro W3"/>

--- a/p42-jacobson_ja/p42-jacobson_ja.pptx
+++ b/p42-jacobson_ja/p42-jacobson_ja.pptx
@@ -295,7 +295,7 @@
           <a:p>
             <a:fld id="{0250A163-ACDB-304E-8C8E-D7913C06F9E0}" type="datetimeFigureOut">
               <a:rPr lang="en-US" smtClean="0"/>
-              <a:t>4/10/13</a:t>
+              <a:t>4/11/13</a:t>
             </a:fld>
             <a:endParaRPr lang="en-US"/>
           </a:p>
@@ -465,7 +465,7 @@
           <a:p>
             <a:fld id="{0250A163-ACDB-304E-8C8E-D7913C06F9E0}" type="datetimeFigureOut">
               <a:rPr lang="en-US" smtClean="0"/>
-              <a:t>4/10/13</a:t>
+              <a:t>4/11/13</a:t>
             </a:fld>
             <a:endParaRPr lang="en-US"/>
           </a:p>
@@ -645,7 +645,7 @@
           <a:p>
             <a:fld id="{0250A163-ACDB-304E-8C8E-D7913C06F9E0}" type="datetimeFigureOut">
               <a:rPr lang="en-US" smtClean="0"/>
-              <a:t>4/10/13</a:t>
+              <a:t>4/11/13</a:t>
             </a:fld>
             <a:endParaRPr lang="en-US"/>
           </a:p>
@@ -815,7 +815,7 @@
           <a:p>
             <a:fld id="{0250A163-ACDB-304E-8C8E-D7913C06F9E0}" type="datetimeFigureOut">
               <a:rPr lang="en-US" smtClean="0"/>
-              <a:t>4/10/13</a:t>
+              <a:t>4/11/13</a:t>
             </a:fld>
             <a:endParaRPr lang="en-US"/>
           </a:p>
@@ -1061,7 +1061,7 @@
           <a:p>
             <a:fld id="{0250A163-ACDB-304E-8C8E-D7913C06F9E0}" type="datetimeFigureOut">
               <a:rPr lang="en-US" smtClean="0"/>
-              <a:t>4/10/13</a:t>
+              <a:t>4/11/13</a:t>
             </a:fld>
             <a:endParaRPr lang="en-US"/>
           </a:p>
@@ -1349,7 +1349,7 @@
           <a:p>
             <a:fld id="{0250A163-ACDB-304E-8C8E-D7913C06F9E0}" type="datetimeFigureOut">
               <a:rPr lang="en-US" smtClean="0"/>
-              <a:t>4/10/13</a:t>
+              <a:t>4/11/13</a:t>
             </a:fld>
             <a:endParaRPr lang="en-US"/>
           </a:p>
@@ -1776,7 +1776,7 @@
           <a:p>
             <a:fld id="{0250A163-ACDB-304E-8C8E-D7913C06F9E0}" type="datetimeFigureOut">
               <a:rPr lang="en-US" smtClean="0"/>
-              <a:t>4/10/13</a:t>
+              <a:t>4/11/13</a:t>
             </a:fld>
             <a:endParaRPr lang="en-US"/>
           </a:p>
@@ -1894,7 +1894,7 @@
           <a:p>
             <a:fld id="{0250A163-ACDB-304E-8C8E-D7913C06F9E0}" type="datetimeFigureOut">
               <a:rPr lang="en-US" smtClean="0"/>
-              <a:t>4/10/13</a:t>
+              <a:t>4/11/13</a:t>
             </a:fld>
             <a:endParaRPr lang="en-US"/>
           </a:p>
@@ -1989,7 +1989,7 @@
           <a:p>
             <a:fld id="{0250A163-ACDB-304E-8C8E-D7913C06F9E0}" type="datetimeFigureOut">
               <a:rPr lang="en-US" smtClean="0"/>
-              <a:t>4/10/13</a:t>
+              <a:t>4/11/13</a:t>
             </a:fld>
             <a:endParaRPr lang="en-US"/>
           </a:p>
@@ -2266,7 +2266,7 @@
           <a:p>
             <a:fld id="{0250A163-ACDB-304E-8C8E-D7913C06F9E0}" type="datetimeFigureOut">
               <a:rPr lang="en-US" smtClean="0"/>
-              <a:t>4/10/13</a:t>
+              <a:t>4/11/13</a:t>
             </a:fld>
             <a:endParaRPr lang="en-US"/>
           </a:p>
@@ -2519,7 +2519,7 @@
           <a:p>
             <a:fld id="{0250A163-ACDB-304E-8C8E-D7913C06F9E0}" type="datetimeFigureOut">
               <a:rPr lang="en-US" smtClean="0"/>
-              <a:t>4/10/13</a:t>
+              <a:t>4/11/13</a:t>
             </a:fld>
             <a:endParaRPr lang="en-US"/>
           </a:p>
@@ -2732,7 +2732,7 @@
           <a:p>
             <a:fld id="{0250A163-ACDB-304E-8C8E-D7913C06F9E0}" type="datetimeFigureOut">
               <a:rPr lang="en-US" smtClean="0"/>
-              <a:t>4/10/13</a:t>
+              <a:t>4/11/13</a:t>
             </a:fld>
             <a:endParaRPr lang="en-US"/>
           </a:p>
@@ -4901,20 +4901,20 @@
           <a:lstStyle/>
           <a:p>
             <a:r>
-              <a:rPr lang="en-US" sz="900" dirty="0" err="1" smtClean="0">
-                <a:latin typeface="ヒラギノ角ゴ Pro W3"/>
-                <a:ea typeface="ヒラギノ角ゴ Pro W3"/>
-                <a:cs typeface="ヒラギノ角ゴ Pro W3"/>
-              </a:rPr>
-              <a:t>i</a:t>
-            </a:r>
-            <a:r>
-              <a:rPr lang="ja-JP" altLang="en-US" sz="900" dirty="0">
-                <a:latin typeface="ヒラギノ角ゴ Pro W3"/>
-                <a:ea typeface="ヒラギノ角ゴ Pro W3"/>
-                <a:cs typeface="ヒラギノ角ゴ Pro W3"/>
-              </a:rPr>
-              <a:t>彼らが反対しているのは、ソリューションが流行っているから（あるいは、政治的正当性</a:t>
+              <a:rPr lang="ja-JP" altLang="en-US" sz="900" dirty="0" smtClean="0">
+                <a:latin typeface="ヒラギノ角ゴ Pro W3"/>
+                <a:ea typeface="ヒラギノ角ゴ Pro W3"/>
+                <a:cs typeface="ヒラギノ角ゴ Pro W3"/>
+              </a:rPr>
+              <a:t>彼ら</a:t>
+            </a:r>
+            <a:r>
+              <a:rPr lang="ja-JP" altLang="en-US" sz="900" dirty="0">
+                <a:latin typeface="ヒラギノ角ゴ Pro W3"/>
+                <a:ea typeface="ヒラギノ角ゴ Pro W3"/>
+                <a:cs typeface="ヒラギノ角ゴ Pro W3"/>
+              </a:rPr>
+              <a:t>が反対しているのは、ソリューションが流行っているから（あるいは、政治的正当性</a:t>
             </a:r>
             <a:r>
               <a:rPr lang="en-US" altLang="ja-JP" sz="900" dirty="0">
@@ -9897,8 +9897,8 @@
         </p:nvSpPr>
         <p:spPr>
           <a:xfrm>
-            <a:off x="4696293" y="3440159"/>
-            <a:ext cx="2060928" cy="6878803"/>
+            <a:off x="4672320" y="3425265"/>
+            <a:ext cx="2060928" cy="6647971"/>
           </a:xfrm>
           <a:prstGeom prst="rect">
             <a:avLst/>
@@ -9941,292 +9941,406 @@
                 <a:ea typeface="ヒラギノ角ゴ Pro W3"/>
                 <a:cs typeface="ヒラギノ角ゴ Pro W3"/>
               </a:rPr>
-              <a:t>はソフトウェア開発シナリオを作成し、アルファ毎にその状態と状態毎のチェックリストアイテムを評価した。学生は彼らのプロジェクトの運営と評価時に同じことをするよう指示された。</a:t>
-            </a:r>
-          </a:p>
-          <a:p>
-            <a:r>
-              <a:rPr lang="en-US" sz="900" dirty="0" smtClean="0">
-                <a:latin typeface="ヒラギノ角ゴ Pro W3"/>
-                <a:ea typeface="ヒラギノ角ゴ Pro W3"/>
-                <a:cs typeface="ヒラギノ角ゴ Pro W3"/>
-              </a:rPr>
-              <a:t>The </a:t>
-            </a:r>
-            <a:r>
-              <a:rPr lang="en-US" sz="900" dirty="0">
-                <a:latin typeface="ヒラギノ角ゴ Pro W3"/>
-                <a:ea typeface="ヒラギノ角ゴ Pro W3"/>
-                <a:cs typeface="ヒラギノ角ゴ Pro W3"/>
-              </a:rPr>
-              <a:t>experiences of these courses provided valuable lessons. For exam- </a:t>
-            </a:r>
-            <a:r>
-              <a:rPr lang="en-US" sz="900" dirty="0" err="1">
-                <a:latin typeface="ヒラギノ角ゴ Pro W3"/>
-                <a:ea typeface="ヒラギノ角ゴ Pro W3"/>
-                <a:cs typeface="ヒラギノ角ゴ Pro W3"/>
-              </a:rPr>
-              <a:t>ple</a:t>
-            </a:r>
-            <a:r>
-              <a:rPr lang="en-US" sz="900" dirty="0">
-                <a:latin typeface="ヒラギノ角ゴ Pro W3"/>
-                <a:ea typeface="ヒラギノ角ゴ Pro W3"/>
-                <a:cs typeface="ヒラギノ角ゴ Pro W3"/>
-              </a:rPr>
-              <a:t>, the kernel assures that all the </a:t>
-            </a:r>
-            <a:r>
-              <a:rPr lang="en-US" sz="900" dirty="0" err="1">
-                <a:latin typeface="ヒラギノ角ゴ Pro W3"/>
-                <a:ea typeface="ヒラギノ角ゴ Pro W3"/>
-                <a:cs typeface="ヒラギノ角ゴ Pro W3"/>
-              </a:rPr>
-              <a:t>es</a:t>
-            </a:r>
-            <a:r>
-              <a:rPr lang="en-US" sz="900" dirty="0">
-                <a:latin typeface="ヒラギノ角ゴ Pro W3"/>
-                <a:ea typeface="ヒラギノ角ゴ Pro W3"/>
-                <a:cs typeface="ヒラギノ角ゴ Pro W3"/>
-              </a:rPr>
-              <a:t>- </a:t>
-            </a:r>
-            <a:r>
-              <a:rPr lang="en-US" sz="900" dirty="0" err="1">
-                <a:latin typeface="ヒラギノ角ゴ Pro W3"/>
-                <a:ea typeface="ヒラギノ角ゴ Pro W3"/>
-                <a:cs typeface="ヒラギノ角ゴ Pro W3"/>
-              </a:rPr>
-              <a:t>sential</a:t>
-            </a:r>
-            <a:r>
-              <a:rPr lang="en-US" sz="900" dirty="0">
-                <a:latin typeface="ヒラギノ角ゴ Pro W3"/>
-                <a:ea typeface="ヒラギノ角ゴ Pro W3"/>
-                <a:cs typeface="ヒラギノ角ゴ Pro W3"/>
-              </a:rPr>
-              <a:t> aspects of software engineering are considered in a project. By match- </a:t>
-            </a:r>
-            <a:r>
-              <a:rPr lang="en-US" sz="900" dirty="0" err="1">
-                <a:latin typeface="ヒラギノ角ゴ Pro W3"/>
-                <a:ea typeface="ヒラギノ角ゴ Pro W3"/>
-                <a:cs typeface="ヒラギノ角ゴ Pro W3"/>
-              </a:rPr>
-              <a:t>ing</a:t>
-            </a:r>
-            <a:r>
-              <a:rPr lang="en-US" sz="900" dirty="0">
-                <a:latin typeface="ヒラギノ角ゴ Pro W3"/>
-                <a:ea typeface="ヒラギノ角ゴ Pro W3"/>
-                <a:cs typeface="ヒラギノ角ゴ Pro W3"/>
-              </a:rPr>
-              <a:t> the project results against the </a:t>
-            </a:r>
-            <a:r>
-              <a:rPr lang="en-US" sz="900" dirty="0" err="1">
-                <a:latin typeface="ヒラギノ角ゴ Pro W3"/>
-                <a:ea typeface="ヒラギノ角ゴ Pro W3"/>
-                <a:cs typeface="ヒラギノ角ゴ Pro W3"/>
-              </a:rPr>
-              <a:t>ker</a:t>
-            </a:r>
-            <a:r>
-              <a:rPr lang="en-US" sz="900" dirty="0">
-                <a:latin typeface="ヒラギノ角ゴ Pro W3"/>
-                <a:ea typeface="ヒラギノ角ゴ Pro W3"/>
-                <a:cs typeface="ヒラギノ角ゴ Pro W3"/>
-              </a:rPr>
-              <a:t>- </a:t>
-            </a:r>
-            <a:r>
-              <a:rPr lang="en-US" sz="900" dirty="0" err="1">
-                <a:latin typeface="ヒラギノ角ゴ Pro W3"/>
-                <a:ea typeface="ヒラギノ角ゴ Pro W3"/>
-                <a:cs typeface="ヒラギノ角ゴ Pro W3"/>
-              </a:rPr>
-              <a:t>nel</a:t>
-            </a:r>
-            <a:r>
-              <a:rPr lang="en-US" sz="900" dirty="0">
-                <a:latin typeface="ヒラギノ角ゴ Pro W3"/>
-                <a:ea typeface="ヒラギノ角ゴ Pro W3"/>
-                <a:cs typeface="ヒラギノ角ゴ Pro W3"/>
-              </a:rPr>
-              <a:t> alphas, the students could easily identify the good and bad sides of their development methods. The kernel also prepared students for future software- engineering endeavors with minimal teaching effort. By following all the </a:t>
-            </a:r>
-            <a:r>
-              <a:rPr lang="en-US" sz="900" dirty="0" err="1">
-                <a:latin typeface="ヒラギノ角ゴ Pro W3"/>
-                <a:ea typeface="ヒラギノ角ゴ Pro W3"/>
-                <a:cs typeface="ヒラギノ角ゴ Pro W3"/>
-              </a:rPr>
-              <a:t>ker</a:t>
-            </a:r>
-            <a:r>
-              <a:rPr lang="en-US" sz="900" dirty="0">
-                <a:latin typeface="ヒラギノ角ゴ Pro W3"/>
-                <a:ea typeface="ヒラギノ角ゴ Pro W3"/>
-                <a:cs typeface="ヒラギノ角ゴ Pro W3"/>
-              </a:rPr>
-              <a:t>- </a:t>
-            </a:r>
-            <a:r>
-              <a:rPr lang="en-US" sz="900" dirty="0" err="1">
-                <a:latin typeface="ヒラギノ角ゴ Pro W3"/>
-                <a:ea typeface="ヒラギノ角ゴ Pro W3"/>
-                <a:cs typeface="ヒラギノ角ゴ Pro W3"/>
-              </a:rPr>
-              <a:t>nel</a:t>
-            </a:r>
-            <a:r>
-              <a:rPr lang="en-US" sz="900" dirty="0">
-                <a:latin typeface="ヒラギノ角ゴ Pro W3"/>
-                <a:ea typeface="ヒラギノ角ゴ Pro W3"/>
-                <a:cs typeface="ヒラギノ角ゴ Pro W3"/>
-              </a:rPr>
-              <a:t> alphas, the students could learn the total scope of the software-engineering endeavor and thereby see what would be required of them in their future as professionals.</a:t>
-            </a:r>
-          </a:p>
-          <a:p>
-            <a:r>
-              <a:rPr lang="en-US" sz="900" dirty="0">
-                <a:latin typeface="ヒラギノ角ゴ Pro W3"/>
-                <a:ea typeface="ヒラギノ角ゴ Pro W3"/>
-                <a:cs typeface="ヒラギノ角ゴ Pro W3"/>
-              </a:rPr>
-              <a:t>How the kernel relates to agile and others. The kernel can be used with all the popular management and </a:t>
-            </a:r>
-            <a:r>
-              <a:rPr lang="en-US" sz="900" dirty="0" err="1">
-                <a:latin typeface="ヒラギノ角ゴ Pro W3"/>
-                <a:ea typeface="ヒラギノ角ゴ Pro W3"/>
-                <a:cs typeface="ヒラギノ角ゴ Pro W3"/>
-              </a:rPr>
-              <a:t>techni</a:t>
-            </a:r>
-            <a:r>
-              <a:rPr lang="en-US" sz="900" dirty="0">
-                <a:latin typeface="ヒラギノ角ゴ Pro W3"/>
-                <a:ea typeface="ヒラギノ角ゴ Pro W3"/>
-                <a:cs typeface="ヒラギノ角ゴ Pro W3"/>
-              </a:rPr>
-              <a:t>- </a:t>
-            </a:r>
-            <a:r>
-              <a:rPr lang="en-US" sz="900" dirty="0" err="1">
-                <a:latin typeface="ヒラギノ角ゴ Pro W3"/>
-                <a:ea typeface="ヒラギノ角ゴ Pro W3"/>
-                <a:cs typeface="ヒラギノ角ゴ Pro W3"/>
-              </a:rPr>
-              <a:t>cal</a:t>
-            </a:r>
-            <a:r>
-              <a:rPr lang="en-US" sz="900" dirty="0">
-                <a:latin typeface="ヒラギノ角ゴ Pro W3"/>
-                <a:ea typeface="ヒラギノ角ゴ Pro W3"/>
-                <a:cs typeface="ヒラギノ角ゴ Pro W3"/>
-              </a:rPr>
-              <a:t> practices, including Scrum, </a:t>
-            </a:r>
-            <a:r>
-              <a:rPr lang="en-US" sz="900" dirty="0" err="1">
-                <a:latin typeface="ヒラギノ角ゴ Pro W3"/>
-                <a:ea typeface="ヒラギノ角ゴ Pro W3"/>
-                <a:cs typeface="ヒラギノ角ゴ Pro W3"/>
-              </a:rPr>
-              <a:t>Kan</a:t>
-            </a:r>
-            <a:r>
-              <a:rPr lang="en-US" sz="900" dirty="0">
-                <a:latin typeface="ヒラギノ角ゴ Pro W3"/>
-                <a:ea typeface="ヒラギノ角ゴ Pro W3"/>
-                <a:cs typeface="ヒラギノ角ゴ Pro W3"/>
-              </a:rPr>
-              <a:t>- ban, risk-driven iterative, waterfall, use-case-driven development, </a:t>
-            </a:r>
-            <a:r>
-              <a:rPr lang="en-US" sz="900" dirty="0" err="1">
-                <a:latin typeface="ヒラギノ角ゴ Pro W3"/>
-                <a:ea typeface="ヒラギノ角ゴ Pro W3"/>
-                <a:cs typeface="ヒラギノ角ゴ Pro W3"/>
-              </a:rPr>
-              <a:t>accep</a:t>
-            </a:r>
-            <a:r>
-              <a:rPr lang="en-US" sz="900" dirty="0">
-                <a:latin typeface="ヒラギノ角ゴ Pro W3"/>
-                <a:ea typeface="ヒラギノ角ゴ Pro W3"/>
-                <a:cs typeface="ヒラギノ角ゴ Pro W3"/>
-              </a:rPr>
-              <a:t>- </a:t>
-            </a:r>
-            <a:r>
-              <a:rPr lang="en-US" sz="900" dirty="0" err="1">
-                <a:latin typeface="ヒラギノ角ゴ Pro W3"/>
-                <a:ea typeface="ヒラギノ角ゴ Pro W3"/>
-                <a:cs typeface="ヒラギノ角ゴ Pro W3"/>
-              </a:rPr>
-              <a:t>tance</a:t>
-            </a:r>
-            <a:r>
-              <a:rPr lang="en-US" sz="900" dirty="0">
-                <a:latin typeface="ヒラギノ角ゴ Pro W3"/>
-                <a:ea typeface="ヒラギノ角ゴ Pro W3"/>
-                <a:cs typeface="ヒラギノ角ゴ Pro W3"/>
-              </a:rPr>
-              <a:t>-test-driven development, con- </a:t>
-            </a:r>
-            <a:r>
-              <a:rPr lang="en-US" sz="900" dirty="0" err="1">
-                <a:latin typeface="ヒラギノ角ゴ Pro W3"/>
-                <a:ea typeface="ヒラギノ角ゴ Pro W3"/>
-                <a:cs typeface="ヒラギノ角ゴ Pro W3"/>
-              </a:rPr>
-              <a:t>tinuous</a:t>
-            </a:r>
-            <a:r>
-              <a:rPr lang="en-US" sz="900" dirty="0">
-                <a:latin typeface="ヒラギノ角ゴ Pro W3"/>
-                <a:ea typeface="ヒラギノ角ゴ Pro W3"/>
-                <a:cs typeface="ヒラギノ角ゴ Pro W3"/>
-              </a:rPr>
-              <a:t> integration, and test-driven development. It will help teams </a:t>
-            </a:r>
-            <a:r>
-              <a:rPr lang="en-US" sz="900" dirty="0" err="1">
-                <a:latin typeface="ヒラギノ角ゴ Pro W3"/>
-                <a:ea typeface="ヒラギノ角ゴ Pro W3"/>
-                <a:cs typeface="ヒラギノ角ゴ Pro W3"/>
-              </a:rPr>
-              <a:t>em</a:t>
-            </a:r>
-            <a:r>
-              <a:rPr lang="en-US" sz="900" dirty="0">
-                <a:latin typeface="ヒラギノ角ゴ Pro W3"/>
-                <a:ea typeface="ヒラギノ角ゴ Pro W3"/>
-                <a:cs typeface="ヒラギノ角ゴ Pro W3"/>
-              </a:rPr>
-              <a:t>- barking on the development of new and innovative software products and those involved in enhancing and main- </a:t>
-            </a:r>
-            <a:r>
-              <a:rPr lang="en-US" sz="900" dirty="0" err="1">
-                <a:latin typeface="ヒラギノ角ゴ Pro W3"/>
-                <a:ea typeface="ヒラギノ角ゴ Pro W3"/>
-                <a:cs typeface="ヒラギノ角ゴ Pro W3"/>
-              </a:rPr>
-              <a:t>taining</a:t>
-            </a:r>
-            <a:r>
-              <a:rPr lang="en-US" sz="900" dirty="0">
-                <a:latin typeface="ヒラギノ角ゴ Pro W3"/>
-                <a:ea typeface="ヒラギノ角ゴ Pro W3"/>
-                <a:cs typeface="ヒラギノ角ゴ Pro W3"/>
-              </a:rPr>
-              <a:t> established software products. It will help all sizes of teams from one- man bands to 1,000-strong software-</a:t>
-            </a:r>
+              <a:t>はソフトウェア開発シナリオを作成し、アルファ毎にその状態と状態毎のチェックリストアイテムを評価した。学生は彼らのプロジェクトの運営と評価時に同じことをするよう指示された</a:t>
+            </a:r>
+            <a:r>
+              <a:rPr lang="ja-JP" altLang="en-US" sz="900" dirty="0" smtClean="0">
+                <a:latin typeface="ヒラギノ角ゴ Pro W3"/>
+                <a:ea typeface="ヒラギノ角ゴ Pro W3"/>
+                <a:cs typeface="ヒラギノ角ゴ Pro W3"/>
+              </a:rPr>
+              <a:t>。</a:t>
+            </a:r>
+            <a:endParaRPr lang="ja-JP" altLang="en-US" sz="900" dirty="0">
+              <a:latin typeface="ヒラギノ角ゴ Pro W3"/>
+              <a:ea typeface="ヒラギノ角ゴ Pro W3"/>
+              <a:cs typeface="ヒラギノ角ゴ Pro W3"/>
+            </a:endParaRPr>
+          </a:p>
+          <a:p>
+            <a:r>
+              <a:rPr lang="ja-JP" altLang="en-US" sz="900" dirty="0">
+                <a:latin typeface="ヒラギノ角ゴ Pro W3"/>
+                <a:ea typeface="ヒラギノ角ゴ Pro W3"/>
+                <a:cs typeface="ヒラギノ角ゴ Pro W3"/>
+              </a:rPr>
+              <a:t>これらの課程を通した体験は有益な経験を提供した</a:t>
+            </a:r>
+            <a:r>
+              <a:rPr lang="ja-JP" altLang="en-US" sz="900" dirty="0" smtClean="0">
+                <a:latin typeface="ヒラギノ角ゴ Pro W3"/>
+                <a:ea typeface="ヒラギノ角ゴ Pro W3"/>
+                <a:cs typeface="ヒラギノ角ゴ Pro W3"/>
+              </a:rPr>
+              <a:t>。例えば</a:t>
+            </a:r>
+            <a:r>
+              <a:rPr lang="ja-JP" altLang="en-US" sz="900" dirty="0">
+                <a:latin typeface="ヒラギノ角ゴ Pro W3"/>
+                <a:ea typeface="ヒラギノ角ゴ Pro W3"/>
+                <a:cs typeface="ヒラギノ角ゴ Pro W3"/>
+              </a:rPr>
+              <a:t>、カーネルはソフトウェアエンジニアリングの</a:t>
+            </a:r>
+          </a:p>
+          <a:p>
+            <a:r>
+              <a:rPr lang="ja-JP" altLang="en-US" sz="900" dirty="0">
+                <a:latin typeface="ヒラギノ角ゴ Pro W3"/>
+                <a:ea typeface="ヒラギノ角ゴ Pro W3"/>
+                <a:cs typeface="ヒラギノ角ゴ Pro W3"/>
+              </a:rPr>
+              <a:t>すべての必須な観点がプロジェクトにおいて熟慮されることを保証している</a:t>
+            </a:r>
+            <a:r>
+              <a:rPr lang="ja-JP" altLang="en-US" sz="900" dirty="0" smtClean="0">
+                <a:latin typeface="ヒラギノ角ゴ Pro W3"/>
+                <a:ea typeface="ヒラギノ角ゴ Pro W3"/>
+                <a:cs typeface="ヒラギノ角ゴ Pro W3"/>
+              </a:rPr>
+              <a:t>。カーネル</a:t>
+            </a:r>
+            <a:r>
+              <a:rPr lang="ja-JP" altLang="en-US" sz="900" dirty="0">
+                <a:latin typeface="ヒラギノ角ゴ Pro W3"/>
+                <a:ea typeface="ヒラギノ角ゴ Pro W3"/>
+                <a:cs typeface="ヒラギノ角ゴ Pro W3"/>
+              </a:rPr>
+              <a:t>のアルファとプロジェクトの結果を照らし合わせることで</a:t>
+            </a:r>
+            <a:r>
+              <a:rPr lang="ja-JP" altLang="en-US" sz="900" dirty="0" smtClean="0">
+                <a:latin typeface="ヒラギノ角ゴ Pro W3"/>
+                <a:ea typeface="ヒラギノ角ゴ Pro W3"/>
+                <a:cs typeface="ヒラギノ角ゴ Pro W3"/>
+              </a:rPr>
+              <a:t>、学生</a:t>
+            </a:r>
+            <a:r>
+              <a:rPr lang="ja-JP" altLang="en-US" sz="900" dirty="0">
+                <a:latin typeface="ヒラギノ角ゴ Pro W3"/>
+                <a:ea typeface="ヒラギノ角ゴ Pro W3"/>
+                <a:cs typeface="ヒラギノ角ゴ Pro W3"/>
+              </a:rPr>
+              <a:t>は彼らの開発方法の良い面と悪い面を容易に識別することができる</a:t>
+            </a:r>
+            <a:r>
+              <a:rPr lang="ja-JP" altLang="en-US" sz="900" dirty="0" smtClean="0">
+                <a:latin typeface="ヒラギノ角ゴ Pro W3"/>
+                <a:ea typeface="ヒラギノ角ゴ Pro W3"/>
+                <a:cs typeface="ヒラギノ角ゴ Pro W3"/>
+              </a:rPr>
+              <a:t>。また</a:t>
+            </a:r>
+            <a:r>
+              <a:rPr lang="ja-JP" altLang="en-US" sz="900" dirty="0">
+                <a:latin typeface="ヒラギノ角ゴ Pro W3"/>
+                <a:ea typeface="ヒラギノ角ゴ Pro W3"/>
+                <a:cs typeface="ヒラギノ角ゴ Pro W3"/>
+              </a:rPr>
+              <a:t>カーネルは学生に最小限の学習努力で将来の</a:t>
+            </a:r>
+            <a:r>
+              <a:rPr lang="ja-JP" altLang="en-US" sz="900" dirty="0" smtClean="0">
+                <a:latin typeface="ヒラギノ角ゴ Pro W3"/>
+                <a:ea typeface="ヒラギノ角ゴ Pro W3"/>
+                <a:cs typeface="ヒラギノ角ゴ Pro W3"/>
+              </a:rPr>
+              <a:t>ソフトウェアエンジニアリング活動</a:t>
+            </a:r>
+            <a:r>
+              <a:rPr lang="en-US" altLang="ja-JP" sz="900" dirty="0">
+                <a:latin typeface="ヒラギノ角ゴ Pro W3"/>
+                <a:ea typeface="ヒラギノ角ゴ Pro W3"/>
+                <a:cs typeface="ヒラギノ角ゴ Pro W3"/>
+              </a:rPr>
+              <a:t>(endeavors)</a:t>
+            </a:r>
+            <a:r>
+              <a:rPr lang="ja-JP" altLang="en-US" sz="900" dirty="0">
+                <a:latin typeface="ヒラギノ角ゴ Pro W3"/>
+                <a:ea typeface="ヒラギノ角ゴ Pro W3"/>
+                <a:cs typeface="ヒラギノ角ゴ Pro W3"/>
+              </a:rPr>
+              <a:t>に対する備えを与えた</a:t>
+            </a:r>
+            <a:r>
+              <a:rPr lang="ja-JP" altLang="en-US" sz="900" dirty="0" smtClean="0">
+                <a:latin typeface="ヒラギノ角ゴ Pro W3"/>
+                <a:ea typeface="ヒラギノ角ゴ Pro W3"/>
+                <a:cs typeface="ヒラギノ角ゴ Pro W3"/>
+              </a:rPr>
+              <a:t>。すべて</a:t>
+            </a:r>
+            <a:r>
+              <a:rPr lang="ja-JP" altLang="en-US" sz="900" dirty="0">
+                <a:latin typeface="ヒラギノ角ゴ Pro W3"/>
+                <a:ea typeface="ヒラギノ角ゴ Pro W3"/>
+                <a:cs typeface="ヒラギノ角ゴ Pro W3"/>
+              </a:rPr>
+              <a:t>のカーネルのアルファに従うことで、</a:t>
+            </a:r>
+          </a:p>
+          <a:p>
+            <a:r>
+              <a:rPr lang="ja-JP" altLang="en-US" sz="900" dirty="0">
+                <a:latin typeface="ヒラギノ角ゴ Pro W3"/>
+                <a:ea typeface="ヒラギノ角ゴ Pro W3"/>
+                <a:cs typeface="ヒラギノ角ゴ Pro W3"/>
+              </a:rPr>
+              <a:t>学生はソフトウェアエンジニアリング活動</a:t>
+            </a:r>
+            <a:r>
+              <a:rPr lang="en-US" altLang="ja-JP" sz="900" dirty="0">
+                <a:latin typeface="ヒラギノ角ゴ Pro W3"/>
+                <a:ea typeface="ヒラギノ角ゴ Pro W3"/>
+                <a:cs typeface="ヒラギノ角ゴ Pro W3"/>
+              </a:rPr>
+              <a:t>(endeavors)</a:t>
+            </a:r>
+            <a:r>
+              <a:rPr lang="ja-JP" altLang="en-US" sz="900" dirty="0">
+                <a:latin typeface="ヒラギノ角ゴ Pro W3"/>
+                <a:ea typeface="ヒラギノ角ゴ Pro W3"/>
+                <a:cs typeface="ヒラギノ角ゴ Pro W3"/>
+              </a:rPr>
+              <a:t>の全範囲</a:t>
+            </a:r>
+            <a:r>
+              <a:rPr lang="ja-JP" altLang="en-US" sz="900" dirty="0" smtClean="0">
+                <a:latin typeface="ヒラギノ角ゴ Pro W3"/>
+                <a:ea typeface="ヒラギノ角ゴ Pro W3"/>
+                <a:cs typeface="ヒラギノ角ゴ Pro W3"/>
+              </a:rPr>
+              <a:t>を習得</a:t>
+            </a:r>
+            <a:r>
+              <a:rPr lang="ja-JP" altLang="en-US" sz="900" dirty="0">
+                <a:latin typeface="ヒラギノ角ゴ Pro W3"/>
+                <a:ea typeface="ヒラギノ角ゴ Pro W3"/>
+                <a:cs typeface="ヒラギノ角ゴ Pro W3"/>
+              </a:rPr>
+              <a:t>することができた。そしてそれによってプロフェッショナルとしての</a:t>
+            </a:r>
+          </a:p>
+          <a:p>
+            <a:r>
+              <a:rPr lang="ja-JP" altLang="en-US" sz="900" dirty="0">
+                <a:latin typeface="ヒラギノ角ゴ Pro W3"/>
+                <a:ea typeface="ヒラギノ角ゴ Pro W3"/>
+                <a:cs typeface="ヒラギノ角ゴ Pro W3"/>
+              </a:rPr>
+              <a:t>彼らの将来において必要とされるものが何かを確かめることができた</a:t>
+            </a:r>
+            <a:r>
+              <a:rPr lang="ja-JP" altLang="en-US" sz="900" dirty="0" smtClean="0">
+                <a:latin typeface="ヒラギノ角ゴ Pro W3"/>
+                <a:ea typeface="ヒラギノ角ゴ Pro W3"/>
+                <a:cs typeface="ヒラギノ角ゴ Pro W3"/>
+              </a:rPr>
+              <a:t>。</a:t>
+            </a:r>
+            <a:endParaRPr lang="en-US" altLang="ja-JP" sz="900" dirty="0" smtClean="0">
+              <a:latin typeface="ヒラギノ角ゴ Pro W3"/>
+              <a:ea typeface="ヒラギノ角ゴ Pro W3"/>
+              <a:cs typeface="ヒラギノ角ゴ Pro W3"/>
+            </a:endParaRPr>
+          </a:p>
+          <a:p>
+            <a:endParaRPr lang="en-US" altLang="ja-JP" sz="900" dirty="0" smtClean="0">
+              <a:latin typeface="ヒラギノ角ゴ Pro W3"/>
+              <a:ea typeface="ヒラギノ角ゴ Pro W3"/>
+              <a:cs typeface="ヒラギノ角ゴ Pro W3"/>
+            </a:endParaRPr>
+          </a:p>
+          <a:p>
+            <a:r>
+              <a:rPr lang="ja-JP" altLang="en-US" sz="1050" b="1" dirty="0">
+                <a:latin typeface="ヒラギノ角ゴ Pro W3"/>
+                <a:ea typeface="ヒラギノ角ゴ Pro W3"/>
+                <a:cs typeface="ヒラギノ角ゴ Pro W3"/>
+              </a:rPr>
+              <a:t>カーネルはアジャイルなどとどう関係するのか？</a:t>
+            </a:r>
+          </a:p>
+          <a:p>
+            <a:r>
+              <a:rPr lang="ja-JP" altLang="en-US" sz="900" dirty="0">
+                <a:latin typeface="ヒラギノ角ゴ Pro W3"/>
+                <a:ea typeface="ヒラギノ角ゴ Pro W3"/>
+                <a:cs typeface="ヒラギノ角ゴ Pro W3"/>
+              </a:rPr>
+              <a:t>カーネルはスクラム、カンバン、</a:t>
+            </a:r>
+            <a:r>
+              <a:rPr lang="ja-JP" altLang="en-US" sz="900" dirty="0" smtClean="0">
+                <a:latin typeface="ヒラギノ角ゴ Pro W3"/>
+                <a:ea typeface="ヒラギノ角ゴ Pro W3"/>
+                <a:cs typeface="ヒラギノ角ゴ Pro W3"/>
+              </a:rPr>
+              <a:t>リスクドリブンイテレーティブ</a:t>
+            </a:r>
+            <a:r>
+              <a:rPr lang="en-US" altLang="en-US" sz="900" dirty="0" smtClean="0">
+                <a:latin typeface="ヒラギノ角ゴ Pro W3"/>
+                <a:ea typeface="ヒラギノ角ゴ Pro W3"/>
+                <a:cs typeface="ヒラギノ角ゴ Pro W3"/>
+              </a:rPr>
+              <a:t>、</a:t>
+            </a:r>
+            <a:r>
+              <a:rPr lang="ja-JP" altLang="en-US" sz="900" dirty="0" smtClean="0">
+                <a:latin typeface="ヒラギノ角ゴ Pro W3"/>
+                <a:ea typeface="ヒラギノ角ゴ Pro W3"/>
+                <a:cs typeface="ヒラギノ角ゴ Pro W3"/>
+              </a:rPr>
+              <a:t>ウォータフォール</a:t>
+            </a:r>
+            <a:r>
+              <a:rPr lang="ja-JP" altLang="en-US" sz="900" dirty="0">
+                <a:latin typeface="ヒラギノ角ゴ Pro W3"/>
+                <a:ea typeface="ヒラギノ角ゴ Pro W3"/>
+                <a:cs typeface="ヒラギノ角ゴ Pro W3"/>
+              </a:rPr>
+              <a:t>、ユースケースドリブン開発</a:t>
+            </a:r>
+            <a:r>
+              <a:rPr lang="ja-JP" altLang="en-US" sz="900" dirty="0" smtClean="0">
+                <a:latin typeface="ヒラギノ角ゴ Pro W3"/>
+                <a:ea typeface="ヒラギノ角ゴ Pro W3"/>
+                <a:cs typeface="ヒラギノ角ゴ Pro W3"/>
+              </a:rPr>
+              <a:t>、アクセプタンステストドリブン</a:t>
+            </a:r>
+            <a:r>
+              <a:rPr lang="ja-JP" altLang="en-US" sz="900" dirty="0">
+                <a:latin typeface="ヒラギノ角ゴ Pro W3"/>
+                <a:ea typeface="ヒラギノ角ゴ Pro W3"/>
+                <a:cs typeface="ヒラギノ角ゴ Pro W3"/>
+              </a:rPr>
+              <a:t>開発</a:t>
+            </a:r>
+            <a:r>
+              <a:rPr lang="ja-JP" altLang="en-US" sz="900" dirty="0" smtClean="0">
+                <a:latin typeface="ヒラギノ角ゴ Pro W3"/>
+                <a:ea typeface="ヒラギノ角ゴ Pro W3"/>
+                <a:cs typeface="ヒラギノ角ゴ Pro W3"/>
+              </a:rPr>
+              <a:t>、継続的</a:t>
+            </a:r>
+            <a:r>
+              <a:rPr lang="ja-JP" altLang="en-US" sz="900" dirty="0">
+                <a:latin typeface="ヒラギノ角ゴ Pro W3"/>
+                <a:ea typeface="ヒラギノ角ゴ Pro W3"/>
+                <a:cs typeface="ヒラギノ角ゴ Pro W3"/>
+              </a:rPr>
+              <a:t>インテグレーション、テストドリブン開発を含む</a:t>
+            </a:r>
+          </a:p>
+          <a:p>
+            <a:r>
+              <a:rPr lang="ja-JP" altLang="en-US" sz="900" dirty="0">
+                <a:latin typeface="ヒラギノ角ゴ Pro W3"/>
+                <a:ea typeface="ヒラギノ角ゴ Pro W3"/>
+                <a:cs typeface="ヒラギノ角ゴ Pro W3"/>
+              </a:rPr>
+              <a:t>人気の高いマネジメントやテクニカルなプラクティスを採用することができる</a:t>
+            </a:r>
+            <a:r>
+              <a:rPr lang="ja-JP" altLang="en-US" sz="900" dirty="0" smtClean="0">
+                <a:latin typeface="ヒラギノ角ゴ Pro W3"/>
+                <a:ea typeface="ヒラギノ角ゴ Pro W3"/>
+                <a:cs typeface="ヒラギノ角ゴ Pro W3"/>
+              </a:rPr>
+              <a:t>。また</a:t>
+            </a:r>
+            <a:r>
+              <a:rPr lang="ja-JP" altLang="en-US" sz="900" dirty="0">
+                <a:latin typeface="ヒラギノ角ゴ Pro W3"/>
+                <a:ea typeface="ヒラギノ角ゴ Pro W3"/>
+                <a:cs typeface="ヒラギノ角ゴ Pro W3"/>
+              </a:rPr>
+              <a:t>、カーネルは新しく、革新的なソフトウェア製品の開発や</a:t>
+            </a:r>
+          </a:p>
+          <a:p>
+            <a:r>
+              <a:rPr lang="ja-JP" altLang="en-US" sz="900" dirty="0">
+                <a:latin typeface="ヒラギノ角ゴ Pro W3"/>
+                <a:ea typeface="ヒラギノ角ゴ Pro W3"/>
+                <a:cs typeface="ヒラギノ角ゴ Pro W3"/>
+              </a:rPr>
+              <a:t>既存のソフトウェア製品の強化、</a:t>
+            </a:r>
+            <a:r>
+              <a:rPr lang="ja-JP" altLang="en-US" sz="900" dirty="0" smtClean="0">
+                <a:latin typeface="ヒラギノ角ゴ Pro W3"/>
+                <a:ea typeface="ヒラギノ角ゴ Pro W3"/>
+                <a:cs typeface="ヒラギノ角ゴ Pro W3"/>
+              </a:rPr>
+              <a:t>メンテナンスに</a:t>
+            </a:r>
+            <a:r>
+              <a:rPr lang="ja-JP" altLang="en-US" sz="900" dirty="0">
+                <a:latin typeface="ヒラギノ角ゴ Pro W3"/>
+                <a:ea typeface="ヒラギノ角ゴ Pro W3"/>
+                <a:cs typeface="ヒラギノ角ゴ Pro W3"/>
+              </a:rPr>
+              <a:t>取り組んでいるチームを手助けできる</a:t>
+            </a:r>
+            <a:r>
+              <a:rPr lang="ja-JP" altLang="en-US" sz="900" dirty="0" smtClean="0">
+                <a:latin typeface="ヒラギノ角ゴ Pro W3"/>
+                <a:ea typeface="ヒラギノ角ゴ Pro W3"/>
+                <a:cs typeface="ヒラギノ角ゴ Pro W3"/>
+              </a:rPr>
+              <a:t>。さらに</a:t>
+            </a:r>
+            <a:r>
+              <a:rPr lang="ja-JP" altLang="en-US" sz="900" dirty="0">
+                <a:latin typeface="ヒラギノ角ゴ Pro W3"/>
+                <a:ea typeface="ヒラギノ角ゴ Pro W3"/>
+                <a:cs typeface="ヒラギノ角ゴ Pro W3"/>
+              </a:rPr>
+              <a:t>単独から</a:t>
+            </a:r>
+            <a:r>
+              <a:rPr lang="en-US" altLang="ja-JP" sz="900" dirty="0">
+                <a:latin typeface="ヒラギノ角ゴ Pro W3"/>
+                <a:ea typeface="ヒラギノ角ゴ Pro W3"/>
+                <a:cs typeface="ヒラギノ角ゴ Pro W3"/>
+              </a:rPr>
+              <a:t>1000</a:t>
+            </a:r>
+            <a:r>
+              <a:rPr lang="ja-JP" altLang="en-US" sz="900" dirty="0">
+                <a:latin typeface="ヒラギノ角ゴ Pro W3"/>
+                <a:ea typeface="ヒラギノ角ゴ Pro W3"/>
+                <a:cs typeface="ヒラギノ角ゴ Pro W3"/>
+              </a:rPr>
+              <a:t>人強のソフトウェアエンジニア</a:t>
+            </a:r>
+            <a:r>
+              <a:rPr lang="ja-JP" altLang="en-US" sz="900" dirty="0" smtClean="0">
+                <a:latin typeface="ヒラギノ角ゴ Pro W3"/>
+                <a:ea typeface="ヒラギノ角ゴ Pro W3"/>
+                <a:cs typeface="ヒラギノ角ゴ Pro W3"/>
+              </a:rPr>
+              <a:t>を擁する</a:t>
+            </a:r>
+            <a:r>
+              <a:rPr lang="ja-JP" altLang="en-US" sz="900" dirty="0">
+                <a:latin typeface="ヒラギノ角ゴ Pro W3"/>
+                <a:ea typeface="ヒラギノ角ゴ Pro W3"/>
+                <a:cs typeface="ヒラギノ角ゴ Pro W3"/>
+              </a:rPr>
+              <a:t>チームまで手助けすることができる。</a:t>
+            </a:r>
+            <a:endParaRPr lang="en-US" sz="900" dirty="0">
+              <a:latin typeface="ヒラギノ角ゴ Pro W3"/>
+              <a:ea typeface="ヒラギノ角ゴ Pro W3"/>
+              <a:cs typeface="ヒラギノ角ゴ Pro W3"/>
+            </a:endParaRPr>
           </a:p>
         </p:txBody>
       </p:sp>
@@ -10340,8 +10454,8 @@
         </p:nvSpPr>
         <p:spPr>
           <a:xfrm>
-            <a:off x="302336" y="526505"/>
-            <a:ext cx="1955111" cy="8833184"/>
+            <a:off x="100061" y="466934"/>
+            <a:ext cx="2257827" cy="8863960"/>
           </a:xfrm>
           <a:prstGeom prst="rect">
             <a:avLst/>
@@ -10355,367 +10469,778 @@
           <a:lstStyle/>
           <a:p>
             <a:r>
-              <a:rPr lang="en-US" sz="1200" baseline="30000" dirty="0">
-                <a:latin typeface="ヒラギノ角ゴ Pro W3"/>
-                <a:ea typeface="ヒラギノ角ゴ Pro W3"/>
-                <a:cs typeface="ヒラギノ角ゴ Pro W3"/>
-              </a:rPr>
-              <a:t>engineering programs.</a:t>
-            </a:r>
-            <a:br>
-              <a:rPr lang="en-US" sz="1200" baseline="30000" dirty="0">
-                <a:latin typeface="ヒラギノ角ゴ Pro W3"/>
-                <a:ea typeface="ヒラギノ角ゴ Pro W3"/>
-                <a:cs typeface="ヒラギノ角ゴ Pro W3"/>
-              </a:rPr>
-            </a:br>
-            <a:r>
-              <a:rPr lang="en-US" sz="1200" baseline="30000" dirty="0">
-                <a:latin typeface="ヒラギノ角ゴ Pro W3"/>
-                <a:ea typeface="ヒラギノ角ゴ Pro W3"/>
-                <a:cs typeface="ヒラギノ角ゴ Pro W3"/>
-              </a:rPr>
-              <a:t>For example, the kernel supports </a:t>
-            </a:r>
-          </a:p>
-          <a:p>
-            <a:r>
-              <a:rPr lang="en-US" sz="1200" baseline="30000" dirty="0">
-                <a:latin typeface="ヒラギノ角ゴ Pro W3"/>
-                <a:ea typeface="ヒラギノ角ゴ Pro W3"/>
-                <a:cs typeface="ヒラギノ角ゴ Pro W3"/>
-              </a:rPr>
-              <a:t>the values of the Agile Manifesto. With its focus on checklists and results, and its inherent practice independence, it values individuals and interactions over processes and tools. With its focus on the needs of professional software- development teams, it values the way of working and fulfilling team </a:t>
-            </a:r>
-            <a:r>
-              <a:rPr lang="en-US" sz="1200" baseline="30000" dirty="0" err="1">
-                <a:latin typeface="ヒラギノ角ゴ Pro W3"/>
-                <a:ea typeface="ヒラギノ角ゴ Pro W3"/>
-                <a:cs typeface="ヒラギノ角ゴ Pro W3"/>
-              </a:rPr>
-              <a:t>respon</a:t>
-            </a:r>
-            <a:r>
-              <a:rPr lang="en-US" sz="1200" baseline="30000" dirty="0">
-                <a:latin typeface="ヒラギノ角ゴ Pro W3"/>
-                <a:ea typeface="ヒラギノ角ゴ Pro W3"/>
-                <a:cs typeface="ヒラギノ角ゴ Pro W3"/>
-              </a:rPr>
-              <a:t>- </a:t>
-            </a:r>
-            <a:r>
-              <a:rPr lang="en-US" sz="1200" baseline="30000" dirty="0" err="1">
-                <a:latin typeface="ヒラギノ角ゴ Pro W3"/>
-                <a:ea typeface="ヒラギノ角ゴ Pro W3"/>
-                <a:cs typeface="ヒラギノ角ゴ Pro W3"/>
-              </a:rPr>
-              <a:t>sibilities</a:t>
-            </a:r>
-            <a:r>
-              <a:rPr lang="en-US" sz="1200" baseline="30000" dirty="0">
-                <a:latin typeface="ヒラギノ角ゴ Pro W3"/>
-                <a:ea typeface="ヒラギノ角ゴ Pro W3"/>
-                <a:cs typeface="ヒラギノ角ゴ Pro W3"/>
-              </a:rPr>
-              <a:t> over methods. </a:t>
-            </a:r>
-          </a:p>
-          <a:p>
-            <a:r>
-              <a:rPr lang="en-US" sz="1200" baseline="30000" dirty="0">
-                <a:latin typeface="ヒラギノ角ゴ Pro W3"/>
-                <a:ea typeface="ヒラギノ角ゴ Pro W3"/>
-                <a:cs typeface="ヒラギノ角ゴ Pro W3"/>
-              </a:rPr>
-              <a:t>The kernel does not in any way com- </a:t>
-            </a:r>
-            <a:r>
-              <a:rPr lang="en-US" sz="1200" baseline="30000" dirty="0" err="1">
-                <a:latin typeface="ヒラギノ角ゴ Pro W3"/>
-                <a:ea typeface="ヒラギノ角ゴ Pro W3"/>
-                <a:cs typeface="ヒラギノ角ゴ Pro W3"/>
-              </a:rPr>
-              <a:t>pete</a:t>
-            </a:r>
-            <a:r>
-              <a:rPr lang="en-US" sz="1200" baseline="30000" dirty="0">
-                <a:latin typeface="ヒラギノ角ゴ Pro W3"/>
-                <a:ea typeface="ヒラギノ角ゴ Pro W3"/>
-                <a:cs typeface="ヒラギノ角ゴ Pro W3"/>
-              </a:rPr>
-              <a:t> with existing methods, be they agile or anything else. On the contrary, the kernel is agnostic to a team’s </a:t>
-            </a:r>
-            <a:r>
-              <a:rPr lang="en-US" sz="1200" baseline="30000" dirty="0" err="1">
-                <a:latin typeface="ヒラギノ角ゴ Pro W3"/>
-                <a:ea typeface="ヒラギノ角ゴ Pro W3"/>
-                <a:cs typeface="ヒラギノ角ゴ Pro W3"/>
-              </a:rPr>
-              <a:t>cho</a:t>
-            </a:r>
-            <a:r>
-              <a:rPr lang="en-US" sz="1200" baseline="30000" dirty="0">
-                <a:latin typeface="ヒラギノ角ゴ Pro W3"/>
-                <a:ea typeface="ヒラギノ角ゴ Pro W3"/>
-                <a:cs typeface="ヒラギノ角ゴ Pro W3"/>
-              </a:rPr>
-              <a:t>- </a:t>
-            </a:r>
-            <a:r>
-              <a:rPr lang="en-US" sz="1200" baseline="30000" dirty="0" err="1">
-                <a:latin typeface="ヒラギノ角ゴ Pro W3"/>
-                <a:ea typeface="ヒラギノ角ゴ Pro W3"/>
-                <a:cs typeface="ヒラギノ角ゴ Pro W3"/>
-              </a:rPr>
-              <a:t>sen</a:t>
-            </a:r>
-            <a:r>
-              <a:rPr lang="en-US" sz="1200" baseline="30000" dirty="0">
-                <a:latin typeface="ヒラギノ角ゴ Pro W3"/>
-                <a:ea typeface="ヒラギノ角ゴ Pro W3"/>
-                <a:cs typeface="ヒラギノ角ゴ Pro W3"/>
-              </a:rPr>
-              <a:t> method. Even if a team is already using a particular method, the kernel can still help. Regardless of the meth- od used, as Robert Martin pointed out in his foreword to </a:t>
-            </a:r>
-            <a:r>
-              <a:rPr lang="en-US" sz="1200" i="1" baseline="30000" dirty="0">
-                <a:latin typeface="ヒラギノ角ゴ Pro W3"/>
-                <a:ea typeface="ヒラギノ角ゴ Pro W3"/>
-                <a:cs typeface="ヒラギノ角ゴ Pro W3"/>
-              </a:rPr>
-              <a:t>The Essence of Soft- ware Engineering, </a:t>
-            </a:r>
-            <a:r>
-              <a:rPr lang="en-US" sz="1200" baseline="30000" dirty="0">
-                <a:latin typeface="ヒラギノ角ゴ Pro W3"/>
-                <a:ea typeface="ヒラギノ角ゴ Pro W3"/>
-                <a:cs typeface="ヒラギノ角ゴ Pro W3"/>
-              </a:rPr>
-              <a:t>projects—even agile ones—can get out of kilter, and when they do, teams need to know more. This is where the real value of the </a:t>
-            </a:r>
-            <a:r>
-              <a:rPr lang="en-US" sz="1200" baseline="30000" dirty="0" err="1">
-                <a:latin typeface="ヒラギノ角ゴ Pro W3"/>
-                <a:ea typeface="ヒラギノ角ゴ Pro W3"/>
-                <a:cs typeface="ヒラギノ角ゴ Pro W3"/>
-              </a:rPr>
-              <a:t>ker</a:t>
-            </a:r>
-            <a:r>
-              <a:rPr lang="en-US" sz="1200" baseline="30000" dirty="0">
-                <a:latin typeface="ヒラギノ角ゴ Pro W3"/>
-                <a:ea typeface="ヒラギノ角ゴ Pro W3"/>
-                <a:cs typeface="ヒラギノ角ゴ Pro W3"/>
-              </a:rPr>
-              <a:t>- </a:t>
-            </a:r>
-            <a:r>
-              <a:rPr lang="en-US" sz="1200" baseline="30000" dirty="0" err="1">
-                <a:latin typeface="ヒラギノ角ゴ Pro W3"/>
-                <a:ea typeface="ヒラギノ角ゴ Pro W3"/>
-                <a:cs typeface="ヒラギノ角ゴ Pro W3"/>
-              </a:rPr>
-              <a:t>nel</a:t>
-            </a:r>
-            <a:r>
-              <a:rPr lang="en-US" sz="1200" baseline="30000" dirty="0">
-                <a:latin typeface="ヒラギノ角ゴ Pro W3"/>
-                <a:ea typeface="ヒラギノ角ゴ Pro W3"/>
-                <a:cs typeface="ヒラギノ角ゴ Pro W3"/>
-              </a:rPr>
-              <a:t> lies. It can guide a team in the ac- </a:t>
-            </a:r>
-            <a:r>
-              <a:rPr lang="en-US" sz="1200" baseline="30000" dirty="0" err="1">
-                <a:latin typeface="ヒラギノ角ゴ Pro W3"/>
-                <a:ea typeface="ヒラギノ角ゴ Pro W3"/>
-                <a:cs typeface="ヒラギノ角ゴ Pro W3"/>
-              </a:rPr>
-              <a:t>tions</a:t>
-            </a:r>
-            <a:r>
-              <a:rPr lang="en-US" sz="1200" baseline="30000" dirty="0">
-                <a:latin typeface="ヒラギノ角ゴ Pro W3"/>
-                <a:ea typeface="ヒラギノ角ゴ Pro W3"/>
-                <a:cs typeface="ヒラギノ角ゴ Pro W3"/>
-              </a:rPr>
-              <a:t> they need to take to get back on course, to extend their method, or to address a critical gap in their way of working. It focuses on the needs of the software professional and values the “use of methods” over “the description of method definitions” (as has been normal in the past). </a:t>
-            </a:r>
-          </a:p>
-          <a:p>
-            <a:r>
-              <a:rPr lang="en-US" sz="1200" baseline="30000" dirty="0">
-                <a:latin typeface="ヒラギノ角ゴ Pro W3"/>
-                <a:ea typeface="ヒラギノ角ゴ Pro W3"/>
-                <a:cs typeface="ヒラギノ角ゴ Pro W3"/>
-              </a:rPr>
-              <a:t>The kernel does not just support modern best practices; it also </a:t>
-            </a:r>
-            <a:r>
-              <a:rPr lang="en-US" sz="1200" baseline="30000" dirty="0" err="1">
-                <a:latin typeface="ヒラギノ角ゴ Pro W3"/>
-                <a:ea typeface="ヒラギノ角ゴ Pro W3"/>
-                <a:cs typeface="ヒラギノ角ゴ Pro W3"/>
-              </a:rPr>
-              <a:t>recogniz</a:t>
-            </a:r>
-            <a:r>
-              <a:rPr lang="en-US" sz="1200" baseline="30000" dirty="0">
-                <a:latin typeface="ヒラギノ角ゴ Pro W3"/>
-                <a:ea typeface="ヒラギノ角ゴ Pro W3"/>
-                <a:cs typeface="ヒラギノ角ゴ Pro W3"/>
-              </a:rPr>
-              <a:t>- </a:t>
-            </a:r>
-            <a:r>
-              <a:rPr lang="en-US" sz="1200" baseline="30000" dirty="0" err="1">
-                <a:latin typeface="ヒラギノ角ゴ Pro W3"/>
-                <a:ea typeface="ヒラギノ角ゴ Pro W3"/>
-                <a:cs typeface="ヒラギノ角ゴ Pro W3"/>
-              </a:rPr>
-              <a:t>es</a:t>
-            </a:r>
-            <a:r>
-              <a:rPr lang="en-US" sz="1200" baseline="30000" dirty="0">
-                <a:latin typeface="ヒラギノ角ゴ Pro W3"/>
-                <a:ea typeface="ヒラギノ角ゴ Pro W3"/>
-                <a:cs typeface="ヒラギノ角ゴ Pro W3"/>
-              </a:rPr>
-              <a:t> that a vast amount of software is al- ready developed and needs to be main- </a:t>
-            </a:r>
-            <a:r>
-              <a:rPr lang="en-US" sz="1200" baseline="30000" dirty="0" err="1">
-                <a:latin typeface="ヒラギノ角ゴ Pro W3"/>
-                <a:ea typeface="ヒラギノ角ゴ Pro W3"/>
-                <a:cs typeface="ヒラギノ角ゴ Pro W3"/>
-              </a:rPr>
-              <a:t>tained</a:t>
-            </a:r>
-            <a:r>
-              <a:rPr lang="en-US" sz="1200" baseline="30000" dirty="0">
-                <a:latin typeface="ヒラギノ角ゴ Pro W3"/>
-                <a:ea typeface="ヒラギノ角ゴ Pro W3"/>
-                <a:cs typeface="ヒラギノ角ゴ Pro W3"/>
-              </a:rPr>
-              <a:t>. It will live for decades and will have to be maintained in an efficient way. This means the way you work with this software will have to evolve along- side the software itself. New practices will need to be introduced in a way that complements the ones already in use. The kernel provides the </a:t>
-            </a:r>
-            <a:r>
-              <a:rPr lang="en-US" sz="1200" baseline="30000" dirty="0" err="1">
-                <a:latin typeface="ヒラギノ角ゴ Pro W3"/>
-                <a:ea typeface="ヒラギノ角ゴ Pro W3"/>
-                <a:cs typeface="ヒラギノ角ゴ Pro W3"/>
-              </a:rPr>
-              <a:t>mecha</a:t>
-            </a:r>
-            <a:r>
-              <a:rPr lang="en-US" sz="1200" baseline="30000" dirty="0">
-                <a:latin typeface="ヒラギノ角ゴ Pro W3"/>
-                <a:ea typeface="ヒラギノ角ゴ Pro W3"/>
-                <a:cs typeface="ヒラギノ角ゴ Pro W3"/>
-              </a:rPr>
-              <a:t>- </a:t>
-            </a:r>
-            <a:r>
-              <a:rPr lang="en-US" sz="1200" baseline="30000" dirty="0" err="1">
-                <a:latin typeface="ヒラギノ角ゴ Pro W3"/>
-                <a:ea typeface="ヒラギノ角ゴ Pro W3"/>
-                <a:cs typeface="ヒラギノ角ゴ Pro W3"/>
-              </a:rPr>
-              <a:t>nisms</a:t>
-            </a:r>
-            <a:r>
-              <a:rPr lang="en-US" sz="1200" baseline="30000" dirty="0">
-                <a:latin typeface="ヒラギノ角ゴ Pro W3"/>
-                <a:ea typeface="ヒラギノ角ゴ Pro W3"/>
-                <a:cs typeface="ヒラギノ角ゴ Pro W3"/>
-              </a:rPr>
-              <a:t> to migrate legacy methods from monolithic waterfall approaches to more modern agile ones and beyond, in an evolutionary way. It allows you to change your legacy methods practice- by-practice, while maintaining and </a:t>
-            </a:r>
-            <a:r>
-              <a:rPr lang="en-US" sz="1200" baseline="30000" dirty="0" err="1">
-                <a:latin typeface="ヒラギノ角ゴ Pro W3"/>
-                <a:ea typeface="ヒラギノ角ゴ Pro W3"/>
-                <a:cs typeface="ヒラギノ角ゴ Pro W3"/>
-              </a:rPr>
-              <a:t>im</a:t>
-            </a:r>
-            <a:r>
-              <a:rPr lang="en-US" sz="1200" baseline="30000" dirty="0">
-                <a:latin typeface="ヒラギノ角ゴ Pro W3"/>
-                <a:ea typeface="ヒラギノ角ゴ Pro W3"/>
-                <a:cs typeface="ヒラギノ角ゴ Pro W3"/>
-              </a:rPr>
-              <a:t>- proving the teams’ ability to deliver. </a:t>
-            </a:r>
-          </a:p>
-          <a:p>
-            <a:r>
-              <a:rPr lang="en-US" sz="1200" b="1" baseline="30000" dirty="0">
-                <a:latin typeface="ヒラギノ角ゴ Pro W3"/>
-                <a:ea typeface="ヒラギノ角ゴ Pro W3"/>
-                <a:cs typeface="ヒラギノ角ゴ Pro W3"/>
-              </a:rPr>
-              <a:t>How the kernel will help you. </a:t>
-            </a:r>
-            <a:r>
-              <a:rPr lang="en-US" sz="1200" baseline="30000" dirty="0">
-                <a:latin typeface="ヒラギノ角ゴ Pro W3"/>
-                <a:ea typeface="ヒラギノ角ゴ Pro W3"/>
-                <a:cs typeface="ヒラギノ角ゴ Pro W3"/>
-              </a:rPr>
-              <a:t>Use of the kernel has many benefits for ex- </a:t>
-            </a:r>
-            <a:r>
-              <a:rPr lang="en-US" sz="1200" baseline="30000" dirty="0" err="1">
-                <a:latin typeface="ヒラギノ角ゴ Pro W3"/>
-                <a:ea typeface="ヒラギノ角ゴ Pro W3"/>
-                <a:cs typeface="ヒラギノ角ゴ Pro W3"/>
-              </a:rPr>
-              <a:t>perienced</a:t>
-            </a:r>
-            <a:r>
-              <a:rPr lang="en-US" sz="1200" baseline="30000" dirty="0">
-                <a:latin typeface="ヒラギノ角ゴ Pro W3"/>
-                <a:ea typeface="ヒラギノ角ゴ Pro W3"/>
-                <a:cs typeface="ヒラギノ角ゴ Pro W3"/>
-              </a:rPr>
-              <a:t> or aspiring software </a:t>
-            </a:r>
-            <a:r>
-              <a:rPr lang="en-US" sz="1200" baseline="30000" dirty="0" err="1">
-                <a:latin typeface="ヒラギノ角ゴ Pro W3"/>
-                <a:ea typeface="ヒラギノ角ゴ Pro W3"/>
-                <a:cs typeface="ヒラギノ角ゴ Pro W3"/>
-              </a:rPr>
-              <a:t>profes</a:t>
-            </a:r>
-            <a:r>
-              <a:rPr lang="en-US" sz="1200" baseline="30000" dirty="0">
-                <a:latin typeface="ヒラギノ角ゴ Pro W3"/>
-                <a:ea typeface="ヒラギノ角ゴ Pro W3"/>
-                <a:cs typeface="ヒラギノ角ゴ Pro W3"/>
-              </a:rPr>
-              <a:t>- </a:t>
-            </a:r>
-            <a:r>
-              <a:rPr lang="en-US" sz="1200" baseline="30000" dirty="0" err="1">
-                <a:latin typeface="ヒラギノ角ゴ Pro W3"/>
-                <a:ea typeface="ヒラギノ角ゴ Pro W3"/>
-                <a:cs typeface="ヒラギノ角ゴ Pro W3"/>
-              </a:rPr>
-              <a:t>sionals</a:t>
-            </a:r>
-            <a:r>
-              <a:rPr lang="en-US" sz="1200" baseline="30000" dirty="0">
-                <a:latin typeface="ヒラギノ角ゴ Pro W3"/>
-                <a:ea typeface="ヒラギノ角ゴ Pro W3"/>
-                <a:cs typeface="ヒラギノ角ゴ Pro W3"/>
-              </a:rPr>
-              <a:t>, and for the teams they work in. For example, it helps you assess the progress and health of software- development endeavors, evaluate cur- rent practices, and improve your way </a:t>
-            </a:r>
-          </a:p>
-          <a:p>
-            <a:endParaRPr lang="en-US" sz="1200" baseline="30000" dirty="0">
+              <a:rPr lang="ja-JP" altLang="en-US" sz="900" dirty="0">
+                <a:latin typeface="ヒラギノ角ゴ Pro W3"/>
+                <a:ea typeface="ヒラギノ角ゴ Pro W3"/>
+                <a:cs typeface="ヒラギノ角ゴ Pro W3"/>
+              </a:rPr>
+              <a:t>例えば、カーネルはアジャイルマニフェスト</a:t>
+            </a:r>
+            <a:r>
+              <a:rPr lang="ja-JP" altLang="en-US" sz="900" dirty="0" smtClean="0">
+                <a:latin typeface="ヒラギノ角ゴ Pro W3"/>
+                <a:ea typeface="ヒラギノ角ゴ Pro W3"/>
+                <a:cs typeface="ヒラギノ角ゴ Pro W3"/>
+              </a:rPr>
+              <a:t>の有用性</a:t>
+            </a:r>
+            <a:r>
+              <a:rPr lang="ja-JP" altLang="en-US" sz="900" dirty="0">
+                <a:latin typeface="ヒラギノ角ゴ Pro W3"/>
+                <a:ea typeface="ヒラギノ角ゴ Pro W3"/>
+                <a:cs typeface="ヒラギノ角ゴ Pro W3"/>
+              </a:rPr>
+              <a:t>をサポートする。</a:t>
+            </a:r>
+          </a:p>
+          <a:p>
+            <a:r>
+              <a:rPr lang="ja-JP" altLang="en-US" sz="900" dirty="0">
+                <a:latin typeface="ヒラギノ角ゴ Pro W3"/>
+                <a:ea typeface="ヒラギノ角ゴ Pro W3"/>
+                <a:cs typeface="ヒラギノ角ゴ Pro W3"/>
+              </a:rPr>
+              <a:t>特定のプラクティスに依存</a:t>
+            </a:r>
+            <a:r>
+              <a:rPr lang="ja-JP" altLang="en-US" sz="900" dirty="0" smtClean="0">
+                <a:latin typeface="ヒラギノ角ゴ Pro W3"/>
+                <a:ea typeface="ヒラギノ角ゴ Pro W3"/>
+                <a:cs typeface="ヒラギノ角ゴ Pro W3"/>
+              </a:rPr>
+              <a:t>せず</a:t>
+            </a:r>
+            <a:r>
+              <a:rPr lang="ja-JP" altLang="en-US" sz="900" dirty="0" smtClean="0">
+                <a:latin typeface="ヒラギノ角ゴ Pro W3"/>
+                <a:ea typeface="ヒラギノ角ゴ Pro W3"/>
+                <a:cs typeface="ヒラギノ角ゴ Pro W3"/>
+              </a:rPr>
+              <a:t>、</a:t>
+            </a:r>
+            <a:r>
+              <a:rPr lang="ja-JP" altLang="en-US" sz="900" dirty="0" smtClean="0">
+                <a:latin typeface="ヒラギノ角ゴ Pro W3"/>
+                <a:ea typeface="ヒラギノ角ゴ Pro W3"/>
+                <a:cs typeface="ヒラギノ角ゴ Pro W3"/>
+              </a:rPr>
+              <a:t>チェックリストとプロジェクト</a:t>
+            </a:r>
+            <a:r>
+              <a:rPr lang="ja-JP" altLang="en-US" sz="900" dirty="0">
+                <a:latin typeface="ヒラギノ角ゴ Pro W3"/>
+                <a:ea typeface="ヒラギノ角ゴ Pro W3"/>
+                <a:cs typeface="ヒラギノ角ゴ Pro W3"/>
+              </a:rPr>
+              <a:t>の結果に焦点を当てることで</a:t>
+            </a:r>
+            <a:r>
+              <a:rPr lang="ja-JP" altLang="en-US" sz="900" dirty="0" smtClean="0">
+                <a:latin typeface="ヒラギノ角ゴ Pro W3"/>
+                <a:ea typeface="ヒラギノ角ゴ Pro W3"/>
+                <a:cs typeface="ヒラギノ角ゴ Pro W3"/>
+              </a:rPr>
+              <a:t>、プロセス</a:t>
+            </a:r>
+            <a:r>
+              <a:rPr lang="ja-JP" altLang="en-US" sz="900" dirty="0">
+                <a:latin typeface="ヒラギノ角ゴ Pro W3"/>
+                <a:ea typeface="ヒラギノ角ゴ Pro W3"/>
+                <a:cs typeface="ヒラギノ角ゴ Pro W3"/>
+              </a:rPr>
+              <a:t>やツールよりも個人や個人間の意思疎通</a:t>
+            </a:r>
+            <a:r>
+              <a:rPr lang="ja-JP" altLang="en-US" sz="900" dirty="0" smtClean="0">
+                <a:latin typeface="ヒラギノ角ゴ Pro W3"/>
+                <a:ea typeface="ヒラギノ角ゴ Pro W3"/>
+                <a:cs typeface="ヒラギノ角ゴ Pro W3"/>
+              </a:rPr>
+              <a:t>に有用性</a:t>
+            </a:r>
+            <a:r>
+              <a:rPr lang="ja-JP" altLang="en-US" sz="900" dirty="0">
+                <a:latin typeface="ヒラギノ角ゴ Pro W3"/>
+                <a:ea typeface="ヒラギノ角ゴ Pro W3"/>
+                <a:cs typeface="ヒラギノ角ゴ Pro W3"/>
+              </a:rPr>
+              <a:t>を見出している</a:t>
+            </a:r>
+            <a:r>
+              <a:rPr lang="ja-JP" altLang="en-US" sz="900" dirty="0" smtClean="0">
+                <a:latin typeface="ヒラギノ角ゴ Pro W3"/>
+                <a:ea typeface="ヒラギノ角ゴ Pro W3"/>
+                <a:cs typeface="ヒラギノ角ゴ Pro W3"/>
+              </a:rPr>
+              <a:t>。また</a:t>
+            </a:r>
+            <a:r>
+              <a:rPr lang="ja-JP" altLang="en-US" sz="900" dirty="0">
+                <a:latin typeface="ヒラギノ角ゴ Pro W3"/>
+                <a:ea typeface="ヒラギノ角ゴ Pro W3"/>
+                <a:cs typeface="ヒラギノ角ゴ Pro W3"/>
+              </a:rPr>
+              <a:t>、プロフェッショナルなソフトウェア開発チーム</a:t>
+            </a:r>
+            <a:r>
+              <a:rPr lang="ja-JP" altLang="en-US" sz="900" dirty="0" smtClean="0">
+                <a:latin typeface="ヒラギノ角ゴ Pro W3"/>
+                <a:ea typeface="ヒラギノ角ゴ Pro W3"/>
+                <a:cs typeface="ヒラギノ角ゴ Pro W3"/>
+              </a:rPr>
+              <a:t>のニーズ</a:t>
+            </a:r>
+            <a:r>
+              <a:rPr lang="ja-JP" altLang="en-US" sz="900" dirty="0">
+                <a:latin typeface="ヒラギノ角ゴ Pro W3"/>
+                <a:ea typeface="ヒラギノ角ゴ Pro W3"/>
+                <a:cs typeface="ヒラギノ角ゴ Pro W3"/>
+              </a:rPr>
+              <a:t>に焦点を当てることで、開発手法より</a:t>
+            </a:r>
+            <a:r>
+              <a:rPr lang="ja-JP" altLang="en-US" sz="900" dirty="0" smtClean="0">
+                <a:latin typeface="ヒラギノ角ゴ Pro W3"/>
+                <a:ea typeface="ヒラギノ角ゴ Pro W3"/>
+                <a:cs typeface="ヒラギノ角ゴ Pro W3"/>
+              </a:rPr>
+              <a:t>も仕事</a:t>
+            </a:r>
+            <a:r>
+              <a:rPr lang="ja-JP" altLang="en-US" sz="900" dirty="0">
+                <a:latin typeface="ヒラギノ角ゴ Pro W3"/>
+                <a:ea typeface="ヒラギノ角ゴ Pro W3"/>
+                <a:cs typeface="ヒラギノ角ゴ Pro W3"/>
+              </a:rPr>
+              <a:t>の仕方やチームの役割履行に有用性を見出している。</a:t>
+            </a:r>
+          </a:p>
+          <a:p>
+            <a:r>
+              <a:rPr lang="ja-JP" altLang="en-US" sz="900" dirty="0" smtClean="0">
+                <a:latin typeface="ヒラギノ角ゴ Pro W3"/>
+                <a:ea typeface="ヒラギノ角ゴ Pro W3"/>
+                <a:cs typeface="ヒラギノ角ゴ Pro W3"/>
+              </a:rPr>
+              <a:t>カーネル</a:t>
+            </a:r>
+            <a:r>
+              <a:rPr lang="ja-JP" altLang="en-US" sz="900" dirty="0">
+                <a:latin typeface="ヒラギノ角ゴ Pro W3"/>
+                <a:ea typeface="ヒラギノ角ゴ Pro W3"/>
+                <a:cs typeface="ヒラギノ角ゴ Pro W3"/>
+              </a:rPr>
+              <a:t>はアジャイルなどの既存の開発手法と競合しない</a:t>
+            </a:r>
+            <a:r>
+              <a:rPr lang="ja-JP" altLang="en-US" sz="900" dirty="0" smtClean="0">
+                <a:latin typeface="ヒラギノ角ゴ Pro W3"/>
+                <a:ea typeface="ヒラギノ角ゴ Pro W3"/>
+                <a:cs typeface="ヒラギノ角ゴ Pro W3"/>
+              </a:rPr>
+              <a:t>。むしろ</a:t>
+            </a:r>
+            <a:r>
+              <a:rPr lang="ja-JP" altLang="en-US" sz="900" dirty="0">
+                <a:latin typeface="ヒラギノ角ゴ Pro W3"/>
+                <a:ea typeface="ヒラギノ角ゴ Pro W3"/>
+                <a:cs typeface="ヒラギノ角ゴ Pro W3"/>
+              </a:rPr>
+              <a:t>カーネルはチームが選択する手法にとらわれることはない</a:t>
+            </a:r>
+            <a:r>
+              <a:rPr lang="ja-JP" altLang="en-US" sz="900" dirty="0" smtClean="0">
+                <a:latin typeface="ヒラギノ角ゴ Pro W3"/>
+                <a:ea typeface="ヒラギノ角ゴ Pro W3"/>
+                <a:cs typeface="ヒラギノ角ゴ Pro W3"/>
+              </a:rPr>
+              <a:t>。チーム</a:t>
+            </a:r>
+            <a:r>
+              <a:rPr lang="ja-JP" altLang="en-US" sz="900" dirty="0">
+                <a:latin typeface="ヒラギノ角ゴ Pro W3"/>
+                <a:ea typeface="ヒラギノ角ゴ Pro W3"/>
+                <a:cs typeface="ヒラギノ角ゴ Pro W3"/>
+              </a:rPr>
+              <a:t>がすでに特定の開発手法を使用している時でさえ</a:t>
+            </a:r>
+            <a:r>
+              <a:rPr lang="ja-JP" altLang="en-US" sz="900" dirty="0" smtClean="0">
+                <a:latin typeface="ヒラギノ角ゴ Pro W3"/>
+                <a:ea typeface="ヒラギノ角ゴ Pro W3"/>
+                <a:cs typeface="ヒラギノ角ゴ Pro W3"/>
+              </a:rPr>
+              <a:t>、カーネル</a:t>
+            </a:r>
+            <a:r>
+              <a:rPr lang="ja-JP" altLang="en-US" sz="900" dirty="0">
+                <a:latin typeface="ヒラギノ角ゴ Pro W3"/>
+                <a:ea typeface="ヒラギノ角ゴ Pro W3"/>
+                <a:cs typeface="ヒラギノ角ゴ Pro W3"/>
+              </a:rPr>
+              <a:t>は手助けする余地がある</a:t>
+            </a:r>
+            <a:r>
+              <a:rPr lang="ja-JP" altLang="en-US" sz="900" dirty="0" smtClean="0">
+                <a:latin typeface="ヒラギノ角ゴ Pro W3"/>
+                <a:ea typeface="ヒラギノ角ゴ Pro W3"/>
+                <a:cs typeface="ヒラギノ角ゴ Pro W3"/>
+              </a:rPr>
+              <a:t>。</a:t>
+            </a:r>
+            <a:r>
+              <a:rPr lang="en-US" altLang="ja-JP" sz="900" dirty="0" smtClean="0">
+                <a:latin typeface="ヒラギノ角ゴ Pro W3"/>
+                <a:ea typeface="ヒラギノ角ゴ Pro W3"/>
+                <a:cs typeface="ヒラギノ角ゴ Pro W3"/>
+              </a:rPr>
+              <a:t>Robert </a:t>
+            </a:r>
+            <a:r>
+              <a:rPr lang="en-US" altLang="ja-JP" sz="900" dirty="0">
+                <a:latin typeface="ヒラギノ角ゴ Pro W3"/>
+                <a:ea typeface="ヒラギノ角ゴ Pro W3"/>
+                <a:cs typeface="ヒラギノ角ゴ Pro W3"/>
+              </a:rPr>
+              <a:t>Martin</a:t>
+            </a:r>
+            <a:r>
+              <a:rPr lang="ja-JP" altLang="en-US" sz="900" dirty="0">
+                <a:latin typeface="ヒラギノ角ゴ Pro W3"/>
+                <a:ea typeface="ヒラギノ角ゴ Pro W3"/>
+                <a:cs typeface="ヒラギノ角ゴ Pro W3"/>
+              </a:rPr>
+              <a:t>が</a:t>
+            </a:r>
+            <a:r>
+              <a:rPr lang="en-US" altLang="ja-JP" sz="900" dirty="0">
+                <a:latin typeface="ヒラギノ角ゴ Pro W3"/>
+                <a:ea typeface="ヒラギノ角ゴ Pro W3"/>
+                <a:cs typeface="ヒラギノ角ゴ Pro W3"/>
+              </a:rPr>
+              <a:t>The </a:t>
+            </a:r>
+            <a:r>
+              <a:rPr lang="en-US" altLang="ja-JP" sz="900" dirty="0" err="1">
+                <a:latin typeface="ヒラギノ角ゴ Pro W3"/>
+                <a:ea typeface="ヒラギノ角ゴ Pro W3"/>
+                <a:cs typeface="ヒラギノ角ゴ Pro W3"/>
+              </a:rPr>
+              <a:t>Essense</a:t>
+            </a:r>
+            <a:r>
+              <a:rPr lang="en-US" altLang="ja-JP" sz="900" dirty="0">
+                <a:latin typeface="ヒラギノ角ゴ Pro W3"/>
+                <a:ea typeface="ヒラギノ角ゴ Pro W3"/>
+                <a:cs typeface="ヒラギノ角ゴ Pro W3"/>
+              </a:rPr>
+              <a:t> of Software Engineering</a:t>
+            </a:r>
+            <a:r>
+              <a:rPr lang="ja-JP" altLang="en-US" sz="900" dirty="0" smtClean="0">
+                <a:latin typeface="ヒラギノ角ゴ Pro W3"/>
+                <a:ea typeface="ヒラギノ角ゴ Pro W3"/>
+                <a:cs typeface="ヒラギノ角ゴ Pro W3"/>
+              </a:rPr>
+              <a:t>の序文</a:t>
+            </a:r>
+            <a:r>
+              <a:rPr lang="ja-JP" altLang="en-US" sz="900" dirty="0">
+                <a:latin typeface="ヒラギノ角ゴ Pro W3"/>
+                <a:ea typeface="ヒラギノ角ゴ Pro W3"/>
+                <a:cs typeface="ヒラギノ角ゴ Pro W3"/>
+              </a:rPr>
+              <a:t>で指摘しているように、使用された開発手法に</a:t>
+            </a:r>
+            <a:r>
+              <a:rPr lang="ja-JP" altLang="en-US" sz="900" dirty="0" smtClean="0">
+                <a:latin typeface="ヒラギノ角ゴ Pro W3"/>
+                <a:ea typeface="ヒラギノ角ゴ Pro W3"/>
+                <a:cs typeface="ヒラギノ角ゴ Pro W3"/>
+              </a:rPr>
+              <a:t>よらずチーム</a:t>
+            </a:r>
+            <a:r>
+              <a:rPr lang="ja-JP" altLang="en-US" sz="900" dirty="0">
+                <a:latin typeface="ヒラギノ角ゴ Pro W3"/>
+                <a:ea typeface="ヒラギノ角ゴ Pro W3"/>
+                <a:cs typeface="ヒラギノ角ゴ Pro W3"/>
+              </a:rPr>
+              <a:t>がさらに知ることを願い、実際に行動した時</a:t>
+            </a:r>
+            <a:r>
+              <a:rPr lang="ja-JP" altLang="en-US" sz="900" dirty="0" smtClean="0">
+                <a:latin typeface="ヒラギノ角ゴ Pro W3"/>
+                <a:ea typeface="ヒラギノ角ゴ Pro W3"/>
+                <a:cs typeface="ヒラギノ角ゴ Pro W3"/>
+              </a:rPr>
+              <a:t>にプロジェクト</a:t>
+            </a:r>
+            <a:r>
+              <a:rPr lang="ja-JP" altLang="en-US" sz="900" dirty="0">
+                <a:latin typeface="ヒラギノ角ゴ Pro W3"/>
+                <a:ea typeface="ヒラギノ角ゴ Pro W3"/>
+                <a:cs typeface="ヒラギノ角ゴ Pro W3"/>
+              </a:rPr>
+              <a:t>は不調から抜け出すことができる</a:t>
+            </a:r>
+            <a:r>
+              <a:rPr lang="ja-JP" altLang="en-US" sz="900" dirty="0" smtClean="0">
+                <a:latin typeface="ヒラギノ角ゴ Pro W3"/>
+                <a:ea typeface="ヒラギノ角ゴ Pro W3"/>
+                <a:cs typeface="ヒラギノ角ゴ Pro W3"/>
+              </a:rPr>
+              <a:t>。これ</a:t>
+            </a:r>
+            <a:r>
+              <a:rPr lang="ja-JP" altLang="en-US" sz="900" dirty="0">
+                <a:latin typeface="ヒラギノ角ゴ Pro W3"/>
+                <a:ea typeface="ヒラギノ角ゴ Pro W3"/>
+                <a:cs typeface="ヒラギノ角ゴ Pro W3"/>
+              </a:rPr>
+              <a:t>はカーネルの本質がどこにあるかを示している</a:t>
+            </a:r>
+            <a:r>
+              <a:rPr lang="ja-JP" altLang="en-US" sz="900" dirty="0" smtClean="0">
+                <a:latin typeface="ヒラギノ角ゴ Pro W3"/>
+                <a:ea typeface="ヒラギノ角ゴ Pro W3"/>
+                <a:cs typeface="ヒラギノ角ゴ Pro W3"/>
+              </a:rPr>
+              <a:t>。カーネル</a:t>
+            </a:r>
+            <a:r>
+              <a:rPr lang="ja-JP" altLang="en-US" sz="900" dirty="0">
+                <a:latin typeface="ヒラギノ角ゴ Pro W3"/>
+                <a:ea typeface="ヒラギノ角ゴ Pro W3"/>
+                <a:cs typeface="ヒラギノ角ゴ Pro W3"/>
+              </a:rPr>
+              <a:t>はチームが仕事の仕方における開発手法を拡張するため</a:t>
+            </a:r>
+            <a:r>
+              <a:rPr lang="ja-JP" altLang="en-US" sz="900" dirty="0" smtClean="0">
+                <a:latin typeface="ヒラギノ角ゴ Pro W3"/>
+                <a:ea typeface="ヒラギノ角ゴ Pro W3"/>
+                <a:cs typeface="ヒラギノ角ゴ Pro W3"/>
+              </a:rPr>
+              <a:t>、あるいは</a:t>
+            </a:r>
+            <a:r>
+              <a:rPr lang="ja-JP" altLang="en-US" sz="900" dirty="0">
+                <a:latin typeface="ヒラギノ角ゴ Pro W3"/>
+                <a:ea typeface="ヒラギノ角ゴ Pro W3"/>
+                <a:cs typeface="ヒラギノ角ゴ Pro W3"/>
+              </a:rPr>
+              <a:t>重要なギャップに対処するために立ち返る場所</a:t>
+            </a:r>
+            <a:r>
+              <a:rPr lang="ja-JP" altLang="en-US" sz="900" dirty="0" smtClean="0">
+                <a:latin typeface="ヒラギノ角ゴ Pro W3"/>
+                <a:ea typeface="ヒラギノ角ゴ Pro W3"/>
+                <a:cs typeface="ヒラギノ角ゴ Pro W3"/>
+              </a:rPr>
+              <a:t>を必要</a:t>
+            </a:r>
+            <a:r>
+              <a:rPr lang="ja-JP" altLang="en-US" sz="900" dirty="0">
+                <a:latin typeface="ヒラギノ角ゴ Pro W3"/>
+                <a:ea typeface="ヒラギノ角ゴ Pro W3"/>
+                <a:cs typeface="ヒラギノ角ゴ Pro W3"/>
+              </a:rPr>
+              <a:t>とする時に彼らが取るべき行動を導くことができる</a:t>
+            </a:r>
+            <a:r>
+              <a:rPr lang="ja-JP" altLang="en-US" sz="900" dirty="0" smtClean="0">
+                <a:latin typeface="ヒラギノ角ゴ Pro W3"/>
+                <a:ea typeface="ヒラギノ角ゴ Pro W3"/>
+                <a:cs typeface="ヒラギノ角ゴ Pro W3"/>
+              </a:rPr>
+              <a:t>。カーネル</a:t>
+            </a:r>
+            <a:r>
+              <a:rPr lang="ja-JP" altLang="en-US" sz="900" dirty="0">
+                <a:latin typeface="ヒラギノ角ゴ Pro W3"/>
+                <a:ea typeface="ヒラギノ角ゴ Pro W3"/>
+                <a:cs typeface="ヒラギノ角ゴ Pro W3"/>
+              </a:rPr>
+              <a:t>はソフトウェアの専門家のニーズに焦点を当て</a:t>
+            </a:r>
+            <a:r>
+              <a:rPr lang="ja-JP" altLang="en-US" sz="900" dirty="0" smtClean="0">
+                <a:latin typeface="ヒラギノ角ゴ Pro W3"/>
+                <a:ea typeface="ヒラギノ角ゴ Pro W3"/>
+                <a:cs typeface="ヒラギノ角ゴ Pro W3"/>
+              </a:rPr>
+              <a:t>、過去</a:t>
+            </a:r>
+            <a:r>
+              <a:rPr lang="ja-JP" altLang="en-US" sz="900" dirty="0">
+                <a:latin typeface="ヒラギノ角ゴ Pro W3"/>
+                <a:ea typeface="ヒラギノ角ゴ Pro W3"/>
+                <a:cs typeface="ヒラギノ角ゴ Pro W3"/>
+              </a:rPr>
+              <a:t>において正常だった開発手法定義の説明より</a:t>
+            </a:r>
+            <a:r>
+              <a:rPr lang="ja-JP" altLang="en-US" sz="900" dirty="0" smtClean="0">
+                <a:latin typeface="ヒラギノ角ゴ Pro W3"/>
+                <a:ea typeface="ヒラギノ角ゴ Pro W3"/>
+                <a:cs typeface="ヒラギノ角ゴ Pro W3"/>
+              </a:rPr>
+              <a:t>も開発</a:t>
+            </a:r>
+            <a:r>
+              <a:rPr lang="ja-JP" altLang="en-US" sz="900" dirty="0">
+                <a:latin typeface="ヒラギノ角ゴ Pro W3"/>
+                <a:ea typeface="ヒラギノ角ゴ Pro W3"/>
+                <a:cs typeface="ヒラギノ角ゴ Pro W3"/>
+              </a:rPr>
+              <a:t>方法を使用することに有用性を見出している</a:t>
+            </a:r>
+            <a:r>
+              <a:rPr lang="ja-JP" altLang="en-US" sz="900" dirty="0" smtClean="0">
+                <a:latin typeface="ヒラギノ角ゴ Pro W3"/>
+                <a:ea typeface="ヒラギノ角ゴ Pro W3"/>
+                <a:cs typeface="ヒラギノ角ゴ Pro W3"/>
+              </a:rPr>
+              <a:t>。カーネル</a:t>
+            </a:r>
+            <a:r>
+              <a:rPr lang="ja-JP" altLang="en-US" sz="900" dirty="0">
+                <a:latin typeface="ヒラギノ角ゴ Pro W3"/>
+                <a:ea typeface="ヒラギノ角ゴ Pro W3"/>
+                <a:cs typeface="ヒラギノ角ゴ Pro W3"/>
+              </a:rPr>
+              <a:t>は最新で最良のプラクティスをサポートしていないが</a:t>
+            </a:r>
+            <a:r>
+              <a:rPr lang="ja-JP" altLang="en-US" sz="900" dirty="0" smtClean="0">
+                <a:latin typeface="ヒラギノ角ゴ Pro W3"/>
+                <a:ea typeface="ヒラギノ角ゴ Pro W3"/>
+                <a:cs typeface="ヒラギノ角ゴ Pro W3"/>
+              </a:rPr>
+              <a:t>、膨大</a:t>
+            </a:r>
+            <a:r>
+              <a:rPr lang="ja-JP" altLang="en-US" sz="900" dirty="0">
+                <a:latin typeface="ヒラギノ角ゴ Pro W3"/>
+                <a:ea typeface="ヒラギノ角ゴ Pro W3"/>
+                <a:cs typeface="ヒラギノ角ゴ Pro W3"/>
+              </a:rPr>
+              <a:t>な量のソフトウェアがすでに開発され</a:t>
+            </a:r>
+            <a:r>
+              <a:rPr lang="ja-JP" altLang="en-US" sz="900" dirty="0" smtClean="0">
+                <a:latin typeface="ヒラギノ角ゴ Pro W3"/>
+                <a:ea typeface="ヒラギノ角ゴ Pro W3"/>
+                <a:cs typeface="ヒラギノ角ゴ Pro W3"/>
+              </a:rPr>
+              <a:t>、メンテナンス</a:t>
+            </a:r>
+            <a:r>
+              <a:rPr lang="ja-JP" altLang="en-US" sz="900" dirty="0">
+                <a:latin typeface="ヒラギノ角ゴ Pro W3"/>
+                <a:ea typeface="ヒラギノ角ゴ Pro W3"/>
+                <a:cs typeface="ヒラギノ角ゴ Pro W3"/>
+              </a:rPr>
+              <a:t>が必要とされていることを認識している</a:t>
+            </a:r>
+            <a:r>
+              <a:rPr lang="ja-JP" altLang="en-US" sz="900" dirty="0" smtClean="0">
+                <a:latin typeface="ヒラギノ角ゴ Pro W3"/>
+                <a:ea typeface="ヒラギノ角ゴ Pro W3"/>
+                <a:cs typeface="ヒラギノ角ゴ Pro W3"/>
+              </a:rPr>
+              <a:t>。それら</a:t>
+            </a:r>
+            <a:r>
+              <a:rPr lang="ja-JP" altLang="en-US" sz="900" dirty="0">
+                <a:latin typeface="ヒラギノ角ゴ Pro W3"/>
+                <a:ea typeface="ヒラギノ角ゴ Pro W3"/>
+                <a:cs typeface="ヒラギノ角ゴ Pro W3"/>
+              </a:rPr>
+              <a:t>は何十年も稼働し、効率的な方法で維持される必要がある</a:t>
+            </a:r>
+            <a:r>
+              <a:rPr lang="ja-JP" altLang="en-US" sz="900" dirty="0" smtClean="0">
+                <a:latin typeface="ヒラギノ角ゴ Pro W3"/>
+                <a:ea typeface="ヒラギノ角ゴ Pro W3"/>
+                <a:cs typeface="ヒラギノ角ゴ Pro W3"/>
+              </a:rPr>
+              <a:t>。これ</a:t>
+            </a:r>
+            <a:r>
+              <a:rPr lang="ja-JP" altLang="en-US" sz="900" dirty="0">
+                <a:latin typeface="ヒラギノ角ゴ Pro W3"/>
+                <a:ea typeface="ヒラギノ角ゴ Pro W3"/>
+                <a:cs typeface="ヒラギノ角ゴ Pro W3"/>
+              </a:rPr>
+              <a:t>はあなたの仕事の仕方がこのソフトウェア自身</a:t>
+            </a:r>
+            <a:r>
+              <a:rPr lang="ja-JP" altLang="en-US" sz="900" dirty="0" smtClean="0">
+                <a:latin typeface="ヒラギノ角ゴ Pro W3"/>
+                <a:ea typeface="ヒラギノ角ゴ Pro W3"/>
+                <a:cs typeface="ヒラギノ角ゴ Pro W3"/>
+              </a:rPr>
+              <a:t>と一緒</a:t>
+            </a:r>
+            <a:r>
+              <a:rPr lang="ja-JP" altLang="en-US" sz="900" dirty="0">
+                <a:latin typeface="ヒラギノ角ゴ Pro W3"/>
+                <a:ea typeface="ヒラギノ角ゴ Pro W3"/>
+                <a:cs typeface="ヒラギノ角ゴ Pro W3"/>
+              </a:rPr>
+              <a:t>に進化しなければならないことを意味しており</a:t>
+            </a:r>
+            <a:r>
+              <a:rPr lang="ja-JP" altLang="en-US" sz="900" dirty="0" smtClean="0">
+                <a:latin typeface="ヒラギノ角ゴ Pro W3"/>
+                <a:ea typeface="ヒラギノ角ゴ Pro W3"/>
+                <a:cs typeface="ヒラギノ角ゴ Pro W3"/>
+              </a:rPr>
+              <a:t>、新しい</a:t>
+            </a:r>
+            <a:r>
+              <a:rPr lang="ja-JP" altLang="en-US" sz="900" dirty="0">
+                <a:latin typeface="ヒラギノ角ゴ Pro W3"/>
+                <a:ea typeface="ヒラギノ角ゴ Pro W3"/>
+                <a:cs typeface="ヒラギノ角ゴ Pro W3"/>
+              </a:rPr>
+              <a:t>プラクティスはすでに使用されているプラクティス</a:t>
+            </a:r>
+            <a:r>
+              <a:rPr lang="ja-JP" altLang="en-US" sz="900" dirty="0" smtClean="0">
+                <a:latin typeface="ヒラギノ角ゴ Pro W3"/>
+                <a:ea typeface="ヒラギノ角ゴ Pro W3"/>
+                <a:cs typeface="ヒラギノ角ゴ Pro W3"/>
+              </a:rPr>
+              <a:t>を補完</a:t>
+            </a:r>
+            <a:r>
+              <a:rPr lang="ja-JP" altLang="en-US" sz="900" dirty="0">
+                <a:latin typeface="ヒラギノ角ゴ Pro W3"/>
+                <a:ea typeface="ヒラギノ角ゴ Pro W3"/>
+                <a:cs typeface="ヒラギノ角ゴ Pro W3"/>
+              </a:rPr>
+              <a:t>する形で導入できる必要がある</a:t>
+            </a:r>
+            <a:r>
+              <a:rPr lang="ja-JP" altLang="en-US" sz="900" dirty="0" smtClean="0">
+                <a:latin typeface="ヒラギノ角ゴ Pro W3"/>
+                <a:ea typeface="ヒラギノ角ゴ Pro W3"/>
+                <a:cs typeface="ヒラギノ角ゴ Pro W3"/>
+              </a:rPr>
+              <a:t>。カーネル</a:t>
+            </a:r>
+            <a:r>
+              <a:rPr lang="ja-JP" altLang="en-US" sz="900" dirty="0">
+                <a:latin typeface="ヒラギノ角ゴ Pro W3"/>
+                <a:ea typeface="ヒラギノ角ゴ Pro W3"/>
+                <a:cs typeface="ヒラギノ角ゴ Pro W3"/>
+              </a:rPr>
+              <a:t>はソフトウェア自身の進化の過程に</a:t>
+            </a:r>
+            <a:r>
+              <a:rPr lang="ja-JP" altLang="en-US" sz="900" dirty="0" smtClean="0">
+                <a:latin typeface="ヒラギノ角ゴ Pro W3"/>
+                <a:ea typeface="ヒラギノ角ゴ Pro W3"/>
+                <a:cs typeface="ヒラギノ角ゴ Pro W3"/>
+              </a:rPr>
+              <a:t>おいて既存</a:t>
+            </a:r>
+            <a:r>
+              <a:rPr lang="ja-JP" altLang="en-US" sz="900" dirty="0">
+                <a:latin typeface="ヒラギノ角ゴ Pro W3"/>
+                <a:ea typeface="ヒラギノ角ゴ Pro W3"/>
+                <a:cs typeface="ヒラギノ角ゴ Pro W3"/>
+              </a:rPr>
+              <a:t>の開発手法を</a:t>
+            </a:r>
+            <a:r>
+              <a:rPr lang="ja-JP" altLang="en-US" sz="900" dirty="0" smtClean="0">
+                <a:latin typeface="ヒラギノ角ゴ Pro W3"/>
+                <a:ea typeface="ヒラギノ角ゴ Pro W3"/>
+                <a:cs typeface="ヒラギノ角ゴ Pro W3"/>
+              </a:rPr>
+              <a:t>モノシリックなウォータフローアプローチからより</a:t>
+            </a:r>
+            <a:r>
+              <a:rPr lang="ja-JP" altLang="en-US" sz="900" dirty="0">
+                <a:latin typeface="ヒラギノ角ゴ Pro W3"/>
+                <a:ea typeface="ヒラギノ角ゴ Pro W3"/>
+                <a:cs typeface="ヒラギノ角ゴ Pro W3"/>
+              </a:rPr>
+              <a:t>現代的なアジャイル、さらにそれより先の開発手法</a:t>
+            </a:r>
+            <a:r>
+              <a:rPr lang="ja-JP" altLang="en-US" sz="900" dirty="0" smtClean="0">
+                <a:latin typeface="ヒラギノ角ゴ Pro W3"/>
+                <a:ea typeface="ヒラギノ角ゴ Pro W3"/>
+                <a:cs typeface="ヒラギノ角ゴ Pro W3"/>
+              </a:rPr>
+              <a:t>に移行</a:t>
+            </a:r>
+            <a:r>
+              <a:rPr lang="ja-JP" altLang="en-US" sz="900" dirty="0">
+                <a:latin typeface="ヒラギノ角ゴ Pro W3"/>
+                <a:ea typeface="ヒラギノ角ゴ Pro W3"/>
+                <a:cs typeface="ヒラギノ角ゴ Pro W3"/>
+              </a:rPr>
+              <a:t>させるためのメカニズムを提供する</a:t>
+            </a:r>
+            <a:r>
+              <a:rPr lang="ja-JP" altLang="en-US" sz="900" dirty="0" smtClean="0">
+                <a:latin typeface="ヒラギノ角ゴ Pro W3"/>
+                <a:ea typeface="ヒラギノ角ゴ Pro W3"/>
+                <a:cs typeface="ヒラギノ角ゴ Pro W3"/>
+              </a:rPr>
+              <a:t>。これ</a:t>
+            </a:r>
+            <a:r>
+              <a:rPr lang="ja-JP" altLang="en-US" sz="900" dirty="0">
+                <a:latin typeface="ヒラギノ角ゴ Pro W3"/>
+                <a:ea typeface="ヒラギノ角ゴ Pro W3"/>
+                <a:cs typeface="ヒラギノ角ゴ Pro W3"/>
+              </a:rPr>
+              <a:t>はチームの実行力を維持、向上</a:t>
+            </a:r>
+            <a:r>
+              <a:rPr lang="ja-JP" altLang="en-US" sz="900" dirty="0" smtClean="0">
+                <a:latin typeface="ヒラギノ角ゴ Pro W3"/>
+                <a:ea typeface="ヒラギノ角ゴ Pro W3"/>
+                <a:cs typeface="ヒラギノ角ゴ Pro W3"/>
+              </a:rPr>
+              <a:t>させながら実践</a:t>
+            </a:r>
+            <a:r>
+              <a:rPr lang="ja-JP" altLang="en-US" sz="900" dirty="0">
+                <a:latin typeface="ヒラギノ角ゴ Pro W3"/>
+                <a:ea typeface="ヒラギノ角ゴ Pro W3"/>
+                <a:cs typeface="ヒラギノ角ゴ Pro W3"/>
+              </a:rPr>
+              <a:t>を繰り返すことで既存の開発手法が変化できることを示している。</a:t>
+            </a:r>
+          </a:p>
+          <a:p>
+            <a:endParaRPr lang="en-US" sz="900" b="1" dirty="0" smtClean="0">
+              <a:latin typeface="ヒラギノ角ゴ Pro W3"/>
+              <a:ea typeface="ヒラギノ角ゴ Pro W3"/>
+              <a:cs typeface="ヒラギノ角ゴ Pro W3"/>
+            </a:endParaRPr>
+          </a:p>
+          <a:p>
+            <a:r>
+              <a:rPr lang="ja-JP" altLang="en-US" sz="1050" b="1" dirty="0">
+                <a:latin typeface="ヒラギノ角ゴ Pro W3"/>
+                <a:ea typeface="ヒラギノ角ゴ Pro W3"/>
+                <a:cs typeface="ヒラギノ角ゴ Pro W3"/>
+              </a:rPr>
+              <a:t>カーネルはあなたをどう助けてくれるか？</a:t>
+            </a:r>
+            <a:endParaRPr lang="en-US" sz="1050" b="1" dirty="0">
+              <a:latin typeface="ヒラギノ角ゴ Pro W3"/>
+              <a:ea typeface="ヒラギノ角ゴ Pro W3"/>
+              <a:cs typeface="ヒラギノ角ゴ Pro W3"/>
+            </a:endParaRPr>
+          </a:p>
+          <a:p>
+            <a:r>
+              <a:rPr lang="ja-JP" altLang="en-US" sz="900" dirty="0">
+                <a:latin typeface="ヒラギノ角ゴ Pro W3"/>
+                <a:ea typeface="ヒラギノ角ゴ Pro W3"/>
+                <a:cs typeface="ヒラギノ角ゴ Pro W3"/>
+              </a:rPr>
+              <a:t>カーネルの使用は経験豊富なソフトウェア開発者</a:t>
+            </a:r>
+            <a:r>
+              <a:rPr lang="ja-JP" altLang="en-US" sz="900" dirty="0" smtClean="0">
+                <a:latin typeface="ヒラギノ角ゴ Pro W3"/>
+                <a:ea typeface="ヒラギノ角ゴ Pro W3"/>
+                <a:cs typeface="ヒラギノ角ゴ Pro W3"/>
+              </a:rPr>
+              <a:t>や意欲的</a:t>
+            </a:r>
+            <a:r>
+              <a:rPr lang="ja-JP" altLang="en-US" sz="900" dirty="0">
+                <a:latin typeface="ヒラギノ角ゴ Pro W3"/>
+                <a:ea typeface="ヒラギノ角ゴ Pro W3"/>
+                <a:cs typeface="ヒラギノ角ゴ Pro W3"/>
+              </a:rPr>
+              <a:t>なソフトウェア開発者、そして彼らが参加</a:t>
+            </a:r>
+            <a:r>
+              <a:rPr lang="ja-JP" altLang="en-US" sz="900" dirty="0" smtClean="0">
+                <a:latin typeface="ヒラギノ角ゴ Pro W3"/>
+                <a:ea typeface="ヒラギノ角ゴ Pro W3"/>
+                <a:cs typeface="ヒラギノ角ゴ Pro W3"/>
+              </a:rPr>
+              <a:t>するチーム</a:t>
+            </a:r>
+            <a:r>
+              <a:rPr lang="ja-JP" altLang="en-US" sz="900" dirty="0">
+                <a:latin typeface="ヒラギノ角ゴ Pro W3"/>
+                <a:ea typeface="ヒラギノ角ゴ Pro W3"/>
+                <a:cs typeface="ヒラギノ角ゴ Pro W3"/>
+              </a:rPr>
+              <a:t>に多くの利益を与える。例えば、カーネル</a:t>
+            </a:r>
+            <a:r>
+              <a:rPr lang="ja-JP" altLang="en-US" sz="900" dirty="0" smtClean="0">
+                <a:latin typeface="ヒラギノ角ゴ Pro W3"/>
+                <a:ea typeface="ヒラギノ角ゴ Pro W3"/>
+                <a:cs typeface="ヒラギノ角ゴ Pro W3"/>
+              </a:rPr>
+              <a:t>はソフトウェア</a:t>
+            </a:r>
+            <a:r>
+              <a:rPr lang="ja-JP" altLang="en-US" sz="900" dirty="0">
+                <a:latin typeface="ヒラギノ角ゴ Pro W3"/>
+                <a:ea typeface="ヒラギノ角ゴ Pro W3"/>
+                <a:cs typeface="ヒラギノ角ゴ Pro W3"/>
+              </a:rPr>
+              <a:t>開発活動の進展や健康状態の診断</a:t>
+            </a:r>
+            <a:r>
+              <a:rPr lang="ja-JP" altLang="en-US" sz="900" dirty="0" smtClean="0">
+                <a:latin typeface="ヒラギノ角ゴ Pro W3"/>
+                <a:ea typeface="ヒラギノ角ゴ Pro W3"/>
+                <a:cs typeface="ヒラギノ角ゴ Pro W3"/>
+              </a:rPr>
+              <a:t>、現在</a:t>
+            </a:r>
+            <a:r>
+              <a:rPr lang="ja-JP" altLang="en-US" sz="900" dirty="0">
+                <a:latin typeface="ヒラギノ角ゴ Pro W3"/>
+                <a:ea typeface="ヒラギノ角ゴ Pro W3"/>
+                <a:cs typeface="ヒラギノ角ゴ Pro W3"/>
+              </a:rPr>
+              <a:t>取り組んでいるプラクティスの評価</a:t>
+            </a:r>
+            <a:r>
+              <a:rPr lang="ja-JP" altLang="en-US" sz="900" dirty="0" smtClean="0">
+                <a:latin typeface="ヒラギノ角ゴ Pro W3"/>
+                <a:ea typeface="ヒラギノ角ゴ Pro W3"/>
+                <a:cs typeface="ヒラギノ角ゴ Pro W3"/>
+              </a:rPr>
+              <a:t>、そして</a:t>
+            </a:r>
+            <a:r>
+              <a:rPr lang="ja-JP" altLang="en-US" sz="900" dirty="0">
+                <a:latin typeface="ヒラギノ角ゴ Pro W3"/>
+                <a:ea typeface="ヒラギノ角ゴ Pro W3"/>
+                <a:cs typeface="ヒラギノ角ゴ Pro W3"/>
+              </a:rPr>
+              <a:t>仕事の仕方の改善を手助けしてくれる</a:t>
+            </a:r>
+            <a:r>
+              <a:rPr lang="ja-JP" altLang="en-US" sz="900" dirty="0" smtClean="0">
+                <a:latin typeface="ヒラギノ角ゴ Pro W3"/>
+                <a:ea typeface="ヒラギノ角ゴ Pro W3"/>
+                <a:cs typeface="ヒラギノ角ゴ Pro W3"/>
+              </a:rPr>
+              <a:t>。</a:t>
+            </a:r>
+            <a:endParaRPr lang="en-US" sz="900" dirty="0" smtClean="0">
               <a:latin typeface="ヒラギノ角ゴ Pro W3"/>
               <a:ea typeface="ヒラギノ角ゴ Pro W3"/>
               <a:cs typeface="ヒラギノ角ゴ Pro W3"/>
@@ -10731,8 +11256,8 @@
         </p:nvSpPr>
         <p:spPr>
           <a:xfrm>
-            <a:off x="2458668" y="526505"/>
-            <a:ext cx="2129704" cy="5016760"/>
+            <a:off x="2375942" y="466934"/>
+            <a:ext cx="2232586" cy="5355311"/>
           </a:xfrm>
           <a:prstGeom prst="rect">
             <a:avLst/>
@@ -10746,341 +11271,340 @@
           <a:lstStyle/>
           <a:p>
             <a:r>
-              <a:rPr lang="en-US" sz="1200" baseline="30000" dirty="0">
-                <a:latin typeface="ヒラギノ角ゴ Pro W3"/>
-                <a:ea typeface="ヒラギノ角ゴ Pro W3"/>
-                <a:cs typeface="ヒラギノ角ゴ Pro W3"/>
-              </a:rPr>
-              <a:t>of working. It also helps you improve communication, move more easily be- tween teams, and adopt new ideas. It will help the industry as a whole by </a:t>
-            </a:r>
-            <a:r>
-              <a:rPr lang="en-US" sz="1200" baseline="30000" dirty="0" err="1">
-                <a:latin typeface="ヒラギノ角ゴ Pro W3"/>
-                <a:ea typeface="ヒラギノ角ゴ Pro W3"/>
-                <a:cs typeface="ヒラギノ角ゴ Pro W3"/>
-              </a:rPr>
-              <a:t>im</a:t>
-            </a:r>
-            <a:r>
-              <a:rPr lang="en-US" sz="1200" baseline="30000" dirty="0">
-                <a:latin typeface="ヒラギノ角ゴ Pro W3"/>
-                <a:ea typeface="ヒラギノ角ゴ Pro W3"/>
-                <a:cs typeface="ヒラギノ角ゴ Pro W3"/>
-              </a:rPr>
-              <a:t>- proving interoperability among teams, suppliers, and development </a:t>
-            </a:r>
-            <a:r>
-              <a:rPr lang="en-US" sz="1200" baseline="30000" dirty="0" err="1">
-                <a:latin typeface="ヒラギノ角ゴ Pro W3"/>
-                <a:ea typeface="ヒラギノ角ゴ Pro W3"/>
-                <a:cs typeface="ヒラギノ角ゴ Pro W3"/>
-              </a:rPr>
-              <a:t>organiza</a:t>
-            </a:r>
-            <a:r>
-              <a:rPr lang="en-US" sz="1200" baseline="30000" dirty="0">
-                <a:latin typeface="ヒラギノ角ゴ Pro W3"/>
-                <a:ea typeface="ヒラギノ角ゴ Pro W3"/>
-                <a:cs typeface="ヒラギノ角ゴ Pro W3"/>
-              </a:rPr>
-              <a:t>- </a:t>
-            </a:r>
-            <a:r>
-              <a:rPr lang="en-US" sz="1200" baseline="30000" dirty="0" err="1">
-                <a:latin typeface="ヒラギノ角ゴ Pro W3"/>
-                <a:ea typeface="ヒラギノ角ゴ Pro W3"/>
-                <a:cs typeface="ヒラギノ角ゴ Pro W3"/>
-              </a:rPr>
-              <a:t>tions</a:t>
-            </a:r>
-            <a:r>
-              <a:rPr lang="en-US" sz="1200" baseline="30000" dirty="0">
-                <a:latin typeface="ヒラギノ角ゴ Pro W3"/>
-                <a:ea typeface="ヒラギノ角ゴ Pro W3"/>
-                <a:cs typeface="ヒラギノ角ゴ Pro W3"/>
-              </a:rPr>
-              <a:t>.</a:t>
-            </a:r>
-          </a:p>
-          <a:p>
-            <a:r>
-              <a:rPr lang="en-US" sz="1200" baseline="30000" dirty="0">
-                <a:latin typeface="ヒラギノ角ゴ Pro W3"/>
-                <a:ea typeface="ヒラギノ角ゴ Pro W3"/>
-                <a:cs typeface="ヒラギノ角ゴ Pro W3"/>
-              </a:rPr>
-              <a:t>By providing a practice-</a:t>
-            </a:r>
-            <a:r>
-              <a:rPr lang="en-US" sz="1200" baseline="30000" dirty="0" err="1">
-                <a:latin typeface="ヒラギノ角ゴ Pro W3"/>
-                <a:ea typeface="ヒラギノ角ゴ Pro W3"/>
-                <a:cs typeface="ヒラギノ角ゴ Pro W3"/>
-              </a:rPr>
-              <a:t>indepen</a:t>
-            </a:r>
-            <a:r>
-              <a:rPr lang="en-US" sz="1200" baseline="30000" dirty="0">
-                <a:latin typeface="ヒラギノ角ゴ Pro W3"/>
-                <a:ea typeface="ヒラギノ角ゴ Pro W3"/>
-                <a:cs typeface="ヒラギノ角ゴ Pro W3"/>
-              </a:rPr>
-              <a:t>- dent foundation for the definition of software methods, the kernel also has the power completely to transform the way that methods are defined and </a:t>
-            </a:r>
-            <a:r>
-              <a:rPr lang="en-US" sz="1200" baseline="30000" dirty="0" err="1">
-                <a:latin typeface="ヒラギノ角ゴ Pro W3"/>
-                <a:ea typeface="ヒラギノ角ゴ Pro W3"/>
-                <a:cs typeface="ヒラギノ角ゴ Pro W3"/>
-              </a:rPr>
-              <a:t>prac</a:t>
-            </a:r>
-            <a:r>
-              <a:rPr lang="en-US" sz="1200" baseline="30000" dirty="0">
-                <a:latin typeface="ヒラギノ角ゴ Pro W3"/>
-                <a:ea typeface="ヒラギノ角ゴ Pro W3"/>
-                <a:cs typeface="ヒラギノ角ゴ Pro W3"/>
-              </a:rPr>
-              <a:t>- </a:t>
-            </a:r>
-            <a:r>
-              <a:rPr lang="en-US" sz="1200" baseline="30000" dirty="0" err="1">
-                <a:latin typeface="ヒラギノ角ゴ Pro W3"/>
-                <a:ea typeface="ヒラギノ角ゴ Pro W3"/>
-                <a:cs typeface="ヒラギノ角ゴ Pro W3"/>
-              </a:rPr>
-              <a:t>tices</a:t>
-            </a:r>
-            <a:r>
-              <a:rPr lang="en-US" sz="1200" baseline="30000" dirty="0">
-                <a:latin typeface="ヒラギノ角ゴ Pro W3"/>
-                <a:ea typeface="ヒラギノ角ゴ Pro W3"/>
-                <a:cs typeface="ヒラギノ角ゴ Pro W3"/>
-              </a:rPr>
-              <a:t> are shared. For example, by allow- </a:t>
-            </a:r>
-            <a:r>
-              <a:rPr lang="en-US" sz="1200" baseline="30000" dirty="0" err="1">
-                <a:latin typeface="ヒラギノ角ゴ Pro W3"/>
-                <a:ea typeface="ヒラギノ角ゴ Pro W3"/>
-                <a:cs typeface="ヒラギノ角ゴ Pro W3"/>
-              </a:rPr>
-              <a:t>ing</a:t>
-            </a:r>
-            <a:r>
-              <a:rPr lang="en-US" sz="1200" baseline="30000" dirty="0">
-                <a:latin typeface="ヒラギノ角ゴ Pro W3"/>
-                <a:ea typeface="ヒラギノ角ゴ Pro W3"/>
-                <a:cs typeface="ヒラギノ角ゴ Pro W3"/>
-              </a:rPr>
-              <a:t> teams to mix and match practices from different sources to build and </a:t>
-            </a:r>
-            <a:r>
-              <a:rPr lang="en-US" sz="1200" baseline="30000" dirty="0" err="1">
-                <a:latin typeface="ヒラギノ角ゴ Pro W3"/>
-                <a:ea typeface="ヒラギノ角ゴ Pro W3"/>
-                <a:cs typeface="ヒラギノ角ゴ Pro W3"/>
-              </a:rPr>
-              <a:t>im</a:t>
-            </a:r>
-            <a:r>
-              <a:rPr lang="en-US" sz="1200" baseline="30000" dirty="0">
-                <a:latin typeface="ヒラギノ角ゴ Pro W3"/>
-                <a:ea typeface="ヒラギノ角ゴ Pro W3"/>
-                <a:cs typeface="ヒラギノ角ゴ Pro W3"/>
-              </a:rPr>
-              <a:t>- prove their way of working, the kernel addresses two of the key </a:t>
-            </a:r>
-            <a:r>
-              <a:rPr lang="en-US" sz="1200" baseline="30000" dirty="0" err="1">
-                <a:latin typeface="ヒラギノ角ゴ Pro W3"/>
-                <a:ea typeface="ヒラギノ角ゴ Pro W3"/>
-                <a:cs typeface="ヒラギノ角ゴ Pro W3"/>
-              </a:rPr>
-              <a:t>methodologi</a:t>
-            </a:r>
-            <a:r>
-              <a:rPr lang="en-US" sz="1200" baseline="30000" dirty="0">
-                <a:latin typeface="ヒラギノ角ゴ Pro W3"/>
-                <a:ea typeface="ヒラギノ角ゴ Pro W3"/>
-                <a:cs typeface="ヒラギノ角ゴ Pro W3"/>
-              </a:rPr>
-              <a:t>- </a:t>
-            </a:r>
-            <a:r>
-              <a:rPr lang="en-US" sz="1200" baseline="30000" dirty="0" err="1">
-                <a:latin typeface="ヒラギノ角ゴ Pro W3"/>
-                <a:ea typeface="ヒラギノ角ゴ Pro W3"/>
-                <a:cs typeface="ヒラギノ角ゴ Pro W3"/>
-              </a:rPr>
-              <a:t>cal</a:t>
-            </a:r>
-            <a:r>
-              <a:rPr lang="en-US" sz="1200" baseline="30000" dirty="0">
-                <a:latin typeface="ヒラギノ角ゴ Pro W3"/>
-                <a:ea typeface="ヒラギノ角ゴ Pro W3"/>
-                <a:cs typeface="ヒラギノ角ゴ Pro W3"/>
-              </a:rPr>
-              <a:t> problems facing the industry:</a:t>
-            </a:r>
-          </a:p>
-          <a:p>
-            <a:r>
-              <a:rPr lang="en-US" sz="1200" baseline="30000" dirty="0">
-                <a:latin typeface="ヒラギノ角ゴ Pro W3"/>
-                <a:ea typeface="ヒラギノ角ゴ Pro W3"/>
-                <a:cs typeface="ヒラギノ角ゴ Pro W3"/>
-              </a:rPr>
-              <a:t>˲ Teams are no longer trapped by their methods; they can continuously improve their way of working by adding or removing practices when the </a:t>
-            </a:r>
-            <a:r>
-              <a:rPr lang="en-US" sz="1200" baseline="30000" dirty="0" err="1">
-                <a:latin typeface="ヒラギノ角ゴ Pro W3"/>
-                <a:ea typeface="ヒラギノ角ゴ Pro W3"/>
-                <a:cs typeface="ヒラギノ角ゴ Pro W3"/>
-              </a:rPr>
-              <a:t>situa</a:t>
-            </a:r>
-            <a:r>
-              <a:rPr lang="en-US" sz="1200" baseline="30000" dirty="0">
-                <a:latin typeface="ヒラギノ角ゴ Pro W3"/>
-                <a:ea typeface="ヒラギノ角ゴ Pro W3"/>
-                <a:cs typeface="ヒラギノ角ゴ Pro W3"/>
-              </a:rPr>
-              <a:t>- </a:t>
-            </a:r>
-            <a:r>
-              <a:rPr lang="en-US" sz="1200" baseline="30000" dirty="0" err="1">
-                <a:latin typeface="ヒラギノ角ゴ Pro W3"/>
-                <a:ea typeface="ヒラギノ角ゴ Pro W3"/>
-                <a:cs typeface="ヒラギノ角ゴ Pro W3"/>
-              </a:rPr>
-              <a:t>tion</a:t>
-            </a:r>
-            <a:r>
-              <a:rPr lang="en-US" sz="1200" baseline="30000" dirty="0">
-                <a:latin typeface="ヒラギノ角ゴ Pro W3"/>
-                <a:ea typeface="ヒラギノ角ゴ Pro W3"/>
-                <a:cs typeface="ヒラギノ角ゴ Pro W3"/>
-              </a:rPr>
-              <a:t> demands.</a:t>
-            </a:r>
-          </a:p>
-          <a:p>
-            <a:r>
-              <a:rPr lang="en-US" sz="1200" baseline="30000" dirty="0">
-                <a:latin typeface="ヒラギノ角ゴ Pro W3"/>
-                <a:ea typeface="ヒラギノ角ゴ Pro W3"/>
-                <a:cs typeface="ヒラギノ角ゴ Pro W3"/>
-              </a:rPr>
-              <a:t>˲ Methodologists no longer need to waste time describing complete meth- </a:t>
-            </a:r>
-            <a:r>
-              <a:rPr lang="en-US" sz="1200" baseline="30000" dirty="0" err="1">
-                <a:latin typeface="ヒラギノ角ゴ Pro W3"/>
-                <a:ea typeface="ヒラギノ角ゴ Pro W3"/>
-                <a:cs typeface="ヒラギノ角ゴ Pro W3"/>
-              </a:rPr>
-              <a:t>ods</a:t>
-            </a:r>
-            <a:r>
-              <a:rPr lang="en-US" sz="1200" baseline="30000" dirty="0">
-                <a:latin typeface="ヒラギノ角ゴ Pro W3"/>
-                <a:ea typeface="ヒラギノ角ゴ Pro W3"/>
-                <a:cs typeface="ヒラギノ角ゴ Pro W3"/>
-              </a:rPr>
-              <a:t>; they can easily describe their new ideas in a concise and reusable way.</a:t>
-            </a:r>
-          </a:p>
-          <a:p>
-            <a:r>
-              <a:rPr lang="en-US" sz="1200" baseline="30000" dirty="0">
-                <a:latin typeface="ヒラギノ角ゴ Pro W3"/>
-                <a:ea typeface="ヒラギノ角ゴ Pro W3"/>
-                <a:cs typeface="ヒラギノ角ゴ Pro W3"/>
-              </a:rPr>
-              <a:t>Finally, the kernel benefits </a:t>
-            </a:r>
-            <a:r>
-              <a:rPr lang="en-US" sz="1200" baseline="30000" dirty="0" err="1">
-                <a:latin typeface="ヒラギノ角ゴ Pro W3"/>
-                <a:ea typeface="ヒラギノ角ゴ Pro W3"/>
-                <a:cs typeface="ヒラギノ角ゴ Pro W3"/>
-              </a:rPr>
-              <a:t>aca</a:t>
-            </a:r>
-            <a:r>
-              <a:rPr lang="en-US" sz="1200" baseline="30000" dirty="0">
-                <a:latin typeface="ヒラギノ角ゴ Pro W3"/>
-                <a:ea typeface="ヒラギノ角ゴ Pro W3"/>
-                <a:cs typeface="ヒラギノ角ゴ Pro W3"/>
-              </a:rPr>
-              <a:t>- </a:t>
-            </a:r>
-            <a:r>
-              <a:rPr lang="en-US" sz="1200" baseline="30000" dirty="0" err="1">
-                <a:latin typeface="ヒラギノ角ゴ Pro W3"/>
-                <a:ea typeface="ヒラギノ角ゴ Pro W3"/>
-                <a:cs typeface="ヒラギノ角ゴ Pro W3"/>
-              </a:rPr>
-              <a:t>demia</a:t>
-            </a:r>
-            <a:r>
-              <a:rPr lang="en-US" sz="1200" baseline="30000" dirty="0">
-                <a:latin typeface="ヒラギノ角ゴ Pro W3"/>
-                <a:ea typeface="ヒラギノ角ゴ Pro W3"/>
-                <a:cs typeface="ヒラギノ角ゴ Pro W3"/>
-              </a:rPr>
-              <a:t>. The kernel provides a basis for the creation of foundation courses in software engineering that can then be complemented with additional </a:t>
-            </a:r>
-            <a:r>
-              <a:rPr lang="en-US" sz="1200" baseline="30000" dirty="0" err="1">
-                <a:latin typeface="ヒラギノ角ゴ Pro W3"/>
-                <a:ea typeface="ヒラギノ角ゴ Pro W3"/>
-                <a:cs typeface="ヒラギノ角ゴ Pro W3"/>
-              </a:rPr>
-              <a:t>cours</a:t>
-            </a:r>
-            <a:r>
-              <a:rPr lang="en-US" sz="1200" baseline="30000" dirty="0">
-                <a:latin typeface="ヒラギノ角ゴ Pro W3"/>
-                <a:ea typeface="ヒラギノ角ゴ Pro W3"/>
-                <a:cs typeface="ヒラギノ角ゴ Pro W3"/>
-              </a:rPr>
-              <a:t>- </a:t>
-            </a:r>
-            <a:r>
-              <a:rPr lang="en-US" sz="1200" baseline="30000" dirty="0" err="1">
-                <a:latin typeface="ヒラギノ角ゴ Pro W3"/>
-                <a:ea typeface="ヒラギノ角ゴ Pro W3"/>
-                <a:cs typeface="ヒラギノ角ゴ Pro W3"/>
-              </a:rPr>
-              <a:t>es</a:t>
-            </a:r>
-            <a:r>
-              <a:rPr lang="en-US" sz="1200" baseline="30000" dirty="0">
-                <a:latin typeface="ヒラギノ角ゴ Pro W3"/>
-                <a:ea typeface="ヒラギノ角ゴ Pro W3"/>
-                <a:cs typeface="ヒラギノ角ゴ Pro W3"/>
-              </a:rPr>
-              <a:t> in specific practices—either as part of the initial educational curriculum or later during the student’s professional development. Equally as important is the kernel’s ability to act as a shared reference model and enabler for fur- </a:t>
-            </a:r>
-            <a:r>
-              <a:rPr lang="en-US" sz="1200" baseline="30000" dirty="0" err="1">
-                <a:latin typeface="ヒラギノ角ゴ Pro W3"/>
-                <a:ea typeface="ヒラギノ角ゴ Pro W3"/>
-                <a:cs typeface="ヒラギノ角ゴ Pro W3"/>
-              </a:rPr>
-              <a:t>ther</a:t>
-            </a:r>
-            <a:r>
-              <a:rPr lang="en-US" sz="1200" baseline="30000" dirty="0">
-                <a:latin typeface="ヒラギノ角ゴ Pro W3"/>
-                <a:ea typeface="ヒラギノ角ゴ Pro W3"/>
-                <a:cs typeface="ヒラギノ角ゴ Pro W3"/>
-              </a:rPr>
-              <a:t> research and experimentation.</a:t>
-            </a:r>
+              <a:rPr lang="ja-JP" altLang="en-US" sz="900" dirty="0">
+                <a:latin typeface="ヒラギノ角ゴ Pro W3"/>
+                <a:ea typeface="ヒラギノ角ゴ Pro W3"/>
+                <a:cs typeface="ヒラギノ角ゴ Pro W3"/>
+              </a:rPr>
+              <a:t>また、コミュニケーションの改善やチーム間の移動のしやすさ、そして新しいアイデアの採用を手助けしてくれる。カーネルはチーム、サプライヤ、および開発組織間の相互運用の改善により産業界全体を手助けしてくれるでしょう</a:t>
+            </a:r>
+            <a:r>
+              <a:rPr lang="ja-JP" altLang="en-US" sz="900" dirty="0" smtClean="0">
+                <a:latin typeface="ヒラギノ角ゴ Pro W3"/>
+                <a:ea typeface="ヒラギノ角ゴ Pro W3"/>
+                <a:cs typeface="ヒラギノ角ゴ Pro W3"/>
+              </a:rPr>
+              <a:t>。</a:t>
+            </a:r>
+            <a:endParaRPr lang="en-US" altLang="ja-JP" sz="900" dirty="0" smtClean="0">
+              <a:latin typeface="ヒラギノ角ゴ Pro W3"/>
+              <a:ea typeface="ヒラギノ角ゴ Pro W3"/>
+              <a:cs typeface="ヒラギノ角ゴ Pro W3"/>
+            </a:endParaRPr>
+          </a:p>
+          <a:p>
+            <a:r>
+              <a:rPr lang="ja-JP" altLang="en-US" sz="900" dirty="0" smtClean="0">
+                <a:latin typeface="ヒラギノ角ゴ Pro W3"/>
+                <a:ea typeface="ヒラギノ角ゴ Pro W3"/>
+                <a:cs typeface="ヒラギノ角ゴ Pro W3"/>
+              </a:rPr>
+              <a:t>ソフトウェア</a:t>
+            </a:r>
+            <a:r>
+              <a:rPr lang="ja-JP" altLang="en-US" sz="900" dirty="0">
+                <a:latin typeface="ヒラギノ角ゴ Pro W3"/>
+                <a:ea typeface="ヒラギノ角ゴ Pro W3"/>
+                <a:cs typeface="ヒラギノ角ゴ Pro W3"/>
+              </a:rPr>
+              <a:t>開発手法の定義に</a:t>
+            </a:r>
+            <a:r>
+              <a:rPr lang="ja-JP" altLang="en-US" sz="900" dirty="0" smtClean="0">
+                <a:latin typeface="ヒラギノ角ゴ Pro W3"/>
+                <a:ea typeface="ヒラギノ角ゴ Pro W3"/>
+                <a:cs typeface="ヒラギノ角ゴ Pro W3"/>
+              </a:rPr>
+              <a:t>対する基盤に依存しないプラクティスを提供することによって、カーネルは手法の定義やプラクティスの共有の仕方を変換するための完全な力を持っている。例えば、彼らの仕事の仕方を構築したり、改善するために異なる発信元からのプラクティスを混在させたり調和させることをチームに許可することによって、カーネルは産業界が直面している重要な</a:t>
+            </a:r>
+            <a:r>
+              <a:rPr lang="en-US" altLang="ja-JP" sz="900" dirty="0" smtClean="0">
+                <a:latin typeface="ヒラギノ角ゴ Pro W3"/>
+                <a:ea typeface="ヒラギノ角ゴ Pro W3"/>
+                <a:cs typeface="ヒラギノ角ゴ Pro W3"/>
+              </a:rPr>
+              <a:t>2</a:t>
+            </a:r>
+            <a:r>
+              <a:rPr lang="ja-JP" altLang="en-US" sz="900" dirty="0" smtClean="0">
+                <a:latin typeface="ヒラギノ角ゴ Pro W3"/>
+                <a:ea typeface="ヒラギノ角ゴ Pro W3"/>
+                <a:cs typeface="ヒラギノ角ゴ Pro W3"/>
+              </a:rPr>
+              <a:t>つの方法論の問題解決に取り組んでいる。</a:t>
+            </a:r>
+            <a:endParaRPr lang="en-US" altLang="ja-JP" sz="900" dirty="0" smtClean="0">
+              <a:latin typeface="ヒラギノ角ゴ Pro W3"/>
+              <a:ea typeface="ヒラギノ角ゴ Pro W3"/>
+              <a:cs typeface="ヒラギノ角ゴ Pro W3"/>
+            </a:endParaRPr>
+          </a:p>
+          <a:p>
+            <a:r>
+              <a:rPr lang="en-US" altLang="ja-JP" sz="900" dirty="0" smtClean="0">
+                <a:latin typeface="ヒラギノ角ゴ Pro W3"/>
+                <a:ea typeface="ヒラギノ角ゴ Pro W3"/>
+                <a:cs typeface="ヒラギノ角ゴ Pro W3"/>
+              </a:rPr>
+              <a:t>˲</a:t>
+            </a:r>
+            <a:r>
+              <a:rPr lang="ja-JP" altLang="en-US" sz="900" dirty="0">
+                <a:latin typeface="ヒラギノ角ゴ Pro W3"/>
+                <a:ea typeface="ヒラギノ角ゴ Pro W3"/>
+                <a:cs typeface="ヒラギノ角ゴ Pro W3"/>
+              </a:rPr>
+              <a:t>チームは自分たちの方法論によって</a:t>
+            </a:r>
+          </a:p>
+          <a:p>
+            <a:r>
+              <a:rPr lang="ja-JP" altLang="en-US" sz="900" dirty="0">
+                <a:latin typeface="ヒラギノ角ゴ Pro W3"/>
+                <a:ea typeface="ヒラギノ角ゴ Pro W3"/>
+                <a:cs typeface="ヒラギノ角ゴ Pro W3"/>
+              </a:rPr>
+              <a:t>身動きが取れなくなることはない</a:t>
+            </a:r>
+            <a:r>
+              <a:rPr lang="ja-JP" altLang="en-US" sz="900" dirty="0" smtClean="0">
+                <a:latin typeface="ヒラギノ角ゴ Pro W3"/>
+                <a:ea typeface="ヒラギノ角ゴ Pro W3"/>
+                <a:cs typeface="ヒラギノ角ゴ Pro W3"/>
+              </a:rPr>
+              <a:t>。チーム</a:t>
+            </a:r>
+            <a:r>
+              <a:rPr lang="ja-JP" altLang="en-US" sz="900" dirty="0">
+                <a:latin typeface="ヒラギノ角ゴ Pro W3"/>
+                <a:ea typeface="ヒラギノ角ゴ Pro W3"/>
+                <a:cs typeface="ヒラギノ角ゴ Pro W3"/>
+              </a:rPr>
+              <a:t>は状況に応じてプラクティスを追加、削除</a:t>
+            </a:r>
+            <a:r>
+              <a:rPr lang="ja-JP" altLang="en-US" sz="900" dirty="0" smtClean="0">
+                <a:latin typeface="ヒラギノ角ゴ Pro W3"/>
+                <a:ea typeface="ヒラギノ角ゴ Pro W3"/>
+                <a:cs typeface="ヒラギノ角ゴ Pro W3"/>
+              </a:rPr>
+              <a:t>して絶え間</a:t>
+            </a:r>
+            <a:r>
+              <a:rPr lang="ja-JP" altLang="en-US" sz="900" dirty="0">
+                <a:latin typeface="ヒラギノ角ゴ Pro W3"/>
+                <a:ea typeface="ヒラギノ角ゴ Pro W3"/>
+                <a:cs typeface="ヒラギノ角ゴ Pro W3"/>
+              </a:rPr>
+              <a:t>なく仕事の仕方を改善することができる。</a:t>
+            </a:r>
+            <a:endParaRPr lang="en-US" altLang="ja-JP" sz="900" dirty="0" smtClean="0">
+              <a:latin typeface="ヒラギノ角ゴ Pro W3"/>
+              <a:ea typeface="ヒラギノ角ゴ Pro W3"/>
+              <a:cs typeface="ヒラギノ角ゴ Pro W3"/>
+            </a:endParaRPr>
+          </a:p>
+          <a:p>
+            <a:r>
+              <a:rPr lang="en-US" altLang="ja-JP" sz="900" dirty="0" smtClean="0">
+                <a:latin typeface="ヒラギノ角ゴ Pro W3"/>
+                <a:ea typeface="ヒラギノ角ゴ Pro W3"/>
+                <a:cs typeface="ヒラギノ角ゴ Pro W3"/>
+              </a:rPr>
+              <a:t>˲</a:t>
+            </a:r>
+            <a:r>
+              <a:rPr lang="ja-JP" altLang="en-US" sz="900" dirty="0">
+                <a:latin typeface="ヒラギノ角ゴ Pro W3"/>
+                <a:ea typeface="ヒラギノ角ゴ Pro W3"/>
+                <a:cs typeface="ヒラギノ角ゴ Pro W3"/>
+              </a:rPr>
+              <a:t>方法論者は完全な方法を記述するために時間を浪費することはない</a:t>
+            </a:r>
+            <a:r>
+              <a:rPr lang="ja-JP" altLang="en-US" sz="900" dirty="0" smtClean="0">
+                <a:latin typeface="ヒラギノ角ゴ Pro W3"/>
+                <a:ea typeface="ヒラギノ角ゴ Pro W3"/>
+                <a:cs typeface="ヒラギノ角ゴ Pro W3"/>
+              </a:rPr>
+              <a:t>。彼ら</a:t>
+            </a:r>
+            <a:r>
+              <a:rPr lang="ja-JP" altLang="en-US" sz="900" dirty="0">
+                <a:latin typeface="ヒラギノ角ゴ Pro W3"/>
+                <a:ea typeface="ヒラギノ角ゴ Pro W3"/>
+                <a:cs typeface="ヒラギノ角ゴ Pro W3"/>
+              </a:rPr>
+              <a:t>は簡潔で再利用可能な方法で彼らの新たな考え</a:t>
+            </a:r>
+            <a:r>
+              <a:rPr lang="ja-JP" altLang="en-US" sz="900" dirty="0" smtClean="0">
+                <a:latin typeface="ヒラギノ角ゴ Pro W3"/>
+                <a:ea typeface="ヒラギノ角ゴ Pro W3"/>
+                <a:cs typeface="ヒラギノ角ゴ Pro W3"/>
+              </a:rPr>
+              <a:t>を容易</a:t>
+            </a:r>
+            <a:r>
+              <a:rPr lang="ja-JP" altLang="en-US" sz="900" dirty="0">
+                <a:latin typeface="ヒラギノ角ゴ Pro W3"/>
+                <a:ea typeface="ヒラギノ角ゴ Pro W3"/>
+                <a:cs typeface="ヒラギノ角ゴ Pro W3"/>
+              </a:rPr>
+              <a:t>に記述することができる</a:t>
+            </a:r>
+            <a:r>
+              <a:rPr lang="ja-JP" altLang="en-US" sz="900" dirty="0" smtClean="0">
+                <a:latin typeface="ヒラギノ角ゴ Pro W3"/>
+                <a:ea typeface="ヒラギノ角ゴ Pro W3"/>
+                <a:cs typeface="ヒラギノ角ゴ Pro W3"/>
+              </a:rPr>
+              <a:t>。</a:t>
+            </a:r>
+            <a:endParaRPr lang="en-US" altLang="ja-JP" sz="900" dirty="0" smtClean="0">
+              <a:latin typeface="ヒラギノ角ゴ Pro W3"/>
+              <a:ea typeface="ヒラギノ角ゴ Pro W3"/>
+              <a:cs typeface="ヒラギノ角ゴ Pro W3"/>
+            </a:endParaRPr>
+          </a:p>
+          <a:p>
+            <a:r>
+              <a:rPr lang="ja-JP" altLang="en-US" sz="900" dirty="0">
+                <a:latin typeface="ヒラギノ角ゴ Pro W3"/>
+                <a:ea typeface="ヒラギノ角ゴ Pro W3"/>
+                <a:cs typeface="ヒラギノ角ゴ Pro W3"/>
+              </a:rPr>
+              <a:t>最後に、カーネルは学会にとって有益である</a:t>
+            </a:r>
+            <a:r>
+              <a:rPr lang="ja-JP" altLang="en-US" sz="900" dirty="0" smtClean="0">
+                <a:latin typeface="ヒラギノ角ゴ Pro W3"/>
+                <a:ea typeface="ヒラギノ角ゴ Pro W3"/>
+                <a:cs typeface="ヒラギノ角ゴ Pro W3"/>
+              </a:rPr>
+              <a:t>。カーネル</a:t>
+            </a:r>
+            <a:r>
+              <a:rPr lang="ja-JP" altLang="en-US" sz="900" dirty="0">
+                <a:latin typeface="ヒラギノ角ゴ Pro W3"/>
+                <a:ea typeface="ヒラギノ角ゴ Pro W3"/>
+                <a:cs typeface="ヒラギノ角ゴ Pro W3"/>
+              </a:rPr>
+              <a:t>は初期教育のカリキュラムの一部として</a:t>
+            </a:r>
+            <a:r>
+              <a:rPr lang="ja-JP" altLang="en-US" sz="900" dirty="0" smtClean="0">
+                <a:latin typeface="ヒラギノ角ゴ Pro W3"/>
+                <a:ea typeface="ヒラギノ角ゴ Pro W3"/>
+                <a:cs typeface="ヒラギノ角ゴ Pro W3"/>
+              </a:rPr>
+              <a:t>、あるいは</a:t>
+            </a:r>
+            <a:r>
+              <a:rPr lang="ja-JP" altLang="en-US" sz="900" dirty="0">
+                <a:latin typeface="ヒラギノ角ゴ Pro W3"/>
+                <a:ea typeface="ヒラギノ角ゴ Pro W3"/>
+                <a:cs typeface="ヒラギノ角ゴ Pro W3"/>
+              </a:rPr>
+              <a:t>その後の専門課程の間に特定プラクティス</a:t>
+            </a:r>
+            <a:r>
+              <a:rPr lang="ja-JP" altLang="en-US" sz="900" dirty="0" smtClean="0">
+                <a:latin typeface="ヒラギノ角ゴ Pro W3"/>
+                <a:ea typeface="ヒラギノ角ゴ Pro W3"/>
+                <a:cs typeface="ヒラギノ角ゴ Pro W3"/>
+              </a:rPr>
+              <a:t>の追加</a:t>
+            </a:r>
+            <a:r>
+              <a:rPr lang="ja-JP" altLang="en-US" sz="900" dirty="0">
+                <a:latin typeface="ヒラギノ角ゴ Pro W3"/>
+                <a:ea typeface="ヒラギノ角ゴ Pro W3"/>
+                <a:cs typeface="ヒラギノ角ゴ Pro W3"/>
+              </a:rPr>
+              <a:t>課程を補足することで完成するソフトウェアエンジニアリングの</a:t>
+            </a:r>
+          </a:p>
+          <a:p>
+            <a:r>
+              <a:rPr lang="ja-JP" altLang="en-US" sz="900" dirty="0">
+                <a:latin typeface="ヒラギノ角ゴ Pro W3"/>
+                <a:ea typeface="ヒラギノ角ゴ Pro W3"/>
+                <a:cs typeface="ヒラギノ角ゴ Pro W3"/>
+              </a:rPr>
+              <a:t>一般教養課程の構築に基礎</a:t>
+            </a:r>
+            <a:r>
+              <a:rPr lang="en-US" altLang="ja-JP" sz="900" dirty="0">
+                <a:latin typeface="ヒラギノ角ゴ Pro W3"/>
+                <a:ea typeface="ヒラギノ角ゴ Pro W3"/>
+                <a:cs typeface="ヒラギノ角ゴ Pro W3"/>
+              </a:rPr>
+              <a:t>(basis)</a:t>
+            </a:r>
+            <a:r>
+              <a:rPr lang="ja-JP" altLang="en-US" sz="900" dirty="0">
+                <a:latin typeface="ヒラギノ角ゴ Pro W3"/>
+                <a:ea typeface="ヒラギノ角ゴ Pro W3"/>
+                <a:cs typeface="ヒラギノ角ゴ Pro W3"/>
+              </a:rPr>
+              <a:t>を提供する</a:t>
+            </a:r>
+            <a:r>
+              <a:rPr lang="ja-JP" altLang="en-US" sz="900" dirty="0" smtClean="0">
+                <a:latin typeface="ヒラギノ角ゴ Pro W3"/>
+                <a:ea typeface="ヒラギノ角ゴ Pro W3"/>
+                <a:cs typeface="ヒラギノ角ゴ Pro W3"/>
+              </a:rPr>
+              <a:t>。共有</a:t>
+            </a:r>
+            <a:r>
+              <a:rPr lang="ja-JP" altLang="en-US" sz="900" dirty="0">
+                <a:latin typeface="ヒラギノ角ゴ Pro W3"/>
+                <a:ea typeface="ヒラギノ角ゴ Pro W3"/>
+                <a:cs typeface="ヒラギノ角ゴ Pro W3"/>
+              </a:rPr>
+              <a:t>されたリファレンスモデルとしてのカーネルの役割</a:t>
+            </a:r>
+            <a:r>
+              <a:rPr lang="ja-JP" altLang="en-US" sz="900" dirty="0" smtClean="0">
+                <a:latin typeface="ヒラギノ角ゴ Pro W3"/>
+                <a:ea typeface="ヒラギノ角ゴ Pro W3"/>
+                <a:cs typeface="ヒラギノ角ゴ Pro W3"/>
+              </a:rPr>
+              <a:t>と更</a:t>
+            </a:r>
+            <a:r>
+              <a:rPr lang="ja-JP" altLang="en-US" sz="900" dirty="0">
+                <a:latin typeface="ヒラギノ角ゴ Pro W3"/>
+                <a:ea typeface="ヒラギノ角ゴ Pro W3"/>
+                <a:cs typeface="ヒラギノ角ゴ Pro W3"/>
+              </a:rPr>
+              <a:t>なる研究と実験を可能にするカーネルの役割はとも</a:t>
+            </a:r>
+            <a:r>
+              <a:rPr lang="ja-JP" altLang="en-US" sz="900" dirty="0" smtClean="0">
+                <a:latin typeface="ヒラギノ角ゴ Pro W3"/>
+                <a:ea typeface="ヒラギノ角ゴ Pro W3"/>
+                <a:cs typeface="ヒラギノ角ゴ Pro W3"/>
+              </a:rPr>
+              <a:t>に等しく</a:t>
+            </a:r>
+            <a:r>
+              <a:rPr lang="ja-JP" altLang="en-US" sz="900" dirty="0">
+                <a:latin typeface="ヒラギノ角ゴ Pro W3"/>
+                <a:ea typeface="ヒラギノ角ゴ Pro W3"/>
+                <a:cs typeface="ヒラギノ角ゴ Pro W3"/>
+              </a:rPr>
+              <a:t>重要である。</a:t>
+            </a:r>
+          </a:p>
+          <a:p>
+            <a:endParaRPr lang="en-US" altLang="ja-JP" sz="900" dirty="0" smtClean="0">
+              <a:latin typeface="ヒラギノ角ゴ Pro W3"/>
+              <a:ea typeface="ヒラギノ角ゴ Pro W3"/>
+              <a:cs typeface="ヒラギノ角ゴ Pro W3"/>
+            </a:endParaRPr>
           </a:p>
         </p:txBody>
       </p:sp>

--- a/p42-jacobson_ja/p42-jacobson_ja.pptx
+++ b/p42-jacobson_ja/p42-jacobson_ja.pptx
@@ -295,7 +295,7 @@
           <a:p>
             <a:fld id="{0250A163-ACDB-304E-8C8E-D7913C06F9E0}" type="datetimeFigureOut">
               <a:rPr lang="en-US" smtClean="0"/>
-              <a:t>4/11/13</a:t>
+              <a:t>4/14/13</a:t>
             </a:fld>
             <a:endParaRPr lang="en-US"/>
           </a:p>
@@ -465,7 +465,7 @@
           <a:p>
             <a:fld id="{0250A163-ACDB-304E-8C8E-D7913C06F9E0}" type="datetimeFigureOut">
               <a:rPr lang="en-US" smtClean="0"/>
-              <a:t>4/11/13</a:t>
+              <a:t>4/14/13</a:t>
             </a:fld>
             <a:endParaRPr lang="en-US"/>
           </a:p>
@@ -645,7 +645,7 @@
           <a:p>
             <a:fld id="{0250A163-ACDB-304E-8C8E-D7913C06F9E0}" type="datetimeFigureOut">
               <a:rPr lang="en-US" smtClean="0"/>
-              <a:t>4/11/13</a:t>
+              <a:t>4/14/13</a:t>
             </a:fld>
             <a:endParaRPr lang="en-US"/>
           </a:p>
@@ -815,7 +815,7 @@
           <a:p>
             <a:fld id="{0250A163-ACDB-304E-8C8E-D7913C06F9E0}" type="datetimeFigureOut">
               <a:rPr lang="en-US" smtClean="0"/>
-              <a:t>4/11/13</a:t>
+              <a:t>4/14/13</a:t>
             </a:fld>
             <a:endParaRPr lang="en-US"/>
           </a:p>
@@ -1061,7 +1061,7 @@
           <a:p>
             <a:fld id="{0250A163-ACDB-304E-8C8E-D7913C06F9E0}" type="datetimeFigureOut">
               <a:rPr lang="en-US" smtClean="0"/>
-              <a:t>4/11/13</a:t>
+              <a:t>4/14/13</a:t>
             </a:fld>
             <a:endParaRPr lang="en-US"/>
           </a:p>
@@ -1349,7 +1349,7 @@
           <a:p>
             <a:fld id="{0250A163-ACDB-304E-8C8E-D7913C06F9E0}" type="datetimeFigureOut">
               <a:rPr lang="en-US" smtClean="0"/>
-              <a:t>4/11/13</a:t>
+              <a:t>4/14/13</a:t>
             </a:fld>
             <a:endParaRPr lang="en-US"/>
           </a:p>
@@ -1776,7 +1776,7 @@
           <a:p>
             <a:fld id="{0250A163-ACDB-304E-8C8E-D7913C06F9E0}" type="datetimeFigureOut">
               <a:rPr lang="en-US" smtClean="0"/>
-              <a:t>4/11/13</a:t>
+              <a:t>4/14/13</a:t>
             </a:fld>
             <a:endParaRPr lang="en-US"/>
           </a:p>
@@ -1894,7 +1894,7 @@
           <a:p>
             <a:fld id="{0250A163-ACDB-304E-8C8E-D7913C06F9E0}" type="datetimeFigureOut">
               <a:rPr lang="en-US" smtClean="0"/>
-              <a:t>4/11/13</a:t>
+              <a:t>4/14/13</a:t>
             </a:fld>
             <a:endParaRPr lang="en-US"/>
           </a:p>
@@ -1989,7 +1989,7 @@
           <a:p>
             <a:fld id="{0250A163-ACDB-304E-8C8E-D7913C06F9E0}" type="datetimeFigureOut">
               <a:rPr lang="en-US" smtClean="0"/>
-              <a:t>4/11/13</a:t>
+              <a:t>4/14/13</a:t>
             </a:fld>
             <a:endParaRPr lang="en-US"/>
           </a:p>
@@ -2266,7 +2266,7 @@
           <a:p>
             <a:fld id="{0250A163-ACDB-304E-8C8E-D7913C06F9E0}" type="datetimeFigureOut">
               <a:rPr lang="en-US" smtClean="0"/>
-              <a:t>4/11/13</a:t>
+              <a:t>4/14/13</a:t>
             </a:fld>
             <a:endParaRPr lang="en-US"/>
           </a:p>
@@ -2519,7 +2519,7 @@
           <a:p>
             <a:fld id="{0250A163-ACDB-304E-8C8E-D7913C06F9E0}" type="datetimeFigureOut">
               <a:rPr lang="en-US" smtClean="0"/>
-              <a:t>4/11/13</a:t>
+              <a:t>4/14/13</a:t>
             </a:fld>
             <a:endParaRPr lang="en-US"/>
           </a:p>
@@ -2732,7 +2732,7 @@
           <a:p>
             <a:fld id="{0250A163-ACDB-304E-8C8E-D7913C06F9E0}" type="datetimeFigureOut">
               <a:rPr lang="en-US" smtClean="0"/>
-              <a:t>4/11/13</a:t>
+              <a:t>4/14/13</a:t>
             </a:fld>
             <a:endParaRPr lang="en-US"/>
           </a:p>
@@ -3330,7 +3330,29 @@
                 <a:ea typeface="ヒラギノ角ゴ Std W8"/>
                 <a:cs typeface="ヒラギノ角ゴ Std W8"/>
               </a:rPr>
-              <a:t>思考フレームワークを「アクション可能なカーネル</a:t>
+              <a:t>思考フレームワークを</a:t>
+            </a:r>
+            <a:r>
+              <a:rPr lang="ja-JP" altLang="en-US" sz="1100" dirty="0">
+                <a:solidFill>
+                  <a:srgbClr val="008000"/>
+                </a:solidFill>
+                <a:latin typeface="ヒラギノ角ゴ Std W8"/>
+                <a:ea typeface="ヒラギノ角ゴ Std W8"/>
+                <a:cs typeface="ヒラギノ角ゴ Std W8"/>
+              </a:rPr>
+              <a:t>「アクショナブル・カーネル</a:t>
+            </a:r>
+            <a:r>
+              <a:rPr lang="en-US" altLang="ja-JP" sz="1100" dirty="0" smtClean="0">
+                <a:solidFill>
+                  <a:srgbClr val="008000"/>
+                </a:solidFill>
+                <a:latin typeface="ヒラギノ角ゴ Std W8"/>
+                <a:ea typeface="ヒラギノ角ゴ Std W8"/>
+                <a:cs typeface="ヒラギノ角ゴ Std W8"/>
+              </a:rPr>
+              <a:t>(</a:t>
             </a:r>
             <a:r>
               <a:rPr lang="en-US" altLang="ja-JP" sz="1100" dirty="0">
@@ -3341,7 +3363,7 @@
                 <a:ea typeface="ヒラギノ角ゴ Std W8"/>
                 <a:cs typeface="ヒラギノ角ゴ Std W8"/>
               </a:rPr>
-              <a:t>(actionable kernel)</a:t>
+              <a:t>actionable kernel)</a:t>
             </a:r>
             <a:r>
               <a:rPr lang="ja-JP" altLang="en-US" sz="1100" dirty="0">
@@ -3704,15 +3726,7 @@
                 <a:ea typeface="ヒラギノ角ゴ Pro W3"/>
                 <a:cs typeface="ヒラギノ角ゴ Pro W3"/>
               </a:rPr>
-              <a:t>ソフトウェア開発に携わる人なら誰でも、それが複雑でリスクの高い仕事であること、そして参加者がよりよいソフトウェアにつながる新しいアイディアを、いつでも探していることを知っている。幸運なことに、ソフトウェア工学は、まだその若年代にあり毎年毎年ベストプラクティスの中に新しいイノベーションと改善を見ることができる、成長過程の専門分野だ</a:t>
-            </a:r>
-            <a:r>
-              <a:rPr lang="ja-JP" altLang="en-US" sz="1200" dirty="0" smtClean="0">
-                <a:latin typeface="ヒラギノ角ゴ Pro W3"/>
-                <a:ea typeface="ヒラギノ角ゴ Pro W3"/>
-                <a:cs typeface="ヒラギノ角ゴ Pro W3"/>
-              </a:rPr>
-              <a:t>。</a:t>
+              <a:t>ソフトウェア開発に携わる人なら誰でも、それが複雑でリスクの高い仕事であること、そして関わる人々がよりよいソフトウェアにつながる新しいアイディアをいつでも探していることを知っている。幸運なことに、ソフトウェア工学はまだその若年代にあり、毎年毎年ベストプラクティスの中にイノベーションと改善を見てとれる成長過程の専門分野である。それは例えば、リーンとアジャイルの考え方（</a:t>
             </a:r>
             <a:r>
               <a:rPr lang="en-US" altLang="ja-JP" sz="1200" dirty="0" smtClean="0">
@@ -3720,118 +3734,47 @@
                 <a:ea typeface="ヒラギノ角ゴ Pro W3"/>
                 <a:cs typeface="ヒラギノ角ゴ Pro W3"/>
               </a:rPr>
-              <a:t/>
-            </a:r>
-            <a:br>
+              <a:t>lean and </a:t>
+            </a:r>
+            <a:r>
+              <a:rPr lang="en-US" altLang="ja-JP" sz="1200" dirty="0">
+                <a:latin typeface="ヒラギノ角ゴ Pro W3"/>
+                <a:ea typeface="ヒラギノ角ゴ Pro W3"/>
+                <a:cs typeface="ヒラギノ角ゴ Pro W3"/>
+              </a:rPr>
+              <a:t>agile thinking</a:t>
+            </a:r>
+            <a:r>
+              <a:rPr lang="ja-JP" altLang="en-US" sz="1200" dirty="0">
+                <a:latin typeface="ヒラギノ角ゴ Pro W3"/>
+                <a:ea typeface="ヒラギノ角ゴ Pro W3"/>
+                <a:cs typeface="ヒラギノ角ゴ Pro W3"/>
+              </a:rPr>
+              <a:t>）がソフトウェア開発チームにもたらした改善と恩恵を見てみれば分かる。ソフトウェア開発チームが成功するためには、動くソフトウェアシステムをすばやく提供すること、ステークホルダーを満足させることや、リスクに対処すること、さらには仕事の仕方（</a:t>
+            </a:r>
+            <a:r>
               <a:rPr lang="en-US" altLang="ja-JP" sz="1200" dirty="0" smtClean="0">
                 <a:latin typeface="ヒラギノ角ゴ Pro W3"/>
                 <a:ea typeface="ヒラギノ角ゴ Pro W3"/>
                 <a:cs typeface="ヒラギノ角ゴ Pro W3"/>
               </a:rPr>
-            </a:br>
+              <a:t>way of </a:t>
+            </a:r>
+            <a:r>
+              <a:rPr lang="en-US" altLang="ja-JP" sz="1200" dirty="0">
+                <a:latin typeface="ヒラギノ角ゴ Pro W3"/>
+                <a:ea typeface="ヒラギノ角ゴ Pro W3"/>
+                <a:cs typeface="ヒラギノ角ゴ Pro W3"/>
+              </a:rPr>
+              <a:t>working</a:t>
+            </a:r>
             <a:r>
               <a:rPr lang="ja-JP" altLang="en-US" sz="1200" dirty="0">
                 <a:latin typeface="ヒラギノ角ゴ Pro W3"/>
                 <a:ea typeface="ヒラギノ角ゴ Pro W3"/>
                 <a:cs typeface="ヒラギノ角ゴ Pro W3"/>
               </a:rPr>
-              <a:t>例えば、リーンとアジャイルの考え方</a:t>
-            </a:r>
-            <a:r>
-              <a:rPr lang="en-US" altLang="ja-JP" sz="1200" dirty="0">
-                <a:latin typeface="ヒラギノ角ゴ Pro W3"/>
-                <a:ea typeface="ヒラギノ角ゴ Pro W3"/>
-                <a:cs typeface="ヒラギノ角ゴ Pro W3"/>
-              </a:rPr>
-              <a:t>(</a:t>
-            </a:r>
-            <a:r>
-              <a:rPr lang="en-US" altLang="ja-JP" sz="1200" dirty="0" smtClean="0">
-                <a:latin typeface="ヒラギノ角ゴ Pro W3"/>
-                <a:ea typeface="ヒラギノ角ゴ Pro W3"/>
-                <a:cs typeface="ヒラギノ角ゴ Pro W3"/>
-              </a:rPr>
-              <a:t>lean and </a:t>
-            </a:r>
-            <a:r>
-              <a:rPr lang="en-US" altLang="ja-JP" sz="1200" dirty="0">
-                <a:latin typeface="ヒラギノ角ゴ Pro W3"/>
-                <a:ea typeface="ヒラギノ角ゴ Pro W3"/>
-                <a:cs typeface="ヒラギノ角ゴ Pro W3"/>
-              </a:rPr>
-              <a:t>agile thinking)</a:t>
-            </a:r>
-            <a:r>
-              <a:rPr lang="ja-JP" altLang="en-US" sz="1200" dirty="0">
-                <a:latin typeface="ヒラギノ角ゴ Pro W3"/>
-                <a:ea typeface="ヒラギノ角ゴ Pro W3"/>
-                <a:cs typeface="ヒラギノ角ゴ Pro W3"/>
-              </a:rPr>
-              <a:t>がソフトウェア開発チームにもたらした改善と恩恵を見てみれば分かる。成功しているソフトウェア開発チームは、すばやく動くソフトウェアシステムを提供すること、ステークホルダーを満足させること、リスクに対処すること、そして仕事の仕方</a:t>
-            </a:r>
-            <a:r>
-              <a:rPr lang="en-US" altLang="ja-JP" sz="1200" dirty="0">
-                <a:latin typeface="ヒラギノ角ゴ Pro W3"/>
-                <a:ea typeface="ヒラギノ角ゴ Pro W3"/>
-                <a:cs typeface="ヒラギノ角ゴ Pro W3"/>
-              </a:rPr>
-              <a:t>(</a:t>
-            </a:r>
-            <a:r>
-              <a:rPr lang="en-US" altLang="ja-JP" sz="1200" dirty="0" smtClean="0">
-                <a:latin typeface="ヒラギノ角ゴ Pro W3"/>
-                <a:ea typeface="ヒラギノ角ゴ Pro W3"/>
-                <a:cs typeface="ヒラギノ角ゴ Pro W3"/>
-              </a:rPr>
-              <a:t>way</a:t>
-            </a:r>
-            <a:r>
-              <a:rPr lang="en-US" altLang="ja-JP" sz="1200" dirty="0">
-                <a:latin typeface="ヒラギノ角ゴ Pro W3"/>
-                <a:ea typeface="ヒラギノ角ゴ Pro W3"/>
-                <a:cs typeface="ヒラギノ角ゴ Pro W3"/>
-              </a:rPr>
-              <a:t> </a:t>
-            </a:r>
-            <a:r>
-              <a:rPr lang="en-US" altLang="ja-JP" sz="1200" dirty="0" smtClean="0">
-                <a:latin typeface="ヒラギノ角ゴ Pro W3"/>
-                <a:ea typeface="ヒラギノ角ゴ Pro W3"/>
-                <a:cs typeface="ヒラギノ角ゴ Pro W3"/>
-              </a:rPr>
-              <a:t>of </a:t>
-            </a:r>
-            <a:r>
-              <a:rPr lang="en-US" altLang="ja-JP" sz="1200" dirty="0">
-                <a:latin typeface="ヒラギノ角ゴ Pro W3"/>
-                <a:ea typeface="ヒラギノ角ゴ Pro W3"/>
-                <a:cs typeface="ヒラギノ角ゴ Pro W3"/>
-              </a:rPr>
-              <a:t>working)</a:t>
-            </a:r>
-            <a:r>
-              <a:rPr lang="ja-JP" altLang="en-US" sz="1200" dirty="0">
-                <a:latin typeface="ヒラギノ角ゴ Pro W3"/>
-                <a:ea typeface="ヒラギノ角ゴ Pro W3"/>
-                <a:cs typeface="ヒラギノ角ゴ Pro W3"/>
-              </a:rPr>
-              <a:t>を改善すること、これらのバランスをうまくとらなくては</a:t>
-            </a:r>
-            <a:r>
-              <a:rPr lang="ja-JP" altLang="en-US" sz="1200" dirty="0" smtClean="0">
-                <a:latin typeface="ヒラギノ角ゴ Pro W3"/>
-                <a:ea typeface="ヒラギノ角ゴ Pro W3"/>
-                <a:cs typeface="ヒラギノ角ゴ Pro W3"/>
-              </a:rPr>
-              <a:t>ならない</a:t>
-            </a:r>
-            <a:r>
-              <a:rPr lang="ja-JP" altLang="en-US" sz="1200" dirty="0">
-                <a:latin typeface="ヒラギノ角ゴ Pro W3"/>
-                <a:ea typeface="ヒラギノ角ゴ Pro W3"/>
-                <a:cs typeface="ヒラギノ角ゴ Pro W3"/>
-              </a:rPr>
-              <a:t>。</a:t>
+              <a:t>）を改善することのバランスをうまくとらなくてはならない。</a:t>
             </a:r>
             <a:endParaRPr lang="en-US" sz="1200" dirty="0">
               <a:latin typeface="ヒラギノ角ゴ Pro W3"/>
@@ -3850,7 +3793,7 @@
         <p:spPr>
           <a:xfrm>
             <a:off x="4305299" y="1306537"/>
-            <a:ext cx="2374901" cy="8402296"/>
+            <a:ext cx="2374901" cy="8540795"/>
           </a:xfrm>
           <a:prstGeom prst="rect">
             <a:avLst/>
@@ -3868,7 +3811,85 @@
                 <a:ea typeface="ヒラギノ角ゴ Pro W3"/>
                 <a:cs typeface="ヒラギノ角ゴ Pro W3"/>
               </a:rPr>
-              <a:t>そのためには、現在の仕事の仕方</a:t>
+              <a:t>そのためには、現在の仕事の仕方と、採用しようとする新しいアイディアのギャップを橋渡しする効果的な思考フレームワーク（</a:t>
+            </a:r>
+            <a:r>
+              <a:rPr lang="en-US" altLang="ja-JP" sz="900" dirty="0" smtClean="0">
+                <a:latin typeface="ヒラギノ角ゴ Pro W3"/>
+                <a:ea typeface="ヒラギノ角ゴ Pro W3"/>
+                <a:cs typeface="ヒラギノ角ゴ Pro W3"/>
+              </a:rPr>
+              <a:t>thinking framework</a:t>
+            </a:r>
+            <a:r>
+              <a:rPr lang="ja-JP" altLang="en-US" sz="900" dirty="0">
+                <a:latin typeface="ヒラギノ角ゴ Pro W3"/>
+                <a:ea typeface="ヒラギノ角ゴ Pro W3"/>
+                <a:cs typeface="ヒラギノ角ゴ Pro W3"/>
+              </a:rPr>
+              <a:t>）が必要である。この記事は、そのような思考フレームワークを「アクショナブル</a:t>
+            </a:r>
+            <a:r>
+              <a:rPr lang="ja-JP" altLang="en-US" sz="900" dirty="0" smtClean="0">
+                <a:latin typeface="ヒラギノ角ゴ Pro W3"/>
+                <a:ea typeface="ヒラギノ角ゴ Pro W3"/>
+                <a:cs typeface="ヒラギノ角ゴ Pro W3"/>
+              </a:rPr>
+              <a:t>・</a:t>
+            </a:r>
+            <a:r>
+              <a:rPr lang="en-US" altLang="en-US" sz="900" dirty="0" smtClean="0">
+                <a:latin typeface="ヒラギノ角ゴ Pro W3"/>
+                <a:ea typeface="ヒラギノ角ゴ Pro W3"/>
+                <a:cs typeface="ヒラギノ角ゴ Pro W3"/>
+              </a:rPr>
+              <a:t>カーネル</a:t>
+            </a:r>
+            <a:r>
+              <a:rPr lang="ja-JP" altLang="en-US" sz="900" dirty="0" smtClean="0">
+                <a:latin typeface="ヒラギノ角ゴ Pro W3"/>
+                <a:ea typeface="ヒラギノ角ゴ Pro W3"/>
+                <a:cs typeface="ヒラギノ角ゴ Pro W3"/>
+              </a:rPr>
+              <a:t>（</a:t>
+            </a:r>
+            <a:r>
+              <a:rPr lang="en-US" altLang="ja-JP" sz="900" dirty="0" smtClean="0">
+                <a:latin typeface="ヒラギノ角ゴ Pro W3"/>
+                <a:ea typeface="ヒラギノ角ゴ Pro W3"/>
+                <a:cs typeface="ヒラギノ角ゴ Pro W3"/>
+              </a:rPr>
+              <a:t>actionable kernel</a:t>
+            </a:r>
+            <a:r>
+              <a:rPr lang="ja-JP" altLang="en-US" sz="900" dirty="0">
+                <a:latin typeface="ヒラギノ角ゴ Pro W3"/>
+                <a:ea typeface="ヒラギノ角ゴ Pro W3"/>
+                <a:cs typeface="ヒラギノ角ゴ Pro W3"/>
+              </a:rPr>
+              <a:t>）」の形で提示することで、様々なリスクのバランスをとり、仕事の仕方を改善しようとするチームを支援する。</a:t>
+            </a:r>
+            <a:endParaRPr lang="en-US" altLang="ja-JP" sz="900" dirty="0" smtClean="0">
+              <a:latin typeface="ヒラギノ角ゴ Pro W3"/>
+              <a:ea typeface="ヒラギノ角ゴ Pro W3"/>
+              <a:cs typeface="ヒラギノ角ゴ Pro W3"/>
+            </a:endParaRPr>
+          </a:p>
+          <a:p>
+            <a:endParaRPr lang="en-US" altLang="ja-JP" sz="900" dirty="0" smtClean="0">
+              <a:latin typeface="ヒラギノ角ゴ Pro W3"/>
+              <a:ea typeface="ヒラギノ角ゴ Pro W3"/>
+              <a:cs typeface="ヒラギノ角ゴ Pro W3"/>
+            </a:endParaRPr>
+          </a:p>
+          <a:p>
+            <a:r>
+              <a:rPr lang="ja-JP" altLang="en-US" sz="900" dirty="0">
+                <a:latin typeface="ヒラギノ角ゴ Pro W3"/>
+                <a:ea typeface="ヒラギノ角ゴ Pro W3"/>
+                <a:cs typeface="ヒラギノ角ゴ Pro W3"/>
+              </a:rPr>
+              <a:t>このカーネルの構築、すなわち「ソフトウェア工学のエッセンス（</a:t>
             </a:r>
             <a:r>
               <a:rPr lang="en-US" altLang="ja-JP" sz="900" dirty="0">
@@ -3876,33 +3897,23 @@
                 <a:ea typeface="ヒラギノ角ゴ Pro W3"/>
                 <a:cs typeface="ヒラギノ角ゴ Pro W3"/>
               </a:rPr>
-              <a:t>(way of</a:t>
-            </a:r>
-          </a:p>
-          <a:p>
+              <a:t>the essence of software engineering</a:t>
+            </a:r>
+            <a:r>
+              <a:rPr lang="ja-JP" altLang="en-US" sz="900" dirty="0">
+                <a:latin typeface="ヒラギノ角ゴ Pro W3"/>
+                <a:ea typeface="ヒラギノ角ゴ Pro W3"/>
+                <a:cs typeface="ヒラギノ角ゴ Pro W3"/>
+              </a:rPr>
+              <a:t>）」は、「ソフトウェア工学の方法論と理論（</a:t>
+            </a:r>
             <a:r>
               <a:rPr lang="en-US" altLang="ja-JP" sz="900" dirty="0">
                 <a:latin typeface="ヒラギノ角ゴ Pro W3"/>
                 <a:ea typeface="ヒラギノ角ゴ Pro W3"/>
                 <a:cs typeface="ヒラギノ角ゴ Pro W3"/>
               </a:rPr>
-              <a:t>working)</a:t>
-            </a:r>
-            <a:r>
-              <a:rPr lang="ja-JP" altLang="en-US" sz="900" dirty="0">
-                <a:latin typeface="ヒラギノ角ゴ Pro W3"/>
-                <a:ea typeface="ヒラギノ角ゴ Pro W3"/>
-                <a:cs typeface="ヒラギノ角ゴ Pro W3"/>
-              </a:rPr>
-              <a:t>と採用しようとする新しいアイディアのギャップを橋渡しする、効果的な思考</a:t>
-            </a:r>
-            <a:r>
-              <a:rPr lang="ja-JP" altLang="en-US" sz="900" dirty="0" smtClean="0">
-                <a:latin typeface="ヒラギノ角ゴ Pro W3"/>
-                <a:ea typeface="ヒラギノ角ゴ Pro W3"/>
-                <a:cs typeface="ヒラギノ角ゴ Pro W3"/>
-              </a:rPr>
-              <a:t>フレームワーク</a:t>
+              <a:t>Software Engineering Methods and Theory</a:t>
             </a:r>
             <a:r>
               <a:rPr lang="en-US" altLang="ja-JP" sz="900" dirty="0" smtClean="0">
@@ -3910,31 +3921,23 @@
                 <a:ea typeface="ヒラギノ角ゴ Pro W3"/>
                 <a:cs typeface="ヒラギノ角ゴ Pro W3"/>
               </a:rPr>
-              <a:t> ( thinking framework) </a:t>
-            </a:r>
-            <a:r>
-              <a:rPr lang="ja-JP" altLang="en-US" sz="900" dirty="0" smtClean="0">
-                <a:latin typeface="ヒラギノ角ゴ Pro W3"/>
-                <a:ea typeface="ヒラギノ角ゴ Pro W3"/>
-                <a:cs typeface="ヒラギノ角ゴ Pro W3"/>
-              </a:rPr>
-              <a:t>が</a:t>
-            </a:r>
-            <a:r>
-              <a:rPr lang="ja-JP" altLang="en-US" sz="900" dirty="0">
-                <a:latin typeface="ヒラギノ角ゴ Pro W3"/>
-                <a:ea typeface="ヒラギノ角ゴ Pro W3"/>
-                <a:cs typeface="ヒラギノ角ゴ Pro W3"/>
-              </a:rPr>
-              <a:t>必要だ。この記事は、そのような思考フレームワークを「アクション可能な</a:t>
-            </a:r>
-            <a:r>
-              <a:rPr lang="ja-JP" altLang="en-US" sz="900" dirty="0" smtClean="0">
-                <a:latin typeface="ヒラギノ角ゴ Pro W3"/>
-                <a:ea typeface="ヒラギノ角ゴ Pro W3"/>
-                <a:cs typeface="ヒラギノ角ゴ Pro W3"/>
-              </a:rPr>
-              <a:t>カーネル</a:t>
+              <a:t>; SEMAT</a:t>
+            </a:r>
+            <a:r>
+              <a:rPr lang="ja-JP" altLang="en-US" sz="900" dirty="0">
+                <a:latin typeface="ヒラギノ角ゴ Pro W3"/>
+                <a:ea typeface="ヒラギノ角ゴ Pro W3"/>
+                <a:cs typeface="ヒラギノ角ゴ Pro W3"/>
+              </a:rPr>
+              <a:t>）」の行動宣言（</a:t>
+            </a:r>
+            <a:r>
+              <a:rPr lang="en-US" altLang="ja-JP" sz="900" dirty="0">
+                <a:latin typeface="ヒラギノ角ゴ Pro W3"/>
+                <a:ea typeface="ヒラギノ角ゴ Pro W3"/>
+                <a:cs typeface="ヒラギノ角ゴ Pro W3"/>
+              </a:rPr>
+              <a:t>call </a:t>
             </a:r>
             <a:r>
               <a:rPr lang="en-US" altLang="ja-JP" sz="900" dirty="0" smtClean="0">
@@ -3942,7 +3945,125 @@
                 <a:ea typeface="ヒラギノ角ゴ Pro W3"/>
                 <a:cs typeface="ヒラギノ角ゴ Pro W3"/>
               </a:rPr>
-              <a:t> ( actionable</a:t>
+              <a:t>for action</a:t>
+            </a:r>
+            <a:r>
+              <a:rPr lang="ja-JP" altLang="en-US" sz="900" dirty="0">
+                <a:latin typeface="ヒラギノ角ゴ Pro W3"/>
+                <a:ea typeface="ヒラギノ角ゴ Pro W3"/>
+                <a:cs typeface="ヒラギノ角ゴ Pro W3"/>
+              </a:rPr>
+              <a:t>）（図</a:t>
+            </a:r>
+            <a:r>
+              <a:rPr lang="en-US" altLang="ja-JP" sz="900" dirty="0">
+                <a:latin typeface="ヒラギノ角ゴ Pro W3"/>
+                <a:ea typeface="ヒラギノ角ゴ Pro W3"/>
+                <a:cs typeface="ヒラギノ角ゴ Pro W3"/>
+              </a:rPr>
+              <a:t>1</a:t>
+            </a:r>
+            <a:r>
+              <a:rPr lang="ja-JP" altLang="en-US" sz="900" dirty="0">
+                <a:latin typeface="ヒラギノ角ゴ Pro W3"/>
+                <a:ea typeface="ヒラギノ角ゴ Pro W3"/>
+                <a:cs typeface="ヒラギノ角ゴ Pro W3"/>
+              </a:rPr>
+              <a:t>）に触発されたものであり、それに対する直接の回答でもある。そして、ソフトウェア工学の再定義に向けた小さな一歩でもある</a:t>
+            </a:r>
+            <a:r>
+              <a:rPr lang="ja-JP" altLang="en-US" sz="900" dirty="0" smtClean="0">
+                <a:latin typeface="ヒラギノ角ゴ Pro W3"/>
+                <a:ea typeface="ヒラギノ角ゴ Pro W3"/>
+                <a:cs typeface="ヒラギノ角ゴ Pro W3"/>
+              </a:rPr>
+              <a:t>。</a:t>
+            </a:r>
+            <a:endParaRPr lang="en-US" altLang="ja-JP" sz="900" dirty="0" smtClean="0">
+              <a:latin typeface="ヒラギノ角ゴ Pro W3"/>
+              <a:ea typeface="ヒラギノ角ゴ Pro W3"/>
+              <a:cs typeface="ヒラギノ角ゴ Pro W3"/>
+            </a:endParaRPr>
+          </a:p>
+          <a:p>
+            <a:endParaRPr lang="en-US" sz="900" dirty="0" smtClean="0">
+              <a:latin typeface="ヒラギノ角ゴ Pro W3"/>
+              <a:ea typeface="ヒラギノ角ゴ Pro W3"/>
+              <a:cs typeface="ヒラギノ角ゴ Pro W3"/>
+            </a:endParaRPr>
+          </a:p>
+          <a:p>
+            <a:r>
+              <a:rPr lang="en-US" altLang="ja-JP" sz="900" dirty="0">
+                <a:latin typeface="ヒラギノ角ゴ Pro W3"/>
+                <a:ea typeface="ヒラギノ角ゴ Pro W3"/>
+                <a:cs typeface="ヒラギノ角ゴ Pro W3"/>
+              </a:rPr>
+              <a:t>SEMAT</a:t>
+            </a:r>
+            <a:r>
+              <a:rPr lang="ja-JP" altLang="en-US" sz="900" dirty="0">
+                <a:latin typeface="ヒラギノ角ゴ Pro W3"/>
+                <a:ea typeface="ヒラギノ角ゴ Pro W3"/>
+                <a:cs typeface="ヒラギノ角ゴ Pro W3"/>
+              </a:rPr>
+              <a:t>は</a:t>
+            </a:r>
+            <a:r>
+              <a:rPr lang="en-US" altLang="ja-JP" sz="900" dirty="0">
+                <a:latin typeface="ヒラギノ角ゴ Pro W3"/>
+                <a:ea typeface="ヒラギノ角ゴ Pro W3"/>
+                <a:cs typeface="ヒラギノ角ゴ Pro W3"/>
+              </a:rPr>
+              <a:t>2009</a:t>
+            </a:r>
+            <a:r>
+              <a:rPr lang="ja-JP" altLang="en-US" sz="900" dirty="0">
+                <a:latin typeface="ヒラギノ角ゴ Pro W3"/>
+                <a:ea typeface="ヒラギノ角ゴ Pro W3"/>
+                <a:cs typeface="ヒラギノ角ゴ Pro W3"/>
+              </a:rPr>
+              <a:t>年</a:t>
+            </a:r>
+            <a:r>
+              <a:rPr lang="en-US" altLang="ja-JP" sz="900" dirty="0">
+                <a:latin typeface="ヒラギノ角ゴ Pro W3"/>
+                <a:ea typeface="ヒラギノ角ゴ Pro W3"/>
+                <a:cs typeface="ヒラギノ角ゴ Pro W3"/>
+              </a:rPr>
+              <a:t>9</a:t>
+            </a:r>
+            <a:r>
+              <a:rPr lang="ja-JP" altLang="en-US" sz="900" dirty="0">
+                <a:latin typeface="ヒラギノ角ゴ Pro W3"/>
+                <a:ea typeface="ヒラギノ角ゴ Pro W3"/>
+                <a:cs typeface="ヒラギノ角ゴ Pro W3"/>
+              </a:rPr>
+              <a:t>月に、人々のソフトウェア開発手法への関わり方を抜本的に変更する時期に来ていると感じた</a:t>
+            </a:r>
+            <a:r>
+              <a:rPr lang="en-US" altLang="ja-JP" sz="900" dirty="0">
+                <a:latin typeface="ヒラギノ角ゴ Pro W3"/>
+                <a:ea typeface="ヒラギノ角ゴ Pro W3"/>
+                <a:cs typeface="ヒラギノ角ゴ Pro W3"/>
+              </a:rPr>
+              <a:t>3</a:t>
+            </a:r>
+            <a:r>
+              <a:rPr lang="ja-JP" altLang="en-US" sz="900" dirty="0">
+                <a:latin typeface="ヒラギノ角ゴ Pro W3"/>
+                <a:ea typeface="ヒラギノ角ゴ Pro W3"/>
+                <a:cs typeface="ヒラギノ角ゴ Pro W3"/>
+              </a:rPr>
+              <a:t>人、</a:t>
+            </a:r>
+            <a:r>
+              <a:rPr lang="en-US" altLang="ja-JP" sz="900" dirty="0" err="1">
+                <a:latin typeface="ヒラギノ角ゴ Pro W3"/>
+                <a:ea typeface="ヒラギノ角ゴ Pro W3"/>
+                <a:cs typeface="ヒラギノ角ゴ Pro W3"/>
+              </a:rPr>
+              <a:t>Ivar</a:t>
             </a:r>
             <a:endParaRPr lang="en-US" altLang="ja-JP" sz="900" dirty="0">
               <a:latin typeface="ヒラギノ角ゴ Pro W3"/>
@@ -3957,15 +4078,71 @@
                 <a:ea typeface="ヒラギノ角ゴ Pro W3"/>
                 <a:cs typeface="ヒラギノ角ゴ Pro W3"/>
               </a:rPr>
-              <a:t>kernel)</a:t>
-            </a:r>
-            <a:r>
-              <a:rPr lang="ja-JP" altLang="en-US" sz="900" dirty="0">
-                <a:latin typeface="ヒラギノ角ゴ Pro W3"/>
-                <a:ea typeface="ヒラギノ角ゴ Pro W3"/>
-                <a:cs typeface="ヒラギノ角ゴ Pro W3"/>
-              </a:rPr>
-              <a:t>」の形で提示することで、リスクと仕事の仕方の改善のバランスさせようとしているチームを支援したい</a:t>
+              <a:t>Jacobson</a:t>
+            </a:r>
+            <a:r>
+              <a:rPr lang="ja-JP" altLang="en-US" sz="900" dirty="0">
+                <a:latin typeface="ヒラギノ角ゴ Pro W3"/>
+                <a:ea typeface="ヒラギノ角ゴ Pro W3"/>
+                <a:cs typeface="ヒラギノ角ゴ Pro W3"/>
+              </a:rPr>
+              <a:t>、</a:t>
+            </a:r>
+            <a:r>
+              <a:rPr lang="en-US" altLang="ja-JP" sz="900" dirty="0">
+                <a:latin typeface="ヒラギノ角ゴ Pro W3"/>
+                <a:ea typeface="ヒラギノ角ゴ Pro W3"/>
+                <a:cs typeface="ヒラギノ角ゴ Pro W3"/>
+              </a:rPr>
+              <a:t>Bertrand Meyer</a:t>
+            </a:r>
+            <a:r>
+              <a:rPr lang="ja-JP" altLang="en-US" sz="900" dirty="0">
+                <a:latin typeface="ヒラギノ角ゴ Pro W3"/>
+                <a:ea typeface="ヒラギノ角ゴ Pro W3"/>
+                <a:cs typeface="ヒラギノ角ゴ Pro W3"/>
+              </a:rPr>
+              <a:t>、</a:t>
+            </a:r>
+            <a:r>
+              <a:rPr lang="en-US" altLang="ja-JP" sz="900" dirty="0">
+                <a:latin typeface="ヒラギノ角ゴ Pro W3"/>
+                <a:ea typeface="ヒラギノ角ゴ Pro W3"/>
+                <a:cs typeface="ヒラギノ角ゴ Pro W3"/>
+              </a:rPr>
+              <a:t>Richard </a:t>
+            </a:r>
+            <a:r>
+              <a:rPr lang="en-US" altLang="ja-JP" sz="900" dirty="0" err="1">
+                <a:latin typeface="ヒラギノ角ゴ Pro W3"/>
+                <a:ea typeface="ヒラギノ角ゴ Pro W3"/>
+                <a:cs typeface="ヒラギノ角ゴ Pro W3"/>
+              </a:rPr>
+              <a:t>Soley</a:t>
+            </a:r>
+            <a:r>
+              <a:rPr lang="ja-JP" altLang="en-US" sz="900" dirty="0">
+                <a:latin typeface="ヒラギノ角ゴ Pro W3"/>
+                <a:ea typeface="ヒラギノ角ゴ Pro W3"/>
+                <a:cs typeface="ヒラギノ角ゴ Pro W3"/>
+              </a:rPr>
+              <a:t>によって創設された </a:t>
+            </a:r>
+            <a:r>
+              <a:rPr lang="en-US" altLang="ja-JP" sz="900" dirty="0">
+                <a:latin typeface="ヒラギノ角ゴ Pro W3"/>
+                <a:ea typeface="ヒラギノ角ゴ Pro W3"/>
+                <a:cs typeface="ヒラギノ角ゴ Pro W3"/>
+              </a:rPr>
+              <a:t>[3,4,8] </a:t>
+            </a:r>
+            <a:r>
+              <a:rPr lang="ja-JP" altLang="en-US" sz="900" dirty="0">
+                <a:latin typeface="ヒラギノ角ゴ Pro W3"/>
+                <a:ea typeface="ヒラギノ角ゴ Pro W3"/>
+                <a:cs typeface="ヒラギノ角ゴ Pro W3"/>
+              </a:rPr>
+              <a:t>。彼らは 行動宣言を書き、いくつかの致命的な問題を特定し、なぜ行動が必要かを説明し、そして何が必要なのかを示唆した。その行動宣言を以下に示す</a:t>
             </a:r>
             <a:r>
               <a:rPr lang="ja-JP" altLang="en-US" sz="900" dirty="0" smtClean="0">
@@ -3982,6 +4159,190 @@
             </a:endParaRPr>
           </a:p>
           <a:p>
+            <a:endParaRPr lang="en-US" sz="900" dirty="0">
+              <a:latin typeface="ヒラギノ角ゴ Pro W3"/>
+              <a:ea typeface="ヒラギノ角ゴ Pro W3"/>
+              <a:cs typeface="ヒラギノ角ゴ Pro W3"/>
+            </a:endParaRPr>
+          </a:p>
+          <a:p>
+            <a:r>
+              <a:rPr lang="ja-JP" altLang="en-US" sz="900" dirty="0">
+                <a:latin typeface="ヒラギノ角ゴ Pro W3"/>
+                <a:ea typeface="ヒラギノ角ゴ Pro W3"/>
+                <a:cs typeface="ヒラギノ角ゴ Pro W3"/>
+              </a:rPr>
+              <a:t>現在のソフトウェア工学のいくつかの分野では、未成熟なプラクティス</a:t>
+            </a:r>
+            <a:r>
+              <a:rPr lang="en-US" altLang="ja-JP" sz="900" dirty="0">
+                <a:latin typeface="ヒラギノ角ゴ Pro W3"/>
+                <a:ea typeface="ヒラギノ角ゴ Pro W3"/>
+                <a:cs typeface="ヒラギノ角ゴ Pro W3"/>
+              </a:rPr>
+              <a:t>(immature practices)</a:t>
+            </a:r>
+            <a:r>
+              <a:rPr lang="ja-JP" altLang="en-US" sz="900" dirty="0">
+                <a:latin typeface="ヒラギノ角ゴ Pro W3"/>
+                <a:ea typeface="ヒラギノ角ゴ Pro W3"/>
+                <a:cs typeface="ヒラギノ角ゴ Pro W3"/>
+              </a:rPr>
+              <a:t>に苦しめられている。具体的には、以下の問題を含む。</a:t>
+            </a:r>
+          </a:p>
+          <a:p>
+            <a:endParaRPr lang="ja-JP" altLang="en-US" sz="900" dirty="0">
+              <a:latin typeface="ヒラギノ角ゴ Pro W3"/>
+              <a:ea typeface="ヒラギノ角ゴ Pro W3"/>
+              <a:cs typeface="ヒラギノ角ゴ Pro W3"/>
+            </a:endParaRPr>
+          </a:p>
+          <a:p>
+            <a:r>
+              <a:rPr lang="ja-JP" altLang="en-US" sz="900" dirty="0">
+                <a:latin typeface="ヒラギノ角ゴ Pro W3"/>
+                <a:ea typeface="ヒラギノ角ゴ Pro W3"/>
+                <a:cs typeface="ヒラギノ角ゴ Pro W3"/>
+              </a:rPr>
+              <a:t>* 言葉の流行が、工学の一分野というよりファッション業界のようである。</a:t>
+            </a:r>
+          </a:p>
+          <a:p>
+            <a:r>
+              <a:rPr lang="ja-JP" altLang="en-US" sz="900" dirty="0">
+                <a:latin typeface="ヒラギノ角ゴ Pro W3"/>
+                <a:ea typeface="ヒラギノ角ゴ Pro W3"/>
+                <a:cs typeface="ヒラギノ角ゴ Pro W3"/>
+              </a:rPr>
+              <a:t>* 堅固で広く受け入れられるような理論的基礎を欠いている。</a:t>
+            </a:r>
+          </a:p>
+          <a:p>
+            <a:r>
+              <a:rPr lang="ja-JP" altLang="en-US" sz="900" dirty="0">
+                <a:latin typeface="ヒラギノ角ゴ Pro W3"/>
+                <a:ea typeface="ヒラギノ角ゴ Pro W3"/>
+                <a:cs typeface="ヒラギノ角ゴ Pro W3"/>
+              </a:rPr>
+              <a:t>* 非常に多くの方法論</a:t>
+            </a:r>
+            <a:r>
+              <a:rPr lang="en-US" altLang="ja-JP" sz="900" dirty="0">
+                <a:latin typeface="ヒラギノ角ゴ Pro W3"/>
+                <a:ea typeface="ヒラギノ角ゴ Pro W3"/>
+                <a:cs typeface="ヒラギノ角ゴ Pro W3"/>
+              </a:rPr>
+              <a:t>(methods)</a:t>
+            </a:r>
+            <a:r>
+              <a:rPr lang="ja-JP" altLang="en-US" sz="900" dirty="0">
+                <a:latin typeface="ヒラギノ角ゴ Pro W3"/>
+                <a:ea typeface="ヒラギノ角ゴ Pro W3"/>
+                <a:cs typeface="ヒラギノ角ゴ Pro W3"/>
+              </a:rPr>
+              <a:t>とその派生であふれ、それらの違いはほとんど理解されず作為的に強調されている。</a:t>
+            </a:r>
+          </a:p>
+          <a:p>
+            <a:r>
+              <a:rPr lang="ja-JP" altLang="en-US" sz="900" dirty="0">
+                <a:latin typeface="ヒラギノ角ゴ Pro W3"/>
+                <a:ea typeface="ヒラギノ角ゴ Pro W3"/>
+                <a:cs typeface="ヒラギノ角ゴ Pro W3"/>
+              </a:rPr>
+              <a:t>* 信頼できる実験的評価</a:t>
+            </a:r>
+            <a:r>
+              <a:rPr lang="en-US" altLang="ja-JP" sz="900" dirty="0">
+                <a:latin typeface="ヒラギノ角ゴ Pro W3"/>
+                <a:ea typeface="ヒラギノ角ゴ Pro W3"/>
+                <a:cs typeface="ヒラギノ角ゴ Pro W3"/>
+              </a:rPr>
+              <a:t>(experimental evaluation)</a:t>
+            </a:r>
+            <a:r>
+              <a:rPr lang="ja-JP" altLang="en-US" sz="900" dirty="0">
+                <a:latin typeface="ヒラギノ角ゴ Pro W3"/>
+                <a:ea typeface="ヒラギノ角ゴ Pro W3"/>
+                <a:cs typeface="ヒラギノ角ゴ Pro W3"/>
+              </a:rPr>
+              <a:t>と妥当性確認</a:t>
+            </a:r>
+            <a:r>
+              <a:rPr lang="en-US" altLang="ja-JP" sz="900" dirty="0">
+                <a:latin typeface="ヒラギノ角ゴ Pro W3"/>
+                <a:ea typeface="ヒラギノ角ゴ Pro W3"/>
+                <a:cs typeface="ヒラギノ角ゴ Pro W3"/>
+              </a:rPr>
+              <a:t>(validation)</a:t>
+            </a:r>
+            <a:r>
+              <a:rPr lang="ja-JP" altLang="en-US" sz="900" dirty="0">
+                <a:latin typeface="ヒラギノ角ゴ Pro W3"/>
+                <a:ea typeface="ヒラギノ角ゴ Pro W3"/>
+                <a:cs typeface="ヒラギノ角ゴ Pro W3"/>
+              </a:rPr>
+              <a:t>を欠いている。</a:t>
+            </a:r>
+          </a:p>
+          <a:p>
+            <a:r>
+              <a:rPr lang="ja-JP" altLang="en-US" sz="900" dirty="0" smtClean="0">
+                <a:latin typeface="ヒラギノ角ゴ Pro W3"/>
+                <a:ea typeface="ヒラギノ角ゴ Pro W3"/>
+                <a:cs typeface="ヒラギノ角ゴ Pro W3"/>
+              </a:rPr>
+              <a:t>* 産</a:t>
+            </a:r>
+            <a:r>
+              <a:rPr lang="ja-JP" altLang="en-US" sz="900" dirty="0">
+                <a:latin typeface="ヒラギノ角ゴ Pro W3"/>
+                <a:ea typeface="ヒラギノ角ゴ Pro W3"/>
+                <a:cs typeface="ヒラギノ角ゴ Pro W3"/>
+              </a:rPr>
+              <a:t>業界の実践</a:t>
+            </a:r>
+            <a:r>
+              <a:rPr lang="en-US" altLang="ja-JP" sz="900" dirty="0">
+                <a:latin typeface="ヒラギノ角ゴ Pro W3"/>
+                <a:ea typeface="ヒラギノ角ゴ Pro W3"/>
+                <a:cs typeface="ヒラギノ角ゴ Pro W3"/>
+              </a:rPr>
+              <a:t>(industry practice)</a:t>
+            </a:r>
+            <a:r>
+              <a:rPr lang="ja-JP" altLang="en-US" sz="900" dirty="0">
+                <a:latin typeface="ヒラギノ角ゴ Pro W3"/>
+                <a:ea typeface="ヒラギノ角ゴ Pro W3"/>
+                <a:cs typeface="ヒラギノ角ゴ Pro W3"/>
+              </a:rPr>
+              <a:t>と学界の研究</a:t>
+            </a:r>
+            <a:r>
+              <a:rPr lang="en-US" altLang="ja-JP" sz="900" dirty="0">
+                <a:latin typeface="ヒラギノ角ゴ Pro W3"/>
+                <a:ea typeface="ヒラギノ角ゴ Pro W3"/>
+                <a:cs typeface="ヒラギノ角ゴ Pro W3"/>
+              </a:rPr>
+              <a:t>(academic research)</a:t>
+            </a:r>
+            <a:r>
+              <a:rPr lang="ja-JP" altLang="en-US" sz="900" dirty="0">
+                <a:latin typeface="ヒラギノ角ゴ Pro W3"/>
+                <a:ea typeface="ヒラギノ角ゴ Pro W3"/>
+                <a:cs typeface="ヒラギノ角ゴ Pro W3"/>
+              </a:rPr>
+              <a:t>の乖離</a:t>
+            </a:r>
+            <a:r>
+              <a:rPr lang="ja-JP" altLang="en-US" sz="900" dirty="0" smtClean="0">
+                <a:latin typeface="ヒラギノ角ゴ Pro W3"/>
+                <a:ea typeface="ヒラギノ角ゴ Pro W3"/>
+                <a:cs typeface="ヒラギノ角ゴ Pro W3"/>
+              </a:rPr>
+              <a:t>。</a:t>
+            </a:r>
             <a:endParaRPr lang="en-US" altLang="ja-JP" sz="900" dirty="0" smtClean="0">
               <a:latin typeface="ヒラギノ角ゴ Pro W3"/>
               <a:ea typeface="ヒラギノ角ゴ Pro W3"/>
@@ -3989,92 +4350,6 @@
             </a:endParaRPr>
           </a:p>
           <a:p>
-            <a:r>
-              <a:rPr lang="ja-JP" altLang="en-US" sz="900" dirty="0" smtClean="0">
-                <a:latin typeface="ヒラギノ角ゴ Pro W3"/>
-                <a:ea typeface="ヒラギノ角ゴ Pro W3"/>
-                <a:cs typeface="ヒラギノ角ゴ Pro W3"/>
-              </a:rPr>
-              <a:t>この</a:t>
-            </a:r>
-            <a:r>
-              <a:rPr lang="ja-JP" altLang="en-US" sz="900" dirty="0">
-                <a:latin typeface="ヒラギノ角ゴ Pro W3"/>
-                <a:ea typeface="ヒラギノ角ゴ Pro W3"/>
-                <a:cs typeface="ヒラギノ角ゴ Pro W3"/>
-              </a:rPr>
-              <a:t>カーネルの構築、すなわち「ソフトウェア工学のエッセンス</a:t>
-            </a:r>
-            <a:r>
-              <a:rPr lang="en-US" altLang="ja-JP" sz="900" dirty="0">
-                <a:latin typeface="ヒラギノ角ゴ Pro W3"/>
-                <a:ea typeface="ヒラギノ角ゴ Pro W3"/>
-                <a:cs typeface="ヒラギノ角ゴ Pro W3"/>
-              </a:rPr>
-              <a:t>(the essence of </a:t>
-            </a:r>
-            <a:r>
-              <a:rPr lang="en-US" altLang="ja-JP" sz="900" dirty="0" smtClean="0">
-                <a:latin typeface="ヒラギノ角ゴ Pro W3"/>
-                <a:ea typeface="ヒラギノ角ゴ Pro W3"/>
-                <a:cs typeface="ヒラギノ角ゴ Pro W3"/>
-              </a:rPr>
-              <a:t>software engineering)</a:t>
-            </a:r>
-            <a:r>
-              <a:rPr lang="ja-JP" altLang="en-US" sz="900" dirty="0">
-                <a:latin typeface="ヒラギノ角ゴ Pro W3"/>
-                <a:ea typeface="ヒラギノ角ゴ Pro W3"/>
-                <a:cs typeface="ヒラギノ角ゴ Pro W3"/>
-              </a:rPr>
-              <a:t>」は、「ソフトウェア工学の方法論と理論</a:t>
-            </a:r>
-            <a:r>
-              <a:rPr lang="en-US" altLang="ja-JP" sz="900" dirty="0">
-                <a:latin typeface="ヒラギノ角ゴ Pro W3"/>
-                <a:ea typeface="ヒラギノ角ゴ Pro W3"/>
-                <a:cs typeface="ヒラギノ角ゴ Pro W3"/>
-              </a:rPr>
-              <a:t>(Software Engineering Methods and Theory</a:t>
-            </a:r>
-          </a:p>
-          <a:p>
-            <a:r>
-              <a:rPr lang="en-US" altLang="ja-JP" sz="900" dirty="0">
-                <a:latin typeface="ヒラギノ角ゴ Pro W3"/>
-                <a:ea typeface="ヒラギノ角ゴ Pro W3"/>
-                <a:cs typeface="ヒラギノ角ゴ Pro W3"/>
-              </a:rPr>
-              <a:t>(SEMAT) call for action (</a:t>
-            </a:r>
-            <a:r>
-              <a:rPr lang="ja-JP" altLang="en-US" sz="900" dirty="0">
-                <a:latin typeface="ヒラギノ角ゴ Pro W3"/>
-                <a:ea typeface="ヒラギノ角ゴ Pro W3"/>
-                <a:cs typeface="ヒラギノ角ゴ Pro W3"/>
-              </a:rPr>
-              <a:t>図</a:t>
-            </a:r>
-          </a:p>
-          <a:p>
-            <a:r>
-              <a:rPr lang="en-US" altLang="ja-JP" sz="900" dirty="0">
-                <a:latin typeface="ヒラギノ角ゴ Pro W3"/>
-                <a:ea typeface="ヒラギノ角ゴ Pro W3"/>
-                <a:cs typeface="ヒラギノ角ゴ Pro W3"/>
-              </a:rPr>
-              <a:t>1))</a:t>
-            </a:r>
-            <a:r>
-              <a:rPr lang="ja-JP" altLang="en-US" sz="900" dirty="0">
-                <a:latin typeface="ヒラギノ角ゴ Pro W3"/>
-                <a:ea typeface="ヒラギノ角ゴ Pro W3"/>
-                <a:cs typeface="ヒラギノ角ゴ Pro W3"/>
-              </a:rPr>
-              <a:t>」にインスパイアされたものであり、それに対する直接の回答でもある。そして、ソフトウェア工学の再定義に向けた小さな一歩でもあるのだ。</a:t>
-            </a:r>
-          </a:p>
-          <a:p>
             <a:endParaRPr lang="en-US" sz="900" dirty="0" smtClean="0">
               <a:latin typeface="ヒラギノ角ゴ Pro W3"/>
               <a:ea typeface="ヒラギノ角ゴ Pro W3"/>
@@ -4083,11 +4358,67 @@
           </a:p>
           <a:p>
             <a:r>
+              <a:rPr lang="ja-JP" altLang="en-US" sz="900" dirty="0">
+                <a:latin typeface="ヒラギノ角ゴ Pro W3"/>
+                <a:ea typeface="ヒラギノ角ゴ Pro W3"/>
+                <a:cs typeface="ヒラギノ角ゴ Pro W3"/>
+              </a:rPr>
+              <a:t>このように行動宣言は、ソフトウェア産業が流行とファッションに陥りやすいという前提を置いており、ある人々には「新しいアイディアへの抵抗」と映ったようである。しかし、それは真実からかけ離れている。この記事および間もなく刊行される書籍（</a:t>
+            </a:r>
+            <a:r>
               <a:rPr lang="en-US" altLang="ja-JP" sz="900" dirty="0">
                 <a:latin typeface="ヒラギノ角ゴ Pro W3"/>
                 <a:ea typeface="ヒラギノ角ゴ Pro W3"/>
                 <a:cs typeface="ヒラギノ角ゴ Pro W3"/>
               </a:rPr>
+              <a:t>The Essence of </a:t>
+            </a:r>
+            <a:r>
+              <a:rPr lang="en-US" altLang="ja-JP" sz="900" dirty="0" smtClean="0">
+                <a:latin typeface="ヒラギノ角ゴ Pro W3"/>
+                <a:ea typeface="ヒラギノ角ゴ Pro W3"/>
+                <a:cs typeface="ヒラギノ角ゴ Pro W3"/>
+              </a:rPr>
+              <a:t>Software Engineering — Applying </a:t>
+            </a:r>
+            <a:r>
+              <a:rPr lang="en-US" altLang="ja-JP" sz="900" dirty="0">
+                <a:latin typeface="ヒラギノ角ゴ Pro W3"/>
+                <a:ea typeface="ヒラギノ角ゴ Pro W3"/>
+                <a:cs typeface="ヒラギノ角ゴ Pro W3"/>
+              </a:rPr>
+              <a:t>the SEMAT Kernel</a:t>
+            </a:r>
+            <a:r>
+              <a:rPr lang="ja-JP" altLang="en-US" sz="900" dirty="0">
+                <a:latin typeface="ヒラギノ角ゴ Pro W3"/>
+                <a:ea typeface="ヒラギノ角ゴ Pro W3"/>
+                <a:cs typeface="ヒラギノ角ゴ Pro W3"/>
+              </a:rPr>
+              <a:t>）</a:t>
+            </a:r>
+            <a:r>
+              <a:rPr lang="en-US" altLang="ja-JP" sz="900" dirty="0">
+                <a:latin typeface="ヒラギノ角ゴ Pro W3"/>
+                <a:ea typeface="ヒラギノ角ゴ Pro W3"/>
+                <a:cs typeface="ヒラギノ角ゴ Pro W3"/>
+              </a:rPr>
+              <a:t>[6]</a:t>
+            </a:r>
+            <a:r>
+              <a:rPr lang="ja-JP" altLang="en-US" sz="900" dirty="0">
+                <a:latin typeface="ヒラギノ角ゴ Pro W3"/>
+                <a:ea typeface="ヒラギノ角ゴ Pro W3"/>
+                <a:cs typeface="ヒラギノ角ゴ Pro W3"/>
+              </a:rPr>
+              <a:t>で見てとれるように、</a:t>
+            </a:r>
+            <a:r>
+              <a:rPr lang="en-US" altLang="ja-JP" sz="900" dirty="0">
+                <a:latin typeface="ヒラギノ角ゴ Pro W3"/>
+                <a:ea typeface="ヒラギノ角ゴ Pro W3"/>
+                <a:cs typeface="ヒラギノ角ゴ Pro W3"/>
+              </a:rPr>
               <a:t>SEMAT</a:t>
             </a:r>
             <a:r>
@@ -4096,505 +4427,7 @@
                 <a:ea typeface="ヒラギノ角ゴ Pro W3"/>
                 <a:cs typeface="ヒラギノ角ゴ Pro W3"/>
               </a:rPr>
-              <a:t>は、</a:t>
-            </a:r>
-            <a:r>
-              <a:rPr lang="en-US" altLang="ja-JP" sz="900" dirty="0">
-                <a:latin typeface="ヒラギノ角ゴ Pro W3"/>
-                <a:ea typeface="ヒラギノ角ゴ Pro W3"/>
-                <a:cs typeface="ヒラギノ角ゴ Pro W3"/>
-              </a:rPr>
-              <a:t>2009</a:t>
-            </a:r>
-            <a:r>
-              <a:rPr lang="ja-JP" altLang="en-US" sz="900" dirty="0">
-                <a:latin typeface="ヒラギノ角ゴ Pro W3"/>
-                <a:ea typeface="ヒラギノ角ゴ Pro W3"/>
-                <a:cs typeface="ヒラギノ角ゴ Pro W3"/>
-              </a:rPr>
-              <a:t>年</a:t>
-            </a:r>
-            <a:r>
-              <a:rPr lang="en-US" altLang="ja-JP" sz="900" dirty="0">
-                <a:latin typeface="ヒラギノ角ゴ Pro W3"/>
-                <a:ea typeface="ヒラギノ角ゴ Pro W3"/>
-                <a:cs typeface="ヒラギノ角ゴ Pro W3"/>
-              </a:rPr>
-              <a:t>9</a:t>
-            </a:r>
-            <a:r>
-              <a:rPr lang="ja-JP" altLang="en-US" sz="900" dirty="0">
-                <a:latin typeface="ヒラギノ角ゴ Pro W3"/>
-                <a:ea typeface="ヒラギノ角ゴ Pro W3"/>
-                <a:cs typeface="ヒラギノ角ゴ Pro W3"/>
-              </a:rPr>
-              <a:t>月、人々のソフトウェア開発手法への関わり方を抜本的に変更する時期に来ていると感じた</a:t>
-            </a:r>
-            <a:r>
-              <a:rPr lang="en-US" altLang="ja-JP" sz="900" dirty="0">
-                <a:latin typeface="ヒラギノ角ゴ Pro W3"/>
-                <a:ea typeface="ヒラギノ角ゴ Pro W3"/>
-                <a:cs typeface="ヒラギノ角ゴ Pro W3"/>
-              </a:rPr>
-              <a:t>3</a:t>
-            </a:r>
-            <a:r>
-              <a:rPr lang="ja-JP" altLang="en-US" sz="900" dirty="0">
-                <a:latin typeface="ヒラギノ角ゴ Pro W3"/>
-                <a:ea typeface="ヒラギノ角ゴ Pro W3"/>
-                <a:cs typeface="ヒラギノ角ゴ Pro W3"/>
-              </a:rPr>
-              <a:t>人、</a:t>
-            </a:r>
-            <a:r>
-              <a:rPr lang="en-US" altLang="ja-JP" sz="900" dirty="0" err="1">
-                <a:latin typeface="ヒラギノ角ゴ Pro W3"/>
-                <a:ea typeface="ヒラギノ角ゴ Pro W3"/>
-                <a:cs typeface="ヒラギノ角ゴ Pro W3"/>
-              </a:rPr>
-              <a:t>Ivar</a:t>
-            </a:r>
-            <a:endParaRPr lang="en-US" altLang="ja-JP" sz="900" dirty="0">
-              <a:latin typeface="ヒラギノ角ゴ Pro W3"/>
-              <a:ea typeface="ヒラギノ角ゴ Pro W3"/>
-              <a:cs typeface="ヒラギノ角ゴ Pro W3"/>
-            </a:endParaRPr>
-          </a:p>
-          <a:p>
-            <a:r>
-              <a:rPr lang="en-US" altLang="ja-JP" sz="900" dirty="0">
-                <a:latin typeface="ヒラギノ角ゴ Pro W3"/>
-                <a:ea typeface="ヒラギノ角ゴ Pro W3"/>
-                <a:cs typeface="ヒラギノ角ゴ Pro W3"/>
-              </a:rPr>
-              <a:t>Jacobson</a:t>
-            </a:r>
-            <a:r>
-              <a:rPr lang="ja-JP" altLang="en-US" sz="900" dirty="0">
-                <a:latin typeface="ヒラギノ角ゴ Pro W3"/>
-                <a:ea typeface="ヒラギノ角ゴ Pro W3"/>
-                <a:cs typeface="ヒラギノ角ゴ Pro W3"/>
-              </a:rPr>
-              <a:t>、</a:t>
-            </a:r>
-            <a:r>
-              <a:rPr lang="en-US" altLang="ja-JP" sz="900" dirty="0">
-                <a:latin typeface="ヒラギノ角ゴ Pro W3"/>
-                <a:ea typeface="ヒラギノ角ゴ Pro W3"/>
-                <a:cs typeface="ヒラギノ角ゴ Pro W3"/>
-              </a:rPr>
-              <a:t>Bertrand Meyer</a:t>
-            </a:r>
-            <a:r>
-              <a:rPr lang="ja-JP" altLang="en-US" sz="900" dirty="0">
-                <a:latin typeface="ヒラギノ角ゴ Pro W3"/>
-                <a:ea typeface="ヒラギノ角ゴ Pro W3"/>
-                <a:cs typeface="ヒラギノ角ゴ Pro W3"/>
-              </a:rPr>
-              <a:t>、</a:t>
-            </a:r>
-            <a:r>
-              <a:rPr lang="en-US" altLang="ja-JP" sz="900" dirty="0">
-                <a:latin typeface="ヒラギノ角ゴ Pro W3"/>
-                <a:ea typeface="ヒラギノ角ゴ Pro W3"/>
-                <a:cs typeface="ヒラギノ角ゴ Pro W3"/>
-              </a:rPr>
-              <a:t>Richard </a:t>
-            </a:r>
-            <a:r>
-              <a:rPr lang="en-US" altLang="ja-JP" sz="900" dirty="0" err="1">
-                <a:latin typeface="ヒラギノ角ゴ Pro W3"/>
-                <a:ea typeface="ヒラギノ角ゴ Pro W3"/>
-                <a:cs typeface="ヒラギノ角ゴ Pro W3"/>
-              </a:rPr>
-              <a:t>Soley</a:t>
-            </a:r>
-            <a:r>
-              <a:rPr lang="ja-JP" altLang="en-US" sz="900" dirty="0">
-                <a:latin typeface="ヒラギノ角ゴ Pro W3"/>
-                <a:ea typeface="ヒラギノ角ゴ Pro W3"/>
-                <a:cs typeface="ヒラギノ角ゴ Pro W3"/>
-              </a:rPr>
-              <a:t>によって創設された</a:t>
-            </a:r>
-            <a:r>
-              <a:rPr lang="en-US" altLang="ja-JP" sz="900" dirty="0">
-                <a:latin typeface="ヒラギノ角ゴ Pro W3"/>
-                <a:ea typeface="ヒラギノ角ゴ Pro W3"/>
-                <a:cs typeface="ヒラギノ角ゴ Pro W3"/>
-              </a:rPr>
-              <a:t>(3,4,8) </a:t>
-            </a:r>
-            <a:r>
-              <a:rPr lang="ja-JP" altLang="en-US" sz="900" dirty="0">
-                <a:latin typeface="ヒラギノ角ゴ Pro W3"/>
-                <a:ea typeface="ヒラギノ角ゴ Pro W3"/>
-                <a:cs typeface="ヒラギノ角ゴ Pro W3"/>
-              </a:rPr>
-              <a:t>。彼らは </a:t>
-            </a:r>
-            <a:r>
-              <a:rPr lang="en-US" altLang="ja-JP" sz="900" dirty="0">
-                <a:latin typeface="ヒラギノ角ゴ Pro W3"/>
-                <a:ea typeface="ヒラギノ角ゴ Pro W3"/>
-                <a:cs typeface="ヒラギノ角ゴ Pro W3"/>
-              </a:rPr>
-              <a:t>call </a:t>
-            </a:r>
-            <a:r>
-              <a:rPr lang="en-US" altLang="ja-JP" sz="900" dirty="0" smtClean="0">
-                <a:latin typeface="ヒラギノ角ゴ Pro W3"/>
-                <a:ea typeface="ヒラギノ角ゴ Pro W3"/>
-                <a:cs typeface="ヒラギノ角ゴ Pro W3"/>
-              </a:rPr>
-              <a:t>for action </a:t>
-            </a:r>
-            <a:r>
-              <a:rPr lang="ja-JP" altLang="en-US" sz="900" dirty="0">
-                <a:latin typeface="ヒラギノ角ゴ Pro W3"/>
-                <a:ea typeface="ヒラギノ角ゴ Pro W3"/>
-                <a:cs typeface="ヒラギノ角ゴ Pro W3"/>
-              </a:rPr>
-              <a:t>を書き、いくつかの致命的な問題を特定し、なぜ行動が必要かを説明し、そして何が必要なのかを示唆した。その </a:t>
-            </a:r>
-            <a:r>
-              <a:rPr lang="en-US" altLang="ja-JP" sz="900" dirty="0">
-                <a:latin typeface="ヒラギノ角ゴ Pro W3"/>
-                <a:ea typeface="ヒラギノ角ゴ Pro W3"/>
-                <a:cs typeface="ヒラギノ角ゴ Pro W3"/>
-              </a:rPr>
-              <a:t>call </a:t>
-            </a:r>
-            <a:r>
-              <a:rPr lang="en-US" altLang="ja-JP" sz="900" dirty="0" smtClean="0">
-                <a:latin typeface="ヒラギノ角ゴ Pro W3"/>
-                <a:ea typeface="ヒラギノ角ゴ Pro W3"/>
-                <a:cs typeface="ヒラギノ角ゴ Pro W3"/>
-              </a:rPr>
-              <a:t>for</a:t>
-            </a:r>
-            <a:r>
-              <a:rPr lang="en-US" altLang="ja-JP" sz="900" dirty="0">
-                <a:latin typeface="ヒラギノ角ゴ Pro W3"/>
-                <a:ea typeface="ヒラギノ角ゴ Pro W3"/>
-                <a:cs typeface="ヒラギノ角ゴ Pro W3"/>
-              </a:rPr>
-              <a:t> </a:t>
-            </a:r>
-            <a:r>
-              <a:rPr lang="en-US" altLang="ja-JP" sz="900" dirty="0" smtClean="0">
-                <a:latin typeface="ヒラギノ角ゴ Pro W3"/>
-                <a:ea typeface="ヒラギノ角ゴ Pro W3"/>
-                <a:cs typeface="ヒラギノ角ゴ Pro W3"/>
-              </a:rPr>
-              <a:t>action </a:t>
-            </a:r>
-            <a:r>
-              <a:rPr lang="ja-JP" altLang="en-US" sz="900" dirty="0">
-                <a:latin typeface="ヒラギノ角ゴ Pro W3"/>
-                <a:ea typeface="ヒラギノ角ゴ Pro W3"/>
-                <a:cs typeface="ヒラギノ角ゴ Pro W3"/>
-              </a:rPr>
-              <a:t>とは、以下のようなものだ</a:t>
-            </a:r>
-            <a:r>
-              <a:rPr lang="ja-JP" altLang="en-US" sz="900" dirty="0" smtClean="0">
-                <a:latin typeface="ヒラギノ角ゴ Pro W3"/>
-                <a:ea typeface="ヒラギノ角ゴ Pro W3"/>
-                <a:cs typeface="ヒラギノ角ゴ Pro W3"/>
-              </a:rPr>
-              <a:t>。</a:t>
-            </a:r>
-            <a:endParaRPr lang="en-US" altLang="ja-JP" sz="900" dirty="0" smtClean="0">
-              <a:latin typeface="ヒラギノ角ゴ Pro W3"/>
-              <a:ea typeface="ヒラギノ角ゴ Pro W3"/>
-              <a:cs typeface="ヒラギノ角ゴ Pro W3"/>
-            </a:endParaRPr>
-          </a:p>
-          <a:p>
-            <a:endParaRPr lang="en-US" sz="900" dirty="0">
-              <a:latin typeface="ヒラギノ角ゴ Pro W3"/>
-              <a:ea typeface="ヒラギノ角ゴ Pro W3"/>
-              <a:cs typeface="ヒラギノ角ゴ Pro W3"/>
-            </a:endParaRPr>
-          </a:p>
-          <a:p>
-            <a:r>
-              <a:rPr lang="ja-JP" altLang="en-US" sz="900" dirty="0">
-                <a:latin typeface="ヒラギノ角ゴ Pro W3"/>
-                <a:ea typeface="ヒラギノ角ゴ Pro W3"/>
-                <a:cs typeface="ヒラギノ角ゴ Pro W3"/>
-              </a:rPr>
-              <a:t>現在のソフトウェア工学のいくつかの分野では、未成熟なプラクティス</a:t>
-            </a:r>
-            <a:r>
-              <a:rPr lang="en-US" altLang="ja-JP" sz="900" dirty="0">
-                <a:latin typeface="ヒラギノ角ゴ Pro W3"/>
-                <a:ea typeface="ヒラギノ角ゴ Pro W3"/>
-                <a:cs typeface="ヒラギノ角ゴ Pro W3"/>
-              </a:rPr>
-              <a:t>(immature practices)</a:t>
-            </a:r>
-            <a:r>
-              <a:rPr lang="ja-JP" altLang="en-US" sz="900" dirty="0">
-                <a:latin typeface="ヒラギノ角ゴ Pro W3"/>
-                <a:ea typeface="ヒラギノ角ゴ Pro W3"/>
-                <a:cs typeface="ヒラギノ角ゴ Pro W3"/>
-              </a:rPr>
-              <a:t>に苦しめられている。具体的には、以下のような問題を含む</a:t>
-            </a:r>
-            <a:r>
-              <a:rPr lang="ja-JP" altLang="en-US" sz="900" dirty="0" smtClean="0">
-                <a:latin typeface="ヒラギノ角ゴ Pro W3"/>
-                <a:ea typeface="ヒラギノ角ゴ Pro W3"/>
-                <a:cs typeface="ヒラギノ角ゴ Pro W3"/>
-              </a:rPr>
-              <a:t>。</a:t>
-            </a:r>
-            <a:endParaRPr lang="en-US" sz="900" dirty="0" smtClean="0">
-              <a:latin typeface="ヒラギノ角ゴ Pro W3"/>
-              <a:ea typeface="ヒラギノ角ゴ Pro W3"/>
-              <a:cs typeface="ヒラギノ角ゴ Pro W3"/>
-            </a:endParaRPr>
-          </a:p>
-          <a:p>
-            <a:r>
-              <a:rPr lang="en-US" sz="900" dirty="0" smtClean="0">
-                <a:latin typeface="ヒラギノ角ゴ Pro W3"/>
-                <a:ea typeface="ヒラギノ角ゴ Pro W3"/>
-                <a:cs typeface="ヒラギノ角ゴ Pro W3"/>
-              </a:rPr>
-              <a:t>˲ </a:t>
-            </a:r>
-            <a:r>
-              <a:rPr lang="ja-JP" altLang="en-US" sz="900" dirty="0">
-                <a:latin typeface="ヒラギノ角ゴ Pro W3"/>
-                <a:ea typeface="ヒラギノ角ゴ Pro W3"/>
-                <a:cs typeface="ヒラギノ角ゴ Pro W3"/>
-              </a:rPr>
-              <a:t>言葉の流行が、工学の一分野というよりファッション業界のよう</a:t>
-            </a:r>
-            <a:r>
-              <a:rPr lang="ja-JP" altLang="en-US" sz="900" dirty="0" smtClean="0">
-                <a:latin typeface="ヒラギノ角ゴ Pro W3"/>
-                <a:ea typeface="ヒラギノ角ゴ Pro W3"/>
-                <a:cs typeface="ヒラギノ角ゴ Pro W3"/>
-              </a:rPr>
-              <a:t>だ。</a:t>
-            </a:r>
-            <a:endParaRPr lang="en-US" sz="900" dirty="0" smtClean="0">
-              <a:latin typeface="ヒラギノ角ゴ Pro W3"/>
-              <a:ea typeface="ヒラギノ角ゴ Pro W3"/>
-              <a:cs typeface="ヒラギノ角ゴ Pro W3"/>
-            </a:endParaRPr>
-          </a:p>
-          <a:p>
-            <a:r>
-              <a:rPr lang="en-US" sz="900" dirty="0" smtClean="0">
-                <a:latin typeface="ヒラギノ角ゴ Pro W3"/>
-                <a:ea typeface="ヒラギノ角ゴ Pro W3"/>
-                <a:cs typeface="ヒラギノ角ゴ Pro W3"/>
-              </a:rPr>
-              <a:t>˲ </a:t>
-            </a:r>
-            <a:r>
-              <a:rPr lang="ja-JP" altLang="en-US" sz="900" dirty="0">
-                <a:latin typeface="ヒラギノ角ゴ Pro W3"/>
-                <a:ea typeface="ヒラギノ角ゴ Pro W3"/>
-                <a:cs typeface="ヒラギノ角ゴ Pro W3"/>
-              </a:rPr>
-              <a:t>しっかりした広く受け入れられた、理論的基礎の欠如</a:t>
-            </a:r>
-            <a:r>
-              <a:rPr lang="ja-JP" altLang="en-US" sz="900" dirty="0" smtClean="0">
-                <a:latin typeface="ヒラギノ角ゴ Pro W3"/>
-                <a:ea typeface="ヒラギノ角ゴ Pro W3"/>
-                <a:cs typeface="ヒラギノ角ゴ Pro W3"/>
-              </a:rPr>
-              <a:t>。</a:t>
-            </a:r>
-            <a:endParaRPr lang="en-US" altLang="ja-JP" sz="900" dirty="0" smtClean="0">
-              <a:latin typeface="ヒラギノ角ゴ Pro W3"/>
-              <a:ea typeface="ヒラギノ角ゴ Pro W3"/>
-              <a:cs typeface="ヒラギノ角ゴ Pro W3"/>
-            </a:endParaRPr>
-          </a:p>
-          <a:p>
-            <a:r>
-              <a:rPr lang="en-US" sz="900" dirty="0" smtClean="0">
-                <a:latin typeface="ヒラギノ角ゴ Pro W3"/>
-                <a:ea typeface="ヒラギノ角ゴ Pro W3"/>
-                <a:cs typeface="ヒラギノ角ゴ Pro W3"/>
-              </a:rPr>
-              <a:t>˲ </a:t>
-            </a:r>
-            <a:r>
-              <a:rPr lang="ja-JP" altLang="en-US" sz="900" dirty="0">
-                <a:latin typeface="ヒラギノ角ゴ Pro W3"/>
-                <a:ea typeface="ヒラギノ角ゴ Pro W3"/>
-                <a:cs typeface="ヒラギノ角ゴ Pro W3"/>
-              </a:rPr>
-              <a:t>非常に多くの方法論</a:t>
-            </a:r>
-            <a:r>
-              <a:rPr lang="en-US" altLang="ja-JP" sz="900" dirty="0">
-                <a:latin typeface="ヒラギノ角ゴ Pro W3"/>
-                <a:ea typeface="ヒラギノ角ゴ Pro W3"/>
-                <a:cs typeface="ヒラギノ角ゴ Pro W3"/>
-              </a:rPr>
-              <a:t>(methods)</a:t>
-            </a:r>
-            <a:r>
-              <a:rPr lang="ja-JP" altLang="en-US" sz="900" dirty="0">
-                <a:latin typeface="ヒラギノ角ゴ Pro W3"/>
-                <a:ea typeface="ヒラギノ角ゴ Pro W3"/>
-                <a:cs typeface="ヒラギノ角ゴ Pro W3"/>
-              </a:rPr>
-              <a:t>とその派生。またそれらの違いがほとんど理解されずに作為的に強調されている</a:t>
-            </a:r>
-            <a:r>
-              <a:rPr lang="ja-JP" altLang="en-US" sz="900" dirty="0" smtClean="0">
-                <a:latin typeface="ヒラギノ角ゴ Pro W3"/>
-                <a:ea typeface="ヒラギノ角ゴ Pro W3"/>
-                <a:cs typeface="ヒラギノ角ゴ Pro W3"/>
-              </a:rPr>
-              <a:t>。</a:t>
-            </a:r>
-            <a:endParaRPr lang="en-US" sz="900" dirty="0" smtClean="0">
-              <a:latin typeface="ヒラギノ角ゴ Pro W3"/>
-              <a:ea typeface="ヒラギノ角ゴ Pro W3"/>
-              <a:cs typeface="ヒラギノ角ゴ Pro W3"/>
-            </a:endParaRPr>
-          </a:p>
-          <a:p>
-            <a:r>
-              <a:rPr lang="en-US" sz="900" dirty="0" smtClean="0">
-                <a:latin typeface="ヒラギノ角ゴ Pro W3"/>
-                <a:ea typeface="ヒラギノ角ゴ Pro W3"/>
-                <a:cs typeface="ヒラギノ角ゴ Pro W3"/>
-              </a:rPr>
-              <a:t>˲ </a:t>
-            </a:r>
-            <a:r>
-              <a:rPr lang="en-US" sz="900" dirty="0">
-                <a:latin typeface="ヒラギノ角ゴ Pro W3"/>
-                <a:ea typeface="ヒラギノ角ゴ Pro W3"/>
-                <a:cs typeface="ヒラギノ角ゴ Pro W3"/>
-              </a:rPr>
-              <a:t>信頼できる実験的評価(experimental evaluation)と妥当性確認(validation)の欠如</a:t>
-            </a:r>
-            <a:r>
-              <a:rPr lang="en-US" sz="900" dirty="0" smtClean="0">
-                <a:latin typeface="ヒラギノ角ゴ Pro W3"/>
-                <a:ea typeface="ヒラギノ角ゴ Pro W3"/>
-                <a:cs typeface="ヒラギノ角ゴ Pro W3"/>
-              </a:rPr>
-              <a:t>。</a:t>
-            </a:r>
-          </a:p>
-          <a:p>
-            <a:r>
-              <a:rPr lang="en-US" sz="900" dirty="0" smtClean="0">
-                <a:latin typeface="ヒラギノ角ゴ Pro W3"/>
-                <a:ea typeface="ヒラギノ角ゴ Pro W3"/>
-                <a:cs typeface="ヒラギノ角ゴ Pro W3"/>
-              </a:rPr>
-              <a:t>˲ </a:t>
-            </a:r>
-            <a:r>
-              <a:rPr lang="en-US" sz="900" dirty="0">
-                <a:latin typeface="ヒラギノ角ゴ Pro W3"/>
-                <a:ea typeface="ヒラギノ角ゴ Pro W3"/>
-                <a:cs typeface="ヒラギノ角ゴ Pro W3"/>
-              </a:rPr>
-              <a:t>産業界の実践(industry practice)と学界の研究(academic research)の乖離</a:t>
-            </a:r>
-            <a:r>
-              <a:rPr lang="en-US" sz="900" dirty="0" smtClean="0">
-                <a:latin typeface="ヒラギノ角ゴ Pro W3"/>
-                <a:ea typeface="ヒラギノ角ゴ Pro W3"/>
-                <a:cs typeface="ヒラギノ角ゴ Pro W3"/>
-              </a:rPr>
-              <a:t>。</a:t>
-            </a:r>
-          </a:p>
-          <a:p>
-            <a:endParaRPr lang="en-US" sz="900" dirty="0" smtClean="0">
-              <a:latin typeface="ヒラギノ角ゴ Pro W3"/>
-              <a:ea typeface="ヒラギノ角ゴ Pro W3"/>
-              <a:cs typeface="ヒラギノ角ゴ Pro W3"/>
-            </a:endParaRPr>
-          </a:p>
-          <a:p>
-            <a:r>
-              <a:rPr lang="ja-JP" altLang="en-US" sz="900" dirty="0">
-                <a:latin typeface="ヒラギノ角ゴ Pro W3"/>
-                <a:ea typeface="ヒラギノ角ゴ Pro W3"/>
-                <a:cs typeface="ヒラギノ角ゴ Pro W3"/>
-              </a:rPr>
-              <a:t>ソフトウェア産業はファッションと流行に陥りやすいという、この </a:t>
-            </a:r>
-            <a:r>
-              <a:rPr lang="en-US" altLang="ja-JP" sz="900" dirty="0">
-                <a:latin typeface="ヒラギノ角ゴ Pro W3"/>
-                <a:ea typeface="ヒラギノ角ゴ Pro W3"/>
-                <a:cs typeface="ヒラギノ角ゴ Pro W3"/>
-              </a:rPr>
-              <a:t>call for action</a:t>
-            </a:r>
-          </a:p>
-          <a:p>
-            <a:r>
-              <a:rPr lang="ja-JP" altLang="en-US" sz="900" dirty="0">
-                <a:latin typeface="ヒラギノ角ゴ Pro W3"/>
-                <a:ea typeface="ヒラギノ角ゴ Pro W3"/>
-                <a:cs typeface="ヒラギノ角ゴ Pro W3"/>
-              </a:rPr>
-              <a:t>の前提は、ある人々には「新しいアイディアへの抵抗」と映ったようだが、それは真実からはかけ離れている。この記事および間もなく刊行される書籍（</a:t>
-            </a:r>
-          </a:p>
-          <a:p>
-            <a:r>
-              <a:rPr lang="en-US" altLang="ja-JP" sz="900" dirty="0">
-                <a:latin typeface="ヒラギノ角ゴ Pro W3"/>
-                <a:ea typeface="ヒラギノ角ゴ Pro W3"/>
-                <a:cs typeface="ヒラギノ角ゴ Pro W3"/>
-              </a:rPr>
-              <a:t>The Essence of Software Engineering—Applying the SEMAT Kernel),6</a:t>
-            </a:r>
-          </a:p>
-          <a:p>
-            <a:r>
-              <a:rPr lang="ja-JP" altLang="en-US" sz="900" dirty="0">
-                <a:latin typeface="ヒラギノ角ゴ Pro W3"/>
-                <a:ea typeface="ヒラギノ角ゴ Pro W3"/>
-                <a:cs typeface="ヒラギノ角ゴ Pro W3"/>
-              </a:rPr>
-              <a:t>）で見るように、</a:t>
-            </a:r>
-            <a:r>
-              <a:rPr lang="en-US" altLang="ja-JP" sz="900" dirty="0">
-                <a:latin typeface="ヒラギノ角ゴ Pro W3"/>
-                <a:ea typeface="ヒラギノ角ゴ Pro W3"/>
-                <a:cs typeface="ヒラギノ角ゴ Pro W3"/>
-              </a:rPr>
-              <a:t>SEMAT</a:t>
-            </a:r>
-            <a:r>
-              <a:rPr lang="ja-JP" altLang="en-US" sz="900" dirty="0">
-                <a:latin typeface="ヒラギノ角ゴ Pro W3"/>
-                <a:ea typeface="ヒラギノ角ゴ Pro W3"/>
-                <a:cs typeface="ヒラギノ角ゴ Pro W3"/>
-              </a:rPr>
-              <a:t>の支援者は新しいアイディアに敏感である</a:t>
-            </a:r>
-            <a:r>
-              <a:rPr lang="ja-JP" altLang="en-US" sz="900" dirty="0" smtClean="0">
-                <a:latin typeface="ヒラギノ角ゴ Pro W3"/>
-                <a:ea typeface="ヒラギノ角ゴ Pro W3"/>
-                <a:cs typeface="ヒラギノ角ゴ Pro W3"/>
-              </a:rPr>
-              <a:t>。</a:t>
+              <a:t>の支持者は新しいアイディアに敏感である。</a:t>
             </a:r>
             <a:endParaRPr lang="ja-JP" altLang="en-US" sz="900" dirty="0">
               <a:latin typeface="ヒラギノ角ゴ Pro W3"/>
@@ -4720,6 +4553,35 @@
               <a:ea typeface="ヒラギノ角ゴ Std W8"/>
               <a:cs typeface="ヒラギノ角ゴ Std W8"/>
             </a:endParaRPr>
+          </a:p>
+        </p:txBody>
+      </p:sp>
+      <p:sp>
+        <p:nvSpPr>
+          <p:cNvPr id="5" name="テキスト ボックス 4"/>
+          <p:cNvSpPr txBox="1"/>
+          <p:nvPr/>
+        </p:nvSpPr>
+        <p:spPr>
+          <a:xfrm>
+            <a:off x="1031394" y="6596303"/>
+            <a:ext cx="247897" cy="646331"/>
+          </a:xfrm>
+          <a:prstGeom prst="rect">
+            <a:avLst/>
+          </a:prstGeom>
+          <a:noFill/>
+        </p:spPr>
+        <p:txBody>
+          <a:bodyPr wrap="none" rtlCol="0">
+            <a:spAutoFit/>
+          </a:bodyPr>
+          <a:lstStyle/>
+          <a:p>
+            <a:endParaRPr kumimoji="1" lang="en-US" altLang="ja-JP" dirty="0" smtClean="0"/>
+          </a:p>
+          <a:p>
+            <a:endParaRPr kumimoji="1" lang="ja-JP" altLang="en-US" dirty="0"/>
           </a:p>
         </p:txBody>
       </p:sp>
@@ -4887,8 +4749,8 @@
         </p:nvSpPr>
         <p:spPr>
           <a:xfrm>
-            <a:off x="218070" y="7750440"/>
-            <a:ext cx="2062853" cy="2169825"/>
+            <a:off x="184723" y="7645162"/>
+            <a:ext cx="2173165" cy="2031326"/>
           </a:xfrm>
           <a:prstGeom prst="rect">
             <a:avLst/>
@@ -4901,36 +4763,20 @@
           <a:lstStyle/>
           <a:p>
             <a:r>
-              <a:rPr lang="ja-JP" altLang="en-US" sz="900" dirty="0" smtClean="0">
-                <a:latin typeface="ヒラギノ角ゴ Pro W3"/>
-                <a:ea typeface="ヒラギノ角ゴ Pro W3"/>
-                <a:cs typeface="ヒラギノ角ゴ Pro W3"/>
-              </a:rPr>
-              <a:t>彼ら</a:t>
-            </a:r>
-            <a:r>
-              <a:rPr lang="ja-JP" altLang="en-US" sz="900" dirty="0">
-                <a:latin typeface="ヒラギノ角ゴ Pro W3"/>
-                <a:ea typeface="ヒラギノ角ゴ Pro W3"/>
-                <a:cs typeface="ヒラギノ角ゴ Pro W3"/>
-              </a:rPr>
-              <a:t>が反対しているのは、ソリューションが流行っているから（あるいは、政治的正当性</a:t>
-            </a:r>
-            <a:r>
               <a:rPr lang="en-US" altLang="ja-JP" sz="900" dirty="0">
                 <a:latin typeface="ヒラギノ角ゴ Pro W3"/>
                 <a:ea typeface="ヒラギノ角ゴ Pro W3"/>
                 <a:cs typeface="ヒラギノ角ゴ Pro W3"/>
               </a:rPr>
-              <a:t>(</a:t>
-            </a:r>
-            <a:r>
-              <a:rPr lang="en-US" altLang="ja-JP" sz="900" dirty="0" smtClean="0">
-                <a:latin typeface="ヒラギノ角ゴ Pro W3"/>
-                <a:ea typeface="ヒラギノ角ゴ Pro W3"/>
-                <a:cs typeface="ヒラギノ角ゴ Pro W3"/>
-              </a:rPr>
-              <a:t>political correctness</a:t>
+              <a:t>SEMAT</a:t>
+            </a:r>
+            <a:r>
+              <a:rPr lang="ja-JP" altLang="en-US" sz="900" dirty="0">
+                <a:latin typeface="ヒラギノ角ゴ Pro W3"/>
+                <a:ea typeface="ヒラギノ角ゴ Pro W3"/>
+                <a:cs typeface="ヒラギノ角ゴ Pro W3"/>
+              </a:rPr>
+              <a:t>の支持者が反対しているのは「新しいアイディア」ではない。ただソリューションが流行っているから、あるいは、単なる政治的な理由や同僚からの圧力によって、不適切なソリューションを採用する人々の非リーン（</a:t>
             </a:r>
             <a:r>
               <a:rPr lang="en-US" altLang="ja-JP" sz="900" dirty="0">
@@ -4938,15 +4784,15 @@
                 <a:ea typeface="ヒラギノ角ゴ Pro W3"/>
                 <a:cs typeface="ヒラギノ角ゴ Pro W3"/>
               </a:rPr>
-              <a:t>)</a:t>
-            </a:r>
-            <a:r>
-              <a:rPr lang="ja-JP" altLang="en-US" sz="900" dirty="0">
-                <a:latin typeface="ヒラギノ角ゴ Pro W3"/>
-                <a:ea typeface="ヒラギノ角ゴ Pro W3"/>
-                <a:cs typeface="ヒラギノ角ゴ Pro W3"/>
-              </a:rPr>
-              <a:t>や同僚からの圧力）という理由だけで不適切なソリューションを採用する人々の、</a:t>
+              <a:t>non-lean</a:t>
+            </a:r>
+            <a:r>
+              <a:rPr lang="ja-JP" altLang="en-US" sz="900" dirty="0">
+                <a:latin typeface="ヒラギノ角ゴ Pro W3"/>
+                <a:ea typeface="ヒラギノ角ゴ Pro W3"/>
+                <a:cs typeface="ヒラギノ角ゴ Pro W3"/>
+              </a:rPr>
+              <a:t>）、非アジャイル（</a:t>
             </a:r>
             <a:r>
               <a:rPr lang="en-US" altLang="ja-JP" sz="900" dirty="0">
@@ -4954,22 +4800,6 @@
                 <a:ea typeface="ヒラギノ角ゴ Pro W3"/>
                 <a:cs typeface="ヒラギノ角ゴ Pro W3"/>
               </a:rPr>
-              <a:t>non-lean</a:t>
-            </a:r>
-            <a:r>
-              <a:rPr lang="ja-JP" altLang="en-US" sz="900" dirty="0">
-                <a:latin typeface="ヒラギノ角ゴ Pro W3"/>
-                <a:ea typeface="ヒラギノ角ゴ Pro W3"/>
-                <a:cs typeface="ヒラギノ角ゴ Pro W3"/>
-              </a:rPr>
-              <a:t>、</a:t>
-            </a:r>
-            <a:r>
-              <a:rPr lang="en-US" altLang="ja-JP" sz="900" dirty="0">
-                <a:latin typeface="ヒラギノ角ゴ Pro W3"/>
-                <a:ea typeface="ヒラギノ角ゴ Pro W3"/>
-                <a:cs typeface="ヒラギノ角ゴ Pro W3"/>
-              </a:rPr>
               <a:t>non-agile</a:t>
             </a:r>
             <a:r>
@@ -4978,7 +4808,7 @@
                 <a:ea typeface="ヒラギノ角ゴ Pro W3"/>
                 <a:cs typeface="ヒラギノ角ゴ Pro W3"/>
               </a:rPr>
-              <a:t>な行動なのである</a:t>
+              <a:t>）な行動である</a:t>
             </a:r>
             <a:r>
               <a:rPr lang="ja-JP" altLang="en-US" sz="900" dirty="0" smtClean="0">
@@ -5016,7 +4846,23 @@
                 <a:ea typeface="ヒラギノ角ゴ Pro W3"/>
                 <a:cs typeface="ヒラギノ角ゴ Pro W3"/>
               </a:rPr>
-              <a:t>は、ソフトウェア工学を堅固な理論および検証された原則とベストプラクティスを基礎として、再建するプロセスを支援する。そのプロセスは、以下の特徴を備えている</a:t>
+              <a:t>は、堅固な理論および検証された原則とベストプラクティスに基づいて、ソフトウェア工学を再建するプロセスを支援する。</a:t>
+            </a:r>
+            <a:r>
+              <a:rPr lang="en-US" altLang="ja-JP" sz="900" dirty="0">
+                <a:latin typeface="ヒラギノ角ゴ Pro W3"/>
+                <a:ea typeface="ヒラギノ角ゴ Pro W3"/>
+                <a:cs typeface="ヒラギノ角ゴ Pro W3"/>
+              </a:rPr>
+              <a:t>SEMAT</a:t>
+            </a:r>
+            <a:r>
+              <a:rPr lang="ja-JP" altLang="en-US" sz="900" dirty="0">
+                <a:latin typeface="ヒラギノ角ゴ Pro W3"/>
+                <a:ea typeface="ヒラギノ角ゴ Pro W3"/>
+                <a:cs typeface="ヒラギノ角ゴ Pro W3"/>
+              </a:rPr>
+              <a:t>は以下の特徴を備えている</a:t>
             </a:r>
             <a:r>
               <a:rPr lang="ja-JP" altLang="en-US" sz="900" dirty="0" smtClean="0">
@@ -5026,30 +4872,7 @@
               </a:rPr>
               <a:t>。</a:t>
             </a:r>
-            <a:endParaRPr lang="en-US" sz="900" dirty="0">
-              <a:latin typeface="ヒラギノ角ゴ Pro W3"/>
-              <a:ea typeface="ヒラギノ角ゴ Pro W3"/>
-              <a:cs typeface="ヒラギノ角ゴ Pro W3"/>
-            </a:endParaRPr>
-          </a:p>
-          <a:p>
-            <a:r>
-              <a:rPr lang="en-US" sz="900" dirty="0">
-                <a:latin typeface="ヒラギノ角ゴ Pro W3"/>
-                <a:ea typeface="ヒラギノ角ゴ Pro W3"/>
-                <a:cs typeface="ヒラギノ角ゴ Pro W3"/>
-              </a:rPr>
-              <a:t>˲ </a:t>
-            </a:r>
-            <a:r>
-              <a:rPr lang="ja-JP" altLang="en-US" sz="900" dirty="0">
-                <a:latin typeface="ヒラギノ角ゴ Pro W3"/>
-                <a:ea typeface="ヒラギノ角ゴ Pro W3"/>
-                <a:cs typeface="ヒラギノ角ゴ Pro W3"/>
-              </a:rPr>
-              <a:t>広く合意された要素からなる、特定用途に拡張可能なカーネルを含み、</a:t>
-            </a:r>
-            <a:endParaRPr lang="en-US" sz="900" dirty="0">
+            <a:endParaRPr lang="ja-JP" altLang="en-US" sz="900" dirty="0">
               <a:latin typeface="ヒラギノ角ゴ Pro W3"/>
               <a:ea typeface="ヒラギノ角ゴ Pro W3"/>
               <a:cs typeface="ヒラギノ角ゴ Pro W3"/>
@@ -5065,8 +4888,8 @@
         </p:nvSpPr>
         <p:spPr>
           <a:xfrm>
-            <a:off x="2424431" y="7750440"/>
-            <a:ext cx="2072252" cy="1892826"/>
+            <a:off x="2424431" y="7645162"/>
+            <a:ext cx="2072252" cy="2169825"/>
           </a:xfrm>
           <a:prstGeom prst="rect">
             <a:avLst/>
@@ -5080,7 +4903,7 @@
           <a:lstStyle/>
           <a:p>
             <a:r>
-              <a:rPr lang="en-US" sz="900" dirty="0">
+              <a:rPr lang="ja-JP" altLang="en-US" sz="900" dirty="0">
                 <a:solidFill>
                   <a:srgbClr val="1A1818"/>
                 </a:solidFill>
@@ -5088,8 +4911,10 @@
                 <a:ea typeface="ヒラギノ角ゴ Pro W3"/>
                 <a:cs typeface="ヒラギノ角ゴ Pro W3"/>
               </a:rPr>
-              <a:t>˲ </a:t>
-            </a:r>
+              <a:t>* 広く合意された要素からなり、特定用途に拡張可能なカーネルを含む。</a:t>
+            </a:r>
+          </a:p>
+          <a:p>
             <a:r>
               <a:rPr lang="ja-JP" altLang="en-US" sz="900" dirty="0">
                 <a:solidFill>
@@ -5099,10 +4924,12 @@
                 <a:ea typeface="ヒラギノ角ゴ Pro W3"/>
                 <a:cs typeface="ヒラギノ角ゴ Pro W3"/>
               </a:rPr>
-              <a:t>技術の問題と人の問題の両方を扱い</a:t>
-            </a:r>
-            <a:r>
-              <a:rPr lang="ja-JP" altLang="en-US" sz="900" dirty="0" smtClean="0">
+              <a:t>* 技術の問題と人の問題の両方を扱う。</a:t>
+            </a:r>
+          </a:p>
+          <a:p>
+            <a:r>
+              <a:rPr lang="ja-JP" altLang="en-US" sz="900" dirty="0">
                 <a:solidFill>
                   <a:srgbClr val="1A1818"/>
                 </a:solidFill>
@@ -5110,7 +4937,20 @@
                 <a:ea typeface="ヒラギノ角ゴ Pro W3"/>
                 <a:cs typeface="ヒラギノ角ゴ Pro W3"/>
               </a:rPr>
-              <a:t>、</a:t>
+              <a:t>* 産業界、学界、研究者、そして、ユーザによって支えられる。</a:t>
+            </a:r>
+          </a:p>
+          <a:p>
+            <a:r>
+              <a:rPr lang="ja-JP" altLang="en-US" sz="900" dirty="0">
+                <a:solidFill>
+                  <a:srgbClr val="1A1818"/>
+                </a:solidFill>
+                <a:latin typeface="ヒラギノ角ゴ Pro W3"/>
+                <a:ea typeface="ヒラギノ角ゴ Pro W3"/>
+                <a:cs typeface="ヒラギノ角ゴ Pro W3"/>
+              </a:rPr>
+              <a:t>* 要求と技術の変化に応じて追随できるような拡張性を備える。。</a:t>
             </a:r>
             <a:endParaRPr lang="en-US" altLang="ja-JP" sz="900" dirty="0" smtClean="0">
               <a:solidFill>
@@ -5122,92 +4962,6 @@
             </a:endParaRPr>
           </a:p>
           <a:p>
-            <a:r>
-              <a:rPr lang="en-US" sz="900" dirty="0" smtClean="0">
-                <a:solidFill>
-                  <a:srgbClr val="1A1818"/>
-                </a:solidFill>
-                <a:latin typeface="ヒラギノ角ゴ Pro W3"/>
-                <a:ea typeface="ヒラギノ角ゴ Pro W3"/>
-                <a:cs typeface="ヒラギノ角ゴ Pro W3"/>
-              </a:rPr>
-              <a:t>˲ </a:t>
-            </a:r>
-            <a:r>
-              <a:rPr lang="ja-JP" altLang="en-US" sz="900" dirty="0">
-                <a:solidFill>
-                  <a:srgbClr val="1A1818"/>
-                </a:solidFill>
-                <a:latin typeface="ヒラギノ角ゴ Pro W3"/>
-                <a:ea typeface="ヒラギノ角ゴ Pro W3"/>
-                <a:cs typeface="ヒラギノ角ゴ Pro W3"/>
-              </a:rPr>
-              <a:t>産業界、学界、研究者そして、ユーザに支援され</a:t>
-            </a:r>
-            <a:r>
-              <a:rPr lang="ja-JP" altLang="en-US" sz="900" dirty="0" smtClean="0">
-                <a:solidFill>
-                  <a:srgbClr val="1A1818"/>
-                </a:solidFill>
-                <a:latin typeface="ヒラギノ角ゴ Pro W3"/>
-                <a:ea typeface="ヒラギノ角ゴ Pro W3"/>
-                <a:cs typeface="ヒラギノ角ゴ Pro W3"/>
-              </a:rPr>
-              <a:t>、</a:t>
-            </a:r>
-            <a:endParaRPr lang="en-US" altLang="ja-JP" sz="900" dirty="0" smtClean="0">
-              <a:solidFill>
-                <a:srgbClr val="1A1818"/>
-              </a:solidFill>
-              <a:latin typeface="ヒラギノ角ゴ Pro W3"/>
-              <a:ea typeface="ヒラギノ角ゴ Pro W3"/>
-              <a:cs typeface="ヒラギノ角ゴ Pro W3"/>
-            </a:endParaRPr>
-          </a:p>
-          <a:p>
-            <a:r>
-              <a:rPr lang="en-US" sz="900" dirty="0" smtClean="0">
-                <a:solidFill>
-                  <a:srgbClr val="1A1818"/>
-                </a:solidFill>
-                <a:latin typeface="ヒラギノ角ゴ Pro W3"/>
-                <a:ea typeface="ヒラギノ角ゴ Pro W3"/>
-                <a:cs typeface="ヒラギノ角ゴ Pro W3"/>
-              </a:rPr>
-              <a:t>˲ </a:t>
-            </a:r>
-            <a:r>
-              <a:rPr lang="ja-JP" altLang="en-US" sz="900" dirty="0">
-                <a:solidFill>
-                  <a:srgbClr val="1A1818"/>
-                </a:solidFill>
-                <a:latin typeface="ヒラギノ角ゴ Pro W3"/>
-                <a:ea typeface="ヒラギノ角ゴ Pro W3"/>
-                <a:cs typeface="ヒラギノ角ゴ Pro W3"/>
-              </a:rPr>
-              <a:t>要求とテクノロジの変化に応じて追随できるような拡張性を備えている</a:t>
-            </a:r>
-            <a:r>
-              <a:rPr lang="ja-JP" altLang="en-US" sz="900" dirty="0" smtClean="0">
-                <a:solidFill>
-                  <a:srgbClr val="1A1818"/>
-                </a:solidFill>
-                <a:latin typeface="ヒラギノ角ゴ Pro W3"/>
-                <a:ea typeface="ヒラギノ角ゴ Pro W3"/>
-                <a:cs typeface="ヒラギノ角ゴ Pro W3"/>
-              </a:rPr>
-              <a:t>。</a:t>
-            </a:r>
-            <a:endParaRPr lang="en-US" altLang="ja-JP" sz="900" dirty="0" smtClean="0">
-              <a:solidFill>
-                <a:srgbClr val="1A1818"/>
-              </a:solidFill>
-              <a:latin typeface="ヒラギノ角ゴ Pro W3"/>
-              <a:ea typeface="ヒラギノ角ゴ Pro W3"/>
-              <a:cs typeface="ヒラギノ角ゴ Pro W3"/>
-            </a:endParaRPr>
-          </a:p>
-          <a:p>
             <a:endParaRPr lang="en-US" sz="900" dirty="0">
               <a:solidFill>
                 <a:srgbClr val="1A1818"/>
@@ -5238,7 +4992,7 @@
                 <a:ea typeface="ヒラギノ角ゴ Pro W3"/>
                 <a:cs typeface="ヒラギノ角ゴ Pro W3"/>
               </a:rPr>
-              <a:t>の </a:t>
+              <a:t>の行動宣言は支持を広く集め、署名者や支持者が増え続けている（</a:t>
             </a:r>
             <a:r>
               <a:rPr lang="en-US" altLang="ja-JP" sz="900" dirty="0">
@@ -5249,10 +5003,10 @@
                 <a:ea typeface="ヒラギノ角ゴ Pro W3"/>
                 <a:cs typeface="ヒラギノ角ゴ Pro W3"/>
               </a:rPr>
-              <a:t>call for action </a:t>
-            </a:r>
-            <a:r>
-              <a:rPr lang="ja-JP" altLang="en-US" sz="900" dirty="0">
+              <a:t>http://</a:t>
+            </a:r>
+            <a:r>
+              <a:rPr lang="en-US" altLang="ja-JP" sz="900" dirty="0" err="1">
                 <a:solidFill>
                   <a:srgbClr val="1A1818"/>
                 </a:solidFill>
@@ -5260,7 +5014,18 @@
                 <a:ea typeface="ヒラギノ角ゴ Pro W3"/>
                 <a:cs typeface="ヒラギノ角ゴ Pro W3"/>
               </a:rPr>
-              <a:t>は、増え続ける署名者、サポーターのリスト</a:t>
+              <a:t>www.semat.org</a:t>
+            </a:r>
+            <a:r>
+              <a:rPr lang="ja-JP" altLang="en-US" sz="900" dirty="0">
+                <a:solidFill>
+                  <a:srgbClr val="1A1818"/>
+                </a:solidFill>
+                <a:latin typeface="ヒラギノ角ゴ Pro W3"/>
+                <a:ea typeface="ヒラギノ角ゴ Pro W3"/>
+                <a:cs typeface="ヒラギノ角ゴ Pro W3"/>
+              </a:rPr>
+              <a:t>）。</a:t>
             </a:r>
             <a:r>
               <a:rPr lang="en-US" altLang="ja-JP" sz="900" dirty="0">
@@ -5271,10 +5036,10 @@
                 <a:ea typeface="ヒラギノ角ゴ Pro W3"/>
                 <a:cs typeface="ヒラギノ角ゴ Pro W3"/>
               </a:rPr>
-              <a:t>(http://</a:t>
-            </a:r>
-            <a:r>
-              <a:rPr lang="en-US" altLang="ja-JP" sz="900" dirty="0" err="1">
+              <a:t>2010</a:t>
+            </a:r>
+            <a:r>
+              <a:rPr lang="ja-JP" altLang="en-US" sz="900" dirty="0">
                 <a:solidFill>
                   <a:srgbClr val="1A1818"/>
                 </a:solidFill>
@@ -5282,40 +5047,7 @@
                 <a:ea typeface="ヒラギノ角ゴ Pro W3"/>
                 <a:cs typeface="ヒラギノ角ゴ Pro W3"/>
               </a:rPr>
-              <a:t>www.semat.org</a:t>
-            </a:r>
-            <a:r>
-              <a:rPr lang="en-US" altLang="ja-JP" sz="900" dirty="0" smtClean="0">
-                <a:solidFill>
-                  <a:srgbClr val="1A1818"/>
-                </a:solidFill>
-                <a:latin typeface="ヒラギノ角ゴ Pro W3"/>
-                <a:ea typeface="ヒラギノ角ゴ Pro W3"/>
-                <a:cs typeface="ヒラギノ角ゴ Pro W3"/>
-              </a:rPr>
-              <a:t>) </a:t>
-            </a:r>
-            <a:r>
-              <a:rPr lang="ja-JP" altLang="en-US" sz="900" dirty="0" smtClean="0">
-                <a:solidFill>
-                  <a:srgbClr val="1A1818"/>
-                </a:solidFill>
-                <a:latin typeface="ヒラギノ角ゴ Pro W3"/>
-                <a:ea typeface="ヒラギノ角ゴ Pro W3"/>
-                <a:cs typeface="ヒラギノ角ゴ Pro W3"/>
-              </a:rPr>
-              <a:t>を</a:t>
-            </a:r>
-            <a:r>
-              <a:rPr lang="ja-JP" altLang="en-US" sz="900" dirty="0">
-                <a:solidFill>
-                  <a:srgbClr val="1A1818"/>
-                </a:solidFill>
-                <a:latin typeface="ヒラギノ角ゴ Pro W3"/>
-                <a:ea typeface="ヒラギノ角ゴ Pro W3"/>
-                <a:cs typeface="ヒラギノ角ゴ Pro W3"/>
-              </a:rPr>
-              <a:t>含む、広い支援者ベースを得た。</a:t>
+              <a:t>年</a:t>
             </a:r>
             <a:r>
               <a:rPr lang="en-US" altLang="ja-JP" sz="900" dirty="0">
@@ -5326,7 +5058,7 @@
                 <a:ea typeface="ヒラギノ角ゴ Pro W3"/>
                 <a:cs typeface="ヒラギノ角ゴ Pro W3"/>
               </a:rPr>
-              <a:t>2010</a:t>
+              <a:t>2</a:t>
             </a:r>
             <a:r>
               <a:rPr lang="ja-JP" altLang="en-US" sz="900" dirty="0">
@@ -5337,7 +5069,7 @@
                 <a:ea typeface="ヒラギノ角ゴ Pro W3"/>
                 <a:cs typeface="ヒラギノ角ゴ Pro W3"/>
               </a:rPr>
-              <a:t>年</a:t>
+              <a:t>月には、</a:t>
             </a:r>
             <a:r>
               <a:rPr lang="en-US" altLang="ja-JP" sz="900" dirty="0">
@@ -5348,7 +5080,7 @@
                 <a:ea typeface="ヒラギノ角ゴ Pro W3"/>
                 <a:cs typeface="ヒラギノ角ゴ Pro W3"/>
               </a:rPr>
-              <a:t>2</a:t>
+              <a:t>SEMAT</a:t>
             </a:r>
             <a:r>
               <a:rPr lang="ja-JP" altLang="en-US" sz="900" dirty="0">
@@ -5359,7 +5091,7 @@
                 <a:ea typeface="ヒラギノ角ゴ Pro W3"/>
                 <a:cs typeface="ヒラギノ角ゴ Pro W3"/>
               </a:rPr>
-              <a:t>月には、</a:t>
+              <a:t>の創設者は行動宣言をビジョン声明（</a:t>
             </a:r>
             <a:r>
               <a:rPr lang="en-US" altLang="ja-JP" sz="900" dirty="0">
@@ -5370,7 +5102,7 @@
                 <a:ea typeface="ヒラギノ角ゴ Pro W3"/>
                 <a:cs typeface="ヒラギノ角ゴ Pro W3"/>
               </a:rPr>
-              <a:t>SEMAT</a:t>
+              <a:t>vision statement</a:t>
             </a:r>
             <a:r>
               <a:rPr lang="ja-JP" altLang="en-US" sz="900" dirty="0">
@@ -5381,18 +5113,7 @@
                 <a:ea typeface="ヒラギノ角ゴ Pro W3"/>
                 <a:cs typeface="ヒラギノ角ゴ Pro W3"/>
               </a:rPr>
-              <a:t>の創設者</a:t>
-            </a:r>
-            <a:r>
-              <a:rPr lang="ja-JP" altLang="en-US" sz="900" dirty="0" smtClean="0">
-                <a:solidFill>
-                  <a:srgbClr val="1A1818"/>
-                </a:solidFill>
-                <a:latin typeface="ヒラギノ角ゴ Pro W3"/>
-                <a:ea typeface="ヒラギノ角ゴ Pro W3"/>
-                <a:cs typeface="ヒラギノ角ゴ Pro W3"/>
-              </a:rPr>
-              <a:t>は</a:t>
+              <a:t>）として発展させた </a:t>
             </a:r>
             <a:r>
               <a:rPr lang="en-US" altLang="ja-JP" sz="900" dirty="0">
@@ -5403,10 +5124,10 @@
                 <a:ea typeface="ヒラギノ角ゴ Pro W3"/>
                 <a:cs typeface="ヒラギノ角ゴ Pro W3"/>
               </a:rPr>
-              <a:t> </a:t>
-            </a:r>
-            <a:r>
-              <a:rPr lang="en-US" altLang="ja-JP" sz="900" dirty="0" smtClean="0">
+              <a:t>[5]</a:t>
+            </a:r>
+            <a:r>
+              <a:rPr lang="ja-JP" altLang="en-US" sz="900" dirty="0">
                 <a:solidFill>
                   <a:srgbClr val="1A1818"/>
                 </a:solidFill>
@@ -5414,52 +5135,16 @@
                 <a:ea typeface="ヒラギノ角ゴ Pro W3"/>
                 <a:cs typeface="ヒラギノ角ゴ Pro W3"/>
               </a:rPr>
-              <a:t>call for action </a:t>
-            </a:r>
-            <a:r>
-              <a:rPr lang="ja-JP" altLang="en-US" sz="900" dirty="0" smtClean="0">
-                <a:solidFill>
-                  <a:srgbClr val="1A1818"/>
-                </a:solidFill>
-                <a:latin typeface="ヒラギノ角ゴ Pro W3"/>
-                <a:ea typeface="ヒラギノ角ゴ Pro W3"/>
-                <a:cs typeface="ヒラギノ角ゴ Pro W3"/>
-              </a:rPr>
-              <a:t>を</a:t>
-            </a:r>
-            <a:r>
-              <a:rPr lang="ja-JP" altLang="en-US" sz="900" dirty="0">
-                <a:solidFill>
-                  <a:srgbClr val="1A1818"/>
-                </a:solidFill>
-                <a:latin typeface="ヒラギノ角ゴ Pro W3"/>
-                <a:ea typeface="ヒラギノ角ゴ Pro W3"/>
-                <a:cs typeface="ヒラギノ角ゴ Pro W3"/>
-              </a:rPr>
-              <a:t>ビジョンステートメントとして発展させた</a:t>
-            </a:r>
-            <a:r>
-              <a:rPr lang="en-US" altLang="ja-JP" sz="900" dirty="0">
-                <a:solidFill>
-                  <a:srgbClr val="1A1818"/>
-                </a:solidFill>
-                <a:latin typeface="ヒラギノ角ゴ Pro W3"/>
-                <a:ea typeface="ヒラギノ角ゴ Pro W3"/>
-                <a:cs typeface="ヒラギノ角ゴ Pro W3"/>
-              </a:rPr>
-              <a:t>(5)</a:t>
-            </a:r>
-            <a:r>
-              <a:rPr lang="ja-JP" altLang="en-US" sz="900" dirty="0">
-                <a:solidFill>
-                  <a:srgbClr val="1A1818"/>
-                </a:solidFill>
-                <a:latin typeface="ヒラギノ角ゴ Pro W3"/>
-                <a:ea typeface="ヒラギノ角ゴ Pro W3"/>
-                <a:cs typeface="ヒラギノ角ゴ Pro W3"/>
-              </a:rPr>
               <a:t>。</a:t>
             </a:r>
+            <a:endParaRPr lang="ja-JP" altLang="en-US" sz="900" dirty="0">
+              <a:solidFill>
+                <a:srgbClr val="1A1818"/>
+              </a:solidFill>
+              <a:latin typeface="ヒラギノ角ゴ Pro W3"/>
+              <a:ea typeface="ヒラギノ角ゴ Pro W3"/>
+              <a:cs typeface="ヒラギノ角ゴ Pro W3"/>
+            </a:endParaRPr>
           </a:p>
         </p:txBody>
       </p:sp>
@@ -5471,8 +5156,8 @@
         </p:nvSpPr>
         <p:spPr>
           <a:xfrm>
-            <a:off x="4690522" y="1303572"/>
-            <a:ext cx="2056839" cy="8910125"/>
+            <a:off x="4599308" y="1303572"/>
+            <a:ext cx="2148054" cy="8217629"/>
           </a:xfrm>
           <a:prstGeom prst="rect">
             <a:avLst/>
@@ -5493,7 +5178,7 @@
               <a:t>このビジョンに沿って、</a:t>
             </a:r>
             <a:r>
-              <a:rPr lang="en-US" altLang="ja-JP" sz="900" dirty="0" smtClean="0">
+              <a:rPr lang="en-US" altLang="ja-JP" sz="900" dirty="0">
                 <a:latin typeface="ヒラギノ角ゴ Pro W3"/>
                 <a:ea typeface="ヒラギノ角ゴ Pro W3"/>
                 <a:cs typeface="ヒラギノ角ゴ Pro W3"/>
@@ -5522,23 +5207,30 @@
                 <a:ea typeface="ヒラギノ角ゴ Pro W3"/>
                 <a:cs typeface="ヒラギノ角ゴ Pro W3"/>
               </a:rPr>
-              <a:t>つのゴールに焦点を</a:t>
-            </a:r>
-            <a:r>
-              <a:rPr lang="ja-JP" altLang="en-US" sz="900" dirty="0" smtClean="0">
-                <a:latin typeface="ヒラギノ角ゴ Pro W3"/>
-                <a:ea typeface="ヒラギノ角ゴ Pro W3"/>
-                <a:cs typeface="ヒラギノ角ゴ Pro W3"/>
-              </a:rPr>
-              <a:t>合わせた：広く</a:t>
-            </a:r>
-            <a:r>
-              <a:rPr lang="ja-JP" altLang="en-US" sz="900" dirty="0">
-                <a:latin typeface="ヒラギノ角ゴ Pro W3"/>
-                <a:ea typeface="ヒラギノ角ゴ Pro W3"/>
-                <a:cs typeface="ヒラギノ角ゴ Pro W3"/>
-              </a:rPr>
-              <a:t>合意された要素からなるカーネルを見つけること、そして堅固な理論的基礎を定義すること。これら</a:t>
+              <a:t>つのゴールに焦点を合わせた： 広く合意された要素からなるカーネルを見つけること、そして、堅固な理論的基礎を定義することである</a:t>
+            </a:r>
+            <a:r>
+              <a:rPr lang="ja-JP" altLang="en-US" sz="900" dirty="0" smtClean="0">
+                <a:latin typeface="ヒラギノ角ゴ Pro W3"/>
+                <a:ea typeface="ヒラギノ角ゴ Pro W3"/>
+                <a:cs typeface="ヒラギノ角ゴ Pro W3"/>
+              </a:rPr>
+              <a:t>。</a:t>
+            </a:r>
+            <a:endParaRPr lang="en-US" altLang="ja-JP" sz="900" dirty="0" smtClean="0">
+              <a:latin typeface="ヒラギノ角ゴ Pro W3"/>
+              <a:ea typeface="ヒラギノ角ゴ Pro W3"/>
+              <a:cs typeface="ヒラギノ角ゴ Pro W3"/>
+            </a:endParaRPr>
+          </a:p>
+          <a:p>
+            <a:r>
+              <a:rPr lang="ja-JP" altLang="en-US" sz="900" dirty="0">
+                <a:latin typeface="ヒラギノ角ゴ Pro W3"/>
+                <a:ea typeface="ヒラギノ角ゴ Pro W3"/>
+                <a:cs typeface="ヒラギノ角ゴ Pro W3"/>
+              </a:rPr>
+              <a:t>これらの</a:t>
             </a:r>
             <a:r>
               <a:rPr lang="en-US" altLang="ja-JP" sz="900" dirty="0">
@@ -5554,7 +5246,7 @@
                 <a:ea typeface="ヒラギノ角ゴ Pro W3"/>
                 <a:cs typeface="ヒラギノ角ゴ Pro W3"/>
               </a:rPr>
-              <a:t>つの作業はかなりの範囲で独立している。カーネルを見つけることは多数の既存手法の知識を備えた経験のあるソフトウェアエンジニアの実践的な活動である。理論的基礎を定義することはアカデミックな研究活動であり、成功といえる結果に到達するには、何年もかかるだろう</a:t>
+              <a:t>つの作業は、かなりの範囲で独立している。カーネルやその要素を見つけることは、多数の既存手法の知識を備えた経験のあるソフトウェアエンジニアによる実践的な活動となる。対して理論的基礎の定義はアカデミックな研究活動であり、成功といえる結果に到達するには何年もかかるだろう</a:t>
             </a:r>
             <a:r>
               <a:rPr lang="ja-JP" altLang="en-US" sz="900" dirty="0" smtClean="0">
@@ -5564,7 +5256,7 @@
               </a:rPr>
               <a:t>。</a:t>
             </a:r>
-            <a:endParaRPr lang="en-US" sz="900" dirty="0">
+            <a:endParaRPr lang="en-US" altLang="ja-JP" sz="900" dirty="0" smtClean="0">
               <a:latin typeface="ヒラギノ角ゴ Pro W3"/>
               <a:ea typeface="ヒラギノ角ゴ Pro W3"/>
               <a:cs typeface="ヒラギノ角ゴ Pro W3"/>
@@ -10508,23 +10200,7 @@
                 <a:ea typeface="ヒラギノ角ゴ Pro W3"/>
                 <a:cs typeface="ヒラギノ角ゴ Pro W3"/>
               </a:rPr>
-              <a:t>せず</a:t>
-            </a:r>
-            <a:r>
-              <a:rPr lang="ja-JP" altLang="en-US" sz="900" dirty="0" smtClean="0">
-                <a:latin typeface="ヒラギノ角ゴ Pro W3"/>
-                <a:ea typeface="ヒラギノ角ゴ Pro W3"/>
-                <a:cs typeface="ヒラギノ角ゴ Pro W3"/>
-              </a:rPr>
-              <a:t>、</a:t>
-            </a:r>
-            <a:r>
-              <a:rPr lang="ja-JP" altLang="en-US" sz="900" dirty="0" smtClean="0">
-                <a:latin typeface="ヒラギノ角ゴ Pro W3"/>
-                <a:ea typeface="ヒラギノ角ゴ Pro W3"/>
-                <a:cs typeface="ヒラギノ角ゴ Pro W3"/>
-              </a:rPr>
-              <a:t>チェックリストとプロジェクト</a:t>
+              <a:t>せず、チェックリストとプロジェクト</a:t>
             </a:r>
             <a:r>
               <a:rPr lang="ja-JP" altLang="en-US" sz="900" dirty="0">

--- a/p42-jacobson_ja/p42-jacobson_ja.pptx
+++ b/p42-jacobson_ja/p42-jacobson_ja.pptx
@@ -3330,18 +3330,7 @@
                 <a:ea typeface="ヒラギノ角ゴ Std W8"/>
                 <a:cs typeface="ヒラギノ角ゴ Std W8"/>
               </a:rPr>
-              <a:t>思考フレームワークを</a:t>
-            </a:r>
-            <a:r>
-              <a:rPr lang="ja-JP" altLang="en-US" sz="1100" dirty="0">
-                <a:solidFill>
-                  <a:srgbClr val="008000"/>
-                </a:solidFill>
-                <a:latin typeface="ヒラギノ角ゴ Std W8"/>
-                <a:ea typeface="ヒラギノ角ゴ Std W8"/>
-                <a:cs typeface="ヒラギノ角ゴ Std W8"/>
-              </a:rPr>
-              <a:t>「アクショナブル・カーネル</a:t>
+              <a:t>思考フレームワークを「アクショナブル・カーネル</a:t>
             </a:r>
             <a:r>
               <a:rPr lang="en-US" altLang="ja-JP" sz="1100" dirty="0" smtClean="0">
@@ -4429,11 +4418,6 @@
               </a:rPr>
               <a:t>の支持者は新しいアイディアに敏感である。</a:t>
             </a:r>
-            <a:endParaRPr lang="ja-JP" altLang="en-US" sz="900" dirty="0">
-              <a:latin typeface="ヒラギノ角ゴ Pro W3"/>
-              <a:ea typeface="ヒラギノ角ゴ Pro W3"/>
-              <a:cs typeface="ヒラギノ角ゴ Pro W3"/>
-            </a:endParaRPr>
           </a:p>
         </p:txBody>
       </p:sp>
@@ -5137,14 +5121,6 @@
               </a:rPr>
               <a:t>。</a:t>
             </a:r>
-            <a:endParaRPr lang="ja-JP" altLang="en-US" sz="900" dirty="0">
-              <a:solidFill>
-                <a:srgbClr val="1A1818"/>
-              </a:solidFill>
-              <a:latin typeface="ヒラギノ角ゴ Pro W3"/>
-              <a:ea typeface="ヒラギノ角ゴ Pro W3"/>
-              <a:cs typeface="ヒラギノ角ゴ Pro W3"/>
-            </a:endParaRPr>
           </a:p>
         </p:txBody>
       </p:sp>
@@ -5157,7 +5133,7 @@
         <p:spPr>
           <a:xfrm>
             <a:off x="4599308" y="1303572"/>
-            <a:ext cx="2148054" cy="8217629"/>
+            <a:ext cx="2150934" cy="8633128"/>
           </a:xfrm>
           <a:prstGeom prst="rect">
             <a:avLst/>
@@ -5271,12 +5247,28 @@
           </a:p>
           <a:p>
             <a:r>
+              <a:rPr lang="en-US" altLang="en-US" sz="1200" dirty="0" smtClean="0">
+                <a:latin typeface="ヒラギノ角ゴ Pro W6"/>
+                <a:ea typeface="ヒラギノ角ゴ Pro W6"/>
+                <a:cs typeface="ヒラギノ角ゴ Pro W6"/>
+              </a:rPr>
+              <a:t>共通</a:t>
+            </a:r>
+            <a:r>
+              <a:rPr lang="ja-JP" altLang="en-US" sz="1200" dirty="0" smtClean="0">
+                <a:latin typeface="ヒラギノ角ゴ Pro W6"/>
+                <a:ea typeface="ヒラギノ角ゴ Pro W6"/>
+                <a:cs typeface="ヒラギノ角ゴ Pro W6"/>
+              </a:rPr>
+              <a:t>基盤</a:t>
+            </a:r>
+            <a:r>
               <a:rPr lang="ja-JP" altLang="en-US" sz="1200" dirty="0">
                 <a:latin typeface="ヒラギノ角ゴ Pro W6"/>
                 <a:ea typeface="ヒラギノ角ゴ Pro W6"/>
                 <a:cs typeface="ヒラギノ角ゴ Pro W6"/>
               </a:rPr>
-              <a:t>共通基盤の</a:t>
+              <a:t>の「力</a:t>
             </a:r>
             <a:r>
               <a:rPr lang="ja-JP" altLang="en-US" sz="1200" dirty="0" smtClean="0">
@@ -5284,7 +5276,7 @@
                 <a:ea typeface="ヒラギノ角ゴ Pro W6"/>
                 <a:cs typeface="ヒラギノ角ゴ Pro W6"/>
               </a:rPr>
-              <a:t>能力</a:t>
+              <a:t>」</a:t>
             </a:r>
             <a:endParaRPr lang="en-US" altLang="ja-JP" sz="1200" dirty="0" smtClean="0">
               <a:latin typeface="ヒラギノ角ゴ Pro W6"/>
@@ -5294,60 +5286,52 @@
           </a:p>
           <a:p>
             <a:r>
+              <a:rPr lang="en-US" altLang="ja-JP" sz="900" dirty="0" smtClean="0">
+                <a:latin typeface="ヒラギノ角ゴ Pro W3"/>
+                <a:ea typeface="ヒラギノ角ゴ Pro W3"/>
+                <a:cs typeface="ヒラギノ角ゴ Pro W3"/>
+              </a:rPr>
+              <a:t>SEMAT</a:t>
+            </a:r>
+            <a:r>
+              <a:rPr lang="ja-JP" altLang="en-US" sz="900" dirty="0">
+                <a:latin typeface="ヒラギノ角ゴ Pro W3"/>
+                <a:ea typeface="ヒラギノ角ゴ Pro W3"/>
+                <a:cs typeface="ヒラギノ角ゴ Pro W3"/>
+              </a:rPr>
+              <a:t>の第一歩は、ソフトウェア開発における共通基盤（</a:t>
+            </a:r>
+            <a:r>
               <a:rPr lang="en-US" altLang="ja-JP" sz="900" dirty="0">
                 <a:latin typeface="ヒラギノ角ゴ Pro W3"/>
                 <a:ea typeface="ヒラギノ角ゴ Pro W3"/>
                 <a:cs typeface="ヒラギノ角ゴ Pro W3"/>
               </a:rPr>
-              <a:t>SEMAT</a:t>
-            </a:r>
-            <a:r>
-              <a:rPr lang="ja-JP" altLang="en-US" sz="900" dirty="0">
-                <a:latin typeface="ヒラギノ角ゴ Pro W3"/>
-                <a:ea typeface="ヒラギノ角ゴ Pro W3"/>
-                <a:cs typeface="ヒラギノ角ゴ Pro W3"/>
-              </a:rPr>
-              <a:t>の最初のステップは、ソフトウェア開発における共通基盤を確認すること</a:t>
-            </a:r>
-            <a:r>
-              <a:rPr lang="ja-JP" altLang="en-US" sz="900" dirty="0" smtClean="0">
-                <a:latin typeface="ヒラギノ角ゴ Pro W3"/>
-                <a:ea typeface="ヒラギノ角ゴ Pro W3"/>
-                <a:cs typeface="ヒラギノ角ゴ Pro W3"/>
-              </a:rPr>
-              <a:t>であった</a:t>
-            </a:r>
-            <a:r>
-              <a:rPr lang="ja-JP" altLang="en-US" sz="900" dirty="0">
-                <a:latin typeface="ヒラギノ角ゴ Pro W3"/>
-                <a:ea typeface="ヒラギノ角ゴ Pro W3"/>
-                <a:cs typeface="ヒラギノ角ゴ Pro W3"/>
-              </a:rPr>
-              <a:t>。この共通基盤は、すべてのソフトウェア開発活動において普遍的な</a:t>
-            </a:r>
-            <a:r>
-              <a:rPr lang="ja-JP" altLang="en-US" sz="900" dirty="0" smtClean="0">
-                <a:latin typeface="ヒラギノ角ゴ Pro W3"/>
-                <a:ea typeface="ヒラギノ角ゴ Pro W3"/>
-                <a:cs typeface="ヒラギノ角ゴ Pro W3"/>
-              </a:rPr>
-              <a:t>必須要素</a:t>
-            </a:r>
-            <a:r>
-              <a:rPr lang="ja-JP" altLang="en-US" sz="900" dirty="0">
-                <a:latin typeface="ヒラギノ角ゴ Pro W3"/>
-                <a:ea typeface="ヒラギノ角ゴ Pro W3"/>
-                <a:cs typeface="ヒラギノ角ゴ Pro W3"/>
-              </a:rPr>
-              <a:t>のカーネルと、方法論と実践とを記述するためのシンプルな言語として示される</a:t>
-            </a:r>
-            <a:r>
-              <a:rPr lang="ja-JP" altLang="en-US" sz="900" dirty="0" smtClean="0">
-                <a:latin typeface="ヒラギノ角ゴ Pro W3"/>
-                <a:ea typeface="ヒラギノ角ゴ Pro W3"/>
-                <a:cs typeface="ヒラギノ角ゴ Pro W3"/>
-              </a:rPr>
-              <a:t>。</a:t>
+              <a:t>common ground</a:t>
+            </a:r>
+            <a:r>
+              <a:rPr lang="ja-JP" altLang="en-US" sz="900" dirty="0">
+                <a:latin typeface="ヒラギノ角ゴ Pro W3"/>
+                <a:ea typeface="ヒラギノ角ゴ Pro W3"/>
+                <a:cs typeface="ヒラギノ角ゴ Pro W3"/>
+              </a:rPr>
+              <a:t>）を捉えることであった。この共通基盤は、すべてのソフトウェア開発活動において普遍的な必須要素のカーネル（核</a:t>
+            </a:r>
+            <a:r>
+              <a:rPr lang="en-US" altLang="ja-JP" sz="900" dirty="0">
+                <a:latin typeface="ヒラギノ角ゴ Pro W3"/>
+                <a:ea typeface="ヒラギノ角ゴ Pro W3"/>
+                <a:cs typeface="ヒラギノ角ゴ Pro W3"/>
+              </a:rPr>
+              <a:t>; kernel</a:t>
+            </a:r>
+            <a:r>
+              <a:rPr lang="ja-JP" altLang="en-US" sz="900" dirty="0">
+                <a:latin typeface="ヒラギノ角ゴ Pro W3"/>
+                <a:ea typeface="ヒラギノ角ゴ Pro W3"/>
+                <a:cs typeface="ヒラギノ角ゴ Pro W3"/>
+              </a:rPr>
+              <a:t>）、および、手法やプラクティスを記述するためのシンプルな言語として示される。</a:t>
             </a:r>
             <a:r>
               <a:rPr lang="en-US" altLang="ja-JP" sz="900" dirty="0" smtClean="0">
@@ -5365,20 +5349,12 @@
               </a:rPr>
             </a:br>
             <a:r>
-              <a:rPr lang="ja-JP" altLang="en-US" sz="900" dirty="0" smtClean="0">
-                <a:latin typeface="ヒラギノ角ゴ Pro W3"/>
-                <a:ea typeface="ヒラギノ角ゴ Pro W3"/>
-                <a:cs typeface="ヒラギノ角ゴ Pro W3"/>
-              </a:rPr>
-              <a:t>カーネル</a:t>
-            </a:r>
-            <a:r>
-              <a:rPr lang="ja-JP" altLang="en-US" sz="900" dirty="0">
-                <a:latin typeface="ヒラギノ角ゴ Pro W3"/>
-                <a:ea typeface="ヒラギノ角ゴ Pro W3"/>
-                <a:cs typeface="ヒラギノ角ゴ Pro W3"/>
-              </a:rPr>
-              <a:t>は、</a:t>
+              <a:rPr lang="ja-JP" altLang="en-US" sz="900" dirty="0">
+                <a:latin typeface="ヒラギノ角ゴ Pro W3"/>
+                <a:ea typeface="ヒラギノ角ゴ Pro W3"/>
+                <a:cs typeface="ヒラギノ角ゴ Pro W3"/>
+              </a:rPr>
+              <a:t>カーネルは、</a:t>
             </a:r>
             <a:r>
               <a:rPr lang="en-US" altLang="ja-JP" sz="900" dirty="0" smtClean="0">
@@ -5386,7 +5362,31 @@
                 <a:ea typeface="ヒラギノ角ゴ Pro W3"/>
                 <a:cs typeface="ヒラギノ角ゴ Pro W3"/>
               </a:rPr>
-              <a:t>SEMAT OMG</a:t>
+              <a:t>SEMAT </a:t>
+            </a:r>
+            <a:r>
+              <a:rPr lang="ja-JP" altLang="en-US" sz="900" dirty="0" smtClean="0">
+                <a:latin typeface="ヒラギノ角ゴ Pro W3"/>
+                <a:ea typeface="ヒラギノ角ゴ Pro W3"/>
+                <a:cs typeface="ヒラギノ角ゴ Pro W3"/>
+              </a:rPr>
+              <a:t>の</a:t>
+            </a:r>
+            <a:r>
+              <a:rPr lang="en-US" altLang="ja-JP" sz="900" dirty="0" smtClean="0">
+                <a:latin typeface="ヒラギノ角ゴ Pro W3"/>
+                <a:ea typeface="ヒラギノ角ゴ Pro W3"/>
+                <a:cs typeface="ヒラギノ角ゴ Pro W3"/>
+              </a:rPr>
+              <a:t> </a:t>
+            </a:r>
+            <a:r>
+              <a:rPr lang="en-US" altLang="ja-JP" sz="900" dirty="0" smtClean="0">
+                <a:latin typeface="ヒラギノ角ゴ Pro W3"/>
+                <a:ea typeface="ヒラギノ角ゴ Pro W3"/>
+                <a:cs typeface="ヒラギノ角ゴ Pro W3"/>
+              </a:rPr>
+              <a:t>OMG</a:t>
             </a:r>
             <a:r>
               <a:rPr lang="ja-JP" altLang="en-US" sz="900" dirty="0">
@@ -5410,15 +5410,7 @@
                 <a:ea typeface="ヒラギノ角ゴ Pro W3"/>
                 <a:cs typeface="ヒラギノ角ゴ Pro W3"/>
               </a:rPr>
-              <a:t>）提案で初めて公開された</a:t>
-            </a:r>
-            <a:r>
-              <a:rPr lang="ja-JP" altLang="en-US" sz="900" dirty="0" smtClean="0">
-                <a:latin typeface="ヒラギノ角ゴ Pro W3"/>
-                <a:ea typeface="ヒラギノ角ゴ Pro W3"/>
-                <a:cs typeface="ヒラギノ角ゴ Pro W3"/>
-              </a:rPr>
-              <a:t>。図</a:t>
+              <a:t>）に対する提案の中で初めて公開された。図</a:t>
             </a:r>
             <a:r>
               <a:rPr lang="en-US" altLang="ja-JP" sz="900" dirty="0">
@@ -5450,23 +5442,7 @@
                 <a:ea typeface="ヒラギノ角ゴ Pro W3"/>
                 <a:cs typeface="ヒラギノ角ゴ Pro W3"/>
               </a:rPr>
-              <a:t>で示すように、カーネルはソフトウェアシステムを開発するとき</a:t>
-            </a:r>
-            <a:r>
-              <a:rPr lang="ja-JP" altLang="en-US" sz="900" dirty="0" smtClean="0">
-                <a:latin typeface="ヒラギノ角ゴ Pro W3"/>
-                <a:ea typeface="ヒラギノ角ゴ Pro W3"/>
-                <a:cs typeface="ヒラギノ角ゴ Pro W3"/>
-              </a:rPr>
-              <a:t>に「</a:t>
-            </a:r>
-            <a:r>
-              <a:rPr lang="ja-JP" altLang="en-US" sz="900" dirty="0">
-                <a:latin typeface="ヒラギノ角ゴ Pro W3"/>
-                <a:ea typeface="ヒラギノ角ゴ Pro W3"/>
-                <a:cs typeface="ヒラギノ角ゴ Pro W3"/>
-              </a:rPr>
-              <a:t>我々が常に仕事で扱うこと</a:t>
+              <a:t>に示すように、カーネルはソフトウェアシステムを開発するときに「我々が常に仕事で扱うこと（</a:t>
             </a:r>
             <a:r>
               <a:rPr lang="en-US" altLang="ja-JP" sz="900" dirty="0">
@@ -5474,31 +5450,15 @@
                 <a:ea typeface="ヒラギノ角ゴ Pro W3"/>
                 <a:cs typeface="ヒラギノ角ゴ Pro W3"/>
               </a:rPr>
-              <a:t>(things we always work with)</a:t>
-            </a:r>
-            <a:r>
-              <a:rPr lang="ja-JP" altLang="en-US" sz="900" dirty="0">
-                <a:latin typeface="ヒラギノ角ゴ Pro W3"/>
-                <a:ea typeface="ヒラギノ角ゴ Pro W3"/>
-                <a:cs typeface="ヒラギノ角ゴ Pro W3"/>
-              </a:rPr>
-              <a:t>」と「我々が</a:t>
-            </a:r>
-            <a:r>
-              <a:rPr lang="ja-JP" altLang="en-US" sz="900" dirty="0" smtClean="0">
-                <a:latin typeface="ヒラギノ角ゴ Pro W3"/>
-                <a:ea typeface="ヒラギノ角ゴ Pro W3"/>
-                <a:cs typeface="ヒラギノ角ゴ Pro W3"/>
-              </a:rPr>
-              <a:t>常に行う</a:t>
-            </a:r>
-            <a:r>
-              <a:rPr lang="ja-JP" altLang="en-US" sz="900" dirty="0">
-                <a:latin typeface="ヒラギノ角ゴ Pro W3"/>
-                <a:ea typeface="ヒラギノ角ゴ Pro W3"/>
-                <a:cs typeface="ヒラギノ角ゴ Pro W3"/>
-              </a:rPr>
-              <a:t>こと</a:t>
+              <a:t>things we always work with</a:t>
+            </a:r>
+            <a:r>
+              <a:rPr lang="ja-JP" altLang="en-US" sz="900" dirty="0">
+                <a:latin typeface="ヒラギノ角ゴ Pro W3"/>
+                <a:ea typeface="ヒラギノ角ゴ Pro W3"/>
+                <a:cs typeface="ヒラギノ角ゴ Pro W3"/>
+              </a:rPr>
+              <a:t>）」と「我々が常に行うこと</a:t>
             </a:r>
             <a:r>
               <a:rPr lang="en-US" altLang="ja-JP" sz="900" dirty="0">
@@ -5514,7 +5474,7 @@
                 <a:ea typeface="ヒラギノ角ゴ Pro W3"/>
                 <a:cs typeface="ヒラギノ角ゴ Pro W3"/>
               </a:rPr>
-              <a:t>」とを、それぞれ少数含んでいる</a:t>
+              <a:t>」に関する厳選された少数の概念からなる</a:t>
             </a:r>
             <a:r>
               <a:rPr lang="ja-JP" altLang="en-US" sz="900" dirty="0" smtClean="0">
@@ -5537,31 +5497,23 @@
                 <a:ea typeface="ヒラギノ角ゴ Pro W3"/>
                 <a:cs typeface="ヒラギノ角ゴ Pro W3"/>
               </a:rPr>
-              <a:t>「我々が常に保有しているべき技術」を定義する活動も進行中である。しかし</a:t>
-            </a:r>
-            <a:r>
-              <a:rPr lang="ja-JP" altLang="en-US" sz="900" dirty="0" smtClean="0">
-                <a:latin typeface="ヒラギノ角ゴ Pro W3"/>
-                <a:ea typeface="ヒラギノ角ゴ Pro W3"/>
-                <a:cs typeface="ヒラギノ角ゴ Pro W3"/>
-              </a:rPr>
-              <a:t>、これ</a:t>
-            </a:r>
-            <a:r>
-              <a:rPr lang="ja-JP" altLang="en-US" sz="900" dirty="0">
-                <a:latin typeface="ヒラギノ角ゴ Pro W3"/>
-                <a:ea typeface="ヒラギノ角ゴ Pro W3"/>
-                <a:cs typeface="ヒラギノ角ゴ Pro W3"/>
-              </a:rPr>
-              <a:t>はカーネルの将来のバージョンまで待たなければならない</a:t>
-            </a:r>
-            <a:r>
-              <a:rPr lang="ja-JP" altLang="en-US" sz="900" dirty="0" smtClean="0">
-                <a:latin typeface="ヒラギノ角ゴ Pro W3"/>
-                <a:ea typeface="ヒラギノ角ゴ Pro W3"/>
-                <a:cs typeface="ヒラギノ角ゴ Pro W3"/>
-              </a:rPr>
-              <a:t>。</a:t>
+              <a:t>「我々が常に持つべきスキル（</a:t>
+            </a:r>
+            <a:r>
+              <a:rPr lang="en-US" altLang="ja-JP" sz="900" dirty="0">
+                <a:latin typeface="ヒラギノ角ゴ Pro W3"/>
+                <a:ea typeface="ヒラギノ角ゴ Pro W3"/>
+                <a:cs typeface="ヒラギノ角ゴ Pro W3"/>
+              </a:rPr>
+              <a:t>skills we always need to have</a:t>
+            </a:r>
+            <a:r>
+              <a:rPr lang="ja-JP" altLang="en-US" sz="900" dirty="0">
+                <a:latin typeface="ヒラギノ角ゴ Pro W3"/>
+                <a:ea typeface="ヒラギノ角ゴ Pro W3"/>
+                <a:cs typeface="ヒラギノ角ゴ Pro W3"/>
+              </a:rPr>
+              <a:t>）」を定義する活動も進行中である。しかし、これはカーネルの将来のバージョンまで待たなければならない。</a:t>
             </a:r>
             <a:r>
               <a:rPr lang="en-US" altLang="ja-JP" sz="900" dirty="0" smtClean="0">
@@ -5591,15 +5543,7 @@
                 <a:ea typeface="ヒラギノ角ゴ Pro W3"/>
                 <a:cs typeface="ヒラギノ角ゴ Pro W3"/>
               </a:rPr>
-              <a:t>カーネルは概念モデルである以上に、次のものを提供</a:t>
-            </a:r>
-            <a:r>
-              <a:rPr lang="ja-JP" altLang="en-US" sz="900" dirty="0" smtClean="0">
-                <a:latin typeface="ヒラギノ角ゴ Pro W3"/>
-                <a:ea typeface="ヒラギノ角ゴ Pro W3"/>
-                <a:cs typeface="ヒラギノ角ゴ Pro W3"/>
-              </a:rPr>
-              <a:t>する。</a:t>
+              <a:t>カーネルは単なる概念モデルではなく、以下を提供する。</a:t>
             </a:r>
             <a:r>
               <a:rPr lang="en-US" altLang="ja-JP" sz="900" dirty="0" smtClean="0">
@@ -5617,28 +5561,12 @@
               </a:rPr>
             </a:br>
             <a:r>
-              <a:rPr lang="en-US" sz="900" dirty="0">
-                <a:latin typeface="ヒラギノ角ゴ Pro W3"/>
-                <a:ea typeface="ヒラギノ角ゴ Pro W3"/>
-                <a:cs typeface="ヒラギノ角ゴ Pro W3"/>
-              </a:rPr>
-              <a:t>˲</a:t>
-            </a:r>
-            <a:r>
-              <a:rPr lang="ja-JP" altLang="en-US" sz="900" dirty="0" smtClean="0">
-                <a:latin typeface="ヒラギノ角ゴ Pro W3"/>
-                <a:ea typeface="ヒラギノ角ゴ Pro W3"/>
-                <a:cs typeface="ヒラギノ角ゴ Pro W3"/>
-              </a:rPr>
-              <a:t>チーム</a:t>
-            </a:r>
-            <a:r>
-              <a:rPr lang="ja-JP" altLang="en-US" sz="900" dirty="0">
-                <a:latin typeface="ヒラギノ角ゴ Pro W3"/>
-                <a:ea typeface="ヒラギノ角ゴ Pro W3"/>
-                <a:cs typeface="ヒラギノ角ゴ Pro W3"/>
-              </a:rPr>
-              <a:t>において、開発の進捗および努力</a:t>
+              <a:rPr lang="ja-JP" altLang="en-US" sz="900" dirty="0">
+                <a:latin typeface="ヒラギノ角ゴ Pro W3"/>
+                <a:ea typeface="ヒラギノ角ゴ Pro W3"/>
+                <a:cs typeface="ヒラギノ角ゴ Pro W3"/>
+              </a:rPr>
+              <a:t>* チームにおいて、開発の進捗や取り組みの健全性（</a:t>
             </a:r>
             <a:r>
               <a:rPr lang="en-US" altLang="ja-JP" sz="900" dirty="0">
@@ -5646,159 +5574,45 @@
                 <a:ea typeface="ヒラギノ角ゴ Pro W3"/>
                 <a:cs typeface="ヒラギノ角ゴ Pro W3"/>
               </a:rPr>
-              <a:t>(endeavors)</a:t>
-            </a:r>
-            <a:r>
-              <a:rPr lang="ja-JP" altLang="en-US" sz="900" dirty="0">
-                <a:latin typeface="ヒラギノ角ゴ Pro W3"/>
-                <a:ea typeface="ヒラギノ角ゴ Pro W3"/>
-                <a:cs typeface="ヒラギノ角ゴ Pro W3"/>
-              </a:rPr>
-              <a:t>の健全性を論じるため</a:t>
-            </a:r>
-            <a:r>
-              <a:rPr lang="ja-JP" altLang="en-US" sz="900" dirty="0" smtClean="0">
-                <a:latin typeface="ヒラギノ角ゴ Pro W3"/>
-                <a:ea typeface="ヒラギノ角ゴ Pro W3"/>
-                <a:cs typeface="ヒラギノ角ゴ Pro W3"/>
-              </a:rPr>
-              <a:t>の思考</a:t>
-            </a:r>
-            <a:r>
-              <a:rPr lang="ja-JP" altLang="en-US" sz="900" dirty="0">
-                <a:latin typeface="ヒラギノ角ゴ Pro W3"/>
-                <a:ea typeface="ヒラギノ角ゴ Pro W3"/>
-                <a:cs typeface="ヒラギノ角ゴ Pro W3"/>
-              </a:rPr>
-              <a:t>フレームワーク</a:t>
-            </a:r>
-          </a:p>
-          <a:p>
-            <a:r>
-              <a:rPr lang="en-US" sz="900" dirty="0" smtClean="0">
-                <a:latin typeface="ヒラギノ角ゴ Pro W3"/>
-                <a:ea typeface="ヒラギノ角ゴ Pro W3"/>
-                <a:cs typeface="ヒラギノ角ゴ Pro W3"/>
-              </a:rPr>
-              <a:t>˲ </a:t>
-            </a:r>
-            <a:r>
-              <a:rPr lang="ja-JP" altLang="en-US" sz="900" dirty="0">
-                <a:latin typeface="ヒラギノ角ゴ Pro W3"/>
-                <a:ea typeface="ヒラギノ角ゴ Pro W3"/>
-                <a:cs typeface="ヒラギノ角ゴ Pro W3"/>
-              </a:rPr>
-              <a:t>ソフトウェア開発の方法論と実践に関する議論、改善、比較および共有</a:t>
-            </a:r>
-            <a:r>
-              <a:rPr lang="ja-JP" altLang="en-US" sz="900" dirty="0" smtClean="0">
-                <a:latin typeface="ヒラギノ角ゴ Pro W3"/>
-                <a:ea typeface="ヒラギノ角ゴ Pro W3"/>
-                <a:cs typeface="ヒラギノ角ゴ Pro W3"/>
-              </a:rPr>
-              <a:t>のため</a:t>
-            </a:r>
-            <a:r>
-              <a:rPr lang="ja-JP" altLang="en-US" sz="900" dirty="0">
-                <a:latin typeface="ヒラギノ角ゴ Pro W3"/>
-                <a:ea typeface="ヒラギノ角ゴ Pro W3"/>
-                <a:cs typeface="ヒラギノ角ゴ Pro W3"/>
-              </a:rPr>
-              <a:t>の共通</a:t>
-            </a:r>
-            <a:r>
-              <a:rPr lang="ja-JP" altLang="en-US" sz="900" dirty="0" smtClean="0">
-                <a:latin typeface="ヒラギノ角ゴ Pro W3"/>
-                <a:ea typeface="ヒラギノ角ゴ Pro W3"/>
-                <a:cs typeface="ヒラギノ角ゴ Pro W3"/>
-              </a:rPr>
-              <a:t>基盤</a:t>
-            </a:r>
-            <a:endParaRPr lang="en-US" altLang="ja-JP" sz="900" dirty="0" smtClean="0">
-              <a:latin typeface="ヒラギノ角ゴ Pro W3"/>
-              <a:ea typeface="ヒラギノ角ゴ Pro W3"/>
-              <a:cs typeface="ヒラギノ角ゴ Pro W3"/>
-            </a:endParaRPr>
-          </a:p>
-          <a:p>
-            <a:r>
-              <a:rPr lang="en-US" sz="900" dirty="0" smtClean="0">
-                <a:latin typeface="ヒラギノ角ゴ Pro W3"/>
-                <a:ea typeface="ヒラギノ角ゴ Pro W3"/>
-                <a:cs typeface="ヒラギノ角ゴ Pro W3"/>
-              </a:rPr>
-              <a:t>˲ </a:t>
-            </a:r>
-            <a:r>
-              <a:rPr lang="ja-JP" altLang="en-US" sz="900" dirty="0">
-                <a:latin typeface="ヒラギノ角ゴ Pro W3"/>
-                <a:ea typeface="ヒラギノ角ゴ Pro W3"/>
-                <a:cs typeface="ヒラギノ角ゴ Pro W3"/>
-              </a:rPr>
-              <a:t>チームが、別々に定義されたり由来が違うプラクティスを集めることによって</a:t>
-            </a:r>
-            <a:r>
-              <a:rPr lang="ja-JP" altLang="en-US" sz="900" dirty="0" smtClean="0">
-                <a:latin typeface="ヒラギノ角ゴ Pro W3"/>
-                <a:ea typeface="ヒラギノ角ゴ Pro W3"/>
-                <a:cs typeface="ヒラギノ角ゴ Pro W3"/>
-              </a:rPr>
-              <a:t>、チーム</a:t>
-            </a:r>
-            <a:r>
-              <a:rPr lang="ja-JP" altLang="en-US" sz="900" dirty="0">
-                <a:latin typeface="ヒラギノ角ゴ Pro W3"/>
-                <a:ea typeface="ヒラギノ角ゴ Pro W3"/>
-                <a:cs typeface="ヒラギノ角ゴ Pro W3"/>
-              </a:rPr>
-              <a:t>独自の仕事の仕方を組み立て、継続的に改善するための</a:t>
-            </a:r>
-            <a:r>
-              <a:rPr lang="ja-JP" altLang="en-US" sz="900" dirty="0" smtClean="0">
-                <a:latin typeface="ヒラギノ角ゴ Pro W3"/>
-                <a:ea typeface="ヒラギノ角ゴ Pro W3"/>
-                <a:cs typeface="ヒラギノ角ゴ Pro W3"/>
-              </a:rPr>
-              <a:t>フレームワーク</a:t>
-            </a:r>
-            <a:endParaRPr lang="en-US" altLang="ja-JP" sz="900" dirty="0" smtClean="0">
-              <a:latin typeface="ヒラギノ角ゴ Pro W3"/>
-              <a:ea typeface="ヒラギノ角ゴ Pro W3"/>
-              <a:cs typeface="ヒラギノ角ゴ Pro W3"/>
-            </a:endParaRPr>
-          </a:p>
-          <a:p>
-            <a:r>
-              <a:rPr lang="en-US" sz="900" dirty="0" smtClean="0">
-                <a:latin typeface="ヒラギノ角ゴ Pro W3"/>
-                <a:ea typeface="ヒラギノ角ゴ Pro W3"/>
-                <a:cs typeface="ヒラギノ角ゴ Pro W3"/>
-              </a:rPr>
-              <a:t>˲ </a:t>
-            </a:r>
-            <a:r>
-              <a:rPr lang="ja-JP" altLang="en-US" sz="900" dirty="0">
-                <a:latin typeface="ヒラギノ角ゴ Pro W3"/>
-                <a:ea typeface="ヒラギノ角ゴ Pro W3"/>
-                <a:cs typeface="ヒラギノ角ゴ Pro W3"/>
-              </a:rPr>
-              <a:t>開発されたソフトウェアならびに開発に用いられた方法論の品質を評価</a:t>
-            </a:r>
-            <a:r>
-              <a:rPr lang="ja-JP" altLang="en-US" sz="900" dirty="0" smtClean="0">
-                <a:latin typeface="ヒラギノ角ゴ Pro W3"/>
-                <a:ea typeface="ヒラギノ角ゴ Pro W3"/>
-                <a:cs typeface="ヒラギノ角ゴ Pro W3"/>
-              </a:rPr>
-              <a:t>するため</a:t>
-            </a:r>
-            <a:r>
-              <a:rPr lang="ja-JP" altLang="en-US" sz="900" dirty="0">
-                <a:latin typeface="ヒラギノ角ゴ Pro W3"/>
-                <a:ea typeface="ヒラギノ角ゴ Pro W3"/>
-                <a:cs typeface="ヒラギノ角ゴ Pro W3"/>
-              </a:rPr>
-              <a:t>の、事例非依存な計測指標を定義する基礎</a:t>
+              <a:t>health of endeavors</a:t>
+            </a:r>
+            <a:r>
+              <a:rPr lang="ja-JP" altLang="en-US" sz="900" dirty="0">
+                <a:latin typeface="ヒラギノ角ゴ Pro W3"/>
+                <a:ea typeface="ヒラギノ角ゴ Pro W3"/>
+                <a:cs typeface="ヒラギノ角ゴ Pro W3"/>
+              </a:rPr>
+              <a:t>）を推論し判断するための思考フレームワーク</a:t>
+            </a:r>
+          </a:p>
+          <a:p>
+            <a:r>
+              <a:rPr lang="ja-JP" altLang="en-US" sz="900" dirty="0">
+                <a:latin typeface="ヒラギノ角ゴ Pro W3"/>
+                <a:ea typeface="ヒラギノ角ゴ Pro W3"/>
+                <a:cs typeface="ヒラギノ角ゴ Pro W3"/>
+              </a:rPr>
+              <a:t>* ソフトウェア開発の手法とプラクティスについて議論、改善、比較および共有するための共通基盤</a:t>
+            </a:r>
+          </a:p>
+          <a:p>
+            <a:r>
+              <a:rPr lang="ja-JP" altLang="en-US" sz="900" dirty="0">
+                <a:latin typeface="ヒラギノ角ゴ Pro W3"/>
+                <a:ea typeface="ヒラギノ角ゴ Pro W3"/>
+                <a:cs typeface="ヒラギノ角ゴ Pro W3"/>
+              </a:rPr>
+              <a:t>* チームが、別々に定義され由来の異なるプラクティスを集めてチーム独自の仕事の仕方を組み立てて、継続的に改善するためのフレームワーク</a:t>
+            </a:r>
+          </a:p>
+          <a:p>
+            <a:r>
+              <a:rPr lang="ja-JP" altLang="en-US" sz="900" dirty="0">
+                <a:latin typeface="ヒラギノ角ゴ Pro W3"/>
+                <a:ea typeface="ヒラギノ角ゴ Pro W3"/>
+                <a:cs typeface="ヒラギノ角ゴ Pro W3"/>
+              </a:rPr>
+              <a:t>* 開発されたソフトウェアならびに開発に用いられた方法論の品質を評価するための、事例非依存な計測指標を定義する基礎</a:t>
             </a:r>
             <a:r>
               <a:rPr lang="en-US" altLang="ja-JP" sz="900" dirty="0">
@@ -5806,63 +5620,36 @@
                 <a:ea typeface="ヒラギノ角ゴ Pro W3"/>
                 <a:cs typeface="ヒラギノ角ゴ Pro W3"/>
               </a:rPr>
-              <a:t>(foundation</a:t>
-            </a:r>
-            <a:r>
-              <a:rPr lang="en-US" altLang="ja-JP" sz="900" dirty="0" smtClean="0">
-                <a:latin typeface="ヒラギノ角ゴ Pro W3"/>
-                <a:ea typeface="ヒラギノ角ゴ Pro W3"/>
-                <a:cs typeface="ヒラギノ角ゴ Pro W3"/>
-              </a:rPr>
-              <a:t>)</a:t>
-            </a:r>
-          </a:p>
-          <a:p>
-            <a:r>
-              <a:rPr lang="en-US" sz="900" dirty="0" smtClean="0">
-                <a:latin typeface="ヒラギノ角ゴ Pro W3"/>
-                <a:ea typeface="ヒラギノ角ゴ Pro W3"/>
-                <a:cs typeface="ヒラギノ角ゴ Pro W3"/>
-              </a:rPr>
-              <a:t>˲ </a:t>
-            </a:r>
-            <a:r>
-              <a:rPr lang="ja-JP" altLang="en-US" sz="900" dirty="0">
-                <a:latin typeface="ヒラギノ角ゴ Pro W3"/>
-                <a:ea typeface="ヒラギノ角ゴ Pro W3"/>
-                <a:cs typeface="ヒラギノ角ゴ Pro W3"/>
-              </a:rPr>
-              <a:t>最も重要なこととして、どこにいるのか、次に何をすべきなのか、</a:t>
-            </a:r>
-            <a:r>
-              <a:rPr lang="ja-JP" altLang="en-US" sz="900" dirty="0" smtClean="0">
-                <a:latin typeface="ヒラギノ角ゴ Pro W3"/>
-                <a:ea typeface="ヒラギノ角ゴ Pro W3"/>
-                <a:cs typeface="ヒラギノ角ゴ Pro W3"/>
-              </a:rPr>
-              <a:t>そしてどこ</a:t>
-            </a:r>
-            <a:r>
-              <a:rPr lang="ja-JP" altLang="en-US" sz="900" dirty="0">
-                <a:latin typeface="ヒラギノ角ゴ Pro W3"/>
-                <a:ea typeface="ヒラギノ角ゴ Pro W3"/>
-                <a:cs typeface="ヒラギノ角ゴ Pro W3"/>
-              </a:rPr>
-              <a:t>を改善すべきなのかを、チームが理解することを支援する</a:t>
-            </a:r>
-            <a:r>
-              <a:rPr lang="ja-JP" altLang="en-US" sz="900" dirty="0" smtClean="0">
-                <a:latin typeface="ヒラギノ角ゴ Pro W3"/>
-                <a:ea typeface="ヒラギノ角ゴ Pro W3"/>
-                <a:cs typeface="ヒラギノ角ゴ Pro W3"/>
-              </a:rPr>
-              <a:t>方法</a:t>
-            </a:r>
-            <a:endParaRPr lang="en-US" altLang="ja-JP" sz="900" dirty="0" smtClean="0">
-              <a:latin typeface="ヒラギノ角ゴ Pro W3"/>
-              <a:ea typeface="ヒラギノ角ゴ Pro W3"/>
-              <a:cs typeface="ヒラギノ角ゴ Pro W3"/>
-            </a:endParaRPr>
+              <a:t>(foundation)</a:t>
+            </a:r>
+          </a:p>
+          <a:p>
+            <a:r>
+              <a:rPr lang="en-US" altLang="ja-JP" sz="900" dirty="0">
+                <a:latin typeface="ヒラギノ角ゴ Pro W3"/>
+                <a:ea typeface="ヒラギノ角ゴ Pro W3"/>
+                <a:cs typeface="ヒラギノ角ゴ Pro W3"/>
+              </a:rPr>
+              <a:t>* </a:t>
+            </a:r>
+            <a:r>
+              <a:rPr lang="ja-JP" altLang="en-US" sz="900" dirty="0">
+                <a:latin typeface="ヒラギノ角ゴ Pro W3"/>
+                <a:ea typeface="ヒラギノ角ゴ Pro W3"/>
+                <a:cs typeface="ヒラギノ角ゴ Pro W3"/>
+              </a:rPr>
+              <a:t>最も重要なこととして、どこにいるのか、次に何をすべきなのか、そして</a:t>
+            </a:r>
+          </a:p>
+          <a:p>
+            <a:r>
+              <a:rPr lang="ja-JP" altLang="en-US" sz="900" dirty="0">
+                <a:latin typeface="ヒラギノ角ゴ Pro W3"/>
+                <a:ea typeface="ヒラギノ角ゴ Pro W3"/>
+                <a:cs typeface="ヒラギノ角ゴ Pro W3"/>
+              </a:rPr>
+              <a:t>どこを改善すべきなのかを、チームが理解することを支援する方法</a:t>
+            </a:r>
           </a:p>
           <a:p>
             <a:endParaRPr lang="en-US" altLang="ja-JP" sz="900" dirty="0" smtClean="0">

--- a/p42-jacobson_ja/p42-jacobson_ja.pptx
+++ b/p42-jacobson_ja/p42-jacobson_ja.pptx
@@ -3632,8 +3632,8 @@
         </p:nvSpPr>
         <p:spPr>
           <a:xfrm>
-            <a:off x="253906" y="3038039"/>
-            <a:ext cx="4064093" cy="1754327"/>
+            <a:off x="153845" y="2922584"/>
+            <a:ext cx="4064093" cy="2308324"/>
           </a:xfrm>
           <a:prstGeom prst="rect">
             <a:avLst/>
@@ -3646,12 +3646,43 @@
           <a:lstStyle/>
           <a:p>
             <a:r>
+              <a:rPr lang="ja-JP" altLang="en-US" sz="3600" dirty="0" smtClean="0">
+                <a:latin typeface="ヒラギノ角ゴ Std W8"/>
+                <a:ea typeface="ヒラギノ角ゴ Std W8"/>
+                <a:cs typeface="ヒラギノ角ゴ Std W8"/>
+              </a:rPr>
+              <a:t>ソフトウェア</a:t>
+            </a:r>
+            <a:r>
+              <a:rPr lang="en-US" altLang="ja-JP" sz="3600" dirty="0" smtClean="0">
+                <a:latin typeface="ヒラギノ角ゴ Std W8"/>
+                <a:ea typeface="ヒラギノ角ゴ Std W8"/>
+                <a:cs typeface="ヒラギノ角ゴ Std W8"/>
+              </a:rPr>
+              <a:t/>
+            </a:r>
+            <a:br>
+              <a:rPr lang="en-US" altLang="ja-JP" sz="3600" dirty="0" smtClean="0">
+                <a:latin typeface="ヒラギノ角ゴ Std W8"/>
+                <a:ea typeface="ヒラギノ角ゴ Std W8"/>
+                <a:cs typeface="ヒラギノ角ゴ Std W8"/>
+              </a:rPr>
+            </a:br>
+            <a:r>
+              <a:rPr lang="ja-JP" altLang="en-US" sz="3600" dirty="0" smtClean="0">
+                <a:latin typeface="ヒラギノ角ゴ Std W8"/>
+                <a:ea typeface="ヒラギノ角ゴ Std W8"/>
+                <a:cs typeface="ヒラギノ角ゴ Std W8"/>
+              </a:rPr>
+              <a:t>エンジニアリング</a:t>
+            </a:r>
+            <a:r>
               <a:rPr lang="ja-JP" altLang="en-US" sz="3600" dirty="0">
                 <a:latin typeface="ヒラギノ角ゴ Std W8"/>
                 <a:ea typeface="ヒラギノ角ゴ Std W8"/>
                 <a:cs typeface="ヒラギノ角ゴ Std W8"/>
               </a:rPr>
-              <a:t>ソフトウェア工学のエッセンス</a:t>
+              <a:t>のエッセンス</a:t>
             </a:r>
             <a:r>
               <a:rPr lang="en-US" altLang="ja-JP" sz="3600" dirty="0">
@@ -3659,20 +3690,10 @@
                 <a:ea typeface="ヒラギノ角ゴ Std W8"/>
                 <a:cs typeface="ヒラギノ角ゴ Std W8"/>
               </a:rPr>
-              <a:t>:</a:t>
-            </a:r>
-          </a:p>
-          <a:p>
-            <a:r>
-              <a:rPr lang="en-US" altLang="ja-JP" sz="3600" dirty="0" smtClean="0">
-                <a:latin typeface="ヒラギノ角ゴ Std W8"/>
-                <a:ea typeface="ヒラギノ角ゴ Std W8"/>
-                <a:cs typeface="ヒラギノ角ゴ Std W8"/>
-              </a:rPr>
-              <a:t>SEMAT</a:t>
-            </a:r>
-            <a:r>
-              <a:rPr lang="ja-JP" altLang="en-US" sz="3600" dirty="0" smtClean="0">
+              <a:t>: SEMAT </a:t>
+            </a:r>
+            <a:r>
+              <a:rPr lang="ja-JP" altLang="en-US" sz="3600" dirty="0">
                 <a:latin typeface="ヒラギノ角ゴ Std W8"/>
                 <a:ea typeface="ヒラギノ角ゴ Std W8"/>
                 <a:cs typeface="ヒラギノ角ゴ Std W8"/>
@@ -3696,7 +3717,7 @@
         <p:spPr>
           <a:xfrm>
             <a:off x="253907" y="6668490"/>
-            <a:ext cx="3822793" cy="2862322"/>
+            <a:ext cx="3822793" cy="3046987"/>
           </a:xfrm>
           <a:prstGeom prst="rect">
             <a:avLst/>
@@ -3715,7 +3736,7 @@
                 <a:ea typeface="ヒラギノ角ゴ Pro W3"/>
                 <a:cs typeface="ヒラギノ角ゴ Pro W3"/>
               </a:rPr>
-              <a:t>ソフトウェア開発に携わる人なら誰でも、それが複雑でリスクの高い仕事であること、そして関わる人々がよりよいソフトウェアにつながる新しいアイディアをいつでも探していることを知っている。幸運なことに、ソフトウェア工学はまだその若年代にあり、毎年毎年ベストプラクティスの中にイノベーションと改善を見てとれる成長過程の専門分野である。それは例えば、リーンとアジャイルの考え方（</a:t>
+              <a:t>ソフトウェア開発に携わる人なら誰でも、それが複雑でリスクの高い仕事であること、そして関わる人々がよりよいソフトウェアにつながる新しいアイディアをいつでも探していることを知っている。幸運なことに、ソフトウェアエンジニアリングはまだその若年代にあり、毎年毎年ベストプラクティスの中にイノベーションと改善を見てとれる成長過程の専門分野である。それは例えば、リーンとアジャイルの考え方（</a:t>
             </a:r>
             <a:r>
               <a:rPr lang="en-US" altLang="ja-JP" sz="1200" dirty="0" smtClean="0">
@@ -3781,8 +3802,8 @@
         </p:nvSpPr>
         <p:spPr>
           <a:xfrm>
-            <a:off x="4305299" y="1306537"/>
-            <a:ext cx="2374901" cy="8540795"/>
+            <a:off x="4217939" y="1306537"/>
+            <a:ext cx="2462262" cy="8263796"/>
           </a:xfrm>
           <a:prstGeom prst="rect">
             <a:avLst/>
@@ -3878,7 +3899,7 @@
                 <a:ea typeface="ヒラギノ角ゴ Pro W3"/>
                 <a:cs typeface="ヒラギノ角ゴ Pro W3"/>
               </a:rPr>
-              <a:t>このカーネルの構築、すなわち「ソフトウェア工学のエッセンス（</a:t>
+              <a:t>このカーネルの構築、すなわち「ソフトウェアエンジニアリングのエッセンス（</a:t>
             </a:r>
             <a:r>
               <a:rPr lang="en-US" altLang="ja-JP" sz="900" dirty="0">
@@ -3894,7 +3915,7 @@
                 <a:ea typeface="ヒラギノ角ゴ Pro W3"/>
                 <a:cs typeface="ヒラギノ角ゴ Pro W3"/>
               </a:rPr>
-              <a:t>）」は、「ソフトウェア工学の方法論と理論（</a:t>
+              <a:t>）」は、「ソフトウェアエンジニアリングの方法論と理論（</a:t>
             </a:r>
             <a:r>
               <a:rPr lang="en-US" altLang="ja-JP" sz="900" dirty="0">
@@ -3902,7 +3923,23 @@
                 <a:ea typeface="ヒラギノ角ゴ Pro W3"/>
                 <a:cs typeface="ヒラギノ角ゴ Pro W3"/>
               </a:rPr>
-              <a:t>Software Engineering Methods and Theory</a:t>
+              <a:t>Software Engineering Methods and Theory; SEMAT</a:t>
+            </a:r>
+            <a:r>
+              <a:rPr lang="ja-JP" altLang="en-US" sz="900" dirty="0">
+                <a:latin typeface="ヒラギノ角ゴ Pro W3"/>
+                <a:ea typeface="ヒラギノ角ゴ Pro W3"/>
+                <a:cs typeface="ヒラギノ角ゴ Pro W3"/>
+              </a:rPr>
+              <a:t>）」の行動宣言（</a:t>
+            </a:r>
+            <a:r>
+              <a:rPr lang="en-US" altLang="ja-JP" sz="900" dirty="0">
+                <a:latin typeface="ヒラギノ角ゴ Pro W3"/>
+                <a:ea typeface="ヒラギノ角ゴ Pro W3"/>
+                <a:cs typeface="ヒラギノ角ゴ Pro W3"/>
+              </a:rPr>
+              <a:t>call </a:t>
             </a:r>
             <a:r>
               <a:rPr lang="en-US" altLang="ja-JP" sz="900" dirty="0" smtClean="0">
@@ -3910,15 +3947,15 @@
                 <a:ea typeface="ヒラギノ角ゴ Pro W3"/>
                 <a:cs typeface="ヒラギノ角ゴ Pro W3"/>
               </a:rPr>
-              <a:t>; SEMAT</a:t>
-            </a:r>
-            <a:r>
-              <a:rPr lang="ja-JP" altLang="en-US" sz="900" dirty="0">
-                <a:latin typeface="ヒラギノ角ゴ Pro W3"/>
-                <a:ea typeface="ヒラギノ角ゴ Pro W3"/>
-                <a:cs typeface="ヒラギノ角ゴ Pro W3"/>
-              </a:rPr>
-              <a:t>）」の行動宣言（</a:t>
+              <a:t>for action</a:t>
+            </a:r>
+            <a:r>
+              <a:rPr lang="ja-JP" altLang="en-US" sz="900" dirty="0">
+                <a:latin typeface="ヒラギノ角ゴ Pro W3"/>
+                <a:ea typeface="ヒラギノ角ゴ Pro W3"/>
+                <a:cs typeface="ヒラギノ角ゴ Pro W3"/>
+              </a:rPr>
+              <a:t>）（図</a:t>
             </a:r>
             <a:r>
               <a:rPr lang="en-US" altLang="ja-JP" sz="900" dirty="0">
@@ -3926,30 +3963,6 @@
                 <a:ea typeface="ヒラギノ角ゴ Pro W3"/>
                 <a:cs typeface="ヒラギノ角ゴ Pro W3"/>
               </a:rPr>
-              <a:t>call </a:t>
-            </a:r>
-            <a:r>
-              <a:rPr lang="en-US" altLang="ja-JP" sz="900" dirty="0" smtClean="0">
-                <a:latin typeface="ヒラギノ角ゴ Pro W3"/>
-                <a:ea typeface="ヒラギノ角ゴ Pro W3"/>
-                <a:cs typeface="ヒラギノ角ゴ Pro W3"/>
-              </a:rPr>
-              <a:t>for action</a:t>
-            </a:r>
-            <a:r>
-              <a:rPr lang="ja-JP" altLang="en-US" sz="900" dirty="0">
-                <a:latin typeface="ヒラギノ角ゴ Pro W3"/>
-                <a:ea typeface="ヒラギノ角ゴ Pro W3"/>
-                <a:cs typeface="ヒラギノ角ゴ Pro W3"/>
-              </a:rPr>
-              <a:t>）（図</a:t>
-            </a:r>
-            <a:r>
-              <a:rPr lang="en-US" altLang="ja-JP" sz="900" dirty="0">
-                <a:latin typeface="ヒラギノ角ゴ Pro W3"/>
-                <a:ea typeface="ヒラギノ角ゴ Pro W3"/>
-                <a:cs typeface="ヒラギノ角ゴ Pro W3"/>
-              </a:rPr>
               <a:t>1</a:t>
             </a:r>
             <a:r>
@@ -3958,7 +3971,7 @@
                 <a:ea typeface="ヒラギノ角ゴ Pro W3"/>
                 <a:cs typeface="ヒラギノ角ゴ Pro W3"/>
               </a:rPr>
-              <a:t>）に触発されたものであり、それに対する直接の回答でもある。そして、ソフトウェア工学の再定義に向けた小さな一歩でもある</a:t>
+              <a:t>）に触発されたものであり、それに対する直接の回答でもある。そして、ソフトウェアエンジニアリングの再定義に向けた小さな一歩でもある</a:t>
             </a:r>
             <a:r>
               <a:rPr lang="ja-JP" altLang="en-US" sz="900" dirty="0" smtClean="0">
@@ -3983,7 +3996,7 @@
           </a:p>
           <a:p>
             <a:r>
-              <a:rPr lang="en-US" altLang="ja-JP" sz="900" dirty="0">
+              <a:rPr lang="en-US" altLang="ja-JP" sz="900" dirty="0" smtClean="0">
                 <a:latin typeface="ヒラギノ角ゴ Pro W3"/>
                 <a:ea typeface="ヒラギノ角ゴ Pro W3"/>
                 <a:cs typeface="ヒラギノ角ゴ Pro W3"/>
@@ -4148,7 +4161,7 @@
             </a:endParaRPr>
           </a:p>
           <a:p>
-            <a:endParaRPr lang="en-US" sz="900" dirty="0">
+            <a:endParaRPr lang="en-US" altLang="ja-JP" sz="900" dirty="0" smtClean="0">
               <a:latin typeface="ヒラギノ角ゴ Pro W3"/>
               <a:ea typeface="ヒラギノ角ゴ Pro W3"/>
               <a:cs typeface="ヒラギノ角ゴ Pro W3"/>
@@ -4161,7 +4174,7 @@
                 <a:ea typeface="ヒラギノ角ゴ Pro W3"/>
                 <a:cs typeface="ヒラギノ角ゴ Pro W3"/>
               </a:rPr>
-              <a:t>現在のソフトウェア工学のいくつかの分野では、未成熟なプラクティス</a:t>
+              <a:t>現在のソフトウェアエンジニアリングのいくつかの分野では、未成熟なプラクティス</a:t>
             </a:r>
             <a:r>
               <a:rPr lang="en-US" altLang="ja-JP" sz="900" dirty="0">
@@ -4177,8 +4190,21 @@
                 <a:ea typeface="ヒラギノ角ゴ Pro W3"/>
                 <a:cs typeface="ヒラギノ角ゴ Pro W3"/>
               </a:rPr>
-              <a:t>に苦しめられている。具体的には、以下の問題を含む。</a:t>
-            </a:r>
+              <a:t>に苦しめられている。具体的には、以下の問題を含む</a:t>
+            </a:r>
+            <a:r>
+              <a:rPr lang="ja-JP" altLang="en-US" sz="900" dirty="0" smtClean="0">
+                <a:latin typeface="ヒラギノ角ゴ Pro W3"/>
+                <a:ea typeface="ヒラギノ角ゴ Pro W3"/>
+                <a:cs typeface="ヒラギノ角ゴ Pro W3"/>
+              </a:rPr>
+              <a:t>。</a:t>
+            </a:r>
+            <a:endParaRPr lang="en-US" altLang="ja-JP" sz="900" dirty="0" smtClean="0">
+              <a:latin typeface="ヒラギノ角ゴ Pro W3"/>
+              <a:ea typeface="ヒラギノ角ゴ Pro W3"/>
+              <a:cs typeface="ヒラギノ角ゴ Pro W3"/>
+            </a:endParaRPr>
           </a:p>
           <a:p>
             <a:endParaRPr lang="ja-JP" altLang="en-US" sz="900" dirty="0">
@@ -4194,17 +4220,38 @@
                 <a:ea typeface="ヒラギノ角ゴ Pro W3"/>
                 <a:cs typeface="ヒラギノ角ゴ Pro W3"/>
               </a:rPr>
-              <a:t>* 言葉の流行が、工学の一分野というよりファッション業界のようである。</a:t>
-            </a:r>
-          </a:p>
-          <a:p>
-            <a:r>
-              <a:rPr lang="ja-JP" altLang="en-US" sz="900" dirty="0">
-                <a:latin typeface="ヒラギノ角ゴ Pro W3"/>
-                <a:ea typeface="ヒラギノ角ゴ Pro W3"/>
-                <a:cs typeface="ヒラギノ角ゴ Pro W3"/>
-              </a:rPr>
-              <a:t>* 堅固で広く受け入れられるような理論的基礎を欠いている。</a:t>
+              <a:t>*言葉の流行が、エンジニアリングの一分野というよりファッション業界のようである</a:t>
+            </a:r>
+            <a:r>
+              <a:rPr lang="ja-JP" altLang="en-US" sz="900" dirty="0" smtClean="0">
+                <a:latin typeface="ヒラギノ角ゴ Pro W3"/>
+                <a:ea typeface="ヒラギノ角ゴ Pro W3"/>
+                <a:cs typeface="ヒラギノ角ゴ Pro W3"/>
+              </a:rPr>
+              <a:t>。</a:t>
+            </a:r>
+            <a:endParaRPr lang="en-US" altLang="ja-JP" sz="900" dirty="0" smtClean="0">
+              <a:latin typeface="ヒラギノ角ゴ Pro W3"/>
+              <a:ea typeface="ヒラギノ角ゴ Pro W3"/>
+              <a:cs typeface="ヒラギノ角ゴ Pro W3"/>
+            </a:endParaRPr>
+          </a:p>
+          <a:p>
+            <a:r>
+              <a:rPr lang="ja-JP" altLang="en-US" sz="900" dirty="0" smtClean="0">
+                <a:latin typeface="ヒラギノ角ゴ Pro W3"/>
+                <a:ea typeface="ヒラギノ角ゴ Pro W3"/>
+                <a:cs typeface="ヒラギノ角ゴ Pro W3"/>
+              </a:rPr>
+              <a:t>* </a:t>
+            </a:r>
+            <a:r>
+              <a:rPr lang="ja-JP" altLang="en-US" sz="900" dirty="0">
+                <a:latin typeface="ヒラギノ角ゴ Pro W3"/>
+                <a:ea typeface="ヒラギノ角ゴ Pro W3"/>
+                <a:cs typeface="ヒラギノ角ゴ Pro W3"/>
+              </a:rPr>
+              <a:t>堅固で広く受け入れられるような理論的基礎を欠いている。</a:t>
             </a:r>
           </a:p>
           <a:p>
@@ -4429,7 +4476,7 @@
         </p:nvSpPr>
         <p:spPr>
           <a:xfrm>
-            <a:off x="381284" y="4914958"/>
+            <a:off x="253907" y="5230908"/>
             <a:ext cx="1722673" cy="1323439"/>
           </a:xfrm>
           <a:prstGeom prst="rect">
@@ -5378,15 +5425,7 @@
                 <a:ea typeface="ヒラギノ角ゴ Pro W3"/>
                 <a:cs typeface="ヒラギノ角ゴ Pro W3"/>
               </a:rPr>
-              <a:t> </a:t>
-            </a:r>
-            <a:r>
-              <a:rPr lang="en-US" altLang="ja-JP" sz="900" dirty="0" smtClean="0">
-                <a:latin typeface="ヒラギノ角ゴ Pro W3"/>
-                <a:ea typeface="ヒラギノ角ゴ Pro W3"/>
-                <a:cs typeface="ヒラギノ角ゴ Pro W3"/>
-              </a:rPr>
-              <a:t>OMG</a:t>
+              <a:t> OMG</a:t>
             </a:r>
             <a:r>
               <a:rPr lang="ja-JP" altLang="en-US" sz="900" dirty="0">
